--- a/02_Thesis/PARRHI_Thesis/Figures/FigureMaker.pptx
+++ b/02_Thesis/PARRHI_Thesis/Figures/FigureMaker.pptx
@@ -263,7 +263,7 @@
           <a:p>
             <a:fld id="{7CBA829E-0E5E-45A4-B6EB-8046F7F33EA6}" type="datetimeFigureOut">
               <a:rPr lang="en-GB" smtClean="0"/>
-              <a:t>14/04/2019</a:t>
+              <a:t>24/04/2019</a:t>
             </a:fld>
             <a:endParaRPr lang="en-GB"/>
           </a:p>
@@ -463,7 +463,7 @@
           <a:p>
             <a:fld id="{7CBA829E-0E5E-45A4-B6EB-8046F7F33EA6}" type="datetimeFigureOut">
               <a:rPr lang="en-GB" smtClean="0"/>
-              <a:t>14/04/2019</a:t>
+              <a:t>24/04/2019</a:t>
             </a:fld>
             <a:endParaRPr lang="en-GB"/>
           </a:p>
@@ -673,7 +673,7 @@
           <a:p>
             <a:fld id="{7CBA829E-0E5E-45A4-B6EB-8046F7F33EA6}" type="datetimeFigureOut">
               <a:rPr lang="en-GB" smtClean="0"/>
-              <a:t>14/04/2019</a:t>
+              <a:t>24/04/2019</a:t>
             </a:fld>
             <a:endParaRPr lang="en-GB"/>
           </a:p>
@@ -873,7 +873,7 @@
           <a:p>
             <a:fld id="{7CBA829E-0E5E-45A4-B6EB-8046F7F33EA6}" type="datetimeFigureOut">
               <a:rPr lang="en-GB" smtClean="0"/>
-              <a:t>14/04/2019</a:t>
+              <a:t>24/04/2019</a:t>
             </a:fld>
             <a:endParaRPr lang="en-GB"/>
           </a:p>
@@ -1149,7 +1149,7 @@
           <a:p>
             <a:fld id="{7CBA829E-0E5E-45A4-B6EB-8046F7F33EA6}" type="datetimeFigureOut">
               <a:rPr lang="en-GB" smtClean="0"/>
-              <a:t>14/04/2019</a:t>
+              <a:t>24/04/2019</a:t>
             </a:fld>
             <a:endParaRPr lang="en-GB"/>
           </a:p>
@@ -1417,7 +1417,7 @@
           <a:p>
             <a:fld id="{7CBA829E-0E5E-45A4-B6EB-8046F7F33EA6}" type="datetimeFigureOut">
               <a:rPr lang="en-GB" smtClean="0"/>
-              <a:t>14/04/2019</a:t>
+              <a:t>24/04/2019</a:t>
             </a:fld>
             <a:endParaRPr lang="en-GB"/>
           </a:p>
@@ -1832,7 +1832,7 @@
           <a:p>
             <a:fld id="{7CBA829E-0E5E-45A4-B6EB-8046F7F33EA6}" type="datetimeFigureOut">
               <a:rPr lang="en-GB" smtClean="0"/>
-              <a:t>14/04/2019</a:t>
+              <a:t>24/04/2019</a:t>
             </a:fld>
             <a:endParaRPr lang="en-GB"/>
           </a:p>
@@ -1974,7 +1974,7 @@
           <a:p>
             <a:fld id="{7CBA829E-0E5E-45A4-B6EB-8046F7F33EA6}" type="datetimeFigureOut">
               <a:rPr lang="en-GB" smtClean="0"/>
-              <a:t>14/04/2019</a:t>
+              <a:t>24/04/2019</a:t>
             </a:fld>
             <a:endParaRPr lang="en-GB"/>
           </a:p>
@@ -2087,7 +2087,7 @@
           <a:p>
             <a:fld id="{7CBA829E-0E5E-45A4-B6EB-8046F7F33EA6}" type="datetimeFigureOut">
               <a:rPr lang="en-GB" smtClean="0"/>
-              <a:t>14/04/2019</a:t>
+              <a:t>24/04/2019</a:t>
             </a:fld>
             <a:endParaRPr lang="en-GB"/>
           </a:p>
@@ -2400,7 +2400,7 @@
           <a:p>
             <a:fld id="{7CBA829E-0E5E-45A4-B6EB-8046F7F33EA6}" type="datetimeFigureOut">
               <a:rPr lang="en-GB" smtClean="0"/>
-              <a:t>14/04/2019</a:t>
+              <a:t>24/04/2019</a:t>
             </a:fld>
             <a:endParaRPr lang="en-GB"/>
           </a:p>
@@ -2689,7 +2689,7 @@
           <a:p>
             <a:fld id="{7CBA829E-0E5E-45A4-B6EB-8046F7F33EA6}" type="datetimeFigureOut">
               <a:rPr lang="en-GB" smtClean="0"/>
-              <a:t>14/04/2019</a:t>
+              <a:t>24/04/2019</a:t>
             </a:fld>
             <a:endParaRPr lang="en-GB"/>
           </a:p>
@@ -2932,7 +2932,7 @@
           <a:p>
             <a:fld id="{7CBA829E-0E5E-45A4-B6EB-8046F7F33EA6}" type="datetimeFigureOut">
               <a:rPr lang="en-GB" smtClean="0"/>
-              <a:t>14/04/2019</a:t>
+              <a:t>24/04/2019</a:t>
             </a:fld>
             <a:endParaRPr lang="en-GB"/>
           </a:p>
@@ -3398,7 +3398,7 @@
           <a:lstStyle/>
           <a:p>
             <a:pPr algn="ctr"/>
-            <a:endParaRPr lang="en-GB" dirty="0"/>
+            <a:endParaRPr lang="en-GB"/>
           </a:p>
         </p:txBody>
       </p:sp>
@@ -3452,21 +3452,21 @@
           <a:p>
             <a:pPr algn="ctr"/>
             <a:r>
-              <a:rPr lang="de-DE" dirty="0" err="1"/>
+              <a:rPr lang="de-DE" err="1"/>
               <a:t>User‘s</a:t>
             </a:r>
             <a:r>
-              <a:rPr lang="de-DE" dirty="0"/>
+              <a:rPr lang="de-DE"/>
               <a:t> Input Data</a:t>
             </a:r>
           </a:p>
           <a:p>
             <a:pPr algn="ctr"/>
             <a:r>
-              <a:rPr lang="de-DE" dirty="0"/>
+              <a:rPr lang="de-DE"/>
               <a:t>&lt;/&gt;</a:t>
             </a:r>
-            <a:endParaRPr lang="en-GB" dirty="0"/>
+            <a:endParaRPr lang="en-GB"/>
           </a:p>
         </p:txBody>
       </p:sp>
@@ -3595,10 +3595,10 @@
           <a:lstStyle/>
           <a:p>
             <a:r>
-              <a:rPr lang="de-DE" dirty="0"/>
+              <a:rPr lang="de-DE"/>
               <a:t>PARRHI</a:t>
             </a:r>
-            <a:endParaRPr lang="en-GB" dirty="0"/>
+            <a:endParaRPr lang="en-GB"/>
           </a:p>
         </p:txBody>
       </p:sp>
@@ -3652,10 +3652,10 @@
           <a:p>
             <a:pPr algn="ctr"/>
             <a:r>
-              <a:rPr lang="de-DE" dirty="0"/>
+              <a:rPr lang="de-DE"/>
               <a:t>Robot</a:t>
             </a:r>
-            <a:endParaRPr lang="en-GB" dirty="0"/>
+            <a:endParaRPr lang="en-GB"/>
           </a:p>
         </p:txBody>
       </p:sp>
@@ -3688,10 +3688,10 @@
           <a:lstStyle/>
           <a:p>
             <a:r>
-              <a:rPr lang="de-DE" dirty="0"/>
+              <a:rPr lang="de-DE"/>
               <a:t>3D Space</a:t>
             </a:r>
-            <a:endParaRPr lang="en-GB" dirty="0"/>
+            <a:endParaRPr lang="en-GB"/>
           </a:p>
         </p:txBody>
       </p:sp>
@@ -3745,10 +3745,10 @@
           <a:p>
             <a:pPr algn="ctr"/>
             <a:r>
-              <a:rPr lang="de-DE" dirty="0"/>
+              <a:rPr lang="de-DE"/>
               <a:t>Holograms</a:t>
             </a:r>
-            <a:endParaRPr lang="en-GB" dirty="0"/>
+            <a:endParaRPr lang="en-GB"/>
           </a:p>
         </p:txBody>
       </p:sp>
@@ -3802,10 +3802,10 @@
           <a:p>
             <a:pPr algn="ctr"/>
             <a:r>
-              <a:rPr lang="de-DE" dirty="0"/>
+              <a:rPr lang="de-DE"/>
               <a:t>Interpreter</a:t>
             </a:r>
-            <a:endParaRPr lang="en-GB" dirty="0"/>
+            <a:endParaRPr lang="en-GB"/>
           </a:p>
         </p:txBody>
       </p:sp>
@@ -3859,10 +3859,10 @@
           <a:p>
             <a:pPr algn="ctr"/>
             <a:r>
-              <a:rPr lang="de-DE" dirty="0"/>
+              <a:rPr lang="de-DE"/>
               <a:t>Cycle</a:t>
             </a:r>
-            <a:endParaRPr lang="en-GB" dirty="0"/>
+            <a:endParaRPr lang="en-GB"/>
           </a:p>
         </p:txBody>
       </p:sp>
@@ -4144,10 +4144,10 @@
           <a:lstStyle/>
           <a:p>
             <a:r>
-              <a:rPr lang="de-DE" dirty="0"/>
+              <a:rPr lang="de-DE"/>
               <a:t>Input Data</a:t>
             </a:r>
-            <a:endParaRPr lang="en-GB" dirty="0"/>
+            <a:endParaRPr lang="en-GB"/>
           </a:p>
         </p:txBody>
       </p:sp>
@@ -4201,10 +4201,10 @@
           <a:p>
             <a:pPr algn="ctr"/>
             <a:r>
-              <a:rPr lang="de-DE" dirty="0"/>
+              <a:rPr lang="de-DE"/>
               <a:t>Variables</a:t>
             </a:r>
-            <a:endParaRPr lang="en-GB" dirty="0"/>
+            <a:endParaRPr lang="en-GB"/>
           </a:p>
         </p:txBody>
       </p:sp>
@@ -4258,10 +4258,10 @@
           <a:p>
             <a:pPr algn="ctr"/>
             <a:r>
-              <a:rPr lang="de-DE" dirty="0"/>
+              <a:rPr lang="de-DE"/>
               <a:t>Points</a:t>
             </a:r>
-            <a:endParaRPr lang="en-GB" dirty="0"/>
+            <a:endParaRPr lang="en-GB"/>
           </a:p>
         </p:txBody>
       </p:sp>
@@ -4315,10 +4315,10 @@
           <a:p>
             <a:pPr algn="ctr"/>
             <a:r>
-              <a:rPr lang="de-DE" dirty="0"/>
+              <a:rPr lang="de-DE"/>
               <a:t>Holograms</a:t>
             </a:r>
-            <a:endParaRPr lang="en-GB" dirty="0"/>
+            <a:endParaRPr lang="en-GB"/>
           </a:p>
         </p:txBody>
       </p:sp>
@@ -4372,10 +4372,10 @@
           <a:p>
             <a:pPr algn="ctr"/>
             <a:r>
-              <a:rPr lang="de-DE" dirty="0"/>
+              <a:rPr lang="de-DE"/>
               <a:t>Events</a:t>
             </a:r>
-            <a:endParaRPr lang="en-GB" dirty="0"/>
+            <a:endParaRPr lang="en-GB"/>
           </a:p>
         </p:txBody>
       </p:sp>
@@ -4411,28 +4411,1645 @@
       </p:grpSpPr>
       <p:sp>
         <p:nvSpPr>
-          <p:cNvPr id="2" name="Titel 1">
-            <a:extLst>
-              <a:ext uri="{FF2B5EF4-FFF2-40B4-BE49-F238E27FC236}">
-                <a16:creationId xmlns:a16="http://schemas.microsoft.com/office/drawing/2014/main" id="{5ECF2026-48C3-4D9D-925F-5382C3379C2D}"/>
-              </a:ext>
-            </a:extLst>
-          </p:cNvPr>
-          <p:cNvSpPr>
-            <a:spLocks noGrp="1"/>
-          </p:cNvSpPr>
-          <p:nvPr>
-            <p:ph type="title"/>
-          </p:nvPr>
-        </p:nvSpPr>
-        <p:spPr/>
-        <p:txBody>
-          <a:bodyPr/>
-          <a:lstStyle/>
-          <a:p>
+          <p:cNvPr id="6" name="Rechteck: abgerundete Ecken 5">
+            <a:extLst>
+              <a:ext uri="{FF2B5EF4-FFF2-40B4-BE49-F238E27FC236}">
+                <a16:creationId xmlns:a16="http://schemas.microsoft.com/office/drawing/2014/main" id="{1EFBE1EE-B6B9-4699-B39C-194A2FFA5642}"/>
+              </a:ext>
+            </a:extLst>
+          </p:cNvPr>
+          <p:cNvSpPr/>
+          <p:nvPr/>
+        </p:nvSpPr>
+        <p:spPr>
+          <a:xfrm>
+            <a:off x="845197" y="969876"/>
+            <a:ext cx="3781421" cy="3430672"/>
+          </a:xfrm>
+          <a:prstGeom prst="roundRect">
+            <a:avLst>
+              <a:gd name="adj" fmla="val 2329"/>
+            </a:avLst>
+          </a:prstGeom>
+          <a:solidFill>
+            <a:schemeClr val="bg1">
+              <a:lumMod val="95000"/>
+            </a:schemeClr>
+          </a:solidFill>
+          <a:ln>
+            <a:solidFill>
+              <a:schemeClr val="accent1">
+                <a:lumMod val="50000"/>
+              </a:schemeClr>
+            </a:solidFill>
+          </a:ln>
+        </p:spPr>
+        <p:style>
+          <a:lnRef idx="2">
+            <a:schemeClr val="accent6"/>
+          </a:lnRef>
+          <a:fillRef idx="1">
+            <a:schemeClr val="lt1"/>
+          </a:fillRef>
+          <a:effectRef idx="0">
+            <a:schemeClr val="accent6"/>
+          </a:effectRef>
+          <a:fontRef idx="minor">
+            <a:schemeClr val="dk1"/>
+          </a:fontRef>
+        </p:style>
+        <p:txBody>
+          <a:bodyPr rtlCol="0" anchor="ctr"/>
+          <a:lstStyle/>
+          <a:p>
+            <a:pPr algn="ctr"/>
+            <a:endParaRPr lang="en-GB" dirty="0"/>
+          </a:p>
+        </p:txBody>
+      </p:sp>
+      <p:sp>
+        <p:nvSpPr>
+          <p:cNvPr id="84" name="Rechteck: abgerundete Ecken 83">
+            <a:extLst>
+              <a:ext uri="{FF2B5EF4-FFF2-40B4-BE49-F238E27FC236}">
+                <a16:creationId xmlns:a16="http://schemas.microsoft.com/office/drawing/2014/main" id="{9D995733-A6B3-47B0-BD0C-920340C64D0C}"/>
+              </a:ext>
+            </a:extLst>
+          </p:cNvPr>
+          <p:cNvSpPr/>
+          <p:nvPr/>
+        </p:nvSpPr>
+        <p:spPr>
+          <a:xfrm>
+            <a:off x="844004" y="2381158"/>
+            <a:ext cx="2284004" cy="851491"/>
+          </a:xfrm>
+          <a:prstGeom prst="roundRect">
+            <a:avLst>
+              <a:gd name="adj" fmla="val 2329"/>
+            </a:avLst>
+          </a:prstGeom>
+          <a:ln>
+            <a:solidFill>
+              <a:schemeClr val="accent1">
+                <a:lumMod val="50000"/>
+              </a:schemeClr>
+            </a:solidFill>
+          </a:ln>
+        </p:spPr>
+        <p:style>
+          <a:lnRef idx="2">
+            <a:schemeClr val="accent6"/>
+          </a:lnRef>
+          <a:fillRef idx="1">
+            <a:schemeClr val="lt1"/>
+          </a:fillRef>
+          <a:effectRef idx="0">
+            <a:schemeClr val="accent6"/>
+          </a:effectRef>
+          <a:fontRef idx="minor">
+            <a:schemeClr val="dk1"/>
+          </a:fontRef>
+        </p:style>
+        <p:txBody>
+          <a:bodyPr rtlCol="0" anchor="ctr"/>
+          <a:lstStyle/>
+          <a:p>
+            <a:pPr algn="ctr"/>
+            <a:endParaRPr lang="en-GB" dirty="0"/>
+          </a:p>
+        </p:txBody>
+      </p:sp>
+      <p:sp>
+        <p:nvSpPr>
+          <p:cNvPr id="7" name="Textfeld 6">
+            <a:extLst>
+              <a:ext uri="{FF2B5EF4-FFF2-40B4-BE49-F238E27FC236}">
+                <a16:creationId xmlns:a16="http://schemas.microsoft.com/office/drawing/2014/main" id="{A306641F-035E-4DDB-8579-EE779BAEC635}"/>
+              </a:ext>
+            </a:extLst>
+          </p:cNvPr>
+          <p:cNvSpPr txBox="1"/>
+          <p:nvPr/>
+        </p:nvSpPr>
+        <p:spPr>
+          <a:xfrm>
+            <a:off x="845197" y="974753"/>
+            <a:ext cx="1092200" cy="369332"/>
+          </a:xfrm>
+          <a:prstGeom prst="rect">
+            <a:avLst/>
+          </a:prstGeom>
+          <a:noFill/>
+        </p:spPr>
+        <p:txBody>
+          <a:bodyPr wrap="square" rtlCol="0">
+            <a:spAutoFit/>
+          </a:bodyPr>
+          <a:lstStyle/>
+          <a:p>
+            <a:r>
+              <a:rPr lang="de-DE"/>
+              <a:t>PARRHI</a:t>
+            </a:r>
+            <a:endParaRPr lang="en-GB"/>
+          </a:p>
+        </p:txBody>
+      </p:sp>
+      <p:sp>
+        <p:nvSpPr>
+          <p:cNvPr id="10" name="Rechteck: abgerundete Ecken 9">
+            <a:extLst>
+              <a:ext uri="{FF2B5EF4-FFF2-40B4-BE49-F238E27FC236}">
+                <a16:creationId xmlns:a16="http://schemas.microsoft.com/office/drawing/2014/main" id="{C3310D98-86EB-4C12-B7F9-E7D75ECDFA0D}"/>
+              </a:ext>
+            </a:extLst>
+          </p:cNvPr>
+          <p:cNvSpPr/>
+          <p:nvPr/>
+        </p:nvSpPr>
+        <p:spPr>
+          <a:xfrm>
+            <a:off x="6170056" y="4277045"/>
+            <a:ext cx="2686050" cy="774700"/>
+          </a:xfrm>
+          <a:prstGeom prst="roundRect">
+            <a:avLst>
+              <a:gd name="adj" fmla="val 2329"/>
+            </a:avLst>
+          </a:prstGeom>
+          <a:ln>
+            <a:solidFill>
+              <a:schemeClr val="accent1">
+                <a:lumMod val="50000"/>
+              </a:schemeClr>
+            </a:solidFill>
+          </a:ln>
+        </p:spPr>
+        <p:style>
+          <a:lnRef idx="2">
+            <a:schemeClr val="accent6"/>
+          </a:lnRef>
+          <a:fillRef idx="1">
+            <a:schemeClr val="lt1"/>
+          </a:fillRef>
+          <a:effectRef idx="0">
+            <a:schemeClr val="accent6"/>
+          </a:effectRef>
+          <a:fontRef idx="minor">
+            <a:schemeClr val="dk1"/>
+          </a:fontRef>
+        </p:style>
+        <p:txBody>
+          <a:bodyPr rtlCol="0" anchor="ctr"/>
+          <a:lstStyle/>
+          <a:p>
+            <a:pPr algn="ctr"/>
+            <a:r>
+              <a:rPr lang="de-DE"/>
+              <a:t>AR - Space</a:t>
+            </a:r>
+            <a:endParaRPr lang="en-GB"/>
+          </a:p>
+        </p:txBody>
+      </p:sp>
+      <p:sp>
+        <p:nvSpPr>
+          <p:cNvPr id="17" name="Rechteck: abgerundete Ecken 16">
+            <a:extLst>
+              <a:ext uri="{FF2B5EF4-FFF2-40B4-BE49-F238E27FC236}">
+                <a16:creationId xmlns:a16="http://schemas.microsoft.com/office/drawing/2014/main" id="{03AF250F-5B3C-4F50-ABB4-FD7EAD18DE2A}"/>
+              </a:ext>
+            </a:extLst>
+          </p:cNvPr>
+          <p:cNvSpPr/>
+          <p:nvPr/>
+        </p:nvSpPr>
+        <p:spPr>
+          <a:xfrm>
+            <a:off x="6170056" y="3348875"/>
+            <a:ext cx="2686050" cy="774700"/>
+          </a:xfrm>
+          <a:prstGeom prst="roundRect">
+            <a:avLst>
+              <a:gd name="adj" fmla="val 2329"/>
+            </a:avLst>
+          </a:prstGeom>
+          <a:ln>
+            <a:solidFill>
+              <a:schemeClr val="accent1">
+                <a:lumMod val="50000"/>
+              </a:schemeClr>
+            </a:solidFill>
+          </a:ln>
+        </p:spPr>
+        <p:style>
+          <a:lnRef idx="2">
+            <a:schemeClr val="accent6"/>
+          </a:lnRef>
+          <a:fillRef idx="1">
+            <a:schemeClr val="lt1"/>
+          </a:fillRef>
+          <a:effectRef idx="0">
+            <a:schemeClr val="accent6"/>
+          </a:effectRef>
+          <a:fontRef idx="minor">
+            <a:schemeClr val="dk1"/>
+          </a:fontRef>
+        </p:style>
+        <p:txBody>
+          <a:bodyPr rtlCol="0" anchor="ctr"/>
+          <a:lstStyle/>
+          <a:p>
+            <a:pPr algn="ctr"/>
             <a:r>
               <a:rPr lang="de-DE" dirty="0"/>
-              <a:t>Points</a:t>
+              <a:t>Real World</a:t>
+            </a:r>
+            <a:endParaRPr lang="en-GB" dirty="0"/>
+          </a:p>
+        </p:txBody>
+      </p:sp>
+      <p:sp>
+        <p:nvSpPr>
+          <p:cNvPr id="18" name="Rechteck: abgerundete Ecken 17">
+            <a:extLst>
+              <a:ext uri="{FF2B5EF4-FFF2-40B4-BE49-F238E27FC236}">
+                <a16:creationId xmlns:a16="http://schemas.microsoft.com/office/drawing/2014/main" id="{6584CEAC-5F6B-4D92-A39D-A47030D6BBD1}"/>
+              </a:ext>
+            </a:extLst>
+          </p:cNvPr>
+          <p:cNvSpPr/>
+          <p:nvPr/>
+        </p:nvSpPr>
+        <p:spPr>
+          <a:xfrm>
+            <a:off x="1166403" y="1616253"/>
+            <a:ext cx="1794125" cy="560513"/>
+          </a:xfrm>
+          <a:prstGeom prst="roundRect">
+            <a:avLst>
+              <a:gd name="adj" fmla="val 2329"/>
+            </a:avLst>
+          </a:prstGeom>
+          <a:ln>
+            <a:solidFill>
+              <a:schemeClr val="accent1">
+                <a:lumMod val="50000"/>
+              </a:schemeClr>
+            </a:solidFill>
+          </a:ln>
+        </p:spPr>
+        <p:style>
+          <a:lnRef idx="2">
+            <a:schemeClr val="accent6"/>
+          </a:lnRef>
+          <a:fillRef idx="1">
+            <a:schemeClr val="lt1"/>
+          </a:fillRef>
+          <a:effectRef idx="0">
+            <a:schemeClr val="accent6"/>
+          </a:effectRef>
+          <a:fontRef idx="minor">
+            <a:schemeClr val="dk1"/>
+          </a:fontRef>
+        </p:style>
+        <p:txBody>
+          <a:bodyPr rtlCol="0" anchor="ctr"/>
+          <a:lstStyle/>
+          <a:p>
+            <a:pPr algn="ctr"/>
+            <a:r>
+              <a:rPr lang="de-DE" dirty="0"/>
+              <a:t>Real </a:t>
+            </a:r>
+            <a:r>
+              <a:rPr lang="en-GB" dirty="0"/>
+              <a:t>World</a:t>
+            </a:r>
+            <a:r>
+              <a:rPr lang="de-DE" dirty="0"/>
+              <a:t> Model</a:t>
+            </a:r>
+            <a:endParaRPr lang="en-GB" dirty="0"/>
+          </a:p>
+        </p:txBody>
+      </p:sp>
+      <p:cxnSp>
+        <p:nvCxnSpPr>
+          <p:cNvPr id="20" name="Gerade Verbindung mit Pfeil 19">
+            <a:extLst>
+              <a:ext uri="{FF2B5EF4-FFF2-40B4-BE49-F238E27FC236}">
+                <a16:creationId xmlns:a16="http://schemas.microsoft.com/office/drawing/2014/main" id="{A1C0F26C-FA4E-4346-93DC-CDF6EE3108C2}"/>
+              </a:ext>
+            </a:extLst>
+          </p:cNvPr>
+          <p:cNvCxnSpPr>
+            <a:cxnSpLocks/>
+            <a:stCxn id="18" idx="2"/>
+            <a:endCxn id="23" idx="0"/>
+          </p:cNvCxnSpPr>
+          <p:nvPr/>
+        </p:nvCxnSpPr>
+        <p:spPr>
+          <a:xfrm flipH="1">
+            <a:off x="2063465" y="2176766"/>
+            <a:ext cx="1" cy="360013"/>
+          </a:xfrm>
+          <a:prstGeom prst="straightConnector1">
+            <a:avLst/>
+          </a:prstGeom>
+          <a:ln>
+            <a:tailEnd type="triangle"/>
+          </a:ln>
+        </p:spPr>
+        <p:style>
+          <a:lnRef idx="1">
+            <a:schemeClr val="accent1"/>
+          </a:lnRef>
+          <a:fillRef idx="0">
+            <a:schemeClr val="accent1"/>
+          </a:fillRef>
+          <a:effectRef idx="0">
+            <a:schemeClr val="accent1"/>
+          </a:effectRef>
+          <a:fontRef idx="minor">
+            <a:schemeClr val="tx1"/>
+          </a:fontRef>
+        </p:style>
+      </p:cxnSp>
+      <p:sp>
+        <p:nvSpPr>
+          <p:cNvPr id="23" name="Rechteck: abgerundete Ecken 22">
+            <a:extLst>
+              <a:ext uri="{FF2B5EF4-FFF2-40B4-BE49-F238E27FC236}">
+                <a16:creationId xmlns:a16="http://schemas.microsoft.com/office/drawing/2014/main" id="{DABC6553-CEE3-4320-8683-FE14BA91697F}"/>
+              </a:ext>
+            </a:extLst>
+          </p:cNvPr>
+          <p:cNvSpPr/>
+          <p:nvPr/>
+        </p:nvSpPr>
+        <p:spPr>
+          <a:xfrm>
+            <a:off x="1166402" y="2536779"/>
+            <a:ext cx="1794125" cy="560513"/>
+          </a:xfrm>
+          <a:prstGeom prst="roundRect">
+            <a:avLst>
+              <a:gd name="adj" fmla="val 2329"/>
+            </a:avLst>
+          </a:prstGeom>
+          <a:ln>
+            <a:solidFill>
+              <a:schemeClr val="accent1">
+                <a:lumMod val="50000"/>
+              </a:schemeClr>
+            </a:solidFill>
+          </a:ln>
+        </p:spPr>
+        <p:style>
+          <a:lnRef idx="2">
+            <a:schemeClr val="accent6"/>
+          </a:lnRef>
+          <a:fillRef idx="1">
+            <a:schemeClr val="lt1"/>
+          </a:fillRef>
+          <a:effectRef idx="0">
+            <a:schemeClr val="accent6"/>
+          </a:effectRef>
+          <a:fontRef idx="minor">
+            <a:schemeClr val="dk1"/>
+          </a:fontRef>
+        </p:style>
+        <p:txBody>
+          <a:bodyPr rtlCol="0" anchor="ctr"/>
+          <a:lstStyle/>
+          <a:p>
+            <a:pPr algn="ctr"/>
+            <a:r>
+              <a:rPr lang="de-DE" dirty="0"/>
+              <a:t>Parametrised Program</a:t>
+            </a:r>
+            <a:endParaRPr lang="en-GB" dirty="0"/>
+          </a:p>
+        </p:txBody>
+      </p:sp>
+      <p:sp>
+        <p:nvSpPr>
+          <p:cNvPr id="27" name="Rechteck: abgerundete Ecken 26">
+            <a:extLst>
+              <a:ext uri="{FF2B5EF4-FFF2-40B4-BE49-F238E27FC236}">
+                <a16:creationId xmlns:a16="http://schemas.microsoft.com/office/drawing/2014/main" id="{1586ECF8-8B97-47DD-92AA-60700AD8D881}"/>
+              </a:ext>
+            </a:extLst>
+          </p:cNvPr>
+          <p:cNvSpPr/>
+          <p:nvPr/>
+        </p:nvSpPr>
+        <p:spPr>
+          <a:xfrm>
+            <a:off x="3786008" y="1653283"/>
+            <a:ext cx="1681219" cy="486452"/>
+          </a:xfrm>
+          <a:prstGeom prst="roundRect">
+            <a:avLst>
+              <a:gd name="adj" fmla="val 2329"/>
+            </a:avLst>
+          </a:prstGeom>
+          <a:ln>
+            <a:solidFill>
+              <a:schemeClr val="accent1">
+                <a:lumMod val="50000"/>
+              </a:schemeClr>
+            </a:solidFill>
+          </a:ln>
+        </p:spPr>
+        <p:style>
+          <a:lnRef idx="2">
+            <a:schemeClr val="accent6"/>
+          </a:lnRef>
+          <a:fillRef idx="1">
+            <a:schemeClr val="lt1"/>
+          </a:fillRef>
+          <a:effectRef idx="0">
+            <a:schemeClr val="accent6"/>
+          </a:effectRef>
+          <a:fontRef idx="minor">
+            <a:schemeClr val="dk1"/>
+          </a:fontRef>
+        </p:style>
+        <p:txBody>
+          <a:bodyPr rtlCol="0" anchor="ctr"/>
+          <a:lstStyle/>
+          <a:p>
+            <a:pPr algn="ctr"/>
+            <a:r>
+              <a:rPr lang="de-DE" dirty="0"/>
+              <a:t>Input Module</a:t>
+            </a:r>
+            <a:endParaRPr lang="en-GB" dirty="0"/>
+          </a:p>
+        </p:txBody>
+      </p:sp>
+      <p:cxnSp>
+        <p:nvCxnSpPr>
+          <p:cNvPr id="28" name="Gerade Verbindung mit Pfeil 27">
+            <a:extLst>
+              <a:ext uri="{FF2B5EF4-FFF2-40B4-BE49-F238E27FC236}">
+                <a16:creationId xmlns:a16="http://schemas.microsoft.com/office/drawing/2014/main" id="{B182AF0E-464F-4D4B-8D69-678935DBA018}"/>
+              </a:ext>
+            </a:extLst>
+          </p:cNvPr>
+          <p:cNvCxnSpPr>
+            <a:cxnSpLocks/>
+            <a:stCxn id="27" idx="1"/>
+          </p:cNvCxnSpPr>
+          <p:nvPr/>
+        </p:nvCxnSpPr>
+        <p:spPr>
+          <a:xfrm flipH="1">
+            <a:off x="2960528" y="1896509"/>
+            <a:ext cx="825480" cy="0"/>
+          </a:xfrm>
+          <a:prstGeom prst="straightConnector1">
+            <a:avLst/>
+          </a:prstGeom>
+          <a:ln>
+            <a:tailEnd type="triangle"/>
+          </a:ln>
+        </p:spPr>
+        <p:style>
+          <a:lnRef idx="1">
+            <a:schemeClr val="accent1"/>
+          </a:lnRef>
+          <a:fillRef idx="0">
+            <a:schemeClr val="accent1"/>
+          </a:fillRef>
+          <a:effectRef idx="0">
+            <a:schemeClr val="accent1"/>
+          </a:effectRef>
+          <a:fontRef idx="minor">
+            <a:schemeClr val="tx1"/>
+          </a:fontRef>
+        </p:style>
+      </p:cxnSp>
+      <p:cxnSp>
+        <p:nvCxnSpPr>
+          <p:cNvPr id="31" name="Gerade Verbindung mit Pfeil 30">
+            <a:extLst>
+              <a:ext uri="{FF2B5EF4-FFF2-40B4-BE49-F238E27FC236}">
+                <a16:creationId xmlns:a16="http://schemas.microsoft.com/office/drawing/2014/main" id="{C4243D25-332E-4E81-8693-6A080D6E24CD}"/>
+              </a:ext>
+            </a:extLst>
+          </p:cNvPr>
+          <p:cNvCxnSpPr>
+            <a:cxnSpLocks/>
+          </p:cNvCxnSpPr>
+          <p:nvPr/>
+        </p:nvCxnSpPr>
+        <p:spPr>
+          <a:xfrm flipV="1">
+            <a:off x="6412636" y="1896509"/>
+            <a:ext cx="0" cy="1452367"/>
+          </a:xfrm>
+          <a:prstGeom prst="straightConnector1">
+            <a:avLst/>
+          </a:prstGeom>
+          <a:ln>
+            <a:tailEnd type="none"/>
+          </a:ln>
+        </p:spPr>
+        <p:style>
+          <a:lnRef idx="1">
+            <a:schemeClr val="accent1"/>
+          </a:lnRef>
+          <a:fillRef idx="0">
+            <a:schemeClr val="accent1"/>
+          </a:fillRef>
+          <a:effectRef idx="0">
+            <a:schemeClr val="accent1"/>
+          </a:effectRef>
+          <a:fontRef idx="minor">
+            <a:schemeClr val="tx1"/>
+          </a:fontRef>
+        </p:style>
+      </p:cxnSp>
+      <p:cxnSp>
+        <p:nvCxnSpPr>
+          <p:cNvPr id="39" name="Gerade Verbindung mit Pfeil 38">
+            <a:extLst>
+              <a:ext uri="{FF2B5EF4-FFF2-40B4-BE49-F238E27FC236}">
+                <a16:creationId xmlns:a16="http://schemas.microsoft.com/office/drawing/2014/main" id="{94461C56-FE09-47F6-92B0-D9C7B7B9E494}"/>
+              </a:ext>
+            </a:extLst>
+          </p:cNvPr>
+          <p:cNvCxnSpPr>
+            <a:cxnSpLocks/>
+          </p:cNvCxnSpPr>
+          <p:nvPr/>
+        </p:nvCxnSpPr>
+        <p:spPr>
+          <a:xfrm flipV="1">
+            <a:off x="6549796" y="1896509"/>
+            <a:ext cx="0" cy="524195"/>
+          </a:xfrm>
+          <a:prstGeom prst="straightConnector1">
+            <a:avLst/>
+          </a:prstGeom>
+          <a:ln>
+            <a:tailEnd type="none"/>
+          </a:ln>
+        </p:spPr>
+        <p:style>
+          <a:lnRef idx="1">
+            <a:schemeClr val="accent1"/>
+          </a:lnRef>
+          <a:fillRef idx="0">
+            <a:schemeClr val="accent1"/>
+          </a:fillRef>
+          <a:effectRef idx="0">
+            <a:schemeClr val="accent1"/>
+          </a:effectRef>
+          <a:fontRef idx="minor">
+            <a:schemeClr val="tx1"/>
+          </a:fontRef>
+        </p:style>
+      </p:cxnSp>
+      <p:sp>
+        <p:nvSpPr>
+          <p:cNvPr id="8" name="Rechteck: abgerundete Ecken 7">
+            <a:extLst>
+              <a:ext uri="{FF2B5EF4-FFF2-40B4-BE49-F238E27FC236}">
+                <a16:creationId xmlns:a16="http://schemas.microsoft.com/office/drawing/2014/main" id="{0EE1C85E-0D9C-4A76-AC05-495EDA69F8E9}"/>
+              </a:ext>
+            </a:extLst>
+          </p:cNvPr>
+          <p:cNvSpPr/>
+          <p:nvPr/>
+        </p:nvSpPr>
+        <p:spPr>
+          <a:xfrm>
+            <a:off x="6170056" y="2420705"/>
+            <a:ext cx="2686050" cy="774700"/>
+          </a:xfrm>
+          <a:prstGeom prst="roundRect">
+            <a:avLst>
+              <a:gd name="adj" fmla="val 2329"/>
+            </a:avLst>
+          </a:prstGeom>
+          <a:ln>
+            <a:solidFill>
+              <a:schemeClr val="accent1">
+                <a:lumMod val="50000"/>
+              </a:schemeClr>
+            </a:solidFill>
+          </a:ln>
+        </p:spPr>
+        <p:style>
+          <a:lnRef idx="2">
+            <a:schemeClr val="accent6"/>
+          </a:lnRef>
+          <a:fillRef idx="1">
+            <a:schemeClr val="lt1"/>
+          </a:fillRef>
+          <a:effectRef idx="0">
+            <a:schemeClr val="accent6"/>
+          </a:effectRef>
+          <a:fontRef idx="minor">
+            <a:schemeClr val="dk1"/>
+          </a:fontRef>
+        </p:style>
+        <p:txBody>
+          <a:bodyPr rtlCol="0" anchor="ctr"/>
+          <a:lstStyle/>
+          <a:p>
+            <a:pPr algn="ctr"/>
+            <a:r>
+              <a:rPr lang="de-DE"/>
+              <a:t>Robot</a:t>
+            </a:r>
+            <a:endParaRPr lang="en-GB"/>
+          </a:p>
+        </p:txBody>
+      </p:sp>
+      <p:cxnSp>
+        <p:nvCxnSpPr>
+          <p:cNvPr id="41" name="Gerade Verbindung mit Pfeil 40">
+            <a:extLst>
+              <a:ext uri="{FF2B5EF4-FFF2-40B4-BE49-F238E27FC236}">
+                <a16:creationId xmlns:a16="http://schemas.microsoft.com/office/drawing/2014/main" id="{0CF69183-DCB1-40BC-B1B5-EBA0CDEAD6FA}"/>
+              </a:ext>
+            </a:extLst>
+          </p:cNvPr>
+          <p:cNvCxnSpPr>
+            <a:cxnSpLocks/>
+            <a:stCxn id="27" idx="3"/>
+          </p:cNvCxnSpPr>
+          <p:nvPr/>
+        </p:nvCxnSpPr>
+        <p:spPr>
+          <a:xfrm>
+            <a:off x="5467227" y="1896509"/>
+            <a:ext cx="1082569" cy="0"/>
+          </a:xfrm>
+          <a:prstGeom prst="straightConnector1">
+            <a:avLst/>
+          </a:prstGeom>
+          <a:ln>
+            <a:headEnd type="triangle"/>
+            <a:tailEnd type="none" w="sm" len="med"/>
+          </a:ln>
+        </p:spPr>
+        <p:style>
+          <a:lnRef idx="1">
+            <a:schemeClr val="accent1"/>
+          </a:lnRef>
+          <a:fillRef idx="0">
+            <a:schemeClr val="accent1"/>
+          </a:fillRef>
+          <a:effectRef idx="0">
+            <a:schemeClr val="accent1"/>
+          </a:effectRef>
+          <a:fontRef idx="minor">
+            <a:schemeClr val="tx1"/>
+          </a:fontRef>
+        </p:style>
+      </p:cxnSp>
+      <p:sp>
+        <p:nvSpPr>
+          <p:cNvPr id="44" name="Rechteck: abgerundete Ecken 43">
+            <a:extLst>
+              <a:ext uri="{FF2B5EF4-FFF2-40B4-BE49-F238E27FC236}">
+                <a16:creationId xmlns:a16="http://schemas.microsoft.com/office/drawing/2014/main" id="{42285917-BC21-4C24-8318-EEEAF4673BF2}"/>
+              </a:ext>
+            </a:extLst>
+          </p:cNvPr>
+          <p:cNvSpPr/>
+          <p:nvPr/>
+        </p:nvSpPr>
+        <p:spPr>
+          <a:xfrm>
+            <a:off x="1166403" y="3457306"/>
+            <a:ext cx="1794125" cy="560513"/>
+          </a:xfrm>
+          <a:prstGeom prst="roundRect">
+            <a:avLst>
+              <a:gd name="adj" fmla="val 2329"/>
+            </a:avLst>
+          </a:prstGeom>
+          <a:ln>
+            <a:solidFill>
+              <a:schemeClr val="accent1">
+                <a:lumMod val="50000"/>
+              </a:schemeClr>
+            </a:solidFill>
+          </a:ln>
+        </p:spPr>
+        <p:style>
+          <a:lnRef idx="2">
+            <a:schemeClr val="accent6"/>
+          </a:lnRef>
+          <a:fillRef idx="1">
+            <a:schemeClr val="lt1"/>
+          </a:fillRef>
+          <a:effectRef idx="0">
+            <a:schemeClr val="accent6"/>
+          </a:effectRef>
+          <a:fontRef idx="minor">
+            <a:schemeClr val="dk1"/>
+          </a:fontRef>
+        </p:style>
+        <p:txBody>
+          <a:bodyPr rtlCol="0" anchor="ctr"/>
+          <a:lstStyle/>
+          <a:p>
+            <a:pPr algn="ctr"/>
+            <a:r>
+              <a:rPr lang="de-DE" dirty="0"/>
+              <a:t>Core Routine</a:t>
+            </a:r>
+            <a:endParaRPr lang="en-GB" dirty="0"/>
+          </a:p>
+        </p:txBody>
+      </p:sp>
+      <p:cxnSp>
+        <p:nvCxnSpPr>
+          <p:cNvPr id="45" name="Gerade Verbindung mit Pfeil 44">
+            <a:extLst>
+              <a:ext uri="{FF2B5EF4-FFF2-40B4-BE49-F238E27FC236}">
+                <a16:creationId xmlns:a16="http://schemas.microsoft.com/office/drawing/2014/main" id="{2C4A70B6-5D99-403D-966B-0EBA4A79722D}"/>
+              </a:ext>
+            </a:extLst>
+          </p:cNvPr>
+          <p:cNvCxnSpPr>
+            <a:cxnSpLocks/>
+            <a:stCxn id="23" idx="2"/>
+            <a:endCxn id="44" idx="0"/>
+          </p:cNvCxnSpPr>
+          <p:nvPr/>
+        </p:nvCxnSpPr>
+        <p:spPr>
+          <a:xfrm>
+            <a:off x="2063465" y="3097292"/>
+            <a:ext cx="1" cy="360014"/>
+          </a:xfrm>
+          <a:prstGeom prst="straightConnector1">
+            <a:avLst/>
+          </a:prstGeom>
+          <a:ln>
+            <a:tailEnd type="triangle"/>
+          </a:ln>
+        </p:spPr>
+        <p:style>
+          <a:lnRef idx="1">
+            <a:schemeClr val="accent1"/>
+          </a:lnRef>
+          <a:fillRef idx="0">
+            <a:schemeClr val="accent1"/>
+          </a:fillRef>
+          <a:effectRef idx="0">
+            <a:schemeClr val="accent1"/>
+          </a:effectRef>
+          <a:fontRef idx="minor">
+            <a:schemeClr val="tx1"/>
+          </a:fontRef>
+        </p:style>
+      </p:cxnSp>
+      <p:sp>
+        <p:nvSpPr>
+          <p:cNvPr id="48" name="Rechteck: abgerundete Ecken 47">
+            <a:extLst>
+              <a:ext uri="{FF2B5EF4-FFF2-40B4-BE49-F238E27FC236}">
+                <a16:creationId xmlns:a16="http://schemas.microsoft.com/office/drawing/2014/main" id="{99C8273D-4EAB-4804-983D-20448A5965A8}"/>
+              </a:ext>
+            </a:extLst>
+          </p:cNvPr>
+          <p:cNvSpPr/>
+          <p:nvPr/>
+        </p:nvSpPr>
+        <p:spPr>
+          <a:xfrm>
+            <a:off x="3786008" y="3492999"/>
+            <a:ext cx="1681219" cy="486452"/>
+          </a:xfrm>
+          <a:prstGeom prst="roundRect">
+            <a:avLst>
+              <a:gd name="adj" fmla="val 2329"/>
+            </a:avLst>
+          </a:prstGeom>
+          <a:ln>
+            <a:solidFill>
+              <a:schemeClr val="accent1">
+                <a:lumMod val="50000"/>
+              </a:schemeClr>
+            </a:solidFill>
+          </a:ln>
+        </p:spPr>
+        <p:style>
+          <a:lnRef idx="2">
+            <a:schemeClr val="accent6"/>
+          </a:lnRef>
+          <a:fillRef idx="1">
+            <a:schemeClr val="lt1"/>
+          </a:fillRef>
+          <a:effectRef idx="0">
+            <a:schemeClr val="accent6"/>
+          </a:effectRef>
+          <a:fontRef idx="minor">
+            <a:schemeClr val="dk1"/>
+          </a:fontRef>
+        </p:style>
+        <p:txBody>
+          <a:bodyPr rtlCol="0" anchor="ctr"/>
+          <a:lstStyle/>
+          <a:p>
+            <a:pPr algn="ctr"/>
+            <a:r>
+              <a:rPr lang="de-DE" dirty="0"/>
+              <a:t>Output Module</a:t>
+            </a:r>
+            <a:endParaRPr lang="en-GB" dirty="0"/>
+          </a:p>
+        </p:txBody>
+      </p:sp>
+      <p:cxnSp>
+        <p:nvCxnSpPr>
+          <p:cNvPr id="49" name="Gerade Verbindung mit Pfeil 48">
+            <a:extLst>
+              <a:ext uri="{FF2B5EF4-FFF2-40B4-BE49-F238E27FC236}">
+                <a16:creationId xmlns:a16="http://schemas.microsoft.com/office/drawing/2014/main" id="{59BA4E27-F1D3-4071-9B6E-C5810697322C}"/>
+              </a:ext>
+            </a:extLst>
+          </p:cNvPr>
+          <p:cNvCxnSpPr>
+            <a:cxnSpLocks/>
+            <a:stCxn id="44" idx="3"/>
+            <a:endCxn id="48" idx="1"/>
+          </p:cNvCxnSpPr>
+          <p:nvPr/>
+        </p:nvCxnSpPr>
+        <p:spPr>
+          <a:xfrm flipV="1">
+            <a:off x="2960528" y="3736225"/>
+            <a:ext cx="825480" cy="1338"/>
+          </a:xfrm>
+          <a:prstGeom prst="straightConnector1">
+            <a:avLst/>
+          </a:prstGeom>
+          <a:ln>
+            <a:tailEnd type="triangle"/>
+          </a:ln>
+        </p:spPr>
+        <p:style>
+          <a:lnRef idx="1">
+            <a:schemeClr val="accent1"/>
+          </a:lnRef>
+          <a:fillRef idx="0">
+            <a:schemeClr val="accent1"/>
+          </a:fillRef>
+          <a:effectRef idx="0">
+            <a:schemeClr val="accent1"/>
+          </a:effectRef>
+          <a:fontRef idx="minor">
+            <a:schemeClr val="tx1"/>
+          </a:fontRef>
+        </p:style>
+      </p:cxnSp>
+      <p:cxnSp>
+        <p:nvCxnSpPr>
+          <p:cNvPr id="56" name="Gerade Verbindung mit Pfeil 55">
+            <a:extLst>
+              <a:ext uri="{FF2B5EF4-FFF2-40B4-BE49-F238E27FC236}">
+                <a16:creationId xmlns:a16="http://schemas.microsoft.com/office/drawing/2014/main" id="{B8870C48-B767-445B-882B-002998E960CA}"/>
+              </a:ext>
+            </a:extLst>
+          </p:cNvPr>
+          <p:cNvCxnSpPr>
+            <a:cxnSpLocks/>
+            <a:endCxn id="48" idx="3"/>
+          </p:cNvCxnSpPr>
+          <p:nvPr/>
+        </p:nvCxnSpPr>
+        <p:spPr>
+          <a:xfrm flipH="1">
+            <a:off x="5467227" y="3736225"/>
+            <a:ext cx="133473" cy="0"/>
+          </a:xfrm>
+          <a:prstGeom prst="straightConnector1">
+            <a:avLst/>
+          </a:prstGeom>
+          <a:ln>
+            <a:tailEnd type="none"/>
+          </a:ln>
+        </p:spPr>
+        <p:style>
+          <a:lnRef idx="1">
+            <a:schemeClr val="accent1"/>
+          </a:lnRef>
+          <a:fillRef idx="0">
+            <a:schemeClr val="accent1"/>
+          </a:fillRef>
+          <a:effectRef idx="0">
+            <a:schemeClr val="accent1"/>
+          </a:effectRef>
+          <a:fontRef idx="minor">
+            <a:schemeClr val="tx1"/>
+          </a:fontRef>
+        </p:style>
+      </p:cxnSp>
+      <p:cxnSp>
+        <p:nvCxnSpPr>
+          <p:cNvPr id="59" name="Gerade Verbindung mit Pfeil 58">
+            <a:extLst>
+              <a:ext uri="{FF2B5EF4-FFF2-40B4-BE49-F238E27FC236}">
+                <a16:creationId xmlns:a16="http://schemas.microsoft.com/office/drawing/2014/main" id="{ABF5093D-A0B5-4F06-8196-FDEF314BA61F}"/>
+              </a:ext>
+            </a:extLst>
+          </p:cNvPr>
+          <p:cNvCxnSpPr>
+            <a:cxnSpLocks/>
+          </p:cNvCxnSpPr>
+          <p:nvPr/>
+        </p:nvCxnSpPr>
+        <p:spPr>
+          <a:xfrm flipV="1">
+            <a:off x="5600700" y="2808055"/>
+            <a:ext cx="0" cy="1856340"/>
+          </a:xfrm>
+          <a:prstGeom prst="straightConnector1">
+            <a:avLst/>
+          </a:prstGeom>
+          <a:ln>
+            <a:tailEnd type="none"/>
+          </a:ln>
+        </p:spPr>
+        <p:style>
+          <a:lnRef idx="1">
+            <a:schemeClr val="accent1"/>
+          </a:lnRef>
+          <a:fillRef idx="0">
+            <a:schemeClr val="accent1"/>
+          </a:fillRef>
+          <a:effectRef idx="0">
+            <a:schemeClr val="accent1"/>
+          </a:effectRef>
+          <a:fontRef idx="minor">
+            <a:schemeClr val="tx1"/>
+          </a:fontRef>
+        </p:style>
+      </p:cxnSp>
+      <p:cxnSp>
+        <p:nvCxnSpPr>
+          <p:cNvPr id="62" name="Gerade Verbindung mit Pfeil 61">
+            <a:extLst>
+              <a:ext uri="{FF2B5EF4-FFF2-40B4-BE49-F238E27FC236}">
+                <a16:creationId xmlns:a16="http://schemas.microsoft.com/office/drawing/2014/main" id="{73ECA085-1E65-4152-AD1C-036817D1C76A}"/>
+              </a:ext>
+            </a:extLst>
+          </p:cNvPr>
+          <p:cNvCxnSpPr>
+            <a:cxnSpLocks/>
+            <a:endCxn id="8" idx="1"/>
+          </p:cNvCxnSpPr>
+          <p:nvPr/>
+        </p:nvCxnSpPr>
+        <p:spPr>
+          <a:xfrm>
+            <a:off x="5600700" y="2808055"/>
+            <a:ext cx="569356" cy="0"/>
+          </a:xfrm>
+          <a:prstGeom prst="straightConnector1">
+            <a:avLst/>
+          </a:prstGeom>
+          <a:ln>
+            <a:tailEnd type="triangle"/>
+          </a:ln>
+        </p:spPr>
+        <p:style>
+          <a:lnRef idx="1">
+            <a:schemeClr val="accent1"/>
+          </a:lnRef>
+          <a:fillRef idx="0">
+            <a:schemeClr val="accent1"/>
+          </a:fillRef>
+          <a:effectRef idx="0">
+            <a:schemeClr val="accent1"/>
+          </a:effectRef>
+          <a:fontRef idx="minor">
+            <a:schemeClr val="tx1"/>
+          </a:fontRef>
+        </p:style>
+      </p:cxnSp>
+      <p:cxnSp>
+        <p:nvCxnSpPr>
+          <p:cNvPr id="65" name="Gerade Verbindung mit Pfeil 64">
+            <a:extLst>
+              <a:ext uri="{FF2B5EF4-FFF2-40B4-BE49-F238E27FC236}">
+                <a16:creationId xmlns:a16="http://schemas.microsoft.com/office/drawing/2014/main" id="{073FFB52-F35E-43EC-B25B-4E4DB56FE475}"/>
+              </a:ext>
+            </a:extLst>
+          </p:cNvPr>
+          <p:cNvCxnSpPr>
+            <a:cxnSpLocks/>
+            <a:endCxn id="17" idx="1"/>
+          </p:cNvCxnSpPr>
+          <p:nvPr/>
+        </p:nvCxnSpPr>
+        <p:spPr>
+          <a:xfrm>
+            <a:off x="5600700" y="3736225"/>
+            <a:ext cx="569356" cy="0"/>
+          </a:xfrm>
+          <a:prstGeom prst="straightConnector1">
+            <a:avLst/>
+          </a:prstGeom>
+          <a:ln>
+            <a:tailEnd type="triangle"/>
+          </a:ln>
+        </p:spPr>
+        <p:style>
+          <a:lnRef idx="1">
+            <a:schemeClr val="accent1"/>
+          </a:lnRef>
+          <a:fillRef idx="0">
+            <a:schemeClr val="accent1"/>
+          </a:fillRef>
+          <a:effectRef idx="0">
+            <a:schemeClr val="accent1"/>
+          </a:effectRef>
+          <a:fontRef idx="minor">
+            <a:schemeClr val="tx1"/>
+          </a:fontRef>
+        </p:style>
+      </p:cxnSp>
+      <p:cxnSp>
+        <p:nvCxnSpPr>
+          <p:cNvPr id="68" name="Gerade Verbindung mit Pfeil 67">
+            <a:extLst>
+              <a:ext uri="{FF2B5EF4-FFF2-40B4-BE49-F238E27FC236}">
+                <a16:creationId xmlns:a16="http://schemas.microsoft.com/office/drawing/2014/main" id="{E64F7B0B-0AB9-4A52-A764-36FAF10EBE75}"/>
+              </a:ext>
+            </a:extLst>
+          </p:cNvPr>
+          <p:cNvCxnSpPr>
+            <a:cxnSpLocks/>
+            <a:endCxn id="10" idx="1"/>
+          </p:cNvCxnSpPr>
+          <p:nvPr/>
+        </p:nvCxnSpPr>
+        <p:spPr>
+          <a:xfrm>
+            <a:off x="5600700" y="4664395"/>
+            <a:ext cx="569356" cy="0"/>
+          </a:xfrm>
+          <a:prstGeom prst="straightConnector1">
+            <a:avLst/>
+          </a:prstGeom>
+          <a:ln>
+            <a:tailEnd type="triangle"/>
+          </a:ln>
+        </p:spPr>
+        <p:style>
+          <a:lnRef idx="1">
+            <a:schemeClr val="accent1"/>
+          </a:lnRef>
+          <a:fillRef idx="0">
+            <a:schemeClr val="accent1"/>
+          </a:fillRef>
+          <a:effectRef idx="0">
+            <a:schemeClr val="accent1"/>
+          </a:effectRef>
+          <a:fontRef idx="minor">
+            <a:schemeClr val="tx1"/>
+          </a:fontRef>
+        </p:style>
+      </p:cxnSp>
+      <p:sp>
+        <p:nvSpPr>
+          <p:cNvPr id="85" name="Rechteck 84">
+            <a:extLst>
+              <a:ext uri="{FF2B5EF4-FFF2-40B4-BE49-F238E27FC236}">
+                <a16:creationId xmlns:a16="http://schemas.microsoft.com/office/drawing/2014/main" id="{30E04E0C-301E-4FB0-B0C1-D2D1CA5A00DE}"/>
+              </a:ext>
+            </a:extLst>
+          </p:cNvPr>
+          <p:cNvSpPr/>
+          <p:nvPr/>
+        </p:nvSpPr>
+        <p:spPr>
+          <a:xfrm>
+            <a:off x="838896" y="2358628"/>
+            <a:ext cx="84926" cy="881269"/>
+          </a:xfrm>
+          <a:prstGeom prst="rect">
+            <a:avLst/>
+          </a:prstGeom>
+          <a:ln>
+            <a:noFill/>
+          </a:ln>
+        </p:spPr>
+        <p:style>
+          <a:lnRef idx="2">
+            <a:schemeClr val="accent6"/>
+          </a:lnRef>
+          <a:fillRef idx="1">
+            <a:schemeClr val="lt1"/>
+          </a:fillRef>
+          <a:effectRef idx="0">
+            <a:schemeClr val="accent6"/>
+          </a:effectRef>
+          <a:fontRef idx="minor">
+            <a:schemeClr val="dk1"/>
+          </a:fontRef>
+        </p:style>
+        <p:txBody>
+          <a:bodyPr rtlCol="0" anchor="ctr"/>
+          <a:lstStyle/>
+          <a:p>
+            <a:pPr algn="ctr"/>
+            <a:endParaRPr lang="en-GB"/>
+          </a:p>
+        </p:txBody>
+      </p:sp>
+      <p:sp>
+        <p:nvSpPr>
+          <p:cNvPr id="94" name="Rechteck: abgerundete Ecken 93">
+            <a:extLst>
+              <a:ext uri="{FF2B5EF4-FFF2-40B4-BE49-F238E27FC236}">
+                <a16:creationId xmlns:a16="http://schemas.microsoft.com/office/drawing/2014/main" id="{0F7EF4E0-08AD-4ACD-8595-C5DF43BC649C}"/>
+              </a:ext>
+            </a:extLst>
+          </p:cNvPr>
+          <p:cNvSpPr/>
+          <p:nvPr/>
+        </p:nvSpPr>
+        <p:spPr>
+          <a:xfrm>
+            <a:off x="845195" y="2012764"/>
+            <a:ext cx="248061" cy="368394"/>
+          </a:xfrm>
+          <a:prstGeom prst="roundRect">
+            <a:avLst>
+              <a:gd name="adj" fmla="val 2329"/>
+            </a:avLst>
+          </a:prstGeom>
+          <a:solidFill>
+            <a:schemeClr val="bg1">
+              <a:lumMod val="95000"/>
+            </a:schemeClr>
+          </a:solidFill>
+          <a:ln>
+            <a:solidFill>
+              <a:schemeClr val="accent1">
+                <a:lumMod val="50000"/>
+              </a:schemeClr>
+            </a:solidFill>
+          </a:ln>
+        </p:spPr>
+        <p:style>
+          <a:lnRef idx="2">
+            <a:schemeClr val="accent6"/>
+          </a:lnRef>
+          <a:fillRef idx="1">
+            <a:schemeClr val="lt1"/>
+          </a:fillRef>
+          <a:effectRef idx="0">
+            <a:schemeClr val="accent6"/>
+          </a:effectRef>
+          <a:fontRef idx="minor">
+            <a:schemeClr val="dk1"/>
+          </a:fontRef>
+        </p:style>
+        <p:txBody>
+          <a:bodyPr rtlCol="0" anchor="ctr"/>
+          <a:lstStyle/>
+          <a:p>
+            <a:pPr algn="ctr"/>
+            <a:endParaRPr lang="en-GB" dirty="0"/>
+          </a:p>
+        </p:txBody>
+      </p:sp>
+      <p:sp>
+        <p:nvSpPr>
+          <p:cNvPr id="95" name="Rechteck 94">
+            <a:extLst>
+              <a:ext uri="{FF2B5EF4-FFF2-40B4-BE49-F238E27FC236}">
+                <a16:creationId xmlns:a16="http://schemas.microsoft.com/office/drawing/2014/main" id="{51FA1973-38F4-43BF-8FC3-B8A3F5F80F04}"/>
+              </a:ext>
+            </a:extLst>
+          </p:cNvPr>
+          <p:cNvSpPr/>
+          <p:nvPr/>
+        </p:nvSpPr>
+        <p:spPr>
+          <a:xfrm>
+            <a:off x="852764" y="1984773"/>
+            <a:ext cx="264102" cy="214523"/>
+          </a:xfrm>
+          <a:prstGeom prst="rect">
+            <a:avLst/>
+          </a:prstGeom>
+          <a:solidFill>
+            <a:schemeClr val="bg1">
+              <a:lumMod val="95000"/>
+            </a:schemeClr>
+          </a:solidFill>
+          <a:ln>
+            <a:noFill/>
+          </a:ln>
+        </p:spPr>
+        <p:style>
+          <a:lnRef idx="2">
+            <a:schemeClr val="accent6"/>
+          </a:lnRef>
+          <a:fillRef idx="1">
+            <a:schemeClr val="lt1"/>
+          </a:fillRef>
+          <a:effectRef idx="0">
+            <a:schemeClr val="accent6"/>
+          </a:effectRef>
+          <a:fontRef idx="minor">
+            <a:schemeClr val="dk1"/>
+          </a:fontRef>
+        </p:style>
+        <p:txBody>
+          <a:bodyPr rtlCol="0" anchor="ctr"/>
+          <a:lstStyle/>
+          <a:p>
+            <a:pPr algn="ctr"/>
+            <a:endParaRPr lang="en-GB"/>
+          </a:p>
+        </p:txBody>
+      </p:sp>
+      <p:sp>
+        <p:nvSpPr>
+          <p:cNvPr id="96" name="Rechteck 95">
+            <a:extLst>
+              <a:ext uri="{FF2B5EF4-FFF2-40B4-BE49-F238E27FC236}">
+                <a16:creationId xmlns:a16="http://schemas.microsoft.com/office/drawing/2014/main" id="{A940C4EE-8AF7-435D-8F5F-0CDCF408E4A5}"/>
+              </a:ext>
+            </a:extLst>
+          </p:cNvPr>
+          <p:cNvSpPr/>
+          <p:nvPr/>
+        </p:nvSpPr>
+        <p:spPr>
+          <a:xfrm>
+            <a:off x="897193" y="2160682"/>
+            <a:ext cx="264102" cy="214523"/>
+          </a:xfrm>
+          <a:prstGeom prst="rect">
+            <a:avLst/>
+          </a:prstGeom>
+          <a:solidFill>
+            <a:schemeClr val="bg1">
+              <a:lumMod val="95000"/>
+            </a:schemeClr>
+          </a:solidFill>
+          <a:ln>
+            <a:noFill/>
+          </a:ln>
+        </p:spPr>
+        <p:style>
+          <a:lnRef idx="2">
+            <a:schemeClr val="accent6"/>
+          </a:lnRef>
+          <a:fillRef idx="1">
+            <a:schemeClr val="lt1"/>
+          </a:fillRef>
+          <a:effectRef idx="0">
+            <a:schemeClr val="accent6"/>
+          </a:effectRef>
+          <a:fontRef idx="minor">
+            <a:schemeClr val="dk1"/>
+          </a:fontRef>
+        </p:style>
+        <p:txBody>
+          <a:bodyPr rtlCol="0" anchor="ctr"/>
+          <a:lstStyle/>
+          <a:p>
+            <a:pPr algn="ctr"/>
+            <a:endParaRPr lang="en-GB"/>
+          </a:p>
+        </p:txBody>
+      </p:sp>
+      <p:sp>
+        <p:nvSpPr>
+          <p:cNvPr id="97" name="Rechteck: abgerundete Ecken 96">
+            <a:extLst>
+              <a:ext uri="{FF2B5EF4-FFF2-40B4-BE49-F238E27FC236}">
+                <a16:creationId xmlns:a16="http://schemas.microsoft.com/office/drawing/2014/main" id="{BB966240-A434-4C97-BB5E-0158513EBE5A}"/>
+              </a:ext>
+            </a:extLst>
+          </p:cNvPr>
+          <p:cNvSpPr/>
+          <p:nvPr/>
+        </p:nvSpPr>
+        <p:spPr>
+          <a:xfrm>
+            <a:off x="845195" y="3229035"/>
+            <a:ext cx="248061" cy="368394"/>
+          </a:xfrm>
+          <a:prstGeom prst="roundRect">
+            <a:avLst>
+              <a:gd name="adj" fmla="val 2329"/>
+            </a:avLst>
+          </a:prstGeom>
+          <a:solidFill>
+            <a:schemeClr val="bg1">
+              <a:lumMod val="95000"/>
+            </a:schemeClr>
+          </a:solidFill>
+          <a:ln>
+            <a:solidFill>
+              <a:schemeClr val="accent1">
+                <a:lumMod val="50000"/>
+              </a:schemeClr>
+            </a:solidFill>
+          </a:ln>
+        </p:spPr>
+        <p:style>
+          <a:lnRef idx="2">
+            <a:schemeClr val="accent6"/>
+          </a:lnRef>
+          <a:fillRef idx="1">
+            <a:schemeClr val="lt1"/>
+          </a:fillRef>
+          <a:effectRef idx="0">
+            <a:schemeClr val="accent6"/>
+          </a:effectRef>
+          <a:fontRef idx="minor">
+            <a:schemeClr val="dk1"/>
+          </a:fontRef>
+        </p:style>
+        <p:txBody>
+          <a:bodyPr rtlCol="0" anchor="ctr"/>
+          <a:lstStyle/>
+          <a:p>
+            <a:pPr algn="ctr"/>
+            <a:endParaRPr lang="en-GB" dirty="0"/>
+          </a:p>
+        </p:txBody>
+      </p:sp>
+      <p:sp>
+        <p:nvSpPr>
+          <p:cNvPr id="98" name="Rechteck 97">
+            <a:extLst>
+              <a:ext uri="{FF2B5EF4-FFF2-40B4-BE49-F238E27FC236}">
+                <a16:creationId xmlns:a16="http://schemas.microsoft.com/office/drawing/2014/main" id="{AC38A12A-EBE5-410A-9BCC-CE2159756E55}"/>
+              </a:ext>
+            </a:extLst>
+          </p:cNvPr>
+          <p:cNvSpPr/>
+          <p:nvPr/>
+        </p:nvSpPr>
+        <p:spPr>
+          <a:xfrm>
+            <a:off x="904363" y="3238308"/>
+            <a:ext cx="264102" cy="214523"/>
+          </a:xfrm>
+          <a:prstGeom prst="rect">
+            <a:avLst/>
+          </a:prstGeom>
+          <a:solidFill>
+            <a:schemeClr val="bg1">
+              <a:lumMod val="95000"/>
+            </a:schemeClr>
+          </a:solidFill>
+          <a:ln>
+            <a:noFill/>
+          </a:ln>
+        </p:spPr>
+        <p:style>
+          <a:lnRef idx="2">
+            <a:schemeClr val="accent6"/>
+          </a:lnRef>
+          <a:fillRef idx="1">
+            <a:schemeClr val="lt1"/>
+          </a:fillRef>
+          <a:effectRef idx="0">
+            <a:schemeClr val="accent6"/>
+          </a:effectRef>
+          <a:fontRef idx="minor">
+            <a:schemeClr val="dk1"/>
+          </a:fontRef>
+        </p:style>
+        <p:txBody>
+          <a:bodyPr rtlCol="0" anchor="ctr"/>
+          <a:lstStyle/>
+          <a:p>
+            <a:pPr algn="ctr"/>
+            <a:endParaRPr lang="en-GB"/>
+          </a:p>
+        </p:txBody>
+      </p:sp>
+      <p:sp>
+        <p:nvSpPr>
+          <p:cNvPr id="99" name="Rechteck 98">
+            <a:extLst>
+              <a:ext uri="{FF2B5EF4-FFF2-40B4-BE49-F238E27FC236}">
+                <a16:creationId xmlns:a16="http://schemas.microsoft.com/office/drawing/2014/main" id="{4DFB57E4-F5F5-49CA-BC75-46DBC7AB2800}"/>
+              </a:ext>
+            </a:extLst>
+          </p:cNvPr>
+          <p:cNvSpPr/>
+          <p:nvPr/>
+        </p:nvSpPr>
+        <p:spPr>
+          <a:xfrm>
+            <a:off x="852764" y="3437042"/>
+            <a:ext cx="264102" cy="245166"/>
+          </a:xfrm>
+          <a:prstGeom prst="rect">
+            <a:avLst/>
+          </a:prstGeom>
+          <a:solidFill>
+            <a:schemeClr val="bg1">
+              <a:lumMod val="95000"/>
+            </a:schemeClr>
+          </a:solidFill>
+          <a:ln>
+            <a:noFill/>
+          </a:ln>
+        </p:spPr>
+        <p:style>
+          <a:lnRef idx="2">
+            <a:schemeClr val="accent6"/>
+          </a:lnRef>
+          <a:fillRef idx="1">
+            <a:schemeClr val="lt1"/>
+          </a:fillRef>
+          <a:effectRef idx="0">
+            <a:schemeClr val="accent6"/>
+          </a:effectRef>
+          <a:fontRef idx="minor">
+            <a:schemeClr val="dk1"/>
+          </a:fontRef>
+        </p:style>
+        <p:txBody>
+          <a:bodyPr rtlCol="0" anchor="ctr"/>
+          <a:lstStyle/>
+          <a:p>
+            <a:pPr algn="ctr"/>
+            <a:endParaRPr lang="en-GB"/>
+          </a:p>
+        </p:txBody>
+      </p:sp>
+      <p:sp>
+        <p:nvSpPr>
+          <p:cNvPr id="100" name="Ellipse 99">
+            <a:extLst>
+              <a:ext uri="{FF2B5EF4-FFF2-40B4-BE49-F238E27FC236}">
+                <a16:creationId xmlns:a16="http://schemas.microsoft.com/office/drawing/2014/main" id="{459A01C4-F8CB-4BD3-832A-DE3A51527352}"/>
+              </a:ext>
+            </a:extLst>
+          </p:cNvPr>
+          <p:cNvSpPr/>
+          <p:nvPr/>
+        </p:nvSpPr>
+        <p:spPr>
+          <a:xfrm>
+            <a:off x="987990" y="1447347"/>
+            <a:ext cx="348008" cy="342604"/>
+          </a:xfrm>
+          <a:prstGeom prst="ellipse">
+            <a:avLst/>
+          </a:prstGeom>
+          <a:ln>
+            <a:solidFill>
+              <a:schemeClr val="tx1"/>
+            </a:solidFill>
+          </a:ln>
+        </p:spPr>
+        <p:style>
+          <a:lnRef idx="2">
+            <a:schemeClr val="accent6"/>
+          </a:lnRef>
+          <a:fillRef idx="1">
+            <a:schemeClr val="lt1"/>
+          </a:fillRef>
+          <a:effectRef idx="0">
+            <a:schemeClr val="accent6"/>
+          </a:effectRef>
+          <a:fontRef idx="minor">
+            <a:schemeClr val="dk1"/>
+          </a:fontRef>
+        </p:style>
+        <p:txBody>
+          <a:bodyPr rtlCol="0" anchor="ctr"/>
+          <a:lstStyle/>
+          <a:p>
+            <a:pPr algn="ctr"/>
+            <a:r>
+              <a:rPr lang="de-DE" dirty="0"/>
+              <a:t>1</a:t>
+            </a:r>
+            <a:endParaRPr lang="en-GB" dirty="0"/>
+          </a:p>
+        </p:txBody>
+      </p:sp>
+      <p:sp>
+        <p:nvSpPr>
+          <p:cNvPr id="101" name="Ellipse 100">
+            <a:extLst>
+              <a:ext uri="{FF2B5EF4-FFF2-40B4-BE49-F238E27FC236}">
+                <a16:creationId xmlns:a16="http://schemas.microsoft.com/office/drawing/2014/main" id="{23B5BB1B-296B-481E-BE77-FE9C5AF5B479}"/>
+              </a:ext>
+            </a:extLst>
+          </p:cNvPr>
+          <p:cNvSpPr/>
+          <p:nvPr/>
+        </p:nvSpPr>
+        <p:spPr>
+          <a:xfrm>
+            <a:off x="981781" y="2645479"/>
+            <a:ext cx="348008" cy="342604"/>
+          </a:xfrm>
+          <a:prstGeom prst="ellipse">
+            <a:avLst/>
+          </a:prstGeom>
+          <a:ln>
+            <a:solidFill>
+              <a:schemeClr val="tx1"/>
+            </a:solidFill>
+          </a:ln>
+        </p:spPr>
+        <p:style>
+          <a:lnRef idx="2">
+            <a:schemeClr val="accent6"/>
+          </a:lnRef>
+          <a:fillRef idx="1">
+            <a:schemeClr val="lt1"/>
+          </a:fillRef>
+          <a:effectRef idx="0">
+            <a:schemeClr val="accent6"/>
+          </a:effectRef>
+          <a:fontRef idx="minor">
+            <a:schemeClr val="dk1"/>
+          </a:fontRef>
+        </p:style>
+        <p:txBody>
+          <a:bodyPr rtlCol="0" anchor="ctr"/>
+          <a:lstStyle/>
+          <a:p>
+            <a:pPr algn="ctr"/>
+            <a:r>
+              <a:rPr lang="de-DE" dirty="0"/>
+              <a:t>2</a:t>
+            </a:r>
+            <a:endParaRPr lang="en-GB" dirty="0"/>
+          </a:p>
+        </p:txBody>
+      </p:sp>
+      <p:sp>
+        <p:nvSpPr>
+          <p:cNvPr id="102" name="Ellipse 101">
+            <a:extLst>
+              <a:ext uri="{FF2B5EF4-FFF2-40B4-BE49-F238E27FC236}">
+                <a16:creationId xmlns:a16="http://schemas.microsoft.com/office/drawing/2014/main" id="{47ECDE48-981A-4FA1-9D62-94A52F32ABC5}"/>
+              </a:ext>
+            </a:extLst>
+          </p:cNvPr>
+          <p:cNvSpPr/>
+          <p:nvPr/>
+        </p:nvSpPr>
+        <p:spPr>
+          <a:xfrm>
+            <a:off x="986681" y="3842310"/>
+            <a:ext cx="348008" cy="342604"/>
+          </a:xfrm>
+          <a:prstGeom prst="ellipse">
+            <a:avLst/>
+          </a:prstGeom>
+          <a:ln>
+            <a:solidFill>
+              <a:schemeClr val="tx1"/>
+            </a:solidFill>
+          </a:ln>
+        </p:spPr>
+        <p:style>
+          <a:lnRef idx="2">
+            <a:schemeClr val="accent6"/>
+          </a:lnRef>
+          <a:fillRef idx="1">
+            <a:schemeClr val="lt1"/>
+          </a:fillRef>
+          <a:effectRef idx="0">
+            <a:schemeClr val="accent6"/>
+          </a:effectRef>
+          <a:fontRef idx="minor">
+            <a:schemeClr val="dk1"/>
+          </a:fontRef>
+        </p:style>
+        <p:txBody>
+          <a:bodyPr rtlCol="0" anchor="ctr"/>
+          <a:lstStyle/>
+          <a:p>
+            <a:pPr algn="ctr"/>
+            <a:r>
+              <a:rPr lang="de-DE" dirty="0"/>
+              <a:t>3</a:t>
             </a:r>
             <a:endParaRPr lang="en-GB" dirty="0"/>
           </a:p>

--- a/02_Thesis/PARRHI_Thesis/Figures/FigureMaker.pptx
+++ b/02_Thesis/PARRHI_Thesis/Figures/FigureMaker.pptx
@@ -263,7 +263,7 @@
           <a:p>
             <a:fld id="{7CBA829E-0E5E-45A4-B6EB-8046F7F33EA6}" type="datetimeFigureOut">
               <a:rPr lang="en-GB" smtClean="0"/>
-              <a:t>24/04/2019</a:t>
+              <a:t>29/04/2019</a:t>
             </a:fld>
             <a:endParaRPr lang="en-GB"/>
           </a:p>
@@ -463,7 +463,7 @@
           <a:p>
             <a:fld id="{7CBA829E-0E5E-45A4-B6EB-8046F7F33EA6}" type="datetimeFigureOut">
               <a:rPr lang="en-GB" smtClean="0"/>
-              <a:t>24/04/2019</a:t>
+              <a:t>29/04/2019</a:t>
             </a:fld>
             <a:endParaRPr lang="en-GB"/>
           </a:p>
@@ -673,7 +673,7 @@
           <a:p>
             <a:fld id="{7CBA829E-0E5E-45A4-B6EB-8046F7F33EA6}" type="datetimeFigureOut">
               <a:rPr lang="en-GB" smtClean="0"/>
-              <a:t>24/04/2019</a:t>
+              <a:t>29/04/2019</a:t>
             </a:fld>
             <a:endParaRPr lang="en-GB"/>
           </a:p>
@@ -873,7 +873,7 @@
           <a:p>
             <a:fld id="{7CBA829E-0E5E-45A4-B6EB-8046F7F33EA6}" type="datetimeFigureOut">
               <a:rPr lang="en-GB" smtClean="0"/>
-              <a:t>24/04/2019</a:t>
+              <a:t>29/04/2019</a:t>
             </a:fld>
             <a:endParaRPr lang="en-GB"/>
           </a:p>
@@ -1149,7 +1149,7 @@
           <a:p>
             <a:fld id="{7CBA829E-0E5E-45A4-B6EB-8046F7F33EA6}" type="datetimeFigureOut">
               <a:rPr lang="en-GB" smtClean="0"/>
-              <a:t>24/04/2019</a:t>
+              <a:t>29/04/2019</a:t>
             </a:fld>
             <a:endParaRPr lang="en-GB"/>
           </a:p>
@@ -1417,7 +1417,7 @@
           <a:p>
             <a:fld id="{7CBA829E-0E5E-45A4-B6EB-8046F7F33EA6}" type="datetimeFigureOut">
               <a:rPr lang="en-GB" smtClean="0"/>
-              <a:t>24/04/2019</a:t>
+              <a:t>29/04/2019</a:t>
             </a:fld>
             <a:endParaRPr lang="en-GB"/>
           </a:p>
@@ -1832,7 +1832,7 @@
           <a:p>
             <a:fld id="{7CBA829E-0E5E-45A4-B6EB-8046F7F33EA6}" type="datetimeFigureOut">
               <a:rPr lang="en-GB" smtClean="0"/>
-              <a:t>24/04/2019</a:t>
+              <a:t>29/04/2019</a:t>
             </a:fld>
             <a:endParaRPr lang="en-GB"/>
           </a:p>
@@ -1974,7 +1974,7 @@
           <a:p>
             <a:fld id="{7CBA829E-0E5E-45A4-B6EB-8046F7F33EA6}" type="datetimeFigureOut">
               <a:rPr lang="en-GB" smtClean="0"/>
-              <a:t>24/04/2019</a:t>
+              <a:t>29/04/2019</a:t>
             </a:fld>
             <a:endParaRPr lang="en-GB"/>
           </a:p>
@@ -2087,7 +2087,7 @@
           <a:p>
             <a:fld id="{7CBA829E-0E5E-45A4-B6EB-8046F7F33EA6}" type="datetimeFigureOut">
               <a:rPr lang="en-GB" smtClean="0"/>
-              <a:t>24/04/2019</a:t>
+              <a:t>29/04/2019</a:t>
             </a:fld>
             <a:endParaRPr lang="en-GB"/>
           </a:p>
@@ -2400,7 +2400,7 @@
           <a:p>
             <a:fld id="{7CBA829E-0E5E-45A4-B6EB-8046F7F33EA6}" type="datetimeFigureOut">
               <a:rPr lang="en-GB" smtClean="0"/>
-              <a:t>24/04/2019</a:t>
+              <a:t>29/04/2019</a:t>
             </a:fld>
             <a:endParaRPr lang="en-GB"/>
           </a:p>
@@ -2689,7 +2689,7 @@
           <a:p>
             <a:fld id="{7CBA829E-0E5E-45A4-B6EB-8046F7F33EA6}" type="datetimeFigureOut">
               <a:rPr lang="en-GB" smtClean="0"/>
-              <a:t>24/04/2019</a:t>
+              <a:t>29/04/2019</a:t>
             </a:fld>
             <a:endParaRPr lang="en-GB"/>
           </a:p>
@@ -2932,7 +2932,7 @@
           <a:p>
             <a:fld id="{7CBA829E-0E5E-45A4-B6EB-8046F7F33EA6}" type="datetimeFigureOut">
               <a:rPr lang="en-GB" smtClean="0"/>
-              <a:t>24/04/2019</a:t>
+              <a:t>29/04/2019</a:t>
             </a:fld>
             <a:endParaRPr lang="en-GB"/>
           </a:p>
@@ -6055,6 +6055,112 @@
           </a:p>
         </p:txBody>
       </p:sp>
+      <p:sp>
+        <p:nvSpPr>
+          <p:cNvPr id="35" name="Ellipse 34">
+            <a:extLst>
+              <a:ext uri="{FF2B5EF4-FFF2-40B4-BE49-F238E27FC236}">
+                <a16:creationId xmlns:a16="http://schemas.microsoft.com/office/drawing/2014/main" id="{905E42BA-24CC-4E17-9761-83A74DA4C5C6}"/>
+              </a:ext>
+            </a:extLst>
+          </p:cNvPr>
+          <p:cNvSpPr/>
+          <p:nvPr/>
+        </p:nvSpPr>
+        <p:spPr>
+          <a:xfrm>
+            <a:off x="3612004" y="1488374"/>
+            <a:ext cx="348008" cy="342604"/>
+          </a:xfrm>
+          <a:prstGeom prst="ellipse">
+            <a:avLst/>
+          </a:prstGeom>
+          <a:ln>
+            <a:solidFill>
+              <a:schemeClr val="tx1"/>
+            </a:solidFill>
+          </a:ln>
+        </p:spPr>
+        <p:style>
+          <a:lnRef idx="2">
+            <a:schemeClr val="accent6"/>
+          </a:lnRef>
+          <a:fillRef idx="1">
+            <a:schemeClr val="lt1"/>
+          </a:fillRef>
+          <a:effectRef idx="0">
+            <a:schemeClr val="accent6"/>
+          </a:effectRef>
+          <a:fontRef idx="minor">
+            <a:schemeClr val="dk1"/>
+          </a:fontRef>
+        </p:style>
+        <p:txBody>
+          <a:bodyPr rtlCol="0" anchor="ctr"/>
+          <a:lstStyle/>
+          <a:p>
+            <a:pPr algn="ctr"/>
+            <a:r>
+              <a:rPr lang="de-DE" dirty="0"/>
+              <a:t>5</a:t>
+            </a:r>
+            <a:endParaRPr lang="en-GB" dirty="0"/>
+          </a:p>
+        </p:txBody>
+      </p:sp>
+      <p:sp>
+        <p:nvSpPr>
+          <p:cNvPr id="36" name="Ellipse 35">
+            <a:extLst>
+              <a:ext uri="{FF2B5EF4-FFF2-40B4-BE49-F238E27FC236}">
+                <a16:creationId xmlns:a16="http://schemas.microsoft.com/office/drawing/2014/main" id="{67546732-CB01-4B5F-9F01-BF64C80C672D}"/>
+              </a:ext>
+            </a:extLst>
+          </p:cNvPr>
+          <p:cNvSpPr/>
+          <p:nvPr/>
+        </p:nvSpPr>
+        <p:spPr>
+          <a:xfrm>
+            <a:off x="3613539" y="3320755"/>
+            <a:ext cx="348008" cy="342604"/>
+          </a:xfrm>
+          <a:prstGeom prst="ellipse">
+            <a:avLst/>
+          </a:prstGeom>
+          <a:ln>
+            <a:solidFill>
+              <a:schemeClr val="tx1"/>
+            </a:solidFill>
+          </a:ln>
+        </p:spPr>
+        <p:style>
+          <a:lnRef idx="2">
+            <a:schemeClr val="accent6"/>
+          </a:lnRef>
+          <a:fillRef idx="1">
+            <a:schemeClr val="lt1"/>
+          </a:fillRef>
+          <a:effectRef idx="0">
+            <a:schemeClr val="accent6"/>
+          </a:effectRef>
+          <a:fontRef idx="minor">
+            <a:schemeClr val="dk1"/>
+          </a:fontRef>
+        </p:style>
+        <p:txBody>
+          <a:bodyPr rtlCol="0" anchor="ctr"/>
+          <a:lstStyle/>
+          <a:p>
+            <a:pPr algn="ctr"/>
+            <a:r>
+              <a:rPr lang="de-DE" dirty="0"/>
+              <a:t>4</a:t>
+            </a:r>
+            <a:endParaRPr lang="en-GB" dirty="0"/>
+          </a:p>
+        </p:txBody>
+      </p:sp>
     </p:spTree>
     <p:extLst>
       <p:ext uri="{BB962C8B-B14F-4D97-AF65-F5344CB8AC3E}">

--- a/02_Thesis/PARRHI_Thesis/Figures/FigureMaker.pptx
+++ b/02_Thesis/PARRHI_Thesis/Figures/FigureMaker.pptx
@@ -8,6 +8,7 @@
     <p:sldId id="256" r:id="rId2"/>
     <p:sldId id="258" r:id="rId3"/>
     <p:sldId id="257" r:id="rId4"/>
+    <p:sldId id="259" r:id="rId5"/>
   </p:sldIdLst>
   <p:sldSz cx="12192000" cy="6858000"/>
   <p:notesSz cx="6858000" cy="9144000"/>
@@ -263,7 +264,7 @@
           <a:p>
             <a:fld id="{7CBA829E-0E5E-45A4-B6EB-8046F7F33EA6}" type="datetimeFigureOut">
               <a:rPr lang="en-GB" smtClean="0"/>
-              <a:t>29/04/2019</a:t>
+              <a:t>06/05/2019</a:t>
             </a:fld>
             <a:endParaRPr lang="en-GB"/>
           </a:p>
@@ -463,7 +464,7 @@
           <a:p>
             <a:fld id="{7CBA829E-0E5E-45A4-B6EB-8046F7F33EA6}" type="datetimeFigureOut">
               <a:rPr lang="en-GB" smtClean="0"/>
-              <a:t>29/04/2019</a:t>
+              <a:t>06/05/2019</a:t>
             </a:fld>
             <a:endParaRPr lang="en-GB"/>
           </a:p>
@@ -673,7 +674,7 @@
           <a:p>
             <a:fld id="{7CBA829E-0E5E-45A4-B6EB-8046F7F33EA6}" type="datetimeFigureOut">
               <a:rPr lang="en-GB" smtClean="0"/>
-              <a:t>29/04/2019</a:t>
+              <a:t>06/05/2019</a:t>
             </a:fld>
             <a:endParaRPr lang="en-GB"/>
           </a:p>
@@ -873,7 +874,7 @@
           <a:p>
             <a:fld id="{7CBA829E-0E5E-45A4-B6EB-8046F7F33EA6}" type="datetimeFigureOut">
               <a:rPr lang="en-GB" smtClean="0"/>
-              <a:t>29/04/2019</a:t>
+              <a:t>06/05/2019</a:t>
             </a:fld>
             <a:endParaRPr lang="en-GB"/>
           </a:p>
@@ -1149,7 +1150,7 @@
           <a:p>
             <a:fld id="{7CBA829E-0E5E-45A4-B6EB-8046F7F33EA6}" type="datetimeFigureOut">
               <a:rPr lang="en-GB" smtClean="0"/>
-              <a:t>29/04/2019</a:t>
+              <a:t>06/05/2019</a:t>
             </a:fld>
             <a:endParaRPr lang="en-GB"/>
           </a:p>
@@ -1417,7 +1418,7 @@
           <a:p>
             <a:fld id="{7CBA829E-0E5E-45A4-B6EB-8046F7F33EA6}" type="datetimeFigureOut">
               <a:rPr lang="en-GB" smtClean="0"/>
-              <a:t>29/04/2019</a:t>
+              <a:t>06/05/2019</a:t>
             </a:fld>
             <a:endParaRPr lang="en-GB"/>
           </a:p>
@@ -1832,7 +1833,7 @@
           <a:p>
             <a:fld id="{7CBA829E-0E5E-45A4-B6EB-8046F7F33EA6}" type="datetimeFigureOut">
               <a:rPr lang="en-GB" smtClean="0"/>
-              <a:t>29/04/2019</a:t>
+              <a:t>06/05/2019</a:t>
             </a:fld>
             <a:endParaRPr lang="en-GB"/>
           </a:p>
@@ -1974,7 +1975,7 @@
           <a:p>
             <a:fld id="{7CBA829E-0E5E-45A4-B6EB-8046F7F33EA6}" type="datetimeFigureOut">
               <a:rPr lang="en-GB" smtClean="0"/>
-              <a:t>29/04/2019</a:t>
+              <a:t>06/05/2019</a:t>
             </a:fld>
             <a:endParaRPr lang="en-GB"/>
           </a:p>
@@ -2087,7 +2088,7 @@
           <a:p>
             <a:fld id="{7CBA829E-0E5E-45A4-B6EB-8046F7F33EA6}" type="datetimeFigureOut">
               <a:rPr lang="en-GB" smtClean="0"/>
-              <a:t>29/04/2019</a:t>
+              <a:t>06/05/2019</a:t>
             </a:fld>
             <a:endParaRPr lang="en-GB"/>
           </a:p>
@@ -2400,7 +2401,7 @@
           <a:p>
             <a:fld id="{7CBA829E-0E5E-45A4-B6EB-8046F7F33EA6}" type="datetimeFigureOut">
               <a:rPr lang="en-GB" smtClean="0"/>
-              <a:t>29/04/2019</a:t>
+              <a:t>06/05/2019</a:t>
             </a:fld>
             <a:endParaRPr lang="en-GB"/>
           </a:p>
@@ -2689,7 +2690,7 @@
           <a:p>
             <a:fld id="{7CBA829E-0E5E-45A4-B6EB-8046F7F33EA6}" type="datetimeFigureOut">
               <a:rPr lang="en-GB" smtClean="0"/>
-              <a:t>29/04/2019</a:t>
+              <a:t>06/05/2019</a:t>
             </a:fld>
             <a:endParaRPr lang="en-GB"/>
           </a:p>
@@ -2932,7 +2933,7 @@
           <a:p>
             <a:fld id="{7CBA829E-0E5E-45A4-B6EB-8046F7F33EA6}" type="datetimeFigureOut">
               <a:rPr lang="en-GB" smtClean="0"/>
-              <a:t>29/04/2019</a:t>
+              <a:t>06/05/2019</a:t>
             </a:fld>
             <a:endParaRPr lang="en-GB"/>
           </a:p>
@@ -6102,7 +6103,7 @@
             <a:pPr algn="ctr"/>
             <a:r>
               <a:rPr lang="de-DE" dirty="0"/>
-              <a:t>5</a:t>
+              <a:t>0</a:t>
             </a:r>
             <a:endParaRPr lang="en-GB" dirty="0"/>
           </a:p>
@@ -6122,7 +6123,7 @@
         </p:nvSpPr>
         <p:spPr>
           <a:xfrm>
-            <a:off x="3613539" y="3320755"/>
+            <a:off x="3612004" y="3808148"/>
             <a:ext cx="348008" cy="342604"/>
           </a:xfrm>
           <a:prstGeom prst="ellipse">
@@ -6165,6 +6166,1962 @@
     <p:extLst>
       <p:ext uri="{BB962C8B-B14F-4D97-AF65-F5344CB8AC3E}">
         <p14:creationId xmlns:p14="http://schemas.microsoft.com/office/powerpoint/2010/main" val="1739871278"/>
+      </p:ext>
+    </p:extLst>
+  </p:cSld>
+  <p:clrMapOvr>
+    <a:masterClrMapping/>
+  </p:clrMapOvr>
+</p:sld>
+</file>
+
+<file path=ppt/slides/slide4.xml><?xml version="1.0" encoding="utf-8"?>
+<p:sld xmlns:a="http://schemas.openxmlformats.org/drawingml/2006/main" xmlns:r="http://schemas.openxmlformats.org/officeDocument/2006/relationships" xmlns:p="http://schemas.openxmlformats.org/presentationml/2006/main">
+  <p:cSld>
+    <p:spTree>
+      <p:nvGrpSpPr>
+        <p:cNvPr id="1" name=""/>
+        <p:cNvGrpSpPr/>
+        <p:nvPr/>
+      </p:nvGrpSpPr>
+      <p:grpSpPr>
+        <a:xfrm>
+          <a:off x="0" y="0"/>
+          <a:ext cx="0" cy="0"/>
+          <a:chOff x="0" y="0"/>
+          <a:chExt cx="0" cy="0"/>
+        </a:xfrm>
+      </p:grpSpPr>
+      <p:sp>
+        <p:nvSpPr>
+          <p:cNvPr id="106" name="Rechteck: abgerundete Ecken 105">
+            <a:extLst>
+              <a:ext uri="{FF2B5EF4-FFF2-40B4-BE49-F238E27FC236}">
+                <a16:creationId xmlns:a16="http://schemas.microsoft.com/office/drawing/2014/main" id="{DDF288CA-3CB2-4AE6-8636-41B7BF9476F8}"/>
+              </a:ext>
+            </a:extLst>
+          </p:cNvPr>
+          <p:cNvSpPr/>
+          <p:nvPr/>
+        </p:nvSpPr>
+        <p:spPr>
+          <a:xfrm>
+            <a:off x="567630" y="2187300"/>
+            <a:ext cx="1261688" cy="1146557"/>
+          </a:xfrm>
+          <a:prstGeom prst="roundRect">
+            <a:avLst>
+              <a:gd name="adj" fmla="val 2329"/>
+            </a:avLst>
+          </a:prstGeom>
+          <a:ln>
+            <a:solidFill>
+              <a:schemeClr val="accent1">
+                <a:lumMod val="50000"/>
+              </a:schemeClr>
+            </a:solidFill>
+          </a:ln>
+        </p:spPr>
+        <p:style>
+          <a:lnRef idx="2">
+            <a:schemeClr val="accent6"/>
+          </a:lnRef>
+          <a:fillRef idx="1">
+            <a:schemeClr val="lt1"/>
+          </a:fillRef>
+          <a:effectRef idx="0">
+            <a:schemeClr val="accent6"/>
+          </a:effectRef>
+          <a:fontRef idx="minor">
+            <a:schemeClr val="dk1"/>
+          </a:fontRef>
+        </p:style>
+        <p:txBody>
+          <a:bodyPr rtlCol="0" anchor="t"/>
+          <a:lstStyle/>
+          <a:p>
+            <a:r>
+              <a:rPr lang="de-DE" dirty="0"/>
+              <a:t>Developer</a:t>
+            </a:r>
+            <a:endParaRPr lang="en-GB" dirty="0"/>
+          </a:p>
+        </p:txBody>
+      </p:sp>
+      <p:sp>
+        <p:nvSpPr>
+          <p:cNvPr id="6" name="Rechteck: abgerundete Ecken 5">
+            <a:extLst>
+              <a:ext uri="{FF2B5EF4-FFF2-40B4-BE49-F238E27FC236}">
+                <a16:creationId xmlns:a16="http://schemas.microsoft.com/office/drawing/2014/main" id="{1EFBE1EE-B6B9-4699-B39C-194A2FFA5642}"/>
+              </a:ext>
+            </a:extLst>
+          </p:cNvPr>
+          <p:cNvSpPr/>
+          <p:nvPr/>
+        </p:nvSpPr>
+        <p:spPr>
+          <a:xfrm>
+            <a:off x="2613517" y="908330"/>
+            <a:ext cx="3781421" cy="3430672"/>
+          </a:xfrm>
+          <a:prstGeom prst="roundRect">
+            <a:avLst>
+              <a:gd name="adj" fmla="val 2329"/>
+            </a:avLst>
+          </a:prstGeom>
+          <a:solidFill>
+            <a:schemeClr val="bg1">
+              <a:lumMod val="95000"/>
+            </a:schemeClr>
+          </a:solidFill>
+          <a:ln>
+            <a:solidFill>
+              <a:schemeClr val="accent1">
+                <a:lumMod val="50000"/>
+              </a:schemeClr>
+            </a:solidFill>
+          </a:ln>
+        </p:spPr>
+        <p:style>
+          <a:lnRef idx="2">
+            <a:schemeClr val="accent6"/>
+          </a:lnRef>
+          <a:fillRef idx="1">
+            <a:schemeClr val="lt1"/>
+          </a:fillRef>
+          <a:effectRef idx="0">
+            <a:schemeClr val="accent6"/>
+          </a:effectRef>
+          <a:fontRef idx="minor">
+            <a:schemeClr val="dk1"/>
+          </a:fontRef>
+        </p:style>
+        <p:txBody>
+          <a:bodyPr rtlCol="0" anchor="ctr"/>
+          <a:lstStyle/>
+          <a:p>
+            <a:pPr algn="ctr"/>
+            <a:endParaRPr lang="en-GB" dirty="0"/>
+          </a:p>
+        </p:txBody>
+      </p:sp>
+      <p:sp>
+        <p:nvSpPr>
+          <p:cNvPr id="7" name="Textfeld 6">
+            <a:extLst>
+              <a:ext uri="{FF2B5EF4-FFF2-40B4-BE49-F238E27FC236}">
+                <a16:creationId xmlns:a16="http://schemas.microsoft.com/office/drawing/2014/main" id="{A306641F-035E-4DDB-8579-EE779BAEC635}"/>
+              </a:ext>
+            </a:extLst>
+          </p:cNvPr>
+          <p:cNvSpPr txBox="1"/>
+          <p:nvPr/>
+        </p:nvSpPr>
+        <p:spPr>
+          <a:xfrm>
+            <a:off x="2613517" y="913207"/>
+            <a:ext cx="1092200" cy="369332"/>
+          </a:xfrm>
+          <a:prstGeom prst="rect">
+            <a:avLst/>
+          </a:prstGeom>
+          <a:noFill/>
+        </p:spPr>
+        <p:txBody>
+          <a:bodyPr wrap="square" rtlCol="0">
+            <a:spAutoFit/>
+          </a:bodyPr>
+          <a:lstStyle/>
+          <a:p>
+            <a:r>
+              <a:rPr lang="de-DE"/>
+              <a:t>PARRHI</a:t>
+            </a:r>
+            <a:endParaRPr lang="en-GB"/>
+          </a:p>
+        </p:txBody>
+      </p:sp>
+      <p:sp>
+        <p:nvSpPr>
+          <p:cNvPr id="10" name="Rechteck: abgerundete Ecken 9">
+            <a:extLst>
+              <a:ext uri="{FF2B5EF4-FFF2-40B4-BE49-F238E27FC236}">
+                <a16:creationId xmlns:a16="http://schemas.microsoft.com/office/drawing/2014/main" id="{C3310D98-86EB-4C12-B7F9-E7D75ECDFA0D}"/>
+              </a:ext>
+            </a:extLst>
+          </p:cNvPr>
+          <p:cNvSpPr/>
+          <p:nvPr/>
+        </p:nvSpPr>
+        <p:spPr>
+          <a:xfrm>
+            <a:off x="7938375" y="4215499"/>
+            <a:ext cx="3500069" cy="774700"/>
+          </a:xfrm>
+          <a:prstGeom prst="roundRect">
+            <a:avLst>
+              <a:gd name="adj" fmla="val 2329"/>
+            </a:avLst>
+          </a:prstGeom>
+          <a:ln>
+            <a:solidFill>
+              <a:schemeClr val="accent1">
+                <a:lumMod val="50000"/>
+              </a:schemeClr>
+            </a:solidFill>
+          </a:ln>
+        </p:spPr>
+        <p:style>
+          <a:lnRef idx="2">
+            <a:schemeClr val="accent6"/>
+          </a:lnRef>
+          <a:fillRef idx="1">
+            <a:schemeClr val="lt1"/>
+          </a:fillRef>
+          <a:effectRef idx="0">
+            <a:schemeClr val="accent6"/>
+          </a:effectRef>
+          <a:fontRef idx="minor">
+            <a:schemeClr val="dk1"/>
+          </a:fontRef>
+        </p:style>
+        <p:txBody>
+          <a:bodyPr rtlCol="0" anchor="ctr"/>
+          <a:lstStyle/>
+          <a:p>
+            <a:pPr algn="ctr"/>
+            <a:r>
+              <a:rPr lang="de-DE" dirty="0"/>
+              <a:t>AR - World</a:t>
+            </a:r>
+            <a:endParaRPr lang="en-GB" dirty="0"/>
+          </a:p>
+        </p:txBody>
+      </p:sp>
+      <p:sp>
+        <p:nvSpPr>
+          <p:cNvPr id="17" name="Rechteck: abgerundete Ecken 16">
+            <a:extLst>
+              <a:ext uri="{FF2B5EF4-FFF2-40B4-BE49-F238E27FC236}">
+                <a16:creationId xmlns:a16="http://schemas.microsoft.com/office/drawing/2014/main" id="{03AF250F-5B3C-4F50-ABB4-FD7EAD18DE2A}"/>
+              </a:ext>
+            </a:extLst>
+          </p:cNvPr>
+          <p:cNvSpPr/>
+          <p:nvPr/>
+        </p:nvSpPr>
+        <p:spPr>
+          <a:xfrm>
+            <a:off x="7939301" y="2114782"/>
+            <a:ext cx="3500069" cy="1841492"/>
+          </a:xfrm>
+          <a:prstGeom prst="roundRect">
+            <a:avLst>
+              <a:gd name="adj" fmla="val 2329"/>
+            </a:avLst>
+          </a:prstGeom>
+          <a:ln>
+            <a:solidFill>
+              <a:schemeClr val="accent1">
+                <a:lumMod val="50000"/>
+              </a:schemeClr>
+            </a:solidFill>
+          </a:ln>
+        </p:spPr>
+        <p:style>
+          <a:lnRef idx="2">
+            <a:schemeClr val="accent6"/>
+          </a:lnRef>
+          <a:fillRef idx="1">
+            <a:schemeClr val="lt1"/>
+          </a:fillRef>
+          <a:effectRef idx="0">
+            <a:schemeClr val="accent6"/>
+          </a:effectRef>
+          <a:fontRef idx="minor">
+            <a:schemeClr val="dk1"/>
+          </a:fontRef>
+        </p:style>
+        <p:txBody>
+          <a:bodyPr rtlCol="0" anchor="t"/>
+          <a:lstStyle/>
+          <a:p>
+            <a:r>
+              <a:rPr lang="de-DE" dirty="0"/>
+              <a:t>Real World</a:t>
+            </a:r>
+            <a:endParaRPr lang="en-GB" dirty="0"/>
+          </a:p>
+        </p:txBody>
+      </p:sp>
+      <p:sp>
+        <p:nvSpPr>
+          <p:cNvPr id="18" name="Rechteck: abgerundete Ecken 17">
+            <a:extLst>
+              <a:ext uri="{FF2B5EF4-FFF2-40B4-BE49-F238E27FC236}">
+                <a16:creationId xmlns:a16="http://schemas.microsoft.com/office/drawing/2014/main" id="{6584CEAC-5F6B-4D92-A39D-A47030D6BBD1}"/>
+              </a:ext>
+            </a:extLst>
+          </p:cNvPr>
+          <p:cNvSpPr/>
+          <p:nvPr/>
+        </p:nvSpPr>
+        <p:spPr>
+          <a:xfrm>
+            <a:off x="2934723" y="1554707"/>
+            <a:ext cx="1794125" cy="560513"/>
+          </a:xfrm>
+          <a:prstGeom prst="roundRect">
+            <a:avLst>
+              <a:gd name="adj" fmla="val 2329"/>
+            </a:avLst>
+          </a:prstGeom>
+          <a:ln>
+            <a:solidFill>
+              <a:schemeClr val="accent1">
+                <a:lumMod val="50000"/>
+              </a:schemeClr>
+            </a:solidFill>
+          </a:ln>
+        </p:spPr>
+        <p:style>
+          <a:lnRef idx="2">
+            <a:schemeClr val="accent6"/>
+          </a:lnRef>
+          <a:fillRef idx="1">
+            <a:schemeClr val="lt1"/>
+          </a:fillRef>
+          <a:effectRef idx="0">
+            <a:schemeClr val="accent6"/>
+          </a:effectRef>
+          <a:fontRef idx="minor">
+            <a:schemeClr val="dk1"/>
+          </a:fontRef>
+        </p:style>
+        <p:txBody>
+          <a:bodyPr rtlCol="0" anchor="ctr"/>
+          <a:lstStyle/>
+          <a:p>
+            <a:pPr algn="ctr"/>
+            <a:r>
+              <a:rPr lang="de-DE" dirty="0"/>
+              <a:t>Real </a:t>
+            </a:r>
+            <a:r>
+              <a:rPr lang="en-GB" dirty="0"/>
+              <a:t>World</a:t>
+            </a:r>
+            <a:r>
+              <a:rPr lang="de-DE" dirty="0"/>
+              <a:t> Model</a:t>
+            </a:r>
+            <a:endParaRPr lang="en-GB" dirty="0"/>
+          </a:p>
+        </p:txBody>
+      </p:sp>
+      <p:cxnSp>
+        <p:nvCxnSpPr>
+          <p:cNvPr id="20" name="Gerade Verbindung mit Pfeil 19">
+            <a:extLst>
+              <a:ext uri="{FF2B5EF4-FFF2-40B4-BE49-F238E27FC236}">
+                <a16:creationId xmlns:a16="http://schemas.microsoft.com/office/drawing/2014/main" id="{A1C0F26C-FA4E-4346-93DC-CDF6EE3108C2}"/>
+              </a:ext>
+            </a:extLst>
+          </p:cNvPr>
+          <p:cNvCxnSpPr>
+            <a:cxnSpLocks/>
+            <a:stCxn id="18" idx="2"/>
+            <a:endCxn id="23" idx="0"/>
+          </p:cNvCxnSpPr>
+          <p:nvPr/>
+        </p:nvCxnSpPr>
+        <p:spPr>
+          <a:xfrm flipH="1">
+            <a:off x="3831785" y="2115220"/>
+            <a:ext cx="1" cy="360013"/>
+          </a:xfrm>
+          <a:prstGeom prst="straightConnector1">
+            <a:avLst/>
+          </a:prstGeom>
+          <a:ln>
+            <a:solidFill>
+              <a:schemeClr val="tx1"/>
+            </a:solidFill>
+            <a:tailEnd type="triangle"/>
+          </a:ln>
+        </p:spPr>
+        <p:style>
+          <a:lnRef idx="1">
+            <a:schemeClr val="accent1"/>
+          </a:lnRef>
+          <a:fillRef idx="0">
+            <a:schemeClr val="accent1"/>
+          </a:fillRef>
+          <a:effectRef idx="0">
+            <a:schemeClr val="accent1"/>
+          </a:effectRef>
+          <a:fontRef idx="minor">
+            <a:schemeClr val="tx1"/>
+          </a:fontRef>
+        </p:style>
+      </p:cxnSp>
+      <p:sp>
+        <p:nvSpPr>
+          <p:cNvPr id="23" name="Rechteck: abgerundete Ecken 22">
+            <a:extLst>
+              <a:ext uri="{FF2B5EF4-FFF2-40B4-BE49-F238E27FC236}">
+                <a16:creationId xmlns:a16="http://schemas.microsoft.com/office/drawing/2014/main" id="{DABC6553-CEE3-4320-8683-FE14BA91697F}"/>
+              </a:ext>
+            </a:extLst>
+          </p:cNvPr>
+          <p:cNvSpPr/>
+          <p:nvPr/>
+        </p:nvSpPr>
+        <p:spPr>
+          <a:xfrm>
+            <a:off x="2934722" y="2475233"/>
+            <a:ext cx="1794125" cy="560513"/>
+          </a:xfrm>
+          <a:prstGeom prst="roundRect">
+            <a:avLst>
+              <a:gd name="adj" fmla="val 2329"/>
+            </a:avLst>
+          </a:prstGeom>
+          <a:ln>
+            <a:solidFill>
+              <a:schemeClr val="accent1">
+                <a:lumMod val="50000"/>
+              </a:schemeClr>
+            </a:solidFill>
+          </a:ln>
+        </p:spPr>
+        <p:style>
+          <a:lnRef idx="2">
+            <a:schemeClr val="accent6"/>
+          </a:lnRef>
+          <a:fillRef idx="1">
+            <a:schemeClr val="lt1"/>
+          </a:fillRef>
+          <a:effectRef idx="0">
+            <a:schemeClr val="accent6"/>
+          </a:effectRef>
+          <a:fontRef idx="minor">
+            <a:schemeClr val="dk1"/>
+          </a:fontRef>
+        </p:style>
+        <p:txBody>
+          <a:bodyPr rtlCol="0" anchor="ctr"/>
+          <a:lstStyle/>
+          <a:p>
+            <a:pPr algn="ctr"/>
+            <a:r>
+              <a:rPr lang="de-DE" dirty="0"/>
+              <a:t>Parametrised Program</a:t>
+            </a:r>
+            <a:endParaRPr lang="en-GB" dirty="0"/>
+          </a:p>
+        </p:txBody>
+      </p:sp>
+      <p:sp>
+        <p:nvSpPr>
+          <p:cNvPr id="27" name="Rechteck: abgerundete Ecken 26">
+            <a:extLst>
+              <a:ext uri="{FF2B5EF4-FFF2-40B4-BE49-F238E27FC236}">
+                <a16:creationId xmlns:a16="http://schemas.microsoft.com/office/drawing/2014/main" id="{1586ECF8-8B97-47DD-92AA-60700AD8D881}"/>
+              </a:ext>
+            </a:extLst>
+          </p:cNvPr>
+          <p:cNvSpPr/>
+          <p:nvPr/>
+        </p:nvSpPr>
+        <p:spPr>
+          <a:xfrm>
+            <a:off x="5554328" y="1591737"/>
+            <a:ext cx="1681219" cy="486452"/>
+          </a:xfrm>
+          <a:prstGeom prst="roundRect">
+            <a:avLst>
+              <a:gd name="adj" fmla="val 2329"/>
+            </a:avLst>
+          </a:prstGeom>
+          <a:ln>
+            <a:solidFill>
+              <a:schemeClr val="accent1">
+                <a:lumMod val="50000"/>
+              </a:schemeClr>
+            </a:solidFill>
+          </a:ln>
+        </p:spPr>
+        <p:style>
+          <a:lnRef idx="2">
+            <a:schemeClr val="accent6"/>
+          </a:lnRef>
+          <a:fillRef idx="1">
+            <a:schemeClr val="lt1"/>
+          </a:fillRef>
+          <a:effectRef idx="0">
+            <a:schemeClr val="accent6"/>
+          </a:effectRef>
+          <a:fontRef idx="minor">
+            <a:schemeClr val="dk1"/>
+          </a:fontRef>
+        </p:style>
+        <p:txBody>
+          <a:bodyPr rtlCol="0" anchor="ctr"/>
+          <a:lstStyle/>
+          <a:p>
+            <a:pPr algn="ctr"/>
+            <a:r>
+              <a:rPr lang="de-DE" dirty="0"/>
+              <a:t>Input Module</a:t>
+            </a:r>
+            <a:endParaRPr lang="en-GB" dirty="0"/>
+          </a:p>
+        </p:txBody>
+      </p:sp>
+      <p:cxnSp>
+        <p:nvCxnSpPr>
+          <p:cNvPr id="28" name="Gerade Verbindung mit Pfeil 27">
+            <a:extLst>
+              <a:ext uri="{FF2B5EF4-FFF2-40B4-BE49-F238E27FC236}">
+                <a16:creationId xmlns:a16="http://schemas.microsoft.com/office/drawing/2014/main" id="{B182AF0E-464F-4D4B-8D69-678935DBA018}"/>
+              </a:ext>
+            </a:extLst>
+          </p:cNvPr>
+          <p:cNvCxnSpPr>
+            <a:cxnSpLocks/>
+            <a:stCxn id="27" idx="1"/>
+          </p:cNvCxnSpPr>
+          <p:nvPr/>
+        </p:nvCxnSpPr>
+        <p:spPr>
+          <a:xfrm flipH="1">
+            <a:off x="4728848" y="1834963"/>
+            <a:ext cx="825480" cy="0"/>
+          </a:xfrm>
+          <a:prstGeom prst="straightConnector1">
+            <a:avLst/>
+          </a:prstGeom>
+          <a:ln>
+            <a:solidFill>
+              <a:schemeClr val="tx1"/>
+            </a:solidFill>
+            <a:tailEnd type="triangle"/>
+          </a:ln>
+        </p:spPr>
+        <p:style>
+          <a:lnRef idx="1">
+            <a:schemeClr val="accent1"/>
+          </a:lnRef>
+          <a:fillRef idx="0">
+            <a:schemeClr val="accent1"/>
+          </a:fillRef>
+          <a:effectRef idx="0">
+            <a:schemeClr val="accent1"/>
+          </a:effectRef>
+          <a:fontRef idx="minor">
+            <a:schemeClr val="tx1"/>
+          </a:fontRef>
+        </p:style>
+      </p:cxnSp>
+      <p:sp>
+        <p:nvSpPr>
+          <p:cNvPr id="44" name="Rechteck: abgerundete Ecken 43">
+            <a:extLst>
+              <a:ext uri="{FF2B5EF4-FFF2-40B4-BE49-F238E27FC236}">
+                <a16:creationId xmlns:a16="http://schemas.microsoft.com/office/drawing/2014/main" id="{42285917-BC21-4C24-8318-EEEAF4673BF2}"/>
+              </a:ext>
+            </a:extLst>
+          </p:cNvPr>
+          <p:cNvSpPr/>
+          <p:nvPr/>
+        </p:nvSpPr>
+        <p:spPr>
+          <a:xfrm>
+            <a:off x="2934723" y="3395760"/>
+            <a:ext cx="1794125" cy="560513"/>
+          </a:xfrm>
+          <a:prstGeom prst="roundRect">
+            <a:avLst>
+              <a:gd name="adj" fmla="val 2329"/>
+            </a:avLst>
+          </a:prstGeom>
+          <a:ln>
+            <a:solidFill>
+              <a:schemeClr val="accent1">
+                <a:lumMod val="50000"/>
+              </a:schemeClr>
+            </a:solidFill>
+          </a:ln>
+        </p:spPr>
+        <p:style>
+          <a:lnRef idx="2">
+            <a:schemeClr val="accent6"/>
+          </a:lnRef>
+          <a:fillRef idx="1">
+            <a:schemeClr val="lt1"/>
+          </a:fillRef>
+          <a:effectRef idx="0">
+            <a:schemeClr val="accent6"/>
+          </a:effectRef>
+          <a:fontRef idx="minor">
+            <a:schemeClr val="dk1"/>
+          </a:fontRef>
+        </p:style>
+        <p:txBody>
+          <a:bodyPr rtlCol="0" anchor="ctr"/>
+          <a:lstStyle/>
+          <a:p>
+            <a:pPr algn="ctr"/>
+            <a:r>
+              <a:rPr lang="de-DE" dirty="0"/>
+              <a:t>Core Routine</a:t>
+            </a:r>
+            <a:endParaRPr lang="en-GB" dirty="0"/>
+          </a:p>
+        </p:txBody>
+      </p:sp>
+      <p:cxnSp>
+        <p:nvCxnSpPr>
+          <p:cNvPr id="45" name="Gerade Verbindung mit Pfeil 44">
+            <a:extLst>
+              <a:ext uri="{FF2B5EF4-FFF2-40B4-BE49-F238E27FC236}">
+                <a16:creationId xmlns:a16="http://schemas.microsoft.com/office/drawing/2014/main" id="{2C4A70B6-5D99-403D-966B-0EBA4A79722D}"/>
+              </a:ext>
+            </a:extLst>
+          </p:cNvPr>
+          <p:cNvCxnSpPr>
+            <a:cxnSpLocks/>
+            <a:stCxn id="23" idx="2"/>
+            <a:endCxn id="44" idx="0"/>
+          </p:cNvCxnSpPr>
+          <p:nvPr/>
+        </p:nvCxnSpPr>
+        <p:spPr>
+          <a:xfrm>
+            <a:off x="3831785" y="3035746"/>
+            <a:ext cx="1" cy="360014"/>
+          </a:xfrm>
+          <a:prstGeom prst="straightConnector1">
+            <a:avLst/>
+          </a:prstGeom>
+          <a:ln>
+            <a:solidFill>
+              <a:schemeClr val="tx1"/>
+            </a:solidFill>
+            <a:tailEnd type="triangle"/>
+          </a:ln>
+        </p:spPr>
+        <p:style>
+          <a:lnRef idx="1">
+            <a:schemeClr val="accent1"/>
+          </a:lnRef>
+          <a:fillRef idx="0">
+            <a:schemeClr val="accent1"/>
+          </a:fillRef>
+          <a:effectRef idx="0">
+            <a:schemeClr val="accent1"/>
+          </a:effectRef>
+          <a:fontRef idx="minor">
+            <a:schemeClr val="tx1"/>
+          </a:fontRef>
+        </p:style>
+      </p:cxnSp>
+      <p:sp>
+        <p:nvSpPr>
+          <p:cNvPr id="48" name="Rechteck: abgerundete Ecken 47">
+            <a:extLst>
+              <a:ext uri="{FF2B5EF4-FFF2-40B4-BE49-F238E27FC236}">
+                <a16:creationId xmlns:a16="http://schemas.microsoft.com/office/drawing/2014/main" id="{99C8273D-4EAB-4804-983D-20448A5965A8}"/>
+              </a:ext>
+            </a:extLst>
+          </p:cNvPr>
+          <p:cNvSpPr/>
+          <p:nvPr/>
+        </p:nvSpPr>
+        <p:spPr>
+          <a:xfrm>
+            <a:off x="5554328" y="3431453"/>
+            <a:ext cx="1681219" cy="486452"/>
+          </a:xfrm>
+          <a:prstGeom prst="roundRect">
+            <a:avLst>
+              <a:gd name="adj" fmla="val 2329"/>
+            </a:avLst>
+          </a:prstGeom>
+          <a:ln>
+            <a:solidFill>
+              <a:schemeClr val="accent1">
+                <a:lumMod val="50000"/>
+              </a:schemeClr>
+            </a:solidFill>
+          </a:ln>
+        </p:spPr>
+        <p:style>
+          <a:lnRef idx="2">
+            <a:schemeClr val="accent6"/>
+          </a:lnRef>
+          <a:fillRef idx="1">
+            <a:schemeClr val="lt1"/>
+          </a:fillRef>
+          <a:effectRef idx="0">
+            <a:schemeClr val="accent6"/>
+          </a:effectRef>
+          <a:fontRef idx="minor">
+            <a:schemeClr val="dk1"/>
+          </a:fontRef>
+        </p:style>
+        <p:txBody>
+          <a:bodyPr rtlCol="0" anchor="ctr"/>
+          <a:lstStyle/>
+          <a:p>
+            <a:pPr algn="ctr"/>
+            <a:r>
+              <a:rPr lang="de-DE" dirty="0"/>
+              <a:t>Output Module</a:t>
+            </a:r>
+            <a:endParaRPr lang="en-GB" dirty="0"/>
+          </a:p>
+        </p:txBody>
+      </p:sp>
+      <p:cxnSp>
+        <p:nvCxnSpPr>
+          <p:cNvPr id="49" name="Gerade Verbindung mit Pfeil 48">
+            <a:extLst>
+              <a:ext uri="{FF2B5EF4-FFF2-40B4-BE49-F238E27FC236}">
+                <a16:creationId xmlns:a16="http://schemas.microsoft.com/office/drawing/2014/main" id="{59BA4E27-F1D3-4071-9B6E-C5810697322C}"/>
+              </a:ext>
+            </a:extLst>
+          </p:cNvPr>
+          <p:cNvCxnSpPr>
+            <a:cxnSpLocks/>
+            <a:stCxn id="44" idx="3"/>
+            <a:endCxn id="48" idx="1"/>
+          </p:cNvCxnSpPr>
+          <p:nvPr/>
+        </p:nvCxnSpPr>
+        <p:spPr>
+          <a:xfrm flipV="1">
+            <a:off x="4728848" y="3674679"/>
+            <a:ext cx="825480" cy="1338"/>
+          </a:xfrm>
+          <a:prstGeom prst="straightConnector1">
+            <a:avLst/>
+          </a:prstGeom>
+          <a:ln>
+            <a:solidFill>
+              <a:schemeClr val="tx1"/>
+            </a:solidFill>
+            <a:tailEnd type="triangle"/>
+          </a:ln>
+        </p:spPr>
+        <p:style>
+          <a:lnRef idx="1">
+            <a:schemeClr val="accent1"/>
+          </a:lnRef>
+          <a:fillRef idx="0">
+            <a:schemeClr val="accent1"/>
+          </a:fillRef>
+          <a:effectRef idx="0">
+            <a:schemeClr val="accent1"/>
+          </a:effectRef>
+          <a:fontRef idx="minor">
+            <a:schemeClr val="tx1"/>
+          </a:fontRef>
+        </p:style>
+      </p:cxnSp>
+      <p:sp>
+        <p:nvSpPr>
+          <p:cNvPr id="99" name="Rechteck 98">
+            <a:extLst>
+              <a:ext uri="{FF2B5EF4-FFF2-40B4-BE49-F238E27FC236}">
+                <a16:creationId xmlns:a16="http://schemas.microsoft.com/office/drawing/2014/main" id="{4DFB57E4-F5F5-49CA-BC75-46DBC7AB2800}"/>
+              </a:ext>
+            </a:extLst>
+          </p:cNvPr>
+          <p:cNvSpPr/>
+          <p:nvPr/>
+        </p:nvSpPr>
+        <p:spPr>
+          <a:xfrm>
+            <a:off x="2621084" y="3375496"/>
+            <a:ext cx="264102" cy="245166"/>
+          </a:xfrm>
+          <a:prstGeom prst="rect">
+            <a:avLst/>
+          </a:prstGeom>
+          <a:solidFill>
+            <a:schemeClr val="bg1">
+              <a:lumMod val="95000"/>
+            </a:schemeClr>
+          </a:solidFill>
+          <a:ln>
+            <a:noFill/>
+          </a:ln>
+        </p:spPr>
+        <p:style>
+          <a:lnRef idx="2">
+            <a:schemeClr val="accent6"/>
+          </a:lnRef>
+          <a:fillRef idx="1">
+            <a:schemeClr val="lt1"/>
+          </a:fillRef>
+          <a:effectRef idx="0">
+            <a:schemeClr val="accent6"/>
+          </a:effectRef>
+          <a:fontRef idx="minor">
+            <a:schemeClr val="dk1"/>
+          </a:fontRef>
+        </p:style>
+        <p:txBody>
+          <a:bodyPr rtlCol="0" anchor="ctr"/>
+          <a:lstStyle/>
+          <a:p>
+            <a:pPr algn="ctr"/>
+            <a:endParaRPr lang="en-GB"/>
+          </a:p>
+        </p:txBody>
+      </p:sp>
+      <p:sp>
+        <p:nvSpPr>
+          <p:cNvPr id="100" name="Ellipse 99">
+            <a:extLst>
+              <a:ext uri="{FF2B5EF4-FFF2-40B4-BE49-F238E27FC236}">
+                <a16:creationId xmlns:a16="http://schemas.microsoft.com/office/drawing/2014/main" id="{459A01C4-F8CB-4BD3-832A-DE3A51527352}"/>
+              </a:ext>
+            </a:extLst>
+          </p:cNvPr>
+          <p:cNvSpPr/>
+          <p:nvPr/>
+        </p:nvSpPr>
+        <p:spPr>
+          <a:xfrm>
+            <a:off x="2756310" y="1385801"/>
+            <a:ext cx="348008" cy="342604"/>
+          </a:xfrm>
+          <a:prstGeom prst="ellipse">
+            <a:avLst/>
+          </a:prstGeom>
+          <a:ln>
+            <a:solidFill>
+              <a:schemeClr val="tx1"/>
+            </a:solidFill>
+          </a:ln>
+        </p:spPr>
+        <p:style>
+          <a:lnRef idx="2">
+            <a:schemeClr val="accent6"/>
+          </a:lnRef>
+          <a:fillRef idx="1">
+            <a:schemeClr val="lt1"/>
+          </a:fillRef>
+          <a:effectRef idx="0">
+            <a:schemeClr val="accent6"/>
+          </a:effectRef>
+          <a:fontRef idx="minor">
+            <a:schemeClr val="dk1"/>
+          </a:fontRef>
+        </p:style>
+        <p:txBody>
+          <a:bodyPr rtlCol="0" anchor="ctr"/>
+          <a:lstStyle/>
+          <a:p>
+            <a:pPr algn="ctr"/>
+            <a:r>
+              <a:rPr lang="de-DE" dirty="0"/>
+              <a:t>1</a:t>
+            </a:r>
+            <a:endParaRPr lang="en-GB" dirty="0"/>
+          </a:p>
+        </p:txBody>
+      </p:sp>
+      <p:sp>
+        <p:nvSpPr>
+          <p:cNvPr id="101" name="Ellipse 100">
+            <a:extLst>
+              <a:ext uri="{FF2B5EF4-FFF2-40B4-BE49-F238E27FC236}">
+                <a16:creationId xmlns:a16="http://schemas.microsoft.com/office/drawing/2014/main" id="{23B5BB1B-296B-481E-BE77-FE9C5AF5B479}"/>
+              </a:ext>
+            </a:extLst>
+          </p:cNvPr>
+          <p:cNvSpPr/>
+          <p:nvPr/>
+        </p:nvSpPr>
+        <p:spPr>
+          <a:xfrm>
+            <a:off x="2750101" y="2583933"/>
+            <a:ext cx="348008" cy="342604"/>
+          </a:xfrm>
+          <a:prstGeom prst="ellipse">
+            <a:avLst/>
+          </a:prstGeom>
+          <a:ln>
+            <a:solidFill>
+              <a:schemeClr val="tx1"/>
+            </a:solidFill>
+          </a:ln>
+        </p:spPr>
+        <p:style>
+          <a:lnRef idx="2">
+            <a:schemeClr val="accent6"/>
+          </a:lnRef>
+          <a:fillRef idx="1">
+            <a:schemeClr val="lt1"/>
+          </a:fillRef>
+          <a:effectRef idx="0">
+            <a:schemeClr val="accent6"/>
+          </a:effectRef>
+          <a:fontRef idx="minor">
+            <a:schemeClr val="dk1"/>
+          </a:fontRef>
+        </p:style>
+        <p:txBody>
+          <a:bodyPr rtlCol="0" anchor="ctr"/>
+          <a:lstStyle/>
+          <a:p>
+            <a:pPr algn="ctr"/>
+            <a:r>
+              <a:rPr lang="de-DE" dirty="0"/>
+              <a:t>2</a:t>
+            </a:r>
+            <a:endParaRPr lang="en-GB" dirty="0"/>
+          </a:p>
+        </p:txBody>
+      </p:sp>
+      <p:sp>
+        <p:nvSpPr>
+          <p:cNvPr id="102" name="Ellipse 101">
+            <a:extLst>
+              <a:ext uri="{FF2B5EF4-FFF2-40B4-BE49-F238E27FC236}">
+                <a16:creationId xmlns:a16="http://schemas.microsoft.com/office/drawing/2014/main" id="{47ECDE48-981A-4FA1-9D62-94A52F32ABC5}"/>
+              </a:ext>
+            </a:extLst>
+          </p:cNvPr>
+          <p:cNvSpPr/>
+          <p:nvPr/>
+        </p:nvSpPr>
+        <p:spPr>
+          <a:xfrm>
+            <a:off x="2755001" y="3780764"/>
+            <a:ext cx="348008" cy="342604"/>
+          </a:xfrm>
+          <a:prstGeom prst="ellipse">
+            <a:avLst/>
+          </a:prstGeom>
+          <a:ln>
+            <a:solidFill>
+              <a:schemeClr val="tx1"/>
+            </a:solidFill>
+          </a:ln>
+        </p:spPr>
+        <p:style>
+          <a:lnRef idx="2">
+            <a:schemeClr val="accent6"/>
+          </a:lnRef>
+          <a:fillRef idx="1">
+            <a:schemeClr val="lt1"/>
+          </a:fillRef>
+          <a:effectRef idx="0">
+            <a:schemeClr val="accent6"/>
+          </a:effectRef>
+          <a:fontRef idx="minor">
+            <a:schemeClr val="dk1"/>
+          </a:fontRef>
+        </p:style>
+        <p:txBody>
+          <a:bodyPr rtlCol="0" anchor="ctr"/>
+          <a:lstStyle/>
+          <a:p>
+            <a:pPr algn="ctr"/>
+            <a:r>
+              <a:rPr lang="de-DE" dirty="0"/>
+              <a:t>3</a:t>
+            </a:r>
+            <a:endParaRPr lang="en-GB" dirty="0"/>
+          </a:p>
+        </p:txBody>
+      </p:sp>
+      <p:sp>
+        <p:nvSpPr>
+          <p:cNvPr id="35" name="Ellipse 34">
+            <a:extLst>
+              <a:ext uri="{FF2B5EF4-FFF2-40B4-BE49-F238E27FC236}">
+                <a16:creationId xmlns:a16="http://schemas.microsoft.com/office/drawing/2014/main" id="{905E42BA-24CC-4E17-9761-83A74DA4C5C6}"/>
+              </a:ext>
+            </a:extLst>
+          </p:cNvPr>
+          <p:cNvSpPr/>
+          <p:nvPr/>
+        </p:nvSpPr>
+        <p:spPr>
+          <a:xfrm>
+            <a:off x="5380324" y="1426828"/>
+            <a:ext cx="348008" cy="342604"/>
+          </a:xfrm>
+          <a:prstGeom prst="ellipse">
+            <a:avLst/>
+          </a:prstGeom>
+          <a:ln>
+            <a:solidFill>
+              <a:schemeClr val="tx1"/>
+            </a:solidFill>
+          </a:ln>
+        </p:spPr>
+        <p:style>
+          <a:lnRef idx="2">
+            <a:schemeClr val="accent6"/>
+          </a:lnRef>
+          <a:fillRef idx="1">
+            <a:schemeClr val="lt1"/>
+          </a:fillRef>
+          <a:effectRef idx="0">
+            <a:schemeClr val="accent6"/>
+          </a:effectRef>
+          <a:fontRef idx="minor">
+            <a:schemeClr val="dk1"/>
+          </a:fontRef>
+        </p:style>
+        <p:txBody>
+          <a:bodyPr rtlCol="0" anchor="ctr"/>
+          <a:lstStyle/>
+          <a:p>
+            <a:pPr algn="ctr"/>
+            <a:r>
+              <a:rPr lang="de-DE" dirty="0"/>
+              <a:t>0</a:t>
+            </a:r>
+            <a:endParaRPr lang="en-GB" dirty="0"/>
+          </a:p>
+        </p:txBody>
+      </p:sp>
+      <p:sp>
+        <p:nvSpPr>
+          <p:cNvPr id="36" name="Ellipse 35">
+            <a:extLst>
+              <a:ext uri="{FF2B5EF4-FFF2-40B4-BE49-F238E27FC236}">
+                <a16:creationId xmlns:a16="http://schemas.microsoft.com/office/drawing/2014/main" id="{67546732-CB01-4B5F-9F01-BF64C80C672D}"/>
+              </a:ext>
+            </a:extLst>
+          </p:cNvPr>
+          <p:cNvSpPr/>
+          <p:nvPr/>
+        </p:nvSpPr>
+        <p:spPr>
+          <a:xfrm>
+            <a:off x="5380324" y="3746602"/>
+            <a:ext cx="348008" cy="342604"/>
+          </a:xfrm>
+          <a:prstGeom prst="ellipse">
+            <a:avLst/>
+          </a:prstGeom>
+          <a:ln>
+            <a:solidFill>
+              <a:schemeClr val="tx1"/>
+            </a:solidFill>
+          </a:ln>
+        </p:spPr>
+        <p:style>
+          <a:lnRef idx="2">
+            <a:schemeClr val="accent6"/>
+          </a:lnRef>
+          <a:fillRef idx="1">
+            <a:schemeClr val="lt1"/>
+          </a:fillRef>
+          <a:effectRef idx="0">
+            <a:schemeClr val="accent6"/>
+          </a:effectRef>
+          <a:fontRef idx="minor">
+            <a:schemeClr val="dk1"/>
+          </a:fontRef>
+        </p:style>
+        <p:txBody>
+          <a:bodyPr rtlCol="0" anchor="ctr"/>
+          <a:lstStyle/>
+          <a:p>
+            <a:pPr algn="ctr"/>
+            <a:r>
+              <a:rPr lang="de-DE" dirty="0"/>
+              <a:t>4</a:t>
+            </a:r>
+            <a:endParaRPr lang="en-GB" dirty="0"/>
+          </a:p>
+        </p:txBody>
+      </p:sp>
+      <p:sp>
+        <p:nvSpPr>
+          <p:cNvPr id="42" name="Rechteck: abgerundete Ecken 41">
+            <a:extLst>
+              <a:ext uri="{FF2B5EF4-FFF2-40B4-BE49-F238E27FC236}">
+                <a16:creationId xmlns:a16="http://schemas.microsoft.com/office/drawing/2014/main" id="{60442F5B-9014-49AE-B1D3-28EFAE13EA35}"/>
+              </a:ext>
+            </a:extLst>
+          </p:cNvPr>
+          <p:cNvSpPr/>
+          <p:nvPr/>
+        </p:nvSpPr>
+        <p:spPr>
+          <a:xfrm>
+            <a:off x="9834954" y="2806017"/>
+            <a:ext cx="1369466" cy="778854"/>
+          </a:xfrm>
+          <a:prstGeom prst="roundRect">
+            <a:avLst>
+              <a:gd name="adj" fmla="val 2329"/>
+            </a:avLst>
+          </a:prstGeom>
+          <a:ln>
+            <a:solidFill>
+              <a:schemeClr val="accent1">
+                <a:lumMod val="50000"/>
+              </a:schemeClr>
+            </a:solidFill>
+          </a:ln>
+        </p:spPr>
+        <p:style>
+          <a:lnRef idx="2">
+            <a:schemeClr val="accent6"/>
+          </a:lnRef>
+          <a:fillRef idx="1">
+            <a:schemeClr val="lt1"/>
+          </a:fillRef>
+          <a:effectRef idx="0">
+            <a:schemeClr val="accent6"/>
+          </a:effectRef>
+          <a:fontRef idx="minor">
+            <a:schemeClr val="dk1"/>
+          </a:fontRef>
+        </p:style>
+        <p:txBody>
+          <a:bodyPr rtlCol="0" anchor="t"/>
+          <a:lstStyle/>
+          <a:p>
+            <a:pPr algn="ctr"/>
+            <a:r>
+              <a:rPr lang="de-DE" sz="1400" dirty="0"/>
+              <a:t>User</a:t>
+            </a:r>
+            <a:endParaRPr lang="en-GB" dirty="0"/>
+          </a:p>
+        </p:txBody>
+      </p:sp>
+      <p:cxnSp>
+        <p:nvCxnSpPr>
+          <p:cNvPr id="13" name="Verbinder: gewinkelt 12">
+            <a:extLst>
+              <a:ext uri="{FF2B5EF4-FFF2-40B4-BE49-F238E27FC236}">
+                <a16:creationId xmlns:a16="http://schemas.microsoft.com/office/drawing/2014/main" id="{00561758-6DD8-4B2B-9A12-8E35F36F1E36}"/>
+              </a:ext>
+            </a:extLst>
+          </p:cNvPr>
+          <p:cNvCxnSpPr>
+            <a:cxnSpLocks/>
+            <a:stCxn id="48" idx="3"/>
+            <a:endCxn id="10" idx="1"/>
+          </p:cNvCxnSpPr>
+          <p:nvPr/>
+        </p:nvCxnSpPr>
+        <p:spPr>
+          <a:xfrm>
+            <a:off x="7235547" y="3674679"/>
+            <a:ext cx="702828" cy="928170"/>
+          </a:xfrm>
+          <a:prstGeom prst="bentConnector3">
+            <a:avLst/>
+          </a:prstGeom>
+          <a:ln>
+            <a:solidFill>
+              <a:schemeClr val="tx1"/>
+            </a:solidFill>
+            <a:tailEnd type="triangle"/>
+          </a:ln>
+        </p:spPr>
+        <p:style>
+          <a:lnRef idx="1">
+            <a:schemeClr val="accent1"/>
+          </a:lnRef>
+          <a:fillRef idx="0">
+            <a:schemeClr val="accent1"/>
+          </a:fillRef>
+          <a:effectRef idx="0">
+            <a:schemeClr val="accent1"/>
+          </a:effectRef>
+          <a:fontRef idx="minor">
+            <a:schemeClr val="tx1"/>
+          </a:fontRef>
+        </p:style>
+      </p:cxnSp>
+      <p:cxnSp>
+        <p:nvCxnSpPr>
+          <p:cNvPr id="16" name="Verbinder: gewinkelt 15">
+            <a:extLst>
+              <a:ext uri="{FF2B5EF4-FFF2-40B4-BE49-F238E27FC236}">
+                <a16:creationId xmlns:a16="http://schemas.microsoft.com/office/drawing/2014/main" id="{64DBE1A4-C1B6-444D-BD65-A8AA5E5A7220}"/>
+              </a:ext>
+            </a:extLst>
+          </p:cNvPr>
+          <p:cNvCxnSpPr>
+            <a:cxnSpLocks/>
+            <a:stCxn id="48" idx="3"/>
+            <a:endCxn id="51" idx="1"/>
+          </p:cNvCxnSpPr>
+          <p:nvPr/>
+        </p:nvCxnSpPr>
+        <p:spPr>
+          <a:xfrm flipV="1">
+            <a:off x="7235547" y="3192825"/>
+            <a:ext cx="994991" cy="481854"/>
+          </a:xfrm>
+          <a:prstGeom prst="bentConnector3">
+            <a:avLst>
+              <a:gd name="adj1" fmla="val 35297"/>
+            </a:avLst>
+          </a:prstGeom>
+          <a:ln>
+            <a:solidFill>
+              <a:schemeClr val="tx1"/>
+            </a:solidFill>
+            <a:tailEnd type="triangle"/>
+          </a:ln>
+        </p:spPr>
+        <p:style>
+          <a:lnRef idx="1">
+            <a:schemeClr val="accent1"/>
+          </a:lnRef>
+          <a:fillRef idx="0">
+            <a:schemeClr val="accent1"/>
+          </a:fillRef>
+          <a:effectRef idx="0">
+            <a:schemeClr val="accent1"/>
+          </a:effectRef>
+          <a:fontRef idx="minor">
+            <a:schemeClr val="tx1"/>
+          </a:fontRef>
+        </p:style>
+      </p:cxnSp>
+      <p:grpSp>
+        <p:nvGrpSpPr>
+          <p:cNvPr id="24" name="Gruppieren 23">
+            <a:extLst>
+              <a:ext uri="{FF2B5EF4-FFF2-40B4-BE49-F238E27FC236}">
+                <a16:creationId xmlns:a16="http://schemas.microsoft.com/office/drawing/2014/main" id="{6E1255F5-A732-4390-9E04-8F9508801581}"/>
+              </a:ext>
+            </a:extLst>
+          </p:cNvPr>
+          <p:cNvGrpSpPr/>
+          <p:nvPr/>
+        </p:nvGrpSpPr>
+        <p:grpSpPr>
+          <a:xfrm>
+            <a:off x="8230538" y="2803398"/>
+            <a:ext cx="1369466" cy="778854"/>
+            <a:chOff x="6310397" y="2595700"/>
+            <a:chExt cx="1369466" cy="778854"/>
+          </a:xfrm>
+        </p:grpSpPr>
+        <p:sp>
+          <p:nvSpPr>
+            <p:cNvPr id="51" name="Rechteck: abgerundete Ecken 50">
+              <a:extLst>
+                <a:ext uri="{FF2B5EF4-FFF2-40B4-BE49-F238E27FC236}">
+                  <a16:creationId xmlns:a16="http://schemas.microsoft.com/office/drawing/2014/main" id="{D47DED9C-08CC-4BCD-83EB-D0BB32FB9D87}"/>
+                </a:ext>
+              </a:extLst>
+            </p:cNvPr>
+            <p:cNvSpPr/>
+            <p:nvPr/>
+          </p:nvSpPr>
+          <p:spPr>
+            <a:xfrm>
+              <a:off x="6310397" y="2595700"/>
+              <a:ext cx="1369466" cy="778854"/>
+            </a:xfrm>
+            <a:prstGeom prst="roundRect">
+              <a:avLst>
+                <a:gd name="adj" fmla="val 2329"/>
+              </a:avLst>
+            </a:prstGeom>
+            <a:ln>
+              <a:solidFill>
+                <a:schemeClr val="accent1">
+                  <a:lumMod val="50000"/>
+                </a:schemeClr>
+              </a:solidFill>
+            </a:ln>
+          </p:spPr>
+          <p:style>
+            <a:lnRef idx="2">
+              <a:schemeClr val="accent6"/>
+            </a:lnRef>
+            <a:fillRef idx="1">
+              <a:schemeClr val="lt1"/>
+            </a:fillRef>
+            <a:effectRef idx="0">
+              <a:schemeClr val="accent6"/>
+            </a:effectRef>
+            <a:fontRef idx="minor">
+              <a:schemeClr val="dk1"/>
+            </a:fontRef>
+          </p:style>
+          <p:txBody>
+            <a:bodyPr rtlCol="0" anchor="t"/>
+            <a:lstStyle/>
+            <a:p>
+              <a:pPr algn="ctr"/>
+              <a:r>
+                <a:rPr lang="de-DE" sz="1400" dirty="0"/>
+                <a:t>Robot</a:t>
+              </a:r>
+              <a:endParaRPr lang="en-GB" dirty="0"/>
+            </a:p>
+          </p:txBody>
+        </p:sp>
+        <p:pic>
+          <p:nvPicPr>
+            <p:cNvPr id="4" name="Grafik 3" descr="Roboter">
+              <a:extLst>
+                <a:ext uri="{FF2B5EF4-FFF2-40B4-BE49-F238E27FC236}">
+                  <a16:creationId xmlns:a16="http://schemas.microsoft.com/office/drawing/2014/main" id="{0C133A94-0D01-4FB2-A157-1DFB862D7ED7}"/>
+                </a:ext>
+              </a:extLst>
+            </p:cNvPr>
+            <p:cNvPicPr>
+              <a:picLocks noChangeAspect="1"/>
+            </p:cNvPicPr>
+            <p:nvPr/>
+          </p:nvPicPr>
+          <p:blipFill>
+            <a:blip r:embed="rId2">
+              <a:extLst>
+                <a:ext uri="{28A0092B-C50C-407E-A947-70E740481C1C}">
+                  <a14:useLocalDpi xmlns:a14="http://schemas.microsoft.com/office/drawing/2010/main" val="0"/>
+                </a:ext>
+                <a:ext uri="{96DAC541-7B7A-43D3-8B79-37D633B846F1}">
+                  <asvg:svgBlip xmlns:asvg="http://schemas.microsoft.com/office/drawing/2016/SVG/main" r:embed="rId3"/>
+                </a:ext>
+              </a:extLst>
+            </a:blip>
+            <a:stretch>
+              <a:fillRect/>
+            </a:stretch>
+          </p:blipFill>
+          <p:spPr>
+            <a:xfrm>
+              <a:off x="6771050" y="2856752"/>
+              <a:ext cx="481080" cy="481080"/>
+            </a:xfrm>
+            <a:prstGeom prst="rect">
+              <a:avLst/>
+            </a:prstGeom>
+          </p:spPr>
+        </p:pic>
+      </p:grpSp>
+      <p:cxnSp>
+        <p:nvCxnSpPr>
+          <p:cNvPr id="46" name="Gerade Verbindung mit Pfeil 45">
+            <a:extLst>
+              <a:ext uri="{FF2B5EF4-FFF2-40B4-BE49-F238E27FC236}">
+                <a16:creationId xmlns:a16="http://schemas.microsoft.com/office/drawing/2014/main" id="{274C54FC-9FA7-47D9-A0D0-FA42140B1995}"/>
+              </a:ext>
+            </a:extLst>
+          </p:cNvPr>
+          <p:cNvCxnSpPr>
+            <a:cxnSpLocks/>
+            <a:stCxn id="42" idx="1"/>
+            <a:endCxn id="51" idx="3"/>
+          </p:cNvCxnSpPr>
+          <p:nvPr/>
+        </p:nvCxnSpPr>
+        <p:spPr>
+          <a:xfrm flipH="1" flipV="1">
+            <a:off x="9600004" y="3192825"/>
+            <a:ext cx="234950" cy="2619"/>
+          </a:xfrm>
+          <a:prstGeom prst="straightConnector1">
+            <a:avLst/>
+          </a:prstGeom>
+          <a:ln>
+            <a:solidFill>
+              <a:schemeClr val="tx1"/>
+            </a:solidFill>
+            <a:tailEnd type="triangle"/>
+          </a:ln>
+        </p:spPr>
+        <p:style>
+          <a:lnRef idx="1">
+            <a:schemeClr val="accent1"/>
+          </a:lnRef>
+          <a:fillRef idx="0">
+            <a:schemeClr val="accent1"/>
+          </a:fillRef>
+          <a:effectRef idx="0">
+            <a:schemeClr val="accent1"/>
+          </a:effectRef>
+          <a:fontRef idx="minor">
+            <a:schemeClr val="tx1"/>
+          </a:fontRef>
+        </p:style>
+      </p:cxnSp>
+      <p:cxnSp>
+        <p:nvCxnSpPr>
+          <p:cNvPr id="58" name="Gerader Verbinder 57">
+            <a:extLst>
+              <a:ext uri="{FF2B5EF4-FFF2-40B4-BE49-F238E27FC236}">
+                <a16:creationId xmlns:a16="http://schemas.microsoft.com/office/drawing/2014/main" id="{FE0EFE2E-3199-4AF5-AB1D-D954D2D8F5B6}"/>
+              </a:ext>
+            </a:extLst>
+          </p:cNvPr>
+          <p:cNvCxnSpPr>
+            <a:cxnSpLocks/>
+          </p:cNvCxnSpPr>
+          <p:nvPr/>
+        </p:nvCxnSpPr>
+        <p:spPr>
+          <a:xfrm flipH="1" flipV="1">
+            <a:off x="8915271" y="2554654"/>
+            <a:ext cx="1" cy="248744"/>
+          </a:xfrm>
+          <a:prstGeom prst="line">
+            <a:avLst/>
+          </a:prstGeom>
+          <a:ln>
+            <a:solidFill>
+              <a:schemeClr val="tx1"/>
+            </a:solidFill>
+          </a:ln>
+        </p:spPr>
+        <p:style>
+          <a:lnRef idx="1">
+            <a:schemeClr val="accent1"/>
+          </a:lnRef>
+          <a:fillRef idx="0">
+            <a:schemeClr val="accent1"/>
+          </a:fillRef>
+          <a:effectRef idx="0">
+            <a:schemeClr val="accent1"/>
+          </a:effectRef>
+          <a:fontRef idx="minor">
+            <a:schemeClr val="tx1"/>
+          </a:fontRef>
+        </p:style>
+      </p:cxnSp>
+      <p:cxnSp>
+        <p:nvCxnSpPr>
+          <p:cNvPr id="64" name="Gerader Verbinder 63">
+            <a:extLst>
+              <a:ext uri="{FF2B5EF4-FFF2-40B4-BE49-F238E27FC236}">
+                <a16:creationId xmlns:a16="http://schemas.microsoft.com/office/drawing/2014/main" id="{32216DB2-993B-4299-8A5E-AC9E2D93F753}"/>
+              </a:ext>
+            </a:extLst>
+          </p:cNvPr>
+          <p:cNvCxnSpPr>
+            <a:cxnSpLocks/>
+            <a:stCxn id="42" idx="0"/>
+          </p:cNvCxnSpPr>
+          <p:nvPr/>
+        </p:nvCxnSpPr>
+        <p:spPr>
+          <a:xfrm flipV="1">
+            <a:off x="10519687" y="2554654"/>
+            <a:ext cx="0" cy="251363"/>
+          </a:xfrm>
+          <a:prstGeom prst="line">
+            <a:avLst/>
+          </a:prstGeom>
+          <a:ln>
+            <a:solidFill>
+              <a:schemeClr val="tx1"/>
+            </a:solidFill>
+          </a:ln>
+        </p:spPr>
+        <p:style>
+          <a:lnRef idx="1">
+            <a:schemeClr val="accent1"/>
+          </a:lnRef>
+          <a:fillRef idx="0">
+            <a:schemeClr val="accent1"/>
+          </a:fillRef>
+          <a:effectRef idx="0">
+            <a:schemeClr val="accent1"/>
+          </a:effectRef>
+          <a:fontRef idx="minor">
+            <a:schemeClr val="tx1"/>
+          </a:fontRef>
+        </p:style>
+      </p:cxnSp>
+      <p:cxnSp>
+        <p:nvCxnSpPr>
+          <p:cNvPr id="69" name="Gerader Verbinder 68">
+            <a:extLst>
+              <a:ext uri="{FF2B5EF4-FFF2-40B4-BE49-F238E27FC236}">
+                <a16:creationId xmlns:a16="http://schemas.microsoft.com/office/drawing/2014/main" id="{F9CDFF0F-C569-4DD2-A6CC-79B182178ABF}"/>
+              </a:ext>
+            </a:extLst>
+          </p:cNvPr>
+          <p:cNvCxnSpPr>
+            <a:cxnSpLocks/>
+          </p:cNvCxnSpPr>
+          <p:nvPr/>
+        </p:nvCxnSpPr>
+        <p:spPr>
+          <a:xfrm>
+            <a:off x="8915271" y="2554654"/>
+            <a:ext cx="1604416" cy="0"/>
+          </a:xfrm>
+          <a:prstGeom prst="line">
+            <a:avLst/>
+          </a:prstGeom>
+          <a:ln>
+            <a:solidFill>
+              <a:schemeClr val="tx1"/>
+            </a:solidFill>
+          </a:ln>
+        </p:spPr>
+        <p:style>
+          <a:lnRef idx="1">
+            <a:schemeClr val="accent1"/>
+          </a:lnRef>
+          <a:fillRef idx="0">
+            <a:schemeClr val="accent1"/>
+          </a:fillRef>
+          <a:effectRef idx="0">
+            <a:schemeClr val="accent1"/>
+          </a:effectRef>
+          <a:fontRef idx="minor">
+            <a:schemeClr val="tx1"/>
+          </a:fontRef>
+        </p:style>
+      </p:cxnSp>
+      <p:cxnSp>
+        <p:nvCxnSpPr>
+          <p:cNvPr id="73" name="Verbinder: gewinkelt 72">
+            <a:extLst>
+              <a:ext uri="{FF2B5EF4-FFF2-40B4-BE49-F238E27FC236}">
+                <a16:creationId xmlns:a16="http://schemas.microsoft.com/office/drawing/2014/main" id="{0FFD5169-EF39-4CB1-A26E-AFF86C0055F8}"/>
+              </a:ext>
+            </a:extLst>
+          </p:cNvPr>
+          <p:cNvCxnSpPr>
+            <a:cxnSpLocks/>
+            <a:endCxn id="27" idx="3"/>
+          </p:cNvCxnSpPr>
+          <p:nvPr/>
+        </p:nvCxnSpPr>
+        <p:spPr>
+          <a:xfrm rot="10800000">
+            <a:off x="7235547" y="1834963"/>
+            <a:ext cx="2452862" cy="719690"/>
+          </a:xfrm>
+          <a:prstGeom prst="bentConnector3">
+            <a:avLst>
+              <a:gd name="adj1" fmla="val -482"/>
+            </a:avLst>
+          </a:prstGeom>
+          <a:ln>
+            <a:solidFill>
+              <a:schemeClr val="tx1"/>
+            </a:solidFill>
+            <a:tailEnd type="triangle"/>
+          </a:ln>
+        </p:spPr>
+        <p:style>
+          <a:lnRef idx="1">
+            <a:schemeClr val="accent1"/>
+          </a:lnRef>
+          <a:fillRef idx="0">
+            <a:schemeClr val="accent1"/>
+          </a:fillRef>
+          <a:effectRef idx="0">
+            <a:schemeClr val="accent1"/>
+          </a:effectRef>
+          <a:fontRef idx="minor">
+            <a:schemeClr val="tx1"/>
+          </a:fontRef>
+        </p:style>
+      </p:cxnSp>
+      <p:cxnSp>
+        <p:nvCxnSpPr>
+          <p:cNvPr id="78" name="Gerade Verbindung mit Pfeil 77">
+            <a:extLst>
+              <a:ext uri="{FF2B5EF4-FFF2-40B4-BE49-F238E27FC236}">
+                <a16:creationId xmlns:a16="http://schemas.microsoft.com/office/drawing/2014/main" id="{5955262B-5AC1-49F1-A402-B776A34E06AA}"/>
+              </a:ext>
+            </a:extLst>
+          </p:cNvPr>
+          <p:cNvCxnSpPr>
+            <a:cxnSpLocks/>
+          </p:cNvCxnSpPr>
+          <p:nvPr/>
+        </p:nvCxnSpPr>
+        <p:spPr>
+          <a:xfrm flipV="1">
+            <a:off x="10530626" y="3583354"/>
+            <a:ext cx="694" cy="632145"/>
+          </a:xfrm>
+          <a:prstGeom prst="straightConnector1">
+            <a:avLst/>
+          </a:prstGeom>
+          <a:ln>
+            <a:solidFill>
+              <a:schemeClr val="tx1"/>
+            </a:solidFill>
+            <a:tailEnd type="triangle"/>
+          </a:ln>
+        </p:spPr>
+        <p:style>
+          <a:lnRef idx="1">
+            <a:schemeClr val="accent1"/>
+          </a:lnRef>
+          <a:fillRef idx="0">
+            <a:schemeClr val="accent1"/>
+          </a:fillRef>
+          <a:effectRef idx="0">
+            <a:schemeClr val="accent1"/>
+          </a:effectRef>
+          <a:fontRef idx="minor">
+            <a:schemeClr val="tx1"/>
+          </a:fontRef>
+        </p:style>
+      </p:cxnSp>
+      <p:pic>
+        <p:nvPicPr>
+          <p:cNvPr id="89" name="Grafik 88" descr="Lachendes Gesicht ohne Füllung">
+            <a:extLst>
+              <a:ext uri="{FF2B5EF4-FFF2-40B4-BE49-F238E27FC236}">
+                <a16:creationId xmlns:a16="http://schemas.microsoft.com/office/drawing/2014/main" id="{138E77A1-719E-4062-B070-F76CCA4B11F7}"/>
+              </a:ext>
+            </a:extLst>
+          </p:cNvPr>
+          <p:cNvPicPr>
+            <a:picLocks noChangeAspect="1"/>
+          </p:cNvPicPr>
+          <p:nvPr/>
+        </p:nvPicPr>
+        <p:blipFill>
+          <a:blip r:embed="rId4">
+            <a:extLst>
+              <a:ext uri="{28A0092B-C50C-407E-A947-70E740481C1C}">
+                <a14:useLocalDpi xmlns:a14="http://schemas.microsoft.com/office/drawing/2010/main" val="0"/>
+              </a:ext>
+              <a:ext uri="{96DAC541-7B7A-43D3-8B79-37D633B846F1}">
+                <asvg:svgBlip xmlns:asvg="http://schemas.microsoft.com/office/drawing/2016/SVG/main" r:embed="rId5"/>
+              </a:ext>
+            </a:extLst>
+          </a:blip>
+          <a:stretch>
+            <a:fillRect/>
+          </a:stretch>
+        </p:blipFill>
+        <p:spPr>
+          <a:xfrm>
+            <a:off x="881020" y="2627092"/>
+            <a:ext cx="598890" cy="598890"/>
+          </a:xfrm>
+          <a:prstGeom prst="rect">
+            <a:avLst/>
+          </a:prstGeom>
+        </p:spPr>
+      </p:pic>
+      <p:sp>
+        <p:nvSpPr>
+          <p:cNvPr id="103" name="Ellipse 102">
+            <a:extLst>
+              <a:ext uri="{FF2B5EF4-FFF2-40B4-BE49-F238E27FC236}">
+                <a16:creationId xmlns:a16="http://schemas.microsoft.com/office/drawing/2014/main" id="{5A8CB45E-1774-4DC1-BFE2-AF094B83975E}"/>
+              </a:ext>
+            </a:extLst>
+          </p:cNvPr>
+          <p:cNvSpPr/>
+          <p:nvPr/>
+        </p:nvSpPr>
+        <p:spPr>
+          <a:xfrm>
+            <a:off x="7764371" y="4818897"/>
+            <a:ext cx="348008" cy="342604"/>
+          </a:xfrm>
+          <a:prstGeom prst="ellipse">
+            <a:avLst/>
+          </a:prstGeom>
+          <a:ln>
+            <a:solidFill>
+              <a:schemeClr val="tx1"/>
+            </a:solidFill>
+          </a:ln>
+        </p:spPr>
+        <p:style>
+          <a:lnRef idx="2">
+            <a:schemeClr val="accent6"/>
+          </a:lnRef>
+          <a:fillRef idx="1">
+            <a:schemeClr val="lt1"/>
+          </a:fillRef>
+          <a:effectRef idx="0">
+            <a:schemeClr val="accent6"/>
+          </a:effectRef>
+          <a:fontRef idx="minor">
+            <a:schemeClr val="dk1"/>
+          </a:fontRef>
+        </p:style>
+        <p:txBody>
+          <a:bodyPr rtlCol="0" anchor="ctr"/>
+          <a:lstStyle/>
+          <a:p>
+            <a:pPr algn="ctr"/>
+            <a:r>
+              <a:rPr lang="de-DE" dirty="0"/>
+              <a:t>5</a:t>
+            </a:r>
+            <a:endParaRPr lang="en-GB" dirty="0"/>
+          </a:p>
+        </p:txBody>
+      </p:sp>
+      <p:sp>
+        <p:nvSpPr>
+          <p:cNvPr id="104" name="Ellipse 103">
+            <a:extLst>
+              <a:ext uri="{FF2B5EF4-FFF2-40B4-BE49-F238E27FC236}">
+                <a16:creationId xmlns:a16="http://schemas.microsoft.com/office/drawing/2014/main" id="{3C9AF313-7762-4567-BD44-9365521AB8C4}"/>
+              </a:ext>
+            </a:extLst>
+          </p:cNvPr>
+          <p:cNvSpPr/>
+          <p:nvPr/>
+        </p:nvSpPr>
+        <p:spPr>
+          <a:xfrm>
+            <a:off x="8051134" y="3377645"/>
+            <a:ext cx="348008" cy="342604"/>
+          </a:xfrm>
+          <a:prstGeom prst="ellipse">
+            <a:avLst/>
+          </a:prstGeom>
+          <a:ln>
+            <a:solidFill>
+              <a:schemeClr val="tx1"/>
+            </a:solidFill>
+          </a:ln>
+        </p:spPr>
+        <p:style>
+          <a:lnRef idx="2">
+            <a:schemeClr val="accent6"/>
+          </a:lnRef>
+          <a:fillRef idx="1">
+            <a:schemeClr val="lt1"/>
+          </a:fillRef>
+          <a:effectRef idx="0">
+            <a:schemeClr val="accent6"/>
+          </a:effectRef>
+          <a:fontRef idx="minor">
+            <a:schemeClr val="dk1"/>
+          </a:fontRef>
+        </p:style>
+        <p:txBody>
+          <a:bodyPr rtlCol="0" anchor="ctr"/>
+          <a:lstStyle/>
+          <a:p>
+            <a:pPr algn="ctr"/>
+            <a:r>
+              <a:rPr lang="de-DE" dirty="0"/>
+              <a:t>6</a:t>
+            </a:r>
+            <a:endParaRPr lang="en-GB" dirty="0"/>
+          </a:p>
+        </p:txBody>
+      </p:sp>
+      <p:sp>
+        <p:nvSpPr>
+          <p:cNvPr id="105" name="Ellipse 104">
+            <a:extLst>
+              <a:ext uri="{FF2B5EF4-FFF2-40B4-BE49-F238E27FC236}">
+                <a16:creationId xmlns:a16="http://schemas.microsoft.com/office/drawing/2014/main" id="{CA0AEDEC-FF51-452C-956F-47552669EA96}"/>
+              </a:ext>
+            </a:extLst>
+          </p:cNvPr>
+          <p:cNvSpPr/>
+          <p:nvPr/>
+        </p:nvSpPr>
+        <p:spPr>
+          <a:xfrm>
+            <a:off x="9661136" y="3395760"/>
+            <a:ext cx="348008" cy="342604"/>
+          </a:xfrm>
+          <a:prstGeom prst="ellipse">
+            <a:avLst/>
+          </a:prstGeom>
+          <a:ln>
+            <a:solidFill>
+              <a:schemeClr val="tx1"/>
+            </a:solidFill>
+          </a:ln>
+        </p:spPr>
+        <p:style>
+          <a:lnRef idx="2">
+            <a:schemeClr val="accent6"/>
+          </a:lnRef>
+          <a:fillRef idx="1">
+            <a:schemeClr val="lt1"/>
+          </a:fillRef>
+          <a:effectRef idx="0">
+            <a:schemeClr val="accent6"/>
+          </a:effectRef>
+          <a:fontRef idx="minor">
+            <a:schemeClr val="dk1"/>
+          </a:fontRef>
+        </p:style>
+        <p:txBody>
+          <a:bodyPr rtlCol="0" anchor="ctr"/>
+          <a:lstStyle/>
+          <a:p>
+            <a:pPr algn="ctr"/>
+            <a:r>
+              <a:rPr lang="de-DE" dirty="0"/>
+              <a:t>7</a:t>
+            </a:r>
+            <a:endParaRPr lang="en-GB" dirty="0"/>
+          </a:p>
+        </p:txBody>
+      </p:sp>
+      <p:cxnSp>
+        <p:nvCxnSpPr>
+          <p:cNvPr id="91" name="Gerade Verbindung mit Pfeil 90">
+            <a:extLst>
+              <a:ext uri="{FF2B5EF4-FFF2-40B4-BE49-F238E27FC236}">
+                <a16:creationId xmlns:a16="http://schemas.microsoft.com/office/drawing/2014/main" id="{2F288839-6C79-4D98-8455-AC74A2489ABB}"/>
+              </a:ext>
+            </a:extLst>
+          </p:cNvPr>
+          <p:cNvCxnSpPr>
+            <a:stCxn id="106" idx="3"/>
+            <a:endCxn id="101" idx="2"/>
+          </p:cNvCxnSpPr>
+          <p:nvPr/>
+        </p:nvCxnSpPr>
+        <p:spPr>
+          <a:xfrm flipV="1">
+            <a:off x="1829318" y="2755235"/>
+            <a:ext cx="920783" cy="5344"/>
+          </a:xfrm>
+          <a:prstGeom prst="straightConnector1">
+            <a:avLst/>
+          </a:prstGeom>
+          <a:ln>
+            <a:solidFill>
+              <a:schemeClr val="tx1"/>
+            </a:solidFill>
+            <a:tailEnd type="triangle"/>
+          </a:ln>
+        </p:spPr>
+        <p:style>
+          <a:lnRef idx="1">
+            <a:schemeClr val="accent1"/>
+          </a:lnRef>
+          <a:fillRef idx="0">
+            <a:schemeClr val="accent1"/>
+          </a:fillRef>
+          <a:effectRef idx="0">
+            <a:schemeClr val="accent1"/>
+          </a:effectRef>
+          <a:fontRef idx="minor">
+            <a:schemeClr val="tx1"/>
+          </a:fontRef>
+        </p:style>
+      </p:cxnSp>
+      <p:pic>
+        <p:nvPicPr>
+          <p:cNvPr id="93" name="Grafik 92" descr="Bauarbeiter">
+            <a:extLst>
+              <a:ext uri="{FF2B5EF4-FFF2-40B4-BE49-F238E27FC236}">
+                <a16:creationId xmlns:a16="http://schemas.microsoft.com/office/drawing/2014/main" id="{0FBEBEB3-C179-4CA6-85DB-A6386CCD4491}"/>
+              </a:ext>
+            </a:extLst>
+          </p:cNvPr>
+          <p:cNvPicPr>
+            <a:picLocks noChangeAspect="1"/>
+          </p:cNvPicPr>
+          <p:nvPr/>
+        </p:nvPicPr>
+        <p:blipFill>
+          <a:blip r:embed="rId6">
+            <a:extLst>
+              <a:ext uri="{28A0092B-C50C-407E-A947-70E740481C1C}">
+                <a14:useLocalDpi xmlns:a14="http://schemas.microsoft.com/office/drawing/2010/main" val="0"/>
+              </a:ext>
+              <a:ext uri="{96DAC541-7B7A-43D3-8B79-37D633B846F1}">
+                <asvg:svgBlip xmlns:asvg="http://schemas.microsoft.com/office/drawing/2016/SVG/main" r:embed="rId7"/>
+              </a:ext>
+            </a:extLst>
+          </a:blip>
+          <a:stretch>
+            <a:fillRect/>
+          </a:stretch>
+        </p:blipFill>
+        <p:spPr>
+          <a:xfrm>
+            <a:off x="10244483" y="3035087"/>
+            <a:ext cx="585575" cy="585575"/>
+          </a:xfrm>
+          <a:prstGeom prst="rect">
+            <a:avLst/>
+          </a:prstGeom>
+        </p:spPr>
+      </p:pic>
+      <p:sp>
+        <p:nvSpPr>
+          <p:cNvPr id="107" name="Ellipse 106">
+            <a:extLst>
+              <a:ext uri="{FF2B5EF4-FFF2-40B4-BE49-F238E27FC236}">
+                <a16:creationId xmlns:a16="http://schemas.microsoft.com/office/drawing/2014/main" id="{E483BECB-8517-40A4-8B7B-2B31F132CBB7}"/>
+              </a:ext>
+            </a:extLst>
+          </p:cNvPr>
+          <p:cNvSpPr/>
+          <p:nvPr/>
+        </p:nvSpPr>
+        <p:spPr>
+          <a:xfrm>
+            <a:off x="393626" y="3156572"/>
+            <a:ext cx="348008" cy="342604"/>
+          </a:xfrm>
+          <a:prstGeom prst="ellipse">
+            <a:avLst/>
+          </a:prstGeom>
+          <a:ln>
+            <a:solidFill>
+              <a:schemeClr val="tx1"/>
+            </a:solidFill>
+          </a:ln>
+        </p:spPr>
+        <p:style>
+          <a:lnRef idx="2">
+            <a:schemeClr val="accent6"/>
+          </a:lnRef>
+          <a:fillRef idx="1">
+            <a:schemeClr val="lt1"/>
+          </a:fillRef>
+          <a:effectRef idx="0">
+            <a:schemeClr val="accent6"/>
+          </a:effectRef>
+          <a:fontRef idx="minor">
+            <a:schemeClr val="dk1"/>
+          </a:fontRef>
+        </p:style>
+        <p:txBody>
+          <a:bodyPr rtlCol="0" anchor="ctr"/>
+          <a:lstStyle/>
+          <a:p>
+            <a:pPr algn="ctr"/>
+            <a:r>
+              <a:rPr lang="de-DE" dirty="0"/>
+              <a:t>8</a:t>
+            </a:r>
+            <a:endParaRPr lang="en-GB" dirty="0"/>
+          </a:p>
+        </p:txBody>
+      </p:sp>
+    </p:spTree>
+    <p:extLst>
+      <p:ext uri="{BB962C8B-B14F-4D97-AF65-F5344CB8AC3E}">
+        <p14:creationId xmlns:p14="http://schemas.microsoft.com/office/powerpoint/2010/main" val="639387186"/>
       </p:ext>
     </p:extLst>
   </p:cSld>

--- a/02_Thesis/PARRHI_Thesis/Figures/FigureMaker.pptx
+++ b/02_Thesis/PARRHI_Thesis/Figures/FigureMaker.pptx
@@ -264,7 +264,7 @@
           <a:p>
             <a:fld id="{7CBA829E-0E5E-45A4-B6EB-8046F7F33EA6}" type="datetimeFigureOut">
               <a:rPr lang="en-GB" smtClean="0"/>
-              <a:t>06/05/2019</a:t>
+              <a:t>07/05/2019</a:t>
             </a:fld>
             <a:endParaRPr lang="en-GB"/>
           </a:p>
@@ -464,7 +464,7 @@
           <a:p>
             <a:fld id="{7CBA829E-0E5E-45A4-B6EB-8046F7F33EA6}" type="datetimeFigureOut">
               <a:rPr lang="en-GB" smtClean="0"/>
-              <a:t>06/05/2019</a:t>
+              <a:t>07/05/2019</a:t>
             </a:fld>
             <a:endParaRPr lang="en-GB"/>
           </a:p>
@@ -674,7 +674,7 @@
           <a:p>
             <a:fld id="{7CBA829E-0E5E-45A4-B6EB-8046F7F33EA6}" type="datetimeFigureOut">
               <a:rPr lang="en-GB" smtClean="0"/>
-              <a:t>06/05/2019</a:t>
+              <a:t>07/05/2019</a:t>
             </a:fld>
             <a:endParaRPr lang="en-GB"/>
           </a:p>
@@ -874,7 +874,7 @@
           <a:p>
             <a:fld id="{7CBA829E-0E5E-45A4-B6EB-8046F7F33EA6}" type="datetimeFigureOut">
               <a:rPr lang="en-GB" smtClean="0"/>
-              <a:t>06/05/2019</a:t>
+              <a:t>07/05/2019</a:t>
             </a:fld>
             <a:endParaRPr lang="en-GB"/>
           </a:p>
@@ -1150,7 +1150,7 @@
           <a:p>
             <a:fld id="{7CBA829E-0E5E-45A4-B6EB-8046F7F33EA6}" type="datetimeFigureOut">
               <a:rPr lang="en-GB" smtClean="0"/>
-              <a:t>06/05/2019</a:t>
+              <a:t>07/05/2019</a:t>
             </a:fld>
             <a:endParaRPr lang="en-GB"/>
           </a:p>
@@ -1418,7 +1418,7 @@
           <a:p>
             <a:fld id="{7CBA829E-0E5E-45A4-B6EB-8046F7F33EA6}" type="datetimeFigureOut">
               <a:rPr lang="en-GB" smtClean="0"/>
-              <a:t>06/05/2019</a:t>
+              <a:t>07/05/2019</a:t>
             </a:fld>
             <a:endParaRPr lang="en-GB"/>
           </a:p>
@@ -1833,7 +1833,7 @@
           <a:p>
             <a:fld id="{7CBA829E-0E5E-45A4-B6EB-8046F7F33EA6}" type="datetimeFigureOut">
               <a:rPr lang="en-GB" smtClean="0"/>
-              <a:t>06/05/2019</a:t>
+              <a:t>07/05/2019</a:t>
             </a:fld>
             <a:endParaRPr lang="en-GB"/>
           </a:p>
@@ -1975,7 +1975,7 @@
           <a:p>
             <a:fld id="{7CBA829E-0E5E-45A4-B6EB-8046F7F33EA6}" type="datetimeFigureOut">
               <a:rPr lang="en-GB" smtClean="0"/>
-              <a:t>06/05/2019</a:t>
+              <a:t>07/05/2019</a:t>
             </a:fld>
             <a:endParaRPr lang="en-GB"/>
           </a:p>
@@ -2088,7 +2088,7 @@
           <a:p>
             <a:fld id="{7CBA829E-0E5E-45A4-B6EB-8046F7F33EA6}" type="datetimeFigureOut">
               <a:rPr lang="en-GB" smtClean="0"/>
-              <a:t>06/05/2019</a:t>
+              <a:t>07/05/2019</a:t>
             </a:fld>
             <a:endParaRPr lang="en-GB"/>
           </a:p>
@@ -2401,7 +2401,7 @@
           <a:p>
             <a:fld id="{7CBA829E-0E5E-45A4-B6EB-8046F7F33EA6}" type="datetimeFigureOut">
               <a:rPr lang="en-GB" smtClean="0"/>
-              <a:t>06/05/2019</a:t>
+              <a:t>07/05/2019</a:t>
             </a:fld>
             <a:endParaRPr lang="en-GB"/>
           </a:p>
@@ -2690,7 +2690,7 @@
           <a:p>
             <a:fld id="{7CBA829E-0E5E-45A4-B6EB-8046F7F33EA6}" type="datetimeFigureOut">
               <a:rPr lang="en-GB" smtClean="0"/>
-              <a:t>06/05/2019</a:t>
+              <a:t>07/05/2019</a:t>
             </a:fld>
             <a:endParaRPr lang="en-GB"/>
           </a:p>
@@ -2933,7 +2933,7 @@
           <a:p>
             <a:fld id="{7CBA829E-0E5E-45A4-B6EB-8046F7F33EA6}" type="datetimeFigureOut">
               <a:rPr lang="en-GB" smtClean="0"/>
-              <a:t>06/05/2019</a:t>
+              <a:t>07/05/2019</a:t>
             </a:fld>
             <a:endParaRPr lang="en-GB"/>
           </a:p>
@@ -6194,10 +6194,10 @@
       </p:grpSpPr>
       <p:sp>
         <p:nvSpPr>
-          <p:cNvPr id="106" name="Rechteck: abgerundete Ecken 105">
-            <a:extLst>
-              <a:ext uri="{FF2B5EF4-FFF2-40B4-BE49-F238E27FC236}">
-                <a16:creationId xmlns:a16="http://schemas.microsoft.com/office/drawing/2014/main" id="{DDF288CA-3CB2-4AE6-8636-41B7BF9476F8}"/>
+          <p:cNvPr id="6" name="Rechteck: abgerundete Ecken 5">
+            <a:extLst>
+              <a:ext uri="{FF2B5EF4-FFF2-40B4-BE49-F238E27FC236}">
+                <a16:creationId xmlns:a16="http://schemas.microsoft.com/office/drawing/2014/main" id="{1EFBE1EE-B6B9-4699-B39C-194A2FFA5642}"/>
               </a:ext>
             </a:extLst>
           </p:cNvPr>
@@ -6206,63 +6206,7 @@
         </p:nvSpPr>
         <p:spPr>
           <a:xfrm>
-            <a:off x="567630" y="2187300"/>
-            <a:ext cx="1261688" cy="1146557"/>
-          </a:xfrm>
-          <a:prstGeom prst="roundRect">
-            <a:avLst>
-              <a:gd name="adj" fmla="val 2329"/>
-            </a:avLst>
-          </a:prstGeom>
-          <a:ln>
-            <a:solidFill>
-              <a:schemeClr val="accent1">
-                <a:lumMod val="50000"/>
-              </a:schemeClr>
-            </a:solidFill>
-          </a:ln>
-        </p:spPr>
-        <p:style>
-          <a:lnRef idx="2">
-            <a:schemeClr val="accent6"/>
-          </a:lnRef>
-          <a:fillRef idx="1">
-            <a:schemeClr val="lt1"/>
-          </a:fillRef>
-          <a:effectRef idx="0">
-            <a:schemeClr val="accent6"/>
-          </a:effectRef>
-          <a:fontRef idx="minor">
-            <a:schemeClr val="dk1"/>
-          </a:fontRef>
-        </p:style>
-        <p:txBody>
-          <a:bodyPr rtlCol="0" anchor="t"/>
-          <a:lstStyle/>
-          <a:p>
-            <a:r>
-              <a:rPr lang="de-DE" dirty="0"/>
-              <a:t>Developer</a:t>
-            </a:r>
-            <a:endParaRPr lang="en-GB" dirty="0"/>
-          </a:p>
-        </p:txBody>
-      </p:sp>
-      <p:sp>
-        <p:nvSpPr>
-          <p:cNvPr id="6" name="Rechteck: abgerundete Ecken 5">
-            <a:extLst>
-              <a:ext uri="{FF2B5EF4-FFF2-40B4-BE49-F238E27FC236}">
-                <a16:creationId xmlns:a16="http://schemas.microsoft.com/office/drawing/2014/main" id="{1EFBE1EE-B6B9-4699-B39C-194A2FFA5642}"/>
-              </a:ext>
-            </a:extLst>
-          </p:cNvPr>
-          <p:cNvSpPr/>
-          <p:nvPr/>
-        </p:nvSpPr>
-        <p:spPr>
-          <a:xfrm>
-            <a:off x="2613517" y="908330"/>
+            <a:off x="3035548" y="917122"/>
             <a:ext cx="3781421" cy="3430672"/>
           </a:xfrm>
           <a:prstGeom prst="roundRect">
@@ -6320,7 +6264,7 @@
         </p:nvSpPr>
         <p:spPr>
           <a:xfrm>
-            <a:off x="2613517" y="913207"/>
+            <a:off x="3035548" y="921999"/>
             <a:ext cx="1092200" cy="369332"/>
           </a:xfrm>
           <a:prstGeom prst="rect">
@@ -6356,7 +6300,7 @@
         </p:nvSpPr>
         <p:spPr>
           <a:xfrm>
-            <a:off x="7938375" y="4215499"/>
+            <a:off x="8360406" y="4224291"/>
             <a:ext cx="3500069" cy="774700"/>
           </a:xfrm>
           <a:prstGeom prst="roundRect">
@@ -6413,7 +6357,7 @@
         </p:nvSpPr>
         <p:spPr>
           <a:xfrm>
-            <a:off x="7939301" y="2114782"/>
+            <a:off x="8361332" y="2123574"/>
             <a:ext cx="3500069" cy="1841492"/>
           </a:xfrm>
           <a:prstGeom prst="roundRect">
@@ -6469,7 +6413,7 @@
         </p:nvSpPr>
         <p:spPr>
           <a:xfrm>
-            <a:off x="2934723" y="1554707"/>
+            <a:off x="3558981" y="1563499"/>
             <a:ext cx="1794125" cy="560513"/>
           </a:xfrm>
           <a:prstGeom prst="roundRect">
@@ -6538,7 +6482,7 @@
         </p:nvCxnSpPr>
         <p:spPr>
           <a:xfrm flipH="1">
-            <a:off x="3831785" y="2115220"/>
+            <a:off x="4456043" y="2124012"/>
             <a:ext cx="1" cy="360013"/>
           </a:xfrm>
           <a:prstGeom prst="straightConnector1">
@@ -6580,7 +6524,7 @@
         </p:nvSpPr>
         <p:spPr>
           <a:xfrm>
-            <a:off x="2934722" y="2475233"/>
+            <a:off x="3558980" y="2484025"/>
             <a:ext cx="1794125" cy="560513"/>
           </a:xfrm>
           <a:prstGeom prst="roundRect">
@@ -6616,10 +6560,9 @@
           <a:p>
             <a:pPr algn="ctr"/>
             <a:r>
-              <a:rPr lang="de-DE" dirty="0"/>
+              <a:rPr lang="en-US"/>
               <a:t>Parametrised Program</a:t>
             </a:r>
-            <a:endParaRPr lang="en-GB" dirty="0"/>
           </a:p>
         </p:txBody>
       </p:sp>
@@ -6637,7 +6580,7 @@
         </p:nvSpPr>
         <p:spPr>
           <a:xfrm>
-            <a:off x="5554328" y="1591737"/>
+            <a:off x="5976359" y="1600529"/>
             <a:ext cx="1681219" cy="486452"/>
           </a:xfrm>
           <a:prstGeom prst="roundRect">
@@ -6692,13 +6635,14 @@
           <p:cNvCxnSpPr>
             <a:cxnSpLocks/>
             <a:stCxn id="27" idx="1"/>
+            <a:endCxn id="18" idx="3"/>
           </p:cNvCxnSpPr>
           <p:nvPr/>
         </p:nvCxnSpPr>
         <p:spPr>
           <a:xfrm flipH="1">
-            <a:off x="4728848" y="1834963"/>
-            <a:ext cx="825480" cy="0"/>
+            <a:off x="5353106" y="1843755"/>
+            <a:ext cx="623253" cy="1"/>
           </a:xfrm>
           <a:prstGeom prst="straightConnector1">
             <a:avLst/>
@@ -6739,7 +6683,7 @@
         </p:nvSpPr>
         <p:spPr>
           <a:xfrm>
-            <a:off x="2934723" y="3395760"/>
+            <a:off x="3558981" y="3404552"/>
             <a:ext cx="1794125" cy="560513"/>
           </a:xfrm>
           <a:prstGeom prst="roundRect">
@@ -6800,7 +6744,7 @@
         </p:nvCxnSpPr>
         <p:spPr>
           <a:xfrm>
-            <a:off x="3831785" y="3035746"/>
+            <a:off x="4456043" y="3044538"/>
             <a:ext cx="1" cy="360014"/>
           </a:xfrm>
           <a:prstGeom prst="straightConnector1">
@@ -6842,7 +6786,7 @@
         </p:nvSpPr>
         <p:spPr>
           <a:xfrm>
-            <a:off x="5554328" y="3431453"/>
+            <a:off x="5976359" y="3440245"/>
             <a:ext cx="1681219" cy="486452"/>
           </a:xfrm>
           <a:prstGeom prst="roundRect">
@@ -6903,8 +6847,8 @@
         </p:nvCxnSpPr>
         <p:spPr>
           <a:xfrm flipV="1">
-            <a:off x="4728848" y="3674679"/>
-            <a:ext cx="825480" cy="1338"/>
+            <a:off x="5353106" y="3683471"/>
+            <a:ext cx="623253" cy="1338"/>
           </a:xfrm>
           <a:prstGeom prst="straightConnector1">
             <a:avLst/>
@@ -6945,7 +6889,7 @@
         </p:nvSpPr>
         <p:spPr>
           <a:xfrm>
-            <a:off x="2621084" y="3375496"/>
+            <a:off x="3043115" y="3384288"/>
             <a:ext cx="264102" cy="245166"/>
           </a:xfrm>
           <a:prstGeom prst="rect">
@@ -6997,7 +6941,7 @@
         </p:nvSpPr>
         <p:spPr>
           <a:xfrm>
-            <a:off x="2756310" y="1385801"/>
+            <a:off x="3380568" y="1394593"/>
             <a:ext cx="348008" cy="342604"/>
           </a:xfrm>
           <a:prstGeom prst="ellipse">
@@ -7050,7 +6994,7 @@
         </p:nvSpPr>
         <p:spPr>
           <a:xfrm>
-            <a:off x="2750101" y="2583933"/>
+            <a:off x="3374359" y="2592725"/>
             <a:ext cx="348008" cy="342604"/>
           </a:xfrm>
           <a:prstGeom prst="ellipse">
@@ -7103,7 +7047,7 @@
         </p:nvSpPr>
         <p:spPr>
           <a:xfrm>
-            <a:off x="2755001" y="3780764"/>
+            <a:off x="3379259" y="3789556"/>
             <a:ext cx="348008" cy="342604"/>
           </a:xfrm>
           <a:prstGeom prst="ellipse">
@@ -7156,7 +7100,7 @@
         </p:nvSpPr>
         <p:spPr>
           <a:xfrm>
-            <a:off x="5380324" y="1426828"/>
+            <a:off x="5802355" y="1435620"/>
             <a:ext cx="348008" cy="342604"/>
           </a:xfrm>
           <a:prstGeom prst="ellipse">
@@ -7209,7 +7153,7 @@
         </p:nvSpPr>
         <p:spPr>
           <a:xfrm>
-            <a:off x="5380324" y="3746602"/>
+            <a:off x="5802355" y="3755394"/>
             <a:ext cx="348008" cy="342604"/>
           </a:xfrm>
           <a:prstGeom prst="ellipse">
@@ -7262,7 +7206,7 @@
         </p:nvSpPr>
         <p:spPr>
           <a:xfrm>
-            <a:off x="9834954" y="2806017"/>
+            <a:off x="10256985" y="2814809"/>
             <a:ext cx="1369466" cy="778854"/>
           </a:xfrm>
           <a:prstGeom prst="roundRect">
@@ -7323,7 +7267,7 @@
         </p:nvCxnSpPr>
         <p:spPr>
           <a:xfrm>
-            <a:off x="7235547" y="3674679"/>
+            <a:off x="7657578" y="3683471"/>
             <a:ext cx="702828" cy="928170"/>
           </a:xfrm>
           <a:prstGeom prst="bentConnector3">
@@ -7369,7 +7313,7 @@
         </p:nvCxnSpPr>
         <p:spPr>
           <a:xfrm flipV="1">
-            <a:off x="7235547" y="3192825"/>
+            <a:off x="7657578" y="3201617"/>
             <a:ext cx="994991" cy="481854"/>
           </a:xfrm>
           <a:prstGeom prst="bentConnector3">
@@ -7413,7 +7357,7 @@
         </p:nvGrpSpPr>
         <p:grpSpPr>
           <a:xfrm>
-            <a:off x="8230538" y="2803398"/>
+            <a:off x="8652569" y="2812190"/>
             <a:ext cx="1369466" cy="778854"/>
             <a:chOff x="6310397" y="2595700"/>
             <a:chExt cx="1369466" cy="778854"/>
@@ -7534,7 +7478,7 @@
         </p:nvCxnSpPr>
         <p:spPr>
           <a:xfrm flipH="1" flipV="1">
-            <a:off x="9600004" y="3192825"/>
+            <a:off x="10022035" y="3201617"/>
             <a:ext cx="234950" cy="2619"/>
           </a:xfrm>
           <a:prstGeom prst="straightConnector1">
@@ -7578,7 +7522,7 @@
         </p:nvCxnSpPr>
         <p:spPr>
           <a:xfrm flipH="1" flipV="1">
-            <a:off x="8915271" y="2554654"/>
+            <a:off x="9337302" y="2563446"/>
             <a:ext cx="1" cy="248744"/>
           </a:xfrm>
           <a:prstGeom prst="line">
@@ -7622,7 +7566,7 @@
         </p:nvCxnSpPr>
         <p:spPr>
           <a:xfrm flipV="1">
-            <a:off x="10519687" y="2554654"/>
+            <a:off x="10941718" y="2563446"/>
             <a:ext cx="0" cy="251363"/>
           </a:xfrm>
           <a:prstGeom prst="line">
@@ -7665,7 +7609,7 @@
         </p:nvCxnSpPr>
         <p:spPr>
           <a:xfrm>
-            <a:off x="8915271" y="2554654"/>
+            <a:off x="9337302" y="2563446"/>
             <a:ext cx="1604416" cy="0"/>
           </a:xfrm>
           <a:prstGeom prst="line">
@@ -7709,7 +7653,7 @@
         </p:nvCxnSpPr>
         <p:spPr>
           <a:xfrm rot="10800000">
-            <a:off x="7235547" y="1834963"/>
+            <a:off x="7657578" y="1843755"/>
             <a:ext cx="2452862" cy="719690"/>
           </a:xfrm>
           <a:prstGeom prst="bentConnector3">
@@ -7755,7 +7699,7 @@
         </p:nvCxnSpPr>
         <p:spPr>
           <a:xfrm flipV="1">
-            <a:off x="10530626" y="3583354"/>
+            <a:off x="10952657" y="3592146"/>
             <a:ext cx="694" cy="632145"/>
           </a:xfrm>
           <a:prstGeom prst="straightConnector1">
@@ -7783,12 +7727,171 @@
           </a:fontRef>
         </p:style>
       </p:cxnSp>
+      <p:sp>
+        <p:nvSpPr>
+          <p:cNvPr id="103" name="Ellipse 102">
+            <a:extLst>
+              <a:ext uri="{FF2B5EF4-FFF2-40B4-BE49-F238E27FC236}">
+                <a16:creationId xmlns:a16="http://schemas.microsoft.com/office/drawing/2014/main" id="{5A8CB45E-1774-4DC1-BFE2-AF094B83975E}"/>
+              </a:ext>
+            </a:extLst>
+          </p:cNvPr>
+          <p:cNvSpPr/>
+          <p:nvPr/>
+        </p:nvSpPr>
+        <p:spPr>
+          <a:xfrm>
+            <a:off x="8186402" y="4827689"/>
+            <a:ext cx="348008" cy="342604"/>
+          </a:xfrm>
+          <a:prstGeom prst="ellipse">
+            <a:avLst/>
+          </a:prstGeom>
+          <a:ln>
+            <a:solidFill>
+              <a:schemeClr val="tx1"/>
+            </a:solidFill>
+          </a:ln>
+        </p:spPr>
+        <p:style>
+          <a:lnRef idx="2">
+            <a:schemeClr val="accent6"/>
+          </a:lnRef>
+          <a:fillRef idx="1">
+            <a:schemeClr val="lt1"/>
+          </a:fillRef>
+          <a:effectRef idx="0">
+            <a:schemeClr val="accent6"/>
+          </a:effectRef>
+          <a:fontRef idx="minor">
+            <a:schemeClr val="dk1"/>
+          </a:fontRef>
+        </p:style>
+        <p:txBody>
+          <a:bodyPr rtlCol="0" anchor="ctr"/>
+          <a:lstStyle/>
+          <a:p>
+            <a:pPr algn="ctr"/>
+            <a:r>
+              <a:rPr lang="de-DE" dirty="0"/>
+              <a:t>5</a:t>
+            </a:r>
+            <a:endParaRPr lang="en-GB" dirty="0"/>
+          </a:p>
+        </p:txBody>
+      </p:sp>
+      <p:sp>
+        <p:nvSpPr>
+          <p:cNvPr id="104" name="Ellipse 103">
+            <a:extLst>
+              <a:ext uri="{FF2B5EF4-FFF2-40B4-BE49-F238E27FC236}">
+                <a16:creationId xmlns:a16="http://schemas.microsoft.com/office/drawing/2014/main" id="{3C9AF313-7762-4567-BD44-9365521AB8C4}"/>
+              </a:ext>
+            </a:extLst>
+          </p:cNvPr>
+          <p:cNvSpPr/>
+          <p:nvPr/>
+        </p:nvSpPr>
+        <p:spPr>
+          <a:xfrm>
+            <a:off x="8473165" y="3386437"/>
+            <a:ext cx="348008" cy="342604"/>
+          </a:xfrm>
+          <a:prstGeom prst="ellipse">
+            <a:avLst/>
+          </a:prstGeom>
+          <a:ln>
+            <a:solidFill>
+              <a:schemeClr val="tx1"/>
+            </a:solidFill>
+          </a:ln>
+        </p:spPr>
+        <p:style>
+          <a:lnRef idx="2">
+            <a:schemeClr val="accent6"/>
+          </a:lnRef>
+          <a:fillRef idx="1">
+            <a:schemeClr val="lt1"/>
+          </a:fillRef>
+          <a:effectRef idx="0">
+            <a:schemeClr val="accent6"/>
+          </a:effectRef>
+          <a:fontRef idx="minor">
+            <a:schemeClr val="dk1"/>
+          </a:fontRef>
+        </p:style>
+        <p:txBody>
+          <a:bodyPr rtlCol="0" anchor="ctr"/>
+          <a:lstStyle/>
+          <a:p>
+            <a:pPr algn="ctr"/>
+            <a:r>
+              <a:rPr lang="de-DE" dirty="0"/>
+              <a:t>6</a:t>
+            </a:r>
+            <a:endParaRPr lang="en-GB" dirty="0"/>
+          </a:p>
+        </p:txBody>
+      </p:sp>
+      <p:sp>
+        <p:nvSpPr>
+          <p:cNvPr id="105" name="Ellipse 104">
+            <a:extLst>
+              <a:ext uri="{FF2B5EF4-FFF2-40B4-BE49-F238E27FC236}">
+                <a16:creationId xmlns:a16="http://schemas.microsoft.com/office/drawing/2014/main" id="{CA0AEDEC-FF51-452C-956F-47552669EA96}"/>
+              </a:ext>
+            </a:extLst>
+          </p:cNvPr>
+          <p:cNvSpPr/>
+          <p:nvPr/>
+        </p:nvSpPr>
+        <p:spPr>
+          <a:xfrm>
+            <a:off x="10083167" y="3404552"/>
+            <a:ext cx="348008" cy="342604"/>
+          </a:xfrm>
+          <a:prstGeom prst="ellipse">
+            <a:avLst/>
+          </a:prstGeom>
+          <a:ln>
+            <a:solidFill>
+              <a:schemeClr val="tx1"/>
+            </a:solidFill>
+          </a:ln>
+        </p:spPr>
+        <p:style>
+          <a:lnRef idx="2">
+            <a:schemeClr val="accent6"/>
+          </a:lnRef>
+          <a:fillRef idx="1">
+            <a:schemeClr val="lt1"/>
+          </a:fillRef>
+          <a:effectRef idx="0">
+            <a:schemeClr val="accent6"/>
+          </a:effectRef>
+          <a:fontRef idx="minor">
+            <a:schemeClr val="dk1"/>
+          </a:fontRef>
+        </p:style>
+        <p:txBody>
+          <a:bodyPr rtlCol="0" anchor="ctr"/>
+          <a:lstStyle/>
+          <a:p>
+            <a:pPr algn="ctr"/>
+            <a:r>
+              <a:rPr lang="de-DE" dirty="0"/>
+              <a:t>7</a:t>
+            </a:r>
+            <a:endParaRPr lang="en-GB" dirty="0"/>
+          </a:p>
+        </p:txBody>
+      </p:sp>
       <p:pic>
         <p:nvPicPr>
-          <p:cNvPr id="89" name="Grafik 88" descr="Lachendes Gesicht ohne Füllung">
-            <a:extLst>
-              <a:ext uri="{FF2B5EF4-FFF2-40B4-BE49-F238E27FC236}">
-                <a16:creationId xmlns:a16="http://schemas.microsoft.com/office/drawing/2014/main" id="{138E77A1-719E-4062-B070-F76CCA4B11F7}"/>
+          <p:cNvPr id="93" name="Grafik 92" descr="Bauarbeiter">
+            <a:extLst>
+              <a:ext uri="{FF2B5EF4-FFF2-40B4-BE49-F238E27FC236}">
+                <a16:creationId xmlns:a16="http://schemas.microsoft.com/office/drawing/2014/main" id="{0FBEBEB3-C179-4CA6-85DB-A6386CCD4491}"/>
               </a:ext>
             </a:extLst>
           </p:cNvPr>
@@ -7814,20 +7917,189 @@
         </p:blipFill>
         <p:spPr>
           <a:xfrm>
-            <a:off x="881020" y="2627092"/>
-            <a:ext cx="598890" cy="598890"/>
+            <a:off x="10666514" y="3043879"/>
+            <a:ext cx="585575" cy="585575"/>
           </a:xfrm>
           <a:prstGeom prst="rect">
             <a:avLst/>
           </a:prstGeom>
         </p:spPr>
       </p:pic>
-      <p:sp>
-        <p:nvSpPr>
-          <p:cNvPr id="103" name="Ellipse 102">
-            <a:extLst>
-              <a:ext uri="{FF2B5EF4-FFF2-40B4-BE49-F238E27FC236}">
-                <a16:creationId xmlns:a16="http://schemas.microsoft.com/office/drawing/2014/main" id="{5A8CB45E-1774-4DC1-BFE2-AF094B83975E}"/>
+      <p:grpSp>
+        <p:nvGrpSpPr>
+          <p:cNvPr id="31" name="Gruppieren 30">
+            <a:extLst>
+              <a:ext uri="{FF2B5EF4-FFF2-40B4-BE49-F238E27FC236}">
+                <a16:creationId xmlns:a16="http://schemas.microsoft.com/office/drawing/2014/main" id="{4F6E059B-D126-41A1-BEA8-650E0F8A649C}"/>
+              </a:ext>
+            </a:extLst>
+          </p:cNvPr>
+          <p:cNvGrpSpPr/>
+          <p:nvPr/>
+        </p:nvGrpSpPr>
+        <p:grpSpPr>
+          <a:xfrm>
+            <a:off x="102597" y="2100983"/>
+            <a:ext cx="1359349" cy="1123562"/>
+            <a:chOff x="102597" y="2100983"/>
+            <a:chExt cx="1359349" cy="1123562"/>
+          </a:xfrm>
+        </p:grpSpPr>
+        <p:sp>
+          <p:nvSpPr>
+            <p:cNvPr id="106" name="Rechteck: abgerundete Ecken 105">
+              <a:extLst>
+                <a:ext uri="{FF2B5EF4-FFF2-40B4-BE49-F238E27FC236}">
+                  <a16:creationId xmlns:a16="http://schemas.microsoft.com/office/drawing/2014/main" id="{DDF288CA-3CB2-4AE6-8636-41B7BF9476F8}"/>
+                </a:ext>
+              </a:extLst>
+            </p:cNvPr>
+            <p:cNvSpPr/>
+            <p:nvPr/>
+          </p:nvSpPr>
+          <p:spPr>
+            <a:xfrm>
+              <a:off x="277238" y="2100983"/>
+              <a:ext cx="1184708" cy="969272"/>
+            </a:xfrm>
+            <a:prstGeom prst="roundRect">
+              <a:avLst>
+                <a:gd name="adj" fmla="val 2329"/>
+              </a:avLst>
+            </a:prstGeom>
+            <a:ln>
+              <a:solidFill>
+                <a:schemeClr val="accent1">
+                  <a:lumMod val="50000"/>
+                </a:schemeClr>
+              </a:solidFill>
+            </a:ln>
+          </p:spPr>
+          <p:style>
+            <a:lnRef idx="2">
+              <a:schemeClr val="accent6"/>
+            </a:lnRef>
+            <a:fillRef idx="1">
+              <a:schemeClr val="lt1"/>
+            </a:fillRef>
+            <a:effectRef idx="0">
+              <a:schemeClr val="accent6"/>
+            </a:effectRef>
+            <a:fontRef idx="minor">
+              <a:schemeClr val="dk1"/>
+            </a:fontRef>
+          </p:style>
+          <p:txBody>
+            <a:bodyPr rtlCol="0" anchor="t"/>
+            <a:lstStyle/>
+            <a:p>
+              <a:r>
+                <a:rPr lang="de-DE" dirty="0"/>
+                <a:t>Developer</a:t>
+              </a:r>
+              <a:endParaRPr lang="en-GB" dirty="0"/>
+            </a:p>
+          </p:txBody>
+        </p:sp>
+        <p:pic>
+          <p:nvPicPr>
+            <p:cNvPr id="89" name="Grafik 88" descr="Lachendes Gesicht ohne Füllung">
+              <a:extLst>
+                <a:ext uri="{FF2B5EF4-FFF2-40B4-BE49-F238E27FC236}">
+                  <a16:creationId xmlns:a16="http://schemas.microsoft.com/office/drawing/2014/main" id="{138E77A1-719E-4062-B070-F76CCA4B11F7}"/>
+                </a:ext>
+              </a:extLst>
+            </p:cNvPr>
+            <p:cNvPicPr>
+              <a:picLocks noChangeAspect="1"/>
+            </p:cNvPicPr>
+            <p:nvPr/>
+          </p:nvPicPr>
+          <p:blipFill>
+            <a:blip r:embed="rId6">
+              <a:extLst>
+                <a:ext uri="{28A0092B-C50C-407E-A947-70E740481C1C}">
+                  <a14:useLocalDpi xmlns:a14="http://schemas.microsoft.com/office/drawing/2010/main" val="0"/>
+                </a:ext>
+                <a:ext uri="{96DAC541-7B7A-43D3-8B79-37D633B846F1}">
+                  <asvg:svgBlip xmlns:asvg="http://schemas.microsoft.com/office/drawing/2016/SVG/main" r:embed="rId7"/>
+                </a:ext>
+              </a:extLst>
+            </a:blip>
+            <a:stretch>
+              <a:fillRect/>
+            </a:stretch>
+          </p:blipFill>
+          <p:spPr>
+            <a:xfrm>
+              <a:off x="559207" y="2422205"/>
+              <a:ext cx="598890" cy="598890"/>
+            </a:xfrm>
+            <a:prstGeom prst="rect">
+              <a:avLst/>
+            </a:prstGeom>
+          </p:spPr>
+        </p:pic>
+        <p:sp>
+          <p:nvSpPr>
+            <p:cNvPr id="107" name="Ellipse 106">
+              <a:extLst>
+                <a:ext uri="{FF2B5EF4-FFF2-40B4-BE49-F238E27FC236}">
+                  <a16:creationId xmlns:a16="http://schemas.microsoft.com/office/drawing/2014/main" id="{E483BECB-8517-40A4-8B7B-2B31F132CBB7}"/>
+                </a:ext>
+              </a:extLst>
+            </p:cNvPr>
+            <p:cNvSpPr/>
+            <p:nvPr/>
+          </p:nvSpPr>
+          <p:spPr>
+            <a:xfrm>
+              <a:off x="102597" y="2881941"/>
+              <a:ext cx="348008" cy="342604"/>
+            </a:xfrm>
+            <a:prstGeom prst="ellipse">
+              <a:avLst/>
+            </a:prstGeom>
+            <a:ln>
+              <a:solidFill>
+                <a:schemeClr val="tx1"/>
+              </a:solidFill>
+            </a:ln>
+          </p:spPr>
+          <p:style>
+            <a:lnRef idx="2">
+              <a:schemeClr val="accent6"/>
+            </a:lnRef>
+            <a:fillRef idx="1">
+              <a:schemeClr val="lt1"/>
+            </a:fillRef>
+            <a:effectRef idx="0">
+              <a:schemeClr val="accent6"/>
+            </a:effectRef>
+            <a:fontRef idx="minor">
+              <a:schemeClr val="dk1"/>
+            </a:fontRef>
+          </p:style>
+          <p:txBody>
+            <a:bodyPr rtlCol="0" anchor="ctr"/>
+            <a:lstStyle/>
+            <a:p>
+              <a:pPr algn="ctr"/>
+              <a:r>
+                <a:rPr lang="de-DE" dirty="0"/>
+                <a:t>8</a:t>
+              </a:r>
+              <a:endParaRPr lang="en-GB" dirty="0"/>
+            </a:p>
+          </p:txBody>
+        </p:sp>
+      </p:grpSp>
+      <p:sp>
+        <p:nvSpPr>
+          <p:cNvPr id="43" name="Rechteck: abgerundete Ecken 42">
+            <a:extLst>
+              <a:ext uri="{FF2B5EF4-FFF2-40B4-BE49-F238E27FC236}">
+                <a16:creationId xmlns:a16="http://schemas.microsoft.com/office/drawing/2014/main" id="{D1A6702D-93D8-4105-88A0-D81FCB3DDBDD}"/>
               </a:ext>
             </a:extLst>
           </p:cNvPr>
@@ -7836,15 +8108,19 @@
         </p:nvSpPr>
         <p:spPr>
           <a:xfrm>
-            <a:off x="7764371" y="4818897"/>
-            <a:ext cx="348008" cy="342604"/>
-          </a:xfrm>
-          <a:prstGeom prst="ellipse">
-            <a:avLst/>
+            <a:off x="1881653" y="2592725"/>
+            <a:ext cx="1261688" cy="342604"/>
+          </a:xfrm>
+          <a:prstGeom prst="roundRect">
+            <a:avLst>
+              <a:gd name="adj" fmla="val 2329"/>
+            </a:avLst>
           </a:prstGeom>
           <a:ln>
             <a:solidFill>
-              <a:schemeClr val="tx1"/>
+              <a:schemeClr val="accent1">
+                <a:lumMod val="50000"/>
+              </a:schemeClr>
             </a:solidFill>
           </a:ln>
         </p:spPr>
@@ -7869,113 +8145,7 @@
             <a:pPr algn="ctr"/>
             <a:r>
               <a:rPr lang="de-DE" dirty="0"/>
-              <a:t>5</a:t>
-            </a:r>
-            <a:endParaRPr lang="en-GB" dirty="0"/>
-          </a:p>
-        </p:txBody>
-      </p:sp>
-      <p:sp>
-        <p:nvSpPr>
-          <p:cNvPr id="104" name="Ellipse 103">
-            <a:extLst>
-              <a:ext uri="{FF2B5EF4-FFF2-40B4-BE49-F238E27FC236}">
-                <a16:creationId xmlns:a16="http://schemas.microsoft.com/office/drawing/2014/main" id="{3C9AF313-7762-4567-BD44-9365521AB8C4}"/>
-              </a:ext>
-            </a:extLst>
-          </p:cNvPr>
-          <p:cNvSpPr/>
-          <p:nvPr/>
-        </p:nvSpPr>
-        <p:spPr>
-          <a:xfrm>
-            <a:off x="8051134" y="3377645"/>
-            <a:ext cx="348008" cy="342604"/>
-          </a:xfrm>
-          <a:prstGeom prst="ellipse">
-            <a:avLst/>
-          </a:prstGeom>
-          <a:ln>
-            <a:solidFill>
-              <a:schemeClr val="tx1"/>
-            </a:solidFill>
-          </a:ln>
-        </p:spPr>
-        <p:style>
-          <a:lnRef idx="2">
-            <a:schemeClr val="accent6"/>
-          </a:lnRef>
-          <a:fillRef idx="1">
-            <a:schemeClr val="lt1"/>
-          </a:fillRef>
-          <a:effectRef idx="0">
-            <a:schemeClr val="accent6"/>
-          </a:effectRef>
-          <a:fontRef idx="minor">
-            <a:schemeClr val="dk1"/>
-          </a:fontRef>
-        </p:style>
-        <p:txBody>
-          <a:bodyPr rtlCol="0" anchor="ctr"/>
-          <a:lstStyle/>
-          <a:p>
-            <a:pPr algn="ctr"/>
-            <a:r>
-              <a:rPr lang="de-DE" dirty="0"/>
-              <a:t>6</a:t>
-            </a:r>
-            <a:endParaRPr lang="en-GB" dirty="0"/>
-          </a:p>
-        </p:txBody>
-      </p:sp>
-      <p:sp>
-        <p:nvSpPr>
-          <p:cNvPr id="105" name="Ellipse 104">
-            <a:extLst>
-              <a:ext uri="{FF2B5EF4-FFF2-40B4-BE49-F238E27FC236}">
-                <a16:creationId xmlns:a16="http://schemas.microsoft.com/office/drawing/2014/main" id="{CA0AEDEC-FF51-452C-956F-47552669EA96}"/>
-              </a:ext>
-            </a:extLst>
-          </p:cNvPr>
-          <p:cNvSpPr/>
-          <p:nvPr/>
-        </p:nvSpPr>
-        <p:spPr>
-          <a:xfrm>
-            <a:off x="9661136" y="3395760"/>
-            <a:ext cx="348008" cy="342604"/>
-          </a:xfrm>
-          <a:prstGeom prst="ellipse">
-            <a:avLst/>
-          </a:prstGeom>
-          <a:ln>
-            <a:solidFill>
-              <a:schemeClr val="tx1"/>
-            </a:solidFill>
-          </a:ln>
-        </p:spPr>
-        <p:style>
-          <a:lnRef idx="2">
-            <a:schemeClr val="accent6"/>
-          </a:lnRef>
-          <a:fillRef idx="1">
-            <a:schemeClr val="lt1"/>
-          </a:fillRef>
-          <a:effectRef idx="0">
-            <a:schemeClr val="accent6"/>
-          </a:effectRef>
-          <a:fontRef idx="minor">
-            <a:schemeClr val="dk1"/>
-          </a:fontRef>
-        </p:style>
-        <p:txBody>
-          <a:bodyPr rtlCol="0" anchor="ctr"/>
-          <a:lstStyle/>
-          <a:p>
-            <a:pPr algn="ctr"/>
-            <a:r>
-              <a:rPr lang="de-DE" dirty="0"/>
-              <a:t>7</a:t>
+              <a:t>Validation</a:t>
             </a:r>
             <a:endParaRPr lang="en-GB" dirty="0"/>
           </a:p>
@@ -7983,23 +8153,23 @@
       </p:sp>
       <p:cxnSp>
         <p:nvCxnSpPr>
-          <p:cNvPr id="91" name="Gerade Verbindung mit Pfeil 90">
-            <a:extLst>
-              <a:ext uri="{FF2B5EF4-FFF2-40B4-BE49-F238E27FC236}">
-                <a16:creationId xmlns:a16="http://schemas.microsoft.com/office/drawing/2014/main" id="{2F288839-6C79-4D98-8455-AC74A2489ABB}"/>
+          <p:cNvPr id="47" name="Gerade Verbindung mit Pfeil 46">
+            <a:extLst>
+              <a:ext uri="{FF2B5EF4-FFF2-40B4-BE49-F238E27FC236}">
+                <a16:creationId xmlns:a16="http://schemas.microsoft.com/office/drawing/2014/main" id="{32E44208-6490-4F2A-9F25-8CC20EB718AA}"/>
               </a:ext>
             </a:extLst>
           </p:cNvPr>
           <p:cNvCxnSpPr>
-            <a:stCxn id="106" idx="3"/>
-            <a:endCxn id="101" idx="2"/>
+            <a:cxnSpLocks/>
+            <a:stCxn id="43" idx="3"/>
           </p:cNvCxnSpPr>
           <p:nvPr/>
         </p:nvCxnSpPr>
         <p:spPr>
           <a:xfrm flipV="1">
-            <a:off x="1829318" y="2755235"/>
-            <a:ext cx="920783" cy="5344"/>
+            <a:off x="3143341" y="2763346"/>
+            <a:ext cx="225008" cy="681"/>
           </a:xfrm>
           <a:prstGeom prst="straightConnector1">
             <a:avLst/>
@@ -8026,98 +8196,96 @@
           </a:fontRef>
         </p:style>
       </p:cxnSp>
-      <p:pic>
-        <p:nvPicPr>
-          <p:cNvPr id="93" name="Grafik 92" descr="Bauarbeiter">
-            <a:extLst>
-              <a:ext uri="{FF2B5EF4-FFF2-40B4-BE49-F238E27FC236}">
-                <a16:creationId xmlns:a16="http://schemas.microsoft.com/office/drawing/2014/main" id="{0FBEBEB3-C179-4CA6-85DB-A6386CCD4491}"/>
-              </a:ext>
-            </a:extLst>
-          </p:cNvPr>
-          <p:cNvPicPr>
-            <a:picLocks noChangeAspect="1"/>
-          </p:cNvPicPr>
-          <p:nvPr/>
-        </p:nvPicPr>
-        <p:blipFill>
-          <a:blip r:embed="rId6">
-            <a:extLst>
-              <a:ext uri="{28A0092B-C50C-407E-A947-70E740481C1C}">
-                <a14:useLocalDpi xmlns:a14="http://schemas.microsoft.com/office/drawing/2010/main" val="0"/>
-              </a:ext>
-              <a:ext uri="{96DAC541-7B7A-43D3-8B79-37D633B846F1}">
-                <asvg:svgBlip xmlns:asvg="http://schemas.microsoft.com/office/drawing/2016/SVG/main" r:embed="rId7"/>
-              </a:ext>
-            </a:extLst>
-          </a:blip>
-          <a:stretch>
-            <a:fillRect/>
-          </a:stretch>
-        </p:blipFill>
-        <p:spPr>
-          <a:xfrm>
-            <a:off x="10244483" y="3035087"/>
-            <a:ext cx="585575" cy="585575"/>
-          </a:xfrm>
-          <a:prstGeom prst="rect">
-            <a:avLst/>
-          </a:prstGeom>
-        </p:spPr>
-      </p:pic>
-      <p:sp>
-        <p:nvSpPr>
-          <p:cNvPr id="107" name="Ellipse 106">
-            <a:extLst>
-              <a:ext uri="{FF2B5EF4-FFF2-40B4-BE49-F238E27FC236}">
-                <a16:creationId xmlns:a16="http://schemas.microsoft.com/office/drawing/2014/main" id="{E483BECB-8517-40A4-8B7B-2B31F132CBB7}"/>
-              </a:ext>
-            </a:extLst>
-          </p:cNvPr>
-          <p:cNvSpPr/>
-          <p:nvPr/>
-        </p:nvSpPr>
-        <p:spPr>
-          <a:xfrm>
-            <a:off x="393626" y="3156572"/>
-            <a:ext cx="348008" cy="342604"/>
-          </a:xfrm>
-          <a:prstGeom prst="ellipse">
+      <p:cxnSp>
+        <p:nvCxnSpPr>
+          <p:cNvPr id="50" name="Gerade Verbindung mit Pfeil 49">
+            <a:extLst>
+              <a:ext uri="{FF2B5EF4-FFF2-40B4-BE49-F238E27FC236}">
+                <a16:creationId xmlns:a16="http://schemas.microsoft.com/office/drawing/2014/main" id="{4ED54E40-5262-4E52-9C69-39D4BB344E39}"/>
+              </a:ext>
+            </a:extLst>
+          </p:cNvPr>
+          <p:cNvCxnSpPr>
+            <a:cxnSpLocks/>
+            <a:endCxn id="43" idx="1"/>
+          </p:cNvCxnSpPr>
+          <p:nvPr/>
+        </p:nvCxnSpPr>
+        <p:spPr>
+          <a:xfrm>
+            <a:off x="1467956" y="2764027"/>
+            <a:ext cx="413697" cy="0"/>
+          </a:xfrm>
+          <a:prstGeom prst="straightConnector1">
             <a:avLst/>
           </a:prstGeom>
           <a:ln>
             <a:solidFill>
               <a:schemeClr val="tx1"/>
             </a:solidFill>
+            <a:tailEnd type="triangle"/>
           </a:ln>
         </p:spPr>
         <p:style>
-          <a:lnRef idx="2">
-            <a:schemeClr val="accent6"/>
+          <a:lnRef idx="1">
+            <a:schemeClr val="accent1"/>
           </a:lnRef>
-          <a:fillRef idx="1">
-            <a:schemeClr val="lt1"/>
+          <a:fillRef idx="0">
+            <a:schemeClr val="accent1"/>
           </a:fillRef>
           <a:effectRef idx="0">
-            <a:schemeClr val="accent6"/>
+            <a:schemeClr val="accent1"/>
           </a:effectRef>
           <a:fontRef idx="minor">
-            <a:schemeClr val="dk1"/>
+            <a:schemeClr val="tx1"/>
           </a:fontRef>
         </p:style>
-        <p:txBody>
-          <a:bodyPr rtlCol="0" anchor="ctr"/>
-          <a:lstStyle/>
-          <a:p>
-            <a:pPr algn="ctr"/>
-            <a:r>
-              <a:rPr lang="de-DE" dirty="0"/>
-              <a:t>8</a:t>
-            </a:r>
-            <a:endParaRPr lang="en-GB" dirty="0"/>
-          </a:p>
-        </p:txBody>
-      </p:sp>
+      </p:cxnSp>
+      <p:cxnSp>
+        <p:nvCxnSpPr>
+          <p:cNvPr id="21" name="Verbinder: gewinkelt 20">
+            <a:extLst>
+              <a:ext uri="{FF2B5EF4-FFF2-40B4-BE49-F238E27FC236}">
+                <a16:creationId xmlns:a16="http://schemas.microsoft.com/office/drawing/2014/main" id="{6431D571-4EFD-4813-825B-CB4B2F299890}"/>
+              </a:ext>
+            </a:extLst>
+          </p:cNvPr>
+          <p:cNvCxnSpPr>
+            <a:cxnSpLocks/>
+            <a:stCxn id="43" idx="0"/>
+          </p:cNvCxnSpPr>
+          <p:nvPr/>
+        </p:nvCxnSpPr>
+        <p:spPr>
+          <a:xfrm rot="16200000" flipV="1">
+            <a:off x="1889309" y="1969537"/>
+            <a:ext cx="190149" cy="1056228"/>
+          </a:xfrm>
+          <a:prstGeom prst="bentConnector2">
+            <a:avLst/>
+          </a:prstGeom>
+          <a:ln>
+            <a:solidFill>
+              <a:schemeClr val="tx1"/>
+            </a:solidFill>
+            <a:tailEnd type="triangle"/>
+          </a:ln>
+        </p:spPr>
+        <p:style>
+          <a:lnRef idx="1">
+            <a:schemeClr val="accent1"/>
+          </a:lnRef>
+          <a:fillRef idx="0">
+            <a:schemeClr val="accent1"/>
+          </a:fillRef>
+          <a:effectRef idx="0">
+            <a:schemeClr val="accent1"/>
+          </a:effectRef>
+          <a:fontRef idx="minor">
+            <a:schemeClr val="tx1"/>
+          </a:fontRef>
+        </p:style>
+      </p:cxnSp>
     </p:spTree>
     <p:extLst>
       <p:ext uri="{BB962C8B-B14F-4D97-AF65-F5344CB8AC3E}">

--- a/02_Thesis/PARRHI_Thesis/Figures/FigureMaker.pptx
+++ b/02_Thesis/PARRHI_Thesis/Figures/FigureMaker.pptx
@@ -5,10 +5,10 @@
     <p:sldMasterId id="2147483648" r:id="rId1"/>
   </p:sldMasterIdLst>
   <p:sldIdLst>
-    <p:sldId id="256" r:id="rId2"/>
-    <p:sldId id="258" r:id="rId3"/>
-    <p:sldId id="257" r:id="rId4"/>
-    <p:sldId id="259" r:id="rId5"/>
+    <p:sldId id="257" r:id="rId2"/>
+    <p:sldId id="259" r:id="rId3"/>
+    <p:sldId id="260" r:id="rId4"/>
+    <p:sldId id="261" r:id="rId5"/>
   </p:sldIdLst>
   <p:sldSz cx="12192000" cy="6858000"/>
   <p:notesSz cx="6858000" cy="9144000"/>
@@ -264,7 +264,7 @@
           <a:p>
             <a:fld id="{7CBA829E-0E5E-45A4-B6EB-8046F7F33EA6}" type="datetimeFigureOut">
               <a:rPr lang="en-GB" smtClean="0"/>
-              <a:t>07/05/2019</a:t>
+              <a:t>15/05/2019</a:t>
             </a:fld>
             <a:endParaRPr lang="en-GB"/>
           </a:p>
@@ -464,7 +464,7 @@
           <a:p>
             <a:fld id="{7CBA829E-0E5E-45A4-B6EB-8046F7F33EA6}" type="datetimeFigureOut">
               <a:rPr lang="en-GB" smtClean="0"/>
-              <a:t>07/05/2019</a:t>
+              <a:t>15/05/2019</a:t>
             </a:fld>
             <a:endParaRPr lang="en-GB"/>
           </a:p>
@@ -674,7 +674,7 @@
           <a:p>
             <a:fld id="{7CBA829E-0E5E-45A4-B6EB-8046F7F33EA6}" type="datetimeFigureOut">
               <a:rPr lang="en-GB" smtClean="0"/>
-              <a:t>07/05/2019</a:t>
+              <a:t>15/05/2019</a:t>
             </a:fld>
             <a:endParaRPr lang="en-GB"/>
           </a:p>
@@ -874,7 +874,7 @@
           <a:p>
             <a:fld id="{7CBA829E-0E5E-45A4-B6EB-8046F7F33EA6}" type="datetimeFigureOut">
               <a:rPr lang="en-GB" smtClean="0"/>
-              <a:t>07/05/2019</a:t>
+              <a:t>15/05/2019</a:t>
             </a:fld>
             <a:endParaRPr lang="en-GB"/>
           </a:p>
@@ -1150,7 +1150,7 @@
           <a:p>
             <a:fld id="{7CBA829E-0E5E-45A4-B6EB-8046F7F33EA6}" type="datetimeFigureOut">
               <a:rPr lang="en-GB" smtClean="0"/>
-              <a:t>07/05/2019</a:t>
+              <a:t>15/05/2019</a:t>
             </a:fld>
             <a:endParaRPr lang="en-GB"/>
           </a:p>
@@ -1418,7 +1418,7 @@
           <a:p>
             <a:fld id="{7CBA829E-0E5E-45A4-B6EB-8046F7F33EA6}" type="datetimeFigureOut">
               <a:rPr lang="en-GB" smtClean="0"/>
-              <a:t>07/05/2019</a:t>
+              <a:t>15/05/2019</a:t>
             </a:fld>
             <a:endParaRPr lang="en-GB"/>
           </a:p>
@@ -1833,7 +1833,7 @@
           <a:p>
             <a:fld id="{7CBA829E-0E5E-45A4-B6EB-8046F7F33EA6}" type="datetimeFigureOut">
               <a:rPr lang="en-GB" smtClean="0"/>
-              <a:t>07/05/2019</a:t>
+              <a:t>15/05/2019</a:t>
             </a:fld>
             <a:endParaRPr lang="en-GB"/>
           </a:p>
@@ -1975,7 +1975,7 @@
           <a:p>
             <a:fld id="{7CBA829E-0E5E-45A4-B6EB-8046F7F33EA6}" type="datetimeFigureOut">
               <a:rPr lang="en-GB" smtClean="0"/>
-              <a:t>07/05/2019</a:t>
+              <a:t>15/05/2019</a:t>
             </a:fld>
             <a:endParaRPr lang="en-GB"/>
           </a:p>
@@ -2088,7 +2088,7 @@
           <a:p>
             <a:fld id="{7CBA829E-0E5E-45A4-B6EB-8046F7F33EA6}" type="datetimeFigureOut">
               <a:rPr lang="en-GB" smtClean="0"/>
-              <a:t>07/05/2019</a:t>
+              <a:t>15/05/2019</a:t>
             </a:fld>
             <a:endParaRPr lang="en-GB"/>
           </a:p>
@@ -2401,7 +2401,7 @@
           <a:p>
             <a:fld id="{7CBA829E-0E5E-45A4-B6EB-8046F7F33EA6}" type="datetimeFigureOut">
               <a:rPr lang="en-GB" smtClean="0"/>
-              <a:t>07/05/2019</a:t>
+              <a:t>15/05/2019</a:t>
             </a:fld>
             <a:endParaRPr lang="en-GB"/>
           </a:p>
@@ -2690,7 +2690,7 @@
           <a:p>
             <a:fld id="{7CBA829E-0E5E-45A4-B6EB-8046F7F33EA6}" type="datetimeFigureOut">
               <a:rPr lang="en-GB" smtClean="0"/>
-              <a:t>07/05/2019</a:t>
+              <a:t>15/05/2019</a:t>
             </a:fld>
             <a:endParaRPr lang="en-GB"/>
           </a:p>
@@ -2933,7 +2933,7 @@
           <a:p>
             <a:fld id="{7CBA829E-0E5E-45A4-B6EB-8046F7F33EA6}" type="datetimeFigureOut">
               <a:rPr lang="en-GB" smtClean="0"/>
-              <a:t>07/05/2019</a:t>
+              <a:t>15/05/2019</a:t>
             </a:fld>
             <a:endParaRPr lang="en-GB"/>
           </a:p>
@@ -3352,10 +3352,10 @@
       </p:grpSpPr>
       <p:sp>
         <p:nvSpPr>
-          <p:cNvPr id="19" name="Rechteck: abgerundete Ecken 18">
-            <a:extLst>
-              <a:ext uri="{FF2B5EF4-FFF2-40B4-BE49-F238E27FC236}">
-                <a16:creationId xmlns:a16="http://schemas.microsoft.com/office/drawing/2014/main" id="{9BBA38F9-DA0C-4909-8EC7-D07C23AC9177}"/>
+          <p:cNvPr id="6" name="Rechteck: abgerundete Ecken 5">
+            <a:extLst>
+              <a:ext uri="{FF2B5EF4-FFF2-40B4-BE49-F238E27FC236}">
+                <a16:creationId xmlns:a16="http://schemas.microsoft.com/office/drawing/2014/main" id="{1EFBE1EE-B6B9-4699-B39C-194A2FFA5642}"/>
               </a:ext>
             </a:extLst>
           </p:cNvPr>
@@ -3364,14 +3364,19 @@
         </p:nvSpPr>
         <p:spPr>
           <a:xfrm>
-            <a:off x="6696071" y="2559050"/>
-            <a:ext cx="3517900" cy="2419345"/>
+            <a:off x="845197" y="969876"/>
+            <a:ext cx="3781421" cy="3430672"/>
           </a:xfrm>
           <a:prstGeom prst="roundRect">
             <a:avLst>
               <a:gd name="adj" fmla="val 2329"/>
             </a:avLst>
           </a:prstGeom>
+          <a:solidFill>
+            <a:schemeClr val="bg1">
+              <a:lumMod val="95000"/>
+            </a:schemeClr>
+          </a:solidFill>
           <a:ln>
             <a:solidFill>
               <a:schemeClr val="accent1">
@@ -3399,16 +3404,16 @@
           <a:lstStyle/>
           <a:p>
             <a:pPr algn="ctr"/>
-            <a:endParaRPr lang="en-GB"/>
-          </a:p>
-        </p:txBody>
-      </p:sp>
-      <p:sp>
-        <p:nvSpPr>
-          <p:cNvPr id="5" name="Rechteck: abgerundete Ecken 4">
-            <a:extLst>
-              <a:ext uri="{FF2B5EF4-FFF2-40B4-BE49-F238E27FC236}">
-                <a16:creationId xmlns:a16="http://schemas.microsoft.com/office/drawing/2014/main" id="{54EE3CFD-868D-4B8E-81A5-21D9FA36EABD}"/>
+            <a:endParaRPr lang="en-GB" dirty="0"/>
+          </a:p>
+        </p:txBody>
+      </p:sp>
+      <p:sp>
+        <p:nvSpPr>
+          <p:cNvPr id="84" name="Rechteck: abgerundete Ecken 83">
+            <a:extLst>
+              <a:ext uri="{FF2B5EF4-FFF2-40B4-BE49-F238E27FC236}">
+                <a16:creationId xmlns:a16="http://schemas.microsoft.com/office/drawing/2014/main" id="{9D995733-A6B3-47B0-BD0C-920340C64D0C}"/>
               </a:ext>
             </a:extLst>
           </p:cNvPr>
@@ -3417,8 +3422,8 @@
         </p:nvSpPr>
         <p:spPr>
           <a:xfrm>
-            <a:off x="3343275" y="488950"/>
-            <a:ext cx="2978150" cy="952500"/>
+            <a:off x="844004" y="2381158"/>
+            <a:ext cx="2284004" cy="851491"/>
           </a:xfrm>
           <a:prstGeom prst="roundRect">
             <a:avLst>
@@ -3452,20 +3457,41 @@
           <a:lstStyle/>
           <a:p>
             <a:pPr algn="ctr"/>
-            <a:r>
-              <a:rPr lang="de-DE" err="1"/>
-              <a:t>User‘s</a:t>
-            </a:r>
+            <a:endParaRPr lang="en-GB" dirty="0"/>
+          </a:p>
+        </p:txBody>
+      </p:sp>
+      <p:sp>
+        <p:nvSpPr>
+          <p:cNvPr id="7" name="Textfeld 6">
+            <a:extLst>
+              <a:ext uri="{FF2B5EF4-FFF2-40B4-BE49-F238E27FC236}">
+                <a16:creationId xmlns:a16="http://schemas.microsoft.com/office/drawing/2014/main" id="{A306641F-035E-4DDB-8579-EE779BAEC635}"/>
+              </a:ext>
+            </a:extLst>
+          </p:cNvPr>
+          <p:cNvSpPr txBox="1"/>
+          <p:nvPr/>
+        </p:nvSpPr>
+        <p:spPr>
+          <a:xfrm>
+            <a:off x="845197" y="974753"/>
+            <a:ext cx="1092200" cy="369332"/>
+          </a:xfrm>
+          <a:prstGeom prst="rect">
+            <a:avLst/>
+          </a:prstGeom>
+          <a:noFill/>
+        </p:spPr>
+        <p:txBody>
+          <a:bodyPr wrap="square" rtlCol="0">
+            <a:spAutoFit/>
+          </a:bodyPr>
+          <a:lstStyle/>
+          <a:p>
             <a:r>
               <a:rPr lang="de-DE"/>
-              <a:t> Input Data</a:t>
-            </a:r>
-          </a:p>
-          <a:p>
-            <a:pPr algn="ctr"/>
-            <a:r>
-              <a:rPr lang="de-DE"/>
-              <a:t>&lt;/&gt;</a:t>
+              <a:t>PARRHI</a:t>
             </a:r>
             <a:endParaRPr lang="en-GB"/>
           </a:p>
@@ -3473,10 +3499,10 @@
       </p:sp>
       <p:sp>
         <p:nvSpPr>
-          <p:cNvPr id="6" name="Rechteck: abgerundete Ecken 5">
-            <a:extLst>
-              <a:ext uri="{FF2B5EF4-FFF2-40B4-BE49-F238E27FC236}">
-                <a16:creationId xmlns:a16="http://schemas.microsoft.com/office/drawing/2014/main" id="{9AC6DBCF-FA23-488F-8664-EF369FD613DF}"/>
+          <p:cNvPr id="10" name="Rechteck: abgerundete Ecken 9">
+            <a:extLst>
+              <a:ext uri="{FF2B5EF4-FFF2-40B4-BE49-F238E27FC236}">
+                <a16:creationId xmlns:a16="http://schemas.microsoft.com/office/drawing/2014/main" id="{C3310D98-86EB-4C12-B7F9-E7D75ECDFA0D}"/>
               </a:ext>
             </a:extLst>
           </p:cNvPr>
@@ -3485,8 +3511,8 @@
         </p:nvSpPr>
         <p:spPr>
           <a:xfrm>
-            <a:off x="2540000" y="2565400"/>
-            <a:ext cx="3781421" cy="2419350"/>
+            <a:off x="6170056" y="4277045"/>
+            <a:ext cx="2686050" cy="774700"/>
           </a:xfrm>
           <a:prstGeom prst="roundRect">
             <a:avLst>
@@ -3520,30 +3546,156 @@
           <a:lstStyle/>
           <a:p>
             <a:pPr algn="ctr"/>
+            <a:r>
+              <a:rPr lang="de-DE"/>
+              <a:t>AR - Space</a:t>
+            </a:r>
             <a:endParaRPr lang="en-GB"/>
+          </a:p>
+        </p:txBody>
+      </p:sp>
+      <p:sp>
+        <p:nvSpPr>
+          <p:cNvPr id="17" name="Rechteck: abgerundete Ecken 16">
+            <a:extLst>
+              <a:ext uri="{FF2B5EF4-FFF2-40B4-BE49-F238E27FC236}">
+                <a16:creationId xmlns:a16="http://schemas.microsoft.com/office/drawing/2014/main" id="{03AF250F-5B3C-4F50-ABB4-FD7EAD18DE2A}"/>
+              </a:ext>
+            </a:extLst>
+          </p:cNvPr>
+          <p:cNvSpPr/>
+          <p:nvPr/>
+        </p:nvSpPr>
+        <p:spPr>
+          <a:xfrm>
+            <a:off x="6170056" y="3348875"/>
+            <a:ext cx="2686050" cy="774700"/>
+          </a:xfrm>
+          <a:prstGeom prst="roundRect">
+            <a:avLst>
+              <a:gd name="adj" fmla="val 2329"/>
+            </a:avLst>
+          </a:prstGeom>
+          <a:ln>
+            <a:solidFill>
+              <a:schemeClr val="accent1">
+                <a:lumMod val="50000"/>
+              </a:schemeClr>
+            </a:solidFill>
+          </a:ln>
+        </p:spPr>
+        <p:style>
+          <a:lnRef idx="2">
+            <a:schemeClr val="accent6"/>
+          </a:lnRef>
+          <a:fillRef idx="1">
+            <a:schemeClr val="lt1"/>
+          </a:fillRef>
+          <a:effectRef idx="0">
+            <a:schemeClr val="accent6"/>
+          </a:effectRef>
+          <a:fontRef idx="minor">
+            <a:schemeClr val="dk1"/>
+          </a:fontRef>
+        </p:style>
+        <p:txBody>
+          <a:bodyPr rtlCol="0" anchor="ctr"/>
+          <a:lstStyle/>
+          <a:p>
+            <a:pPr algn="ctr"/>
+            <a:r>
+              <a:rPr lang="de-DE" dirty="0"/>
+              <a:t>Real World</a:t>
+            </a:r>
+            <a:endParaRPr lang="en-GB" dirty="0"/>
+          </a:p>
+        </p:txBody>
+      </p:sp>
+      <p:sp>
+        <p:nvSpPr>
+          <p:cNvPr id="18" name="Rechteck: abgerundete Ecken 17">
+            <a:extLst>
+              <a:ext uri="{FF2B5EF4-FFF2-40B4-BE49-F238E27FC236}">
+                <a16:creationId xmlns:a16="http://schemas.microsoft.com/office/drawing/2014/main" id="{6584CEAC-5F6B-4D92-A39D-A47030D6BBD1}"/>
+              </a:ext>
+            </a:extLst>
+          </p:cNvPr>
+          <p:cNvSpPr/>
+          <p:nvPr/>
+        </p:nvSpPr>
+        <p:spPr>
+          <a:xfrm>
+            <a:off x="1166403" y="1616253"/>
+            <a:ext cx="1794125" cy="560513"/>
+          </a:xfrm>
+          <a:prstGeom prst="roundRect">
+            <a:avLst>
+              <a:gd name="adj" fmla="val 2329"/>
+            </a:avLst>
+          </a:prstGeom>
+          <a:ln>
+            <a:solidFill>
+              <a:schemeClr val="accent1">
+                <a:lumMod val="50000"/>
+              </a:schemeClr>
+            </a:solidFill>
+          </a:ln>
+        </p:spPr>
+        <p:style>
+          <a:lnRef idx="2">
+            <a:schemeClr val="accent6"/>
+          </a:lnRef>
+          <a:fillRef idx="1">
+            <a:schemeClr val="lt1"/>
+          </a:fillRef>
+          <a:effectRef idx="0">
+            <a:schemeClr val="accent6"/>
+          </a:effectRef>
+          <a:fontRef idx="minor">
+            <a:schemeClr val="dk1"/>
+          </a:fontRef>
+        </p:style>
+        <p:txBody>
+          <a:bodyPr rtlCol="0" anchor="ctr"/>
+          <a:lstStyle/>
+          <a:p>
+            <a:pPr algn="ctr"/>
+            <a:r>
+              <a:rPr lang="de-DE" dirty="0"/>
+              <a:t>Real </a:t>
+            </a:r>
+            <a:r>
+              <a:rPr lang="en-GB" dirty="0"/>
+              <a:t>World</a:t>
+            </a:r>
+            <a:r>
+              <a:rPr lang="de-DE" dirty="0"/>
+              <a:t> Model</a:t>
+            </a:r>
+            <a:endParaRPr lang="en-GB" dirty="0"/>
           </a:p>
         </p:txBody>
       </p:sp>
       <p:cxnSp>
         <p:nvCxnSpPr>
-          <p:cNvPr id="8" name="Gerade Verbindung mit Pfeil 7">
-            <a:extLst>
-              <a:ext uri="{FF2B5EF4-FFF2-40B4-BE49-F238E27FC236}">
-                <a16:creationId xmlns:a16="http://schemas.microsoft.com/office/drawing/2014/main" id="{726B79D6-4538-4D2F-979C-CDD9CD71803A}"/>
+          <p:cNvPr id="20" name="Gerade Verbindung mit Pfeil 19">
+            <a:extLst>
+              <a:ext uri="{FF2B5EF4-FFF2-40B4-BE49-F238E27FC236}">
+                <a16:creationId xmlns:a16="http://schemas.microsoft.com/office/drawing/2014/main" id="{A1C0F26C-FA4E-4346-93DC-CDF6EE3108C2}"/>
               </a:ext>
             </a:extLst>
           </p:cNvPr>
           <p:cNvCxnSpPr>
             <a:cxnSpLocks/>
-            <a:stCxn id="5" idx="2"/>
+            <a:stCxn id="18" idx="2"/>
             <a:endCxn id="23" idx="0"/>
           </p:cNvCxnSpPr>
           <p:nvPr/>
         </p:nvCxnSpPr>
         <p:spPr>
-          <a:xfrm>
-            <a:off x="4832350" y="1441450"/>
-            <a:ext cx="0" cy="1352808"/>
+          <a:xfrm flipH="1">
+            <a:off x="2063465" y="2176766"/>
+            <a:ext cx="1" cy="360013"/>
           </a:xfrm>
           <a:prstGeom prst="straightConnector1">
             <a:avLst/>
@@ -3569,46 +3721,10 @@
       </p:cxnSp>
       <p:sp>
         <p:nvSpPr>
-          <p:cNvPr id="13" name="Textfeld 12">
-            <a:extLst>
-              <a:ext uri="{FF2B5EF4-FFF2-40B4-BE49-F238E27FC236}">
-                <a16:creationId xmlns:a16="http://schemas.microsoft.com/office/drawing/2014/main" id="{887B7142-0F98-4DB5-B733-2CA265C2F2DA}"/>
-              </a:ext>
-            </a:extLst>
-          </p:cNvPr>
-          <p:cNvSpPr txBox="1"/>
-          <p:nvPr/>
-        </p:nvSpPr>
-        <p:spPr>
-          <a:xfrm>
-            <a:off x="2540000" y="2566432"/>
-            <a:ext cx="1092200" cy="369332"/>
-          </a:xfrm>
-          <a:prstGeom prst="rect">
-            <a:avLst/>
-          </a:prstGeom>
-          <a:noFill/>
-        </p:spPr>
-        <p:txBody>
-          <a:bodyPr wrap="square" rtlCol="0">
-            <a:spAutoFit/>
-          </a:bodyPr>
-          <a:lstStyle/>
-          <a:p>
-            <a:r>
-              <a:rPr lang="de-DE"/>
-              <a:t>PARRHI</a:t>
-            </a:r>
-            <a:endParaRPr lang="en-GB"/>
-          </a:p>
-        </p:txBody>
-      </p:sp>
-      <p:sp>
-        <p:nvSpPr>
-          <p:cNvPr id="15" name="Rechteck: abgerundete Ecken 14">
-            <a:extLst>
-              <a:ext uri="{FF2B5EF4-FFF2-40B4-BE49-F238E27FC236}">
-                <a16:creationId xmlns:a16="http://schemas.microsoft.com/office/drawing/2014/main" id="{B5F0C8A8-2B0D-4F28-9FB8-B190412665D6}"/>
+          <p:cNvPr id="23" name="Rechteck: abgerundete Ecken 22">
+            <a:extLst>
+              <a:ext uri="{FF2B5EF4-FFF2-40B4-BE49-F238E27FC236}">
+                <a16:creationId xmlns:a16="http://schemas.microsoft.com/office/drawing/2014/main" id="{DABC6553-CEE3-4320-8683-FE14BA91697F}"/>
               </a:ext>
             </a:extLst>
           </p:cNvPr>
@@ -3617,8 +3733,8 @@
         </p:nvSpPr>
         <p:spPr>
           <a:xfrm>
-            <a:off x="7115171" y="3098800"/>
-            <a:ext cx="2686050" cy="774700"/>
+            <a:off x="1166402" y="2536779"/>
+            <a:ext cx="1794125" cy="560513"/>
           </a:xfrm>
           <a:prstGeom prst="roundRect">
             <a:avLst>
@@ -3653,55 +3769,19 @@
           <a:p>
             <a:pPr algn="ctr"/>
             <a:r>
-              <a:rPr lang="de-DE"/>
-              <a:t>Robot</a:t>
-            </a:r>
-            <a:endParaRPr lang="en-GB"/>
-          </a:p>
-        </p:txBody>
-      </p:sp>
-      <p:sp>
-        <p:nvSpPr>
-          <p:cNvPr id="20" name="Textfeld 19">
-            <a:extLst>
-              <a:ext uri="{FF2B5EF4-FFF2-40B4-BE49-F238E27FC236}">
-                <a16:creationId xmlns:a16="http://schemas.microsoft.com/office/drawing/2014/main" id="{2CEB523D-1EA5-47DD-A21C-30F5B8CA4CAF}"/>
-              </a:ext>
-            </a:extLst>
-          </p:cNvPr>
-          <p:cNvSpPr txBox="1"/>
-          <p:nvPr/>
-        </p:nvSpPr>
-        <p:spPr>
-          <a:xfrm>
-            <a:off x="6696071" y="2559050"/>
-            <a:ext cx="1612900" cy="369332"/>
-          </a:xfrm>
-          <a:prstGeom prst="rect">
-            <a:avLst/>
-          </a:prstGeom>
-          <a:noFill/>
-        </p:spPr>
-        <p:txBody>
-          <a:bodyPr wrap="square" rtlCol="0">
-            <a:spAutoFit/>
-          </a:bodyPr>
-          <a:lstStyle/>
-          <a:p>
-            <a:r>
-              <a:rPr lang="de-DE"/>
-              <a:t>3D Space</a:t>
-            </a:r>
-            <a:endParaRPr lang="en-GB"/>
-          </a:p>
-        </p:txBody>
-      </p:sp>
-      <p:sp>
-        <p:nvSpPr>
-          <p:cNvPr id="22" name="Rechteck: abgerundete Ecken 21">
-            <a:extLst>
-              <a:ext uri="{FF2B5EF4-FFF2-40B4-BE49-F238E27FC236}">
-                <a16:creationId xmlns:a16="http://schemas.microsoft.com/office/drawing/2014/main" id="{EB2C00BC-F2E3-4944-8433-66DDEA7559C0}"/>
+              <a:rPr lang="de-DE" dirty="0"/>
+              <a:t>Parametrised Program</a:t>
+            </a:r>
+            <a:endParaRPr lang="en-GB" dirty="0"/>
+          </a:p>
+        </p:txBody>
+      </p:sp>
+      <p:sp>
+        <p:nvSpPr>
+          <p:cNvPr id="27" name="Rechteck: abgerundete Ecken 26">
+            <a:extLst>
+              <a:ext uri="{FF2B5EF4-FFF2-40B4-BE49-F238E27FC236}">
+                <a16:creationId xmlns:a16="http://schemas.microsoft.com/office/drawing/2014/main" id="{1586ECF8-8B97-47DD-92AA-60700AD8D881}"/>
               </a:ext>
             </a:extLst>
           </p:cNvPr>
@@ -3710,8 +3790,8 @@
         </p:nvSpPr>
         <p:spPr>
           <a:xfrm>
-            <a:off x="7115171" y="3955019"/>
-            <a:ext cx="2686050" cy="774700"/>
+            <a:off x="3786008" y="1653283"/>
+            <a:ext cx="1681219" cy="486452"/>
           </a:xfrm>
           <a:prstGeom prst="roundRect">
             <a:avLst>
@@ -3746,124 +3826,10 @@
           <a:p>
             <a:pPr algn="ctr"/>
             <a:r>
-              <a:rPr lang="de-DE"/>
-              <a:t>Holograms</a:t>
-            </a:r>
-            <a:endParaRPr lang="en-GB"/>
-          </a:p>
-        </p:txBody>
-      </p:sp>
-      <p:sp>
-        <p:nvSpPr>
-          <p:cNvPr id="23" name="Rechteck: abgerundete Ecken 22">
-            <a:extLst>
-              <a:ext uri="{FF2B5EF4-FFF2-40B4-BE49-F238E27FC236}">
-                <a16:creationId xmlns:a16="http://schemas.microsoft.com/office/drawing/2014/main" id="{65994D55-D6AA-4E2D-B818-2F4F552AA844}"/>
-              </a:ext>
-            </a:extLst>
-          </p:cNvPr>
-          <p:cNvSpPr/>
-          <p:nvPr/>
-        </p:nvSpPr>
-        <p:spPr>
-          <a:xfrm>
-            <a:off x="3922712" y="2794258"/>
-            <a:ext cx="1819275" cy="621784"/>
-          </a:xfrm>
-          <a:prstGeom prst="roundRect">
-            <a:avLst>
-              <a:gd name="adj" fmla="val 2329"/>
-            </a:avLst>
-          </a:prstGeom>
-          <a:ln>
-            <a:solidFill>
-              <a:schemeClr val="accent1">
-                <a:lumMod val="50000"/>
-              </a:schemeClr>
-            </a:solidFill>
-          </a:ln>
-        </p:spPr>
-        <p:style>
-          <a:lnRef idx="2">
-            <a:schemeClr val="accent6"/>
-          </a:lnRef>
-          <a:fillRef idx="1">
-            <a:schemeClr val="lt1"/>
-          </a:fillRef>
-          <a:effectRef idx="0">
-            <a:schemeClr val="accent6"/>
-          </a:effectRef>
-          <a:fontRef idx="minor">
-            <a:schemeClr val="dk1"/>
-          </a:fontRef>
-        </p:style>
-        <p:txBody>
-          <a:bodyPr rtlCol="0" anchor="ctr"/>
-          <a:lstStyle/>
-          <a:p>
-            <a:pPr algn="ctr"/>
-            <a:r>
-              <a:rPr lang="de-DE"/>
-              <a:t>Interpreter</a:t>
-            </a:r>
-            <a:endParaRPr lang="en-GB"/>
-          </a:p>
-        </p:txBody>
-      </p:sp>
-      <p:sp>
-        <p:nvSpPr>
-          <p:cNvPr id="27" name="Rechteck: abgerundete Ecken 26">
-            <a:extLst>
-              <a:ext uri="{FF2B5EF4-FFF2-40B4-BE49-F238E27FC236}">
-                <a16:creationId xmlns:a16="http://schemas.microsoft.com/office/drawing/2014/main" id="{4D4FCE03-16F3-443D-9A26-C473E26DA6C2}"/>
-              </a:ext>
-            </a:extLst>
-          </p:cNvPr>
-          <p:cNvSpPr/>
-          <p:nvPr/>
-        </p:nvSpPr>
-        <p:spPr>
-          <a:xfrm>
-            <a:off x="3922712" y="3961369"/>
-            <a:ext cx="1819275" cy="621784"/>
-          </a:xfrm>
-          <a:prstGeom prst="roundRect">
-            <a:avLst>
-              <a:gd name="adj" fmla="val 2329"/>
-            </a:avLst>
-          </a:prstGeom>
-          <a:ln>
-            <a:solidFill>
-              <a:schemeClr val="accent1">
-                <a:lumMod val="50000"/>
-              </a:schemeClr>
-            </a:solidFill>
-          </a:ln>
-        </p:spPr>
-        <p:style>
-          <a:lnRef idx="2">
-            <a:schemeClr val="accent6"/>
-          </a:lnRef>
-          <a:fillRef idx="1">
-            <a:schemeClr val="lt1"/>
-          </a:fillRef>
-          <a:effectRef idx="0">
-            <a:schemeClr val="accent6"/>
-          </a:effectRef>
-          <a:fontRef idx="minor">
-            <a:schemeClr val="dk1"/>
-          </a:fontRef>
-        </p:style>
-        <p:txBody>
-          <a:bodyPr rtlCol="0" anchor="ctr"/>
-          <a:lstStyle/>
-          <a:p>
-            <a:pPr algn="ctr"/>
-            <a:r>
-              <a:rPr lang="de-DE"/>
-              <a:t>Cycle</a:t>
-            </a:r>
-            <a:endParaRPr lang="en-GB"/>
+              <a:rPr lang="de-DE" dirty="0"/>
+              <a:t>Input Module</a:t>
+            </a:r>
+            <a:endParaRPr lang="en-GB" dirty="0"/>
           </a:p>
         </p:txBody>
       </p:sp>
@@ -3872,21 +3838,20 @@
           <p:cNvPr id="28" name="Gerade Verbindung mit Pfeil 27">
             <a:extLst>
               <a:ext uri="{FF2B5EF4-FFF2-40B4-BE49-F238E27FC236}">
-                <a16:creationId xmlns:a16="http://schemas.microsoft.com/office/drawing/2014/main" id="{7CA1D784-32C3-4F1E-9438-E5DC3203F2C1}"/>
+                <a16:creationId xmlns:a16="http://schemas.microsoft.com/office/drawing/2014/main" id="{B182AF0E-464F-4D4B-8D69-678935DBA018}"/>
               </a:ext>
             </a:extLst>
           </p:cNvPr>
           <p:cNvCxnSpPr>
             <a:cxnSpLocks/>
-            <a:stCxn id="23" idx="2"/>
-            <a:endCxn id="27" idx="0"/>
+            <a:stCxn id="27" idx="1"/>
           </p:cNvCxnSpPr>
           <p:nvPr/>
         </p:nvCxnSpPr>
         <p:spPr>
-          <a:xfrm>
-            <a:off x="4832350" y="3416042"/>
-            <a:ext cx="0" cy="545327"/>
+          <a:xfrm flipH="1">
+            <a:off x="2960528" y="1896509"/>
+            <a:ext cx="825480" cy="0"/>
           </a:xfrm>
           <a:prstGeom prst="straightConnector1">
             <a:avLst/>
@@ -3910,70 +3875,30 @@
           </a:fontRef>
         </p:style>
       </p:cxnSp>
-      <p:pic>
-        <p:nvPicPr>
-          <p:cNvPr id="35" name="Grafik 34" descr="Pfeil Kreis">
-            <a:extLst>
-              <a:ext uri="{FF2B5EF4-FFF2-40B4-BE49-F238E27FC236}">
-                <a16:creationId xmlns:a16="http://schemas.microsoft.com/office/drawing/2014/main" id="{C9D947C4-2587-45E9-9A3D-4F7E223A7559}"/>
-              </a:ext>
-            </a:extLst>
-          </p:cNvPr>
-          <p:cNvPicPr>
-            <a:picLocks noChangeAspect="1"/>
-          </p:cNvPicPr>
-          <p:nvPr/>
-        </p:nvPicPr>
-        <p:blipFill>
-          <a:blip r:embed="rId2">
-            <a:extLst>
-              <a:ext uri="{28A0092B-C50C-407E-A947-70E740481C1C}">
-                <a14:useLocalDpi xmlns:a14="http://schemas.microsoft.com/office/drawing/2010/main" val="0"/>
-              </a:ext>
-              <a:ext uri="{96DAC541-7B7A-43D3-8B79-37D633B846F1}">
-                <asvg:svgBlip xmlns:asvg="http://schemas.microsoft.com/office/drawing/2016/SVG/main" r:embed="rId3"/>
-              </a:ext>
-            </a:extLst>
-          </a:blip>
-          <a:stretch>
-            <a:fillRect/>
-          </a:stretch>
-        </p:blipFill>
-        <p:spPr>
-          <a:xfrm>
-            <a:off x="3010693" y="3815061"/>
-            <a:ext cx="914400" cy="914400"/>
-          </a:xfrm>
-          <a:prstGeom prst="rect">
-            <a:avLst/>
-          </a:prstGeom>
-        </p:spPr>
-      </p:pic>
       <p:cxnSp>
         <p:nvCxnSpPr>
-          <p:cNvPr id="36" name="Gerade Verbindung mit Pfeil 35">
-            <a:extLst>
-              <a:ext uri="{FF2B5EF4-FFF2-40B4-BE49-F238E27FC236}">
-                <a16:creationId xmlns:a16="http://schemas.microsoft.com/office/drawing/2014/main" id="{62AE8CD4-E895-42D9-8AF1-54D95B25E38F}"/>
+          <p:cNvPr id="31" name="Gerade Verbindung mit Pfeil 30">
+            <a:extLst>
+              <a:ext uri="{FF2B5EF4-FFF2-40B4-BE49-F238E27FC236}">
+                <a16:creationId xmlns:a16="http://schemas.microsoft.com/office/drawing/2014/main" id="{C4243D25-332E-4E81-8693-6A080D6E24CD}"/>
               </a:ext>
             </a:extLst>
           </p:cNvPr>
           <p:cNvCxnSpPr>
             <a:cxnSpLocks/>
-            <a:endCxn id="15" idx="1"/>
           </p:cNvCxnSpPr>
           <p:nvPr/>
         </p:nvCxnSpPr>
         <p:spPr>
-          <a:xfrm>
-            <a:off x="6321421" y="3486150"/>
-            <a:ext cx="793750" cy="0"/>
+          <a:xfrm flipV="1">
+            <a:off x="6412636" y="1896509"/>
+            <a:ext cx="0" cy="1452367"/>
           </a:xfrm>
           <a:prstGeom prst="straightConnector1">
             <a:avLst/>
           </a:prstGeom>
           <a:ln>
-            <a:tailEnd type="triangle"/>
+            <a:tailEnd type="none"/>
           </a:ln>
         </p:spPr>
         <p:style>
@@ -3996,26 +3921,25 @@
           <p:cNvPr id="39" name="Gerade Verbindung mit Pfeil 38">
             <a:extLst>
               <a:ext uri="{FF2B5EF4-FFF2-40B4-BE49-F238E27FC236}">
-                <a16:creationId xmlns:a16="http://schemas.microsoft.com/office/drawing/2014/main" id="{43CBC67A-518C-482F-B683-6E1B3056828F}"/>
+                <a16:creationId xmlns:a16="http://schemas.microsoft.com/office/drawing/2014/main" id="{94461C56-FE09-47F6-92B0-D9C7B7B9E494}"/>
               </a:ext>
             </a:extLst>
           </p:cNvPr>
           <p:cNvCxnSpPr>
             <a:cxnSpLocks/>
-            <a:endCxn id="22" idx="1"/>
           </p:cNvCxnSpPr>
           <p:nvPr/>
         </p:nvCxnSpPr>
         <p:spPr>
-          <a:xfrm>
-            <a:off x="6321421" y="4342369"/>
-            <a:ext cx="793750" cy="0"/>
+          <a:xfrm flipV="1">
+            <a:off x="6549796" y="1896509"/>
+            <a:ext cx="0" cy="524195"/>
           </a:xfrm>
           <a:prstGeom prst="straightConnector1">
             <a:avLst/>
           </a:prstGeom>
           <a:ln>
-            <a:tailEnd type="triangle"/>
+            <a:tailEnd type="none"/>
           </a:ln>
         </p:spPr>
         <p:style>
@@ -4033,10 +3957,1155 @@
           </a:fontRef>
         </p:style>
       </p:cxnSp>
+      <p:sp>
+        <p:nvSpPr>
+          <p:cNvPr id="8" name="Rechteck: abgerundete Ecken 7">
+            <a:extLst>
+              <a:ext uri="{FF2B5EF4-FFF2-40B4-BE49-F238E27FC236}">
+                <a16:creationId xmlns:a16="http://schemas.microsoft.com/office/drawing/2014/main" id="{0EE1C85E-0D9C-4A76-AC05-495EDA69F8E9}"/>
+              </a:ext>
+            </a:extLst>
+          </p:cNvPr>
+          <p:cNvSpPr/>
+          <p:nvPr/>
+        </p:nvSpPr>
+        <p:spPr>
+          <a:xfrm>
+            <a:off x="6170056" y="2420705"/>
+            <a:ext cx="2686050" cy="774700"/>
+          </a:xfrm>
+          <a:prstGeom prst="roundRect">
+            <a:avLst>
+              <a:gd name="adj" fmla="val 2329"/>
+            </a:avLst>
+          </a:prstGeom>
+          <a:ln>
+            <a:solidFill>
+              <a:schemeClr val="accent1">
+                <a:lumMod val="50000"/>
+              </a:schemeClr>
+            </a:solidFill>
+          </a:ln>
+        </p:spPr>
+        <p:style>
+          <a:lnRef idx="2">
+            <a:schemeClr val="accent6"/>
+          </a:lnRef>
+          <a:fillRef idx="1">
+            <a:schemeClr val="lt1"/>
+          </a:fillRef>
+          <a:effectRef idx="0">
+            <a:schemeClr val="accent6"/>
+          </a:effectRef>
+          <a:fontRef idx="minor">
+            <a:schemeClr val="dk1"/>
+          </a:fontRef>
+        </p:style>
+        <p:txBody>
+          <a:bodyPr rtlCol="0" anchor="ctr"/>
+          <a:lstStyle/>
+          <a:p>
+            <a:pPr algn="ctr"/>
+            <a:r>
+              <a:rPr lang="de-DE"/>
+              <a:t>Robot</a:t>
+            </a:r>
+            <a:endParaRPr lang="en-GB"/>
+          </a:p>
+        </p:txBody>
+      </p:sp>
+      <p:cxnSp>
+        <p:nvCxnSpPr>
+          <p:cNvPr id="41" name="Gerade Verbindung mit Pfeil 40">
+            <a:extLst>
+              <a:ext uri="{FF2B5EF4-FFF2-40B4-BE49-F238E27FC236}">
+                <a16:creationId xmlns:a16="http://schemas.microsoft.com/office/drawing/2014/main" id="{0CF69183-DCB1-40BC-B1B5-EBA0CDEAD6FA}"/>
+              </a:ext>
+            </a:extLst>
+          </p:cNvPr>
+          <p:cNvCxnSpPr>
+            <a:cxnSpLocks/>
+            <a:stCxn id="27" idx="3"/>
+          </p:cNvCxnSpPr>
+          <p:nvPr/>
+        </p:nvCxnSpPr>
+        <p:spPr>
+          <a:xfrm>
+            <a:off x="5467227" y="1896509"/>
+            <a:ext cx="1082569" cy="0"/>
+          </a:xfrm>
+          <a:prstGeom prst="straightConnector1">
+            <a:avLst/>
+          </a:prstGeom>
+          <a:ln>
+            <a:headEnd type="triangle"/>
+            <a:tailEnd type="none" w="sm" len="med"/>
+          </a:ln>
+        </p:spPr>
+        <p:style>
+          <a:lnRef idx="1">
+            <a:schemeClr val="accent1"/>
+          </a:lnRef>
+          <a:fillRef idx="0">
+            <a:schemeClr val="accent1"/>
+          </a:fillRef>
+          <a:effectRef idx="0">
+            <a:schemeClr val="accent1"/>
+          </a:effectRef>
+          <a:fontRef idx="minor">
+            <a:schemeClr val="tx1"/>
+          </a:fontRef>
+        </p:style>
+      </p:cxnSp>
+      <p:sp>
+        <p:nvSpPr>
+          <p:cNvPr id="44" name="Rechteck: abgerundete Ecken 43">
+            <a:extLst>
+              <a:ext uri="{FF2B5EF4-FFF2-40B4-BE49-F238E27FC236}">
+                <a16:creationId xmlns:a16="http://schemas.microsoft.com/office/drawing/2014/main" id="{42285917-BC21-4C24-8318-EEEAF4673BF2}"/>
+              </a:ext>
+            </a:extLst>
+          </p:cNvPr>
+          <p:cNvSpPr/>
+          <p:nvPr/>
+        </p:nvSpPr>
+        <p:spPr>
+          <a:xfrm>
+            <a:off x="1166403" y="3457306"/>
+            <a:ext cx="1794125" cy="560513"/>
+          </a:xfrm>
+          <a:prstGeom prst="roundRect">
+            <a:avLst>
+              <a:gd name="adj" fmla="val 2329"/>
+            </a:avLst>
+          </a:prstGeom>
+          <a:ln>
+            <a:solidFill>
+              <a:schemeClr val="accent1">
+                <a:lumMod val="50000"/>
+              </a:schemeClr>
+            </a:solidFill>
+          </a:ln>
+        </p:spPr>
+        <p:style>
+          <a:lnRef idx="2">
+            <a:schemeClr val="accent6"/>
+          </a:lnRef>
+          <a:fillRef idx="1">
+            <a:schemeClr val="lt1"/>
+          </a:fillRef>
+          <a:effectRef idx="0">
+            <a:schemeClr val="accent6"/>
+          </a:effectRef>
+          <a:fontRef idx="minor">
+            <a:schemeClr val="dk1"/>
+          </a:fontRef>
+        </p:style>
+        <p:txBody>
+          <a:bodyPr rtlCol="0" anchor="ctr"/>
+          <a:lstStyle/>
+          <a:p>
+            <a:pPr algn="ctr"/>
+            <a:r>
+              <a:rPr lang="de-DE" dirty="0"/>
+              <a:t>Core Routine</a:t>
+            </a:r>
+            <a:endParaRPr lang="en-GB" dirty="0"/>
+          </a:p>
+        </p:txBody>
+      </p:sp>
+      <p:cxnSp>
+        <p:nvCxnSpPr>
+          <p:cNvPr id="45" name="Gerade Verbindung mit Pfeil 44">
+            <a:extLst>
+              <a:ext uri="{FF2B5EF4-FFF2-40B4-BE49-F238E27FC236}">
+                <a16:creationId xmlns:a16="http://schemas.microsoft.com/office/drawing/2014/main" id="{2C4A70B6-5D99-403D-966B-0EBA4A79722D}"/>
+              </a:ext>
+            </a:extLst>
+          </p:cNvPr>
+          <p:cNvCxnSpPr>
+            <a:cxnSpLocks/>
+            <a:stCxn id="23" idx="2"/>
+            <a:endCxn id="44" idx="0"/>
+          </p:cNvCxnSpPr>
+          <p:nvPr/>
+        </p:nvCxnSpPr>
+        <p:spPr>
+          <a:xfrm>
+            <a:off x="2063465" y="3097292"/>
+            <a:ext cx="1" cy="360014"/>
+          </a:xfrm>
+          <a:prstGeom prst="straightConnector1">
+            <a:avLst/>
+          </a:prstGeom>
+          <a:ln>
+            <a:tailEnd type="triangle"/>
+          </a:ln>
+        </p:spPr>
+        <p:style>
+          <a:lnRef idx="1">
+            <a:schemeClr val="accent1"/>
+          </a:lnRef>
+          <a:fillRef idx="0">
+            <a:schemeClr val="accent1"/>
+          </a:fillRef>
+          <a:effectRef idx="0">
+            <a:schemeClr val="accent1"/>
+          </a:effectRef>
+          <a:fontRef idx="minor">
+            <a:schemeClr val="tx1"/>
+          </a:fontRef>
+        </p:style>
+      </p:cxnSp>
+      <p:sp>
+        <p:nvSpPr>
+          <p:cNvPr id="48" name="Rechteck: abgerundete Ecken 47">
+            <a:extLst>
+              <a:ext uri="{FF2B5EF4-FFF2-40B4-BE49-F238E27FC236}">
+                <a16:creationId xmlns:a16="http://schemas.microsoft.com/office/drawing/2014/main" id="{99C8273D-4EAB-4804-983D-20448A5965A8}"/>
+              </a:ext>
+            </a:extLst>
+          </p:cNvPr>
+          <p:cNvSpPr/>
+          <p:nvPr/>
+        </p:nvSpPr>
+        <p:spPr>
+          <a:xfrm>
+            <a:off x="3786008" y="3492999"/>
+            <a:ext cx="1681219" cy="486452"/>
+          </a:xfrm>
+          <a:prstGeom prst="roundRect">
+            <a:avLst>
+              <a:gd name="adj" fmla="val 2329"/>
+            </a:avLst>
+          </a:prstGeom>
+          <a:ln>
+            <a:solidFill>
+              <a:schemeClr val="accent1">
+                <a:lumMod val="50000"/>
+              </a:schemeClr>
+            </a:solidFill>
+          </a:ln>
+        </p:spPr>
+        <p:style>
+          <a:lnRef idx="2">
+            <a:schemeClr val="accent6"/>
+          </a:lnRef>
+          <a:fillRef idx="1">
+            <a:schemeClr val="lt1"/>
+          </a:fillRef>
+          <a:effectRef idx="0">
+            <a:schemeClr val="accent6"/>
+          </a:effectRef>
+          <a:fontRef idx="minor">
+            <a:schemeClr val="dk1"/>
+          </a:fontRef>
+        </p:style>
+        <p:txBody>
+          <a:bodyPr rtlCol="0" anchor="ctr"/>
+          <a:lstStyle/>
+          <a:p>
+            <a:pPr algn="ctr"/>
+            <a:r>
+              <a:rPr lang="de-DE" dirty="0"/>
+              <a:t>Output Module</a:t>
+            </a:r>
+            <a:endParaRPr lang="en-GB" dirty="0"/>
+          </a:p>
+        </p:txBody>
+      </p:sp>
+      <p:cxnSp>
+        <p:nvCxnSpPr>
+          <p:cNvPr id="49" name="Gerade Verbindung mit Pfeil 48">
+            <a:extLst>
+              <a:ext uri="{FF2B5EF4-FFF2-40B4-BE49-F238E27FC236}">
+                <a16:creationId xmlns:a16="http://schemas.microsoft.com/office/drawing/2014/main" id="{59BA4E27-F1D3-4071-9B6E-C5810697322C}"/>
+              </a:ext>
+            </a:extLst>
+          </p:cNvPr>
+          <p:cNvCxnSpPr>
+            <a:cxnSpLocks/>
+            <a:stCxn id="44" idx="3"/>
+            <a:endCxn id="48" idx="1"/>
+          </p:cNvCxnSpPr>
+          <p:nvPr/>
+        </p:nvCxnSpPr>
+        <p:spPr>
+          <a:xfrm flipV="1">
+            <a:off x="2960528" y="3736225"/>
+            <a:ext cx="825480" cy="1338"/>
+          </a:xfrm>
+          <a:prstGeom prst="straightConnector1">
+            <a:avLst/>
+          </a:prstGeom>
+          <a:ln>
+            <a:tailEnd type="triangle"/>
+          </a:ln>
+        </p:spPr>
+        <p:style>
+          <a:lnRef idx="1">
+            <a:schemeClr val="accent1"/>
+          </a:lnRef>
+          <a:fillRef idx="0">
+            <a:schemeClr val="accent1"/>
+          </a:fillRef>
+          <a:effectRef idx="0">
+            <a:schemeClr val="accent1"/>
+          </a:effectRef>
+          <a:fontRef idx="minor">
+            <a:schemeClr val="tx1"/>
+          </a:fontRef>
+        </p:style>
+      </p:cxnSp>
+      <p:cxnSp>
+        <p:nvCxnSpPr>
+          <p:cNvPr id="56" name="Gerade Verbindung mit Pfeil 55">
+            <a:extLst>
+              <a:ext uri="{FF2B5EF4-FFF2-40B4-BE49-F238E27FC236}">
+                <a16:creationId xmlns:a16="http://schemas.microsoft.com/office/drawing/2014/main" id="{B8870C48-B767-445B-882B-002998E960CA}"/>
+              </a:ext>
+            </a:extLst>
+          </p:cNvPr>
+          <p:cNvCxnSpPr>
+            <a:cxnSpLocks/>
+            <a:endCxn id="48" idx="3"/>
+          </p:cNvCxnSpPr>
+          <p:nvPr/>
+        </p:nvCxnSpPr>
+        <p:spPr>
+          <a:xfrm flipH="1">
+            <a:off x="5467227" y="3736225"/>
+            <a:ext cx="133473" cy="0"/>
+          </a:xfrm>
+          <a:prstGeom prst="straightConnector1">
+            <a:avLst/>
+          </a:prstGeom>
+          <a:ln>
+            <a:tailEnd type="none"/>
+          </a:ln>
+        </p:spPr>
+        <p:style>
+          <a:lnRef idx="1">
+            <a:schemeClr val="accent1"/>
+          </a:lnRef>
+          <a:fillRef idx="0">
+            <a:schemeClr val="accent1"/>
+          </a:fillRef>
+          <a:effectRef idx="0">
+            <a:schemeClr val="accent1"/>
+          </a:effectRef>
+          <a:fontRef idx="minor">
+            <a:schemeClr val="tx1"/>
+          </a:fontRef>
+        </p:style>
+      </p:cxnSp>
+      <p:cxnSp>
+        <p:nvCxnSpPr>
+          <p:cNvPr id="59" name="Gerade Verbindung mit Pfeil 58">
+            <a:extLst>
+              <a:ext uri="{FF2B5EF4-FFF2-40B4-BE49-F238E27FC236}">
+                <a16:creationId xmlns:a16="http://schemas.microsoft.com/office/drawing/2014/main" id="{ABF5093D-A0B5-4F06-8196-FDEF314BA61F}"/>
+              </a:ext>
+            </a:extLst>
+          </p:cNvPr>
+          <p:cNvCxnSpPr>
+            <a:cxnSpLocks/>
+          </p:cNvCxnSpPr>
+          <p:nvPr/>
+        </p:nvCxnSpPr>
+        <p:spPr>
+          <a:xfrm flipV="1">
+            <a:off x="5600700" y="2808055"/>
+            <a:ext cx="0" cy="1856340"/>
+          </a:xfrm>
+          <a:prstGeom prst="straightConnector1">
+            <a:avLst/>
+          </a:prstGeom>
+          <a:ln>
+            <a:tailEnd type="none"/>
+          </a:ln>
+        </p:spPr>
+        <p:style>
+          <a:lnRef idx="1">
+            <a:schemeClr val="accent1"/>
+          </a:lnRef>
+          <a:fillRef idx="0">
+            <a:schemeClr val="accent1"/>
+          </a:fillRef>
+          <a:effectRef idx="0">
+            <a:schemeClr val="accent1"/>
+          </a:effectRef>
+          <a:fontRef idx="minor">
+            <a:schemeClr val="tx1"/>
+          </a:fontRef>
+        </p:style>
+      </p:cxnSp>
+      <p:cxnSp>
+        <p:nvCxnSpPr>
+          <p:cNvPr id="62" name="Gerade Verbindung mit Pfeil 61">
+            <a:extLst>
+              <a:ext uri="{FF2B5EF4-FFF2-40B4-BE49-F238E27FC236}">
+                <a16:creationId xmlns:a16="http://schemas.microsoft.com/office/drawing/2014/main" id="{73ECA085-1E65-4152-AD1C-036817D1C76A}"/>
+              </a:ext>
+            </a:extLst>
+          </p:cNvPr>
+          <p:cNvCxnSpPr>
+            <a:cxnSpLocks/>
+            <a:endCxn id="8" idx="1"/>
+          </p:cNvCxnSpPr>
+          <p:nvPr/>
+        </p:nvCxnSpPr>
+        <p:spPr>
+          <a:xfrm>
+            <a:off x="5600700" y="2808055"/>
+            <a:ext cx="569356" cy="0"/>
+          </a:xfrm>
+          <a:prstGeom prst="straightConnector1">
+            <a:avLst/>
+          </a:prstGeom>
+          <a:ln>
+            <a:tailEnd type="triangle"/>
+          </a:ln>
+        </p:spPr>
+        <p:style>
+          <a:lnRef idx="1">
+            <a:schemeClr val="accent1"/>
+          </a:lnRef>
+          <a:fillRef idx="0">
+            <a:schemeClr val="accent1"/>
+          </a:fillRef>
+          <a:effectRef idx="0">
+            <a:schemeClr val="accent1"/>
+          </a:effectRef>
+          <a:fontRef idx="minor">
+            <a:schemeClr val="tx1"/>
+          </a:fontRef>
+        </p:style>
+      </p:cxnSp>
+      <p:cxnSp>
+        <p:nvCxnSpPr>
+          <p:cNvPr id="65" name="Gerade Verbindung mit Pfeil 64">
+            <a:extLst>
+              <a:ext uri="{FF2B5EF4-FFF2-40B4-BE49-F238E27FC236}">
+                <a16:creationId xmlns:a16="http://schemas.microsoft.com/office/drawing/2014/main" id="{073FFB52-F35E-43EC-B25B-4E4DB56FE475}"/>
+              </a:ext>
+            </a:extLst>
+          </p:cNvPr>
+          <p:cNvCxnSpPr>
+            <a:cxnSpLocks/>
+            <a:endCxn id="17" idx="1"/>
+          </p:cNvCxnSpPr>
+          <p:nvPr/>
+        </p:nvCxnSpPr>
+        <p:spPr>
+          <a:xfrm>
+            <a:off x="5600700" y="3736225"/>
+            <a:ext cx="569356" cy="0"/>
+          </a:xfrm>
+          <a:prstGeom prst="straightConnector1">
+            <a:avLst/>
+          </a:prstGeom>
+          <a:ln>
+            <a:tailEnd type="triangle"/>
+          </a:ln>
+        </p:spPr>
+        <p:style>
+          <a:lnRef idx="1">
+            <a:schemeClr val="accent1"/>
+          </a:lnRef>
+          <a:fillRef idx="0">
+            <a:schemeClr val="accent1"/>
+          </a:fillRef>
+          <a:effectRef idx="0">
+            <a:schemeClr val="accent1"/>
+          </a:effectRef>
+          <a:fontRef idx="minor">
+            <a:schemeClr val="tx1"/>
+          </a:fontRef>
+        </p:style>
+      </p:cxnSp>
+      <p:cxnSp>
+        <p:nvCxnSpPr>
+          <p:cNvPr id="68" name="Gerade Verbindung mit Pfeil 67">
+            <a:extLst>
+              <a:ext uri="{FF2B5EF4-FFF2-40B4-BE49-F238E27FC236}">
+                <a16:creationId xmlns:a16="http://schemas.microsoft.com/office/drawing/2014/main" id="{E64F7B0B-0AB9-4A52-A764-36FAF10EBE75}"/>
+              </a:ext>
+            </a:extLst>
+          </p:cNvPr>
+          <p:cNvCxnSpPr>
+            <a:cxnSpLocks/>
+            <a:endCxn id="10" idx="1"/>
+          </p:cNvCxnSpPr>
+          <p:nvPr/>
+        </p:nvCxnSpPr>
+        <p:spPr>
+          <a:xfrm>
+            <a:off x="5600700" y="4664395"/>
+            <a:ext cx="569356" cy="0"/>
+          </a:xfrm>
+          <a:prstGeom prst="straightConnector1">
+            <a:avLst/>
+          </a:prstGeom>
+          <a:ln>
+            <a:tailEnd type="triangle"/>
+          </a:ln>
+        </p:spPr>
+        <p:style>
+          <a:lnRef idx="1">
+            <a:schemeClr val="accent1"/>
+          </a:lnRef>
+          <a:fillRef idx="0">
+            <a:schemeClr val="accent1"/>
+          </a:fillRef>
+          <a:effectRef idx="0">
+            <a:schemeClr val="accent1"/>
+          </a:effectRef>
+          <a:fontRef idx="minor">
+            <a:schemeClr val="tx1"/>
+          </a:fontRef>
+        </p:style>
+      </p:cxnSp>
+      <p:sp>
+        <p:nvSpPr>
+          <p:cNvPr id="85" name="Rechteck 84">
+            <a:extLst>
+              <a:ext uri="{FF2B5EF4-FFF2-40B4-BE49-F238E27FC236}">
+                <a16:creationId xmlns:a16="http://schemas.microsoft.com/office/drawing/2014/main" id="{30E04E0C-301E-4FB0-B0C1-D2D1CA5A00DE}"/>
+              </a:ext>
+            </a:extLst>
+          </p:cNvPr>
+          <p:cNvSpPr/>
+          <p:nvPr/>
+        </p:nvSpPr>
+        <p:spPr>
+          <a:xfrm>
+            <a:off x="838896" y="2358628"/>
+            <a:ext cx="84926" cy="881269"/>
+          </a:xfrm>
+          <a:prstGeom prst="rect">
+            <a:avLst/>
+          </a:prstGeom>
+          <a:ln>
+            <a:noFill/>
+          </a:ln>
+        </p:spPr>
+        <p:style>
+          <a:lnRef idx="2">
+            <a:schemeClr val="accent6"/>
+          </a:lnRef>
+          <a:fillRef idx="1">
+            <a:schemeClr val="lt1"/>
+          </a:fillRef>
+          <a:effectRef idx="0">
+            <a:schemeClr val="accent6"/>
+          </a:effectRef>
+          <a:fontRef idx="minor">
+            <a:schemeClr val="dk1"/>
+          </a:fontRef>
+        </p:style>
+        <p:txBody>
+          <a:bodyPr rtlCol="0" anchor="ctr"/>
+          <a:lstStyle/>
+          <a:p>
+            <a:pPr algn="ctr"/>
+            <a:endParaRPr lang="en-GB"/>
+          </a:p>
+        </p:txBody>
+      </p:sp>
+      <p:sp>
+        <p:nvSpPr>
+          <p:cNvPr id="94" name="Rechteck: abgerundete Ecken 93">
+            <a:extLst>
+              <a:ext uri="{FF2B5EF4-FFF2-40B4-BE49-F238E27FC236}">
+                <a16:creationId xmlns:a16="http://schemas.microsoft.com/office/drawing/2014/main" id="{0F7EF4E0-08AD-4ACD-8595-C5DF43BC649C}"/>
+              </a:ext>
+            </a:extLst>
+          </p:cNvPr>
+          <p:cNvSpPr/>
+          <p:nvPr/>
+        </p:nvSpPr>
+        <p:spPr>
+          <a:xfrm>
+            <a:off x="845195" y="2012764"/>
+            <a:ext cx="248061" cy="368394"/>
+          </a:xfrm>
+          <a:prstGeom prst="roundRect">
+            <a:avLst>
+              <a:gd name="adj" fmla="val 2329"/>
+            </a:avLst>
+          </a:prstGeom>
+          <a:solidFill>
+            <a:schemeClr val="bg1">
+              <a:lumMod val="95000"/>
+            </a:schemeClr>
+          </a:solidFill>
+          <a:ln>
+            <a:solidFill>
+              <a:schemeClr val="accent1">
+                <a:lumMod val="50000"/>
+              </a:schemeClr>
+            </a:solidFill>
+          </a:ln>
+        </p:spPr>
+        <p:style>
+          <a:lnRef idx="2">
+            <a:schemeClr val="accent6"/>
+          </a:lnRef>
+          <a:fillRef idx="1">
+            <a:schemeClr val="lt1"/>
+          </a:fillRef>
+          <a:effectRef idx="0">
+            <a:schemeClr val="accent6"/>
+          </a:effectRef>
+          <a:fontRef idx="minor">
+            <a:schemeClr val="dk1"/>
+          </a:fontRef>
+        </p:style>
+        <p:txBody>
+          <a:bodyPr rtlCol="0" anchor="ctr"/>
+          <a:lstStyle/>
+          <a:p>
+            <a:pPr algn="ctr"/>
+            <a:endParaRPr lang="en-GB" dirty="0"/>
+          </a:p>
+        </p:txBody>
+      </p:sp>
+      <p:sp>
+        <p:nvSpPr>
+          <p:cNvPr id="95" name="Rechteck 94">
+            <a:extLst>
+              <a:ext uri="{FF2B5EF4-FFF2-40B4-BE49-F238E27FC236}">
+                <a16:creationId xmlns:a16="http://schemas.microsoft.com/office/drawing/2014/main" id="{51FA1973-38F4-43BF-8FC3-B8A3F5F80F04}"/>
+              </a:ext>
+            </a:extLst>
+          </p:cNvPr>
+          <p:cNvSpPr/>
+          <p:nvPr/>
+        </p:nvSpPr>
+        <p:spPr>
+          <a:xfrm>
+            <a:off x="852764" y="1984773"/>
+            <a:ext cx="264102" cy="214523"/>
+          </a:xfrm>
+          <a:prstGeom prst="rect">
+            <a:avLst/>
+          </a:prstGeom>
+          <a:solidFill>
+            <a:schemeClr val="bg1">
+              <a:lumMod val="95000"/>
+            </a:schemeClr>
+          </a:solidFill>
+          <a:ln>
+            <a:noFill/>
+          </a:ln>
+        </p:spPr>
+        <p:style>
+          <a:lnRef idx="2">
+            <a:schemeClr val="accent6"/>
+          </a:lnRef>
+          <a:fillRef idx="1">
+            <a:schemeClr val="lt1"/>
+          </a:fillRef>
+          <a:effectRef idx="0">
+            <a:schemeClr val="accent6"/>
+          </a:effectRef>
+          <a:fontRef idx="minor">
+            <a:schemeClr val="dk1"/>
+          </a:fontRef>
+        </p:style>
+        <p:txBody>
+          <a:bodyPr rtlCol="0" anchor="ctr"/>
+          <a:lstStyle/>
+          <a:p>
+            <a:pPr algn="ctr"/>
+            <a:endParaRPr lang="en-GB"/>
+          </a:p>
+        </p:txBody>
+      </p:sp>
+      <p:sp>
+        <p:nvSpPr>
+          <p:cNvPr id="96" name="Rechteck 95">
+            <a:extLst>
+              <a:ext uri="{FF2B5EF4-FFF2-40B4-BE49-F238E27FC236}">
+                <a16:creationId xmlns:a16="http://schemas.microsoft.com/office/drawing/2014/main" id="{A940C4EE-8AF7-435D-8F5F-0CDCF408E4A5}"/>
+              </a:ext>
+            </a:extLst>
+          </p:cNvPr>
+          <p:cNvSpPr/>
+          <p:nvPr/>
+        </p:nvSpPr>
+        <p:spPr>
+          <a:xfrm>
+            <a:off x="897193" y="2160682"/>
+            <a:ext cx="264102" cy="214523"/>
+          </a:xfrm>
+          <a:prstGeom prst="rect">
+            <a:avLst/>
+          </a:prstGeom>
+          <a:solidFill>
+            <a:schemeClr val="bg1">
+              <a:lumMod val="95000"/>
+            </a:schemeClr>
+          </a:solidFill>
+          <a:ln>
+            <a:noFill/>
+          </a:ln>
+        </p:spPr>
+        <p:style>
+          <a:lnRef idx="2">
+            <a:schemeClr val="accent6"/>
+          </a:lnRef>
+          <a:fillRef idx="1">
+            <a:schemeClr val="lt1"/>
+          </a:fillRef>
+          <a:effectRef idx="0">
+            <a:schemeClr val="accent6"/>
+          </a:effectRef>
+          <a:fontRef idx="minor">
+            <a:schemeClr val="dk1"/>
+          </a:fontRef>
+        </p:style>
+        <p:txBody>
+          <a:bodyPr rtlCol="0" anchor="ctr"/>
+          <a:lstStyle/>
+          <a:p>
+            <a:pPr algn="ctr"/>
+            <a:endParaRPr lang="en-GB"/>
+          </a:p>
+        </p:txBody>
+      </p:sp>
+      <p:sp>
+        <p:nvSpPr>
+          <p:cNvPr id="97" name="Rechteck: abgerundete Ecken 96">
+            <a:extLst>
+              <a:ext uri="{FF2B5EF4-FFF2-40B4-BE49-F238E27FC236}">
+                <a16:creationId xmlns:a16="http://schemas.microsoft.com/office/drawing/2014/main" id="{BB966240-A434-4C97-BB5E-0158513EBE5A}"/>
+              </a:ext>
+            </a:extLst>
+          </p:cNvPr>
+          <p:cNvSpPr/>
+          <p:nvPr/>
+        </p:nvSpPr>
+        <p:spPr>
+          <a:xfrm>
+            <a:off x="845195" y="3229035"/>
+            <a:ext cx="248061" cy="368394"/>
+          </a:xfrm>
+          <a:prstGeom prst="roundRect">
+            <a:avLst>
+              <a:gd name="adj" fmla="val 2329"/>
+            </a:avLst>
+          </a:prstGeom>
+          <a:solidFill>
+            <a:schemeClr val="bg1">
+              <a:lumMod val="95000"/>
+            </a:schemeClr>
+          </a:solidFill>
+          <a:ln>
+            <a:solidFill>
+              <a:schemeClr val="accent1">
+                <a:lumMod val="50000"/>
+              </a:schemeClr>
+            </a:solidFill>
+          </a:ln>
+        </p:spPr>
+        <p:style>
+          <a:lnRef idx="2">
+            <a:schemeClr val="accent6"/>
+          </a:lnRef>
+          <a:fillRef idx="1">
+            <a:schemeClr val="lt1"/>
+          </a:fillRef>
+          <a:effectRef idx="0">
+            <a:schemeClr val="accent6"/>
+          </a:effectRef>
+          <a:fontRef idx="minor">
+            <a:schemeClr val="dk1"/>
+          </a:fontRef>
+        </p:style>
+        <p:txBody>
+          <a:bodyPr rtlCol="0" anchor="ctr"/>
+          <a:lstStyle/>
+          <a:p>
+            <a:pPr algn="ctr"/>
+            <a:endParaRPr lang="en-GB" dirty="0"/>
+          </a:p>
+        </p:txBody>
+      </p:sp>
+      <p:sp>
+        <p:nvSpPr>
+          <p:cNvPr id="98" name="Rechteck 97">
+            <a:extLst>
+              <a:ext uri="{FF2B5EF4-FFF2-40B4-BE49-F238E27FC236}">
+                <a16:creationId xmlns:a16="http://schemas.microsoft.com/office/drawing/2014/main" id="{AC38A12A-EBE5-410A-9BCC-CE2159756E55}"/>
+              </a:ext>
+            </a:extLst>
+          </p:cNvPr>
+          <p:cNvSpPr/>
+          <p:nvPr/>
+        </p:nvSpPr>
+        <p:spPr>
+          <a:xfrm>
+            <a:off x="904363" y="3238308"/>
+            <a:ext cx="264102" cy="214523"/>
+          </a:xfrm>
+          <a:prstGeom prst="rect">
+            <a:avLst/>
+          </a:prstGeom>
+          <a:solidFill>
+            <a:schemeClr val="bg1">
+              <a:lumMod val="95000"/>
+            </a:schemeClr>
+          </a:solidFill>
+          <a:ln>
+            <a:noFill/>
+          </a:ln>
+        </p:spPr>
+        <p:style>
+          <a:lnRef idx="2">
+            <a:schemeClr val="accent6"/>
+          </a:lnRef>
+          <a:fillRef idx="1">
+            <a:schemeClr val="lt1"/>
+          </a:fillRef>
+          <a:effectRef idx="0">
+            <a:schemeClr val="accent6"/>
+          </a:effectRef>
+          <a:fontRef idx="minor">
+            <a:schemeClr val="dk1"/>
+          </a:fontRef>
+        </p:style>
+        <p:txBody>
+          <a:bodyPr rtlCol="0" anchor="ctr"/>
+          <a:lstStyle/>
+          <a:p>
+            <a:pPr algn="ctr"/>
+            <a:endParaRPr lang="en-GB"/>
+          </a:p>
+        </p:txBody>
+      </p:sp>
+      <p:sp>
+        <p:nvSpPr>
+          <p:cNvPr id="99" name="Rechteck 98">
+            <a:extLst>
+              <a:ext uri="{FF2B5EF4-FFF2-40B4-BE49-F238E27FC236}">
+                <a16:creationId xmlns:a16="http://schemas.microsoft.com/office/drawing/2014/main" id="{4DFB57E4-F5F5-49CA-BC75-46DBC7AB2800}"/>
+              </a:ext>
+            </a:extLst>
+          </p:cNvPr>
+          <p:cNvSpPr/>
+          <p:nvPr/>
+        </p:nvSpPr>
+        <p:spPr>
+          <a:xfrm>
+            <a:off x="852764" y="3437042"/>
+            <a:ext cx="264102" cy="245166"/>
+          </a:xfrm>
+          <a:prstGeom prst="rect">
+            <a:avLst/>
+          </a:prstGeom>
+          <a:solidFill>
+            <a:schemeClr val="bg1">
+              <a:lumMod val="95000"/>
+            </a:schemeClr>
+          </a:solidFill>
+          <a:ln>
+            <a:noFill/>
+          </a:ln>
+        </p:spPr>
+        <p:style>
+          <a:lnRef idx="2">
+            <a:schemeClr val="accent6"/>
+          </a:lnRef>
+          <a:fillRef idx="1">
+            <a:schemeClr val="lt1"/>
+          </a:fillRef>
+          <a:effectRef idx="0">
+            <a:schemeClr val="accent6"/>
+          </a:effectRef>
+          <a:fontRef idx="minor">
+            <a:schemeClr val="dk1"/>
+          </a:fontRef>
+        </p:style>
+        <p:txBody>
+          <a:bodyPr rtlCol="0" anchor="ctr"/>
+          <a:lstStyle/>
+          <a:p>
+            <a:pPr algn="ctr"/>
+            <a:endParaRPr lang="en-GB"/>
+          </a:p>
+        </p:txBody>
+      </p:sp>
+      <p:sp>
+        <p:nvSpPr>
+          <p:cNvPr id="100" name="Ellipse 99">
+            <a:extLst>
+              <a:ext uri="{FF2B5EF4-FFF2-40B4-BE49-F238E27FC236}">
+                <a16:creationId xmlns:a16="http://schemas.microsoft.com/office/drawing/2014/main" id="{459A01C4-F8CB-4BD3-832A-DE3A51527352}"/>
+              </a:ext>
+            </a:extLst>
+          </p:cNvPr>
+          <p:cNvSpPr/>
+          <p:nvPr/>
+        </p:nvSpPr>
+        <p:spPr>
+          <a:xfrm>
+            <a:off x="987990" y="1447347"/>
+            <a:ext cx="348008" cy="342604"/>
+          </a:xfrm>
+          <a:prstGeom prst="ellipse">
+            <a:avLst/>
+          </a:prstGeom>
+          <a:ln>
+            <a:solidFill>
+              <a:schemeClr val="tx1"/>
+            </a:solidFill>
+          </a:ln>
+        </p:spPr>
+        <p:style>
+          <a:lnRef idx="2">
+            <a:schemeClr val="accent6"/>
+          </a:lnRef>
+          <a:fillRef idx="1">
+            <a:schemeClr val="lt1"/>
+          </a:fillRef>
+          <a:effectRef idx="0">
+            <a:schemeClr val="accent6"/>
+          </a:effectRef>
+          <a:fontRef idx="minor">
+            <a:schemeClr val="dk1"/>
+          </a:fontRef>
+        </p:style>
+        <p:txBody>
+          <a:bodyPr rtlCol="0" anchor="ctr"/>
+          <a:lstStyle/>
+          <a:p>
+            <a:pPr algn="ctr"/>
+            <a:r>
+              <a:rPr lang="de-DE" dirty="0"/>
+              <a:t>1</a:t>
+            </a:r>
+            <a:endParaRPr lang="en-GB" dirty="0"/>
+          </a:p>
+        </p:txBody>
+      </p:sp>
+      <p:sp>
+        <p:nvSpPr>
+          <p:cNvPr id="101" name="Ellipse 100">
+            <a:extLst>
+              <a:ext uri="{FF2B5EF4-FFF2-40B4-BE49-F238E27FC236}">
+                <a16:creationId xmlns:a16="http://schemas.microsoft.com/office/drawing/2014/main" id="{23B5BB1B-296B-481E-BE77-FE9C5AF5B479}"/>
+              </a:ext>
+            </a:extLst>
+          </p:cNvPr>
+          <p:cNvSpPr/>
+          <p:nvPr/>
+        </p:nvSpPr>
+        <p:spPr>
+          <a:xfrm>
+            <a:off x="981781" y="2645479"/>
+            <a:ext cx="348008" cy="342604"/>
+          </a:xfrm>
+          <a:prstGeom prst="ellipse">
+            <a:avLst/>
+          </a:prstGeom>
+          <a:ln>
+            <a:solidFill>
+              <a:schemeClr val="tx1"/>
+            </a:solidFill>
+          </a:ln>
+        </p:spPr>
+        <p:style>
+          <a:lnRef idx="2">
+            <a:schemeClr val="accent6"/>
+          </a:lnRef>
+          <a:fillRef idx="1">
+            <a:schemeClr val="lt1"/>
+          </a:fillRef>
+          <a:effectRef idx="0">
+            <a:schemeClr val="accent6"/>
+          </a:effectRef>
+          <a:fontRef idx="minor">
+            <a:schemeClr val="dk1"/>
+          </a:fontRef>
+        </p:style>
+        <p:txBody>
+          <a:bodyPr rtlCol="0" anchor="ctr"/>
+          <a:lstStyle/>
+          <a:p>
+            <a:pPr algn="ctr"/>
+            <a:r>
+              <a:rPr lang="de-DE" dirty="0"/>
+              <a:t>2</a:t>
+            </a:r>
+            <a:endParaRPr lang="en-GB" dirty="0"/>
+          </a:p>
+        </p:txBody>
+      </p:sp>
+      <p:sp>
+        <p:nvSpPr>
+          <p:cNvPr id="102" name="Ellipse 101">
+            <a:extLst>
+              <a:ext uri="{FF2B5EF4-FFF2-40B4-BE49-F238E27FC236}">
+                <a16:creationId xmlns:a16="http://schemas.microsoft.com/office/drawing/2014/main" id="{47ECDE48-981A-4FA1-9D62-94A52F32ABC5}"/>
+              </a:ext>
+            </a:extLst>
+          </p:cNvPr>
+          <p:cNvSpPr/>
+          <p:nvPr/>
+        </p:nvSpPr>
+        <p:spPr>
+          <a:xfrm>
+            <a:off x="986681" y="3842310"/>
+            <a:ext cx="348008" cy="342604"/>
+          </a:xfrm>
+          <a:prstGeom prst="ellipse">
+            <a:avLst/>
+          </a:prstGeom>
+          <a:ln>
+            <a:solidFill>
+              <a:schemeClr val="tx1"/>
+            </a:solidFill>
+          </a:ln>
+        </p:spPr>
+        <p:style>
+          <a:lnRef idx="2">
+            <a:schemeClr val="accent6"/>
+          </a:lnRef>
+          <a:fillRef idx="1">
+            <a:schemeClr val="lt1"/>
+          </a:fillRef>
+          <a:effectRef idx="0">
+            <a:schemeClr val="accent6"/>
+          </a:effectRef>
+          <a:fontRef idx="minor">
+            <a:schemeClr val="dk1"/>
+          </a:fontRef>
+        </p:style>
+        <p:txBody>
+          <a:bodyPr rtlCol="0" anchor="ctr"/>
+          <a:lstStyle/>
+          <a:p>
+            <a:pPr algn="ctr"/>
+            <a:r>
+              <a:rPr lang="de-DE" dirty="0"/>
+              <a:t>3</a:t>
+            </a:r>
+            <a:endParaRPr lang="en-GB" dirty="0"/>
+          </a:p>
+        </p:txBody>
+      </p:sp>
+      <p:sp>
+        <p:nvSpPr>
+          <p:cNvPr id="35" name="Ellipse 34">
+            <a:extLst>
+              <a:ext uri="{FF2B5EF4-FFF2-40B4-BE49-F238E27FC236}">
+                <a16:creationId xmlns:a16="http://schemas.microsoft.com/office/drawing/2014/main" id="{905E42BA-24CC-4E17-9761-83A74DA4C5C6}"/>
+              </a:ext>
+            </a:extLst>
+          </p:cNvPr>
+          <p:cNvSpPr/>
+          <p:nvPr/>
+        </p:nvSpPr>
+        <p:spPr>
+          <a:xfrm>
+            <a:off x="3612004" y="1488374"/>
+            <a:ext cx="348008" cy="342604"/>
+          </a:xfrm>
+          <a:prstGeom prst="ellipse">
+            <a:avLst/>
+          </a:prstGeom>
+          <a:ln>
+            <a:solidFill>
+              <a:schemeClr val="tx1"/>
+            </a:solidFill>
+          </a:ln>
+        </p:spPr>
+        <p:style>
+          <a:lnRef idx="2">
+            <a:schemeClr val="accent6"/>
+          </a:lnRef>
+          <a:fillRef idx="1">
+            <a:schemeClr val="lt1"/>
+          </a:fillRef>
+          <a:effectRef idx="0">
+            <a:schemeClr val="accent6"/>
+          </a:effectRef>
+          <a:fontRef idx="minor">
+            <a:schemeClr val="dk1"/>
+          </a:fontRef>
+        </p:style>
+        <p:txBody>
+          <a:bodyPr rtlCol="0" anchor="ctr"/>
+          <a:lstStyle/>
+          <a:p>
+            <a:pPr algn="ctr"/>
+            <a:r>
+              <a:rPr lang="de-DE" dirty="0"/>
+              <a:t>0</a:t>
+            </a:r>
+            <a:endParaRPr lang="en-GB" dirty="0"/>
+          </a:p>
+        </p:txBody>
+      </p:sp>
+      <p:sp>
+        <p:nvSpPr>
+          <p:cNvPr id="36" name="Ellipse 35">
+            <a:extLst>
+              <a:ext uri="{FF2B5EF4-FFF2-40B4-BE49-F238E27FC236}">
+                <a16:creationId xmlns:a16="http://schemas.microsoft.com/office/drawing/2014/main" id="{67546732-CB01-4B5F-9F01-BF64C80C672D}"/>
+              </a:ext>
+            </a:extLst>
+          </p:cNvPr>
+          <p:cNvSpPr/>
+          <p:nvPr/>
+        </p:nvSpPr>
+        <p:spPr>
+          <a:xfrm>
+            <a:off x="3612004" y="3808148"/>
+            <a:ext cx="348008" cy="342604"/>
+          </a:xfrm>
+          <a:prstGeom prst="ellipse">
+            <a:avLst/>
+          </a:prstGeom>
+          <a:ln>
+            <a:solidFill>
+              <a:schemeClr val="tx1"/>
+            </a:solidFill>
+          </a:ln>
+        </p:spPr>
+        <p:style>
+          <a:lnRef idx="2">
+            <a:schemeClr val="accent6"/>
+          </a:lnRef>
+          <a:fillRef idx="1">
+            <a:schemeClr val="lt1"/>
+          </a:fillRef>
+          <a:effectRef idx="0">
+            <a:schemeClr val="accent6"/>
+          </a:effectRef>
+          <a:fontRef idx="minor">
+            <a:schemeClr val="dk1"/>
+          </a:fontRef>
+        </p:style>
+        <p:txBody>
+          <a:bodyPr rtlCol="0" anchor="ctr"/>
+          <a:lstStyle/>
+          <a:p>
+            <a:pPr algn="ctr"/>
+            <a:r>
+              <a:rPr lang="de-DE" dirty="0"/>
+              <a:t>4</a:t>
+            </a:r>
+            <a:endParaRPr lang="en-GB" dirty="0"/>
+          </a:p>
+        </p:txBody>
+      </p:sp>
     </p:spTree>
     <p:extLst>
       <p:ext uri="{BB962C8B-B14F-4D97-AF65-F5344CB8AC3E}">
-        <p14:creationId xmlns:p14="http://schemas.microsoft.com/office/powerpoint/2010/main" val="2257165628"/>
+        <p14:creationId xmlns:p14="http://schemas.microsoft.com/office/powerpoint/2010/main" val="1739871278"/>
       </p:ext>
     </p:extLst>
   </p:cSld>
@@ -4068,7 +5137,7 @@
           <p:cNvPr id="6" name="Rechteck: abgerundete Ecken 5">
             <a:extLst>
               <a:ext uri="{FF2B5EF4-FFF2-40B4-BE49-F238E27FC236}">
-                <a16:creationId xmlns:a16="http://schemas.microsoft.com/office/drawing/2014/main" id="{9AC6DBCF-FA23-488F-8664-EF369FD613DF}"/>
+                <a16:creationId xmlns:a16="http://schemas.microsoft.com/office/drawing/2014/main" id="{1EFBE1EE-B6B9-4699-B39C-194A2FFA5642}"/>
               </a:ext>
             </a:extLst>
           </p:cNvPr>
@@ -4077,354 +5146,7 @@
         </p:nvSpPr>
         <p:spPr>
           <a:xfrm>
-            <a:off x="829353" y="387278"/>
-            <a:ext cx="2581667" cy="3296007"/>
-          </a:xfrm>
-          <a:prstGeom prst="roundRect">
-            <a:avLst>
-              <a:gd name="adj" fmla="val 2329"/>
-            </a:avLst>
-          </a:prstGeom>
-          <a:ln>
-            <a:solidFill>
-              <a:schemeClr val="accent1">
-                <a:lumMod val="50000"/>
-              </a:schemeClr>
-            </a:solidFill>
-          </a:ln>
-        </p:spPr>
-        <p:style>
-          <a:lnRef idx="2">
-            <a:schemeClr val="accent6"/>
-          </a:lnRef>
-          <a:fillRef idx="1">
-            <a:schemeClr val="lt1"/>
-          </a:fillRef>
-          <a:effectRef idx="0">
-            <a:schemeClr val="accent6"/>
-          </a:effectRef>
-          <a:fontRef idx="minor">
-            <a:schemeClr val="dk1"/>
-          </a:fontRef>
-        </p:style>
-        <p:txBody>
-          <a:bodyPr rtlCol="0" anchor="ctr"/>
-          <a:lstStyle/>
-          <a:p>
-            <a:pPr algn="ctr"/>
-            <a:endParaRPr lang="en-GB"/>
-          </a:p>
-        </p:txBody>
-      </p:sp>
-      <p:sp>
-        <p:nvSpPr>
-          <p:cNvPr id="13" name="Textfeld 12">
-            <a:extLst>
-              <a:ext uri="{FF2B5EF4-FFF2-40B4-BE49-F238E27FC236}">
-                <a16:creationId xmlns:a16="http://schemas.microsoft.com/office/drawing/2014/main" id="{887B7142-0F98-4DB5-B733-2CA265C2F2DA}"/>
-              </a:ext>
-            </a:extLst>
-          </p:cNvPr>
-          <p:cNvSpPr txBox="1"/>
-          <p:nvPr/>
-        </p:nvSpPr>
-        <p:spPr>
-          <a:xfrm>
-            <a:off x="829353" y="388310"/>
-            <a:ext cx="1259052" cy="369332"/>
-          </a:xfrm>
-          <a:prstGeom prst="rect">
-            <a:avLst/>
-          </a:prstGeom>
-          <a:noFill/>
-        </p:spPr>
-        <p:txBody>
-          <a:bodyPr wrap="square" rtlCol="0">
-            <a:spAutoFit/>
-          </a:bodyPr>
-          <a:lstStyle/>
-          <a:p>
-            <a:r>
-              <a:rPr lang="de-DE"/>
-              <a:t>Input Data</a:t>
-            </a:r>
-            <a:endParaRPr lang="en-GB"/>
-          </a:p>
-        </p:txBody>
-      </p:sp>
-      <p:sp>
-        <p:nvSpPr>
-          <p:cNvPr id="23" name="Rechteck: abgerundete Ecken 22">
-            <a:extLst>
-              <a:ext uri="{FF2B5EF4-FFF2-40B4-BE49-F238E27FC236}">
-                <a16:creationId xmlns:a16="http://schemas.microsoft.com/office/drawing/2014/main" id="{65994D55-D6AA-4E2D-B818-2F4F552AA844}"/>
-              </a:ext>
-            </a:extLst>
-          </p:cNvPr>
-          <p:cNvSpPr/>
-          <p:nvPr/>
-        </p:nvSpPr>
-        <p:spPr>
-          <a:xfrm>
-            <a:off x="1059981" y="914088"/>
-            <a:ext cx="2056847" cy="570528"/>
-          </a:xfrm>
-          <a:prstGeom prst="roundRect">
-            <a:avLst>
-              <a:gd name="adj" fmla="val 2329"/>
-            </a:avLst>
-          </a:prstGeom>
-          <a:ln>
-            <a:solidFill>
-              <a:schemeClr val="accent1">
-                <a:lumMod val="50000"/>
-              </a:schemeClr>
-            </a:solidFill>
-          </a:ln>
-        </p:spPr>
-        <p:style>
-          <a:lnRef idx="2">
-            <a:schemeClr val="accent6"/>
-          </a:lnRef>
-          <a:fillRef idx="1">
-            <a:schemeClr val="lt1"/>
-          </a:fillRef>
-          <a:effectRef idx="0">
-            <a:schemeClr val="accent6"/>
-          </a:effectRef>
-          <a:fontRef idx="minor">
-            <a:schemeClr val="dk1"/>
-          </a:fontRef>
-        </p:style>
-        <p:txBody>
-          <a:bodyPr rtlCol="0" anchor="ctr"/>
-          <a:lstStyle/>
-          <a:p>
-            <a:pPr algn="ctr"/>
-            <a:r>
-              <a:rPr lang="de-DE"/>
-              <a:t>Variables</a:t>
-            </a:r>
-            <a:endParaRPr lang="en-GB"/>
-          </a:p>
-        </p:txBody>
-      </p:sp>
-      <p:sp>
-        <p:nvSpPr>
-          <p:cNvPr id="5" name="Rechteck: abgerundete Ecken 4">
-            <a:extLst>
-              <a:ext uri="{FF2B5EF4-FFF2-40B4-BE49-F238E27FC236}">
-                <a16:creationId xmlns:a16="http://schemas.microsoft.com/office/drawing/2014/main" id="{9DB74FD0-F245-4649-96D2-B62727AF3AD7}"/>
-              </a:ext>
-            </a:extLst>
-          </p:cNvPr>
-          <p:cNvSpPr/>
-          <p:nvPr/>
-        </p:nvSpPr>
-        <p:spPr>
-          <a:xfrm>
-            <a:off x="1059981" y="1580196"/>
-            <a:ext cx="2056847" cy="570528"/>
-          </a:xfrm>
-          <a:prstGeom prst="roundRect">
-            <a:avLst>
-              <a:gd name="adj" fmla="val 2329"/>
-            </a:avLst>
-          </a:prstGeom>
-          <a:ln>
-            <a:solidFill>
-              <a:schemeClr val="accent1">
-                <a:lumMod val="50000"/>
-              </a:schemeClr>
-            </a:solidFill>
-          </a:ln>
-        </p:spPr>
-        <p:style>
-          <a:lnRef idx="2">
-            <a:schemeClr val="accent6"/>
-          </a:lnRef>
-          <a:fillRef idx="1">
-            <a:schemeClr val="lt1"/>
-          </a:fillRef>
-          <a:effectRef idx="0">
-            <a:schemeClr val="accent6"/>
-          </a:effectRef>
-          <a:fontRef idx="minor">
-            <a:schemeClr val="dk1"/>
-          </a:fontRef>
-        </p:style>
-        <p:txBody>
-          <a:bodyPr rtlCol="0" anchor="ctr"/>
-          <a:lstStyle/>
-          <a:p>
-            <a:pPr algn="ctr"/>
-            <a:r>
-              <a:rPr lang="de-DE"/>
-              <a:t>Points</a:t>
-            </a:r>
-            <a:endParaRPr lang="en-GB"/>
-          </a:p>
-        </p:txBody>
-      </p:sp>
-      <p:sp>
-        <p:nvSpPr>
-          <p:cNvPr id="7" name="Rechteck: abgerundete Ecken 6">
-            <a:extLst>
-              <a:ext uri="{FF2B5EF4-FFF2-40B4-BE49-F238E27FC236}">
-                <a16:creationId xmlns:a16="http://schemas.microsoft.com/office/drawing/2014/main" id="{9DA078F9-1D70-4EE5-91C0-516A1AE67A2A}"/>
-              </a:ext>
-            </a:extLst>
-          </p:cNvPr>
-          <p:cNvSpPr/>
-          <p:nvPr/>
-        </p:nvSpPr>
-        <p:spPr>
-          <a:xfrm>
-            <a:off x="1059980" y="2246304"/>
-            <a:ext cx="2056847" cy="570528"/>
-          </a:xfrm>
-          <a:prstGeom prst="roundRect">
-            <a:avLst>
-              <a:gd name="adj" fmla="val 2329"/>
-            </a:avLst>
-          </a:prstGeom>
-          <a:ln>
-            <a:solidFill>
-              <a:schemeClr val="accent1">
-                <a:lumMod val="50000"/>
-              </a:schemeClr>
-            </a:solidFill>
-          </a:ln>
-        </p:spPr>
-        <p:style>
-          <a:lnRef idx="2">
-            <a:schemeClr val="accent6"/>
-          </a:lnRef>
-          <a:fillRef idx="1">
-            <a:schemeClr val="lt1"/>
-          </a:fillRef>
-          <a:effectRef idx="0">
-            <a:schemeClr val="accent6"/>
-          </a:effectRef>
-          <a:fontRef idx="minor">
-            <a:schemeClr val="dk1"/>
-          </a:fontRef>
-        </p:style>
-        <p:txBody>
-          <a:bodyPr rtlCol="0" anchor="ctr"/>
-          <a:lstStyle/>
-          <a:p>
-            <a:pPr algn="ctr"/>
-            <a:r>
-              <a:rPr lang="de-DE"/>
-              <a:t>Holograms</a:t>
-            </a:r>
-            <a:endParaRPr lang="en-GB"/>
-          </a:p>
-        </p:txBody>
-      </p:sp>
-      <p:sp>
-        <p:nvSpPr>
-          <p:cNvPr id="8" name="Rechteck: abgerundete Ecken 7">
-            <a:extLst>
-              <a:ext uri="{FF2B5EF4-FFF2-40B4-BE49-F238E27FC236}">
-                <a16:creationId xmlns:a16="http://schemas.microsoft.com/office/drawing/2014/main" id="{A5911AF6-7EBA-4830-A721-C2A2F932EFE9}"/>
-              </a:ext>
-            </a:extLst>
-          </p:cNvPr>
-          <p:cNvSpPr/>
-          <p:nvPr/>
-        </p:nvSpPr>
-        <p:spPr>
-          <a:xfrm>
-            <a:off x="1059980" y="2912412"/>
-            <a:ext cx="2056847" cy="570528"/>
-          </a:xfrm>
-          <a:prstGeom prst="roundRect">
-            <a:avLst>
-              <a:gd name="adj" fmla="val 2329"/>
-            </a:avLst>
-          </a:prstGeom>
-          <a:ln>
-            <a:solidFill>
-              <a:schemeClr val="accent1">
-                <a:lumMod val="50000"/>
-              </a:schemeClr>
-            </a:solidFill>
-          </a:ln>
-        </p:spPr>
-        <p:style>
-          <a:lnRef idx="2">
-            <a:schemeClr val="accent6"/>
-          </a:lnRef>
-          <a:fillRef idx="1">
-            <a:schemeClr val="lt1"/>
-          </a:fillRef>
-          <a:effectRef idx="0">
-            <a:schemeClr val="accent6"/>
-          </a:effectRef>
-          <a:fontRef idx="minor">
-            <a:schemeClr val="dk1"/>
-          </a:fontRef>
-        </p:style>
-        <p:txBody>
-          <a:bodyPr rtlCol="0" anchor="ctr"/>
-          <a:lstStyle/>
-          <a:p>
-            <a:pPr algn="ctr"/>
-            <a:r>
-              <a:rPr lang="de-DE"/>
-              <a:t>Events</a:t>
-            </a:r>
-            <a:endParaRPr lang="en-GB"/>
-          </a:p>
-        </p:txBody>
-      </p:sp>
-    </p:spTree>
-    <p:extLst>
-      <p:ext uri="{BB962C8B-B14F-4D97-AF65-F5344CB8AC3E}">
-        <p14:creationId xmlns:p14="http://schemas.microsoft.com/office/powerpoint/2010/main" val="2066342310"/>
-      </p:ext>
-    </p:extLst>
-  </p:cSld>
-  <p:clrMapOvr>
-    <a:masterClrMapping/>
-  </p:clrMapOvr>
-</p:sld>
-</file>
-
-<file path=ppt/slides/slide3.xml><?xml version="1.0" encoding="utf-8"?>
-<p:sld xmlns:a="http://schemas.openxmlformats.org/drawingml/2006/main" xmlns:r="http://schemas.openxmlformats.org/officeDocument/2006/relationships" xmlns:p="http://schemas.openxmlformats.org/presentationml/2006/main">
-  <p:cSld>
-    <p:spTree>
-      <p:nvGrpSpPr>
-        <p:cNvPr id="1" name=""/>
-        <p:cNvGrpSpPr/>
-        <p:nvPr/>
-      </p:nvGrpSpPr>
-      <p:grpSpPr>
-        <a:xfrm>
-          <a:off x="0" y="0"/>
-          <a:ext cx="0" cy="0"/>
-          <a:chOff x="0" y="0"/>
-          <a:chExt cx="0" cy="0"/>
-        </a:xfrm>
-      </p:grpSpPr>
-      <p:sp>
-        <p:nvSpPr>
-          <p:cNvPr id="6" name="Rechteck: abgerundete Ecken 5">
-            <a:extLst>
-              <a:ext uri="{FF2B5EF4-FFF2-40B4-BE49-F238E27FC236}">
-                <a16:creationId xmlns:a16="http://schemas.microsoft.com/office/drawing/2014/main" id="{1EFBE1EE-B6B9-4699-B39C-194A2FFA5642}"/>
-              </a:ext>
-            </a:extLst>
-          </p:cNvPr>
-          <p:cNvSpPr/>
-          <p:nvPr/>
-        </p:nvSpPr>
-        <p:spPr>
-          <a:xfrm>
-            <a:off x="845197" y="969876"/>
+            <a:off x="3035548" y="917122"/>
             <a:ext cx="3781421" cy="3430672"/>
           </a:xfrm>
           <a:prstGeom prst="roundRect">
@@ -4470,10 +5192,46 @@
       </p:sp>
       <p:sp>
         <p:nvSpPr>
-          <p:cNvPr id="84" name="Rechteck: abgerundete Ecken 83">
-            <a:extLst>
-              <a:ext uri="{FF2B5EF4-FFF2-40B4-BE49-F238E27FC236}">
-                <a16:creationId xmlns:a16="http://schemas.microsoft.com/office/drawing/2014/main" id="{9D995733-A6B3-47B0-BD0C-920340C64D0C}"/>
+          <p:cNvPr id="7" name="Textfeld 6">
+            <a:extLst>
+              <a:ext uri="{FF2B5EF4-FFF2-40B4-BE49-F238E27FC236}">
+                <a16:creationId xmlns:a16="http://schemas.microsoft.com/office/drawing/2014/main" id="{A306641F-035E-4DDB-8579-EE779BAEC635}"/>
+              </a:ext>
+            </a:extLst>
+          </p:cNvPr>
+          <p:cNvSpPr txBox="1"/>
+          <p:nvPr/>
+        </p:nvSpPr>
+        <p:spPr>
+          <a:xfrm>
+            <a:off x="3035548" y="921999"/>
+            <a:ext cx="1092200" cy="369332"/>
+          </a:xfrm>
+          <a:prstGeom prst="rect">
+            <a:avLst/>
+          </a:prstGeom>
+          <a:noFill/>
+        </p:spPr>
+        <p:txBody>
+          <a:bodyPr wrap="square" rtlCol="0">
+            <a:spAutoFit/>
+          </a:bodyPr>
+          <a:lstStyle/>
+          <a:p>
+            <a:r>
+              <a:rPr lang="de-DE"/>
+              <a:t>PARRHI</a:t>
+            </a:r>
+            <a:endParaRPr lang="en-GB"/>
+          </a:p>
+        </p:txBody>
+      </p:sp>
+      <p:sp>
+        <p:nvSpPr>
+          <p:cNvPr id="10" name="Rechteck: abgerundete Ecken 9">
+            <a:extLst>
+              <a:ext uri="{FF2B5EF4-FFF2-40B4-BE49-F238E27FC236}">
+                <a16:creationId xmlns:a16="http://schemas.microsoft.com/office/drawing/2014/main" id="{C3310D98-86EB-4C12-B7F9-E7D75ECDFA0D}"/>
               </a:ext>
             </a:extLst>
           </p:cNvPr>
@@ -4482,8 +5240,8 @@
         </p:nvSpPr>
         <p:spPr>
           <a:xfrm>
-            <a:off x="844004" y="2381158"/>
-            <a:ext cx="2284004" cy="851491"/>
+            <a:off x="8360406" y="4224291"/>
+            <a:ext cx="3500069" cy="774700"/>
           </a:xfrm>
           <a:prstGeom prst="roundRect">
             <a:avLst>
@@ -4517,52 +5275,20 @@
           <a:lstStyle/>
           <a:p>
             <a:pPr algn="ctr"/>
+            <a:r>
+              <a:rPr lang="de-DE" dirty="0"/>
+              <a:t>AR - World</a:t>
+            </a:r>
             <a:endParaRPr lang="en-GB" dirty="0"/>
           </a:p>
         </p:txBody>
       </p:sp>
       <p:sp>
         <p:nvSpPr>
-          <p:cNvPr id="7" name="Textfeld 6">
-            <a:extLst>
-              <a:ext uri="{FF2B5EF4-FFF2-40B4-BE49-F238E27FC236}">
-                <a16:creationId xmlns:a16="http://schemas.microsoft.com/office/drawing/2014/main" id="{A306641F-035E-4DDB-8579-EE779BAEC635}"/>
-              </a:ext>
-            </a:extLst>
-          </p:cNvPr>
-          <p:cNvSpPr txBox="1"/>
-          <p:nvPr/>
-        </p:nvSpPr>
-        <p:spPr>
-          <a:xfrm>
-            <a:off x="845197" y="974753"/>
-            <a:ext cx="1092200" cy="369332"/>
-          </a:xfrm>
-          <a:prstGeom prst="rect">
-            <a:avLst/>
-          </a:prstGeom>
-          <a:noFill/>
-        </p:spPr>
-        <p:txBody>
-          <a:bodyPr wrap="square" rtlCol="0">
-            <a:spAutoFit/>
-          </a:bodyPr>
-          <a:lstStyle/>
-          <a:p>
-            <a:r>
-              <a:rPr lang="de-DE"/>
-              <a:t>PARRHI</a:t>
-            </a:r>
-            <a:endParaRPr lang="en-GB"/>
-          </a:p>
-        </p:txBody>
-      </p:sp>
-      <p:sp>
-        <p:nvSpPr>
-          <p:cNvPr id="10" name="Rechteck: abgerundete Ecken 9">
-            <a:extLst>
-              <a:ext uri="{FF2B5EF4-FFF2-40B4-BE49-F238E27FC236}">
-                <a16:creationId xmlns:a16="http://schemas.microsoft.com/office/drawing/2014/main" id="{C3310D98-86EB-4C12-B7F9-E7D75ECDFA0D}"/>
+          <p:cNvPr id="17" name="Rechteck: abgerundete Ecken 16">
+            <a:extLst>
+              <a:ext uri="{FF2B5EF4-FFF2-40B4-BE49-F238E27FC236}">
+                <a16:creationId xmlns:a16="http://schemas.microsoft.com/office/drawing/2014/main" id="{03AF250F-5B3C-4F50-ABB4-FD7EAD18DE2A}"/>
               </a:ext>
             </a:extLst>
           </p:cNvPr>
@@ -4571,8 +5297,8 @@
         </p:nvSpPr>
         <p:spPr>
           <a:xfrm>
-            <a:off x="6170056" y="4277045"/>
-            <a:ext cx="2686050" cy="774700"/>
+            <a:off x="8361332" y="2123574"/>
+            <a:ext cx="3500069" cy="1841492"/>
           </a:xfrm>
           <a:prstGeom prst="roundRect">
             <a:avLst>
@@ -4602,24 +5328,23 @@
           </a:fontRef>
         </p:style>
         <p:txBody>
-          <a:bodyPr rtlCol="0" anchor="ctr"/>
-          <a:lstStyle/>
-          <a:p>
-            <a:pPr algn="ctr"/>
-            <a:r>
-              <a:rPr lang="de-DE"/>
-              <a:t>AR - Space</a:t>
-            </a:r>
-            <a:endParaRPr lang="en-GB"/>
-          </a:p>
-        </p:txBody>
-      </p:sp>
-      <p:sp>
-        <p:nvSpPr>
-          <p:cNvPr id="17" name="Rechteck: abgerundete Ecken 16">
-            <a:extLst>
-              <a:ext uri="{FF2B5EF4-FFF2-40B4-BE49-F238E27FC236}">
-                <a16:creationId xmlns:a16="http://schemas.microsoft.com/office/drawing/2014/main" id="{03AF250F-5B3C-4F50-ABB4-FD7EAD18DE2A}"/>
+          <a:bodyPr rtlCol="0" anchor="t"/>
+          <a:lstStyle/>
+          <a:p>
+            <a:r>
+              <a:rPr lang="de-DE" dirty="0"/>
+              <a:t>Real World</a:t>
+            </a:r>
+            <a:endParaRPr lang="en-GB" dirty="0"/>
+          </a:p>
+        </p:txBody>
+      </p:sp>
+      <p:sp>
+        <p:nvSpPr>
+          <p:cNvPr id="18" name="Rechteck: abgerundete Ecken 17">
+            <a:extLst>
+              <a:ext uri="{FF2B5EF4-FFF2-40B4-BE49-F238E27FC236}">
+                <a16:creationId xmlns:a16="http://schemas.microsoft.com/office/drawing/2014/main" id="{6584CEAC-5F6B-4D92-A39D-A47030D6BBD1}"/>
               </a:ext>
             </a:extLst>
           </p:cNvPr>
@@ -4628,8 +5353,8 @@
         </p:nvSpPr>
         <p:spPr>
           <a:xfrm>
-            <a:off x="6170056" y="3348875"/>
-            <a:ext cx="2686050" cy="774700"/>
+            <a:off x="3558981" y="1563499"/>
+            <a:ext cx="1794125" cy="560513"/>
           </a:xfrm>
           <a:prstGeom prst="roundRect">
             <a:avLst>
@@ -4665,63 +5390,6 @@
             <a:pPr algn="ctr"/>
             <a:r>
               <a:rPr lang="de-DE" dirty="0"/>
-              <a:t>Real World</a:t>
-            </a:r>
-            <a:endParaRPr lang="en-GB" dirty="0"/>
-          </a:p>
-        </p:txBody>
-      </p:sp>
-      <p:sp>
-        <p:nvSpPr>
-          <p:cNvPr id="18" name="Rechteck: abgerundete Ecken 17">
-            <a:extLst>
-              <a:ext uri="{FF2B5EF4-FFF2-40B4-BE49-F238E27FC236}">
-                <a16:creationId xmlns:a16="http://schemas.microsoft.com/office/drawing/2014/main" id="{6584CEAC-5F6B-4D92-A39D-A47030D6BBD1}"/>
-              </a:ext>
-            </a:extLst>
-          </p:cNvPr>
-          <p:cNvSpPr/>
-          <p:nvPr/>
-        </p:nvSpPr>
-        <p:spPr>
-          <a:xfrm>
-            <a:off x="1166403" y="1616253"/>
-            <a:ext cx="1794125" cy="560513"/>
-          </a:xfrm>
-          <a:prstGeom prst="roundRect">
-            <a:avLst>
-              <a:gd name="adj" fmla="val 2329"/>
-            </a:avLst>
-          </a:prstGeom>
-          <a:ln>
-            <a:solidFill>
-              <a:schemeClr val="accent1">
-                <a:lumMod val="50000"/>
-              </a:schemeClr>
-            </a:solidFill>
-          </a:ln>
-        </p:spPr>
-        <p:style>
-          <a:lnRef idx="2">
-            <a:schemeClr val="accent6"/>
-          </a:lnRef>
-          <a:fillRef idx="1">
-            <a:schemeClr val="lt1"/>
-          </a:fillRef>
-          <a:effectRef idx="0">
-            <a:schemeClr val="accent6"/>
-          </a:effectRef>
-          <a:fontRef idx="minor">
-            <a:schemeClr val="dk1"/>
-          </a:fontRef>
-        </p:style>
-        <p:txBody>
-          <a:bodyPr rtlCol="0" anchor="ctr"/>
-          <a:lstStyle/>
-          <a:p>
-            <a:pPr algn="ctr"/>
-            <a:r>
-              <a:rPr lang="de-DE" dirty="0"/>
               <a:t>Real </a:t>
             </a:r>
             <a:r>
@@ -4754,13 +5422,16 @@
         </p:nvCxnSpPr>
         <p:spPr>
           <a:xfrm flipH="1">
-            <a:off x="2063465" y="2176766"/>
+            <a:off x="4456043" y="2124012"/>
             <a:ext cx="1" cy="360013"/>
           </a:xfrm>
           <a:prstGeom prst="straightConnector1">
             <a:avLst/>
           </a:prstGeom>
           <a:ln>
+            <a:solidFill>
+              <a:schemeClr val="tx1"/>
+            </a:solidFill>
             <a:tailEnd type="triangle"/>
           </a:ln>
         </p:spPr>
@@ -4793,7 +5464,7 @@
         </p:nvSpPr>
         <p:spPr>
           <a:xfrm>
-            <a:off x="1166402" y="2536779"/>
+            <a:off x="3558980" y="2484025"/>
             <a:ext cx="1794125" cy="560513"/>
           </a:xfrm>
           <a:prstGeom prst="roundRect">
@@ -4829,1738 +5500,7 @@
           <a:p>
             <a:pPr algn="ctr"/>
             <a:r>
-              <a:rPr lang="de-DE" dirty="0"/>
-              <a:t>Parametrised Program</a:t>
-            </a:r>
-            <a:endParaRPr lang="en-GB" dirty="0"/>
-          </a:p>
-        </p:txBody>
-      </p:sp>
-      <p:sp>
-        <p:nvSpPr>
-          <p:cNvPr id="27" name="Rechteck: abgerundete Ecken 26">
-            <a:extLst>
-              <a:ext uri="{FF2B5EF4-FFF2-40B4-BE49-F238E27FC236}">
-                <a16:creationId xmlns:a16="http://schemas.microsoft.com/office/drawing/2014/main" id="{1586ECF8-8B97-47DD-92AA-60700AD8D881}"/>
-              </a:ext>
-            </a:extLst>
-          </p:cNvPr>
-          <p:cNvSpPr/>
-          <p:nvPr/>
-        </p:nvSpPr>
-        <p:spPr>
-          <a:xfrm>
-            <a:off x="3786008" y="1653283"/>
-            <a:ext cx="1681219" cy="486452"/>
-          </a:xfrm>
-          <a:prstGeom prst="roundRect">
-            <a:avLst>
-              <a:gd name="adj" fmla="val 2329"/>
-            </a:avLst>
-          </a:prstGeom>
-          <a:ln>
-            <a:solidFill>
-              <a:schemeClr val="accent1">
-                <a:lumMod val="50000"/>
-              </a:schemeClr>
-            </a:solidFill>
-          </a:ln>
-        </p:spPr>
-        <p:style>
-          <a:lnRef idx="2">
-            <a:schemeClr val="accent6"/>
-          </a:lnRef>
-          <a:fillRef idx="1">
-            <a:schemeClr val="lt1"/>
-          </a:fillRef>
-          <a:effectRef idx="0">
-            <a:schemeClr val="accent6"/>
-          </a:effectRef>
-          <a:fontRef idx="minor">
-            <a:schemeClr val="dk1"/>
-          </a:fontRef>
-        </p:style>
-        <p:txBody>
-          <a:bodyPr rtlCol="0" anchor="ctr"/>
-          <a:lstStyle/>
-          <a:p>
-            <a:pPr algn="ctr"/>
-            <a:r>
-              <a:rPr lang="de-DE" dirty="0"/>
-              <a:t>Input Module</a:t>
-            </a:r>
-            <a:endParaRPr lang="en-GB" dirty="0"/>
-          </a:p>
-        </p:txBody>
-      </p:sp>
-      <p:cxnSp>
-        <p:nvCxnSpPr>
-          <p:cNvPr id="28" name="Gerade Verbindung mit Pfeil 27">
-            <a:extLst>
-              <a:ext uri="{FF2B5EF4-FFF2-40B4-BE49-F238E27FC236}">
-                <a16:creationId xmlns:a16="http://schemas.microsoft.com/office/drawing/2014/main" id="{B182AF0E-464F-4D4B-8D69-678935DBA018}"/>
-              </a:ext>
-            </a:extLst>
-          </p:cNvPr>
-          <p:cNvCxnSpPr>
-            <a:cxnSpLocks/>
-            <a:stCxn id="27" idx="1"/>
-          </p:cNvCxnSpPr>
-          <p:nvPr/>
-        </p:nvCxnSpPr>
-        <p:spPr>
-          <a:xfrm flipH="1">
-            <a:off x="2960528" y="1896509"/>
-            <a:ext cx="825480" cy="0"/>
-          </a:xfrm>
-          <a:prstGeom prst="straightConnector1">
-            <a:avLst/>
-          </a:prstGeom>
-          <a:ln>
-            <a:tailEnd type="triangle"/>
-          </a:ln>
-        </p:spPr>
-        <p:style>
-          <a:lnRef idx="1">
-            <a:schemeClr val="accent1"/>
-          </a:lnRef>
-          <a:fillRef idx="0">
-            <a:schemeClr val="accent1"/>
-          </a:fillRef>
-          <a:effectRef idx="0">
-            <a:schemeClr val="accent1"/>
-          </a:effectRef>
-          <a:fontRef idx="minor">
-            <a:schemeClr val="tx1"/>
-          </a:fontRef>
-        </p:style>
-      </p:cxnSp>
-      <p:cxnSp>
-        <p:nvCxnSpPr>
-          <p:cNvPr id="31" name="Gerade Verbindung mit Pfeil 30">
-            <a:extLst>
-              <a:ext uri="{FF2B5EF4-FFF2-40B4-BE49-F238E27FC236}">
-                <a16:creationId xmlns:a16="http://schemas.microsoft.com/office/drawing/2014/main" id="{C4243D25-332E-4E81-8693-6A080D6E24CD}"/>
-              </a:ext>
-            </a:extLst>
-          </p:cNvPr>
-          <p:cNvCxnSpPr>
-            <a:cxnSpLocks/>
-          </p:cNvCxnSpPr>
-          <p:nvPr/>
-        </p:nvCxnSpPr>
-        <p:spPr>
-          <a:xfrm flipV="1">
-            <a:off x="6412636" y="1896509"/>
-            <a:ext cx="0" cy="1452367"/>
-          </a:xfrm>
-          <a:prstGeom prst="straightConnector1">
-            <a:avLst/>
-          </a:prstGeom>
-          <a:ln>
-            <a:tailEnd type="none"/>
-          </a:ln>
-        </p:spPr>
-        <p:style>
-          <a:lnRef idx="1">
-            <a:schemeClr val="accent1"/>
-          </a:lnRef>
-          <a:fillRef idx="0">
-            <a:schemeClr val="accent1"/>
-          </a:fillRef>
-          <a:effectRef idx="0">
-            <a:schemeClr val="accent1"/>
-          </a:effectRef>
-          <a:fontRef idx="minor">
-            <a:schemeClr val="tx1"/>
-          </a:fontRef>
-        </p:style>
-      </p:cxnSp>
-      <p:cxnSp>
-        <p:nvCxnSpPr>
-          <p:cNvPr id="39" name="Gerade Verbindung mit Pfeil 38">
-            <a:extLst>
-              <a:ext uri="{FF2B5EF4-FFF2-40B4-BE49-F238E27FC236}">
-                <a16:creationId xmlns:a16="http://schemas.microsoft.com/office/drawing/2014/main" id="{94461C56-FE09-47F6-92B0-D9C7B7B9E494}"/>
-              </a:ext>
-            </a:extLst>
-          </p:cNvPr>
-          <p:cNvCxnSpPr>
-            <a:cxnSpLocks/>
-          </p:cNvCxnSpPr>
-          <p:nvPr/>
-        </p:nvCxnSpPr>
-        <p:spPr>
-          <a:xfrm flipV="1">
-            <a:off x="6549796" y="1896509"/>
-            <a:ext cx="0" cy="524195"/>
-          </a:xfrm>
-          <a:prstGeom prst="straightConnector1">
-            <a:avLst/>
-          </a:prstGeom>
-          <a:ln>
-            <a:tailEnd type="none"/>
-          </a:ln>
-        </p:spPr>
-        <p:style>
-          <a:lnRef idx="1">
-            <a:schemeClr val="accent1"/>
-          </a:lnRef>
-          <a:fillRef idx="0">
-            <a:schemeClr val="accent1"/>
-          </a:fillRef>
-          <a:effectRef idx="0">
-            <a:schemeClr val="accent1"/>
-          </a:effectRef>
-          <a:fontRef idx="minor">
-            <a:schemeClr val="tx1"/>
-          </a:fontRef>
-        </p:style>
-      </p:cxnSp>
-      <p:sp>
-        <p:nvSpPr>
-          <p:cNvPr id="8" name="Rechteck: abgerundete Ecken 7">
-            <a:extLst>
-              <a:ext uri="{FF2B5EF4-FFF2-40B4-BE49-F238E27FC236}">
-                <a16:creationId xmlns:a16="http://schemas.microsoft.com/office/drawing/2014/main" id="{0EE1C85E-0D9C-4A76-AC05-495EDA69F8E9}"/>
-              </a:ext>
-            </a:extLst>
-          </p:cNvPr>
-          <p:cNvSpPr/>
-          <p:nvPr/>
-        </p:nvSpPr>
-        <p:spPr>
-          <a:xfrm>
-            <a:off x="6170056" y="2420705"/>
-            <a:ext cx="2686050" cy="774700"/>
-          </a:xfrm>
-          <a:prstGeom prst="roundRect">
-            <a:avLst>
-              <a:gd name="adj" fmla="val 2329"/>
-            </a:avLst>
-          </a:prstGeom>
-          <a:ln>
-            <a:solidFill>
-              <a:schemeClr val="accent1">
-                <a:lumMod val="50000"/>
-              </a:schemeClr>
-            </a:solidFill>
-          </a:ln>
-        </p:spPr>
-        <p:style>
-          <a:lnRef idx="2">
-            <a:schemeClr val="accent6"/>
-          </a:lnRef>
-          <a:fillRef idx="1">
-            <a:schemeClr val="lt1"/>
-          </a:fillRef>
-          <a:effectRef idx="0">
-            <a:schemeClr val="accent6"/>
-          </a:effectRef>
-          <a:fontRef idx="minor">
-            <a:schemeClr val="dk1"/>
-          </a:fontRef>
-        </p:style>
-        <p:txBody>
-          <a:bodyPr rtlCol="0" anchor="ctr"/>
-          <a:lstStyle/>
-          <a:p>
-            <a:pPr algn="ctr"/>
-            <a:r>
-              <a:rPr lang="de-DE"/>
-              <a:t>Robot</a:t>
-            </a:r>
-            <a:endParaRPr lang="en-GB"/>
-          </a:p>
-        </p:txBody>
-      </p:sp>
-      <p:cxnSp>
-        <p:nvCxnSpPr>
-          <p:cNvPr id="41" name="Gerade Verbindung mit Pfeil 40">
-            <a:extLst>
-              <a:ext uri="{FF2B5EF4-FFF2-40B4-BE49-F238E27FC236}">
-                <a16:creationId xmlns:a16="http://schemas.microsoft.com/office/drawing/2014/main" id="{0CF69183-DCB1-40BC-B1B5-EBA0CDEAD6FA}"/>
-              </a:ext>
-            </a:extLst>
-          </p:cNvPr>
-          <p:cNvCxnSpPr>
-            <a:cxnSpLocks/>
-            <a:stCxn id="27" idx="3"/>
-          </p:cNvCxnSpPr>
-          <p:nvPr/>
-        </p:nvCxnSpPr>
-        <p:spPr>
-          <a:xfrm>
-            <a:off x="5467227" y="1896509"/>
-            <a:ext cx="1082569" cy="0"/>
-          </a:xfrm>
-          <a:prstGeom prst="straightConnector1">
-            <a:avLst/>
-          </a:prstGeom>
-          <a:ln>
-            <a:headEnd type="triangle"/>
-            <a:tailEnd type="none" w="sm" len="med"/>
-          </a:ln>
-        </p:spPr>
-        <p:style>
-          <a:lnRef idx="1">
-            <a:schemeClr val="accent1"/>
-          </a:lnRef>
-          <a:fillRef idx="0">
-            <a:schemeClr val="accent1"/>
-          </a:fillRef>
-          <a:effectRef idx="0">
-            <a:schemeClr val="accent1"/>
-          </a:effectRef>
-          <a:fontRef idx="minor">
-            <a:schemeClr val="tx1"/>
-          </a:fontRef>
-        </p:style>
-      </p:cxnSp>
-      <p:sp>
-        <p:nvSpPr>
-          <p:cNvPr id="44" name="Rechteck: abgerundete Ecken 43">
-            <a:extLst>
-              <a:ext uri="{FF2B5EF4-FFF2-40B4-BE49-F238E27FC236}">
-                <a16:creationId xmlns:a16="http://schemas.microsoft.com/office/drawing/2014/main" id="{42285917-BC21-4C24-8318-EEEAF4673BF2}"/>
-              </a:ext>
-            </a:extLst>
-          </p:cNvPr>
-          <p:cNvSpPr/>
-          <p:nvPr/>
-        </p:nvSpPr>
-        <p:spPr>
-          <a:xfrm>
-            <a:off x="1166403" y="3457306"/>
-            <a:ext cx="1794125" cy="560513"/>
-          </a:xfrm>
-          <a:prstGeom prst="roundRect">
-            <a:avLst>
-              <a:gd name="adj" fmla="val 2329"/>
-            </a:avLst>
-          </a:prstGeom>
-          <a:ln>
-            <a:solidFill>
-              <a:schemeClr val="accent1">
-                <a:lumMod val="50000"/>
-              </a:schemeClr>
-            </a:solidFill>
-          </a:ln>
-        </p:spPr>
-        <p:style>
-          <a:lnRef idx="2">
-            <a:schemeClr val="accent6"/>
-          </a:lnRef>
-          <a:fillRef idx="1">
-            <a:schemeClr val="lt1"/>
-          </a:fillRef>
-          <a:effectRef idx="0">
-            <a:schemeClr val="accent6"/>
-          </a:effectRef>
-          <a:fontRef idx="minor">
-            <a:schemeClr val="dk1"/>
-          </a:fontRef>
-        </p:style>
-        <p:txBody>
-          <a:bodyPr rtlCol="0" anchor="ctr"/>
-          <a:lstStyle/>
-          <a:p>
-            <a:pPr algn="ctr"/>
-            <a:r>
-              <a:rPr lang="de-DE" dirty="0"/>
-              <a:t>Core Routine</a:t>
-            </a:r>
-            <a:endParaRPr lang="en-GB" dirty="0"/>
-          </a:p>
-        </p:txBody>
-      </p:sp>
-      <p:cxnSp>
-        <p:nvCxnSpPr>
-          <p:cNvPr id="45" name="Gerade Verbindung mit Pfeil 44">
-            <a:extLst>
-              <a:ext uri="{FF2B5EF4-FFF2-40B4-BE49-F238E27FC236}">
-                <a16:creationId xmlns:a16="http://schemas.microsoft.com/office/drawing/2014/main" id="{2C4A70B6-5D99-403D-966B-0EBA4A79722D}"/>
-              </a:ext>
-            </a:extLst>
-          </p:cNvPr>
-          <p:cNvCxnSpPr>
-            <a:cxnSpLocks/>
-            <a:stCxn id="23" idx="2"/>
-            <a:endCxn id="44" idx="0"/>
-          </p:cNvCxnSpPr>
-          <p:nvPr/>
-        </p:nvCxnSpPr>
-        <p:spPr>
-          <a:xfrm>
-            <a:off x="2063465" y="3097292"/>
-            <a:ext cx="1" cy="360014"/>
-          </a:xfrm>
-          <a:prstGeom prst="straightConnector1">
-            <a:avLst/>
-          </a:prstGeom>
-          <a:ln>
-            <a:tailEnd type="triangle"/>
-          </a:ln>
-        </p:spPr>
-        <p:style>
-          <a:lnRef idx="1">
-            <a:schemeClr val="accent1"/>
-          </a:lnRef>
-          <a:fillRef idx="0">
-            <a:schemeClr val="accent1"/>
-          </a:fillRef>
-          <a:effectRef idx="0">
-            <a:schemeClr val="accent1"/>
-          </a:effectRef>
-          <a:fontRef idx="minor">
-            <a:schemeClr val="tx1"/>
-          </a:fontRef>
-        </p:style>
-      </p:cxnSp>
-      <p:sp>
-        <p:nvSpPr>
-          <p:cNvPr id="48" name="Rechteck: abgerundete Ecken 47">
-            <a:extLst>
-              <a:ext uri="{FF2B5EF4-FFF2-40B4-BE49-F238E27FC236}">
-                <a16:creationId xmlns:a16="http://schemas.microsoft.com/office/drawing/2014/main" id="{99C8273D-4EAB-4804-983D-20448A5965A8}"/>
-              </a:ext>
-            </a:extLst>
-          </p:cNvPr>
-          <p:cNvSpPr/>
-          <p:nvPr/>
-        </p:nvSpPr>
-        <p:spPr>
-          <a:xfrm>
-            <a:off x="3786008" y="3492999"/>
-            <a:ext cx="1681219" cy="486452"/>
-          </a:xfrm>
-          <a:prstGeom prst="roundRect">
-            <a:avLst>
-              <a:gd name="adj" fmla="val 2329"/>
-            </a:avLst>
-          </a:prstGeom>
-          <a:ln>
-            <a:solidFill>
-              <a:schemeClr val="accent1">
-                <a:lumMod val="50000"/>
-              </a:schemeClr>
-            </a:solidFill>
-          </a:ln>
-        </p:spPr>
-        <p:style>
-          <a:lnRef idx="2">
-            <a:schemeClr val="accent6"/>
-          </a:lnRef>
-          <a:fillRef idx="1">
-            <a:schemeClr val="lt1"/>
-          </a:fillRef>
-          <a:effectRef idx="0">
-            <a:schemeClr val="accent6"/>
-          </a:effectRef>
-          <a:fontRef idx="minor">
-            <a:schemeClr val="dk1"/>
-          </a:fontRef>
-        </p:style>
-        <p:txBody>
-          <a:bodyPr rtlCol="0" anchor="ctr"/>
-          <a:lstStyle/>
-          <a:p>
-            <a:pPr algn="ctr"/>
-            <a:r>
-              <a:rPr lang="de-DE" dirty="0"/>
-              <a:t>Output Module</a:t>
-            </a:r>
-            <a:endParaRPr lang="en-GB" dirty="0"/>
-          </a:p>
-        </p:txBody>
-      </p:sp>
-      <p:cxnSp>
-        <p:nvCxnSpPr>
-          <p:cNvPr id="49" name="Gerade Verbindung mit Pfeil 48">
-            <a:extLst>
-              <a:ext uri="{FF2B5EF4-FFF2-40B4-BE49-F238E27FC236}">
-                <a16:creationId xmlns:a16="http://schemas.microsoft.com/office/drawing/2014/main" id="{59BA4E27-F1D3-4071-9B6E-C5810697322C}"/>
-              </a:ext>
-            </a:extLst>
-          </p:cNvPr>
-          <p:cNvCxnSpPr>
-            <a:cxnSpLocks/>
-            <a:stCxn id="44" idx="3"/>
-            <a:endCxn id="48" idx="1"/>
-          </p:cNvCxnSpPr>
-          <p:nvPr/>
-        </p:nvCxnSpPr>
-        <p:spPr>
-          <a:xfrm flipV="1">
-            <a:off x="2960528" y="3736225"/>
-            <a:ext cx="825480" cy="1338"/>
-          </a:xfrm>
-          <a:prstGeom prst="straightConnector1">
-            <a:avLst/>
-          </a:prstGeom>
-          <a:ln>
-            <a:tailEnd type="triangle"/>
-          </a:ln>
-        </p:spPr>
-        <p:style>
-          <a:lnRef idx="1">
-            <a:schemeClr val="accent1"/>
-          </a:lnRef>
-          <a:fillRef idx="0">
-            <a:schemeClr val="accent1"/>
-          </a:fillRef>
-          <a:effectRef idx="0">
-            <a:schemeClr val="accent1"/>
-          </a:effectRef>
-          <a:fontRef idx="minor">
-            <a:schemeClr val="tx1"/>
-          </a:fontRef>
-        </p:style>
-      </p:cxnSp>
-      <p:cxnSp>
-        <p:nvCxnSpPr>
-          <p:cNvPr id="56" name="Gerade Verbindung mit Pfeil 55">
-            <a:extLst>
-              <a:ext uri="{FF2B5EF4-FFF2-40B4-BE49-F238E27FC236}">
-                <a16:creationId xmlns:a16="http://schemas.microsoft.com/office/drawing/2014/main" id="{B8870C48-B767-445B-882B-002998E960CA}"/>
-              </a:ext>
-            </a:extLst>
-          </p:cNvPr>
-          <p:cNvCxnSpPr>
-            <a:cxnSpLocks/>
-            <a:endCxn id="48" idx="3"/>
-          </p:cNvCxnSpPr>
-          <p:nvPr/>
-        </p:nvCxnSpPr>
-        <p:spPr>
-          <a:xfrm flipH="1">
-            <a:off x="5467227" y="3736225"/>
-            <a:ext cx="133473" cy="0"/>
-          </a:xfrm>
-          <a:prstGeom prst="straightConnector1">
-            <a:avLst/>
-          </a:prstGeom>
-          <a:ln>
-            <a:tailEnd type="none"/>
-          </a:ln>
-        </p:spPr>
-        <p:style>
-          <a:lnRef idx="1">
-            <a:schemeClr val="accent1"/>
-          </a:lnRef>
-          <a:fillRef idx="0">
-            <a:schemeClr val="accent1"/>
-          </a:fillRef>
-          <a:effectRef idx="0">
-            <a:schemeClr val="accent1"/>
-          </a:effectRef>
-          <a:fontRef idx="minor">
-            <a:schemeClr val="tx1"/>
-          </a:fontRef>
-        </p:style>
-      </p:cxnSp>
-      <p:cxnSp>
-        <p:nvCxnSpPr>
-          <p:cNvPr id="59" name="Gerade Verbindung mit Pfeil 58">
-            <a:extLst>
-              <a:ext uri="{FF2B5EF4-FFF2-40B4-BE49-F238E27FC236}">
-                <a16:creationId xmlns:a16="http://schemas.microsoft.com/office/drawing/2014/main" id="{ABF5093D-A0B5-4F06-8196-FDEF314BA61F}"/>
-              </a:ext>
-            </a:extLst>
-          </p:cNvPr>
-          <p:cNvCxnSpPr>
-            <a:cxnSpLocks/>
-          </p:cNvCxnSpPr>
-          <p:nvPr/>
-        </p:nvCxnSpPr>
-        <p:spPr>
-          <a:xfrm flipV="1">
-            <a:off x="5600700" y="2808055"/>
-            <a:ext cx="0" cy="1856340"/>
-          </a:xfrm>
-          <a:prstGeom prst="straightConnector1">
-            <a:avLst/>
-          </a:prstGeom>
-          <a:ln>
-            <a:tailEnd type="none"/>
-          </a:ln>
-        </p:spPr>
-        <p:style>
-          <a:lnRef idx="1">
-            <a:schemeClr val="accent1"/>
-          </a:lnRef>
-          <a:fillRef idx="0">
-            <a:schemeClr val="accent1"/>
-          </a:fillRef>
-          <a:effectRef idx="0">
-            <a:schemeClr val="accent1"/>
-          </a:effectRef>
-          <a:fontRef idx="minor">
-            <a:schemeClr val="tx1"/>
-          </a:fontRef>
-        </p:style>
-      </p:cxnSp>
-      <p:cxnSp>
-        <p:nvCxnSpPr>
-          <p:cNvPr id="62" name="Gerade Verbindung mit Pfeil 61">
-            <a:extLst>
-              <a:ext uri="{FF2B5EF4-FFF2-40B4-BE49-F238E27FC236}">
-                <a16:creationId xmlns:a16="http://schemas.microsoft.com/office/drawing/2014/main" id="{73ECA085-1E65-4152-AD1C-036817D1C76A}"/>
-              </a:ext>
-            </a:extLst>
-          </p:cNvPr>
-          <p:cNvCxnSpPr>
-            <a:cxnSpLocks/>
-            <a:endCxn id="8" idx="1"/>
-          </p:cNvCxnSpPr>
-          <p:nvPr/>
-        </p:nvCxnSpPr>
-        <p:spPr>
-          <a:xfrm>
-            <a:off x="5600700" y="2808055"/>
-            <a:ext cx="569356" cy="0"/>
-          </a:xfrm>
-          <a:prstGeom prst="straightConnector1">
-            <a:avLst/>
-          </a:prstGeom>
-          <a:ln>
-            <a:tailEnd type="triangle"/>
-          </a:ln>
-        </p:spPr>
-        <p:style>
-          <a:lnRef idx="1">
-            <a:schemeClr val="accent1"/>
-          </a:lnRef>
-          <a:fillRef idx="0">
-            <a:schemeClr val="accent1"/>
-          </a:fillRef>
-          <a:effectRef idx="0">
-            <a:schemeClr val="accent1"/>
-          </a:effectRef>
-          <a:fontRef idx="minor">
-            <a:schemeClr val="tx1"/>
-          </a:fontRef>
-        </p:style>
-      </p:cxnSp>
-      <p:cxnSp>
-        <p:nvCxnSpPr>
-          <p:cNvPr id="65" name="Gerade Verbindung mit Pfeil 64">
-            <a:extLst>
-              <a:ext uri="{FF2B5EF4-FFF2-40B4-BE49-F238E27FC236}">
-                <a16:creationId xmlns:a16="http://schemas.microsoft.com/office/drawing/2014/main" id="{073FFB52-F35E-43EC-B25B-4E4DB56FE475}"/>
-              </a:ext>
-            </a:extLst>
-          </p:cNvPr>
-          <p:cNvCxnSpPr>
-            <a:cxnSpLocks/>
-            <a:endCxn id="17" idx="1"/>
-          </p:cNvCxnSpPr>
-          <p:nvPr/>
-        </p:nvCxnSpPr>
-        <p:spPr>
-          <a:xfrm>
-            <a:off x="5600700" y="3736225"/>
-            <a:ext cx="569356" cy="0"/>
-          </a:xfrm>
-          <a:prstGeom prst="straightConnector1">
-            <a:avLst/>
-          </a:prstGeom>
-          <a:ln>
-            <a:tailEnd type="triangle"/>
-          </a:ln>
-        </p:spPr>
-        <p:style>
-          <a:lnRef idx="1">
-            <a:schemeClr val="accent1"/>
-          </a:lnRef>
-          <a:fillRef idx="0">
-            <a:schemeClr val="accent1"/>
-          </a:fillRef>
-          <a:effectRef idx="0">
-            <a:schemeClr val="accent1"/>
-          </a:effectRef>
-          <a:fontRef idx="minor">
-            <a:schemeClr val="tx1"/>
-          </a:fontRef>
-        </p:style>
-      </p:cxnSp>
-      <p:cxnSp>
-        <p:nvCxnSpPr>
-          <p:cNvPr id="68" name="Gerade Verbindung mit Pfeil 67">
-            <a:extLst>
-              <a:ext uri="{FF2B5EF4-FFF2-40B4-BE49-F238E27FC236}">
-                <a16:creationId xmlns:a16="http://schemas.microsoft.com/office/drawing/2014/main" id="{E64F7B0B-0AB9-4A52-A764-36FAF10EBE75}"/>
-              </a:ext>
-            </a:extLst>
-          </p:cNvPr>
-          <p:cNvCxnSpPr>
-            <a:cxnSpLocks/>
-            <a:endCxn id="10" idx="1"/>
-          </p:cNvCxnSpPr>
-          <p:nvPr/>
-        </p:nvCxnSpPr>
-        <p:spPr>
-          <a:xfrm>
-            <a:off x="5600700" y="4664395"/>
-            <a:ext cx="569356" cy="0"/>
-          </a:xfrm>
-          <a:prstGeom prst="straightConnector1">
-            <a:avLst/>
-          </a:prstGeom>
-          <a:ln>
-            <a:tailEnd type="triangle"/>
-          </a:ln>
-        </p:spPr>
-        <p:style>
-          <a:lnRef idx="1">
-            <a:schemeClr val="accent1"/>
-          </a:lnRef>
-          <a:fillRef idx="0">
-            <a:schemeClr val="accent1"/>
-          </a:fillRef>
-          <a:effectRef idx="0">
-            <a:schemeClr val="accent1"/>
-          </a:effectRef>
-          <a:fontRef idx="minor">
-            <a:schemeClr val="tx1"/>
-          </a:fontRef>
-        </p:style>
-      </p:cxnSp>
-      <p:sp>
-        <p:nvSpPr>
-          <p:cNvPr id="85" name="Rechteck 84">
-            <a:extLst>
-              <a:ext uri="{FF2B5EF4-FFF2-40B4-BE49-F238E27FC236}">
-                <a16:creationId xmlns:a16="http://schemas.microsoft.com/office/drawing/2014/main" id="{30E04E0C-301E-4FB0-B0C1-D2D1CA5A00DE}"/>
-              </a:ext>
-            </a:extLst>
-          </p:cNvPr>
-          <p:cNvSpPr/>
-          <p:nvPr/>
-        </p:nvSpPr>
-        <p:spPr>
-          <a:xfrm>
-            <a:off x="838896" y="2358628"/>
-            <a:ext cx="84926" cy="881269"/>
-          </a:xfrm>
-          <a:prstGeom prst="rect">
-            <a:avLst/>
-          </a:prstGeom>
-          <a:ln>
-            <a:noFill/>
-          </a:ln>
-        </p:spPr>
-        <p:style>
-          <a:lnRef idx="2">
-            <a:schemeClr val="accent6"/>
-          </a:lnRef>
-          <a:fillRef idx="1">
-            <a:schemeClr val="lt1"/>
-          </a:fillRef>
-          <a:effectRef idx="0">
-            <a:schemeClr val="accent6"/>
-          </a:effectRef>
-          <a:fontRef idx="minor">
-            <a:schemeClr val="dk1"/>
-          </a:fontRef>
-        </p:style>
-        <p:txBody>
-          <a:bodyPr rtlCol="0" anchor="ctr"/>
-          <a:lstStyle/>
-          <a:p>
-            <a:pPr algn="ctr"/>
-            <a:endParaRPr lang="en-GB"/>
-          </a:p>
-        </p:txBody>
-      </p:sp>
-      <p:sp>
-        <p:nvSpPr>
-          <p:cNvPr id="94" name="Rechteck: abgerundete Ecken 93">
-            <a:extLst>
-              <a:ext uri="{FF2B5EF4-FFF2-40B4-BE49-F238E27FC236}">
-                <a16:creationId xmlns:a16="http://schemas.microsoft.com/office/drawing/2014/main" id="{0F7EF4E0-08AD-4ACD-8595-C5DF43BC649C}"/>
-              </a:ext>
-            </a:extLst>
-          </p:cNvPr>
-          <p:cNvSpPr/>
-          <p:nvPr/>
-        </p:nvSpPr>
-        <p:spPr>
-          <a:xfrm>
-            <a:off x="845195" y="2012764"/>
-            <a:ext cx="248061" cy="368394"/>
-          </a:xfrm>
-          <a:prstGeom prst="roundRect">
-            <a:avLst>
-              <a:gd name="adj" fmla="val 2329"/>
-            </a:avLst>
-          </a:prstGeom>
-          <a:solidFill>
-            <a:schemeClr val="bg1">
-              <a:lumMod val="95000"/>
-            </a:schemeClr>
-          </a:solidFill>
-          <a:ln>
-            <a:solidFill>
-              <a:schemeClr val="accent1">
-                <a:lumMod val="50000"/>
-              </a:schemeClr>
-            </a:solidFill>
-          </a:ln>
-        </p:spPr>
-        <p:style>
-          <a:lnRef idx="2">
-            <a:schemeClr val="accent6"/>
-          </a:lnRef>
-          <a:fillRef idx="1">
-            <a:schemeClr val="lt1"/>
-          </a:fillRef>
-          <a:effectRef idx="0">
-            <a:schemeClr val="accent6"/>
-          </a:effectRef>
-          <a:fontRef idx="minor">
-            <a:schemeClr val="dk1"/>
-          </a:fontRef>
-        </p:style>
-        <p:txBody>
-          <a:bodyPr rtlCol="0" anchor="ctr"/>
-          <a:lstStyle/>
-          <a:p>
-            <a:pPr algn="ctr"/>
-            <a:endParaRPr lang="en-GB" dirty="0"/>
-          </a:p>
-        </p:txBody>
-      </p:sp>
-      <p:sp>
-        <p:nvSpPr>
-          <p:cNvPr id="95" name="Rechteck 94">
-            <a:extLst>
-              <a:ext uri="{FF2B5EF4-FFF2-40B4-BE49-F238E27FC236}">
-                <a16:creationId xmlns:a16="http://schemas.microsoft.com/office/drawing/2014/main" id="{51FA1973-38F4-43BF-8FC3-B8A3F5F80F04}"/>
-              </a:ext>
-            </a:extLst>
-          </p:cNvPr>
-          <p:cNvSpPr/>
-          <p:nvPr/>
-        </p:nvSpPr>
-        <p:spPr>
-          <a:xfrm>
-            <a:off x="852764" y="1984773"/>
-            <a:ext cx="264102" cy="214523"/>
-          </a:xfrm>
-          <a:prstGeom prst="rect">
-            <a:avLst/>
-          </a:prstGeom>
-          <a:solidFill>
-            <a:schemeClr val="bg1">
-              <a:lumMod val="95000"/>
-            </a:schemeClr>
-          </a:solidFill>
-          <a:ln>
-            <a:noFill/>
-          </a:ln>
-        </p:spPr>
-        <p:style>
-          <a:lnRef idx="2">
-            <a:schemeClr val="accent6"/>
-          </a:lnRef>
-          <a:fillRef idx="1">
-            <a:schemeClr val="lt1"/>
-          </a:fillRef>
-          <a:effectRef idx="0">
-            <a:schemeClr val="accent6"/>
-          </a:effectRef>
-          <a:fontRef idx="minor">
-            <a:schemeClr val="dk1"/>
-          </a:fontRef>
-        </p:style>
-        <p:txBody>
-          <a:bodyPr rtlCol="0" anchor="ctr"/>
-          <a:lstStyle/>
-          <a:p>
-            <a:pPr algn="ctr"/>
-            <a:endParaRPr lang="en-GB"/>
-          </a:p>
-        </p:txBody>
-      </p:sp>
-      <p:sp>
-        <p:nvSpPr>
-          <p:cNvPr id="96" name="Rechteck 95">
-            <a:extLst>
-              <a:ext uri="{FF2B5EF4-FFF2-40B4-BE49-F238E27FC236}">
-                <a16:creationId xmlns:a16="http://schemas.microsoft.com/office/drawing/2014/main" id="{A940C4EE-8AF7-435D-8F5F-0CDCF408E4A5}"/>
-              </a:ext>
-            </a:extLst>
-          </p:cNvPr>
-          <p:cNvSpPr/>
-          <p:nvPr/>
-        </p:nvSpPr>
-        <p:spPr>
-          <a:xfrm>
-            <a:off x="897193" y="2160682"/>
-            <a:ext cx="264102" cy="214523"/>
-          </a:xfrm>
-          <a:prstGeom prst="rect">
-            <a:avLst/>
-          </a:prstGeom>
-          <a:solidFill>
-            <a:schemeClr val="bg1">
-              <a:lumMod val="95000"/>
-            </a:schemeClr>
-          </a:solidFill>
-          <a:ln>
-            <a:noFill/>
-          </a:ln>
-        </p:spPr>
-        <p:style>
-          <a:lnRef idx="2">
-            <a:schemeClr val="accent6"/>
-          </a:lnRef>
-          <a:fillRef idx="1">
-            <a:schemeClr val="lt1"/>
-          </a:fillRef>
-          <a:effectRef idx="0">
-            <a:schemeClr val="accent6"/>
-          </a:effectRef>
-          <a:fontRef idx="minor">
-            <a:schemeClr val="dk1"/>
-          </a:fontRef>
-        </p:style>
-        <p:txBody>
-          <a:bodyPr rtlCol="0" anchor="ctr"/>
-          <a:lstStyle/>
-          <a:p>
-            <a:pPr algn="ctr"/>
-            <a:endParaRPr lang="en-GB"/>
-          </a:p>
-        </p:txBody>
-      </p:sp>
-      <p:sp>
-        <p:nvSpPr>
-          <p:cNvPr id="97" name="Rechteck: abgerundete Ecken 96">
-            <a:extLst>
-              <a:ext uri="{FF2B5EF4-FFF2-40B4-BE49-F238E27FC236}">
-                <a16:creationId xmlns:a16="http://schemas.microsoft.com/office/drawing/2014/main" id="{BB966240-A434-4C97-BB5E-0158513EBE5A}"/>
-              </a:ext>
-            </a:extLst>
-          </p:cNvPr>
-          <p:cNvSpPr/>
-          <p:nvPr/>
-        </p:nvSpPr>
-        <p:spPr>
-          <a:xfrm>
-            <a:off x="845195" y="3229035"/>
-            <a:ext cx="248061" cy="368394"/>
-          </a:xfrm>
-          <a:prstGeom prst="roundRect">
-            <a:avLst>
-              <a:gd name="adj" fmla="val 2329"/>
-            </a:avLst>
-          </a:prstGeom>
-          <a:solidFill>
-            <a:schemeClr val="bg1">
-              <a:lumMod val="95000"/>
-            </a:schemeClr>
-          </a:solidFill>
-          <a:ln>
-            <a:solidFill>
-              <a:schemeClr val="accent1">
-                <a:lumMod val="50000"/>
-              </a:schemeClr>
-            </a:solidFill>
-          </a:ln>
-        </p:spPr>
-        <p:style>
-          <a:lnRef idx="2">
-            <a:schemeClr val="accent6"/>
-          </a:lnRef>
-          <a:fillRef idx="1">
-            <a:schemeClr val="lt1"/>
-          </a:fillRef>
-          <a:effectRef idx="0">
-            <a:schemeClr val="accent6"/>
-          </a:effectRef>
-          <a:fontRef idx="minor">
-            <a:schemeClr val="dk1"/>
-          </a:fontRef>
-        </p:style>
-        <p:txBody>
-          <a:bodyPr rtlCol="0" anchor="ctr"/>
-          <a:lstStyle/>
-          <a:p>
-            <a:pPr algn="ctr"/>
-            <a:endParaRPr lang="en-GB" dirty="0"/>
-          </a:p>
-        </p:txBody>
-      </p:sp>
-      <p:sp>
-        <p:nvSpPr>
-          <p:cNvPr id="98" name="Rechteck 97">
-            <a:extLst>
-              <a:ext uri="{FF2B5EF4-FFF2-40B4-BE49-F238E27FC236}">
-                <a16:creationId xmlns:a16="http://schemas.microsoft.com/office/drawing/2014/main" id="{AC38A12A-EBE5-410A-9BCC-CE2159756E55}"/>
-              </a:ext>
-            </a:extLst>
-          </p:cNvPr>
-          <p:cNvSpPr/>
-          <p:nvPr/>
-        </p:nvSpPr>
-        <p:spPr>
-          <a:xfrm>
-            <a:off x="904363" y="3238308"/>
-            <a:ext cx="264102" cy="214523"/>
-          </a:xfrm>
-          <a:prstGeom prst="rect">
-            <a:avLst/>
-          </a:prstGeom>
-          <a:solidFill>
-            <a:schemeClr val="bg1">
-              <a:lumMod val="95000"/>
-            </a:schemeClr>
-          </a:solidFill>
-          <a:ln>
-            <a:noFill/>
-          </a:ln>
-        </p:spPr>
-        <p:style>
-          <a:lnRef idx="2">
-            <a:schemeClr val="accent6"/>
-          </a:lnRef>
-          <a:fillRef idx="1">
-            <a:schemeClr val="lt1"/>
-          </a:fillRef>
-          <a:effectRef idx="0">
-            <a:schemeClr val="accent6"/>
-          </a:effectRef>
-          <a:fontRef idx="minor">
-            <a:schemeClr val="dk1"/>
-          </a:fontRef>
-        </p:style>
-        <p:txBody>
-          <a:bodyPr rtlCol="0" anchor="ctr"/>
-          <a:lstStyle/>
-          <a:p>
-            <a:pPr algn="ctr"/>
-            <a:endParaRPr lang="en-GB"/>
-          </a:p>
-        </p:txBody>
-      </p:sp>
-      <p:sp>
-        <p:nvSpPr>
-          <p:cNvPr id="99" name="Rechteck 98">
-            <a:extLst>
-              <a:ext uri="{FF2B5EF4-FFF2-40B4-BE49-F238E27FC236}">
-                <a16:creationId xmlns:a16="http://schemas.microsoft.com/office/drawing/2014/main" id="{4DFB57E4-F5F5-49CA-BC75-46DBC7AB2800}"/>
-              </a:ext>
-            </a:extLst>
-          </p:cNvPr>
-          <p:cNvSpPr/>
-          <p:nvPr/>
-        </p:nvSpPr>
-        <p:spPr>
-          <a:xfrm>
-            <a:off x="852764" y="3437042"/>
-            <a:ext cx="264102" cy="245166"/>
-          </a:xfrm>
-          <a:prstGeom prst="rect">
-            <a:avLst/>
-          </a:prstGeom>
-          <a:solidFill>
-            <a:schemeClr val="bg1">
-              <a:lumMod val="95000"/>
-            </a:schemeClr>
-          </a:solidFill>
-          <a:ln>
-            <a:noFill/>
-          </a:ln>
-        </p:spPr>
-        <p:style>
-          <a:lnRef idx="2">
-            <a:schemeClr val="accent6"/>
-          </a:lnRef>
-          <a:fillRef idx="1">
-            <a:schemeClr val="lt1"/>
-          </a:fillRef>
-          <a:effectRef idx="0">
-            <a:schemeClr val="accent6"/>
-          </a:effectRef>
-          <a:fontRef idx="minor">
-            <a:schemeClr val="dk1"/>
-          </a:fontRef>
-        </p:style>
-        <p:txBody>
-          <a:bodyPr rtlCol="0" anchor="ctr"/>
-          <a:lstStyle/>
-          <a:p>
-            <a:pPr algn="ctr"/>
-            <a:endParaRPr lang="en-GB"/>
-          </a:p>
-        </p:txBody>
-      </p:sp>
-      <p:sp>
-        <p:nvSpPr>
-          <p:cNvPr id="100" name="Ellipse 99">
-            <a:extLst>
-              <a:ext uri="{FF2B5EF4-FFF2-40B4-BE49-F238E27FC236}">
-                <a16:creationId xmlns:a16="http://schemas.microsoft.com/office/drawing/2014/main" id="{459A01C4-F8CB-4BD3-832A-DE3A51527352}"/>
-              </a:ext>
-            </a:extLst>
-          </p:cNvPr>
-          <p:cNvSpPr/>
-          <p:nvPr/>
-        </p:nvSpPr>
-        <p:spPr>
-          <a:xfrm>
-            <a:off x="987990" y="1447347"/>
-            <a:ext cx="348008" cy="342604"/>
-          </a:xfrm>
-          <a:prstGeom prst="ellipse">
-            <a:avLst/>
-          </a:prstGeom>
-          <a:ln>
-            <a:solidFill>
-              <a:schemeClr val="tx1"/>
-            </a:solidFill>
-          </a:ln>
-        </p:spPr>
-        <p:style>
-          <a:lnRef idx="2">
-            <a:schemeClr val="accent6"/>
-          </a:lnRef>
-          <a:fillRef idx="1">
-            <a:schemeClr val="lt1"/>
-          </a:fillRef>
-          <a:effectRef idx="0">
-            <a:schemeClr val="accent6"/>
-          </a:effectRef>
-          <a:fontRef idx="minor">
-            <a:schemeClr val="dk1"/>
-          </a:fontRef>
-        </p:style>
-        <p:txBody>
-          <a:bodyPr rtlCol="0" anchor="ctr"/>
-          <a:lstStyle/>
-          <a:p>
-            <a:pPr algn="ctr"/>
-            <a:r>
-              <a:rPr lang="de-DE" dirty="0"/>
-              <a:t>1</a:t>
-            </a:r>
-            <a:endParaRPr lang="en-GB" dirty="0"/>
-          </a:p>
-        </p:txBody>
-      </p:sp>
-      <p:sp>
-        <p:nvSpPr>
-          <p:cNvPr id="101" name="Ellipse 100">
-            <a:extLst>
-              <a:ext uri="{FF2B5EF4-FFF2-40B4-BE49-F238E27FC236}">
-                <a16:creationId xmlns:a16="http://schemas.microsoft.com/office/drawing/2014/main" id="{23B5BB1B-296B-481E-BE77-FE9C5AF5B479}"/>
-              </a:ext>
-            </a:extLst>
-          </p:cNvPr>
-          <p:cNvSpPr/>
-          <p:nvPr/>
-        </p:nvSpPr>
-        <p:spPr>
-          <a:xfrm>
-            <a:off x="981781" y="2645479"/>
-            <a:ext cx="348008" cy="342604"/>
-          </a:xfrm>
-          <a:prstGeom prst="ellipse">
-            <a:avLst/>
-          </a:prstGeom>
-          <a:ln>
-            <a:solidFill>
-              <a:schemeClr val="tx1"/>
-            </a:solidFill>
-          </a:ln>
-        </p:spPr>
-        <p:style>
-          <a:lnRef idx="2">
-            <a:schemeClr val="accent6"/>
-          </a:lnRef>
-          <a:fillRef idx="1">
-            <a:schemeClr val="lt1"/>
-          </a:fillRef>
-          <a:effectRef idx="0">
-            <a:schemeClr val="accent6"/>
-          </a:effectRef>
-          <a:fontRef idx="minor">
-            <a:schemeClr val="dk1"/>
-          </a:fontRef>
-        </p:style>
-        <p:txBody>
-          <a:bodyPr rtlCol="0" anchor="ctr"/>
-          <a:lstStyle/>
-          <a:p>
-            <a:pPr algn="ctr"/>
-            <a:r>
-              <a:rPr lang="de-DE" dirty="0"/>
-              <a:t>2</a:t>
-            </a:r>
-            <a:endParaRPr lang="en-GB" dirty="0"/>
-          </a:p>
-        </p:txBody>
-      </p:sp>
-      <p:sp>
-        <p:nvSpPr>
-          <p:cNvPr id="102" name="Ellipse 101">
-            <a:extLst>
-              <a:ext uri="{FF2B5EF4-FFF2-40B4-BE49-F238E27FC236}">
-                <a16:creationId xmlns:a16="http://schemas.microsoft.com/office/drawing/2014/main" id="{47ECDE48-981A-4FA1-9D62-94A52F32ABC5}"/>
-              </a:ext>
-            </a:extLst>
-          </p:cNvPr>
-          <p:cNvSpPr/>
-          <p:nvPr/>
-        </p:nvSpPr>
-        <p:spPr>
-          <a:xfrm>
-            <a:off x="986681" y="3842310"/>
-            <a:ext cx="348008" cy="342604"/>
-          </a:xfrm>
-          <a:prstGeom prst="ellipse">
-            <a:avLst/>
-          </a:prstGeom>
-          <a:ln>
-            <a:solidFill>
-              <a:schemeClr val="tx1"/>
-            </a:solidFill>
-          </a:ln>
-        </p:spPr>
-        <p:style>
-          <a:lnRef idx="2">
-            <a:schemeClr val="accent6"/>
-          </a:lnRef>
-          <a:fillRef idx="1">
-            <a:schemeClr val="lt1"/>
-          </a:fillRef>
-          <a:effectRef idx="0">
-            <a:schemeClr val="accent6"/>
-          </a:effectRef>
-          <a:fontRef idx="minor">
-            <a:schemeClr val="dk1"/>
-          </a:fontRef>
-        </p:style>
-        <p:txBody>
-          <a:bodyPr rtlCol="0" anchor="ctr"/>
-          <a:lstStyle/>
-          <a:p>
-            <a:pPr algn="ctr"/>
-            <a:r>
-              <a:rPr lang="de-DE" dirty="0"/>
-              <a:t>3</a:t>
-            </a:r>
-            <a:endParaRPr lang="en-GB" dirty="0"/>
-          </a:p>
-        </p:txBody>
-      </p:sp>
-      <p:sp>
-        <p:nvSpPr>
-          <p:cNvPr id="35" name="Ellipse 34">
-            <a:extLst>
-              <a:ext uri="{FF2B5EF4-FFF2-40B4-BE49-F238E27FC236}">
-                <a16:creationId xmlns:a16="http://schemas.microsoft.com/office/drawing/2014/main" id="{905E42BA-24CC-4E17-9761-83A74DA4C5C6}"/>
-              </a:ext>
-            </a:extLst>
-          </p:cNvPr>
-          <p:cNvSpPr/>
-          <p:nvPr/>
-        </p:nvSpPr>
-        <p:spPr>
-          <a:xfrm>
-            <a:off x="3612004" y="1488374"/>
-            <a:ext cx="348008" cy="342604"/>
-          </a:xfrm>
-          <a:prstGeom prst="ellipse">
-            <a:avLst/>
-          </a:prstGeom>
-          <a:ln>
-            <a:solidFill>
-              <a:schemeClr val="tx1"/>
-            </a:solidFill>
-          </a:ln>
-        </p:spPr>
-        <p:style>
-          <a:lnRef idx="2">
-            <a:schemeClr val="accent6"/>
-          </a:lnRef>
-          <a:fillRef idx="1">
-            <a:schemeClr val="lt1"/>
-          </a:fillRef>
-          <a:effectRef idx="0">
-            <a:schemeClr val="accent6"/>
-          </a:effectRef>
-          <a:fontRef idx="minor">
-            <a:schemeClr val="dk1"/>
-          </a:fontRef>
-        </p:style>
-        <p:txBody>
-          <a:bodyPr rtlCol="0" anchor="ctr"/>
-          <a:lstStyle/>
-          <a:p>
-            <a:pPr algn="ctr"/>
-            <a:r>
-              <a:rPr lang="de-DE" dirty="0"/>
-              <a:t>0</a:t>
-            </a:r>
-            <a:endParaRPr lang="en-GB" dirty="0"/>
-          </a:p>
-        </p:txBody>
-      </p:sp>
-      <p:sp>
-        <p:nvSpPr>
-          <p:cNvPr id="36" name="Ellipse 35">
-            <a:extLst>
-              <a:ext uri="{FF2B5EF4-FFF2-40B4-BE49-F238E27FC236}">
-                <a16:creationId xmlns:a16="http://schemas.microsoft.com/office/drawing/2014/main" id="{67546732-CB01-4B5F-9F01-BF64C80C672D}"/>
-              </a:ext>
-            </a:extLst>
-          </p:cNvPr>
-          <p:cNvSpPr/>
-          <p:nvPr/>
-        </p:nvSpPr>
-        <p:spPr>
-          <a:xfrm>
-            <a:off x="3612004" y="3808148"/>
-            <a:ext cx="348008" cy="342604"/>
-          </a:xfrm>
-          <a:prstGeom prst="ellipse">
-            <a:avLst/>
-          </a:prstGeom>
-          <a:ln>
-            <a:solidFill>
-              <a:schemeClr val="tx1"/>
-            </a:solidFill>
-          </a:ln>
-        </p:spPr>
-        <p:style>
-          <a:lnRef idx="2">
-            <a:schemeClr val="accent6"/>
-          </a:lnRef>
-          <a:fillRef idx="1">
-            <a:schemeClr val="lt1"/>
-          </a:fillRef>
-          <a:effectRef idx="0">
-            <a:schemeClr val="accent6"/>
-          </a:effectRef>
-          <a:fontRef idx="minor">
-            <a:schemeClr val="dk1"/>
-          </a:fontRef>
-        </p:style>
-        <p:txBody>
-          <a:bodyPr rtlCol="0" anchor="ctr"/>
-          <a:lstStyle/>
-          <a:p>
-            <a:pPr algn="ctr"/>
-            <a:r>
-              <a:rPr lang="de-DE" dirty="0"/>
-              <a:t>4</a:t>
-            </a:r>
-            <a:endParaRPr lang="en-GB" dirty="0"/>
-          </a:p>
-        </p:txBody>
-      </p:sp>
-    </p:spTree>
-    <p:extLst>
-      <p:ext uri="{BB962C8B-B14F-4D97-AF65-F5344CB8AC3E}">
-        <p14:creationId xmlns:p14="http://schemas.microsoft.com/office/powerpoint/2010/main" val="1739871278"/>
-      </p:ext>
-    </p:extLst>
-  </p:cSld>
-  <p:clrMapOvr>
-    <a:masterClrMapping/>
-  </p:clrMapOvr>
-</p:sld>
-</file>
-
-<file path=ppt/slides/slide4.xml><?xml version="1.0" encoding="utf-8"?>
-<p:sld xmlns:a="http://schemas.openxmlformats.org/drawingml/2006/main" xmlns:r="http://schemas.openxmlformats.org/officeDocument/2006/relationships" xmlns:p="http://schemas.openxmlformats.org/presentationml/2006/main">
-  <p:cSld>
-    <p:spTree>
-      <p:nvGrpSpPr>
-        <p:cNvPr id="1" name=""/>
-        <p:cNvGrpSpPr/>
-        <p:nvPr/>
-      </p:nvGrpSpPr>
-      <p:grpSpPr>
-        <a:xfrm>
-          <a:off x="0" y="0"/>
-          <a:ext cx="0" cy="0"/>
-          <a:chOff x="0" y="0"/>
-          <a:chExt cx="0" cy="0"/>
-        </a:xfrm>
-      </p:grpSpPr>
-      <p:sp>
-        <p:nvSpPr>
-          <p:cNvPr id="6" name="Rechteck: abgerundete Ecken 5">
-            <a:extLst>
-              <a:ext uri="{FF2B5EF4-FFF2-40B4-BE49-F238E27FC236}">
-                <a16:creationId xmlns:a16="http://schemas.microsoft.com/office/drawing/2014/main" id="{1EFBE1EE-B6B9-4699-B39C-194A2FFA5642}"/>
-              </a:ext>
-            </a:extLst>
-          </p:cNvPr>
-          <p:cNvSpPr/>
-          <p:nvPr/>
-        </p:nvSpPr>
-        <p:spPr>
-          <a:xfrm>
-            <a:off x="3035548" y="917122"/>
-            <a:ext cx="3781421" cy="3430672"/>
-          </a:xfrm>
-          <a:prstGeom prst="roundRect">
-            <a:avLst>
-              <a:gd name="adj" fmla="val 2329"/>
-            </a:avLst>
-          </a:prstGeom>
-          <a:solidFill>
-            <a:schemeClr val="bg1">
-              <a:lumMod val="95000"/>
-            </a:schemeClr>
-          </a:solidFill>
-          <a:ln>
-            <a:solidFill>
-              <a:schemeClr val="accent1">
-                <a:lumMod val="50000"/>
-              </a:schemeClr>
-            </a:solidFill>
-          </a:ln>
-        </p:spPr>
-        <p:style>
-          <a:lnRef idx="2">
-            <a:schemeClr val="accent6"/>
-          </a:lnRef>
-          <a:fillRef idx="1">
-            <a:schemeClr val="lt1"/>
-          </a:fillRef>
-          <a:effectRef idx="0">
-            <a:schemeClr val="accent6"/>
-          </a:effectRef>
-          <a:fontRef idx="minor">
-            <a:schemeClr val="dk1"/>
-          </a:fontRef>
-        </p:style>
-        <p:txBody>
-          <a:bodyPr rtlCol="0" anchor="ctr"/>
-          <a:lstStyle/>
-          <a:p>
-            <a:pPr algn="ctr"/>
-            <a:endParaRPr lang="en-GB" dirty="0"/>
-          </a:p>
-        </p:txBody>
-      </p:sp>
-      <p:sp>
-        <p:nvSpPr>
-          <p:cNvPr id="7" name="Textfeld 6">
-            <a:extLst>
-              <a:ext uri="{FF2B5EF4-FFF2-40B4-BE49-F238E27FC236}">
-                <a16:creationId xmlns:a16="http://schemas.microsoft.com/office/drawing/2014/main" id="{A306641F-035E-4DDB-8579-EE779BAEC635}"/>
-              </a:ext>
-            </a:extLst>
-          </p:cNvPr>
-          <p:cNvSpPr txBox="1"/>
-          <p:nvPr/>
-        </p:nvSpPr>
-        <p:spPr>
-          <a:xfrm>
-            <a:off x="3035548" y="921999"/>
-            <a:ext cx="1092200" cy="369332"/>
-          </a:xfrm>
-          <a:prstGeom prst="rect">
-            <a:avLst/>
-          </a:prstGeom>
-          <a:noFill/>
-        </p:spPr>
-        <p:txBody>
-          <a:bodyPr wrap="square" rtlCol="0">
-            <a:spAutoFit/>
-          </a:bodyPr>
-          <a:lstStyle/>
-          <a:p>
-            <a:r>
-              <a:rPr lang="de-DE"/>
-              <a:t>PARRHI</a:t>
-            </a:r>
-            <a:endParaRPr lang="en-GB"/>
-          </a:p>
-        </p:txBody>
-      </p:sp>
-      <p:sp>
-        <p:nvSpPr>
-          <p:cNvPr id="10" name="Rechteck: abgerundete Ecken 9">
-            <a:extLst>
-              <a:ext uri="{FF2B5EF4-FFF2-40B4-BE49-F238E27FC236}">
-                <a16:creationId xmlns:a16="http://schemas.microsoft.com/office/drawing/2014/main" id="{C3310D98-86EB-4C12-B7F9-E7D75ECDFA0D}"/>
-              </a:ext>
-            </a:extLst>
-          </p:cNvPr>
-          <p:cNvSpPr/>
-          <p:nvPr/>
-        </p:nvSpPr>
-        <p:spPr>
-          <a:xfrm>
-            <a:off x="8360406" y="4224291"/>
-            <a:ext cx="3500069" cy="774700"/>
-          </a:xfrm>
-          <a:prstGeom prst="roundRect">
-            <a:avLst>
-              <a:gd name="adj" fmla="val 2329"/>
-            </a:avLst>
-          </a:prstGeom>
-          <a:ln>
-            <a:solidFill>
-              <a:schemeClr val="accent1">
-                <a:lumMod val="50000"/>
-              </a:schemeClr>
-            </a:solidFill>
-          </a:ln>
-        </p:spPr>
-        <p:style>
-          <a:lnRef idx="2">
-            <a:schemeClr val="accent6"/>
-          </a:lnRef>
-          <a:fillRef idx="1">
-            <a:schemeClr val="lt1"/>
-          </a:fillRef>
-          <a:effectRef idx="0">
-            <a:schemeClr val="accent6"/>
-          </a:effectRef>
-          <a:fontRef idx="minor">
-            <a:schemeClr val="dk1"/>
-          </a:fontRef>
-        </p:style>
-        <p:txBody>
-          <a:bodyPr rtlCol="0" anchor="ctr"/>
-          <a:lstStyle/>
-          <a:p>
-            <a:pPr algn="ctr"/>
-            <a:r>
-              <a:rPr lang="de-DE" dirty="0"/>
-              <a:t>AR - World</a:t>
-            </a:r>
-            <a:endParaRPr lang="en-GB" dirty="0"/>
-          </a:p>
-        </p:txBody>
-      </p:sp>
-      <p:sp>
-        <p:nvSpPr>
-          <p:cNvPr id="17" name="Rechteck: abgerundete Ecken 16">
-            <a:extLst>
-              <a:ext uri="{FF2B5EF4-FFF2-40B4-BE49-F238E27FC236}">
-                <a16:creationId xmlns:a16="http://schemas.microsoft.com/office/drawing/2014/main" id="{03AF250F-5B3C-4F50-ABB4-FD7EAD18DE2A}"/>
-              </a:ext>
-            </a:extLst>
-          </p:cNvPr>
-          <p:cNvSpPr/>
-          <p:nvPr/>
-        </p:nvSpPr>
-        <p:spPr>
-          <a:xfrm>
-            <a:off x="8361332" y="2123574"/>
-            <a:ext cx="3500069" cy="1841492"/>
-          </a:xfrm>
-          <a:prstGeom prst="roundRect">
-            <a:avLst>
-              <a:gd name="adj" fmla="val 2329"/>
-            </a:avLst>
-          </a:prstGeom>
-          <a:ln>
-            <a:solidFill>
-              <a:schemeClr val="accent1">
-                <a:lumMod val="50000"/>
-              </a:schemeClr>
-            </a:solidFill>
-          </a:ln>
-        </p:spPr>
-        <p:style>
-          <a:lnRef idx="2">
-            <a:schemeClr val="accent6"/>
-          </a:lnRef>
-          <a:fillRef idx="1">
-            <a:schemeClr val="lt1"/>
-          </a:fillRef>
-          <a:effectRef idx="0">
-            <a:schemeClr val="accent6"/>
-          </a:effectRef>
-          <a:fontRef idx="minor">
-            <a:schemeClr val="dk1"/>
-          </a:fontRef>
-        </p:style>
-        <p:txBody>
-          <a:bodyPr rtlCol="0" anchor="t"/>
-          <a:lstStyle/>
-          <a:p>
-            <a:r>
-              <a:rPr lang="de-DE" dirty="0"/>
-              <a:t>Real World</a:t>
-            </a:r>
-            <a:endParaRPr lang="en-GB" dirty="0"/>
-          </a:p>
-        </p:txBody>
-      </p:sp>
-      <p:sp>
-        <p:nvSpPr>
-          <p:cNvPr id="18" name="Rechteck: abgerundete Ecken 17">
-            <a:extLst>
-              <a:ext uri="{FF2B5EF4-FFF2-40B4-BE49-F238E27FC236}">
-                <a16:creationId xmlns:a16="http://schemas.microsoft.com/office/drawing/2014/main" id="{6584CEAC-5F6B-4D92-A39D-A47030D6BBD1}"/>
-              </a:ext>
-            </a:extLst>
-          </p:cNvPr>
-          <p:cNvSpPr/>
-          <p:nvPr/>
-        </p:nvSpPr>
-        <p:spPr>
-          <a:xfrm>
-            <a:off x="3558981" y="1563499"/>
-            <a:ext cx="1794125" cy="560513"/>
-          </a:xfrm>
-          <a:prstGeom prst="roundRect">
-            <a:avLst>
-              <a:gd name="adj" fmla="val 2329"/>
-            </a:avLst>
-          </a:prstGeom>
-          <a:ln>
-            <a:solidFill>
-              <a:schemeClr val="accent1">
-                <a:lumMod val="50000"/>
-              </a:schemeClr>
-            </a:solidFill>
-          </a:ln>
-        </p:spPr>
-        <p:style>
-          <a:lnRef idx="2">
-            <a:schemeClr val="accent6"/>
-          </a:lnRef>
-          <a:fillRef idx="1">
-            <a:schemeClr val="lt1"/>
-          </a:fillRef>
-          <a:effectRef idx="0">
-            <a:schemeClr val="accent6"/>
-          </a:effectRef>
-          <a:fontRef idx="minor">
-            <a:schemeClr val="dk1"/>
-          </a:fontRef>
-        </p:style>
-        <p:txBody>
-          <a:bodyPr rtlCol="0" anchor="ctr"/>
-          <a:lstStyle/>
-          <a:p>
-            <a:pPr algn="ctr"/>
-            <a:r>
-              <a:rPr lang="de-DE" dirty="0"/>
-              <a:t>Real </a:t>
-            </a:r>
-            <a:r>
-              <a:rPr lang="en-GB" dirty="0"/>
-              <a:t>World</a:t>
-            </a:r>
-            <a:r>
-              <a:rPr lang="de-DE" dirty="0"/>
-              <a:t> Model</a:t>
-            </a:r>
-            <a:endParaRPr lang="en-GB" dirty="0"/>
-          </a:p>
-        </p:txBody>
-      </p:sp>
-      <p:cxnSp>
-        <p:nvCxnSpPr>
-          <p:cNvPr id="20" name="Gerade Verbindung mit Pfeil 19">
-            <a:extLst>
-              <a:ext uri="{FF2B5EF4-FFF2-40B4-BE49-F238E27FC236}">
-                <a16:creationId xmlns:a16="http://schemas.microsoft.com/office/drawing/2014/main" id="{A1C0F26C-FA4E-4346-93DC-CDF6EE3108C2}"/>
-              </a:ext>
-            </a:extLst>
-          </p:cNvPr>
-          <p:cNvCxnSpPr>
-            <a:cxnSpLocks/>
-            <a:stCxn id="18" idx="2"/>
-            <a:endCxn id="23" idx="0"/>
-          </p:cNvCxnSpPr>
-          <p:nvPr/>
-        </p:nvCxnSpPr>
-        <p:spPr>
-          <a:xfrm flipH="1">
-            <a:off x="4456043" y="2124012"/>
-            <a:ext cx="1" cy="360013"/>
-          </a:xfrm>
-          <a:prstGeom prst="straightConnector1">
-            <a:avLst/>
-          </a:prstGeom>
-          <a:ln>
-            <a:solidFill>
-              <a:schemeClr val="tx1"/>
-            </a:solidFill>
-            <a:tailEnd type="triangle"/>
-          </a:ln>
-        </p:spPr>
-        <p:style>
-          <a:lnRef idx="1">
-            <a:schemeClr val="accent1"/>
-          </a:lnRef>
-          <a:fillRef idx="0">
-            <a:schemeClr val="accent1"/>
-          </a:fillRef>
-          <a:effectRef idx="0">
-            <a:schemeClr val="accent1"/>
-          </a:effectRef>
-          <a:fontRef idx="minor">
-            <a:schemeClr val="tx1"/>
-          </a:fontRef>
-        </p:style>
-      </p:cxnSp>
-      <p:sp>
-        <p:nvSpPr>
-          <p:cNvPr id="23" name="Rechteck: abgerundete Ecken 22">
-            <a:extLst>
-              <a:ext uri="{FF2B5EF4-FFF2-40B4-BE49-F238E27FC236}">
-                <a16:creationId xmlns:a16="http://schemas.microsoft.com/office/drawing/2014/main" id="{DABC6553-CEE3-4320-8683-FE14BA91697F}"/>
-              </a:ext>
-            </a:extLst>
-          </p:cNvPr>
-          <p:cNvSpPr/>
-          <p:nvPr/>
-        </p:nvSpPr>
-        <p:spPr>
-          <a:xfrm>
-            <a:off x="3558980" y="2484025"/>
-            <a:ext cx="1794125" cy="560513"/>
-          </a:xfrm>
-          <a:prstGeom prst="roundRect">
-            <a:avLst>
-              <a:gd name="adj" fmla="val 2329"/>
-            </a:avLst>
-          </a:prstGeom>
-          <a:ln>
-            <a:solidFill>
-              <a:schemeClr val="accent1">
-                <a:lumMod val="50000"/>
-              </a:schemeClr>
-            </a:solidFill>
-          </a:ln>
-        </p:spPr>
-        <p:style>
-          <a:lnRef idx="2">
-            <a:schemeClr val="accent6"/>
-          </a:lnRef>
-          <a:fillRef idx="1">
-            <a:schemeClr val="lt1"/>
-          </a:fillRef>
-          <a:effectRef idx="0">
-            <a:schemeClr val="accent6"/>
-          </a:effectRef>
-          <a:fontRef idx="minor">
-            <a:schemeClr val="dk1"/>
-          </a:fontRef>
-        </p:style>
-        <p:txBody>
-          <a:bodyPr rtlCol="0" anchor="ctr"/>
-          <a:lstStyle/>
-          <a:p>
-            <a:pPr algn="ctr"/>
-            <a:r>
-              <a:rPr lang="en-US"/>
+              <a:rPr lang="en-US" dirty="0"/>
               <a:t>Parametrised Program</a:t>
             </a:r>
           </a:p>
@@ -8290,6 +7230,1134 @@
     <p:extLst>
       <p:ext uri="{BB962C8B-B14F-4D97-AF65-F5344CB8AC3E}">
         <p14:creationId xmlns:p14="http://schemas.microsoft.com/office/powerpoint/2010/main" val="639387186"/>
+      </p:ext>
+    </p:extLst>
+  </p:cSld>
+  <p:clrMapOvr>
+    <a:masterClrMapping/>
+  </p:clrMapOvr>
+</p:sld>
+</file>
+
+<file path=ppt/slides/slide3.xml><?xml version="1.0" encoding="utf-8"?>
+<p:sld xmlns:a="http://schemas.openxmlformats.org/drawingml/2006/main" xmlns:r="http://schemas.openxmlformats.org/officeDocument/2006/relationships" xmlns:p="http://schemas.openxmlformats.org/presentationml/2006/main">
+  <p:cSld>
+    <p:spTree>
+      <p:nvGrpSpPr>
+        <p:cNvPr id="1" name=""/>
+        <p:cNvGrpSpPr/>
+        <p:nvPr/>
+      </p:nvGrpSpPr>
+      <p:grpSpPr>
+        <a:xfrm>
+          <a:off x="0" y="0"/>
+          <a:ext cx="0" cy="0"/>
+          <a:chOff x="0" y="0"/>
+          <a:chExt cx="0" cy="0"/>
+        </a:xfrm>
+      </p:grpSpPr>
+      <p:sp>
+        <p:nvSpPr>
+          <p:cNvPr id="85" name="Rechteck: abgerundete Ecken 84">
+            <a:extLst>
+              <a:ext uri="{FF2B5EF4-FFF2-40B4-BE49-F238E27FC236}">
+                <a16:creationId xmlns:a16="http://schemas.microsoft.com/office/drawing/2014/main" id="{BA371F38-76CA-4246-9212-E3FDEDAE42C6}"/>
+              </a:ext>
+            </a:extLst>
+          </p:cNvPr>
+          <p:cNvSpPr/>
+          <p:nvPr/>
+        </p:nvSpPr>
+        <p:spPr>
+          <a:xfrm>
+            <a:off x="2228240" y="1497414"/>
+            <a:ext cx="8612675" cy="1377671"/>
+          </a:xfrm>
+          <a:prstGeom prst="roundRect">
+            <a:avLst>
+              <a:gd name="adj" fmla="val 2329"/>
+            </a:avLst>
+          </a:prstGeom>
+          <a:solidFill>
+            <a:schemeClr val="bg1">
+              <a:lumMod val="95000"/>
+            </a:schemeClr>
+          </a:solidFill>
+          <a:ln>
+            <a:solidFill>
+              <a:schemeClr val="accent1">
+                <a:lumMod val="50000"/>
+              </a:schemeClr>
+            </a:solidFill>
+          </a:ln>
+        </p:spPr>
+        <p:style>
+          <a:lnRef idx="2">
+            <a:schemeClr val="accent6"/>
+          </a:lnRef>
+          <a:fillRef idx="1">
+            <a:schemeClr val="lt1"/>
+          </a:fillRef>
+          <a:effectRef idx="0">
+            <a:schemeClr val="accent6"/>
+          </a:effectRef>
+          <a:fontRef idx="minor">
+            <a:schemeClr val="dk1"/>
+          </a:fontRef>
+        </p:style>
+        <p:txBody>
+          <a:bodyPr rtlCol="0" anchor="ctr"/>
+          <a:lstStyle/>
+          <a:p>
+            <a:pPr algn="ctr"/>
+            <a:endParaRPr lang="en-GB" dirty="0"/>
+          </a:p>
+        </p:txBody>
+      </p:sp>
+      <p:sp>
+        <p:nvSpPr>
+          <p:cNvPr id="7" name="Textfeld 6">
+            <a:extLst>
+              <a:ext uri="{FF2B5EF4-FFF2-40B4-BE49-F238E27FC236}">
+                <a16:creationId xmlns:a16="http://schemas.microsoft.com/office/drawing/2014/main" id="{A306641F-035E-4DDB-8579-EE779BAEC635}"/>
+              </a:ext>
+            </a:extLst>
+          </p:cNvPr>
+          <p:cNvSpPr txBox="1"/>
+          <p:nvPr/>
+        </p:nvSpPr>
+        <p:spPr>
+          <a:xfrm>
+            <a:off x="2228239" y="1497414"/>
+            <a:ext cx="1508491" cy="369332"/>
+          </a:xfrm>
+          <a:prstGeom prst="rect">
+            <a:avLst/>
+          </a:prstGeom>
+          <a:noFill/>
+        </p:spPr>
+        <p:txBody>
+          <a:bodyPr wrap="square" rtlCol="0">
+            <a:spAutoFit/>
+          </a:bodyPr>
+          <a:lstStyle/>
+          <a:p>
+            <a:r>
+              <a:rPr lang="de-DE" dirty="0"/>
+              <a:t>Core Routine</a:t>
+            </a:r>
+          </a:p>
+        </p:txBody>
+      </p:sp>
+      <p:sp>
+        <p:nvSpPr>
+          <p:cNvPr id="23" name="Rechteck: abgerundete Ecken 22">
+            <a:extLst>
+              <a:ext uri="{FF2B5EF4-FFF2-40B4-BE49-F238E27FC236}">
+                <a16:creationId xmlns:a16="http://schemas.microsoft.com/office/drawing/2014/main" id="{DABC6553-CEE3-4320-8683-FE14BA91697F}"/>
+              </a:ext>
+            </a:extLst>
+          </p:cNvPr>
+          <p:cNvSpPr/>
+          <p:nvPr/>
+        </p:nvSpPr>
+        <p:spPr>
+          <a:xfrm>
+            <a:off x="6681015" y="1947042"/>
+            <a:ext cx="1794125" cy="560513"/>
+          </a:xfrm>
+          <a:prstGeom prst="roundRect">
+            <a:avLst>
+              <a:gd name="adj" fmla="val 2329"/>
+            </a:avLst>
+          </a:prstGeom>
+          <a:ln>
+            <a:solidFill>
+              <a:schemeClr val="accent1">
+                <a:lumMod val="50000"/>
+              </a:schemeClr>
+            </a:solidFill>
+          </a:ln>
+        </p:spPr>
+        <p:style>
+          <a:lnRef idx="2">
+            <a:schemeClr val="accent6"/>
+          </a:lnRef>
+          <a:fillRef idx="1">
+            <a:schemeClr val="lt1"/>
+          </a:fillRef>
+          <a:effectRef idx="0">
+            <a:schemeClr val="accent6"/>
+          </a:effectRef>
+          <a:fontRef idx="minor">
+            <a:schemeClr val="dk1"/>
+          </a:fontRef>
+        </p:style>
+        <p:txBody>
+          <a:bodyPr rtlCol="0" anchor="ctr"/>
+          <a:lstStyle/>
+          <a:p>
+            <a:pPr algn="ctr"/>
+            <a:r>
+              <a:rPr lang="en-US" dirty="0"/>
+              <a:t>Evaluate </a:t>
+            </a:r>
+          </a:p>
+          <a:p>
+            <a:pPr algn="ctr"/>
+            <a:r>
+              <a:rPr lang="en-US" dirty="0"/>
+              <a:t>Triggers</a:t>
+            </a:r>
+          </a:p>
+        </p:txBody>
+      </p:sp>
+      <p:sp>
+        <p:nvSpPr>
+          <p:cNvPr id="101" name="Ellipse 100">
+            <a:extLst>
+              <a:ext uri="{FF2B5EF4-FFF2-40B4-BE49-F238E27FC236}">
+                <a16:creationId xmlns:a16="http://schemas.microsoft.com/office/drawing/2014/main" id="{23B5BB1B-296B-481E-BE77-FE9C5AF5B479}"/>
+              </a:ext>
+            </a:extLst>
+          </p:cNvPr>
+          <p:cNvSpPr/>
+          <p:nvPr/>
+        </p:nvSpPr>
+        <p:spPr>
+          <a:xfrm>
+            <a:off x="6536135" y="2350393"/>
+            <a:ext cx="316274" cy="296091"/>
+          </a:xfrm>
+          <a:prstGeom prst="ellipse">
+            <a:avLst/>
+          </a:prstGeom>
+          <a:ln>
+            <a:solidFill>
+              <a:schemeClr val="tx1"/>
+            </a:solidFill>
+          </a:ln>
+        </p:spPr>
+        <p:style>
+          <a:lnRef idx="2">
+            <a:schemeClr val="accent6"/>
+          </a:lnRef>
+          <a:fillRef idx="1">
+            <a:schemeClr val="lt1"/>
+          </a:fillRef>
+          <a:effectRef idx="0">
+            <a:schemeClr val="accent6"/>
+          </a:effectRef>
+          <a:fontRef idx="minor">
+            <a:schemeClr val="dk1"/>
+          </a:fontRef>
+        </p:style>
+        <p:txBody>
+          <a:bodyPr rtlCol="0" anchor="ctr"/>
+          <a:lstStyle/>
+          <a:p>
+            <a:pPr algn="ctr"/>
+            <a:r>
+              <a:rPr lang="de-DE" dirty="0"/>
+              <a:t>2</a:t>
+            </a:r>
+            <a:endParaRPr lang="en-GB" dirty="0"/>
+          </a:p>
+        </p:txBody>
+      </p:sp>
+      <p:sp>
+        <p:nvSpPr>
+          <p:cNvPr id="52" name="Rechteck: abgerundete Ecken 51">
+            <a:extLst>
+              <a:ext uri="{FF2B5EF4-FFF2-40B4-BE49-F238E27FC236}">
+                <a16:creationId xmlns:a16="http://schemas.microsoft.com/office/drawing/2014/main" id="{40647E40-59E7-4063-9205-5213B4AD7663}"/>
+              </a:ext>
+            </a:extLst>
+          </p:cNvPr>
+          <p:cNvSpPr/>
+          <p:nvPr/>
+        </p:nvSpPr>
+        <p:spPr>
+          <a:xfrm>
+            <a:off x="4579270" y="1950524"/>
+            <a:ext cx="1794125" cy="560513"/>
+          </a:xfrm>
+          <a:prstGeom prst="roundRect">
+            <a:avLst>
+              <a:gd name="adj" fmla="val 2329"/>
+            </a:avLst>
+          </a:prstGeom>
+          <a:ln>
+            <a:solidFill>
+              <a:schemeClr val="accent1">
+                <a:lumMod val="50000"/>
+              </a:schemeClr>
+            </a:solidFill>
+          </a:ln>
+        </p:spPr>
+        <p:style>
+          <a:lnRef idx="2">
+            <a:schemeClr val="accent6"/>
+          </a:lnRef>
+          <a:fillRef idx="1">
+            <a:schemeClr val="lt1"/>
+          </a:fillRef>
+          <a:effectRef idx="0">
+            <a:schemeClr val="accent6"/>
+          </a:effectRef>
+          <a:fontRef idx="minor">
+            <a:schemeClr val="dk1"/>
+          </a:fontRef>
+        </p:style>
+        <p:txBody>
+          <a:bodyPr rtlCol="0" anchor="ctr"/>
+          <a:lstStyle/>
+          <a:p>
+            <a:pPr algn="ctr"/>
+            <a:r>
+              <a:rPr lang="en-US"/>
+              <a:t>Update inner State</a:t>
+            </a:r>
+          </a:p>
+        </p:txBody>
+      </p:sp>
+      <p:sp>
+        <p:nvSpPr>
+          <p:cNvPr id="53" name="Ellipse 52">
+            <a:extLst>
+              <a:ext uri="{FF2B5EF4-FFF2-40B4-BE49-F238E27FC236}">
+                <a16:creationId xmlns:a16="http://schemas.microsoft.com/office/drawing/2014/main" id="{FD934A18-AFA6-48B3-A0E2-6AD7F616574A}"/>
+              </a:ext>
+            </a:extLst>
+          </p:cNvPr>
+          <p:cNvSpPr/>
+          <p:nvPr/>
+        </p:nvSpPr>
+        <p:spPr>
+          <a:xfrm>
+            <a:off x="4425460" y="2324541"/>
+            <a:ext cx="348008" cy="342604"/>
+          </a:xfrm>
+          <a:prstGeom prst="ellipse">
+            <a:avLst/>
+          </a:prstGeom>
+          <a:ln>
+            <a:solidFill>
+              <a:schemeClr val="tx1"/>
+            </a:solidFill>
+          </a:ln>
+        </p:spPr>
+        <p:style>
+          <a:lnRef idx="2">
+            <a:schemeClr val="accent6"/>
+          </a:lnRef>
+          <a:fillRef idx="1">
+            <a:schemeClr val="lt1"/>
+          </a:fillRef>
+          <a:effectRef idx="0">
+            <a:schemeClr val="accent6"/>
+          </a:effectRef>
+          <a:fontRef idx="minor">
+            <a:schemeClr val="dk1"/>
+          </a:fontRef>
+        </p:style>
+        <p:txBody>
+          <a:bodyPr rtlCol="0" anchor="ctr"/>
+          <a:lstStyle/>
+          <a:p>
+            <a:pPr algn="ctr"/>
+            <a:r>
+              <a:rPr lang="de-DE" dirty="0"/>
+              <a:t>1</a:t>
+            </a:r>
+            <a:endParaRPr lang="en-GB" dirty="0"/>
+          </a:p>
+        </p:txBody>
+      </p:sp>
+      <p:sp>
+        <p:nvSpPr>
+          <p:cNvPr id="55" name="Rechteck: abgerundete Ecken 54">
+            <a:extLst>
+              <a:ext uri="{FF2B5EF4-FFF2-40B4-BE49-F238E27FC236}">
+                <a16:creationId xmlns:a16="http://schemas.microsoft.com/office/drawing/2014/main" id="{4171E7F6-FA1C-42E1-9D25-5BF631E4E5EC}"/>
+              </a:ext>
+            </a:extLst>
+          </p:cNvPr>
+          <p:cNvSpPr/>
+          <p:nvPr/>
+        </p:nvSpPr>
+        <p:spPr>
+          <a:xfrm>
+            <a:off x="8724425" y="1951390"/>
+            <a:ext cx="1794125" cy="560513"/>
+          </a:xfrm>
+          <a:prstGeom prst="roundRect">
+            <a:avLst>
+              <a:gd name="adj" fmla="val 2329"/>
+            </a:avLst>
+          </a:prstGeom>
+          <a:ln>
+            <a:solidFill>
+              <a:schemeClr val="accent1">
+                <a:lumMod val="50000"/>
+              </a:schemeClr>
+            </a:solidFill>
+          </a:ln>
+        </p:spPr>
+        <p:style>
+          <a:lnRef idx="2">
+            <a:schemeClr val="accent6"/>
+          </a:lnRef>
+          <a:fillRef idx="1">
+            <a:schemeClr val="lt1"/>
+          </a:fillRef>
+          <a:effectRef idx="0">
+            <a:schemeClr val="accent6"/>
+          </a:effectRef>
+          <a:fontRef idx="minor">
+            <a:schemeClr val="dk1"/>
+          </a:fontRef>
+        </p:style>
+        <p:txBody>
+          <a:bodyPr rtlCol="0" anchor="ctr"/>
+          <a:lstStyle/>
+          <a:p>
+            <a:pPr algn="ctr"/>
+            <a:r>
+              <a:rPr lang="de-DE" dirty="0"/>
+              <a:t>Execute Actions</a:t>
+            </a:r>
+            <a:endParaRPr lang="en-GB" dirty="0"/>
+          </a:p>
+        </p:txBody>
+      </p:sp>
+      <p:sp>
+        <p:nvSpPr>
+          <p:cNvPr id="59" name="Ellipse 58">
+            <a:extLst>
+              <a:ext uri="{FF2B5EF4-FFF2-40B4-BE49-F238E27FC236}">
+                <a16:creationId xmlns:a16="http://schemas.microsoft.com/office/drawing/2014/main" id="{DCBA354C-534B-4DD1-9AB3-A53E1733EC13}"/>
+              </a:ext>
+            </a:extLst>
+          </p:cNvPr>
+          <p:cNvSpPr/>
+          <p:nvPr/>
+        </p:nvSpPr>
+        <p:spPr>
+          <a:xfrm>
+            <a:off x="8553089" y="2317496"/>
+            <a:ext cx="348008" cy="342604"/>
+          </a:xfrm>
+          <a:prstGeom prst="ellipse">
+            <a:avLst/>
+          </a:prstGeom>
+          <a:ln>
+            <a:solidFill>
+              <a:schemeClr val="tx1"/>
+            </a:solidFill>
+          </a:ln>
+        </p:spPr>
+        <p:style>
+          <a:lnRef idx="2">
+            <a:schemeClr val="accent6"/>
+          </a:lnRef>
+          <a:fillRef idx="1">
+            <a:schemeClr val="lt1"/>
+          </a:fillRef>
+          <a:effectRef idx="0">
+            <a:schemeClr val="accent6"/>
+          </a:effectRef>
+          <a:fontRef idx="minor">
+            <a:schemeClr val="dk1"/>
+          </a:fontRef>
+        </p:style>
+        <p:txBody>
+          <a:bodyPr rtlCol="0" anchor="ctr"/>
+          <a:lstStyle/>
+          <a:p>
+            <a:pPr algn="ctr"/>
+            <a:r>
+              <a:rPr lang="de-DE" dirty="0"/>
+              <a:t>3</a:t>
+            </a:r>
+            <a:endParaRPr lang="en-GB" dirty="0"/>
+          </a:p>
+        </p:txBody>
+      </p:sp>
+      <p:sp>
+        <p:nvSpPr>
+          <p:cNvPr id="60" name="Rechteck: abgerundete Ecken 59">
+            <a:extLst>
+              <a:ext uri="{FF2B5EF4-FFF2-40B4-BE49-F238E27FC236}">
+                <a16:creationId xmlns:a16="http://schemas.microsoft.com/office/drawing/2014/main" id="{B1D5748C-17EF-4EE7-A930-DE052CEEE48B}"/>
+              </a:ext>
+            </a:extLst>
+          </p:cNvPr>
+          <p:cNvSpPr/>
+          <p:nvPr/>
+        </p:nvSpPr>
+        <p:spPr>
+          <a:xfrm>
+            <a:off x="2477525" y="1950524"/>
+            <a:ext cx="1794125" cy="560513"/>
+          </a:xfrm>
+          <a:prstGeom prst="roundRect">
+            <a:avLst>
+              <a:gd name="adj" fmla="val 2329"/>
+            </a:avLst>
+          </a:prstGeom>
+          <a:ln>
+            <a:solidFill>
+              <a:schemeClr val="accent1">
+                <a:lumMod val="50000"/>
+              </a:schemeClr>
+            </a:solidFill>
+          </a:ln>
+        </p:spPr>
+        <p:style>
+          <a:lnRef idx="2">
+            <a:schemeClr val="accent6"/>
+          </a:lnRef>
+          <a:fillRef idx="1">
+            <a:schemeClr val="lt1"/>
+          </a:fillRef>
+          <a:effectRef idx="0">
+            <a:schemeClr val="accent6"/>
+          </a:effectRef>
+          <a:fontRef idx="minor">
+            <a:schemeClr val="dk1"/>
+          </a:fontRef>
+        </p:style>
+        <p:txBody>
+          <a:bodyPr rtlCol="0" anchor="ctr"/>
+          <a:lstStyle/>
+          <a:p>
+            <a:pPr algn="ctr"/>
+            <a:r>
+              <a:rPr lang="de-DE" dirty="0"/>
+              <a:t>Resolve Parameters</a:t>
+            </a:r>
+            <a:endParaRPr lang="en-GB" dirty="0"/>
+          </a:p>
+        </p:txBody>
+      </p:sp>
+      <p:sp>
+        <p:nvSpPr>
+          <p:cNvPr id="61" name="Ellipse 60">
+            <a:extLst>
+              <a:ext uri="{FF2B5EF4-FFF2-40B4-BE49-F238E27FC236}">
+                <a16:creationId xmlns:a16="http://schemas.microsoft.com/office/drawing/2014/main" id="{99B7C0C0-6C0B-4E22-99B1-C65D31BA0C37}"/>
+              </a:ext>
+            </a:extLst>
+          </p:cNvPr>
+          <p:cNvSpPr/>
+          <p:nvPr/>
+        </p:nvSpPr>
+        <p:spPr>
+          <a:xfrm>
+            <a:off x="2323715" y="2324541"/>
+            <a:ext cx="348008" cy="342604"/>
+          </a:xfrm>
+          <a:prstGeom prst="ellipse">
+            <a:avLst/>
+          </a:prstGeom>
+          <a:ln>
+            <a:solidFill>
+              <a:schemeClr val="tx1"/>
+            </a:solidFill>
+          </a:ln>
+        </p:spPr>
+        <p:style>
+          <a:lnRef idx="2">
+            <a:schemeClr val="accent6"/>
+          </a:lnRef>
+          <a:fillRef idx="1">
+            <a:schemeClr val="lt1"/>
+          </a:fillRef>
+          <a:effectRef idx="0">
+            <a:schemeClr val="accent6"/>
+          </a:effectRef>
+          <a:fontRef idx="minor">
+            <a:schemeClr val="dk1"/>
+          </a:fontRef>
+        </p:style>
+        <p:txBody>
+          <a:bodyPr rtlCol="0" anchor="ctr"/>
+          <a:lstStyle/>
+          <a:p>
+            <a:pPr algn="ctr"/>
+            <a:r>
+              <a:rPr lang="de-DE" dirty="0"/>
+              <a:t>0</a:t>
+            </a:r>
+            <a:endParaRPr lang="en-GB" dirty="0"/>
+          </a:p>
+        </p:txBody>
+      </p:sp>
+      <p:cxnSp>
+        <p:nvCxnSpPr>
+          <p:cNvPr id="32" name="Gerade Verbindung mit Pfeil 31">
+            <a:extLst>
+              <a:ext uri="{FF2B5EF4-FFF2-40B4-BE49-F238E27FC236}">
+                <a16:creationId xmlns:a16="http://schemas.microsoft.com/office/drawing/2014/main" id="{3D7374EB-B047-4655-B32A-5301DFA8A95A}"/>
+              </a:ext>
+            </a:extLst>
+          </p:cNvPr>
+          <p:cNvCxnSpPr>
+            <a:cxnSpLocks/>
+            <a:stCxn id="60" idx="3"/>
+            <a:endCxn id="52" idx="1"/>
+          </p:cNvCxnSpPr>
+          <p:nvPr/>
+        </p:nvCxnSpPr>
+        <p:spPr>
+          <a:xfrm>
+            <a:off x="4271650" y="2230781"/>
+            <a:ext cx="307620" cy="0"/>
+          </a:xfrm>
+          <a:prstGeom prst="straightConnector1">
+            <a:avLst/>
+          </a:prstGeom>
+          <a:ln>
+            <a:tailEnd type="triangle"/>
+          </a:ln>
+        </p:spPr>
+        <p:style>
+          <a:lnRef idx="1">
+            <a:schemeClr val="dk1"/>
+          </a:lnRef>
+          <a:fillRef idx="0">
+            <a:schemeClr val="dk1"/>
+          </a:fillRef>
+          <a:effectRef idx="0">
+            <a:schemeClr val="dk1"/>
+          </a:effectRef>
+          <a:fontRef idx="minor">
+            <a:schemeClr val="tx1"/>
+          </a:fontRef>
+        </p:style>
+      </p:cxnSp>
+      <p:cxnSp>
+        <p:nvCxnSpPr>
+          <p:cNvPr id="75" name="Gerade Verbindung mit Pfeil 74">
+            <a:extLst>
+              <a:ext uri="{FF2B5EF4-FFF2-40B4-BE49-F238E27FC236}">
+                <a16:creationId xmlns:a16="http://schemas.microsoft.com/office/drawing/2014/main" id="{F05B2EAD-59EC-467D-883B-C9D4E379D236}"/>
+              </a:ext>
+            </a:extLst>
+          </p:cNvPr>
+          <p:cNvCxnSpPr>
+            <a:cxnSpLocks/>
+            <a:stCxn id="52" idx="3"/>
+            <a:endCxn id="23" idx="1"/>
+          </p:cNvCxnSpPr>
+          <p:nvPr/>
+        </p:nvCxnSpPr>
+        <p:spPr>
+          <a:xfrm flipV="1">
+            <a:off x="6373395" y="2227299"/>
+            <a:ext cx="307620" cy="3482"/>
+          </a:xfrm>
+          <a:prstGeom prst="straightConnector1">
+            <a:avLst/>
+          </a:prstGeom>
+          <a:ln>
+            <a:tailEnd type="triangle"/>
+          </a:ln>
+        </p:spPr>
+        <p:style>
+          <a:lnRef idx="1">
+            <a:schemeClr val="dk1"/>
+          </a:lnRef>
+          <a:fillRef idx="0">
+            <a:schemeClr val="dk1"/>
+          </a:fillRef>
+          <a:effectRef idx="0">
+            <a:schemeClr val="dk1"/>
+          </a:effectRef>
+          <a:fontRef idx="minor">
+            <a:schemeClr val="tx1"/>
+          </a:fontRef>
+        </p:style>
+      </p:cxnSp>
+      <p:cxnSp>
+        <p:nvCxnSpPr>
+          <p:cNvPr id="79" name="Gerade Verbindung mit Pfeil 78">
+            <a:extLst>
+              <a:ext uri="{FF2B5EF4-FFF2-40B4-BE49-F238E27FC236}">
+                <a16:creationId xmlns:a16="http://schemas.microsoft.com/office/drawing/2014/main" id="{9E34A49E-19FD-4C3E-BE6F-EE3902B4A80F}"/>
+              </a:ext>
+            </a:extLst>
+          </p:cNvPr>
+          <p:cNvCxnSpPr>
+            <a:cxnSpLocks/>
+            <a:stCxn id="23" idx="3"/>
+            <a:endCxn id="55" idx="1"/>
+          </p:cNvCxnSpPr>
+          <p:nvPr/>
+        </p:nvCxnSpPr>
+        <p:spPr>
+          <a:xfrm>
+            <a:off x="8475140" y="2227299"/>
+            <a:ext cx="249285" cy="4348"/>
+          </a:xfrm>
+          <a:prstGeom prst="straightConnector1">
+            <a:avLst/>
+          </a:prstGeom>
+          <a:ln>
+            <a:tailEnd type="triangle"/>
+          </a:ln>
+        </p:spPr>
+        <p:style>
+          <a:lnRef idx="1">
+            <a:schemeClr val="dk1"/>
+          </a:lnRef>
+          <a:fillRef idx="0">
+            <a:schemeClr val="dk1"/>
+          </a:fillRef>
+          <a:effectRef idx="0">
+            <a:schemeClr val="dk1"/>
+          </a:effectRef>
+          <a:fontRef idx="minor">
+            <a:schemeClr val="tx1"/>
+          </a:fontRef>
+        </p:style>
+      </p:cxnSp>
+      <p:cxnSp>
+        <p:nvCxnSpPr>
+          <p:cNvPr id="81" name="Gerade Verbindung mit Pfeil 80">
+            <a:extLst>
+              <a:ext uri="{FF2B5EF4-FFF2-40B4-BE49-F238E27FC236}">
+                <a16:creationId xmlns:a16="http://schemas.microsoft.com/office/drawing/2014/main" id="{25DB826C-D243-4FD0-9C7D-837F4B76FB8E}"/>
+              </a:ext>
+            </a:extLst>
+          </p:cNvPr>
+          <p:cNvCxnSpPr>
+            <a:cxnSpLocks/>
+            <a:stCxn id="55" idx="3"/>
+            <a:endCxn id="111" idx="0"/>
+          </p:cNvCxnSpPr>
+          <p:nvPr/>
+        </p:nvCxnSpPr>
+        <p:spPr>
+          <a:xfrm flipV="1">
+            <a:off x="10518550" y="2227297"/>
+            <a:ext cx="658914" cy="4350"/>
+          </a:xfrm>
+          <a:prstGeom prst="straightConnector1">
+            <a:avLst/>
+          </a:prstGeom>
+          <a:ln>
+            <a:tailEnd type="triangle"/>
+          </a:ln>
+        </p:spPr>
+        <p:style>
+          <a:lnRef idx="1">
+            <a:schemeClr val="dk1"/>
+          </a:lnRef>
+          <a:fillRef idx="0">
+            <a:schemeClr val="dk1"/>
+          </a:fillRef>
+          <a:effectRef idx="0">
+            <a:schemeClr val="dk1"/>
+          </a:effectRef>
+          <a:fontRef idx="minor">
+            <a:schemeClr val="tx1"/>
+          </a:fontRef>
+        </p:style>
+      </p:cxnSp>
+      <p:cxnSp>
+        <p:nvCxnSpPr>
+          <p:cNvPr id="86" name="Gerade Verbindung mit Pfeil 85">
+            <a:extLst>
+              <a:ext uri="{FF2B5EF4-FFF2-40B4-BE49-F238E27FC236}">
+                <a16:creationId xmlns:a16="http://schemas.microsoft.com/office/drawing/2014/main" id="{1806A73F-F6B3-44CB-AE01-D96E99B08F9E}"/>
+              </a:ext>
+            </a:extLst>
+          </p:cNvPr>
+          <p:cNvCxnSpPr>
+            <a:cxnSpLocks/>
+            <a:stCxn id="108" idx="2"/>
+            <a:endCxn id="85" idx="1"/>
+          </p:cNvCxnSpPr>
+          <p:nvPr/>
+        </p:nvCxnSpPr>
+        <p:spPr>
+          <a:xfrm>
+            <a:off x="1871078" y="2186248"/>
+            <a:ext cx="357162" cy="2"/>
+          </a:xfrm>
+          <a:prstGeom prst="straightConnector1">
+            <a:avLst/>
+          </a:prstGeom>
+          <a:ln>
+            <a:tailEnd type="triangle"/>
+          </a:ln>
+        </p:spPr>
+        <p:style>
+          <a:lnRef idx="1">
+            <a:schemeClr val="dk1"/>
+          </a:lnRef>
+          <a:fillRef idx="0">
+            <a:schemeClr val="dk1"/>
+          </a:fillRef>
+          <a:effectRef idx="0">
+            <a:schemeClr val="dk1"/>
+          </a:effectRef>
+          <a:fontRef idx="minor">
+            <a:schemeClr val="tx1"/>
+          </a:fontRef>
+        </p:style>
+      </p:cxnSp>
+      <p:sp>
+        <p:nvSpPr>
+          <p:cNvPr id="108" name="Rechteck: abgerundete Ecken 107">
+            <a:extLst>
+              <a:ext uri="{FF2B5EF4-FFF2-40B4-BE49-F238E27FC236}">
+                <a16:creationId xmlns:a16="http://schemas.microsoft.com/office/drawing/2014/main" id="{C3233C5D-4319-4E4C-88E3-13E76C571F21}"/>
+              </a:ext>
+            </a:extLst>
+          </p:cNvPr>
+          <p:cNvSpPr/>
+          <p:nvPr/>
+        </p:nvSpPr>
+        <p:spPr>
+          <a:xfrm rot="16200000">
+            <a:off x="693759" y="1905992"/>
+            <a:ext cx="1794125" cy="560513"/>
+          </a:xfrm>
+          <a:prstGeom prst="roundRect">
+            <a:avLst>
+              <a:gd name="adj" fmla="val 2329"/>
+            </a:avLst>
+          </a:prstGeom>
+          <a:ln>
+            <a:solidFill>
+              <a:schemeClr val="accent1">
+                <a:lumMod val="50000"/>
+              </a:schemeClr>
+            </a:solidFill>
+          </a:ln>
+        </p:spPr>
+        <p:style>
+          <a:lnRef idx="2">
+            <a:schemeClr val="accent6"/>
+          </a:lnRef>
+          <a:fillRef idx="1">
+            <a:schemeClr val="lt1"/>
+          </a:fillRef>
+          <a:effectRef idx="0">
+            <a:schemeClr val="accent6"/>
+          </a:effectRef>
+          <a:fontRef idx="minor">
+            <a:schemeClr val="dk1"/>
+          </a:fontRef>
+        </p:style>
+        <p:txBody>
+          <a:bodyPr rtlCol="0" anchor="ctr"/>
+          <a:lstStyle/>
+          <a:p>
+            <a:pPr algn="ctr"/>
+            <a:r>
+              <a:rPr lang="en-US" dirty="0"/>
+              <a:t>Parametrised Program</a:t>
+            </a:r>
+          </a:p>
+        </p:txBody>
+      </p:sp>
+      <p:sp>
+        <p:nvSpPr>
+          <p:cNvPr id="111" name="Rechteck: abgerundete Ecken 110">
+            <a:extLst>
+              <a:ext uri="{FF2B5EF4-FFF2-40B4-BE49-F238E27FC236}">
+                <a16:creationId xmlns:a16="http://schemas.microsoft.com/office/drawing/2014/main" id="{43C5F58E-67E1-40CC-8159-714AE719CD83}"/>
+              </a:ext>
+            </a:extLst>
+          </p:cNvPr>
+          <p:cNvSpPr/>
+          <p:nvPr/>
+        </p:nvSpPr>
+        <p:spPr>
+          <a:xfrm rot="16200000">
+            <a:off x="10560658" y="1947041"/>
+            <a:ext cx="1794125" cy="560513"/>
+          </a:xfrm>
+          <a:prstGeom prst="roundRect">
+            <a:avLst>
+              <a:gd name="adj" fmla="val 2329"/>
+            </a:avLst>
+          </a:prstGeom>
+          <a:ln>
+            <a:solidFill>
+              <a:schemeClr val="accent1">
+                <a:lumMod val="50000"/>
+              </a:schemeClr>
+            </a:solidFill>
+          </a:ln>
+        </p:spPr>
+        <p:style>
+          <a:lnRef idx="2">
+            <a:schemeClr val="accent6"/>
+          </a:lnRef>
+          <a:fillRef idx="1">
+            <a:schemeClr val="lt1"/>
+          </a:fillRef>
+          <a:effectRef idx="0">
+            <a:schemeClr val="accent6"/>
+          </a:effectRef>
+          <a:fontRef idx="minor">
+            <a:schemeClr val="dk1"/>
+          </a:fontRef>
+        </p:style>
+        <p:txBody>
+          <a:bodyPr rtlCol="0" anchor="ctr"/>
+          <a:lstStyle/>
+          <a:p>
+            <a:pPr algn="ctr"/>
+            <a:r>
+              <a:rPr lang="en-US" dirty="0"/>
+              <a:t>Output Module</a:t>
+            </a:r>
+          </a:p>
+        </p:txBody>
+      </p:sp>
+    </p:spTree>
+    <p:extLst>
+      <p:ext uri="{BB962C8B-B14F-4D97-AF65-F5344CB8AC3E}">
+        <p14:creationId xmlns:p14="http://schemas.microsoft.com/office/powerpoint/2010/main" val="2620978415"/>
+      </p:ext>
+    </p:extLst>
+  </p:cSld>
+  <p:clrMapOvr>
+    <a:masterClrMapping/>
+  </p:clrMapOvr>
+</p:sld>
+</file>
+
+<file path=ppt/slides/slide4.xml><?xml version="1.0" encoding="utf-8"?>
+<p:sld xmlns:a="http://schemas.openxmlformats.org/drawingml/2006/main" xmlns:r="http://schemas.openxmlformats.org/officeDocument/2006/relationships" xmlns:p="http://schemas.openxmlformats.org/presentationml/2006/main">
+  <p:cSld>
+    <p:spTree>
+      <p:nvGrpSpPr>
+        <p:cNvPr id="1" name=""/>
+        <p:cNvGrpSpPr/>
+        <p:nvPr/>
+      </p:nvGrpSpPr>
+      <p:grpSpPr>
+        <a:xfrm>
+          <a:off x="0" y="0"/>
+          <a:ext cx="0" cy="0"/>
+          <a:chOff x="0" y="0"/>
+          <a:chExt cx="0" cy="0"/>
+        </a:xfrm>
+      </p:grpSpPr>
+      <p:sp>
+        <p:nvSpPr>
+          <p:cNvPr id="7" name="Textfeld 6">
+            <a:extLst>
+              <a:ext uri="{FF2B5EF4-FFF2-40B4-BE49-F238E27FC236}">
+                <a16:creationId xmlns:a16="http://schemas.microsoft.com/office/drawing/2014/main" id="{A306641F-035E-4DDB-8579-EE779BAEC635}"/>
+              </a:ext>
+            </a:extLst>
+          </p:cNvPr>
+          <p:cNvSpPr txBox="1"/>
+          <p:nvPr/>
+        </p:nvSpPr>
+        <p:spPr>
+          <a:xfrm>
+            <a:off x="2078770" y="742939"/>
+            <a:ext cx="1508491" cy="369332"/>
+          </a:xfrm>
+          <a:prstGeom prst="rect">
+            <a:avLst/>
+          </a:prstGeom>
+          <a:noFill/>
+        </p:spPr>
+        <p:txBody>
+          <a:bodyPr wrap="square" rtlCol="0">
+            <a:spAutoFit/>
+          </a:bodyPr>
+          <a:lstStyle/>
+          <a:p>
+            <a:r>
+              <a:rPr lang="de-DE" dirty="0"/>
+              <a:t>Core Routine</a:t>
+            </a:r>
+          </a:p>
+        </p:txBody>
+      </p:sp>
+      <p:sp>
+        <p:nvSpPr>
+          <p:cNvPr id="52" name="Rechteck: abgerundete Ecken 51">
+            <a:extLst>
+              <a:ext uri="{FF2B5EF4-FFF2-40B4-BE49-F238E27FC236}">
+                <a16:creationId xmlns:a16="http://schemas.microsoft.com/office/drawing/2014/main" id="{40647E40-59E7-4063-9205-5213B4AD7663}"/>
+              </a:ext>
+            </a:extLst>
+          </p:cNvPr>
+          <p:cNvSpPr/>
+          <p:nvPr/>
+        </p:nvSpPr>
+        <p:spPr>
+          <a:xfrm>
+            <a:off x="4471752" y="1947042"/>
+            <a:ext cx="1794125" cy="1498899"/>
+          </a:xfrm>
+          <a:prstGeom prst="roundRect">
+            <a:avLst>
+              <a:gd name="adj" fmla="val 2329"/>
+            </a:avLst>
+          </a:prstGeom>
+          <a:ln>
+            <a:solidFill>
+              <a:schemeClr val="accent1">
+                <a:lumMod val="50000"/>
+              </a:schemeClr>
+            </a:solidFill>
+          </a:ln>
+        </p:spPr>
+        <p:style>
+          <a:lnRef idx="2">
+            <a:schemeClr val="accent6"/>
+          </a:lnRef>
+          <a:fillRef idx="1">
+            <a:schemeClr val="lt1"/>
+          </a:fillRef>
+          <a:effectRef idx="0">
+            <a:schemeClr val="accent6"/>
+          </a:effectRef>
+          <a:fontRef idx="minor">
+            <a:schemeClr val="dk1"/>
+          </a:fontRef>
+        </p:style>
+        <p:txBody>
+          <a:bodyPr rtlCol="0" anchor="ctr"/>
+          <a:lstStyle/>
+          <a:p>
+            <a:pPr algn="ctr"/>
+            <a:r>
+              <a:rPr lang="en-US" dirty="0"/>
+              <a:t>Unity</a:t>
+            </a:r>
+          </a:p>
+        </p:txBody>
+      </p:sp>
+      <p:sp>
+        <p:nvSpPr>
+          <p:cNvPr id="60" name="Rechteck: abgerundete Ecken 59">
+            <a:extLst>
+              <a:ext uri="{FF2B5EF4-FFF2-40B4-BE49-F238E27FC236}">
+                <a16:creationId xmlns:a16="http://schemas.microsoft.com/office/drawing/2014/main" id="{B1D5748C-17EF-4EE7-A930-DE052CEEE48B}"/>
+              </a:ext>
+            </a:extLst>
+          </p:cNvPr>
+          <p:cNvSpPr/>
+          <p:nvPr/>
+        </p:nvSpPr>
+        <p:spPr>
+          <a:xfrm>
+            <a:off x="2951181" y="2110154"/>
+            <a:ext cx="1698650" cy="1081454"/>
+          </a:xfrm>
+          <a:prstGeom prst="roundRect">
+            <a:avLst>
+              <a:gd name="adj" fmla="val 2329"/>
+            </a:avLst>
+          </a:prstGeom>
+          <a:ln>
+            <a:solidFill>
+              <a:schemeClr val="accent1">
+                <a:lumMod val="50000"/>
+              </a:schemeClr>
+            </a:solidFill>
+          </a:ln>
+        </p:spPr>
+        <p:style>
+          <a:lnRef idx="2">
+            <a:schemeClr val="accent6"/>
+          </a:lnRef>
+          <a:fillRef idx="1">
+            <a:schemeClr val="lt1"/>
+          </a:fillRef>
+          <a:effectRef idx="0">
+            <a:schemeClr val="accent6"/>
+          </a:effectRef>
+          <a:fontRef idx="minor">
+            <a:schemeClr val="dk1"/>
+          </a:fontRef>
+        </p:style>
+        <p:txBody>
+          <a:bodyPr rtlCol="0" anchor="ctr"/>
+          <a:lstStyle/>
+          <a:p>
+            <a:pPr algn="ctr"/>
+            <a:r>
+              <a:rPr lang="en-GB" dirty="0"/>
+              <a:t>PARRHI library</a:t>
+            </a:r>
+          </a:p>
+        </p:txBody>
+      </p:sp>
+      <p:sp>
+        <p:nvSpPr>
+          <p:cNvPr id="22" name="Rechteck: abgerundete Ecken 21">
+            <a:extLst>
+              <a:ext uri="{FF2B5EF4-FFF2-40B4-BE49-F238E27FC236}">
+                <a16:creationId xmlns:a16="http://schemas.microsoft.com/office/drawing/2014/main" id="{43A8B37A-66EC-4104-A673-9BC0C7D9337B}"/>
+              </a:ext>
+            </a:extLst>
+          </p:cNvPr>
+          <p:cNvSpPr/>
+          <p:nvPr/>
+        </p:nvSpPr>
+        <p:spPr>
+          <a:xfrm>
+            <a:off x="6096000" y="2110154"/>
+            <a:ext cx="1794125" cy="1081454"/>
+          </a:xfrm>
+          <a:prstGeom prst="roundRect">
+            <a:avLst>
+              <a:gd name="adj" fmla="val 2329"/>
+            </a:avLst>
+          </a:prstGeom>
+          <a:ln>
+            <a:solidFill>
+              <a:schemeClr val="accent1">
+                <a:lumMod val="50000"/>
+              </a:schemeClr>
+            </a:solidFill>
+          </a:ln>
+        </p:spPr>
+        <p:style>
+          <a:lnRef idx="2">
+            <a:schemeClr val="accent6"/>
+          </a:lnRef>
+          <a:fillRef idx="1">
+            <a:schemeClr val="lt1"/>
+          </a:fillRef>
+          <a:effectRef idx="0">
+            <a:schemeClr val="accent6"/>
+          </a:effectRef>
+          <a:fontRef idx="minor">
+            <a:schemeClr val="dk1"/>
+          </a:fontRef>
+        </p:style>
+        <p:txBody>
+          <a:bodyPr rtlCol="0" anchor="ctr"/>
+          <a:lstStyle/>
+          <a:p>
+            <a:pPr algn="ctr"/>
+            <a:r>
+              <a:rPr lang="en-US" dirty="0"/>
+              <a:t>Robot Library</a:t>
+            </a:r>
+          </a:p>
+        </p:txBody>
+      </p:sp>
+    </p:spTree>
+    <p:extLst>
+      <p:ext uri="{BB962C8B-B14F-4D97-AF65-F5344CB8AC3E}">
+        <p14:creationId xmlns:p14="http://schemas.microsoft.com/office/powerpoint/2010/main" val="2101641887"/>
       </p:ext>
     </p:extLst>
   </p:cSld>

--- a/02_Thesis/PARRHI_Thesis/Figures/FigureMaker.pptx
+++ b/02_Thesis/PARRHI_Thesis/Figures/FigureMaker.pptx
@@ -9,6 +9,8 @@
     <p:sldId id="259" r:id="rId3"/>
     <p:sldId id="260" r:id="rId4"/>
     <p:sldId id="261" r:id="rId5"/>
+    <p:sldId id="256" r:id="rId6"/>
+    <p:sldId id="262" r:id="rId7"/>
   </p:sldIdLst>
   <p:sldSz cx="12192000" cy="6858000"/>
   <p:notesSz cx="6858000" cy="9144000"/>
@@ -264,7 +266,7 @@
           <a:p>
             <a:fld id="{7CBA829E-0E5E-45A4-B6EB-8046F7F33EA6}" type="datetimeFigureOut">
               <a:rPr lang="en-GB" smtClean="0"/>
-              <a:t>15/05/2019</a:t>
+              <a:t>19/05/2019</a:t>
             </a:fld>
             <a:endParaRPr lang="en-GB"/>
           </a:p>
@@ -464,7 +466,7 @@
           <a:p>
             <a:fld id="{7CBA829E-0E5E-45A4-B6EB-8046F7F33EA6}" type="datetimeFigureOut">
               <a:rPr lang="en-GB" smtClean="0"/>
-              <a:t>15/05/2019</a:t>
+              <a:t>19/05/2019</a:t>
             </a:fld>
             <a:endParaRPr lang="en-GB"/>
           </a:p>
@@ -674,7 +676,7 @@
           <a:p>
             <a:fld id="{7CBA829E-0E5E-45A4-B6EB-8046F7F33EA6}" type="datetimeFigureOut">
               <a:rPr lang="en-GB" smtClean="0"/>
-              <a:t>15/05/2019</a:t>
+              <a:t>19/05/2019</a:t>
             </a:fld>
             <a:endParaRPr lang="en-GB"/>
           </a:p>
@@ -874,7 +876,7 @@
           <a:p>
             <a:fld id="{7CBA829E-0E5E-45A4-B6EB-8046F7F33EA6}" type="datetimeFigureOut">
               <a:rPr lang="en-GB" smtClean="0"/>
-              <a:t>15/05/2019</a:t>
+              <a:t>19/05/2019</a:t>
             </a:fld>
             <a:endParaRPr lang="en-GB"/>
           </a:p>
@@ -1150,7 +1152,7 @@
           <a:p>
             <a:fld id="{7CBA829E-0E5E-45A4-B6EB-8046F7F33EA6}" type="datetimeFigureOut">
               <a:rPr lang="en-GB" smtClean="0"/>
-              <a:t>15/05/2019</a:t>
+              <a:t>19/05/2019</a:t>
             </a:fld>
             <a:endParaRPr lang="en-GB"/>
           </a:p>
@@ -1418,7 +1420,7 @@
           <a:p>
             <a:fld id="{7CBA829E-0E5E-45A4-B6EB-8046F7F33EA6}" type="datetimeFigureOut">
               <a:rPr lang="en-GB" smtClean="0"/>
-              <a:t>15/05/2019</a:t>
+              <a:t>19/05/2019</a:t>
             </a:fld>
             <a:endParaRPr lang="en-GB"/>
           </a:p>
@@ -1833,7 +1835,7 @@
           <a:p>
             <a:fld id="{7CBA829E-0E5E-45A4-B6EB-8046F7F33EA6}" type="datetimeFigureOut">
               <a:rPr lang="en-GB" smtClean="0"/>
-              <a:t>15/05/2019</a:t>
+              <a:t>19/05/2019</a:t>
             </a:fld>
             <a:endParaRPr lang="en-GB"/>
           </a:p>
@@ -1975,7 +1977,7 @@
           <a:p>
             <a:fld id="{7CBA829E-0E5E-45A4-B6EB-8046F7F33EA6}" type="datetimeFigureOut">
               <a:rPr lang="en-GB" smtClean="0"/>
-              <a:t>15/05/2019</a:t>
+              <a:t>19/05/2019</a:t>
             </a:fld>
             <a:endParaRPr lang="en-GB"/>
           </a:p>
@@ -2088,7 +2090,7 @@
           <a:p>
             <a:fld id="{7CBA829E-0E5E-45A4-B6EB-8046F7F33EA6}" type="datetimeFigureOut">
               <a:rPr lang="en-GB" smtClean="0"/>
-              <a:t>15/05/2019</a:t>
+              <a:t>19/05/2019</a:t>
             </a:fld>
             <a:endParaRPr lang="en-GB"/>
           </a:p>
@@ -2401,7 +2403,7 @@
           <a:p>
             <a:fld id="{7CBA829E-0E5E-45A4-B6EB-8046F7F33EA6}" type="datetimeFigureOut">
               <a:rPr lang="en-GB" smtClean="0"/>
-              <a:t>15/05/2019</a:t>
+              <a:t>19/05/2019</a:t>
             </a:fld>
             <a:endParaRPr lang="en-GB"/>
           </a:p>
@@ -2690,7 +2692,7 @@
           <a:p>
             <a:fld id="{7CBA829E-0E5E-45A4-B6EB-8046F7F33EA6}" type="datetimeFigureOut">
               <a:rPr lang="en-GB" smtClean="0"/>
-              <a:t>15/05/2019</a:t>
+              <a:t>19/05/2019</a:t>
             </a:fld>
             <a:endParaRPr lang="en-GB"/>
           </a:p>
@@ -2933,7 +2935,7 @@
           <a:p>
             <a:fld id="{7CBA829E-0E5E-45A4-B6EB-8046F7F33EA6}" type="datetimeFigureOut">
               <a:rPr lang="en-GB" smtClean="0"/>
-              <a:t>15/05/2019</a:t>
+              <a:t>19/05/2019</a:t>
             </a:fld>
             <a:endParaRPr lang="en-GB"/>
           </a:p>
@@ -8367,6 +8369,4605 @@
 </p:sld>
 </file>
 
+<file path=ppt/slides/slide5.xml><?xml version="1.0" encoding="utf-8"?>
+<p:sld xmlns:a="http://schemas.openxmlformats.org/drawingml/2006/main" xmlns:r="http://schemas.openxmlformats.org/officeDocument/2006/relationships" xmlns:p="http://schemas.openxmlformats.org/presentationml/2006/main">
+  <p:cSld>
+    <p:spTree>
+      <p:nvGrpSpPr>
+        <p:cNvPr id="1" name=""/>
+        <p:cNvGrpSpPr/>
+        <p:nvPr/>
+      </p:nvGrpSpPr>
+      <p:grpSpPr>
+        <a:xfrm>
+          <a:off x="0" y="0"/>
+          <a:ext cx="0" cy="0"/>
+          <a:chOff x="0" y="0"/>
+          <a:chExt cx="0" cy="0"/>
+        </a:xfrm>
+      </p:grpSpPr>
+      <p:pic>
+        <p:nvPicPr>
+          <p:cNvPr id="1028" name="Picture 4" descr="Bildergebnis für Fanuc Cr7 png">
+            <a:extLst>
+              <a:ext uri="{FF2B5EF4-FFF2-40B4-BE49-F238E27FC236}">
+                <a16:creationId xmlns:a16="http://schemas.microsoft.com/office/drawing/2014/main" id="{A147EEB0-A4B0-42FA-8F16-3AFB94CCD190}"/>
+              </a:ext>
+            </a:extLst>
+          </p:cNvPr>
+          <p:cNvPicPr>
+            <a:picLocks noChangeAspect="1" noChangeArrowheads="1"/>
+          </p:cNvPicPr>
+          <p:nvPr/>
+        </p:nvPicPr>
+        <p:blipFill>
+          <a:blip r:embed="rId2">
+            <a:extLst>
+              <a:ext uri="{28A0092B-C50C-407E-A947-70E740481C1C}">
+                <a14:useLocalDpi xmlns:a14="http://schemas.microsoft.com/office/drawing/2010/main" val="0"/>
+              </a:ext>
+            </a:extLst>
+          </a:blip>
+          <a:srcRect/>
+          <a:stretch>
+            <a:fillRect/>
+          </a:stretch>
+        </p:blipFill>
+        <p:spPr bwMode="auto">
+          <a:xfrm>
+            <a:off x="6255186" y="1965936"/>
+            <a:ext cx="1573644" cy="2364765"/>
+          </a:xfrm>
+          <a:prstGeom prst="rect">
+            <a:avLst/>
+          </a:prstGeom>
+          <a:noFill/>
+          <a:extLst>
+            <a:ext uri="{909E8E84-426E-40DD-AFC4-6F175D3DCCD1}">
+              <a14:hiddenFill xmlns:a14="http://schemas.microsoft.com/office/drawing/2010/main">
+                <a:solidFill>
+                  <a:srgbClr val="FFFFFF"/>
+                </a:solidFill>
+              </a14:hiddenFill>
+            </a:ext>
+          </a:extLst>
+        </p:spPr>
+      </p:pic>
+      <p:pic>
+        <p:nvPicPr>
+          <p:cNvPr id="5" name="Grafik 4" descr="Laptop">
+            <a:extLst>
+              <a:ext uri="{FF2B5EF4-FFF2-40B4-BE49-F238E27FC236}">
+                <a16:creationId xmlns:a16="http://schemas.microsoft.com/office/drawing/2014/main" id="{C5CE36FC-4258-4DE6-AAE4-898DDD6109B9}"/>
+              </a:ext>
+            </a:extLst>
+          </p:cNvPr>
+          <p:cNvPicPr>
+            <a:picLocks noChangeAspect="1"/>
+          </p:cNvPicPr>
+          <p:nvPr/>
+        </p:nvPicPr>
+        <p:blipFill>
+          <a:blip r:embed="rId3">
+            <a:extLst>
+              <a:ext uri="{28A0092B-C50C-407E-A947-70E740481C1C}">
+                <a14:useLocalDpi xmlns:a14="http://schemas.microsoft.com/office/drawing/2010/main" val="0"/>
+              </a:ext>
+              <a:ext uri="{96DAC541-7B7A-43D3-8B79-37D633B846F1}">
+                <asvg:svgBlip xmlns:asvg="http://schemas.microsoft.com/office/drawing/2016/SVG/main" r:embed="rId4"/>
+              </a:ext>
+            </a:extLst>
+          </a:blip>
+          <a:stretch>
+            <a:fillRect/>
+          </a:stretch>
+        </p:blipFill>
+        <p:spPr>
+          <a:xfrm>
+            <a:off x="213840" y="1487295"/>
+            <a:ext cx="1131278" cy="1131278"/>
+          </a:xfrm>
+          <a:prstGeom prst="rect">
+            <a:avLst/>
+          </a:prstGeom>
+        </p:spPr>
+      </p:pic>
+      <p:pic>
+        <p:nvPicPr>
+          <p:cNvPr id="7" name="Grafik 6" descr="Drahtlosrouter">
+            <a:extLst>
+              <a:ext uri="{FF2B5EF4-FFF2-40B4-BE49-F238E27FC236}">
+                <a16:creationId xmlns:a16="http://schemas.microsoft.com/office/drawing/2014/main" id="{CA45C0BE-4BD8-42A8-955D-EB745CA787CC}"/>
+              </a:ext>
+            </a:extLst>
+          </p:cNvPr>
+          <p:cNvPicPr>
+            <a:picLocks noChangeAspect="1"/>
+          </p:cNvPicPr>
+          <p:nvPr/>
+        </p:nvPicPr>
+        <p:blipFill>
+          <a:blip r:embed="rId5">
+            <a:extLst>
+              <a:ext uri="{28A0092B-C50C-407E-A947-70E740481C1C}">
+                <a14:useLocalDpi xmlns:a14="http://schemas.microsoft.com/office/drawing/2010/main" val="0"/>
+              </a:ext>
+              <a:ext uri="{96DAC541-7B7A-43D3-8B79-37D633B846F1}">
+                <asvg:svgBlip xmlns:asvg="http://schemas.microsoft.com/office/drawing/2016/SVG/main" r:embed="rId6"/>
+              </a:ext>
+            </a:extLst>
+          </a:blip>
+          <a:stretch>
+            <a:fillRect/>
+          </a:stretch>
+        </p:blipFill>
+        <p:spPr>
+          <a:xfrm>
+            <a:off x="8038569" y="836022"/>
+            <a:ext cx="914400" cy="914400"/>
+          </a:xfrm>
+          <a:prstGeom prst="rect">
+            <a:avLst/>
+          </a:prstGeom>
+        </p:spPr>
+      </p:pic>
+      <p:pic>
+        <p:nvPicPr>
+          <p:cNvPr id="9" name="Grafik 8" descr="Virtual Reality-Headset">
+            <a:extLst>
+              <a:ext uri="{FF2B5EF4-FFF2-40B4-BE49-F238E27FC236}">
+                <a16:creationId xmlns:a16="http://schemas.microsoft.com/office/drawing/2014/main" id="{00EBBF41-AF0F-494D-9A2E-CB01B36ACF8B}"/>
+              </a:ext>
+            </a:extLst>
+          </p:cNvPr>
+          <p:cNvPicPr>
+            <a:picLocks noChangeAspect="1"/>
+          </p:cNvPicPr>
+          <p:nvPr/>
+        </p:nvPicPr>
+        <p:blipFill>
+          <a:blip r:embed="rId7">
+            <a:extLst>
+              <a:ext uri="{28A0092B-C50C-407E-A947-70E740481C1C}">
+                <a14:useLocalDpi xmlns:a14="http://schemas.microsoft.com/office/drawing/2010/main" val="0"/>
+              </a:ext>
+              <a:ext uri="{96DAC541-7B7A-43D3-8B79-37D633B846F1}">
+                <asvg:svgBlip xmlns:asvg="http://schemas.microsoft.com/office/drawing/2016/SVG/main" r:embed="rId8"/>
+              </a:ext>
+            </a:extLst>
+          </a:blip>
+          <a:stretch>
+            <a:fillRect/>
+          </a:stretch>
+        </p:blipFill>
+        <p:spPr>
+          <a:xfrm>
+            <a:off x="1909762" y="1612048"/>
+            <a:ext cx="914400" cy="914400"/>
+          </a:xfrm>
+          <a:prstGeom prst="rect">
+            <a:avLst/>
+          </a:prstGeom>
+        </p:spPr>
+      </p:pic>
+      <p:cxnSp>
+        <p:nvCxnSpPr>
+          <p:cNvPr id="13" name="Gerader Verbinder 12">
+            <a:extLst>
+              <a:ext uri="{FF2B5EF4-FFF2-40B4-BE49-F238E27FC236}">
+                <a16:creationId xmlns:a16="http://schemas.microsoft.com/office/drawing/2014/main" id="{B7EE2B9A-719E-4A8C-8EE6-2DA312B97FF7}"/>
+              </a:ext>
+            </a:extLst>
+          </p:cNvPr>
+          <p:cNvCxnSpPr>
+            <a:cxnSpLocks/>
+          </p:cNvCxnSpPr>
+          <p:nvPr/>
+        </p:nvCxnSpPr>
+        <p:spPr>
+          <a:xfrm flipV="1">
+            <a:off x="10395389" y="1525711"/>
+            <a:ext cx="0" cy="4160941"/>
+          </a:xfrm>
+          <a:prstGeom prst="line">
+            <a:avLst/>
+          </a:prstGeom>
+        </p:spPr>
+        <p:style>
+          <a:lnRef idx="1">
+            <a:schemeClr val="dk1"/>
+          </a:lnRef>
+          <a:fillRef idx="0">
+            <a:schemeClr val="dk1"/>
+          </a:fillRef>
+          <a:effectRef idx="0">
+            <a:schemeClr val="dk1"/>
+          </a:effectRef>
+          <a:fontRef idx="minor">
+            <a:schemeClr val="tx1"/>
+          </a:fontRef>
+        </p:style>
+      </p:cxnSp>
+      <p:cxnSp>
+        <p:nvCxnSpPr>
+          <p:cNvPr id="17" name="Gerader Verbinder 16">
+            <a:extLst>
+              <a:ext uri="{FF2B5EF4-FFF2-40B4-BE49-F238E27FC236}">
+                <a16:creationId xmlns:a16="http://schemas.microsoft.com/office/drawing/2014/main" id="{216282E4-33D0-4A42-AC15-9E87561CFE37}"/>
+              </a:ext>
+            </a:extLst>
+          </p:cNvPr>
+          <p:cNvCxnSpPr>
+            <a:cxnSpLocks/>
+          </p:cNvCxnSpPr>
+          <p:nvPr/>
+        </p:nvCxnSpPr>
+        <p:spPr>
+          <a:xfrm flipH="1" flipV="1">
+            <a:off x="8801101" y="1515208"/>
+            <a:ext cx="1594288" cy="10502"/>
+          </a:xfrm>
+          <a:prstGeom prst="line">
+            <a:avLst/>
+          </a:prstGeom>
+        </p:spPr>
+        <p:style>
+          <a:lnRef idx="1">
+            <a:schemeClr val="dk1"/>
+          </a:lnRef>
+          <a:fillRef idx="0">
+            <a:schemeClr val="dk1"/>
+          </a:fillRef>
+          <a:effectRef idx="0">
+            <a:schemeClr val="dk1"/>
+          </a:effectRef>
+          <a:fontRef idx="minor">
+            <a:schemeClr val="tx1"/>
+          </a:fontRef>
+        </p:style>
+      </p:cxnSp>
+      <p:sp>
+        <p:nvSpPr>
+          <p:cNvPr id="15" name="Textfeld 14">
+            <a:extLst>
+              <a:ext uri="{FF2B5EF4-FFF2-40B4-BE49-F238E27FC236}">
+                <a16:creationId xmlns:a16="http://schemas.microsoft.com/office/drawing/2014/main" id="{A72B7879-7ED3-4787-AAFF-2B18102C1D68}"/>
+              </a:ext>
+            </a:extLst>
+          </p:cNvPr>
+          <p:cNvSpPr txBox="1"/>
+          <p:nvPr/>
+        </p:nvSpPr>
+        <p:spPr>
+          <a:xfrm rot="5400000">
+            <a:off x="9436890" y="2093285"/>
+            <a:ext cx="1578574" cy="369332"/>
+          </a:xfrm>
+          <a:prstGeom prst="rect">
+            <a:avLst/>
+          </a:prstGeom>
+          <a:noFill/>
+        </p:spPr>
+        <p:txBody>
+          <a:bodyPr wrap="none" rtlCol="0">
+            <a:spAutoFit/>
+          </a:bodyPr>
+          <a:lstStyle/>
+          <a:p>
+            <a:r>
+              <a:rPr lang="en-US"/>
+              <a:t>Ethernet Cable</a:t>
+            </a:r>
+          </a:p>
+        </p:txBody>
+      </p:sp>
+      <p:sp>
+        <p:nvSpPr>
+          <p:cNvPr id="18" name="Textfeld 17">
+            <a:extLst>
+              <a:ext uri="{FF2B5EF4-FFF2-40B4-BE49-F238E27FC236}">
+                <a16:creationId xmlns:a16="http://schemas.microsoft.com/office/drawing/2014/main" id="{BD13A424-6498-445B-B61A-C1D3A59EC0E7}"/>
+              </a:ext>
+            </a:extLst>
+          </p:cNvPr>
+          <p:cNvSpPr txBox="1"/>
+          <p:nvPr/>
+        </p:nvSpPr>
+        <p:spPr>
+          <a:xfrm>
+            <a:off x="6667526" y="466690"/>
+            <a:ext cx="3906454" cy="369332"/>
+          </a:xfrm>
+          <a:prstGeom prst="rect">
+            <a:avLst/>
+          </a:prstGeom>
+          <a:noFill/>
+        </p:spPr>
+        <p:txBody>
+          <a:bodyPr wrap="none" rtlCol="0">
+            <a:spAutoFit/>
+          </a:bodyPr>
+          <a:lstStyle/>
+          <a:p>
+            <a:r>
+              <a:rPr lang="en-US"/>
+              <a:t>Local Wireless Network – „FanucRobot“</a:t>
+            </a:r>
+          </a:p>
+        </p:txBody>
+      </p:sp>
+      <p:pic>
+        <p:nvPicPr>
+          <p:cNvPr id="1030" name="Picture 6" descr="Bildergebnis für fanuc r30ib png">
+            <a:extLst>
+              <a:ext uri="{FF2B5EF4-FFF2-40B4-BE49-F238E27FC236}">
+                <a16:creationId xmlns:a16="http://schemas.microsoft.com/office/drawing/2014/main" id="{FD4417AC-D1D9-47ED-B29A-08845CF4A06C}"/>
+              </a:ext>
+            </a:extLst>
+          </p:cNvPr>
+          <p:cNvPicPr>
+            <a:picLocks noChangeAspect="1" noChangeArrowheads="1"/>
+          </p:cNvPicPr>
+          <p:nvPr/>
+        </p:nvPicPr>
+        <p:blipFill>
+          <a:blip r:embed="rId9">
+            <a:extLst>
+              <a:ext uri="{28A0092B-C50C-407E-A947-70E740481C1C}">
+                <a14:useLocalDpi xmlns:a14="http://schemas.microsoft.com/office/drawing/2010/main" val="0"/>
+              </a:ext>
+            </a:extLst>
+          </a:blip>
+          <a:srcRect/>
+          <a:stretch>
+            <a:fillRect/>
+          </a:stretch>
+        </p:blipFill>
+        <p:spPr bwMode="auto">
+          <a:xfrm>
+            <a:off x="8338612" y="3338985"/>
+            <a:ext cx="1906278" cy="1048453"/>
+          </a:xfrm>
+          <a:prstGeom prst="rect">
+            <a:avLst/>
+          </a:prstGeom>
+          <a:noFill/>
+          <a:extLst>
+            <a:ext uri="{909E8E84-426E-40DD-AFC4-6F175D3DCCD1}">
+              <a14:hiddenFill xmlns:a14="http://schemas.microsoft.com/office/drawing/2010/main">
+                <a:solidFill>
+                  <a:srgbClr val="FFFFFF"/>
+                </a:solidFill>
+              </a14:hiddenFill>
+            </a:ext>
+          </a:extLst>
+        </p:spPr>
+      </p:pic>
+      <p:sp>
+        <p:nvSpPr>
+          <p:cNvPr id="1024" name="Rechteck 1023">
+            <a:extLst>
+              <a:ext uri="{FF2B5EF4-FFF2-40B4-BE49-F238E27FC236}">
+                <a16:creationId xmlns:a16="http://schemas.microsoft.com/office/drawing/2014/main" id="{7C351370-F2EE-4666-9FD9-77908AB286FA}"/>
+              </a:ext>
+            </a:extLst>
+          </p:cNvPr>
+          <p:cNvSpPr/>
+          <p:nvPr/>
+        </p:nvSpPr>
+        <p:spPr>
+          <a:xfrm>
+            <a:off x="8874304" y="4707713"/>
+            <a:ext cx="1181200" cy="482768"/>
+          </a:xfrm>
+          <a:prstGeom prst="rect">
+            <a:avLst/>
+          </a:prstGeom>
+          <a:noFill/>
+          <a:ln>
+            <a:solidFill>
+              <a:schemeClr val="tx1"/>
+            </a:solidFill>
+          </a:ln>
+        </p:spPr>
+        <p:style>
+          <a:lnRef idx="2">
+            <a:schemeClr val="accent1">
+              <a:shade val="50000"/>
+            </a:schemeClr>
+          </a:lnRef>
+          <a:fillRef idx="1">
+            <a:schemeClr val="accent1"/>
+          </a:fillRef>
+          <a:effectRef idx="0">
+            <a:schemeClr val="accent1"/>
+          </a:effectRef>
+          <a:fontRef idx="minor">
+            <a:schemeClr val="lt1"/>
+          </a:fontRef>
+        </p:style>
+        <p:txBody>
+          <a:bodyPr rtlCol="0" anchor="ctr"/>
+          <a:lstStyle/>
+          <a:p>
+            <a:pPr algn="ctr"/>
+            <a:r>
+              <a:rPr lang="en-US" sz="1200">
+                <a:solidFill>
+                  <a:schemeClr val="tx1"/>
+                </a:solidFill>
+              </a:rPr>
+              <a:t>FTP Server</a:t>
+            </a:r>
+          </a:p>
+        </p:txBody>
+      </p:sp>
+      <p:sp>
+        <p:nvSpPr>
+          <p:cNvPr id="36" name="Rechteck 35">
+            <a:extLst>
+              <a:ext uri="{FF2B5EF4-FFF2-40B4-BE49-F238E27FC236}">
+                <a16:creationId xmlns:a16="http://schemas.microsoft.com/office/drawing/2014/main" id="{B06CC9AB-D196-4334-920A-2E142FD034F8}"/>
+              </a:ext>
+            </a:extLst>
+          </p:cNvPr>
+          <p:cNvSpPr/>
+          <p:nvPr/>
+        </p:nvSpPr>
+        <p:spPr>
+          <a:xfrm>
+            <a:off x="8874305" y="5269289"/>
+            <a:ext cx="1181200" cy="611818"/>
+          </a:xfrm>
+          <a:prstGeom prst="rect">
+            <a:avLst/>
+          </a:prstGeom>
+          <a:noFill/>
+          <a:ln>
+            <a:solidFill>
+              <a:schemeClr val="tx1"/>
+            </a:solidFill>
+          </a:ln>
+        </p:spPr>
+        <p:style>
+          <a:lnRef idx="2">
+            <a:schemeClr val="accent1">
+              <a:shade val="50000"/>
+            </a:schemeClr>
+          </a:lnRef>
+          <a:fillRef idx="1">
+            <a:schemeClr val="accent1"/>
+          </a:fillRef>
+          <a:effectRef idx="0">
+            <a:schemeClr val="accent1"/>
+          </a:effectRef>
+          <a:fontRef idx="minor">
+            <a:schemeClr val="lt1"/>
+          </a:fontRef>
+        </p:style>
+        <p:txBody>
+          <a:bodyPr rtlCol="0" anchor="ctr"/>
+          <a:lstStyle/>
+          <a:p>
+            <a:pPr algn="ctr"/>
+            <a:r>
+              <a:rPr lang="en-US" sz="1200">
+                <a:solidFill>
+                  <a:schemeClr val="tx1"/>
+                </a:solidFill>
+              </a:rPr>
+              <a:t>Network Socket</a:t>
+            </a:r>
+          </a:p>
+          <a:p>
+            <a:pPr algn="ctr"/>
+            <a:r>
+              <a:rPr lang="en-US" sz="1200">
+                <a:solidFill>
+                  <a:schemeClr val="tx1"/>
+                </a:solidFill>
+              </a:rPr>
+              <a:t>Host</a:t>
+            </a:r>
+          </a:p>
+        </p:txBody>
+      </p:sp>
+      <p:cxnSp>
+        <p:nvCxnSpPr>
+          <p:cNvPr id="39" name="Gerader Verbinder 38">
+            <a:extLst>
+              <a:ext uri="{FF2B5EF4-FFF2-40B4-BE49-F238E27FC236}">
+                <a16:creationId xmlns:a16="http://schemas.microsoft.com/office/drawing/2014/main" id="{A3D057B2-EE7F-4A6A-993A-7CA56E41691F}"/>
+              </a:ext>
+            </a:extLst>
+          </p:cNvPr>
+          <p:cNvCxnSpPr>
+            <a:cxnSpLocks/>
+          </p:cNvCxnSpPr>
+          <p:nvPr/>
+        </p:nvCxnSpPr>
+        <p:spPr>
+          <a:xfrm>
+            <a:off x="10064162" y="5064619"/>
+            <a:ext cx="331227" cy="0"/>
+          </a:xfrm>
+          <a:prstGeom prst="line">
+            <a:avLst/>
+          </a:prstGeom>
+        </p:spPr>
+        <p:style>
+          <a:lnRef idx="1">
+            <a:schemeClr val="dk1"/>
+          </a:lnRef>
+          <a:fillRef idx="0">
+            <a:schemeClr val="dk1"/>
+          </a:fillRef>
+          <a:effectRef idx="0">
+            <a:schemeClr val="dk1"/>
+          </a:effectRef>
+          <a:fontRef idx="minor">
+            <a:schemeClr val="tx1"/>
+          </a:fontRef>
+        </p:style>
+      </p:cxnSp>
+      <p:cxnSp>
+        <p:nvCxnSpPr>
+          <p:cNvPr id="41" name="Gerader Verbinder 40">
+            <a:extLst>
+              <a:ext uri="{FF2B5EF4-FFF2-40B4-BE49-F238E27FC236}">
+                <a16:creationId xmlns:a16="http://schemas.microsoft.com/office/drawing/2014/main" id="{693BF60D-7F45-4391-B905-A3926BA2A632}"/>
+              </a:ext>
+            </a:extLst>
+          </p:cNvPr>
+          <p:cNvCxnSpPr>
+            <a:cxnSpLocks/>
+          </p:cNvCxnSpPr>
+          <p:nvPr/>
+        </p:nvCxnSpPr>
+        <p:spPr>
+          <a:xfrm>
+            <a:off x="10055503" y="5686652"/>
+            <a:ext cx="341349" cy="2747"/>
+          </a:xfrm>
+          <a:prstGeom prst="line">
+            <a:avLst/>
+          </a:prstGeom>
+        </p:spPr>
+        <p:style>
+          <a:lnRef idx="1">
+            <a:schemeClr val="dk1"/>
+          </a:lnRef>
+          <a:fillRef idx="0">
+            <a:schemeClr val="dk1"/>
+          </a:fillRef>
+          <a:effectRef idx="0">
+            <a:schemeClr val="dk1"/>
+          </a:effectRef>
+          <a:fontRef idx="minor">
+            <a:schemeClr val="tx1"/>
+          </a:fontRef>
+        </p:style>
+      </p:cxnSp>
+      <p:sp>
+        <p:nvSpPr>
+          <p:cNvPr id="43" name="Rechteck 42">
+            <a:extLst>
+              <a:ext uri="{FF2B5EF4-FFF2-40B4-BE49-F238E27FC236}">
+                <a16:creationId xmlns:a16="http://schemas.microsoft.com/office/drawing/2014/main" id="{524E3823-2887-4C87-AA92-B082347ED4CF}"/>
+              </a:ext>
+            </a:extLst>
+          </p:cNvPr>
+          <p:cNvSpPr/>
+          <p:nvPr/>
+        </p:nvSpPr>
+        <p:spPr>
+          <a:xfrm>
+            <a:off x="2047532" y="3027323"/>
+            <a:ext cx="1022875" cy="495688"/>
+          </a:xfrm>
+          <a:prstGeom prst="rect">
+            <a:avLst/>
+          </a:prstGeom>
+          <a:noFill/>
+          <a:ln>
+            <a:solidFill>
+              <a:schemeClr val="tx1"/>
+            </a:solidFill>
+          </a:ln>
+        </p:spPr>
+        <p:style>
+          <a:lnRef idx="2">
+            <a:schemeClr val="accent1">
+              <a:shade val="50000"/>
+            </a:schemeClr>
+          </a:lnRef>
+          <a:fillRef idx="1">
+            <a:schemeClr val="accent1"/>
+          </a:fillRef>
+          <a:effectRef idx="0">
+            <a:schemeClr val="accent1"/>
+          </a:effectRef>
+          <a:fontRef idx="minor">
+            <a:schemeClr val="lt1"/>
+          </a:fontRef>
+        </p:style>
+        <p:txBody>
+          <a:bodyPr rtlCol="0" anchor="ctr"/>
+          <a:lstStyle/>
+          <a:p>
+            <a:pPr algn="ctr"/>
+            <a:r>
+              <a:rPr lang="en-US" sz="1200">
+                <a:solidFill>
+                  <a:schemeClr val="tx1"/>
+                </a:solidFill>
+              </a:rPr>
+              <a:t>Network Socket</a:t>
+            </a:r>
+          </a:p>
+          <a:p>
+            <a:pPr algn="ctr"/>
+            <a:r>
+              <a:rPr lang="en-US" sz="1200">
+                <a:solidFill>
+                  <a:schemeClr val="tx1"/>
+                </a:solidFill>
+              </a:rPr>
+              <a:t>Client</a:t>
+            </a:r>
+          </a:p>
+        </p:txBody>
+      </p:sp>
+      <p:cxnSp>
+        <p:nvCxnSpPr>
+          <p:cNvPr id="47" name="Gerader Verbinder 46">
+            <a:extLst>
+              <a:ext uri="{FF2B5EF4-FFF2-40B4-BE49-F238E27FC236}">
+                <a16:creationId xmlns:a16="http://schemas.microsoft.com/office/drawing/2014/main" id="{19E760D2-4302-4763-8B72-22395F1F4984}"/>
+              </a:ext>
+            </a:extLst>
+          </p:cNvPr>
+          <p:cNvCxnSpPr>
+            <a:cxnSpLocks/>
+            <a:stCxn id="43" idx="1"/>
+          </p:cNvCxnSpPr>
+          <p:nvPr/>
+        </p:nvCxnSpPr>
+        <p:spPr>
+          <a:xfrm flipH="1">
+            <a:off x="776969" y="3275167"/>
+            <a:ext cx="1270563" cy="0"/>
+          </a:xfrm>
+          <a:prstGeom prst="line">
+            <a:avLst/>
+          </a:prstGeom>
+        </p:spPr>
+        <p:style>
+          <a:lnRef idx="1">
+            <a:schemeClr val="dk1"/>
+          </a:lnRef>
+          <a:fillRef idx="0">
+            <a:schemeClr val="dk1"/>
+          </a:fillRef>
+          <a:effectRef idx="0">
+            <a:schemeClr val="dk1"/>
+          </a:effectRef>
+          <a:fontRef idx="minor">
+            <a:schemeClr val="tx1"/>
+          </a:fontRef>
+        </p:style>
+      </p:cxnSp>
+      <p:pic>
+        <p:nvPicPr>
+          <p:cNvPr id="1036" name="Picture 8" descr="Bildergebnis für wlan icon">
+            <a:extLst>
+              <a:ext uri="{FF2B5EF4-FFF2-40B4-BE49-F238E27FC236}">
+                <a16:creationId xmlns:a16="http://schemas.microsoft.com/office/drawing/2014/main" id="{65C4A49D-7B13-4D5A-A673-D1FE2B41DED6}"/>
+              </a:ext>
+            </a:extLst>
+          </p:cNvPr>
+          <p:cNvPicPr>
+            <a:picLocks noChangeAspect="1" noChangeArrowheads="1"/>
+          </p:cNvPicPr>
+          <p:nvPr/>
+        </p:nvPicPr>
+        <p:blipFill>
+          <a:blip r:embed="rId10">
+            <a:extLst>
+              <a:ext uri="{28A0092B-C50C-407E-A947-70E740481C1C}">
+                <a14:useLocalDpi xmlns:a14="http://schemas.microsoft.com/office/drawing/2010/main" val="0"/>
+              </a:ext>
+            </a:extLst>
+          </a:blip>
+          <a:srcRect/>
+          <a:stretch>
+            <a:fillRect/>
+          </a:stretch>
+        </p:blipFill>
+        <p:spPr bwMode="auto">
+          <a:xfrm rot="5400000">
+            <a:off x="2766511" y="855622"/>
+            <a:ext cx="875200" cy="875200"/>
+          </a:xfrm>
+          <a:prstGeom prst="rect">
+            <a:avLst/>
+          </a:prstGeom>
+          <a:noFill/>
+          <a:extLst>
+            <a:ext uri="{909E8E84-426E-40DD-AFC4-6F175D3DCCD1}">
+              <a14:hiddenFill xmlns:a14="http://schemas.microsoft.com/office/drawing/2010/main">
+                <a:solidFill>
+                  <a:srgbClr val="FFFFFF"/>
+                </a:solidFill>
+              </a14:hiddenFill>
+            </a:ext>
+          </a:extLst>
+        </p:spPr>
+      </p:pic>
+      <p:cxnSp>
+        <p:nvCxnSpPr>
+          <p:cNvPr id="61" name="Gerader Verbinder 60">
+            <a:extLst>
+              <a:ext uri="{FF2B5EF4-FFF2-40B4-BE49-F238E27FC236}">
+                <a16:creationId xmlns:a16="http://schemas.microsoft.com/office/drawing/2014/main" id="{9306546A-658F-432F-B162-B8C63AD0D0DD}"/>
+              </a:ext>
+            </a:extLst>
+          </p:cNvPr>
+          <p:cNvCxnSpPr>
+            <a:cxnSpLocks/>
+          </p:cNvCxnSpPr>
+          <p:nvPr/>
+        </p:nvCxnSpPr>
+        <p:spPr>
+          <a:xfrm>
+            <a:off x="1626128" y="2425470"/>
+            <a:ext cx="0" cy="757242"/>
+          </a:xfrm>
+          <a:prstGeom prst="line">
+            <a:avLst/>
+          </a:prstGeom>
+        </p:spPr>
+        <p:style>
+          <a:lnRef idx="1">
+            <a:schemeClr val="accent6"/>
+          </a:lnRef>
+          <a:fillRef idx="0">
+            <a:schemeClr val="accent6"/>
+          </a:fillRef>
+          <a:effectRef idx="0">
+            <a:schemeClr val="accent6"/>
+          </a:effectRef>
+          <a:fontRef idx="minor">
+            <a:schemeClr val="tx1"/>
+          </a:fontRef>
+        </p:style>
+      </p:cxnSp>
+      <p:cxnSp>
+        <p:nvCxnSpPr>
+          <p:cNvPr id="63" name="Gerader Verbinder 62">
+            <a:extLst>
+              <a:ext uri="{FF2B5EF4-FFF2-40B4-BE49-F238E27FC236}">
+                <a16:creationId xmlns:a16="http://schemas.microsoft.com/office/drawing/2014/main" id="{41069559-C9B3-440E-A441-561C95A00DC1}"/>
+              </a:ext>
+            </a:extLst>
+          </p:cNvPr>
+          <p:cNvCxnSpPr>
+            <a:cxnSpLocks/>
+            <a:stCxn id="7" idx="1"/>
+          </p:cNvCxnSpPr>
+          <p:nvPr/>
+        </p:nvCxnSpPr>
+        <p:spPr>
+          <a:xfrm flipH="1">
+            <a:off x="3903785" y="1293222"/>
+            <a:ext cx="4134784" cy="0"/>
+          </a:xfrm>
+          <a:prstGeom prst="line">
+            <a:avLst/>
+          </a:prstGeom>
+        </p:spPr>
+        <p:style>
+          <a:lnRef idx="1">
+            <a:schemeClr val="accent6"/>
+          </a:lnRef>
+          <a:fillRef idx="0">
+            <a:schemeClr val="accent6"/>
+          </a:fillRef>
+          <a:effectRef idx="0">
+            <a:schemeClr val="accent6"/>
+          </a:effectRef>
+          <a:fontRef idx="minor">
+            <a:schemeClr val="tx1"/>
+          </a:fontRef>
+        </p:style>
+      </p:cxnSp>
+      <p:cxnSp>
+        <p:nvCxnSpPr>
+          <p:cNvPr id="65" name="Gerader Verbinder 64">
+            <a:extLst>
+              <a:ext uri="{FF2B5EF4-FFF2-40B4-BE49-F238E27FC236}">
+                <a16:creationId xmlns:a16="http://schemas.microsoft.com/office/drawing/2014/main" id="{EABB93C8-4B19-4AA8-B67D-7D55F8083656}"/>
+              </a:ext>
+            </a:extLst>
+          </p:cNvPr>
+          <p:cNvCxnSpPr>
+            <a:cxnSpLocks/>
+          </p:cNvCxnSpPr>
+          <p:nvPr/>
+        </p:nvCxnSpPr>
+        <p:spPr>
+          <a:xfrm flipV="1">
+            <a:off x="10573980" y="1293222"/>
+            <a:ext cx="0" cy="4326773"/>
+          </a:xfrm>
+          <a:prstGeom prst="line">
+            <a:avLst/>
+          </a:prstGeom>
+        </p:spPr>
+        <p:style>
+          <a:lnRef idx="1">
+            <a:schemeClr val="accent6"/>
+          </a:lnRef>
+          <a:fillRef idx="0">
+            <a:schemeClr val="accent6"/>
+          </a:fillRef>
+          <a:effectRef idx="0">
+            <a:schemeClr val="accent6"/>
+          </a:effectRef>
+          <a:fontRef idx="minor">
+            <a:schemeClr val="tx1"/>
+          </a:fontRef>
+        </p:style>
+      </p:cxnSp>
+      <p:cxnSp>
+        <p:nvCxnSpPr>
+          <p:cNvPr id="76" name="Gerader Verbinder 75">
+            <a:extLst>
+              <a:ext uri="{FF2B5EF4-FFF2-40B4-BE49-F238E27FC236}">
+                <a16:creationId xmlns:a16="http://schemas.microsoft.com/office/drawing/2014/main" id="{79BDE8C3-261E-4DC7-BFA7-702C7E658BD1}"/>
+              </a:ext>
+            </a:extLst>
+          </p:cNvPr>
+          <p:cNvCxnSpPr/>
+          <p:nvPr/>
+        </p:nvCxnSpPr>
+        <p:spPr>
+          <a:xfrm flipH="1">
+            <a:off x="399971" y="5650457"/>
+            <a:ext cx="702104" cy="0"/>
+          </a:xfrm>
+          <a:prstGeom prst="line">
+            <a:avLst/>
+          </a:prstGeom>
+        </p:spPr>
+        <p:style>
+          <a:lnRef idx="1">
+            <a:schemeClr val="accent6"/>
+          </a:lnRef>
+          <a:fillRef idx="0">
+            <a:schemeClr val="accent6"/>
+          </a:fillRef>
+          <a:effectRef idx="0">
+            <a:schemeClr val="accent6"/>
+          </a:effectRef>
+          <a:fontRef idx="minor">
+            <a:schemeClr val="tx1"/>
+          </a:fontRef>
+        </p:style>
+      </p:cxnSp>
+      <p:sp>
+        <p:nvSpPr>
+          <p:cNvPr id="1053" name="Textfeld 1052">
+            <a:extLst>
+              <a:ext uri="{FF2B5EF4-FFF2-40B4-BE49-F238E27FC236}">
+                <a16:creationId xmlns:a16="http://schemas.microsoft.com/office/drawing/2014/main" id="{BFD5C412-2F46-4ADC-BA39-44DFD3A761D1}"/>
+              </a:ext>
+            </a:extLst>
+          </p:cNvPr>
+          <p:cNvSpPr txBox="1"/>
+          <p:nvPr/>
+        </p:nvSpPr>
+        <p:spPr>
+          <a:xfrm>
+            <a:off x="1167260" y="5522399"/>
+            <a:ext cx="2856872" cy="261610"/>
+          </a:xfrm>
+          <a:prstGeom prst="rect">
+            <a:avLst/>
+          </a:prstGeom>
+          <a:noFill/>
+        </p:spPr>
+        <p:txBody>
+          <a:bodyPr wrap="none" rtlCol="0">
+            <a:spAutoFit/>
+          </a:bodyPr>
+          <a:lstStyle/>
+          <a:p>
+            <a:r>
+              <a:rPr lang="en-US" sz="1100"/>
+              <a:t>Commands via Network Socket (Bi-Directional)</a:t>
+            </a:r>
+          </a:p>
+        </p:txBody>
+      </p:sp>
+      <p:sp>
+        <p:nvSpPr>
+          <p:cNvPr id="80" name="Rechteck 79">
+            <a:extLst>
+              <a:ext uri="{FF2B5EF4-FFF2-40B4-BE49-F238E27FC236}">
+                <a16:creationId xmlns:a16="http://schemas.microsoft.com/office/drawing/2014/main" id="{E5419389-0EF4-43CB-8B87-6FD3CA30EA1A}"/>
+              </a:ext>
+            </a:extLst>
+          </p:cNvPr>
+          <p:cNvSpPr/>
+          <p:nvPr/>
+        </p:nvSpPr>
+        <p:spPr>
+          <a:xfrm>
+            <a:off x="8874303" y="5961146"/>
+            <a:ext cx="1181200" cy="611818"/>
+          </a:xfrm>
+          <a:prstGeom prst="rect">
+            <a:avLst/>
+          </a:prstGeom>
+          <a:noFill/>
+          <a:ln>
+            <a:solidFill>
+              <a:schemeClr val="tx1"/>
+            </a:solidFill>
+          </a:ln>
+        </p:spPr>
+        <p:style>
+          <a:lnRef idx="2">
+            <a:schemeClr val="accent1">
+              <a:shade val="50000"/>
+            </a:schemeClr>
+          </a:lnRef>
+          <a:fillRef idx="1">
+            <a:schemeClr val="accent1"/>
+          </a:fillRef>
+          <a:effectRef idx="0">
+            <a:schemeClr val="accent1"/>
+          </a:effectRef>
+          <a:fontRef idx="minor">
+            <a:schemeClr val="lt1"/>
+          </a:fontRef>
+        </p:style>
+        <p:txBody>
+          <a:bodyPr rtlCol="0" anchor="ctr"/>
+          <a:lstStyle/>
+          <a:p>
+            <a:pPr algn="ctr"/>
+            <a:r>
+              <a:rPr lang="en-US" sz="1200">
+                <a:solidFill>
+                  <a:schemeClr val="tx1"/>
+                </a:solidFill>
+              </a:rPr>
+              <a:t>Karel</a:t>
+            </a:r>
+          </a:p>
+        </p:txBody>
+      </p:sp>
+      <p:cxnSp>
+        <p:nvCxnSpPr>
+          <p:cNvPr id="33" name="Gerade Verbindung mit Pfeil 32">
+            <a:extLst>
+              <a:ext uri="{FF2B5EF4-FFF2-40B4-BE49-F238E27FC236}">
+                <a16:creationId xmlns:a16="http://schemas.microsoft.com/office/drawing/2014/main" id="{AE2459B1-619B-47AC-92EF-F7A10DDFB849}"/>
+              </a:ext>
+            </a:extLst>
+          </p:cNvPr>
+          <p:cNvCxnSpPr>
+            <a:endCxn id="80" idx="1"/>
+          </p:cNvCxnSpPr>
+          <p:nvPr/>
+        </p:nvCxnSpPr>
+        <p:spPr>
+          <a:xfrm>
+            <a:off x="8620753" y="6267055"/>
+            <a:ext cx="253550" cy="0"/>
+          </a:xfrm>
+          <a:prstGeom prst="straightConnector1">
+            <a:avLst/>
+          </a:prstGeom>
+          <a:ln>
+            <a:tailEnd type="triangle"/>
+          </a:ln>
+        </p:spPr>
+        <p:style>
+          <a:lnRef idx="1">
+            <a:schemeClr val="accent1"/>
+          </a:lnRef>
+          <a:fillRef idx="0">
+            <a:schemeClr val="accent1"/>
+          </a:fillRef>
+          <a:effectRef idx="0">
+            <a:schemeClr val="accent1"/>
+          </a:effectRef>
+          <a:fontRef idx="minor">
+            <a:schemeClr val="tx1"/>
+          </a:fontRef>
+        </p:style>
+      </p:cxnSp>
+      <p:cxnSp>
+        <p:nvCxnSpPr>
+          <p:cNvPr id="83" name="Gerade Verbindung mit Pfeil 82">
+            <a:extLst>
+              <a:ext uri="{FF2B5EF4-FFF2-40B4-BE49-F238E27FC236}">
+                <a16:creationId xmlns:a16="http://schemas.microsoft.com/office/drawing/2014/main" id="{67254CF0-A268-4AB9-8AFE-4A2829814D79}"/>
+              </a:ext>
+            </a:extLst>
+          </p:cNvPr>
+          <p:cNvCxnSpPr/>
+          <p:nvPr/>
+        </p:nvCxnSpPr>
+        <p:spPr>
+          <a:xfrm>
+            <a:off x="8620753" y="5600122"/>
+            <a:ext cx="253550" cy="0"/>
+          </a:xfrm>
+          <a:prstGeom prst="straightConnector1">
+            <a:avLst/>
+          </a:prstGeom>
+          <a:ln>
+            <a:tailEnd type="triangle"/>
+          </a:ln>
+        </p:spPr>
+        <p:style>
+          <a:lnRef idx="1">
+            <a:schemeClr val="accent1"/>
+          </a:lnRef>
+          <a:fillRef idx="0">
+            <a:schemeClr val="accent1"/>
+          </a:fillRef>
+          <a:effectRef idx="0">
+            <a:schemeClr val="accent1"/>
+          </a:effectRef>
+          <a:fontRef idx="minor">
+            <a:schemeClr val="tx1"/>
+          </a:fontRef>
+        </p:style>
+      </p:cxnSp>
+      <p:cxnSp>
+        <p:nvCxnSpPr>
+          <p:cNvPr id="35" name="Gerader Verbinder 34">
+            <a:extLst>
+              <a:ext uri="{FF2B5EF4-FFF2-40B4-BE49-F238E27FC236}">
+                <a16:creationId xmlns:a16="http://schemas.microsoft.com/office/drawing/2014/main" id="{D53B6E40-04BC-4345-A4FB-C400C7668620}"/>
+              </a:ext>
+            </a:extLst>
+          </p:cNvPr>
+          <p:cNvCxnSpPr>
+            <a:cxnSpLocks/>
+          </p:cNvCxnSpPr>
+          <p:nvPr/>
+        </p:nvCxnSpPr>
+        <p:spPr>
+          <a:xfrm>
+            <a:off x="8620753" y="5607844"/>
+            <a:ext cx="0" cy="659211"/>
+          </a:xfrm>
+          <a:prstGeom prst="line">
+            <a:avLst/>
+          </a:prstGeom>
+        </p:spPr>
+        <p:style>
+          <a:lnRef idx="1">
+            <a:schemeClr val="accent1"/>
+          </a:lnRef>
+          <a:fillRef idx="0">
+            <a:schemeClr val="accent1"/>
+          </a:fillRef>
+          <a:effectRef idx="0">
+            <a:schemeClr val="accent1"/>
+          </a:effectRef>
+          <a:fontRef idx="minor">
+            <a:schemeClr val="tx1"/>
+          </a:fontRef>
+        </p:style>
+      </p:cxnSp>
+      <p:cxnSp>
+        <p:nvCxnSpPr>
+          <p:cNvPr id="100" name="Gerader Verbinder 99">
+            <a:extLst>
+              <a:ext uri="{FF2B5EF4-FFF2-40B4-BE49-F238E27FC236}">
+                <a16:creationId xmlns:a16="http://schemas.microsoft.com/office/drawing/2014/main" id="{7D9FFB90-31F2-4E98-A9EF-75750C19C079}"/>
+              </a:ext>
+            </a:extLst>
+          </p:cNvPr>
+          <p:cNvCxnSpPr>
+            <a:cxnSpLocks/>
+          </p:cNvCxnSpPr>
+          <p:nvPr/>
+        </p:nvCxnSpPr>
+        <p:spPr>
+          <a:xfrm flipH="1">
+            <a:off x="399971" y="5921159"/>
+            <a:ext cx="702104" cy="0"/>
+          </a:xfrm>
+          <a:prstGeom prst="line">
+            <a:avLst/>
+          </a:prstGeom>
+        </p:spPr>
+        <p:style>
+          <a:lnRef idx="1">
+            <a:schemeClr val="accent1"/>
+          </a:lnRef>
+          <a:fillRef idx="0">
+            <a:schemeClr val="accent1"/>
+          </a:fillRef>
+          <a:effectRef idx="0">
+            <a:schemeClr val="accent1"/>
+          </a:effectRef>
+          <a:fontRef idx="minor">
+            <a:schemeClr val="tx1"/>
+          </a:fontRef>
+        </p:style>
+      </p:cxnSp>
+      <p:sp>
+        <p:nvSpPr>
+          <p:cNvPr id="102" name="Textfeld 101">
+            <a:extLst>
+              <a:ext uri="{FF2B5EF4-FFF2-40B4-BE49-F238E27FC236}">
+                <a16:creationId xmlns:a16="http://schemas.microsoft.com/office/drawing/2014/main" id="{81D4A8EA-8EAF-40C5-88F0-262793D7037F}"/>
+              </a:ext>
+            </a:extLst>
+          </p:cNvPr>
+          <p:cNvSpPr txBox="1"/>
+          <p:nvPr/>
+        </p:nvSpPr>
+        <p:spPr>
+          <a:xfrm>
+            <a:off x="1150630" y="5784009"/>
+            <a:ext cx="4628190" cy="261610"/>
+          </a:xfrm>
+          <a:prstGeom prst="rect">
+            <a:avLst/>
+          </a:prstGeom>
+          <a:noFill/>
+        </p:spPr>
+        <p:txBody>
+          <a:bodyPr wrap="none" rtlCol="0">
+            <a:spAutoFit/>
+          </a:bodyPr>
+          <a:lstStyle/>
+          <a:p>
+            <a:r>
+              <a:rPr lang="en-US" sz="1100"/>
+              <a:t>KAREL Commands (Movement, Read Robot values, Network Rec. &amp; Send Cmd)</a:t>
+            </a:r>
+          </a:p>
+        </p:txBody>
+      </p:sp>
+      <p:sp>
+        <p:nvSpPr>
+          <p:cNvPr id="104" name="Textfeld 103">
+            <a:extLst>
+              <a:ext uri="{FF2B5EF4-FFF2-40B4-BE49-F238E27FC236}">
+                <a16:creationId xmlns:a16="http://schemas.microsoft.com/office/drawing/2014/main" id="{516B846A-BAEA-426A-8C31-320C591BF44F}"/>
+              </a:ext>
+            </a:extLst>
+          </p:cNvPr>
+          <p:cNvSpPr txBox="1"/>
+          <p:nvPr/>
+        </p:nvSpPr>
+        <p:spPr>
+          <a:xfrm>
+            <a:off x="1329904" y="1872609"/>
+            <a:ext cx="461986" cy="369332"/>
+          </a:xfrm>
+          <a:prstGeom prst="rect">
+            <a:avLst/>
+          </a:prstGeom>
+          <a:noFill/>
+        </p:spPr>
+        <p:txBody>
+          <a:bodyPr wrap="none" rtlCol="0">
+            <a:spAutoFit/>
+          </a:bodyPr>
+          <a:lstStyle/>
+          <a:p>
+            <a:r>
+              <a:rPr lang="en-US"/>
+              <a:t>OR</a:t>
+            </a:r>
+          </a:p>
+        </p:txBody>
+      </p:sp>
+      <p:sp>
+        <p:nvSpPr>
+          <p:cNvPr id="105" name="Rechteck 104">
+            <a:extLst>
+              <a:ext uri="{FF2B5EF4-FFF2-40B4-BE49-F238E27FC236}">
+                <a16:creationId xmlns:a16="http://schemas.microsoft.com/office/drawing/2014/main" id="{C3C39BF2-18EB-478C-9066-C2F837A6ED3F}"/>
+              </a:ext>
+            </a:extLst>
+          </p:cNvPr>
+          <p:cNvSpPr/>
+          <p:nvPr/>
+        </p:nvSpPr>
+        <p:spPr>
+          <a:xfrm>
+            <a:off x="2057486" y="3767833"/>
+            <a:ext cx="1012920" cy="595648"/>
+          </a:xfrm>
+          <a:prstGeom prst="rect">
+            <a:avLst/>
+          </a:prstGeom>
+          <a:noFill/>
+          <a:ln>
+            <a:solidFill>
+              <a:schemeClr val="tx1"/>
+            </a:solidFill>
+          </a:ln>
+        </p:spPr>
+        <p:style>
+          <a:lnRef idx="2">
+            <a:schemeClr val="accent1">
+              <a:shade val="50000"/>
+            </a:schemeClr>
+          </a:lnRef>
+          <a:fillRef idx="1">
+            <a:schemeClr val="accent1"/>
+          </a:fillRef>
+          <a:effectRef idx="0">
+            <a:schemeClr val="accent1"/>
+          </a:effectRef>
+          <a:fontRef idx="minor">
+            <a:schemeClr val="lt1"/>
+          </a:fontRef>
+        </p:style>
+        <p:txBody>
+          <a:bodyPr rtlCol="0" anchor="ctr"/>
+          <a:lstStyle/>
+          <a:p>
+            <a:pPr algn="ctr"/>
+            <a:r>
+              <a:rPr lang="en-US" sz="1200">
+                <a:solidFill>
+                  <a:schemeClr val="tx1"/>
+                </a:solidFill>
+              </a:rPr>
+              <a:t>C#</a:t>
+            </a:r>
+          </a:p>
+          <a:p>
+            <a:pPr algn="ctr"/>
+            <a:r>
+              <a:rPr lang="en-US" sz="1200">
+                <a:solidFill>
+                  <a:schemeClr val="tx1"/>
+                </a:solidFill>
+              </a:rPr>
+              <a:t>(application logic)</a:t>
+            </a:r>
+          </a:p>
+        </p:txBody>
+      </p:sp>
+      <p:cxnSp>
+        <p:nvCxnSpPr>
+          <p:cNvPr id="106" name="Gerade Verbindung mit Pfeil 105">
+            <a:extLst>
+              <a:ext uri="{FF2B5EF4-FFF2-40B4-BE49-F238E27FC236}">
+                <a16:creationId xmlns:a16="http://schemas.microsoft.com/office/drawing/2014/main" id="{CC05C3E6-0F30-47F4-BBFA-5CF763D62AB3}"/>
+              </a:ext>
+            </a:extLst>
+          </p:cNvPr>
+          <p:cNvCxnSpPr>
+            <a:cxnSpLocks/>
+          </p:cNvCxnSpPr>
+          <p:nvPr/>
+        </p:nvCxnSpPr>
+        <p:spPr>
+          <a:xfrm flipH="1" flipV="1">
+            <a:off x="3085870" y="4043210"/>
+            <a:ext cx="499402" cy="1"/>
+          </a:xfrm>
+          <a:prstGeom prst="straightConnector1">
+            <a:avLst/>
+          </a:prstGeom>
+          <a:ln>
+            <a:solidFill>
+              <a:schemeClr val="tx1"/>
+            </a:solidFill>
+            <a:tailEnd type="triangle"/>
+          </a:ln>
+        </p:spPr>
+        <p:style>
+          <a:lnRef idx="1">
+            <a:schemeClr val="accent1"/>
+          </a:lnRef>
+          <a:fillRef idx="0">
+            <a:schemeClr val="accent1"/>
+          </a:fillRef>
+          <a:effectRef idx="0">
+            <a:schemeClr val="accent1"/>
+          </a:effectRef>
+          <a:fontRef idx="minor">
+            <a:schemeClr val="tx1"/>
+          </a:fontRef>
+        </p:style>
+      </p:cxnSp>
+      <p:cxnSp>
+        <p:nvCxnSpPr>
+          <p:cNvPr id="107" name="Gerade Verbindung mit Pfeil 106">
+            <a:extLst>
+              <a:ext uri="{FF2B5EF4-FFF2-40B4-BE49-F238E27FC236}">
+                <a16:creationId xmlns:a16="http://schemas.microsoft.com/office/drawing/2014/main" id="{A3061E49-39E8-4685-8F03-D5405978C33D}"/>
+              </a:ext>
+            </a:extLst>
+          </p:cNvPr>
+          <p:cNvCxnSpPr>
+            <a:cxnSpLocks/>
+          </p:cNvCxnSpPr>
+          <p:nvPr/>
+        </p:nvCxnSpPr>
+        <p:spPr>
+          <a:xfrm flipH="1">
+            <a:off x="3085870" y="3275167"/>
+            <a:ext cx="499402" cy="0"/>
+          </a:xfrm>
+          <a:prstGeom prst="straightConnector1">
+            <a:avLst/>
+          </a:prstGeom>
+          <a:ln>
+            <a:solidFill>
+              <a:schemeClr val="tx1"/>
+            </a:solidFill>
+            <a:tailEnd type="triangle"/>
+          </a:ln>
+        </p:spPr>
+        <p:style>
+          <a:lnRef idx="1">
+            <a:schemeClr val="accent1"/>
+          </a:lnRef>
+          <a:fillRef idx="0">
+            <a:schemeClr val="accent1"/>
+          </a:fillRef>
+          <a:effectRef idx="0">
+            <a:schemeClr val="accent1"/>
+          </a:effectRef>
+          <a:fontRef idx="minor">
+            <a:schemeClr val="tx1"/>
+          </a:fontRef>
+        </p:style>
+      </p:cxnSp>
+      <p:cxnSp>
+        <p:nvCxnSpPr>
+          <p:cNvPr id="108" name="Gerader Verbinder 107">
+            <a:extLst>
+              <a:ext uri="{FF2B5EF4-FFF2-40B4-BE49-F238E27FC236}">
+                <a16:creationId xmlns:a16="http://schemas.microsoft.com/office/drawing/2014/main" id="{1E32AE80-DDFE-4626-A8DE-B748EACA8F59}"/>
+              </a:ext>
+            </a:extLst>
+          </p:cNvPr>
+          <p:cNvCxnSpPr>
+            <a:cxnSpLocks/>
+          </p:cNvCxnSpPr>
+          <p:nvPr/>
+        </p:nvCxnSpPr>
+        <p:spPr>
+          <a:xfrm>
+            <a:off x="3585272" y="3275167"/>
+            <a:ext cx="0" cy="768043"/>
+          </a:xfrm>
+          <a:prstGeom prst="line">
+            <a:avLst/>
+          </a:prstGeom>
+          <a:ln>
+            <a:solidFill>
+              <a:schemeClr val="tx1"/>
+            </a:solidFill>
+          </a:ln>
+        </p:spPr>
+        <p:style>
+          <a:lnRef idx="1">
+            <a:schemeClr val="accent1"/>
+          </a:lnRef>
+          <a:fillRef idx="0">
+            <a:schemeClr val="accent1"/>
+          </a:fillRef>
+          <a:effectRef idx="0">
+            <a:schemeClr val="accent1"/>
+          </a:effectRef>
+          <a:fontRef idx="minor">
+            <a:schemeClr val="tx1"/>
+          </a:fontRef>
+        </p:style>
+      </p:cxnSp>
+      <p:cxnSp>
+        <p:nvCxnSpPr>
+          <p:cNvPr id="91" name="Gerade Verbindung mit Pfeil 90">
+            <a:extLst>
+              <a:ext uri="{FF2B5EF4-FFF2-40B4-BE49-F238E27FC236}">
+                <a16:creationId xmlns:a16="http://schemas.microsoft.com/office/drawing/2014/main" id="{801E4F62-CD7C-48D6-B28D-C239EB89BC7F}"/>
+              </a:ext>
+            </a:extLst>
+          </p:cNvPr>
+          <p:cNvCxnSpPr>
+            <a:cxnSpLocks/>
+          </p:cNvCxnSpPr>
+          <p:nvPr/>
+        </p:nvCxnSpPr>
+        <p:spPr>
+          <a:xfrm>
+            <a:off x="1642510" y="3182712"/>
+            <a:ext cx="406319" cy="0"/>
+          </a:xfrm>
+          <a:prstGeom prst="straightConnector1">
+            <a:avLst/>
+          </a:prstGeom>
+          <a:ln>
+            <a:tailEnd type="triangle"/>
+          </a:ln>
+        </p:spPr>
+        <p:style>
+          <a:lnRef idx="1">
+            <a:schemeClr val="accent6"/>
+          </a:lnRef>
+          <a:fillRef idx="0">
+            <a:schemeClr val="accent6"/>
+          </a:fillRef>
+          <a:effectRef idx="0">
+            <a:schemeClr val="accent6"/>
+          </a:effectRef>
+          <a:fontRef idx="minor">
+            <a:schemeClr val="tx1"/>
+          </a:fontRef>
+        </p:style>
+      </p:cxnSp>
+      <p:cxnSp>
+        <p:nvCxnSpPr>
+          <p:cNvPr id="136" name="Gerade Verbindung mit Pfeil 135">
+            <a:extLst>
+              <a:ext uri="{FF2B5EF4-FFF2-40B4-BE49-F238E27FC236}">
+                <a16:creationId xmlns:a16="http://schemas.microsoft.com/office/drawing/2014/main" id="{870EDCB0-2080-4307-A5B5-DFB03BCC5BBB}"/>
+              </a:ext>
+            </a:extLst>
+          </p:cNvPr>
+          <p:cNvCxnSpPr>
+            <a:cxnSpLocks/>
+          </p:cNvCxnSpPr>
+          <p:nvPr/>
+        </p:nvCxnSpPr>
+        <p:spPr>
+          <a:xfrm flipH="1">
+            <a:off x="10066063" y="5619995"/>
+            <a:ext cx="507917" cy="0"/>
+          </a:xfrm>
+          <a:prstGeom prst="straightConnector1">
+            <a:avLst/>
+          </a:prstGeom>
+          <a:ln>
+            <a:tailEnd type="triangle"/>
+          </a:ln>
+        </p:spPr>
+        <p:style>
+          <a:lnRef idx="1">
+            <a:schemeClr val="accent6"/>
+          </a:lnRef>
+          <a:fillRef idx="0">
+            <a:schemeClr val="accent6"/>
+          </a:fillRef>
+          <a:effectRef idx="0">
+            <a:schemeClr val="accent6"/>
+          </a:effectRef>
+          <a:fontRef idx="minor">
+            <a:schemeClr val="tx1"/>
+          </a:fontRef>
+        </p:style>
+      </p:cxnSp>
+      <p:cxnSp>
+        <p:nvCxnSpPr>
+          <p:cNvPr id="143" name="Gerader Verbinder 142">
+            <a:extLst>
+              <a:ext uri="{FF2B5EF4-FFF2-40B4-BE49-F238E27FC236}">
+                <a16:creationId xmlns:a16="http://schemas.microsoft.com/office/drawing/2014/main" id="{ACF8CFEC-942E-45E6-93DB-DC046ED86F9D}"/>
+              </a:ext>
+            </a:extLst>
+          </p:cNvPr>
+          <p:cNvCxnSpPr>
+            <a:cxnSpLocks/>
+          </p:cNvCxnSpPr>
+          <p:nvPr/>
+        </p:nvCxnSpPr>
+        <p:spPr>
+          <a:xfrm flipH="1">
+            <a:off x="8874303" y="1293222"/>
+            <a:ext cx="1699677" cy="0"/>
+          </a:xfrm>
+          <a:prstGeom prst="line">
+            <a:avLst/>
+          </a:prstGeom>
+        </p:spPr>
+        <p:style>
+          <a:lnRef idx="1">
+            <a:schemeClr val="accent6"/>
+          </a:lnRef>
+          <a:fillRef idx="0">
+            <a:schemeClr val="accent6"/>
+          </a:fillRef>
+          <a:effectRef idx="0">
+            <a:schemeClr val="accent6"/>
+          </a:effectRef>
+          <a:fontRef idx="minor">
+            <a:schemeClr val="tx1"/>
+          </a:fontRef>
+        </p:style>
+      </p:cxnSp>
+      <p:cxnSp>
+        <p:nvCxnSpPr>
+          <p:cNvPr id="149" name="Gerade Verbindung mit Pfeil 148">
+            <a:extLst>
+              <a:ext uri="{FF2B5EF4-FFF2-40B4-BE49-F238E27FC236}">
+                <a16:creationId xmlns:a16="http://schemas.microsoft.com/office/drawing/2014/main" id="{A56BB32A-254C-497A-9376-4BB5CBF80B60}"/>
+              </a:ext>
+            </a:extLst>
+          </p:cNvPr>
+          <p:cNvCxnSpPr>
+            <a:cxnSpLocks/>
+          </p:cNvCxnSpPr>
+          <p:nvPr/>
+        </p:nvCxnSpPr>
+        <p:spPr>
+          <a:xfrm flipV="1">
+            <a:off x="7287253" y="4330701"/>
+            <a:ext cx="0" cy="312554"/>
+          </a:xfrm>
+          <a:prstGeom prst="straightConnector1">
+            <a:avLst/>
+          </a:prstGeom>
+          <a:ln>
+            <a:tailEnd type="triangle"/>
+          </a:ln>
+        </p:spPr>
+        <p:style>
+          <a:lnRef idx="1">
+            <a:schemeClr val="accent1"/>
+          </a:lnRef>
+          <a:fillRef idx="0">
+            <a:schemeClr val="accent1"/>
+          </a:fillRef>
+          <a:effectRef idx="0">
+            <a:schemeClr val="accent1"/>
+          </a:effectRef>
+          <a:fontRef idx="minor">
+            <a:schemeClr val="tx1"/>
+          </a:fontRef>
+        </p:style>
+      </p:cxnSp>
+      <p:cxnSp>
+        <p:nvCxnSpPr>
+          <p:cNvPr id="151" name="Gerader Verbinder 150">
+            <a:extLst>
+              <a:ext uri="{FF2B5EF4-FFF2-40B4-BE49-F238E27FC236}">
+                <a16:creationId xmlns:a16="http://schemas.microsoft.com/office/drawing/2014/main" id="{04C29CEA-C62D-44E2-8F86-0A74680F585C}"/>
+              </a:ext>
+            </a:extLst>
+          </p:cNvPr>
+          <p:cNvCxnSpPr>
+            <a:cxnSpLocks/>
+          </p:cNvCxnSpPr>
+          <p:nvPr/>
+        </p:nvCxnSpPr>
+        <p:spPr>
+          <a:xfrm>
+            <a:off x="7287253" y="4643255"/>
+            <a:ext cx="1032068" cy="0"/>
+          </a:xfrm>
+          <a:prstGeom prst="line">
+            <a:avLst/>
+          </a:prstGeom>
+        </p:spPr>
+        <p:style>
+          <a:lnRef idx="1">
+            <a:schemeClr val="accent1"/>
+          </a:lnRef>
+          <a:fillRef idx="0">
+            <a:schemeClr val="accent1"/>
+          </a:fillRef>
+          <a:effectRef idx="0">
+            <a:schemeClr val="accent1"/>
+          </a:effectRef>
+          <a:fontRef idx="minor">
+            <a:schemeClr val="tx1"/>
+          </a:fontRef>
+        </p:style>
+      </p:cxnSp>
+      <p:cxnSp>
+        <p:nvCxnSpPr>
+          <p:cNvPr id="154" name="Gerader Verbinder 153">
+            <a:extLst>
+              <a:ext uri="{FF2B5EF4-FFF2-40B4-BE49-F238E27FC236}">
+                <a16:creationId xmlns:a16="http://schemas.microsoft.com/office/drawing/2014/main" id="{CB783671-CEE6-4CFC-9341-5766271AA5A5}"/>
+              </a:ext>
+            </a:extLst>
+          </p:cNvPr>
+          <p:cNvCxnSpPr>
+            <a:cxnSpLocks/>
+          </p:cNvCxnSpPr>
+          <p:nvPr/>
+        </p:nvCxnSpPr>
+        <p:spPr>
+          <a:xfrm>
+            <a:off x="8319321" y="4641330"/>
+            <a:ext cx="0" cy="1728898"/>
+          </a:xfrm>
+          <a:prstGeom prst="line">
+            <a:avLst/>
+          </a:prstGeom>
+        </p:spPr>
+        <p:style>
+          <a:lnRef idx="1">
+            <a:schemeClr val="accent1"/>
+          </a:lnRef>
+          <a:fillRef idx="0">
+            <a:schemeClr val="accent1"/>
+          </a:fillRef>
+          <a:effectRef idx="0">
+            <a:schemeClr val="accent1"/>
+          </a:effectRef>
+          <a:fontRef idx="minor">
+            <a:schemeClr val="tx1"/>
+          </a:fontRef>
+        </p:style>
+      </p:cxnSp>
+      <p:cxnSp>
+        <p:nvCxnSpPr>
+          <p:cNvPr id="156" name="Gerade Verbindung mit Pfeil 155">
+            <a:extLst>
+              <a:ext uri="{FF2B5EF4-FFF2-40B4-BE49-F238E27FC236}">
+                <a16:creationId xmlns:a16="http://schemas.microsoft.com/office/drawing/2014/main" id="{BAA61121-270B-42D5-8E03-4E761D846B9C}"/>
+              </a:ext>
+            </a:extLst>
+          </p:cNvPr>
+          <p:cNvCxnSpPr>
+            <a:cxnSpLocks/>
+          </p:cNvCxnSpPr>
+          <p:nvPr/>
+        </p:nvCxnSpPr>
+        <p:spPr>
+          <a:xfrm>
+            <a:off x="8319321" y="6370228"/>
+            <a:ext cx="554982" cy="0"/>
+          </a:xfrm>
+          <a:prstGeom prst="straightConnector1">
+            <a:avLst/>
+          </a:prstGeom>
+          <a:ln>
+            <a:tailEnd type="triangle"/>
+          </a:ln>
+        </p:spPr>
+        <p:style>
+          <a:lnRef idx="1">
+            <a:schemeClr val="accent1"/>
+          </a:lnRef>
+          <a:fillRef idx="0">
+            <a:schemeClr val="accent1"/>
+          </a:fillRef>
+          <a:effectRef idx="0">
+            <a:schemeClr val="accent1"/>
+          </a:effectRef>
+          <a:fontRef idx="minor">
+            <a:schemeClr val="tx1"/>
+          </a:fontRef>
+        </p:style>
+      </p:cxnSp>
+      <p:cxnSp>
+        <p:nvCxnSpPr>
+          <p:cNvPr id="123" name="Gerade Verbindung mit Pfeil 122">
+            <a:extLst>
+              <a:ext uri="{FF2B5EF4-FFF2-40B4-BE49-F238E27FC236}">
+                <a16:creationId xmlns:a16="http://schemas.microsoft.com/office/drawing/2014/main" id="{27969B37-A8CA-4ECE-823E-47EF4E2A4860}"/>
+              </a:ext>
+            </a:extLst>
+          </p:cNvPr>
+          <p:cNvCxnSpPr/>
+          <p:nvPr/>
+        </p:nvCxnSpPr>
+        <p:spPr>
+          <a:xfrm>
+            <a:off x="3087855" y="2069248"/>
+            <a:ext cx="3036277" cy="294555"/>
+          </a:xfrm>
+          <a:prstGeom prst="straightConnector1">
+            <a:avLst/>
+          </a:prstGeom>
+          <a:ln>
+            <a:solidFill>
+              <a:schemeClr val="accent2">
+                <a:lumMod val="75000"/>
+              </a:schemeClr>
+            </a:solidFill>
+            <a:prstDash val="lgDash"/>
+            <a:tailEnd type="triangle"/>
+          </a:ln>
+        </p:spPr>
+        <p:style>
+          <a:lnRef idx="1">
+            <a:schemeClr val="accent1"/>
+          </a:lnRef>
+          <a:fillRef idx="0">
+            <a:schemeClr val="accent1"/>
+          </a:fillRef>
+          <a:effectRef idx="0">
+            <a:schemeClr val="accent1"/>
+          </a:effectRef>
+          <a:fontRef idx="minor">
+            <a:schemeClr val="tx1"/>
+          </a:fontRef>
+        </p:style>
+      </p:cxnSp>
+      <p:cxnSp>
+        <p:nvCxnSpPr>
+          <p:cNvPr id="162" name="Gerader Verbinder 161">
+            <a:extLst>
+              <a:ext uri="{FF2B5EF4-FFF2-40B4-BE49-F238E27FC236}">
+                <a16:creationId xmlns:a16="http://schemas.microsoft.com/office/drawing/2014/main" id="{8ECF3EBE-3E89-4849-8E2F-04B24A02C295}"/>
+              </a:ext>
+            </a:extLst>
+          </p:cNvPr>
+          <p:cNvCxnSpPr>
+            <a:cxnSpLocks/>
+          </p:cNvCxnSpPr>
+          <p:nvPr/>
+        </p:nvCxnSpPr>
+        <p:spPr>
+          <a:xfrm flipH="1">
+            <a:off x="399971" y="6170274"/>
+            <a:ext cx="702104" cy="0"/>
+          </a:xfrm>
+          <a:prstGeom prst="line">
+            <a:avLst/>
+          </a:prstGeom>
+          <a:ln>
+            <a:solidFill>
+              <a:schemeClr val="accent2">
+                <a:lumMod val="75000"/>
+              </a:schemeClr>
+            </a:solidFill>
+            <a:prstDash val="lgDash"/>
+            <a:tailEnd type="triangle"/>
+          </a:ln>
+        </p:spPr>
+        <p:style>
+          <a:lnRef idx="1">
+            <a:schemeClr val="accent1"/>
+          </a:lnRef>
+          <a:fillRef idx="0">
+            <a:schemeClr val="accent1"/>
+          </a:fillRef>
+          <a:effectRef idx="0">
+            <a:schemeClr val="accent1"/>
+          </a:effectRef>
+          <a:fontRef idx="minor">
+            <a:schemeClr val="tx1"/>
+          </a:fontRef>
+        </p:style>
+      </p:cxnSp>
+      <p:sp>
+        <p:nvSpPr>
+          <p:cNvPr id="163" name="Textfeld 162">
+            <a:extLst>
+              <a:ext uri="{FF2B5EF4-FFF2-40B4-BE49-F238E27FC236}">
+                <a16:creationId xmlns:a16="http://schemas.microsoft.com/office/drawing/2014/main" id="{685A66A5-D502-4302-A74D-13CD941EBD32}"/>
+              </a:ext>
+            </a:extLst>
+          </p:cNvPr>
+          <p:cNvSpPr txBox="1"/>
+          <p:nvPr/>
+        </p:nvSpPr>
+        <p:spPr>
+          <a:xfrm>
+            <a:off x="1150630" y="6028831"/>
+            <a:ext cx="2654894" cy="261610"/>
+          </a:xfrm>
+          <a:prstGeom prst="rect">
+            <a:avLst/>
+          </a:prstGeom>
+          <a:noFill/>
+        </p:spPr>
+        <p:txBody>
+          <a:bodyPr wrap="none" rtlCol="0">
+            <a:spAutoFit/>
+          </a:bodyPr>
+          <a:lstStyle/>
+          <a:p>
+            <a:r>
+              <a:rPr lang="en-US" sz="1100"/>
+              <a:t>Future: AR Hologram projection onto robot</a:t>
+            </a:r>
+          </a:p>
+        </p:txBody>
+      </p:sp>
+      <p:sp>
+        <p:nvSpPr>
+          <p:cNvPr id="164" name="Rechteck 163">
+            <a:extLst>
+              <a:ext uri="{FF2B5EF4-FFF2-40B4-BE49-F238E27FC236}">
+                <a16:creationId xmlns:a16="http://schemas.microsoft.com/office/drawing/2014/main" id="{600FFD3C-D124-4A7B-A4D9-9F2B888068EB}"/>
+              </a:ext>
+            </a:extLst>
+          </p:cNvPr>
+          <p:cNvSpPr/>
+          <p:nvPr/>
+        </p:nvSpPr>
+        <p:spPr>
+          <a:xfrm>
+            <a:off x="2052509" y="4568185"/>
+            <a:ext cx="1012918" cy="595555"/>
+          </a:xfrm>
+          <a:prstGeom prst="rect">
+            <a:avLst/>
+          </a:prstGeom>
+          <a:noFill/>
+          <a:ln>
+            <a:solidFill>
+              <a:schemeClr val="tx1"/>
+            </a:solidFill>
+          </a:ln>
+        </p:spPr>
+        <p:style>
+          <a:lnRef idx="2">
+            <a:schemeClr val="accent1">
+              <a:shade val="50000"/>
+            </a:schemeClr>
+          </a:lnRef>
+          <a:fillRef idx="1">
+            <a:schemeClr val="accent1"/>
+          </a:fillRef>
+          <a:effectRef idx="0">
+            <a:schemeClr val="accent1"/>
+          </a:effectRef>
+          <a:fontRef idx="minor">
+            <a:schemeClr val="lt1"/>
+          </a:fontRef>
+        </p:style>
+        <p:txBody>
+          <a:bodyPr rtlCol="0" anchor="ctr"/>
+          <a:lstStyle/>
+          <a:p>
+            <a:pPr algn="ctr"/>
+            <a:r>
+              <a:rPr lang="en-US" sz="1200">
+                <a:solidFill>
+                  <a:schemeClr val="tx1"/>
+                </a:solidFill>
+              </a:rPr>
+              <a:t>Perl</a:t>
+            </a:r>
+          </a:p>
+          <a:p>
+            <a:pPr algn="ctr"/>
+            <a:r>
+              <a:rPr lang="en-US" sz="1200">
+                <a:solidFill>
+                  <a:schemeClr val="tx1"/>
+                </a:solidFill>
+              </a:rPr>
+              <a:t>(dev automation)</a:t>
+            </a:r>
+          </a:p>
+        </p:txBody>
+      </p:sp>
+      <p:cxnSp>
+        <p:nvCxnSpPr>
+          <p:cNvPr id="166" name="Gerader Verbinder 165">
+            <a:extLst>
+              <a:ext uri="{FF2B5EF4-FFF2-40B4-BE49-F238E27FC236}">
+                <a16:creationId xmlns:a16="http://schemas.microsoft.com/office/drawing/2014/main" id="{5092841F-1DA4-4583-A8EA-DD18ED10A0C4}"/>
+              </a:ext>
+            </a:extLst>
+          </p:cNvPr>
+          <p:cNvCxnSpPr>
+            <a:cxnSpLocks/>
+          </p:cNvCxnSpPr>
+          <p:nvPr/>
+        </p:nvCxnSpPr>
+        <p:spPr>
+          <a:xfrm flipH="1">
+            <a:off x="776969" y="2622914"/>
+            <a:ext cx="2510" cy="2302147"/>
+          </a:xfrm>
+          <a:prstGeom prst="line">
+            <a:avLst/>
+          </a:prstGeom>
+        </p:spPr>
+        <p:style>
+          <a:lnRef idx="1">
+            <a:schemeClr val="dk1"/>
+          </a:lnRef>
+          <a:fillRef idx="0">
+            <a:schemeClr val="dk1"/>
+          </a:fillRef>
+          <a:effectRef idx="0">
+            <a:schemeClr val="dk1"/>
+          </a:effectRef>
+          <a:fontRef idx="minor">
+            <a:schemeClr val="tx1"/>
+          </a:fontRef>
+        </p:style>
+      </p:cxnSp>
+      <p:cxnSp>
+        <p:nvCxnSpPr>
+          <p:cNvPr id="167" name="Gerader Verbinder 166">
+            <a:extLst>
+              <a:ext uri="{FF2B5EF4-FFF2-40B4-BE49-F238E27FC236}">
+                <a16:creationId xmlns:a16="http://schemas.microsoft.com/office/drawing/2014/main" id="{5120303A-B320-4F02-AD0D-79BCC2EF97A1}"/>
+              </a:ext>
+            </a:extLst>
+          </p:cNvPr>
+          <p:cNvCxnSpPr>
+            <a:cxnSpLocks/>
+          </p:cNvCxnSpPr>
+          <p:nvPr/>
+        </p:nvCxnSpPr>
+        <p:spPr>
+          <a:xfrm flipH="1" flipV="1">
+            <a:off x="766411" y="4915896"/>
+            <a:ext cx="1281122" cy="268"/>
+          </a:xfrm>
+          <a:prstGeom prst="line">
+            <a:avLst/>
+          </a:prstGeom>
+        </p:spPr>
+        <p:style>
+          <a:lnRef idx="1">
+            <a:schemeClr val="dk1"/>
+          </a:lnRef>
+          <a:fillRef idx="0">
+            <a:schemeClr val="dk1"/>
+          </a:fillRef>
+          <a:effectRef idx="0">
+            <a:schemeClr val="dk1"/>
+          </a:effectRef>
+          <a:fontRef idx="minor">
+            <a:schemeClr val="tx1"/>
+          </a:fontRef>
+        </p:style>
+      </p:cxnSp>
+      <p:sp>
+        <p:nvSpPr>
+          <p:cNvPr id="130" name="Textfeld 129">
+            <a:extLst>
+              <a:ext uri="{FF2B5EF4-FFF2-40B4-BE49-F238E27FC236}">
+                <a16:creationId xmlns:a16="http://schemas.microsoft.com/office/drawing/2014/main" id="{4912B4D6-7549-4B91-BF86-DE4E06D2BF72}"/>
+              </a:ext>
+            </a:extLst>
+          </p:cNvPr>
+          <p:cNvSpPr txBox="1"/>
+          <p:nvPr/>
+        </p:nvSpPr>
+        <p:spPr>
+          <a:xfrm>
+            <a:off x="3111556" y="4504451"/>
+            <a:ext cx="2786340" cy="1061829"/>
+          </a:xfrm>
+          <a:prstGeom prst="rect">
+            <a:avLst/>
+          </a:prstGeom>
+          <a:noFill/>
+        </p:spPr>
+        <p:txBody>
+          <a:bodyPr wrap="none" rtlCol="0">
+            <a:spAutoFit/>
+          </a:bodyPr>
+          <a:lstStyle/>
+          <a:p>
+            <a:r>
+              <a:rPr lang="en-US" sz="1050"/>
+              <a:t>1. Changes Version numbers</a:t>
+            </a:r>
+          </a:p>
+          <a:p>
+            <a:r>
+              <a:rPr lang="en-US" sz="1050"/>
+              <a:t>2. Compiles Karel to pcode</a:t>
+            </a:r>
+          </a:p>
+          <a:p>
+            <a:r>
+              <a:rPr lang="en-US" sz="1050"/>
+              <a:t>3. Changes Wlan &amp; IP Settings to „FanucRobot“</a:t>
+            </a:r>
+          </a:p>
+          <a:p>
+            <a:r>
+              <a:rPr lang="en-US" sz="1050"/>
+              <a:t>4. Uploads compiled code via ftp to controller</a:t>
+            </a:r>
+          </a:p>
+          <a:p>
+            <a:r>
+              <a:rPr lang="en-US" sz="1050"/>
+              <a:t>5. Changes WLan settings back to Eduroam</a:t>
+            </a:r>
+          </a:p>
+          <a:p>
+            <a:pPr marL="285750" indent="-285750">
+              <a:buFontTx/>
+              <a:buChar char="-"/>
+            </a:pPr>
+            <a:endParaRPr lang="en-US" sz="1050"/>
+          </a:p>
+        </p:txBody>
+      </p:sp>
+      <p:sp>
+        <p:nvSpPr>
+          <p:cNvPr id="131" name="Textfeld 130">
+            <a:extLst>
+              <a:ext uri="{FF2B5EF4-FFF2-40B4-BE49-F238E27FC236}">
+                <a16:creationId xmlns:a16="http://schemas.microsoft.com/office/drawing/2014/main" id="{A60497AF-19D1-4F08-BB75-2A63E3DF1852}"/>
+              </a:ext>
+            </a:extLst>
+          </p:cNvPr>
+          <p:cNvSpPr txBox="1"/>
+          <p:nvPr/>
+        </p:nvSpPr>
+        <p:spPr>
+          <a:xfrm>
+            <a:off x="4243593" y="1081542"/>
+            <a:ext cx="2573140" cy="261610"/>
+          </a:xfrm>
+          <a:prstGeom prst="rect">
+            <a:avLst/>
+          </a:prstGeom>
+          <a:noFill/>
+        </p:spPr>
+        <p:txBody>
+          <a:bodyPr wrap="none" rtlCol="0">
+            <a:spAutoFit/>
+          </a:bodyPr>
+          <a:lstStyle/>
+          <a:p>
+            <a:r>
+              <a:rPr lang="en-US" sz="1100">
+                <a:solidFill>
+                  <a:srgbClr val="92D050"/>
+                </a:solidFill>
+              </a:rPr>
+              <a:t>Commands via custom protocol (wireless)</a:t>
+            </a:r>
+          </a:p>
+        </p:txBody>
+      </p:sp>
+      <p:sp>
+        <p:nvSpPr>
+          <p:cNvPr id="176" name="Textfeld 175">
+            <a:extLst>
+              <a:ext uri="{FF2B5EF4-FFF2-40B4-BE49-F238E27FC236}">
+                <a16:creationId xmlns:a16="http://schemas.microsoft.com/office/drawing/2014/main" id="{23609233-1FBC-47A7-85AE-F4F01C0D2E61}"/>
+              </a:ext>
+            </a:extLst>
+          </p:cNvPr>
+          <p:cNvSpPr txBox="1"/>
+          <p:nvPr/>
+        </p:nvSpPr>
+        <p:spPr>
+          <a:xfrm>
+            <a:off x="10041511" y="5972421"/>
+            <a:ext cx="1380506" cy="253916"/>
+          </a:xfrm>
+          <a:prstGeom prst="rect">
+            <a:avLst/>
+          </a:prstGeom>
+          <a:noFill/>
+        </p:spPr>
+        <p:txBody>
+          <a:bodyPr wrap="none" rtlCol="0">
+            <a:spAutoFit/>
+          </a:bodyPr>
+          <a:lstStyle/>
+          <a:p>
+            <a:r>
+              <a:rPr lang="en-US" sz="1050"/>
+              <a:t>Command interpreter</a:t>
+            </a:r>
+          </a:p>
+        </p:txBody>
+      </p:sp>
+      <p:cxnSp>
+        <p:nvCxnSpPr>
+          <p:cNvPr id="134" name="Gerader Verbinder 133">
+            <a:extLst>
+              <a:ext uri="{FF2B5EF4-FFF2-40B4-BE49-F238E27FC236}">
+                <a16:creationId xmlns:a16="http://schemas.microsoft.com/office/drawing/2014/main" id="{36BEFEF7-6D23-4105-9BC6-CE8D63E50061}"/>
+              </a:ext>
+            </a:extLst>
+          </p:cNvPr>
+          <p:cNvCxnSpPr>
+            <a:stCxn id="164" idx="1"/>
+          </p:cNvCxnSpPr>
+          <p:nvPr/>
+        </p:nvCxnSpPr>
+        <p:spPr>
+          <a:xfrm flipH="1" flipV="1">
+            <a:off x="872194" y="4865962"/>
+            <a:ext cx="1180315" cy="1"/>
+          </a:xfrm>
+          <a:prstGeom prst="line">
+            <a:avLst/>
+          </a:prstGeom>
+        </p:spPr>
+        <p:style>
+          <a:lnRef idx="1">
+            <a:schemeClr val="accent2"/>
+          </a:lnRef>
+          <a:fillRef idx="0">
+            <a:schemeClr val="accent2"/>
+          </a:fillRef>
+          <a:effectRef idx="0">
+            <a:schemeClr val="accent2"/>
+          </a:effectRef>
+          <a:fontRef idx="minor">
+            <a:schemeClr val="tx1"/>
+          </a:fontRef>
+        </p:style>
+      </p:cxnSp>
+      <p:cxnSp>
+        <p:nvCxnSpPr>
+          <p:cNvPr id="180" name="Gerader Verbinder 179">
+            <a:extLst>
+              <a:ext uri="{FF2B5EF4-FFF2-40B4-BE49-F238E27FC236}">
+                <a16:creationId xmlns:a16="http://schemas.microsoft.com/office/drawing/2014/main" id="{27A81AEE-5DCF-4458-8670-133B84F7A889}"/>
+              </a:ext>
+            </a:extLst>
+          </p:cNvPr>
+          <p:cNvCxnSpPr/>
+          <p:nvPr/>
+        </p:nvCxnSpPr>
+        <p:spPr>
+          <a:xfrm flipH="1" flipV="1">
+            <a:off x="884102" y="4865804"/>
+            <a:ext cx="1180315" cy="1"/>
+          </a:xfrm>
+          <a:prstGeom prst="line">
+            <a:avLst/>
+          </a:prstGeom>
+        </p:spPr>
+        <p:style>
+          <a:lnRef idx="1">
+            <a:schemeClr val="accent2"/>
+          </a:lnRef>
+          <a:fillRef idx="0">
+            <a:schemeClr val="accent2"/>
+          </a:fillRef>
+          <a:effectRef idx="0">
+            <a:schemeClr val="accent2"/>
+          </a:effectRef>
+          <a:fontRef idx="minor">
+            <a:schemeClr val="tx1"/>
+          </a:fontRef>
+        </p:style>
+      </p:cxnSp>
+      <p:cxnSp>
+        <p:nvCxnSpPr>
+          <p:cNvPr id="182" name="Gerader Verbinder 181">
+            <a:extLst>
+              <a:ext uri="{FF2B5EF4-FFF2-40B4-BE49-F238E27FC236}">
+                <a16:creationId xmlns:a16="http://schemas.microsoft.com/office/drawing/2014/main" id="{752887BF-0D81-4C1C-856E-A9358AA9F49A}"/>
+              </a:ext>
+            </a:extLst>
+          </p:cNvPr>
+          <p:cNvCxnSpPr>
+            <a:cxnSpLocks/>
+          </p:cNvCxnSpPr>
+          <p:nvPr/>
+        </p:nvCxnSpPr>
+        <p:spPr>
+          <a:xfrm flipH="1">
+            <a:off x="884102" y="2589251"/>
+            <a:ext cx="12235" cy="2287750"/>
+          </a:xfrm>
+          <a:prstGeom prst="line">
+            <a:avLst/>
+          </a:prstGeom>
+        </p:spPr>
+        <p:style>
+          <a:lnRef idx="1">
+            <a:schemeClr val="accent2"/>
+          </a:lnRef>
+          <a:fillRef idx="0">
+            <a:schemeClr val="accent2"/>
+          </a:fillRef>
+          <a:effectRef idx="0">
+            <a:schemeClr val="accent2"/>
+          </a:effectRef>
+          <a:fontRef idx="minor">
+            <a:schemeClr val="tx1"/>
+          </a:fontRef>
+        </p:style>
+      </p:cxnSp>
+      <p:cxnSp>
+        <p:nvCxnSpPr>
+          <p:cNvPr id="185" name="Gerader Verbinder 184">
+            <a:extLst>
+              <a:ext uri="{FF2B5EF4-FFF2-40B4-BE49-F238E27FC236}">
+                <a16:creationId xmlns:a16="http://schemas.microsoft.com/office/drawing/2014/main" id="{69142419-F04F-431E-B3E1-30238EB0BB21}"/>
+              </a:ext>
+            </a:extLst>
+          </p:cNvPr>
+          <p:cNvCxnSpPr>
+            <a:cxnSpLocks/>
+          </p:cNvCxnSpPr>
+          <p:nvPr/>
+        </p:nvCxnSpPr>
+        <p:spPr>
+          <a:xfrm>
+            <a:off x="3914712" y="1377117"/>
+            <a:ext cx="4108403" cy="0"/>
+          </a:xfrm>
+          <a:prstGeom prst="line">
+            <a:avLst/>
+          </a:prstGeom>
+        </p:spPr>
+        <p:style>
+          <a:lnRef idx="1">
+            <a:schemeClr val="accent2"/>
+          </a:lnRef>
+          <a:fillRef idx="0">
+            <a:schemeClr val="accent2"/>
+          </a:fillRef>
+          <a:effectRef idx="0">
+            <a:schemeClr val="accent2"/>
+          </a:effectRef>
+          <a:fontRef idx="minor">
+            <a:schemeClr val="tx1"/>
+          </a:fontRef>
+        </p:style>
+      </p:cxnSp>
+      <p:cxnSp>
+        <p:nvCxnSpPr>
+          <p:cNvPr id="187" name="Gerader Verbinder 186">
+            <a:extLst>
+              <a:ext uri="{FF2B5EF4-FFF2-40B4-BE49-F238E27FC236}">
+                <a16:creationId xmlns:a16="http://schemas.microsoft.com/office/drawing/2014/main" id="{93C38BEF-FBB8-49DD-96A4-AF353B61C7CD}"/>
+              </a:ext>
+            </a:extLst>
+          </p:cNvPr>
+          <p:cNvCxnSpPr>
+            <a:cxnSpLocks/>
+          </p:cNvCxnSpPr>
+          <p:nvPr/>
+        </p:nvCxnSpPr>
+        <p:spPr>
+          <a:xfrm>
+            <a:off x="8890182" y="1372031"/>
+            <a:ext cx="1574339" cy="0"/>
+          </a:xfrm>
+          <a:prstGeom prst="line">
+            <a:avLst/>
+          </a:prstGeom>
+        </p:spPr>
+        <p:style>
+          <a:lnRef idx="1">
+            <a:schemeClr val="accent2"/>
+          </a:lnRef>
+          <a:fillRef idx="0">
+            <a:schemeClr val="accent2"/>
+          </a:fillRef>
+          <a:effectRef idx="0">
+            <a:schemeClr val="accent2"/>
+          </a:effectRef>
+          <a:fontRef idx="minor">
+            <a:schemeClr val="tx1"/>
+          </a:fontRef>
+        </p:style>
+      </p:cxnSp>
+      <p:cxnSp>
+        <p:nvCxnSpPr>
+          <p:cNvPr id="189" name="Gerader Verbinder 188">
+            <a:extLst>
+              <a:ext uri="{FF2B5EF4-FFF2-40B4-BE49-F238E27FC236}">
+                <a16:creationId xmlns:a16="http://schemas.microsoft.com/office/drawing/2014/main" id="{E050529E-1084-4539-9A33-9AD14B30F64B}"/>
+              </a:ext>
+            </a:extLst>
+          </p:cNvPr>
+          <p:cNvCxnSpPr>
+            <a:cxnSpLocks/>
+          </p:cNvCxnSpPr>
+          <p:nvPr/>
+        </p:nvCxnSpPr>
+        <p:spPr>
+          <a:xfrm>
+            <a:off x="10473485" y="1372031"/>
+            <a:ext cx="5081" cy="3476648"/>
+          </a:xfrm>
+          <a:prstGeom prst="line">
+            <a:avLst/>
+          </a:prstGeom>
+        </p:spPr>
+        <p:style>
+          <a:lnRef idx="1">
+            <a:schemeClr val="accent2"/>
+          </a:lnRef>
+          <a:fillRef idx="0">
+            <a:schemeClr val="accent2"/>
+          </a:fillRef>
+          <a:effectRef idx="0">
+            <a:schemeClr val="accent2"/>
+          </a:effectRef>
+          <a:fontRef idx="minor">
+            <a:schemeClr val="tx1"/>
+          </a:fontRef>
+        </p:style>
+      </p:cxnSp>
+      <p:cxnSp>
+        <p:nvCxnSpPr>
+          <p:cNvPr id="192" name="Gerader Verbinder 191">
+            <a:extLst>
+              <a:ext uri="{FF2B5EF4-FFF2-40B4-BE49-F238E27FC236}">
+                <a16:creationId xmlns:a16="http://schemas.microsoft.com/office/drawing/2014/main" id="{14019A70-C53E-4C9C-8F36-31C9C3D347FC}"/>
+              </a:ext>
+            </a:extLst>
+          </p:cNvPr>
+          <p:cNvCxnSpPr>
+            <a:cxnSpLocks/>
+          </p:cNvCxnSpPr>
+          <p:nvPr/>
+        </p:nvCxnSpPr>
+        <p:spPr>
+          <a:xfrm>
+            <a:off x="10055503" y="4848679"/>
+            <a:ext cx="417982" cy="0"/>
+          </a:xfrm>
+          <a:prstGeom prst="line">
+            <a:avLst/>
+          </a:prstGeom>
+          <a:ln>
+            <a:headEnd type="triangle"/>
+          </a:ln>
+        </p:spPr>
+        <p:style>
+          <a:lnRef idx="1">
+            <a:schemeClr val="accent2"/>
+          </a:lnRef>
+          <a:fillRef idx="0">
+            <a:schemeClr val="accent2"/>
+          </a:fillRef>
+          <a:effectRef idx="0">
+            <a:schemeClr val="accent2"/>
+          </a:effectRef>
+          <a:fontRef idx="minor">
+            <a:schemeClr val="tx1"/>
+          </a:fontRef>
+        </p:style>
+      </p:cxnSp>
+      <p:sp>
+        <p:nvSpPr>
+          <p:cNvPr id="194" name="Textfeld 193">
+            <a:extLst>
+              <a:ext uri="{FF2B5EF4-FFF2-40B4-BE49-F238E27FC236}">
+                <a16:creationId xmlns:a16="http://schemas.microsoft.com/office/drawing/2014/main" id="{FBFB9CE6-248D-40BE-A155-B52F77E1E4BD}"/>
+              </a:ext>
+            </a:extLst>
+          </p:cNvPr>
+          <p:cNvSpPr txBox="1"/>
+          <p:nvPr/>
+        </p:nvSpPr>
+        <p:spPr>
+          <a:xfrm>
+            <a:off x="4243593" y="1356490"/>
+            <a:ext cx="1632178" cy="261610"/>
+          </a:xfrm>
+          <a:prstGeom prst="rect">
+            <a:avLst/>
+          </a:prstGeom>
+          <a:noFill/>
+        </p:spPr>
+        <p:txBody>
+          <a:bodyPr wrap="none" rtlCol="0">
+            <a:spAutoFit/>
+          </a:bodyPr>
+          <a:lstStyle/>
+          <a:p>
+            <a:r>
+              <a:rPr lang="en-US" sz="1100">
+                <a:solidFill>
+                  <a:schemeClr val="accent2">
+                    <a:lumMod val="75000"/>
+                  </a:schemeClr>
+                </a:solidFill>
+              </a:rPr>
+              <a:t>PC Code via ftp (wireless)</a:t>
+            </a:r>
+          </a:p>
+        </p:txBody>
+      </p:sp>
+      <p:cxnSp>
+        <p:nvCxnSpPr>
+          <p:cNvPr id="195" name="Gerader Verbinder 194">
+            <a:extLst>
+              <a:ext uri="{FF2B5EF4-FFF2-40B4-BE49-F238E27FC236}">
+                <a16:creationId xmlns:a16="http://schemas.microsoft.com/office/drawing/2014/main" id="{EB966282-E747-49E3-8BFE-31A6DA7924C1}"/>
+              </a:ext>
+            </a:extLst>
+          </p:cNvPr>
+          <p:cNvCxnSpPr>
+            <a:cxnSpLocks/>
+          </p:cNvCxnSpPr>
+          <p:nvPr/>
+        </p:nvCxnSpPr>
+        <p:spPr>
+          <a:xfrm flipH="1">
+            <a:off x="399970" y="6427567"/>
+            <a:ext cx="702104" cy="0"/>
+          </a:xfrm>
+          <a:prstGeom prst="line">
+            <a:avLst/>
+          </a:prstGeom>
+        </p:spPr>
+        <p:style>
+          <a:lnRef idx="1">
+            <a:schemeClr val="accent2"/>
+          </a:lnRef>
+          <a:fillRef idx="0">
+            <a:schemeClr val="accent2"/>
+          </a:fillRef>
+          <a:effectRef idx="0">
+            <a:schemeClr val="accent2"/>
+          </a:effectRef>
+          <a:fontRef idx="minor">
+            <a:schemeClr val="tx1"/>
+          </a:fontRef>
+        </p:style>
+      </p:cxnSp>
+      <p:sp>
+        <p:nvSpPr>
+          <p:cNvPr id="196" name="Textfeld 195">
+            <a:extLst>
+              <a:ext uri="{FF2B5EF4-FFF2-40B4-BE49-F238E27FC236}">
+                <a16:creationId xmlns:a16="http://schemas.microsoft.com/office/drawing/2014/main" id="{08A67827-2965-4B2E-A661-03BA2CF2FCF9}"/>
+              </a:ext>
+            </a:extLst>
+          </p:cNvPr>
+          <p:cNvSpPr txBox="1"/>
+          <p:nvPr/>
+        </p:nvSpPr>
+        <p:spPr>
+          <a:xfrm>
+            <a:off x="1150629" y="6286124"/>
+            <a:ext cx="1925527" cy="261610"/>
+          </a:xfrm>
+          <a:prstGeom prst="rect">
+            <a:avLst/>
+          </a:prstGeom>
+          <a:noFill/>
+        </p:spPr>
+        <p:txBody>
+          <a:bodyPr wrap="none" rtlCol="0">
+            <a:spAutoFit/>
+          </a:bodyPr>
+          <a:lstStyle/>
+          <a:p>
+            <a:r>
+              <a:rPr lang="en-US" sz="1100"/>
+              <a:t>FTP: Code upload to controller</a:t>
+            </a:r>
+          </a:p>
+        </p:txBody>
+      </p:sp>
+    </p:spTree>
+    <p:extLst>
+      <p:ext uri="{BB962C8B-B14F-4D97-AF65-F5344CB8AC3E}">
+        <p14:creationId xmlns:p14="http://schemas.microsoft.com/office/powerpoint/2010/main" val="550329216"/>
+      </p:ext>
+    </p:extLst>
+  </p:cSld>
+  <p:clrMapOvr>
+    <a:masterClrMapping/>
+  </p:clrMapOvr>
+</p:sld>
+</file>
+
+<file path=ppt/slides/slide6.xml><?xml version="1.0" encoding="utf-8"?>
+<p:sld xmlns:a="http://schemas.openxmlformats.org/drawingml/2006/main" xmlns:r="http://schemas.openxmlformats.org/officeDocument/2006/relationships" xmlns:p="http://schemas.openxmlformats.org/presentationml/2006/main">
+  <p:cSld>
+    <p:spTree>
+      <p:nvGrpSpPr>
+        <p:cNvPr id="1" name=""/>
+        <p:cNvGrpSpPr/>
+        <p:nvPr/>
+      </p:nvGrpSpPr>
+      <p:grpSpPr>
+        <a:xfrm>
+          <a:off x="0" y="0"/>
+          <a:ext cx="0" cy="0"/>
+          <a:chOff x="0" y="0"/>
+          <a:chExt cx="0" cy="0"/>
+        </a:xfrm>
+      </p:grpSpPr>
+      <p:sp>
+        <p:nvSpPr>
+          <p:cNvPr id="17" name="Rechteck: abgerundete Ecken 16">
+            <a:extLst>
+              <a:ext uri="{FF2B5EF4-FFF2-40B4-BE49-F238E27FC236}">
+                <a16:creationId xmlns:a16="http://schemas.microsoft.com/office/drawing/2014/main" id="{3DC1CA4C-7C6C-44D5-A4C9-1856E623CDD2}"/>
+              </a:ext>
+            </a:extLst>
+          </p:cNvPr>
+          <p:cNvSpPr/>
+          <p:nvPr/>
+        </p:nvSpPr>
+        <p:spPr>
+          <a:xfrm>
+            <a:off x="5763848" y="1648984"/>
+            <a:ext cx="4513171" cy="1911902"/>
+          </a:xfrm>
+          <a:prstGeom prst="roundRect">
+            <a:avLst>
+              <a:gd name="adj" fmla="val 2329"/>
+            </a:avLst>
+          </a:prstGeom>
+          <a:solidFill>
+            <a:schemeClr val="bg1">
+              <a:lumMod val="95000"/>
+            </a:schemeClr>
+          </a:solidFill>
+          <a:ln>
+            <a:solidFill>
+              <a:schemeClr val="accent1">
+                <a:lumMod val="50000"/>
+              </a:schemeClr>
+            </a:solidFill>
+          </a:ln>
+        </p:spPr>
+        <p:style>
+          <a:lnRef idx="2">
+            <a:schemeClr val="accent6"/>
+          </a:lnRef>
+          <a:fillRef idx="1">
+            <a:schemeClr val="lt1"/>
+          </a:fillRef>
+          <a:effectRef idx="0">
+            <a:schemeClr val="accent6"/>
+          </a:effectRef>
+          <a:fontRef idx="minor">
+            <a:schemeClr val="dk1"/>
+          </a:fontRef>
+        </p:style>
+        <p:txBody>
+          <a:bodyPr rtlCol="0" anchor="ctr"/>
+          <a:lstStyle/>
+          <a:p>
+            <a:pPr algn="ctr"/>
+            <a:endParaRPr lang="en-GB" dirty="0"/>
+          </a:p>
+        </p:txBody>
+      </p:sp>
+      <p:sp>
+        <p:nvSpPr>
+          <p:cNvPr id="56" name="Rechteck: abgerundete Ecken 55">
+            <a:extLst>
+              <a:ext uri="{FF2B5EF4-FFF2-40B4-BE49-F238E27FC236}">
+                <a16:creationId xmlns:a16="http://schemas.microsoft.com/office/drawing/2014/main" id="{734B3666-E988-4701-9F40-1396FB64A7B8}"/>
+              </a:ext>
+            </a:extLst>
+          </p:cNvPr>
+          <p:cNvSpPr/>
+          <p:nvPr/>
+        </p:nvSpPr>
+        <p:spPr>
+          <a:xfrm>
+            <a:off x="6095843" y="2140162"/>
+            <a:ext cx="2871941" cy="1317471"/>
+          </a:xfrm>
+          <a:prstGeom prst="roundRect">
+            <a:avLst>
+              <a:gd name="adj" fmla="val 4732"/>
+            </a:avLst>
+          </a:prstGeom>
+          <a:ln>
+            <a:solidFill>
+              <a:schemeClr val="accent1">
+                <a:lumMod val="50000"/>
+              </a:schemeClr>
+            </a:solidFill>
+          </a:ln>
+        </p:spPr>
+        <p:style>
+          <a:lnRef idx="2">
+            <a:schemeClr val="accent6"/>
+          </a:lnRef>
+          <a:fillRef idx="1">
+            <a:schemeClr val="lt1"/>
+          </a:fillRef>
+          <a:effectRef idx="0">
+            <a:schemeClr val="accent6"/>
+          </a:effectRef>
+          <a:fontRef idx="minor">
+            <a:schemeClr val="dk1"/>
+          </a:fontRef>
+        </p:style>
+        <p:txBody>
+          <a:bodyPr rtlCol="0" anchor="t"/>
+          <a:lstStyle/>
+          <a:p>
+            <a:r>
+              <a:rPr lang="en-GB" sz="1200" dirty="0"/>
+              <a:t>R-30iB Controller</a:t>
+            </a:r>
+          </a:p>
+        </p:txBody>
+      </p:sp>
+      <p:sp>
+        <p:nvSpPr>
+          <p:cNvPr id="15" name="Rechteck: abgerundete Ecken 14">
+            <a:extLst>
+              <a:ext uri="{FF2B5EF4-FFF2-40B4-BE49-F238E27FC236}">
+                <a16:creationId xmlns:a16="http://schemas.microsoft.com/office/drawing/2014/main" id="{9C5CFD23-78EA-48CD-A4BE-8A966B55853B}"/>
+              </a:ext>
+            </a:extLst>
+          </p:cNvPr>
+          <p:cNvSpPr/>
+          <p:nvPr/>
+        </p:nvSpPr>
+        <p:spPr>
+          <a:xfrm>
+            <a:off x="4721682" y="2469123"/>
+            <a:ext cx="739380" cy="1105078"/>
+          </a:xfrm>
+          <a:prstGeom prst="roundRect">
+            <a:avLst>
+              <a:gd name="adj" fmla="val 2329"/>
+            </a:avLst>
+          </a:prstGeom>
+          <a:solidFill>
+            <a:schemeClr val="bg1">
+              <a:lumMod val="95000"/>
+            </a:schemeClr>
+          </a:solidFill>
+          <a:ln>
+            <a:solidFill>
+              <a:schemeClr val="accent1">
+                <a:lumMod val="50000"/>
+              </a:schemeClr>
+            </a:solidFill>
+          </a:ln>
+        </p:spPr>
+        <p:style>
+          <a:lnRef idx="2">
+            <a:schemeClr val="accent6"/>
+          </a:lnRef>
+          <a:fillRef idx="1">
+            <a:schemeClr val="lt1"/>
+          </a:fillRef>
+          <a:effectRef idx="0">
+            <a:schemeClr val="accent6"/>
+          </a:effectRef>
+          <a:fontRef idx="minor">
+            <a:schemeClr val="dk1"/>
+          </a:fontRef>
+        </p:style>
+        <p:txBody>
+          <a:bodyPr rtlCol="0" anchor="ctr"/>
+          <a:lstStyle/>
+          <a:p>
+            <a:pPr algn="ctr"/>
+            <a:endParaRPr lang="en-GB" dirty="0"/>
+          </a:p>
+        </p:txBody>
+      </p:sp>
+      <p:sp>
+        <p:nvSpPr>
+          <p:cNvPr id="14" name="Rechteck: abgerundete Ecken 13">
+            <a:extLst>
+              <a:ext uri="{FF2B5EF4-FFF2-40B4-BE49-F238E27FC236}">
+                <a16:creationId xmlns:a16="http://schemas.microsoft.com/office/drawing/2014/main" id="{5A71DF7A-3532-49E2-8F3C-1FF57DD8F264}"/>
+              </a:ext>
+            </a:extLst>
+          </p:cNvPr>
+          <p:cNvSpPr/>
+          <p:nvPr/>
+        </p:nvSpPr>
+        <p:spPr>
+          <a:xfrm>
+            <a:off x="1914981" y="1656794"/>
+            <a:ext cx="2055616" cy="1904092"/>
+          </a:xfrm>
+          <a:prstGeom prst="roundRect">
+            <a:avLst>
+              <a:gd name="adj" fmla="val 2329"/>
+            </a:avLst>
+          </a:prstGeom>
+          <a:solidFill>
+            <a:schemeClr val="bg1">
+              <a:lumMod val="95000"/>
+            </a:schemeClr>
+          </a:solidFill>
+          <a:ln>
+            <a:solidFill>
+              <a:schemeClr val="accent1">
+                <a:lumMod val="50000"/>
+              </a:schemeClr>
+            </a:solidFill>
+          </a:ln>
+        </p:spPr>
+        <p:style>
+          <a:lnRef idx="2">
+            <a:schemeClr val="accent6"/>
+          </a:lnRef>
+          <a:fillRef idx="1">
+            <a:schemeClr val="lt1"/>
+          </a:fillRef>
+          <a:effectRef idx="0">
+            <a:schemeClr val="accent6"/>
+          </a:effectRef>
+          <a:fontRef idx="minor">
+            <a:schemeClr val="dk1"/>
+          </a:fontRef>
+        </p:style>
+        <p:txBody>
+          <a:bodyPr rtlCol="0" anchor="ctr"/>
+          <a:lstStyle/>
+          <a:p>
+            <a:pPr algn="ctr"/>
+            <a:endParaRPr lang="en-GB" dirty="0"/>
+          </a:p>
+        </p:txBody>
+      </p:sp>
+      <p:pic>
+        <p:nvPicPr>
+          <p:cNvPr id="5" name="Grafik 4" descr="Virtual Reality-Headset">
+            <a:extLst>
+              <a:ext uri="{FF2B5EF4-FFF2-40B4-BE49-F238E27FC236}">
+                <a16:creationId xmlns:a16="http://schemas.microsoft.com/office/drawing/2014/main" id="{579F92FA-4D2B-4C76-8ED1-C5CE19730AA5}"/>
+              </a:ext>
+            </a:extLst>
+          </p:cNvPr>
+          <p:cNvPicPr>
+            <a:picLocks noChangeAspect="1"/>
+          </p:cNvPicPr>
+          <p:nvPr/>
+        </p:nvPicPr>
+        <p:blipFill>
+          <a:blip r:embed="rId2">
+            <a:extLst>
+              <a:ext uri="{28A0092B-C50C-407E-A947-70E740481C1C}">
+                <a14:useLocalDpi xmlns:a14="http://schemas.microsoft.com/office/drawing/2010/main" val="0"/>
+              </a:ext>
+              <a:ext uri="{96DAC541-7B7A-43D3-8B79-37D633B846F1}">
+                <asvg:svgBlip xmlns:asvg="http://schemas.microsoft.com/office/drawing/2016/SVG/main" r:embed="rId3"/>
+              </a:ext>
+            </a:extLst>
+          </a:blip>
+          <a:stretch>
+            <a:fillRect/>
+          </a:stretch>
+        </p:blipFill>
+        <p:spPr>
+          <a:xfrm>
+            <a:off x="3275464" y="2016887"/>
+            <a:ext cx="610239" cy="610239"/>
+          </a:xfrm>
+          <a:prstGeom prst="rect">
+            <a:avLst/>
+          </a:prstGeom>
+        </p:spPr>
+      </p:pic>
+      <p:grpSp>
+        <p:nvGrpSpPr>
+          <p:cNvPr id="75" name="Gruppieren 74">
+            <a:extLst>
+              <a:ext uri="{FF2B5EF4-FFF2-40B4-BE49-F238E27FC236}">
+                <a16:creationId xmlns:a16="http://schemas.microsoft.com/office/drawing/2014/main" id="{88458C83-D164-4AAE-8F7F-4B228E6D0238}"/>
+              </a:ext>
+            </a:extLst>
+          </p:cNvPr>
+          <p:cNvGrpSpPr/>
+          <p:nvPr/>
+        </p:nvGrpSpPr>
+        <p:grpSpPr>
+          <a:xfrm>
+            <a:off x="9475569" y="2133327"/>
+            <a:ext cx="707349" cy="1317471"/>
+            <a:chOff x="8375290" y="2597362"/>
+            <a:chExt cx="768434" cy="1317471"/>
+          </a:xfrm>
+        </p:grpSpPr>
+        <p:sp>
+          <p:nvSpPr>
+            <p:cNvPr id="57" name="Rechteck: abgerundete Ecken 56">
+              <a:extLst>
+                <a:ext uri="{FF2B5EF4-FFF2-40B4-BE49-F238E27FC236}">
+                  <a16:creationId xmlns:a16="http://schemas.microsoft.com/office/drawing/2014/main" id="{3E2B4490-91C7-4C3C-B90A-007048854839}"/>
+                </a:ext>
+              </a:extLst>
+            </p:cNvPr>
+            <p:cNvSpPr/>
+            <p:nvPr/>
+          </p:nvSpPr>
+          <p:spPr>
+            <a:xfrm>
+              <a:off x="8375290" y="2597362"/>
+              <a:ext cx="768434" cy="1317471"/>
+            </a:xfrm>
+            <a:prstGeom prst="roundRect">
+              <a:avLst>
+                <a:gd name="adj" fmla="val 4732"/>
+              </a:avLst>
+            </a:prstGeom>
+            <a:ln>
+              <a:solidFill>
+                <a:schemeClr val="accent1">
+                  <a:lumMod val="50000"/>
+                </a:schemeClr>
+              </a:solidFill>
+            </a:ln>
+          </p:spPr>
+          <p:style>
+            <a:lnRef idx="2">
+              <a:schemeClr val="accent6"/>
+            </a:lnRef>
+            <a:fillRef idx="1">
+              <a:schemeClr val="lt1"/>
+            </a:fillRef>
+            <a:effectRef idx="0">
+              <a:schemeClr val="accent6"/>
+            </a:effectRef>
+            <a:fontRef idx="minor">
+              <a:schemeClr val="dk1"/>
+            </a:fontRef>
+          </p:style>
+          <p:txBody>
+            <a:bodyPr rtlCol="0" anchor="t"/>
+            <a:lstStyle/>
+            <a:p>
+              <a:r>
+                <a:rPr lang="en-GB" sz="1200" dirty="0"/>
+                <a:t>CR-i7L</a:t>
+              </a:r>
+            </a:p>
+          </p:txBody>
+        </p:sp>
+        <p:pic>
+          <p:nvPicPr>
+            <p:cNvPr id="7" name="Picture 4" descr="Bildergebnis für Fanuc Cr7 png">
+              <a:extLst>
+                <a:ext uri="{FF2B5EF4-FFF2-40B4-BE49-F238E27FC236}">
+                  <a16:creationId xmlns:a16="http://schemas.microsoft.com/office/drawing/2014/main" id="{BC7614CF-B52B-4B2C-9797-8DAECB08F3AE}"/>
+                </a:ext>
+              </a:extLst>
+            </p:cNvPr>
+            <p:cNvPicPr>
+              <a:picLocks noChangeAspect="1" noChangeArrowheads="1"/>
+            </p:cNvPicPr>
+            <p:nvPr/>
+          </p:nvPicPr>
+          <p:blipFill>
+            <a:blip r:embed="rId4">
+              <a:extLst>
+                <a:ext uri="{BEBA8EAE-BF5A-486C-A8C5-ECC9F3942E4B}">
+                  <a14:imgProps xmlns:a14="http://schemas.microsoft.com/office/drawing/2010/main">
+                    <a14:imgLayer r:embed="rId5">
+                      <a14:imgEffect>
+                        <a14:backgroundRemoval t="9455" b="95636" l="9290" r="89071">
+                          <a14:foregroundMark x1="48634" y1="92364" x2="48634" y2="92364"/>
+                          <a14:foregroundMark x1="51913" y1="95636" x2="51913" y2="95636"/>
+                        </a14:backgroundRemoval>
+                      </a14:imgEffect>
+                      <a14:imgEffect>
+                        <a14:saturation sat="0"/>
+                      </a14:imgEffect>
+                    </a14:imgLayer>
+                  </a14:imgProps>
+                </a:ext>
+                <a:ext uri="{28A0092B-C50C-407E-A947-70E740481C1C}">
+                  <a14:useLocalDpi xmlns:a14="http://schemas.microsoft.com/office/drawing/2010/main" val="0"/>
+                </a:ext>
+              </a:extLst>
+            </a:blip>
+            <a:srcRect/>
+            <a:stretch>
+              <a:fillRect/>
+            </a:stretch>
+          </p:blipFill>
+          <p:spPr bwMode="auto">
+            <a:xfrm>
+              <a:off x="8506841" y="2944070"/>
+              <a:ext cx="511183" cy="768172"/>
+            </a:xfrm>
+            <a:prstGeom prst="rect">
+              <a:avLst/>
+            </a:prstGeom>
+            <a:noFill/>
+            <a:extLst>
+              <a:ext uri="{909E8E84-426E-40DD-AFC4-6F175D3DCCD1}">
+                <a14:hiddenFill xmlns:a14="http://schemas.microsoft.com/office/drawing/2010/main">
+                  <a:solidFill>
+                    <a:srgbClr val="FFFFFF"/>
+                  </a:solidFill>
+                </a14:hiddenFill>
+              </a:ext>
+            </a:extLst>
+          </p:spPr>
+        </p:pic>
+      </p:grpSp>
+      <p:pic>
+        <p:nvPicPr>
+          <p:cNvPr id="8" name="Grafik 7" descr="Drahtlosrouter">
+            <a:extLst>
+              <a:ext uri="{FF2B5EF4-FFF2-40B4-BE49-F238E27FC236}">
+                <a16:creationId xmlns:a16="http://schemas.microsoft.com/office/drawing/2014/main" id="{9CCC504D-D78A-48A2-81B6-8A95295D0C04}"/>
+              </a:ext>
+            </a:extLst>
+          </p:cNvPr>
+          <p:cNvPicPr>
+            <a:picLocks noChangeAspect="1"/>
+          </p:cNvPicPr>
+          <p:nvPr/>
+        </p:nvPicPr>
+        <p:blipFill>
+          <a:blip r:embed="rId6">
+            <a:extLst>
+              <a:ext uri="{28A0092B-C50C-407E-A947-70E740481C1C}">
+                <a14:useLocalDpi xmlns:a14="http://schemas.microsoft.com/office/drawing/2010/main" val="0"/>
+              </a:ext>
+              <a:ext uri="{96DAC541-7B7A-43D3-8B79-37D633B846F1}">
+                <asvg:svgBlip xmlns:asvg="http://schemas.microsoft.com/office/drawing/2016/SVG/main" r:embed="rId7"/>
+              </a:ext>
+            </a:extLst>
+          </a:blip>
+          <a:stretch>
+            <a:fillRect/>
+          </a:stretch>
+        </p:blipFill>
+        <p:spPr>
+          <a:xfrm>
+            <a:off x="4820842" y="2980780"/>
+            <a:ext cx="539292" cy="539292"/>
+          </a:xfrm>
+          <a:prstGeom prst="rect">
+            <a:avLst/>
+          </a:prstGeom>
+        </p:spPr>
+      </p:pic>
+      <p:pic>
+        <p:nvPicPr>
+          <p:cNvPr id="11" name="Picture 6" descr="Bildergebnis für fanuc r30ib png">
+            <a:extLst>
+              <a:ext uri="{FF2B5EF4-FFF2-40B4-BE49-F238E27FC236}">
+                <a16:creationId xmlns:a16="http://schemas.microsoft.com/office/drawing/2014/main" id="{90D78CBA-5147-4082-A0D3-3D307402EECF}"/>
+              </a:ext>
+            </a:extLst>
+          </p:cNvPr>
+          <p:cNvPicPr>
+            <a:picLocks noChangeAspect="1" noChangeArrowheads="1"/>
+          </p:cNvPicPr>
+          <p:nvPr/>
+        </p:nvPicPr>
+        <p:blipFill rotWithShape="1">
+          <a:blip r:embed="rId8">
+            <a:extLst>
+              <a:ext uri="{BEBA8EAE-BF5A-486C-A8C5-ECC9F3942E4B}">
+                <a14:imgProps xmlns:a14="http://schemas.microsoft.com/office/drawing/2010/main">
+                  <a14:imgLayer r:embed="rId9">
+                    <a14:imgEffect>
+                      <a14:backgroundRemoval t="8182" b="90000" l="2750" r="93250">
+                        <a14:foregroundMark x1="14500" y1="42727" x2="14500" y2="42727"/>
+                        <a14:foregroundMark x1="13750" y1="39091" x2="13500" y2="60000"/>
+                        <a14:foregroundMark x1="10500" y1="28182" x2="9000" y2="44091"/>
+                        <a14:foregroundMark x1="6750" y1="22273" x2="10500" y2="32727"/>
+                        <a14:foregroundMark x1="7000" y1="15909" x2="34250" y2="18636"/>
+                        <a14:foregroundMark x1="19750" y1="12273" x2="9000" y2="11364"/>
+                        <a14:foregroundMark x1="24750" y1="14091" x2="49000" y2="21364"/>
+                        <a14:foregroundMark x1="46000" y1="16364" x2="45500" y2="28182"/>
+                        <a14:foregroundMark x1="80500" y1="26818" x2="86250" y2="62727"/>
+                        <a14:foregroundMark x1="46750" y1="88182" x2="40500" y2="88182"/>
+                        <a14:foregroundMark x1="40000" y1="87727" x2="3000" y2="81364"/>
+                        <a14:foregroundMark x1="6250" y1="70455" x2="13750" y2="11364"/>
+                        <a14:foregroundMark x1="13750" y1="11364" x2="16000" y2="11364"/>
+                        <a14:foregroundMark x1="11500" y1="11364" x2="4500" y2="10455"/>
+                        <a14:foregroundMark x1="5250" y1="12273" x2="5250" y2="12273"/>
+                        <a14:foregroundMark x1="4000" y1="12273" x2="4000" y2="12273"/>
+                        <a14:foregroundMark x1="3000" y1="10455" x2="3000" y2="10455"/>
+                        <a14:foregroundMark x1="2750" y1="11818" x2="2750" y2="11818"/>
+                        <a14:foregroundMark x1="3500" y1="16818" x2="3500" y2="16818"/>
+                        <a14:foregroundMark x1="3500" y1="19091" x2="3500" y2="52727"/>
+                        <a14:foregroundMark x1="20750" y1="10000" x2="53750" y2="8636"/>
+                        <a14:foregroundMark x1="86750" y1="30455" x2="88750" y2="52273"/>
+                        <a14:foregroundMark x1="93250" y1="24091" x2="93250" y2="46364"/>
+                      </a14:backgroundRemoval>
+                    </a14:imgEffect>
+                    <a14:imgEffect>
+                      <a14:saturation sat="0"/>
+                    </a14:imgEffect>
+                  </a14:imgLayer>
+                </a14:imgProps>
+              </a:ext>
+              <a:ext uri="{28A0092B-C50C-407E-A947-70E740481C1C}">
+                <a14:useLocalDpi xmlns:a14="http://schemas.microsoft.com/office/drawing/2010/main" val="0"/>
+              </a:ext>
+            </a:extLst>
+          </a:blip>
+          <a:srcRect r="30840"/>
+          <a:stretch/>
+        </p:blipFill>
+        <p:spPr bwMode="auto">
+          <a:xfrm>
+            <a:off x="8160206" y="2172350"/>
+            <a:ext cx="799684" cy="635955"/>
+          </a:xfrm>
+          <a:prstGeom prst="rect">
+            <a:avLst/>
+          </a:prstGeom>
+          <a:noFill/>
+          <a:extLst>
+            <a:ext uri="{909E8E84-426E-40DD-AFC4-6F175D3DCCD1}">
+              <a14:hiddenFill xmlns:a14="http://schemas.microsoft.com/office/drawing/2010/main">
+                <a:solidFill>
+                  <a:srgbClr val="FFFFFF"/>
+                </a:solidFill>
+              </a14:hiddenFill>
+            </a:ext>
+          </a:extLst>
+        </p:spPr>
+      </p:pic>
+      <p:sp>
+        <p:nvSpPr>
+          <p:cNvPr id="32" name="Textfeld 31">
+            <a:extLst>
+              <a:ext uri="{FF2B5EF4-FFF2-40B4-BE49-F238E27FC236}">
+                <a16:creationId xmlns:a16="http://schemas.microsoft.com/office/drawing/2014/main" id="{BEDF605D-28EB-43FF-AB15-D3771E6BE463}"/>
+              </a:ext>
+            </a:extLst>
+          </p:cNvPr>
+          <p:cNvSpPr txBox="1"/>
+          <p:nvPr/>
+        </p:nvSpPr>
+        <p:spPr>
+          <a:xfrm>
+            <a:off x="1914980" y="1656794"/>
+            <a:ext cx="1761829" cy="307777"/>
+          </a:xfrm>
+          <a:prstGeom prst="rect">
+            <a:avLst/>
+          </a:prstGeom>
+          <a:noFill/>
+        </p:spPr>
+        <p:txBody>
+          <a:bodyPr wrap="none" rtlCol="0">
+            <a:spAutoFit/>
+          </a:bodyPr>
+          <a:lstStyle/>
+          <a:p>
+            <a:r>
+              <a:rPr lang="en-US" sz="1400" dirty="0"/>
+              <a:t>.NET Framework Host</a:t>
+            </a:r>
+          </a:p>
+        </p:txBody>
+      </p:sp>
+      <p:sp>
+        <p:nvSpPr>
+          <p:cNvPr id="34" name="Textfeld 33">
+            <a:extLst>
+              <a:ext uri="{FF2B5EF4-FFF2-40B4-BE49-F238E27FC236}">
+                <a16:creationId xmlns:a16="http://schemas.microsoft.com/office/drawing/2014/main" id="{B52B3E1E-4726-44B5-A41A-591EE0915B6D}"/>
+              </a:ext>
+            </a:extLst>
+          </p:cNvPr>
+          <p:cNvSpPr txBox="1"/>
+          <p:nvPr/>
+        </p:nvSpPr>
+        <p:spPr>
+          <a:xfrm rot="16200000">
+            <a:off x="4259833" y="2689306"/>
+            <a:ext cx="574196" cy="276999"/>
+          </a:xfrm>
+          <a:prstGeom prst="rect">
+            <a:avLst/>
+          </a:prstGeom>
+          <a:noFill/>
+        </p:spPr>
+        <p:txBody>
+          <a:bodyPr wrap="none" rtlCol="0">
+            <a:spAutoFit/>
+          </a:bodyPr>
+          <a:lstStyle/>
+          <a:p>
+            <a:r>
+              <a:rPr lang="en-US" sz="1200" dirty="0"/>
+              <a:t>WLAN</a:t>
+            </a:r>
+          </a:p>
+        </p:txBody>
+      </p:sp>
+      <p:sp>
+        <p:nvSpPr>
+          <p:cNvPr id="35" name="Textfeld 34">
+            <a:extLst>
+              <a:ext uri="{FF2B5EF4-FFF2-40B4-BE49-F238E27FC236}">
+                <a16:creationId xmlns:a16="http://schemas.microsoft.com/office/drawing/2014/main" id="{BC3DD381-2A82-4B6A-B6A6-D04441F8C454}"/>
+              </a:ext>
+            </a:extLst>
+          </p:cNvPr>
+          <p:cNvSpPr txBox="1"/>
+          <p:nvPr/>
+        </p:nvSpPr>
+        <p:spPr>
+          <a:xfrm>
+            <a:off x="4721681" y="2502735"/>
+            <a:ext cx="739380" cy="523220"/>
+          </a:xfrm>
+          <a:prstGeom prst="rect">
+            <a:avLst/>
+          </a:prstGeom>
+          <a:noFill/>
+        </p:spPr>
+        <p:txBody>
+          <a:bodyPr wrap="square" rtlCol="0">
+            <a:spAutoFit/>
+          </a:bodyPr>
+          <a:lstStyle/>
+          <a:p>
+            <a:pPr algn="ctr"/>
+            <a:r>
+              <a:rPr lang="en-US" sz="1400" dirty="0"/>
+              <a:t>WLAN </a:t>
+            </a:r>
+          </a:p>
+          <a:p>
+            <a:pPr algn="ctr"/>
+            <a:r>
+              <a:rPr lang="en-US" sz="1400" dirty="0"/>
+              <a:t>Router</a:t>
+            </a:r>
+          </a:p>
+        </p:txBody>
+      </p:sp>
+      <p:sp>
+        <p:nvSpPr>
+          <p:cNvPr id="36" name="Textfeld 35">
+            <a:extLst>
+              <a:ext uri="{FF2B5EF4-FFF2-40B4-BE49-F238E27FC236}">
+                <a16:creationId xmlns:a16="http://schemas.microsoft.com/office/drawing/2014/main" id="{D74522CB-39AB-427A-A548-2A36077C2D92}"/>
+              </a:ext>
+            </a:extLst>
+          </p:cNvPr>
+          <p:cNvSpPr txBox="1"/>
+          <p:nvPr/>
+        </p:nvSpPr>
+        <p:spPr>
+          <a:xfrm>
+            <a:off x="5763849" y="1653979"/>
+            <a:ext cx="1397947" cy="307777"/>
+          </a:xfrm>
+          <a:prstGeom prst="rect">
+            <a:avLst/>
+          </a:prstGeom>
+          <a:noFill/>
+        </p:spPr>
+        <p:txBody>
+          <a:bodyPr wrap="none" rtlCol="0">
+            <a:spAutoFit/>
+          </a:bodyPr>
+          <a:lstStyle/>
+          <a:p>
+            <a:r>
+              <a:rPr lang="en-US" sz="1400" dirty="0"/>
+              <a:t>Robot Controller</a:t>
+            </a:r>
+          </a:p>
+        </p:txBody>
+      </p:sp>
+      <p:sp>
+        <p:nvSpPr>
+          <p:cNvPr id="44" name="Rechteck: abgerundete Ecken 43">
+            <a:extLst>
+              <a:ext uri="{FF2B5EF4-FFF2-40B4-BE49-F238E27FC236}">
+                <a16:creationId xmlns:a16="http://schemas.microsoft.com/office/drawing/2014/main" id="{853C4ED4-FF34-4877-A3B2-E57364107C5F}"/>
+              </a:ext>
+            </a:extLst>
+          </p:cNvPr>
+          <p:cNvSpPr/>
+          <p:nvPr/>
+        </p:nvSpPr>
+        <p:spPr>
+          <a:xfrm>
+            <a:off x="3442008" y="2811227"/>
+            <a:ext cx="911427" cy="602962"/>
+          </a:xfrm>
+          <a:prstGeom prst="roundRect">
+            <a:avLst>
+              <a:gd name="adj" fmla="val 10738"/>
+            </a:avLst>
+          </a:prstGeom>
+          <a:ln>
+            <a:solidFill>
+              <a:schemeClr val="accent1">
+                <a:lumMod val="50000"/>
+              </a:schemeClr>
+            </a:solidFill>
+          </a:ln>
+        </p:spPr>
+        <p:style>
+          <a:lnRef idx="2">
+            <a:schemeClr val="accent6"/>
+          </a:lnRef>
+          <a:fillRef idx="1">
+            <a:schemeClr val="lt1"/>
+          </a:fillRef>
+          <a:effectRef idx="0">
+            <a:schemeClr val="accent6"/>
+          </a:effectRef>
+          <a:fontRef idx="minor">
+            <a:schemeClr val="dk1"/>
+          </a:fontRef>
+        </p:style>
+        <p:txBody>
+          <a:bodyPr rtlCol="0" anchor="ctr"/>
+          <a:lstStyle/>
+          <a:p>
+            <a:pPr algn="ctr"/>
+            <a:r>
+              <a:rPr lang="en-GB" sz="1200" dirty="0"/>
+              <a:t>Network- Socket Client</a:t>
+            </a:r>
+          </a:p>
+        </p:txBody>
+      </p:sp>
+      <p:sp>
+        <p:nvSpPr>
+          <p:cNvPr id="45" name="Rechteck: abgerundete Ecken 44">
+            <a:extLst>
+              <a:ext uri="{FF2B5EF4-FFF2-40B4-BE49-F238E27FC236}">
+                <a16:creationId xmlns:a16="http://schemas.microsoft.com/office/drawing/2014/main" id="{5602AC4A-111D-40CE-949D-DF16E2DBE867}"/>
+              </a:ext>
+            </a:extLst>
+          </p:cNvPr>
+          <p:cNvSpPr/>
+          <p:nvPr/>
+        </p:nvSpPr>
+        <p:spPr>
+          <a:xfrm>
+            <a:off x="2027114" y="2900478"/>
+            <a:ext cx="1112108" cy="418208"/>
+          </a:xfrm>
+          <a:prstGeom prst="roundRect">
+            <a:avLst>
+              <a:gd name="adj" fmla="val 10738"/>
+            </a:avLst>
+          </a:prstGeom>
+          <a:ln>
+            <a:solidFill>
+              <a:schemeClr val="accent1">
+                <a:lumMod val="50000"/>
+              </a:schemeClr>
+            </a:solidFill>
+          </a:ln>
+        </p:spPr>
+        <p:style>
+          <a:lnRef idx="2">
+            <a:schemeClr val="accent6"/>
+          </a:lnRef>
+          <a:fillRef idx="1">
+            <a:schemeClr val="lt1"/>
+          </a:fillRef>
+          <a:effectRef idx="0">
+            <a:schemeClr val="accent6"/>
+          </a:effectRef>
+          <a:fontRef idx="minor">
+            <a:schemeClr val="dk1"/>
+          </a:fontRef>
+        </p:style>
+        <p:txBody>
+          <a:bodyPr rtlCol="0" anchor="ctr"/>
+          <a:lstStyle/>
+          <a:p>
+            <a:pPr algn="ctr"/>
+            <a:r>
+              <a:rPr lang="en-GB" sz="1200" dirty="0"/>
+              <a:t>Robot Library</a:t>
+            </a:r>
+          </a:p>
+        </p:txBody>
+      </p:sp>
+      <p:cxnSp>
+        <p:nvCxnSpPr>
+          <p:cNvPr id="46" name="Gerade Verbindung mit Pfeil 45">
+            <a:extLst>
+              <a:ext uri="{FF2B5EF4-FFF2-40B4-BE49-F238E27FC236}">
+                <a16:creationId xmlns:a16="http://schemas.microsoft.com/office/drawing/2014/main" id="{BF74F94E-DF97-416E-A7FA-312CA1EC6119}"/>
+              </a:ext>
+            </a:extLst>
+          </p:cNvPr>
+          <p:cNvCxnSpPr>
+            <a:cxnSpLocks/>
+            <a:stCxn id="45" idx="3"/>
+            <a:endCxn id="44" idx="1"/>
+          </p:cNvCxnSpPr>
+          <p:nvPr/>
+        </p:nvCxnSpPr>
+        <p:spPr>
+          <a:xfrm>
+            <a:off x="3139222" y="3109582"/>
+            <a:ext cx="302786" cy="3126"/>
+          </a:xfrm>
+          <a:prstGeom prst="straightConnector1">
+            <a:avLst/>
+          </a:prstGeom>
+          <a:ln>
+            <a:headEnd type="triangle"/>
+            <a:tailEnd type="triangle"/>
+          </a:ln>
+        </p:spPr>
+        <p:style>
+          <a:lnRef idx="1">
+            <a:schemeClr val="dk1"/>
+          </a:lnRef>
+          <a:fillRef idx="0">
+            <a:schemeClr val="dk1"/>
+          </a:fillRef>
+          <a:effectRef idx="0">
+            <a:schemeClr val="dk1"/>
+          </a:effectRef>
+          <a:fontRef idx="minor">
+            <a:schemeClr val="tx1"/>
+          </a:fontRef>
+        </p:style>
+      </p:cxnSp>
+      <p:cxnSp>
+        <p:nvCxnSpPr>
+          <p:cNvPr id="50" name="Gerade Verbindung mit Pfeil 49">
+            <a:extLst>
+              <a:ext uri="{FF2B5EF4-FFF2-40B4-BE49-F238E27FC236}">
+                <a16:creationId xmlns:a16="http://schemas.microsoft.com/office/drawing/2014/main" id="{A3FBF6D4-7638-465F-B918-BD13CB1E3F33}"/>
+              </a:ext>
+            </a:extLst>
+          </p:cNvPr>
+          <p:cNvCxnSpPr>
+            <a:cxnSpLocks/>
+          </p:cNvCxnSpPr>
+          <p:nvPr/>
+        </p:nvCxnSpPr>
+        <p:spPr>
+          <a:xfrm>
+            <a:off x="4361053" y="3183197"/>
+            <a:ext cx="353822" cy="2916"/>
+          </a:xfrm>
+          <a:prstGeom prst="straightConnector1">
+            <a:avLst/>
+          </a:prstGeom>
+          <a:ln>
+            <a:prstDash val="dash"/>
+            <a:tailEnd type="triangle"/>
+          </a:ln>
+        </p:spPr>
+        <p:style>
+          <a:lnRef idx="1">
+            <a:schemeClr val="dk1"/>
+          </a:lnRef>
+          <a:fillRef idx="0">
+            <a:schemeClr val="dk1"/>
+          </a:fillRef>
+          <a:effectRef idx="0">
+            <a:schemeClr val="dk1"/>
+          </a:effectRef>
+          <a:fontRef idx="minor">
+            <a:schemeClr val="tx1"/>
+          </a:fontRef>
+        </p:style>
+      </p:cxnSp>
+      <p:sp>
+        <p:nvSpPr>
+          <p:cNvPr id="55" name="Rechteck: abgerundete Ecken 54">
+            <a:extLst>
+              <a:ext uri="{FF2B5EF4-FFF2-40B4-BE49-F238E27FC236}">
+                <a16:creationId xmlns:a16="http://schemas.microsoft.com/office/drawing/2014/main" id="{B64C326A-31A7-402E-A7BA-0A0A1FD5545F}"/>
+              </a:ext>
+            </a:extLst>
+          </p:cNvPr>
+          <p:cNvSpPr/>
+          <p:nvPr/>
+        </p:nvSpPr>
+        <p:spPr>
+          <a:xfrm>
+            <a:off x="5876598" y="2900478"/>
+            <a:ext cx="1112108" cy="418208"/>
+          </a:xfrm>
+          <a:prstGeom prst="roundRect">
+            <a:avLst>
+              <a:gd name="adj" fmla="val 10738"/>
+            </a:avLst>
+          </a:prstGeom>
+          <a:ln>
+            <a:solidFill>
+              <a:schemeClr val="accent1">
+                <a:lumMod val="50000"/>
+              </a:schemeClr>
+            </a:solidFill>
+          </a:ln>
+        </p:spPr>
+        <p:style>
+          <a:lnRef idx="2">
+            <a:schemeClr val="accent6"/>
+          </a:lnRef>
+          <a:fillRef idx="1">
+            <a:schemeClr val="lt1"/>
+          </a:fillRef>
+          <a:effectRef idx="0">
+            <a:schemeClr val="accent6"/>
+          </a:effectRef>
+          <a:fontRef idx="minor">
+            <a:schemeClr val="dk1"/>
+          </a:fontRef>
+        </p:style>
+        <p:txBody>
+          <a:bodyPr rtlCol="0" anchor="ctr"/>
+          <a:lstStyle/>
+          <a:p>
+            <a:pPr algn="ctr"/>
+            <a:r>
+              <a:rPr lang="en-GB" sz="1200" dirty="0"/>
+              <a:t>Network Socket Server</a:t>
+            </a:r>
+          </a:p>
+        </p:txBody>
+      </p:sp>
+      <p:cxnSp>
+        <p:nvCxnSpPr>
+          <p:cNvPr id="58" name="Gerade Verbindung mit Pfeil 57">
+            <a:extLst>
+              <a:ext uri="{FF2B5EF4-FFF2-40B4-BE49-F238E27FC236}">
+                <a16:creationId xmlns:a16="http://schemas.microsoft.com/office/drawing/2014/main" id="{E382A0CB-71EF-486C-8750-4BC86E834E5A}"/>
+              </a:ext>
+            </a:extLst>
+          </p:cNvPr>
+          <p:cNvCxnSpPr>
+            <a:cxnSpLocks/>
+          </p:cNvCxnSpPr>
+          <p:nvPr/>
+        </p:nvCxnSpPr>
+        <p:spPr>
+          <a:xfrm>
+            <a:off x="5468680" y="3180071"/>
+            <a:ext cx="415536" cy="0"/>
+          </a:xfrm>
+          <a:prstGeom prst="straightConnector1">
+            <a:avLst/>
+          </a:prstGeom>
+          <a:ln>
+            <a:tailEnd type="triangle"/>
+          </a:ln>
+        </p:spPr>
+        <p:style>
+          <a:lnRef idx="1">
+            <a:schemeClr val="dk1"/>
+          </a:lnRef>
+          <a:fillRef idx="0">
+            <a:schemeClr val="dk1"/>
+          </a:fillRef>
+          <a:effectRef idx="0">
+            <a:schemeClr val="dk1"/>
+          </a:effectRef>
+          <a:fontRef idx="minor">
+            <a:schemeClr val="tx1"/>
+          </a:fontRef>
+        </p:style>
+      </p:cxnSp>
+      <p:sp>
+        <p:nvSpPr>
+          <p:cNvPr id="61" name="Textfeld 60">
+            <a:extLst>
+              <a:ext uri="{FF2B5EF4-FFF2-40B4-BE49-F238E27FC236}">
+                <a16:creationId xmlns:a16="http://schemas.microsoft.com/office/drawing/2014/main" id="{C3552EBB-80FC-4CD5-A72B-393B6CD46765}"/>
+              </a:ext>
+            </a:extLst>
+          </p:cNvPr>
+          <p:cNvSpPr txBox="1"/>
+          <p:nvPr/>
+        </p:nvSpPr>
+        <p:spPr>
+          <a:xfrm rot="16200000">
+            <a:off x="5251712" y="2610064"/>
+            <a:ext cx="727059" cy="276999"/>
+          </a:xfrm>
+          <a:prstGeom prst="rect">
+            <a:avLst/>
+          </a:prstGeom>
+          <a:noFill/>
+        </p:spPr>
+        <p:txBody>
+          <a:bodyPr wrap="none" rtlCol="0">
+            <a:spAutoFit/>
+          </a:bodyPr>
+          <a:lstStyle/>
+          <a:p>
+            <a:r>
+              <a:rPr lang="en-US" sz="1200" dirty="0"/>
+              <a:t>Ethernet</a:t>
+            </a:r>
+          </a:p>
+        </p:txBody>
+      </p:sp>
+      <p:sp>
+        <p:nvSpPr>
+          <p:cNvPr id="76" name="Rechteck: abgerundete Ecken 75">
+            <a:extLst>
+              <a:ext uri="{FF2B5EF4-FFF2-40B4-BE49-F238E27FC236}">
+                <a16:creationId xmlns:a16="http://schemas.microsoft.com/office/drawing/2014/main" id="{84D3DDB6-F7D0-422A-A3D7-567207F1BF99}"/>
+              </a:ext>
+            </a:extLst>
+          </p:cNvPr>
+          <p:cNvSpPr/>
+          <p:nvPr/>
+        </p:nvSpPr>
+        <p:spPr>
+          <a:xfrm>
+            <a:off x="7210420" y="2400974"/>
+            <a:ext cx="868214" cy="358342"/>
+          </a:xfrm>
+          <a:prstGeom prst="roundRect">
+            <a:avLst>
+              <a:gd name="adj" fmla="val 10738"/>
+            </a:avLst>
+          </a:prstGeom>
+          <a:ln>
+            <a:solidFill>
+              <a:schemeClr val="accent1">
+                <a:lumMod val="50000"/>
+              </a:schemeClr>
+            </a:solidFill>
+          </a:ln>
+        </p:spPr>
+        <p:style>
+          <a:lnRef idx="2">
+            <a:schemeClr val="accent6"/>
+          </a:lnRef>
+          <a:fillRef idx="1">
+            <a:schemeClr val="lt1"/>
+          </a:fillRef>
+          <a:effectRef idx="0">
+            <a:schemeClr val="accent6"/>
+          </a:effectRef>
+          <a:fontRef idx="minor">
+            <a:schemeClr val="dk1"/>
+          </a:fontRef>
+        </p:style>
+        <p:txBody>
+          <a:bodyPr rtlCol="0" anchor="ctr"/>
+          <a:lstStyle/>
+          <a:p>
+            <a:pPr algn="ctr"/>
+            <a:r>
+              <a:rPr lang="en-GB" sz="1200" dirty="0"/>
+              <a:t>Karel Host</a:t>
+            </a:r>
+          </a:p>
+        </p:txBody>
+      </p:sp>
+      <p:sp>
+        <p:nvSpPr>
+          <p:cNvPr id="77" name="Rechteck: abgerundete Ecken 76">
+            <a:extLst>
+              <a:ext uri="{FF2B5EF4-FFF2-40B4-BE49-F238E27FC236}">
+                <a16:creationId xmlns:a16="http://schemas.microsoft.com/office/drawing/2014/main" id="{58897E8C-59F0-4788-9695-0D007D12448D}"/>
+              </a:ext>
+            </a:extLst>
+          </p:cNvPr>
+          <p:cNvSpPr/>
+          <p:nvPr/>
+        </p:nvSpPr>
+        <p:spPr>
+          <a:xfrm>
+            <a:off x="8307246" y="2965962"/>
+            <a:ext cx="868214" cy="358342"/>
+          </a:xfrm>
+          <a:prstGeom prst="roundRect">
+            <a:avLst>
+              <a:gd name="adj" fmla="val 10738"/>
+            </a:avLst>
+          </a:prstGeom>
+          <a:ln>
+            <a:solidFill>
+              <a:schemeClr val="accent1">
+                <a:lumMod val="50000"/>
+              </a:schemeClr>
+            </a:solidFill>
+          </a:ln>
+        </p:spPr>
+        <p:style>
+          <a:lnRef idx="2">
+            <a:schemeClr val="accent6"/>
+          </a:lnRef>
+          <a:fillRef idx="1">
+            <a:schemeClr val="lt1"/>
+          </a:fillRef>
+          <a:effectRef idx="0">
+            <a:schemeClr val="accent6"/>
+          </a:effectRef>
+          <a:fontRef idx="minor">
+            <a:schemeClr val="dk1"/>
+          </a:fontRef>
+        </p:style>
+        <p:txBody>
+          <a:bodyPr rtlCol="0" anchor="ctr"/>
+          <a:lstStyle/>
+          <a:p>
+            <a:pPr algn="ctr"/>
+            <a:r>
+              <a:rPr lang="en-GB" sz="1200" dirty="0"/>
+              <a:t>TP Loop</a:t>
+            </a:r>
+          </a:p>
+        </p:txBody>
+      </p:sp>
+      <p:sp>
+        <p:nvSpPr>
+          <p:cNvPr id="78" name="Rechteck: abgerundete Ecken 77">
+            <a:extLst>
+              <a:ext uri="{FF2B5EF4-FFF2-40B4-BE49-F238E27FC236}">
+                <a16:creationId xmlns:a16="http://schemas.microsoft.com/office/drawing/2014/main" id="{2D6DE084-8BAE-4E77-A62D-3AF960DCDF37}"/>
+              </a:ext>
+            </a:extLst>
+          </p:cNvPr>
+          <p:cNvSpPr/>
+          <p:nvPr/>
+        </p:nvSpPr>
+        <p:spPr>
+          <a:xfrm>
+            <a:off x="7198991" y="2965962"/>
+            <a:ext cx="868214" cy="358342"/>
+          </a:xfrm>
+          <a:prstGeom prst="roundRect">
+            <a:avLst>
+              <a:gd name="adj" fmla="val 10738"/>
+            </a:avLst>
+          </a:prstGeom>
+          <a:ln>
+            <a:solidFill>
+              <a:schemeClr val="accent1">
+                <a:lumMod val="50000"/>
+              </a:schemeClr>
+            </a:solidFill>
+          </a:ln>
+        </p:spPr>
+        <p:style>
+          <a:lnRef idx="2">
+            <a:schemeClr val="accent6"/>
+          </a:lnRef>
+          <a:fillRef idx="1">
+            <a:schemeClr val="lt1"/>
+          </a:fillRef>
+          <a:effectRef idx="0">
+            <a:schemeClr val="accent6"/>
+          </a:effectRef>
+          <a:fontRef idx="minor">
+            <a:schemeClr val="dk1"/>
+          </a:fontRef>
+        </p:style>
+        <p:txBody>
+          <a:bodyPr rtlCol="0" anchor="ctr"/>
+          <a:lstStyle/>
+          <a:p>
+            <a:pPr algn="ctr"/>
+            <a:r>
+              <a:rPr lang="en-GB" sz="1200" dirty="0"/>
+              <a:t>Register</a:t>
+            </a:r>
+          </a:p>
+        </p:txBody>
+      </p:sp>
+      <p:cxnSp>
+        <p:nvCxnSpPr>
+          <p:cNvPr id="79" name="Gerade Verbindung mit Pfeil 78">
+            <a:extLst>
+              <a:ext uri="{FF2B5EF4-FFF2-40B4-BE49-F238E27FC236}">
+                <a16:creationId xmlns:a16="http://schemas.microsoft.com/office/drawing/2014/main" id="{F3601691-8BFB-4D1D-9564-832CC2B2FF59}"/>
+              </a:ext>
+            </a:extLst>
+          </p:cNvPr>
+          <p:cNvCxnSpPr>
+            <a:cxnSpLocks/>
+            <a:stCxn id="77" idx="3"/>
+          </p:cNvCxnSpPr>
+          <p:nvPr/>
+        </p:nvCxnSpPr>
+        <p:spPr>
+          <a:xfrm>
+            <a:off x="9175460" y="3145133"/>
+            <a:ext cx="300192" cy="0"/>
+          </a:xfrm>
+          <a:prstGeom prst="straightConnector1">
+            <a:avLst/>
+          </a:prstGeom>
+          <a:ln>
+            <a:headEnd type="triangle"/>
+            <a:tailEnd type="triangle"/>
+          </a:ln>
+        </p:spPr>
+        <p:style>
+          <a:lnRef idx="1">
+            <a:schemeClr val="dk1"/>
+          </a:lnRef>
+          <a:fillRef idx="0">
+            <a:schemeClr val="dk1"/>
+          </a:fillRef>
+          <a:effectRef idx="0">
+            <a:schemeClr val="dk1"/>
+          </a:effectRef>
+          <a:fontRef idx="minor">
+            <a:schemeClr val="tx1"/>
+          </a:fontRef>
+        </p:style>
+      </p:cxnSp>
+      <p:cxnSp>
+        <p:nvCxnSpPr>
+          <p:cNvPr id="86" name="Gerade Verbindung mit Pfeil 85">
+            <a:extLst>
+              <a:ext uri="{FF2B5EF4-FFF2-40B4-BE49-F238E27FC236}">
+                <a16:creationId xmlns:a16="http://schemas.microsoft.com/office/drawing/2014/main" id="{CC36EC92-A022-435C-967D-9EEA75EB0726}"/>
+              </a:ext>
+            </a:extLst>
+          </p:cNvPr>
+          <p:cNvCxnSpPr>
+            <a:cxnSpLocks/>
+            <a:stCxn id="78" idx="3"/>
+            <a:endCxn id="77" idx="1"/>
+          </p:cNvCxnSpPr>
+          <p:nvPr/>
+        </p:nvCxnSpPr>
+        <p:spPr>
+          <a:xfrm>
+            <a:off x="8067205" y="3145133"/>
+            <a:ext cx="240041" cy="0"/>
+          </a:xfrm>
+          <a:prstGeom prst="straightConnector1">
+            <a:avLst/>
+          </a:prstGeom>
+          <a:ln>
+            <a:headEnd type="none"/>
+            <a:tailEnd type="triangle"/>
+          </a:ln>
+        </p:spPr>
+        <p:style>
+          <a:lnRef idx="1">
+            <a:schemeClr val="dk1"/>
+          </a:lnRef>
+          <a:fillRef idx="0">
+            <a:schemeClr val="dk1"/>
+          </a:fillRef>
+          <a:effectRef idx="0">
+            <a:schemeClr val="dk1"/>
+          </a:effectRef>
+          <a:fontRef idx="minor">
+            <a:schemeClr val="tx1"/>
+          </a:fontRef>
+        </p:style>
+      </p:cxnSp>
+      <p:cxnSp>
+        <p:nvCxnSpPr>
+          <p:cNvPr id="89" name="Gerade Verbindung mit Pfeil 88">
+            <a:extLst>
+              <a:ext uri="{FF2B5EF4-FFF2-40B4-BE49-F238E27FC236}">
+                <a16:creationId xmlns:a16="http://schemas.microsoft.com/office/drawing/2014/main" id="{31EEE082-72BD-4B5D-B656-91A829DDF065}"/>
+              </a:ext>
+            </a:extLst>
+          </p:cNvPr>
+          <p:cNvCxnSpPr>
+            <a:cxnSpLocks/>
+            <a:stCxn id="76" idx="2"/>
+            <a:endCxn id="78" idx="0"/>
+          </p:cNvCxnSpPr>
+          <p:nvPr/>
+        </p:nvCxnSpPr>
+        <p:spPr>
+          <a:xfrm flipH="1">
+            <a:off x="7633098" y="2759316"/>
+            <a:ext cx="11429" cy="206646"/>
+          </a:xfrm>
+          <a:prstGeom prst="straightConnector1">
+            <a:avLst/>
+          </a:prstGeom>
+          <a:ln>
+            <a:headEnd type="triangle"/>
+            <a:tailEnd type="triangle"/>
+          </a:ln>
+        </p:spPr>
+        <p:style>
+          <a:lnRef idx="1">
+            <a:schemeClr val="dk1"/>
+          </a:lnRef>
+          <a:fillRef idx="0">
+            <a:schemeClr val="dk1"/>
+          </a:fillRef>
+          <a:effectRef idx="0">
+            <a:schemeClr val="dk1"/>
+          </a:effectRef>
+          <a:fontRef idx="minor">
+            <a:schemeClr val="tx1"/>
+          </a:fontRef>
+        </p:style>
+      </p:cxnSp>
+      <p:cxnSp>
+        <p:nvCxnSpPr>
+          <p:cNvPr id="92" name="Gerade Verbindung mit Pfeil 91">
+            <a:extLst>
+              <a:ext uri="{FF2B5EF4-FFF2-40B4-BE49-F238E27FC236}">
+                <a16:creationId xmlns:a16="http://schemas.microsoft.com/office/drawing/2014/main" id="{4589DF11-3AC1-42F0-AFE7-2CCE2FBDFAF0}"/>
+              </a:ext>
+            </a:extLst>
+          </p:cNvPr>
+          <p:cNvCxnSpPr>
+            <a:cxnSpLocks/>
+            <a:stCxn id="55" idx="0"/>
+            <a:endCxn id="76" idx="1"/>
+          </p:cNvCxnSpPr>
+          <p:nvPr/>
+        </p:nvCxnSpPr>
+        <p:spPr>
+          <a:xfrm rot="5400000" flipH="1" flipV="1">
+            <a:off x="6661370" y="2351428"/>
+            <a:ext cx="320333" cy="777768"/>
+          </a:xfrm>
+          <a:prstGeom prst="bentConnector2">
+            <a:avLst/>
+          </a:prstGeom>
+          <a:ln>
+            <a:headEnd type="triangle"/>
+            <a:tailEnd type="triangle"/>
+          </a:ln>
+        </p:spPr>
+        <p:style>
+          <a:lnRef idx="1">
+            <a:schemeClr val="dk1"/>
+          </a:lnRef>
+          <a:fillRef idx="0">
+            <a:schemeClr val="dk1"/>
+          </a:fillRef>
+          <a:effectRef idx="0">
+            <a:schemeClr val="dk1"/>
+          </a:effectRef>
+          <a:fontRef idx="minor">
+            <a:schemeClr val="tx1"/>
+          </a:fontRef>
+        </p:style>
+      </p:cxnSp>
+      <p:cxnSp>
+        <p:nvCxnSpPr>
+          <p:cNvPr id="114" name="Gerade Verbindung mit Pfeil 113">
+            <a:extLst>
+              <a:ext uri="{FF2B5EF4-FFF2-40B4-BE49-F238E27FC236}">
+                <a16:creationId xmlns:a16="http://schemas.microsoft.com/office/drawing/2014/main" id="{E7706C79-B6D8-4072-8D5F-8084DB660C4E}"/>
+              </a:ext>
+            </a:extLst>
+          </p:cNvPr>
+          <p:cNvCxnSpPr>
+            <a:cxnSpLocks/>
+          </p:cNvCxnSpPr>
+          <p:nvPr/>
+        </p:nvCxnSpPr>
+        <p:spPr>
+          <a:xfrm>
+            <a:off x="4347328" y="3093686"/>
+            <a:ext cx="377072" cy="1939"/>
+          </a:xfrm>
+          <a:prstGeom prst="straightConnector1">
+            <a:avLst/>
+          </a:prstGeom>
+          <a:ln>
+            <a:prstDash val="dash"/>
+            <a:headEnd type="triangle"/>
+            <a:tailEnd type="none"/>
+          </a:ln>
+        </p:spPr>
+        <p:style>
+          <a:lnRef idx="1">
+            <a:schemeClr val="dk1"/>
+          </a:lnRef>
+          <a:fillRef idx="0">
+            <a:schemeClr val="dk1"/>
+          </a:fillRef>
+          <a:effectRef idx="0">
+            <a:schemeClr val="dk1"/>
+          </a:effectRef>
+          <a:fontRef idx="minor">
+            <a:schemeClr val="tx1"/>
+          </a:fontRef>
+        </p:style>
+      </p:cxnSp>
+      <p:cxnSp>
+        <p:nvCxnSpPr>
+          <p:cNvPr id="115" name="Gerade Verbindung mit Pfeil 114">
+            <a:extLst>
+              <a:ext uri="{FF2B5EF4-FFF2-40B4-BE49-F238E27FC236}">
+                <a16:creationId xmlns:a16="http://schemas.microsoft.com/office/drawing/2014/main" id="{71A8E368-C20B-4ECB-A6C7-B41B1D1E4CB6}"/>
+              </a:ext>
+            </a:extLst>
+          </p:cNvPr>
+          <p:cNvCxnSpPr>
+            <a:cxnSpLocks/>
+          </p:cNvCxnSpPr>
+          <p:nvPr/>
+        </p:nvCxnSpPr>
+        <p:spPr>
+          <a:xfrm>
+            <a:off x="5454955" y="3090560"/>
+            <a:ext cx="415536" cy="0"/>
+          </a:xfrm>
+          <a:prstGeom prst="straightConnector1">
+            <a:avLst/>
+          </a:prstGeom>
+          <a:ln>
+            <a:headEnd type="triangle"/>
+            <a:tailEnd type="none"/>
+          </a:ln>
+        </p:spPr>
+        <p:style>
+          <a:lnRef idx="1">
+            <a:schemeClr val="dk1"/>
+          </a:lnRef>
+          <a:fillRef idx="0">
+            <a:schemeClr val="dk1"/>
+          </a:fillRef>
+          <a:effectRef idx="0">
+            <a:schemeClr val="dk1"/>
+          </a:effectRef>
+          <a:fontRef idx="minor">
+            <a:schemeClr val="tx1"/>
+          </a:fontRef>
+        </p:style>
+      </p:cxnSp>
+      <p:sp>
+        <p:nvSpPr>
+          <p:cNvPr id="119" name="Rechteck: abgerundete Ecken 118">
+            <a:extLst>
+              <a:ext uri="{FF2B5EF4-FFF2-40B4-BE49-F238E27FC236}">
+                <a16:creationId xmlns:a16="http://schemas.microsoft.com/office/drawing/2014/main" id="{FA11CDAD-4DC8-487D-8904-90720091A104}"/>
+              </a:ext>
+            </a:extLst>
+          </p:cNvPr>
+          <p:cNvSpPr/>
+          <p:nvPr/>
+        </p:nvSpPr>
+        <p:spPr>
+          <a:xfrm>
+            <a:off x="2028001" y="2163478"/>
+            <a:ext cx="1112108" cy="418208"/>
+          </a:xfrm>
+          <a:prstGeom prst="roundRect">
+            <a:avLst>
+              <a:gd name="adj" fmla="val 10738"/>
+            </a:avLst>
+          </a:prstGeom>
+          <a:ln>
+            <a:solidFill>
+              <a:schemeClr val="accent1">
+                <a:lumMod val="50000"/>
+              </a:schemeClr>
+            </a:solidFill>
+          </a:ln>
+        </p:spPr>
+        <p:style>
+          <a:lnRef idx="2">
+            <a:schemeClr val="accent6"/>
+          </a:lnRef>
+          <a:fillRef idx="1">
+            <a:schemeClr val="lt1"/>
+          </a:fillRef>
+          <a:effectRef idx="0">
+            <a:schemeClr val="accent6"/>
+          </a:effectRef>
+          <a:fontRef idx="minor">
+            <a:schemeClr val="dk1"/>
+          </a:fontRef>
+        </p:style>
+        <p:txBody>
+          <a:bodyPr rtlCol="0" anchor="ctr"/>
+          <a:lstStyle/>
+          <a:p>
+            <a:pPr algn="ctr"/>
+            <a:r>
+              <a:rPr lang="en-GB" sz="1200" dirty="0"/>
+              <a:t>Application Logic (C#)</a:t>
+            </a:r>
+          </a:p>
+        </p:txBody>
+      </p:sp>
+      <p:cxnSp>
+        <p:nvCxnSpPr>
+          <p:cNvPr id="120" name="Gerade Verbindung mit Pfeil 119">
+            <a:extLst>
+              <a:ext uri="{FF2B5EF4-FFF2-40B4-BE49-F238E27FC236}">
+                <a16:creationId xmlns:a16="http://schemas.microsoft.com/office/drawing/2014/main" id="{39B78EEE-FE81-4BA7-8215-D3F57EF7D940}"/>
+              </a:ext>
+            </a:extLst>
+          </p:cNvPr>
+          <p:cNvCxnSpPr>
+            <a:cxnSpLocks/>
+            <a:stCxn id="119" idx="2"/>
+            <a:endCxn id="45" idx="0"/>
+          </p:cNvCxnSpPr>
+          <p:nvPr/>
+        </p:nvCxnSpPr>
+        <p:spPr>
+          <a:xfrm flipH="1">
+            <a:off x="2583168" y="2581686"/>
+            <a:ext cx="887" cy="318792"/>
+          </a:xfrm>
+          <a:prstGeom prst="straightConnector1">
+            <a:avLst/>
+          </a:prstGeom>
+          <a:ln>
+            <a:headEnd type="triangle"/>
+            <a:tailEnd type="triangle"/>
+          </a:ln>
+        </p:spPr>
+        <p:style>
+          <a:lnRef idx="1">
+            <a:schemeClr val="dk1"/>
+          </a:lnRef>
+          <a:fillRef idx="0">
+            <a:schemeClr val="dk1"/>
+          </a:fillRef>
+          <a:effectRef idx="0">
+            <a:schemeClr val="dk1"/>
+          </a:effectRef>
+          <a:fontRef idx="minor">
+            <a:schemeClr val="tx1"/>
+          </a:fontRef>
+        </p:style>
+      </p:cxnSp>
+      <p:cxnSp>
+        <p:nvCxnSpPr>
+          <p:cNvPr id="125" name="Verbinder: gewinkelt 124">
+            <a:extLst>
+              <a:ext uri="{FF2B5EF4-FFF2-40B4-BE49-F238E27FC236}">
+                <a16:creationId xmlns:a16="http://schemas.microsoft.com/office/drawing/2014/main" id="{EF925E0C-6ECD-4BC9-A7A9-239062245796}"/>
+              </a:ext>
+            </a:extLst>
+          </p:cNvPr>
+          <p:cNvCxnSpPr>
+            <a:cxnSpLocks/>
+            <a:endCxn id="57" idx="0"/>
+          </p:cNvCxnSpPr>
+          <p:nvPr/>
+        </p:nvCxnSpPr>
+        <p:spPr>
+          <a:xfrm>
+            <a:off x="4878751" y="1390790"/>
+            <a:ext cx="4950493" cy="742537"/>
+          </a:xfrm>
+          <a:prstGeom prst="bentConnector2">
+            <a:avLst/>
+          </a:prstGeom>
+          <a:ln>
+            <a:prstDash val="lgDash"/>
+            <a:tailEnd type="triangle"/>
+          </a:ln>
+        </p:spPr>
+        <p:style>
+          <a:lnRef idx="1">
+            <a:schemeClr val="dk1"/>
+          </a:lnRef>
+          <a:fillRef idx="0">
+            <a:schemeClr val="dk1"/>
+          </a:fillRef>
+          <a:effectRef idx="0">
+            <a:schemeClr val="dk1"/>
+          </a:effectRef>
+          <a:fontRef idx="minor">
+            <a:schemeClr val="tx1"/>
+          </a:fontRef>
+        </p:style>
+      </p:cxnSp>
+      <p:cxnSp>
+        <p:nvCxnSpPr>
+          <p:cNvPr id="129" name="Verbinder: gewinkelt 128">
+            <a:extLst>
+              <a:ext uri="{FF2B5EF4-FFF2-40B4-BE49-F238E27FC236}">
+                <a16:creationId xmlns:a16="http://schemas.microsoft.com/office/drawing/2014/main" id="{16886C29-A9DA-4135-B7A1-487CAF6DE54B}"/>
+              </a:ext>
+            </a:extLst>
+          </p:cNvPr>
+          <p:cNvCxnSpPr>
+            <a:cxnSpLocks/>
+            <a:stCxn id="5" idx="3"/>
+          </p:cNvCxnSpPr>
+          <p:nvPr/>
+        </p:nvCxnSpPr>
+        <p:spPr>
+          <a:xfrm flipV="1">
+            <a:off x="3885703" y="1390790"/>
+            <a:ext cx="993048" cy="931217"/>
+          </a:xfrm>
+          <a:prstGeom prst="bentConnector3">
+            <a:avLst/>
+          </a:prstGeom>
+          <a:ln>
+            <a:prstDash val="lgDash"/>
+            <a:tailEnd type="none"/>
+          </a:ln>
+        </p:spPr>
+        <p:style>
+          <a:lnRef idx="1">
+            <a:schemeClr val="dk1"/>
+          </a:lnRef>
+          <a:fillRef idx="0">
+            <a:schemeClr val="dk1"/>
+          </a:fillRef>
+          <a:effectRef idx="0">
+            <a:schemeClr val="dk1"/>
+          </a:effectRef>
+          <a:fontRef idx="minor">
+            <a:schemeClr val="tx1"/>
+          </a:fontRef>
+        </p:style>
+      </p:cxnSp>
+      <p:sp>
+        <p:nvSpPr>
+          <p:cNvPr id="132" name="Textfeld 131">
+            <a:extLst>
+              <a:ext uri="{FF2B5EF4-FFF2-40B4-BE49-F238E27FC236}">
+                <a16:creationId xmlns:a16="http://schemas.microsoft.com/office/drawing/2014/main" id="{730D85D6-7735-4726-A7F7-EB5972061F25}"/>
+              </a:ext>
+            </a:extLst>
+          </p:cNvPr>
+          <p:cNvSpPr txBox="1"/>
+          <p:nvPr/>
+        </p:nvSpPr>
+        <p:spPr>
+          <a:xfrm>
+            <a:off x="6167232" y="1139083"/>
+            <a:ext cx="1369927" cy="276999"/>
+          </a:xfrm>
+          <a:prstGeom prst="rect">
+            <a:avLst/>
+          </a:prstGeom>
+          <a:noFill/>
+        </p:spPr>
+        <p:txBody>
+          <a:bodyPr wrap="none" rtlCol="0">
+            <a:spAutoFit/>
+          </a:bodyPr>
+          <a:lstStyle/>
+          <a:p>
+            <a:r>
+              <a:rPr lang="en-US" sz="1200" dirty="0"/>
+              <a:t>Augmented Reality</a:t>
+            </a:r>
+          </a:p>
+        </p:txBody>
+      </p:sp>
+      <p:sp>
+        <p:nvSpPr>
+          <p:cNvPr id="133" name="Ellipse 132">
+            <a:extLst>
+              <a:ext uri="{FF2B5EF4-FFF2-40B4-BE49-F238E27FC236}">
+                <a16:creationId xmlns:a16="http://schemas.microsoft.com/office/drawing/2014/main" id="{67FD6F0C-D02B-4A5B-BD3A-83370CF0B461}"/>
+              </a:ext>
+            </a:extLst>
+          </p:cNvPr>
+          <p:cNvSpPr/>
+          <p:nvPr/>
+        </p:nvSpPr>
+        <p:spPr>
+          <a:xfrm>
+            <a:off x="1907087" y="2259034"/>
+            <a:ext cx="252000" cy="252000"/>
+          </a:xfrm>
+          <a:prstGeom prst="ellipse">
+            <a:avLst/>
+          </a:prstGeom>
+        </p:spPr>
+        <p:style>
+          <a:lnRef idx="2">
+            <a:schemeClr val="dk1"/>
+          </a:lnRef>
+          <a:fillRef idx="1">
+            <a:schemeClr val="lt1"/>
+          </a:fillRef>
+          <a:effectRef idx="0">
+            <a:schemeClr val="dk1"/>
+          </a:effectRef>
+          <a:fontRef idx="minor">
+            <a:schemeClr val="dk1"/>
+          </a:fontRef>
+        </p:style>
+        <p:txBody>
+          <a:bodyPr rtlCol="0" anchor="ctr"/>
+          <a:lstStyle/>
+          <a:p>
+            <a:pPr algn="ctr"/>
+            <a:r>
+              <a:rPr lang="en-US" sz="1200" dirty="0"/>
+              <a:t>1</a:t>
+            </a:r>
+          </a:p>
+        </p:txBody>
+      </p:sp>
+      <p:sp>
+        <p:nvSpPr>
+          <p:cNvPr id="134" name="Ellipse 133">
+            <a:extLst>
+              <a:ext uri="{FF2B5EF4-FFF2-40B4-BE49-F238E27FC236}">
+                <a16:creationId xmlns:a16="http://schemas.microsoft.com/office/drawing/2014/main" id="{524C86C8-C653-460B-87FE-F26F2494C92D}"/>
+              </a:ext>
+            </a:extLst>
+          </p:cNvPr>
+          <p:cNvSpPr/>
+          <p:nvPr/>
+        </p:nvSpPr>
+        <p:spPr>
+          <a:xfrm>
+            <a:off x="1893274" y="3185049"/>
+            <a:ext cx="252000" cy="252000"/>
+          </a:xfrm>
+          <a:prstGeom prst="ellipse">
+            <a:avLst/>
+          </a:prstGeom>
+        </p:spPr>
+        <p:style>
+          <a:lnRef idx="2">
+            <a:schemeClr val="dk1"/>
+          </a:lnRef>
+          <a:fillRef idx="1">
+            <a:schemeClr val="lt1"/>
+          </a:fillRef>
+          <a:effectRef idx="0">
+            <a:schemeClr val="dk1"/>
+          </a:effectRef>
+          <a:fontRef idx="minor">
+            <a:schemeClr val="dk1"/>
+          </a:fontRef>
+        </p:style>
+        <p:txBody>
+          <a:bodyPr rtlCol="0" anchor="ctr"/>
+          <a:lstStyle/>
+          <a:p>
+            <a:pPr algn="ctr"/>
+            <a:r>
+              <a:rPr lang="en-US" sz="1200" dirty="0"/>
+              <a:t>2</a:t>
+            </a:r>
+          </a:p>
+        </p:txBody>
+      </p:sp>
+      <p:sp>
+        <p:nvSpPr>
+          <p:cNvPr id="136" name="Ellipse 135">
+            <a:extLst>
+              <a:ext uri="{FF2B5EF4-FFF2-40B4-BE49-F238E27FC236}">
+                <a16:creationId xmlns:a16="http://schemas.microsoft.com/office/drawing/2014/main" id="{8E074D84-5193-4C4D-B203-E3C5F45997FB}"/>
+              </a:ext>
+            </a:extLst>
+          </p:cNvPr>
+          <p:cNvSpPr/>
+          <p:nvPr/>
+        </p:nvSpPr>
+        <p:spPr>
+          <a:xfrm>
+            <a:off x="3316007" y="3268072"/>
+            <a:ext cx="252000" cy="252000"/>
+          </a:xfrm>
+          <a:prstGeom prst="ellipse">
+            <a:avLst/>
+          </a:prstGeom>
+        </p:spPr>
+        <p:style>
+          <a:lnRef idx="2">
+            <a:schemeClr val="dk1"/>
+          </a:lnRef>
+          <a:fillRef idx="1">
+            <a:schemeClr val="lt1"/>
+          </a:fillRef>
+          <a:effectRef idx="0">
+            <a:schemeClr val="dk1"/>
+          </a:effectRef>
+          <a:fontRef idx="minor">
+            <a:schemeClr val="dk1"/>
+          </a:fontRef>
+        </p:style>
+        <p:txBody>
+          <a:bodyPr rtlCol="0" anchor="ctr"/>
+          <a:lstStyle/>
+          <a:p>
+            <a:pPr algn="ctr"/>
+            <a:r>
+              <a:rPr lang="en-US" sz="1200" dirty="0"/>
+              <a:t>3</a:t>
+            </a:r>
+          </a:p>
+        </p:txBody>
+      </p:sp>
+      <p:sp>
+        <p:nvSpPr>
+          <p:cNvPr id="137" name="Ellipse 136">
+            <a:extLst>
+              <a:ext uri="{FF2B5EF4-FFF2-40B4-BE49-F238E27FC236}">
+                <a16:creationId xmlns:a16="http://schemas.microsoft.com/office/drawing/2014/main" id="{8E2656A0-1270-4A33-9309-801879D73554}"/>
+              </a:ext>
+            </a:extLst>
+          </p:cNvPr>
+          <p:cNvSpPr/>
+          <p:nvPr/>
+        </p:nvSpPr>
+        <p:spPr>
+          <a:xfrm>
+            <a:off x="4592279" y="3429000"/>
+            <a:ext cx="252000" cy="252000"/>
+          </a:xfrm>
+          <a:prstGeom prst="ellipse">
+            <a:avLst/>
+          </a:prstGeom>
+        </p:spPr>
+        <p:style>
+          <a:lnRef idx="2">
+            <a:schemeClr val="dk1"/>
+          </a:lnRef>
+          <a:fillRef idx="1">
+            <a:schemeClr val="lt1"/>
+          </a:fillRef>
+          <a:effectRef idx="0">
+            <a:schemeClr val="dk1"/>
+          </a:effectRef>
+          <a:fontRef idx="minor">
+            <a:schemeClr val="dk1"/>
+          </a:fontRef>
+        </p:style>
+        <p:txBody>
+          <a:bodyPr rtlCol="0" anchor="ctr"/>
+          <a:lstStyle/>
+          <a:p>
+            <a:pPr algn="ctr"/>
+            <a:r>
+              <a:rPr lang="en-US" sz="1200" dirty="0"/>
+              <a:t>4</a:t>
+            </a:r>
+          </a:p>
+        </p:txBody>
+      </p:sp>
+      <p:sp>
+        <p:nvSpPr>
+          <p:cNvPr id="138" name="Ellipse 137">
+            <a:extLst>
+              <a:ext uri="{FF2B5EF4-FFF2-40B4-BE49-F238E27FC236}">
+                <a16:creationId xmlns:a16="http://schemas.microsoft.com/office/drawing/2014/main" id="{06C72D01-BBE1-4BAB-A37C-FAB245F70E29}"/>
+              </a:ext>
+            </a:extLst>
+          </p:cNvPr>
+          <p:cNvSpPr/>
+          <p:nvPr/>
+        </p:nvSpPr>
+        <p:spPr>
+          <a:xfrm>
+            <a:off x="5774927" y="2774477"/>
+            <a:ext cx="252000" cy="252000"/>
+          </a:xfrm>
+          <a:prstGeom prst="ellipse">
+            <a:avLst/>
+          </a:prstGeom>
+        </p:spPr>
+        <p:style>
+          <a:lnRef idx="2">
+            <a:schemeClr val="dk1"/>
+          </a:lnRef>
+          <a:fillRef idx="1">
+            <a:schemeClr val="lt1"/>
+          </a:fillRef>
+          <a:effectRef idx="0">
+            <a:schemeClr val="dk1"/>
+          </a:effectRef>
+          <a:fontRef idx="minor">
+            <a:schemeClr val="dk1"/>
+          </a:fontRef>
+        </p:style>
+        <p:txBody>
+          <a:bodyPr rtlCol="0" anchor="ctr"/>
+          <a:lstStyle/>
+          <a:p>
+            <a:pPr algn="ctr"/>
+            <a:r>
+              <a:rPr lang="en-US" sz="1200" dirty="0"/>
+              <a:t>5</a:t>
+            </a:r>
+          </a:p>
+        </p:txBody>
+      </p:sp>
+      <p:sp>
+        <p:nvSpPr>
+          <p:cNvPr id="139" name="Ellipse 138">
+            <a:extLst>
+              <a:ext uri="{FF2B5EF4-FFF2-40B4-BE49-F238E27FC236}">
+                <a16:creationId xmlns:a16="http://schemas.microsoft.com/office/drawing/2014/main" id="{B0EA67B7-C386-40AA-A0DB-FFDD0F8F4212}"/>
+              </a:ext>
+            </a:extLst>
+          </p:cNvPr>
+          <p:cNvSpPr/>
+          <p:nvPr/>
+        </p:nvSpPr>
+        <p:spPr>
+          <a:xfrm>
+            <a:off x="7076499" y="2629657"/>
+            <a:ext cx="252000" cy="252000"/>
+          </a:xfrm>
+          <a:prstGeom prst="ellipse">
+            <a:avLst/>
+          </a:prstGeom>
+        </p:spPr>
+        <p:style>
+          <a:lnRef idx="2">
+            <a:schemeClr val="dk1"/>
+          </a:lnRef>
+          <a:fillRef idx="1">
+            <a:schemeClr val="lt1"/>
+          </a:fillRef>
+          <a:effectRef idx="0">
+            <a:schemeClr val="dk1"/>
+          </a:effectRef>
+          <a:fontRef idx="minor">
+            <a:schemeClr val="dk1"/>
+          </a:fontRef>
+        </p:style>
+        <p:txBody>
+          <a:bodyPr rtlCol="0" anchor="ctr"/>
+          <a:lstStyle/>
+          <a:p>
+            <a:pPr algn="ctr"/>
+            <a:r>
+              <a:rPr lang="en-US" sz="1200"/>
+              <a:t>6</a:t>
+            </a:r>
+            <a:endParaRPr lang="en-US" sz="1200" dirty="0"/>
+          </a:p>
+        </p:txBody>
+      </p:sp>
+      <p:sp>
+        <p:nvSpPr>
+          <p:cNvPr id="140" name="Ellipse 139">
+            <a:extLst>
+              <a:ext uri="{FF2B5EF4-FFF2-40B4-BE49-F238E27FC236}">
+                <a16:creationId xmlns:a16="http://schemas.microsoft.com/office/drawing/2014/main" id="{6D5B525D-B37D-4366-BBEA-2AC870761123}"/>
+              </a:ext>
+            </a:extLst>
+          </p:cNvPr>
+          <p:cNvSpPr/>
+          <p:nvPr/>
+        </p:nvSpPr>
+        <p:spPr>
+          <a:xfrm>
+            <a:off x="7067938" y="3177000"/>
+            <a:ext cx="252000" cy="252000"/>
+          </a:xfrm>
+          <a:prstGeom prst="ellipse">
+            <a:avLst/>
+          </a:prstGeom>
+        </p:spPr>
+        <p:style>
+          <a:lnRef idx="2">
+            <a:schemeClr val="dk1"/>
+          </a:lnRef>
+          <a:fillRef idx="1">
+            <a:schemeClr val="lt1"/>
+          </a:fillRef>
+          <a:effectRef idx="0">
+            <a:schemeClr val="dk1"/>
+          </a:effectRef>
+          <a:fontRef idx="minor">
+            <a:schemeClr val="dk1"/>
+          </a:fontRef>
+        </p:style>
+        <p:txBody>
+          <a:bodyPr rtlCol="0" anchor="ctr"/>
+          <a:lstStyle/>
+          <a:p>
+            <a:pPr algn="ctr"/>
+            <a:r>
+              <a:rPr lang="en-US" sz="1200" dirty="0"/>
+              <a:t>7</a:t>
+            </a:r>
+          </a:p>
+        </p:txBody>
+      </p:sp>
+      <p:sp>
+        <p:nvSpPr>
+          <p:cNvPr id="141" name="Ellipse 140">
+            <a:extLst>
+              <a:ext uri="{FF2B5EF4-FFF2-40B4-BE49-F238E27FC236}">
+                <a16:creationId xmlns:a16="http://schemas.microsoft.com/office/drawing/2014/main" id="{5BD0CBAC-5F6C-480A-9027-F0409C085311}"/>
+              </a:ext>
+            </a:extLst>
+          </p:cNvPr>
+          <p:cNvSpPr/>
+          <p:nvPr/>
+        </p:nvSpPr>
+        <p:spPr>
+          <a:xfrm>
+            <a:off x="8180155" y="2843082"/>
+            <a:ext cx="252000" cy="252000"/>
+          </a:xfrm>
+          <a:prstGeom prst="ellipse">
+            <a:avLst/>
+          </a:prstGeom>
+        </p:spPr>
+        <p:style>
+          <a:lnRef idx="2">
+            <a:schemeClr val="dk1"/>
+          </a:lnRef>
+          <a:fillRef idx="1">
+            <a:schemeClr val="lt1"/>
+          </a:fillRef>
+          <a:effectRef idx="0">
+            <a:schemeClr val="dk1"/>
+          </a:effectRef>
+          <a:fontRef idx="minor">
+            <a:schemeClr val="dk1"/>
+          </a:fontRef>
+        </p:style>
+        <p:txBody>
+          <a:bodyPr rtlCol="0" anchor="ctr"/>
+          <a:lstStyle/>
+          <a:p>
+            <a:pPr algn="ctr"/>
+            <a:r>
+              <a:rPr lang="en-US" sz="1200" dirty="0"/>
+              <a:t>8</a:t>
+            </a:r>
+          </a:p>
+        </p:txBody>
+      </p:sp>
+      <p:sp>
+        <p:nvSpPr>
+          <p:cNvPr id="142" name="Ellipse 141">
+            <a:extLst>
+              <a:ext uri="{FF2B5EF4-FFF2-40B4-BE49-F238E27FC236}">
+                <a16:creationId xmlns:a16="http://schemas.microsoft.com/office/drawing/2014/main" id="{1D62741C-D8B1-409C-89C3-54ADFAB7A710}"/>
+              </a:ext>
+            </a:extLst>
+          </p:cNvPr>
+          <p:cNvSpPr/>
+          <p:nvPr/>
+        </p:nvSpPr>
+        <p:spPr>
+          <a:xfrm>
+            <a:off x="9344662" y="2702830"/>
+            <a:ext cx="252000" cy="252000"/>
+          </a:xfrm>
+          <a:prstGeom prst="ellipse">
+            <a:avLst/>
+          </a:prstGeom>
+        </p:spPr>
+        <p:style>
+          <a:lnRef idx="2">
+            <a:schemeClr val="dk1"/>
+          </a:lnRef>
+          <a:fillRef idx="1">
+            <a:schemeClr val="lt1"/>
+          </a:fillRef>
+          <a:effectRef idx="0">
+            <a:schemeClr val="dk1"/>
+          </a:effectRef>
+          <a:fontRef idx="minor">
+            <a:schemeClr val="dk1"/>
+          </a:fontRef>
+        </p:style>
+        <p:txBody>
+          <a:bodyPr rtlCol="0" anchor="ctr"/>
+          <a:lstStyle/>
+          <a:p>
+            <a:pPr algn="ctr"/>
+            <a:r>
+              <a:rPr lang="en-US" sz="1200" dirty="0"/>
+              <a:t>9</a:t>
+            </a:r>
+          </a:p>
+        </p:txBody>
+      </p:sp>
+    </p:spTree>
+    <p:extLst>
+      <p:ext uri="{BB962C8B-B14F-4D97-AF65-F5344CB8AC3E}">
+        <p14:creationId xmlns:p14="http://schemas.microsoft.com/office/powerpoint/2010/main" val="2575859059"/>
+      </p:ext>
+    </p:extLst>
+  </p:cSld>
+  <p:clrMapOvr>
+    <a:masterClrMapping/>
+  </p:clrMapOvr>
+</p:sld>
+</file>
+
 <file path=ppt/theme/theme1.xml><?xml version="1.0" encoding="utf-8"?>
 <a:theme xmlns:a="http://schemas.openxmlformats.org/drawingml/2006/main" name="Office">
   <a:themeElements>

--- a/02_Thesis/PARRHI_Thesis/Figures/FigureMaker.pptx
+++ b/02_Thesis/PARRHI_Thesis/Figures/FigureMaker.pptx
@@ -11,6 +11,7 @@
     <p:sldId id="261" r:id="rId5"/>
     <p:sldId id="256" r:id="rId6"/>
     <p:sldId id="262" r:id="rId7"/>
+    <p:sldId id="263" r:id="rId8"/>
   </p:sldIdLst>
   <p:sldSz cx="12192000" cy="6858000"/>
   <p:notesSz cx="6858000" cy="9144000"/>
@@ -117,6 +118,18 @@
 </p:presentation>
 </file>
 
+<file path=ppt/commentAuthors.xml><?xml version="1.0" encoding="utf-8"?>
+<p:cmAuthorLst xmlns:a="http://schemas.openxmlformats.org/drawingml/2006/main" xmlns:r="http://schemas.openxmlformats.org/officeDocument/2006/relationships" xmlns:p="http://schemas.openxmlformats.org/presentationml/2006/main">
+  <p:cmAuthor id="1" name="Eric Vollenweider" initials="EV" lastIdx="1" clrIdx="0">
+    <p:extLst>
+      <p:ext uri="{19B8F6BF-5375-455C-9EA6-DF929625EA0E}">
+        <p15:presenceInfo xmlns:p15="http://schemas.microsoft.com/office/powerpoint/2012/main" userId="74efa674eac5360d" providerId="Windows Live"/>
+      </p:ext>
+    </p:extLst>
+  </p:cmAuthor>
+</p:cmAuthorLst>
+</file>
+
 <file path=ppt/slideLayouts/slideLayout1.xml><?xml version="1.0" encoding="utf-8"?>
 <p:sldLayout xmlns:a="http://schemas.openxmlformats.org/drawingml/2006/main" xmlns:r="http://schemas.openxmlformats.org/officeDocument/2006/relationships" xmlns:p="http://schemas.openxmlformats.org/presentationml/2006/main" type="title" preserve="1">
   <p:cSld name="Titelfolie">
@@ -266,7 +279,7 @@
           <a:p>
             <a:fld id="{7CBA829E-0E5E-45A4-B6EB-8046F7F33EA6}" type="datetimeFigureOut">
               <a:rPr lang="en-GB" smtClean="0"/>
-              <a:t>19/05/2019</a:t>
+              <a:t>11/06/2019</a:t>
             </a:fld>
             <a:endParaRPr lang="en-GB"/>
           </a:p>
@@ -466,7 +479,7 @@
           <a:p>
             <a:fld id="{7CBA829E-0E5E-45A4-B6EB-8046F7F33EA6}" type="datetimeFigureOut">
               <a:rPr lang="en-GB" smtClean="0"/>
-              <a:t>19/05/2019</a:t>
+              <a:t>11/06/2019</a:t>
             </a:fld>
             <a:endParaRPr lang="en-GB"/>
           </a:p>
@@ -676,7 +689,7 @@
           <a:p>
             <a:fld id="{7CBA829E-0E5E-45A4-B6EB-8046F7F33EA6}" type="datetimeFigureOut">
               <a:rPr lang="en-GB" smtClean="0"/>
-              <a:t>19/05/2019</a:t>
+              <a:t>11/06/2019</a:t>
             </a:fld>
             <a:endParaRPr lang="en-GB"/>
           </a:p>
@@ -876,7 +889,7 @@
           <a:p>
             <a:fld id="{7CBA829E-0E5E-45A4-B6EB-8046F7F33EA6}" type="datetimeFigureOut">
               <a:rPr lang="en-GB" smtClean="0"/>
-              <a:t>19/05/2019</a:t>
+              <a:t>11/06/2019</a:t>
             </a:fld>
             <a:endParaRPr lang="en-GB"/>
           </a:p>
@@ -1152,7 +1165,7 @@
           <a:p>
             <a:fld id="{7CBA829E-0E5E-45A4-B6EB-8046F7F33EA6}" type="datetimeFigureOut">
               <a:rPr lang="en-GB" smtClean="0"/>
-              <a:t>19/05/2019</a:t>
+              <a:t>11/06/2019</a:t>
             </a:fld>
             <a:endParaRPr lang="en-GB"/>
           </a:p>
@@ -1420,7 +1433,7 @@
           <a:p>
             <a:fld id="{7CBA829E-0E5E-45A4-B6EB-8046F7F33EA6}" type="datetimeFigureOut">
               <a:rPr lang="en-GB" smtClean="0"/>
-              <a:t>19/05/2019</a:t>
+              <a:t>11/06/2019</a:t>
             </a:fld>
             <a:endParaRPr lang="en-GB"/>
           </a:p>
@@ -1835,7 +1848,7 @@
           <a:p>
             <a:fld id="{7CBA829E-0E5E-45A4-B6EB-8046F7F33EA6}" type="datetimeFigureOut">
               <a:rPr lang="en-GB" smtClean="0"/>
-              <a:t>19/05/2019</a:t>
+              <a:t>11/06/2019</a:t>
             </a:fld>
             <a:endParaRPr lang="en-GB"/>
           </a:p>
@@ -1977,7 +1990,7 @@
           <a:p>
             <a:fld id="{7CBA829E-0E5E-45A4-B6EB-8046F7F33EA6}" type="datetimeFigureOut">
               <a:rPr lang="en-GB" smtClean="0"/>
-              <a:t>19/05/2019</a:t>
+              <a:t>11/06/2019</a:t>
             </a:fld>
             <a:endParaRPr lang="en-GB"/>
           </a:p>
@@ -2090,7 +2103,7 @@
           <a:p>
             <a:fld id="{7CBA829E-0E5E-45A4-B6EB-8046F7F33EA6}" type="datetimeFigureOut">
               <a:rPr lang="en-GB" smtClean="0"/>
-              <a:t>19/05/2019</a:t>
+              <a:t>11/06/2019</a:t>
             </a:fld>
             <a:endParaRPr lang="en-GB"/>
           </a:p>
@@ -2403,7 +2416,7 @@
           <a:p>
             <a:fld id="{7CBA829E-0E5E-45A4-B6EB-8046F7F33EA6}" type="datetimeFigureOut">
               <a:rPr lang="en-GB" smtClean="0"/>
-              <a:t>19/05/2019</a:t>
+              <a:t>11/06/2019</a:t>
             </a:fld>
             <a:endParaRPr lang="en-GB"/>
           </a:p>
@@ -2692,7 +2705,7 @@
           <a:p>
             <a:fld id="{7CBA829E-0E5E-45A4-B6EB-8046F7F33EA6}" type="datetimeFigureOut">
               <a:rPr lang="en-GB" smtClean="0"/>
-              <a:t>19/05/2019</a:t>
+              <a:t>11/06/2019</a:t>
             </a:fld>
             <a:endParaRPr lang="en-GB"/>
           </a:p>
@@ -2935,7 +2948,7 @@
           <a:p>
             <a:fld id="{7CBA829E-0E5E-45A4-B6EB-8046F7F33EA6}" type="datetimeFigureOut">
               <a:rPr lang="en-GB" smtClean="0"/>
-              <a:t>19/05/2019</a:t>
+              <a:t>11/06/2019</a:t>
             </a:fld>
             <a:endParaRPr lang="en-GB"/>
           </a:p>
@@ -12968,6 +12981,1801 @@
 </p:sld>
 </file>
 
+<file path=ppt/slides/slide7.xml><?xml version="1.0" encoding="utf-8"?>
+<p:sld xmlns:a="http://schemas.openxmlformats.org/drawingml/2006/main" xmlns:r="http://schemas.openxmlformats.org/officeDocument/2006/relationships" xmlns:p="http://schemas.openxmlformats.org/presentationml/2006/main">
+  <p:cSld>
+    <p:spTree>
+      <p:nvGrpSpPr>
+        <p:cNvPr id="1" name=""/>
+        <p:cNvGrpSpPr/>
+        <p:nvPr/>
+      </p:nvGrpSpPr>
+      <p:grpSpPr>
+        <a:xfrm>
+          <a:off x="0" y="0"/>
+          <a:ext cx="0" cy="0"/>
+          <a:chOff x="0" y="0"/>
+          <a:chExt cx="0" cy="0"/>
+        </a:xfrm>
+      </p:grpSpPr>
+      <p:cxnSp>
+        <p:nvCxnSpPr>
+          <p:cNvPr id="5" name="Gerade Verbindung mit Pfeil 4">
+            <a:extLst>
+              <a:ext uri="{FF2B5EF4-FFF2-40B4-BE49-F238E27FC236}">
+                <a16:creationId xmlns:a16="http://schemas.microsoft.com/office/drawing/2014/main" id="{523B5ABB-F3D9-4697-8935-76F806D28907}"/>
+              </a:ext>
+            </a:extLst>
+          </p:cNvPr>
+          <p:cNvCxnSpPr>
+            <a:cxnSpLocks/>
+            <a:stCxn id="22" idx="1"/>
+            <a:endCxn id="4" idx="3"/>
+          </p:cNvCxnSpPr>
+          <p:nvPr/>
+        </p:nvCxnSpPr>
+        <p:spPr>
+          <a:xfrm flipH="1">
+            <a:off x="2898335" y="2234967"/>
+            <a:ext cx="364756" cy="4700"/>
+          </a:xfrm>
+          <a:prstGeom prst="straightConnector1">
+            <a:avLst/>
+          </a:prstGeom>
+          <a:ln>
+            <a:headEnd type="triangle"/>
+            <a:tailEnd type="none"/>
+          </a:ln>
+        </p:spPr>
+        <p:style>
+          <a:lnRef idx="1">
+            <a:schemeClr val="dk1"/>
+          </a:lnRef>
+          <a:fillRef idx="0">
+            <a:schemeClr val="dk1"/>
+          </a:fillRef>
+          <a:effectRef idx="0">
+            <a:schemeClr val="dk1"/>
+          </a:effectRef>
+          <a:fontRef idx="minor">
+            <a:schemeClr val="tx1"/>
+          </a:fontRef>
+        </p:style>
+      </p:cxnSp>
+      <p:grpSp>
+        <p:nvGrpSpPr>
+          <p:cNvPr id="10" name="Gruppieren 9">
+            <a:extLst>
+              <a:ext uri="{FF2B5EF4-FFF2-40B4-BE49-F238E27FC236}">
+                <a16:creationId xmlns:a16="http://schemas.microsoft.com/office/drawing/2014/main" id="{935971AA-8768-4DE9-9264-86A6B6A85102}"/>
+              </a:ext>
+            </a:extLst>
+          </p:cNvPr>
+          <p:cNvGrpSpPr/>
+          <p:nvPr/>
+        </p:nvGrpSpPr>
+        <p:grpSpPr>
+          <a:xfrm>
+            <a:off x="1672110" y="1825892"/>
+            <a:ext cx="1226225" cy="852013"/>
+            <a:chOff x="1656541" y="1949335"/>
+            <a:chExt cx="1226225" cy="852013"/>
+          </a:xfrm>
+        </p:grpSpPr>
+        <p:sp>
+          <p:nvSpPr>
+            <p:cNvPr id="4" name="Rechteck: abgerundete Ecken 3">
+              <a:extLst>
+                <a:ext uri="{FF2B5EF4-FFF2-40B4-BE49-F238E27FC236}">
+                  <a16:creationId xmlns:a16="http://schemas.microsoft.com/office/drawing/2014/main" id="{3A85A92C-1236-42C9-84AD-C814B3A37277}"/>
+                </a:ext>
+              </a:extLst>
+            </p:cNvPr>
+            <p:cNvSpPr/>
+            <p:nvPr/>
+          </p:nvSpPr>
+          <p:spPr>
+            <a:xfrm>
+              <a:off x="1656541" y="1949335"/>
+              <a:ext cx="1226225" cy="827549"/>
+            </a:xfrm>
+            <a:prstGeom prst="roundRect">
+              <a:avLst>
+                <a:gd name="adj" fmla="val 10738"/>
+              </a:avLst>
+            </a:prstGeom>
+            <a:solidFill>
+              <a:schemeClr val="bg1">
+                <a:lumMod val="95000"/>
+              </a:schemeClr>
+            </a:solidFill>
+            <a:ln>
+              <a:solidFill>
+                <a:schemeClr val="accent1">
+                  <a:lumMod val="50000"/>
+                </a:schemeClr>
+              </a:solidFill>
+            </a:ln>
+          </p:spPr>
+          <p:style>
+            <a:lnRef idx="2">
+              <a:schemeClr val="accent6"/>
+            </a:lnRef>
+            <a:fillRef idx="1">
+              <a:schemeClr val="lt1"/>
+            </a:fillRef>
+            <a:effectRef idx="0">
+              <a:schemeClr val="accent6"/>
+            </a:effectRef>
+            <a:fontRef idx="minor">
+              <a:schemeClr val="dk1"/>
+            </a:fontRef>
+          </p:style>
+          <p:txBody>
+            <a:bodyPr rtlCol="0" anchor="t"/>
+            <a:lstStyle/>
+            <a:p>
+              <a:pPr algn="ctr"/>
+              <a:r>
+                <a:rPr lang="en-GB" sz="1200"/>
+                <a:t>Initialise</a:t>
+              </a:r>
+              <a:endParaRPr lang="en-GB" sz="1200" dirty="0"/>
+            </a:p>
+          </p:txBody>
+        </p:sp>
+        <p:sp>
+          <p:nvSpPr>
+            <p:cNvPr id="9" name="Textfeld 8">
+              <a:extLst>
+                <a:ext uri="{FF2B5EF4-FFF2-40B4-BE49-F238E27FC236}">
+                  <a16:creationId xmlns:a16="http://schemas.microsoft.com/office/drawing/2014/main" id="{F636B152-B57B-4479-8EFA-E244A48E0C08}"/>
+                </a:ext>
+              </a:extLst>
+            </p:cNvPr>
+            <p:cNvSpPr txBox="1"/>
+            <p:nvPr/>
+          </p:nvSpPr>
+          <p:spPr>
+            <a:xfrm>
+              <a:off x="1656541" y="2201184"/>
+              <a:ext cx="1226225" cy="600164"/>
+            </a:xfrm>
+            <a:prstGeom prst="rect">
+              <a:avLst/>
+            </a:prstGeom>
+            <a:noFill/>
+          </p:spPr>
+          <p:txBody>
+            <a:bodyPr wrap="square" rtlCol="0">
+              <a:spAutoFit/>
+            </a:bodyPr>
+            <a:lstStyle/>
+            <a:p>
+              <a:r>
+                <a:rPr lang="en-US" sz="1100" dirty="0"/>
+                <a:t>Reset Gripper</a:t>
+              </a:r>
+            </a:p>
+            <a:p>
+              <a:r>
+                <a:rPr lang="en-US" sz="1100" dirty="0"/>
+                <a:t>Set rel mode</a:t>
+              </a:r>
+            </a:p>
+            <a:p>
+              <a:r>
+                <a:rPr lang="en-US" sz="1100" dirty="0"/>
+                <a:t>Reset Pos Register</a:t>
+              </a:r>
+            </a:p>
+          </p:txBody>
+        </p:sp>
+      </p:grpSp>
+      <p:sp>
+        <p:nvSpPr>
+          <p:cNvPr id="14" name="Flussdiagramm: Verzweigung 13">
+            <a:extLst>
+              <a:ext uri="{FF2B5EF4-FFF2-40B4-BE49-F238E27FC236}">
+                <a16:creationId xmlns:a16="http://schemas.microsoft.com/office/drawing/2014/main" id="{B5A3CBE6-0BE6-422D-81B7-597F867FBB2A}"/>
+              </a:ext>
+            </a:extLst>
+          </p:cNvPr>
+          <p:cNvSpPr/>
+          <p:nvPr/>
+        </p:nvSpPr>
+        <p:spPr>
+          <a:xfrm rot="5400000">
+            <a:off x="4633103" y="2131338"/>
+            <a:ext cx="266700" cy="206375"/>
+          </a:xfrm>
+          <a:prstGeom prst="flowChartDecision">
+            <a:avLst/>
+          </a:prstGeom>
+          <a:solidFill>
+            <a:schemeClr val="bg1">
+              <a:lumMod val="85000"/>
+            </a:schemeClr>
+          </a:solidFill>
+        </p:spPr>
+        <p:style>
+          <a:lnRef idx="2">
+            <a:schemeClr val="dk1">
+              <a:shade val="50000"/>
+            </a:schemeClr>
+          </a:lnRef>
+          <a:fillRef idx="1">
+            <a:schemeClr val="dk1"/>
+          </a:fillRef>
+          <a:effectRef idx="0">
+            <a:schemeClr val="dk1"/>
+          </a:effectRef>
+          <a:fontRef idx="minor">
+            <a:schemeClr val="lt1"/>
+          </a:fontRef>
+        </p:style>
+        <p:txBody>
+          <a:bodyPr rtlCol="0" anchor="ctr"/>
+          <a:lstStyle/>
+          <a:p>
+            <a:pPr algn="ctr"/>
+            <a:endParaRPr lang="en-US"/>
+          </a:p>
+        </p:txBody>
+      </p:sp>
+      <p:sp>
+        <p:nvSpPr>
+          <p:cNvPr id="15" name="Flussdiagramm: Verzweigung 14">
+            <a:extLst>
+              <a:ext uri="{FF2B5EF4-FFF2-40B4-BE49-F238E27FC236}">
+                <a16:creationId xmlns:a16="http://schemas.microsoft.com/office/drawing/2014/main" id="{2AB39EB1-E7D2-4CAD-80DD-2E2AD593A3AD}"/>
+              </a:ext>
+            </a:extLst>
+          </p:cNvPr>
+          <p:cNvSpPr/>
+          <p:nvPr/>
+        </p:nvSpPr>
+        <p:spPr>
+          <a:xfrm rot="5400000">
+            <a:off x="5068078" y="2131339"/>
+            <a:ext cx="266700" cy="206375"/>
+          </a:xfrm>
+          <a:prstGeom prst="flowChartDecision">
+            <a:avLst/>
+          </a:prstGeom>
+          <a:solidFill>
+            <a:schemeClr val="bg1">
+              <a:lumMod val="85000"/>
+            </a:schemeClr>
+          </a:solidFill>
+        </p:spPr>
+        <p:style>
+          <a:lnRef idx="2">
+            <a:schemeClr val="dk1">
+              <a:shade val="50000"/>
+            </a:schemeClr>
+          </a:lnRef>
+          <a:fillRef idx="1">
+            <a:schemeClr val="dk1"/>
+          </a:fillRef>
+          <a:effectRef idx="0">
+            <a:schemeClr val="dk1"/>
+          </a:effectRef>
+          <a:fontRef idx="minor">
+            <a:schemeClr val="lt1"/>
+          </a:fontRef>
+        </p:style>
+        <p:txBody>
+          <a:bodyPr rtlCol="0" anchor="ctr"/>
+          <a:lstStyle/>
+          <a:p>
+            <a:pPr algn="ctr"/>
+            <a:endParaRPr lang="en-US"/>
+          </a:p>
+        </p:txBody>
+      </p:sp>
+      <p:grpSp>
+        <p:nvGrpSpPr>
+          <p:cNvPr id="16" name="Gruppieren 15">
+            <a:extLst>
+              <a:ext uri="{FF2B5EF4-FFF2-40B4-BE49-F238E27FC236}">
+                <a16:creationId xmlns:a16="http://schemas.microsoft.com/office/drawing/2014/main" id="{FC1E49D3-4691-4992-9B32-106D49D70CB5}"/>
+              </a:ext>
+            </a:extLst>
+          </p:cNvPr>
+          <p:cNvGrpSpPr/>
+          <p:nvPr/>
+        </p:nvGrpSpPr>
+        <p:grpSpPr>
+          <a:xfrm>
+            <a:off x="6547012" y="1922471"/>
+            <a:ext cx="1683928" cy="628760"/>
+            <a:chOff x="1620566" y="1952444"/>
+            <a:chExt cx="1262200" cy="827549"/>
+          </a:xfrm>
+        </p:grpSpPr>
+        <p:sp>
+          <p:nvSpPr>
+            <p:cNvPr id="17" name="Rechteck: abgerundete Ecken 16">
+              <a:extLst>
+                <a:ext uri="{FF2B5EF4-FFF2-40B4-BE49-F238E27FC236}">
+                  <a16:creationId xmlns:a16="http://schemas.microsoft.com/office/drawing/2014/main" id="{062A60C0-166A-4895-9939-325CCE88F95C}"/>
+                </a:ext>
+              </a:extLst>
+            </p:cNvPr>
+            <p:cNvSpPr/>
+            <p:nvPr/>
+          </p:nvSpPr>
+          <p:spPr>
+            <a:xfrm>
+              <a:off x="1620566" y="1952444"/>
+              <a:ext cx="1226225" cy="827549"/>
+            </a:xfrm>
+            <a:prstGeom prst="roundRect">
+              <a:avLst>
+                <a:gd name="adj" fmla="val 10738"/>
+              </a:avLst>
+            </a:prstGeom>
+            <a:solidFill>
+              <a:schemeClr val="bg1">
+                <a:lumMod val="95000"/>
+              </a:schemeClr>
+            </a:solidFill>
+            <a:ln>
+              <a:solidFill>
+                <a:schemeClr val="accent1">
+                  <a:lumMod val="50000"/>
+                </a:schemeClr>
+              </a:solidFill>
+            </a:ln>
+          </p:spPr>
+          <p:style>
+            <a:lnRef idx="2">
+              <a:schemeClr val="accent6"/>
+            </a:lnRef>
+            <a:fillRef idx="1">
+              <a:schemeClr val="lt1"/>
+            </a:fillRef>
+            <a:effectRef idx="0">
+              <a:schemeClr val="accent6"/>
+            </a:effectRef>
+            <a:fontRef idx="minor">
+              <a:schemeClr val="dk1"/>
+            </a:fontRef>
+          </p:style>
+          <p:txBody>
+            <a:bodyPr rtlCol="0" anchor="t"/>
+            <a:lstStyle/>
+            <a:p>
+              <a:pPr algn="ctr"/>
+              <a:r>
+                <a:rPr lang="en-GB" sz="1200" dirty="0"/>
+                <a:t>Handle RelAbs Change</a:t>
+              </a:r>
+            </a:p>
+          </p:txBody>
+        </p:sp>
+        <p:sp>
+          <p:nvSpPr>
+            <p:cNvPr id="18" name="Textfeld 17">
+              <a:extLst>
+                <a:ext uri="{FF2B5EF4-FFF2-40B4-BE49-F238E27FC236}">
+                  <a16:creationId xmlns:a16="http://schemas.microsoft.com/office/drawing/2014/main" id="{D123DF31-38E0-4C67-9EAF-75CD929BDCB9}"/>
+                </a:ext>
+              </a:extLst>
+            </p:cNvPr>
+            <p:cNvSpPr txBox="1"/>
+            <p:nvPr/>
+          </p:nvSpPr>
+          <p:spPr>
+            <a:xfrm>
+              <a:off x="1656541" y="2201184"/>
+              <a:ext cx="1226225" cy="567116"/>
+            </a:xfrm>
+            <a:prstGeom prst="rect">
+              <a:avLst/>
+            </a:prstGeom>
+            <a:noFill/>
+          </p:spPr>
+          <p:txBody>
+            <a:bodyPr wrap="square" rtlCol="0">
+              <a:spAutoFit/>
+            </a:bodyPr>
+            <a:lstStyle/>
+            <a:p>
+              <a:r>
+                <a:rPr lang="en-US" sz="1100" dirty="0"/>
+                <a:t>Store current pos (JPos, LPos) to Data Register</a:t>
+              </a:r>
+            </a:p>
+          </p:txBody>
+        </p:sp>
+      </p:grpSp>
+      <p:sp>
+        <p:nvSpPr>
+          <p:cNvPr id="19" name="Flussdiagramm: Verzweigung 18">
+            <a:extLst>
+              <a:ext uri="{FF2B5EF4-FFF2-40B4-BE49-F238E27FC236}">
+                <a16:creationId xmlns:a16="http://schemas.microsoft.com/office/drawing/2014/main" id="{FB3A9CAF-A9B6-420C-B659-BF8B848DEBAF}"/>
+              </a:ext>
+            </a:extLst>
+          </p:cNvPr>
+          <p:cNvSpPr/>
+          <p:nvPr/>
+        </p:nvSpPr>
+        <p:spPr>
+          <a:xfrm rot="5400000">
+            <a:off x="8458980" y="2133831"/>
+            <a:ext cx="266700" cy="206375"/>
+          </a:xfrm>
+          <a:prstGeom prst="flowChartDecision">
+            <a:avLst/>
+          </a:prstGeom>
+          <a:solidFill>
+            <a:schemeClr val="bg1">
+              <a:lumMod val="85000"/>
+            </a:schemeClr>
+          </a:solidFill>
+        </p:spPr>
+        <p:style>
+          <a:lnRef idx="2">
+            <a:schemeClr val="dk1">
+              <a:shade val="50000"/>
+            </a:schemeClr>
+          </a:lnRef>
+          <a:fillRef idx="1">
+            <a:schemeClr val="dk1"/>
+          </a:fillRef>
+          <a:effectRef idx="0">
+            <a:schemeClr val="dk1"/>
+          </a:effectRef>
+          <a:fontRef idx="minor">
+            <a:schemeClr val="lt1"/>
+          </a:fontRef>
+        </p:style>
+        <p:txBody>
+          <a:bodyPr rtlCol="0" anchor="ctr"/>
+          <a:lstStyle/>
+          <a:p>
+            <a:pPr algn="ctr"/>
+            <a:endParaRPr lang="en-US"/>
+          </a:p>
+        </p:txBody>
+      </p:sp>
+      <p:sp>
+        <p:nvSpPr>
+          <p:cNvPr id="20" name="Rechteck: abgerundete Ecken 19">
+            <a:extLst>
+              <a:ext uri="{FF2B5EF4-FFF2-40B4-BE49-F238E27FC236}">
+                <a16:creationId xmlns:a16="http://schemas.microsoft.com/office/drawing/2014/main" id="{26AF560E-A73E-4732-B6FE-77CB7CEFFF76}"/>
+              </a:ext>
+            </a:extLst>
+          </p:cNvPr>
+          <p:cNvSpPr/>
+          <p:nvPr/>
+        </p:nvSpPr>
+        <p:spPr>
+          <a:xfrm>
+            <a:off x="8283327" y="3141948"/>
+            <a:ext cx="1082541" cy="553752"/>
+          </a:xfrm>
+          <a:prstGeom prst="roundRect">
+            <a:avLst>
+              <a:gd name="adj" fmla="val 10738"/>
+            </a:avLst>
+          </a:prstGeom>
+          <a:solidFill>
+            <a:schemeClr val="bg1">
+              <a:lumMod val="95000"/>
+            </a:schemeClr>
+          </a:solidFill>
+          <a:ln>
+            <a:solidFill>
+              <a:schemeClr val="accent1">
+                <a:lumMod val="50000"/>
+              </a:schemeClr>
+            </a:solidFill>
+          </a:ln>
+        </p:spPr>
+        <p:style>
+          <a:lnRef idx="2">
+            <a:schemeClr val="accent6"/>
+          </a:lnRef>
+          <a:fillRef idx="1">
+            <a:schemeClr val="lt1"/>
+          </a:fillRef>
+          <a:effectRef idx="0">
+            <a:schemeClr val="accent6"/>
+          </a:effectRef>
+          <a:fontRef idx="minor">
+            <a:schemeClr val="dk1"/>
+          </a:fontRef>
+        </p:style>
+        <p:txBody>
+          <a:bodyPr rtlCol="0" anchor="t"/>
+          <a:lstStyle/>
+          <a:p>
+            <a:pPr algn="ctr"/>
+            <a:r>
+              <a:rPr lang="en-GB" sz="1200" dirty="0"/>
+              <a:t>Finalise Edge Detection</a:t>
+            </a:r>
+          </a:p>
+        </p:txBody>
+      </p:sp>
+      <p:sp>
+        <p:nvSpPr>
+          <p:cNvPr id="21" name="Rechteck: abgerundete Ecken 20">
+            <a:extLst>
+              <a:ext uri="{FF2B5EF4-FFF2-40B4-BE49-F238E27FC236}">
+                <a16:creationId xmlns:a16="http://schemas.microsoft.com/office/drawing/2014/main" id="{93CB4417-FC1E-47EA-9D16-EC32DF2BB2E6}"/>
+              </a:ext>
+            </a:extLst>
+          </p:cNvPr>
+          <p:cNvSpPr/>
+          <p:nvPr/>
+        </p:nvSpPr>
+        <p:spPr>
+          <a:xfrm>
+            <a:off x="6896879" y="3139124"/>
+            <a:ext cx="1082541" cy="553752"/>
+          </a:xfrm>
+          <a:prstGeom prst="roundRect">
+            <a:avLst>
+              <a:gd name="adj" fmla="val 10738"/>
+            </a:avLst>
+          </a:prstGeom>
+          <a:solidFill>
+            <a:schemeClr val="bg1">
+              <a:lumMod val="95000"/>
+            </a:schemeClr>
+          </a:solidFill>
+          <a:ln>
+            <a:solidFill>
+              <a:schemeClr val="accent1">
+                <a:lumMod val="50000"/>
+              </a:schemeClr>
+            </a:solidFill>
+          </a:ln>
+        </p:spPr>
+        <p:style>
+          <a:lnRef idx="2">
+            <a:schemeClr val="accent6"/>
+          </a:lnRef>
+          <a:fillRef idx="1">
+            <a:schemeClr val="lt1"/>
+          </a:fillRef>
+          <a:effectRef idx="0">
+            <a:schemeClr val="accent6"/>
+          </a:effectRef>
+          <a:fontRef idx="minor">
+            <a:schemeClr val="dk1"/>
+          </a:fontRef>
+        </p:style>
+        <p:txBody>
+          <a:bodyPr rtlCol="0" anchor="t"/>
+          <a:lstStyle/>
+          <a:p>
+            <a:pPr algn="ctr"/>
+            <a:r>
+              <a:rPr lang="en-GB" sz="1200" dirty="0"/>
+              <a:t>Store current Pos to PR</a:t>
+            </a:r>
+          </a:p>
+        </p:txBody>
+      </p:sp>
+      <p:sp>
+        <p:nvSpPr>
+          <p:cNvPr id="22" name="Rechteck: abgerundete Ecken 21">
+            <a:extLst>
+              <a:ext uri="{FF2B5EF4-FFF2-40B4-BE49-F238E27FC236}">
+                <a16:creationId xmlns:a16="http://schemas.microsoft.com/office/drawing/2014/main" id="{A8B9575B-E8D4-4AC9-974F-0DD406FC58C9}"/>
+              </a:ext>
+            </a:extLst>
+          </p:cNvPr>
+          <p:cNvSpPr/>
+          <p:nvPr/>
+        </p:nvSpPr>
+        <p:spPr>
+          <a:xfrm>
+            <a:off x="3263091" y="2006134"/>
+            <a:ext cx="1226225" cy="457666"/>
+          </a:xfrm>
+          <a:prstGeom prst="roundRect">
+            <a:avLst>
+              <a:gd name="adj" fmla="val 10738"/>
+            </a:avLst>
+          </a:prstGeom>
+          <a:solidFill>
+            <a:schemeClr val="bg1">
+              <a:lumMod val="95000"/>
+            </a:schemeClr>
+          </a:solidFill>
+          <a:ln>
+            <a:solidFill>
+              <a:schemeClr val="accent1">
+                <a:lumMod val="50000"/>
+              </a:schemeClr>
+            </a:solidFill>
+          </a:ln>
+        </p:spPr>
+        <p:style>
+          <a:lnRef idx="2">
+            <a:schemeClr val="accent6"/>
+          </a:lnRef>
+          <a:fillRef idx="1">
+            <a:schemeClr val="lt1"/>
+          </a:fillRef>
+          <a:effectRef idx="0">
+            <a:schemeClr val="accent6"/>
+          </a:effectRef>
+          <a:fontRef idx="minor">
+            <a:schemeClr val="dk1"/>
+          </a:fontRef>
+        </p:style>
+        <p:txBody>
+          <a:bodyPr rtlCol="0" anchor="t"/>
+          <a:lstStyle/>
+          <a:p>
+            <a:pPr algn="ctr"/>
+            <a:r>
+              <a:rPr lang="en-GB" sz="1200" dirty="0"/>
+              <a:t>Launch ARobot Server</a:t>
+            </a:r>
+          </a:p>
+        </p:txBody>
+      </p:sp>
+      <p:sp>
+        <p:nvSpPr>
+          <p:cNvPr id="23" name="Rechteck: abgerundete Ecken 22">
+            <a:extLst>
+              <a:ext uri="{FF2B5EF4-FFF2-40B4-BE49-F238E27FC236}">
+                <a16:creationId xmlns:a16="http://schemas.microsoft.com/office/drawing/2014/main" id="{824C19D7-6B11-4C3A-813A-698560C6CA08}"/>
+              </a:ext>
+            </a:extLst>
+          </p:cNvPr>
+          <p:cNvSpPr/>
+          <p:nvPr/>
+        </p:nvSpPr>
+        <p:spPr>
+          <a:xfrm>
+            <a:off x="5508428" y="3139124"/>
+            <a:ext cx="1082541" cy="553752"/>
+          </a:xfrm>
+          <a:prstGeom prst="roundRect">
+            <a:avLst>
+              <a:gd name="adj" fmla="val 10738"/>
+            </a:avLst>
+          </a:prstGeom>
+          <a:solidFill>
+            <a:schemeClr val="bg1">
+              <a:lumMod val="95000"/>
+            </a:schemeClr>
+          </a:solidFill>
+          <a:ln>
+            <a:solidFill>
+              <a:schemeClr val="accent1">
+                <a:lumMod val="50000"/>
+              </a:schemeClr>
+            </a:solidFill>
+          </a:ln>
+        </p:spPr>
+        <p:style>
+          <a:lnRef idx="2">
+            <a:schemeClr val="accent6"/>
+          </a:lnRef>
+          <a:fillRef idx="1">
+            <a:schemeClr val="lt1"/>
+          </a:fillRef>
+          <a:effectRef idx="0">
+            <a:schemeClr val="accent6"/>
+          </a:effectRef>
+          <a:fontRef idx="minor">
+            <a:schemeClr val="dk1"/>
+          </a:fontRef>
+        </p:style>
+        <p:txBody>
+          <a:bodyPr rtlCol="0" anchor="t"/>
+          <a:lstStyle/>
+          <a:p>
+            <a:pPr algn="ctr"/>
+            <a:r>
+              <a:rPr lang="en-GB" sz="1200" dirty="0"/>
+              <a:t>Calculate new Pos</a:t>
+            </a:r>
+          </a:p>
+        </p:txBody>
+      </p:sp>
+      <p:sp>
+        <p:nvSpPr>
+          <p:cNvPr id="24" name="Rechteck: abgerundete Ecken 23">
+            <a:extLst>
+              <a:ext uri="{FF2B5EF4-FFF2-40B4-BE49-F238E27FC236}">
+                <a16:creationId xmlns:a16="http://schemas.microsoft.com/office/drawing/2014/main" id="{02C09857-EEEE-4AD4-9AA6-32E390A06DE5}"/>
+              </a:ext>
+            </a:extLst>
+          </p:cNvPr>
+          <p:cNvSpPr/>
+          <p:nvPr/>
+        </p:nvSpPr>
+        <p:spPr>
+          <a:xfrm>
+            <a:off x="3975203" y="3132644"/>
+            <a:ext cx="1226225" cy="553752"/>
+          </a:xfrm>
+          <a:prstGeom prst="roundRect">
+            <a:avLst>
+              <a:gd name="adj" fmla="val 10738"/>
+            </a:avLst>
+          </a:prstGeom>
+          <a:solidFill>
+            <a:schemeClr val="bg1">
+              <a:lumMod val="95000"/>
+            </a:schemeClr>
+          </a:solidFill>
+          <a:ln>
+            <a:solidFill>
+              <a:schemeClr val="accent1">
+                <a:lumMod val="50000"/>
+              </a:schemeClr>
+            </a:solidFill>
+          </a:ln>
+        </p:spPr>
+        <p:style>
+          <a:lnRef idx="2">
+            <a:schemeClr val="accent6"/>
+          </a:lnRef>
+          <a:fillRef idx="1">
+            <a:schemeClr val="lt1"/>
+          </a:fillRef>
+          <a:effectRef idx="0">
+            <a:schemeClr val="accent6"/>
+          </a:effectRef>
+          <a:fontRef idx="minor">
+            <a:schemeClr val="dk1"/>
+          </a:fontRef>
+        </p:style>
+        <p:txBody>
+          <a:bodyPr rtlCol="0" anchor="t"/>
+          <a:lstStyle/>
+          <a:p>
+            <a:pPr algn="ctr"/>
+            <a:r>
+              <a:rPr lang="en-GB" sz="1200" dirty="0"/>
+              <a:t>Handle Gripper State Change</a:t>
+            </a:r>
+          </a:p>
+        </p:txBody>
+      </p:sp>
+      <p:sp>
+        <p:nvSpPr>
+          <p:cNvPr id="25" name="Rechteck: abgerundete Ecken 24">
+            <a:extLst>
+              <a:ext uri="{FF2B5EF4-FFF2-40B4-BE49-F238E27FC236}">
+                <a16:creationId xmlns:a16="http://schemas.microsoft.com/office/drawing/2014/main" id="{3DCEFCDD-68EE-4A25-AE02-8E5065FF9B74}"/>
+              </a:ext>
+            </a:extLst>
+          </p:cNvPr>
+          <p:cNvSpPr/>
+          <p:nvPr/>
+        </p:nvSpPr>
+        <p:spPr>
+          <a:xfrm>
+            <a:off x="2620453" y="3127330"/>
+            <a:ext cx="1047750" cy="559065"/>
+          </a:xfrm>
+          <a:prstGeom prst="roundRect">
+            <a:avLst>
+              <a:gd name="adj" fmla="val 10738"/>
+            </a:avLst>
+          </a:prstGeom>
+          <a:solidFill>
+            <a:schemeClr val="bg1">
+              <a:lumMod val="95000"/>
+            </a:schemeClr>
+          </a:solidFill>
+          <a:ln>
+            <a:solidFill>
+              <a:schemeClr val="accent1">
+                <a:lumMod val="50000"/>
+              </a:schemeClr>
+            </a:solidFill>
+          </a:ln>
+        </p:spPr>
+        <p:style>
+          <a:lnRef idx="2">
+            <a:schemeClr val="accent6"/>
+          </a:lnRef>
+          <a:fillRef idx="1">
+            <a:schemeClr val="lt1"/>
+          </a:fillRef>
+          <a:effectRef idx="0">
+            <a:schemeClr val="accent6"/>
+          </a:effectRef>
+          <a:fontRef idx="minor">
+            <a:schemeClr val="dk1"/>
+          </a:fontRef>
+        </p:style>
+        <p:txBody>
+          <a:bodyPr rtlCol="0" anchor="t"/>
+          <a:lstStyle/>
+          <a:p>
+            <a:pPr algn="ctr"/>
+            <a:r>
+              <a:rPr lang="en-GB" sz="1200" dirty="0"/>
+              <a:t>Write new Pos to Robot</a:t>
+            </a:r>
+          </a:p>
+        </p:txBody>
+      </p:sp>
+      <p:sp>
+        <p:nvSpPr>
+          <p:cNvPr id="26" name="Flussdiagramm: Verzweigung 25">
+            <a:extLst>
+              <a:ext uri="{FF2B5EF4-FFF2-40B4-BE49-F238E27FC236}">
+                <a16:creationId xmlns:a16="http://schemas.microsoft.com/office/drawing/2014/main" id="{836CA64A-3060-4A74-AA6E-C1D257761BE5}"/>
+              </a:ext>
+            </a:extLst>
+          </p:cNvPr>
+          <p:cNvSpPr/>
+          <p:nvPr/>
+        </p:nvSpPr>
+        <p:spPr>
+          <a:xfrm rot="5400000">
+            <a:off x="1736214" y="3312813"/>
+            <a:ext cx="266700" cy="206375"/>
+          </a:xfrm>
+          <a:prstGeom prst="flowChartDecision">
+            <a:avLst/>
+          </a:prstGeom>
+          <a:solidFill>
+            <a:schemeClr val="bg1">
+              <a:lumMod val="85000"/>
+            </a:schemeClr>
+          </a:solidFill>
+        </p:spPr>
+        <p:style>
+          <a:lnRef idx="2">
+            <a:schemeClr val="dk1">
+              <a:shade val="50000"/>
+            </a:schemeClr>
+          </a:lnRef>
+          <a:fillRef idx="1">
+            <a:schemeClr val="dk1"/>
+          </a:fillRef>
+          <a:effectRef idx="0">
+            <a:schemeClr val="dk1"/>
+          </a:effectRef>
+          <a:fontRef idx="minor">
+            <a:schemeClr val="lt1"/>
+          </a:fontRef>
+        </p:style>
+        <p:txBody>
+          <a:bodyPr rtlCol="0" anchor="ctr"/>
+          <a:lstStyle/>
+          <a:p>
+            <a:pPr algn="ctr"/>
+            <a:endParaRPr lang="en-US"/>
+          </a:p>
+        </p:txBody>
+      </p:sp>
+      <p:sp>
+        <p:nvSpPr>
+          <p:cNvPr id="27" name="Textfeld 26">
+            <a:extLst>
+              <a:ext uri="{FF2B5EF4-FFF2-40B4-BE49-F238E27FC236}">
+                <a16:creationId xmlns:a16="http://schemas.microsoft.com/office/drawing/2014/main" id="{9E897669-3CA9-4B79-8F85-759070AE881A}"/>
+              </a:ext>
+            </a:extLst>
+          </p:cNvPr>
+          <p:cNvSpPr txBox="1"/>
+          <p:nvPr/>
+        </p:nvSpPr>
+        <p:spPr>
+          <a:xfrm>
+            <a:off x="5221684" y="2011468"/>
+            <a:ext cx="1383712" cy="261610"/>
+          </a:xfrm>
+          <a:prstGeom prst="rect">
+            <a:avLst/>
+          </a:prstGeom>
+          <a:noFill/>
+        </p:spPr>
+        <p:txBody>
+          <a:bodyPr wrap="none" rtlCol="0">
+            <a:spAutoFit/>
+          </a:bodyPr>
+          <a:lstStyle/>
+          <a:p>
+            <a:r>
+              <a:rPr lang="en-US" sz="1050" dirty="0"/>
+              <a:t>[relAbs != oldRelAbs]</a:t>
+            </a:r>
+          </a:p>
+        </p:txBody>
+      </p:sp>
+      <p:sp>
+        <p:nvSpPr>
+          <p:cNvPr id="28" name="Textfeld 27">
+            <a:extLst>
+              <a:ext uri="{FF2B5EF4-FFF2-40B4-BE49-F238E27FC236}">
+                <a16:creationId xmlns:a16="http://schemas.microsoft.com/office/drawing/2014/main" id="{3CDF90BE-471D-477F-8332-8D65CB7BD7C7}"/>
+              </a:ext>
+            </a:extLst>
+          </p:cNvPr>
+          <p:cNvSpPr txBox="1"/>
+          <p:nvPr/>
+        </p:nvSpPr>
+        <p:spPr>
+          <a:xfrm>
+            <a:off x="5231031" y="2684582"/>
+            <a:ext cx="1354858" cy="253916"/>
+          </a:xfrm>
+          <a:prstGeom prst="rect">
+            <a:avLst/>
+          </a:prstGeom>
+          <a:noFill/>
+        </p:spPr>
+        <p:txBody>
+          <a:bodyPr wrap="none" rtlCol="0">
+            <a:spAutoFit/>
+          </a:bodyPr>
+          <a:lstStyle/>
+          <a:p>
+            <a:r>
+              <a:rPr lang="en-US" sz="1050" dirty="0"/>
+              <a:t>[relAbs == oldRelAbs]</a:t>
+            </a:r>
+          </a:p>
+        </p:txBody>
+      </p:sp>
+      <p:sp>
+        <p:nvSpPr>
+          <p:cNvPr id="29" name="Textfeld 28">
+            <a:extLst>
+              <a:ext uri="{FF2B5EF4-FFF2-40B4-BE49-F238E27FC236}">
+                <a16:creationId xmlns:a16="http://schemas.microsoft.com/office/drawing/2014/main" id="{A7B41AA8-53C4-4915-B477-3D7149679791}"/>
+              </a:ext>
+            </a:extLst>
+          </p:cNvPr>
+          <p:cNvSpPr txBox="1"/>
+          <p:nvPr/>
+        </p:nvSpPr>
+        <p:spPr>
+          <a:xfrm>
+            <a:off x="1869564" y="2706483"/>
+            <a:ext cx="732893" cy="253916"/>
+          </a:xfrm>
+          <a:prstGeom prst="rect">
+            <a:avLst/>
+          </a:prstGeom>
+          <a:noFill/>
+        </p:spPr>
+        <p:txBody>
+          <a:bodyPr wrap="none" rtlCol="0">
+            <a:spAutoFit/>
+          </a:bodyPr>
+          <a:lstStyle/>
+          <a:p>
+            <a:r>
+              <a:rPr lang="en-US" sz="1050" dirty="0"/>
+              <a:t>[exit == 0]</a:t>
+            </a:r>
+          </a:p>
+        </p:txBody>
+      </p:sp>
+      <p:sp>
+        <p:nvSpPr>
+          <p:cNvPr id="30" name="Textfeld 29">
+            <a:extLst>
+              <a:ext uri="{FF2B5EF4-FFF2-40B4-BE49-F238E27FC236}">
+                <a16:creationId xmlns:a16="http://schemas.microsoft.com/office/drawing/2014/main" id="{7CC8C934-52E1-4593-B63A-47DFA9CC37B4}"/>
+              </a:ext>
+            </a:extLst>
+          </p:cNvPr>
+          <p:cNvSpPr txBox="1"/>
+          <p:nvPr/>
+        </p:nvSpPr>
+        <p:spPr>
+          <a:xfrm>
+            <a:off x="1894995" y="3689660"/>
+            <a:ext cx="732893" cy="253916"/>
+          </a:xfrm>
+          <a:prstGeom prst="rect">
+            <a:avLst/>
+          </a:prstGeom>
+          <a:noFill/>
+        </p:spPr>
+        <p:txBody>
+          <a:bodyPr wrap="none" rtlCol="0">
+            <a:spAutoFit/>
+          </a:bodyPr>
+          <a:lstStyle/>
+          <a:p>
+            <a:r>
+              <a:rPr lang="en-US" sz="1050" dirty="0"/>
+              <a:t>[exit == 1]</a:t>
+            </a:r>
+          </a:p>
+        </p:txBody>
+      </p:sp>
+      <p:cxnSp>
+        <p:nvCxnSpPr>
+          <p:cNvPr id="35" name="Gerade Verbindung mit Pfeil 34">
+            <a:extLst>
+              <a:ext uri="{FF2B5EF4-FFF2-40B4-BE49-F238E27FC236}">
+                <a16:creationId xmlns:a16="http://schemas.microsoft.com/office/drawing/2014/main" id="{1294F756-4B7F-41F1-B458-A7C15D68AC00}"/>
+              </a:ext>
+            </a:extLst>
+          </p:cNvPr>
+          <p:cNvCxnSpPr>
+            <a:cxnSpLocks/>
+            <a:stCxn id="14" idx="2"/>
+            <a:endCxn id="22" idx="3"/>
+          </p:cNvCxnSpPr>
+          <p:nvPr/>
+        </p:nvCxnSpPr>
+        <p:spPr>
+          <a:xfrm flipH="1">
+            <a:off x="4489316" y="2234526"/>
+            <a:ext cx="173950" cy="441"/>
+          </a:xfrm>
+          <a:prstGeom prst="straightConnector1">
+            <a:avLst/>
+          </a:prstGeom>
+          <a:ln>
+            <a:headEnd type="triangle"/>
+            <a:tailEnd type="none"/>
+          </a:ln>
+        </p:spPr>
+        <p:style>
+          <a:lnRef idx="1">
+            <a:schemeClr val="dk1"/>
+          </a:lnRef>
+          <a:fillRef idx="0">
+            <a:schemeClr val="dk1"/>
+          </a:fillRef>
+          <a:effectRef idx="0">
+            <a:schemeClr val="dk1"/>
+          </a:effectRef>
+          <a:fontRef idx="minor">
+            <a:schemeClr val="tx1"/>
+          </a:fontRef>
+        </p:style>
+      </p:cxnSp>
+      <p:cxnSp>
+        <p:nvCxnSpPr>
+          <p:cNvPr id="38" name="Gerade Verbindung mit Pfeil 37">
+            <a:extLst>
+              <a:ext uri="{FF2B5EF4-FFF2-40B4-BE49-F238E27FC236}">
+                <a16:creationId xmlns:a16="http://schemas.microsoft.com/office/drawing/2014/main" id="{4D2F73D6-5355-404B-9D71-FF4146BD4B88}"/>
+              </a:ext>
+            </a:extLst>
+          </p:cNvPr>
+          <p:cNvCxnSpPr>
+            <a:cxnSpLocks/>
+            <a:stCxn id="15" idx="2"/>
+            <a:endCxn id="14" idx="0"/>
+          </p:cNvCxnSpPr>
+          <p:nvPr/>
+        </p:nvCxnSpPr>
+        <p:spPr>
+          <a:xfrm flipH="1" flipV="1">
+            <a:off x="4869641" y="2234526"/>
+            <a:ext cx="228600" cy="1"/>
+          </a:xfrm>
+          <a:prstGeom prst="straightConnector1">
+            <a:avLst/>
+          </a:prstGeom>
+          <a:ln>
+            <a:headEnd type="triangle"/>
+            <a:tailEnd type="none"/>
+          </a:ln>
+        </p:spPr>
+        <p:style>
+          <a:lnRef idx="1">
+            <a:schemeClr val="dk1"/>
+          </a:lnRef>
+          <a:fillRef idx="0">
+            <a:schemeClr val="dk1"/>
+          </a:fillRef>
+          <a:effectRef idx="0">
+            <a:schemeClr val="dk1"/>
+          </a:effectRef>
+          <a:fontRef idx="minor">
+            <a:schemeClr val="tx1"/>
+          </a:fontRef>
+        </p:style>
+      </p:cxnSp>
+      <p:cxnSp>
+        <p:nvCxnSpPr>
+          <p:cNvPr id="41" name="Gerade Verbindung mit Pfeil 40">
+            <a:extLst>
+              <a:ext uri="{FF2B5EF4-FFF2-40B4-BE49-F238E27FC236}">
+                <a16:creationId xmlns:a16="http://schemas.microsoft.com/office/drawing/2014/main" id="{FCF5BEC2-261E-49E2-899B-CE9D3726D1FA}"/>
+              </a:ext>
+            </a:extLst>
+          </p:cNvPr>
+          <p:cNvCxnSpPr>
+            <a:cxnSpLocks/>
+            <a:stCxn id="17" idx="1"/>
+            <a:endCxn id="15" idx="0"/>
+          </p:cNvCxnSpPr>
+          <p:nvPr/>
+        </p:nvCxnSpPr>
+        <p:spPr>
+          <a:xfrm flipH="1" flipV="1">
+            <a:off x="5304616" y="2234527"/>
+            <a:ext cx="1242396" cy="2324"/>
+          </a:xfrm>
+          <a:prstGeom prst="straightConnector1">
+            <a:avLst/>
+          </a:prstGeom>
+          <a:ln>
+            <a:headEnd type="triangle"/>
+            <a:tailEnd type="none"/>
+          </a:ln>
+        </p:spPr>
+        <p:style>
+          <a:lnRef idx="1">
+            <a:schemeClr val="dk1"/>
+          </a:lnRef>
+          <a:fillRef idx="0">
+            <a:schemeClr val="dk1"/>
+          </a:fillRef>
+          <a:effectRef idx="0">
+            <a:schemeClr val="dk1"/>
+          </a:effectRef>
+          <a:fontRef idx="minor">
+            <a:schemeClr val="tx1"/>
+          </a:fontRef>
+        </p:style>
+      </p:cxnSp>
+      <p:cxnSp>
+        <p:nvCxnSpPr>
+          <p:cNvPr id="49" name="Verbinder: gewinkelt 48">
+            <a:extLst>
+              <a:ext uri="{FF2B5EF4-FFF2-40B4-BE49-F238E27FC236}">
+                <a16:creationId xmlns:a16="http://schemas.microsoft.com/office/drawing/2014/main" id="{5BD056D7-9581-4593-A37D-3809AE54F2DA}"/>
+              </a:ext>
+            </a:extLst>
+          </p:cNvPr>
+          <p:cNvCxnSpPr>
+            <a:cxnSpLocks/>
+            <a:stCxn id="15" idx="3"/>
+            <a:endCxn id="19" idx="3"/>
+          </p:cNvCxnSpPr>
+          <p:nvPr/>
+        </p:nvCxnSpPr>
+        <p:spPr>
+          <a:xfrm rot="16200000" flipH="1">
+            <a:off x="6895633" y="673672"/>
+            <a:ext cx="2492" cy="3390902"/>
+          </a:xfrm>
+          <a:prstGeom prst="bentConnector3">
+            <a:avLst>
+              <a:gd name="adj1" fmla="val 21631902"/>
+            </a:avLst>
+          </a:prstGeom>
+          <a:ln>
+            <a:headEnd type="none"/>
+            <a:tailEnd type="triangle"/>
+          </a:ln>
+        </p:spPr>
+        <p:style>
+          <a:lnRef idx="1">
+            <a:schemeClr val="dk1"/>
+          </a:lnRef>
+          <a:fillRef idx="0">
+            <a:schemeClr val="dk1"/>
+          </a:fillRef>
+          <a:effectRef idx="0">
+            <a:schemeClr val="dk1"/>
+          </a:effectRef>
+          <a:fontRef idx="minor">
+            <a:schemeClr val="tx1"/>
+          </a:fontRef>
+        </p:style>
+      </p:cxnSp>
+      <p:cxnSp>
+        <p:nvCxnSpPr>
+          <p:cNvPr id="55" name="Gerade Verbindung mit Pfeil 54">
+            <a:extLst>
+              <a:ext uri="{FF2B5EF4-FFF2-40B4-BE49-F238E27FC236}">
+                <a16:creationId xmlns:a16="http://schemas.microsoft.com/office/drawing/2014/main" id="{17DBA8F5-6D81-4B75-94CD-61EEDDCEA89E}"/>
+              </a:ext>
+            </a:extLst>
+          </p:cNvPr>
+          <p:cNvCxnSpPr>
+            <a:cxnSpLocks/>
+            <a:stCxn id="19" idx="2"/>
+            <a:endCxn id="17" idx="3"/>
+          </p:cNvCxnSpPr>
+          <p:nvPr/>
+        </p:nvCxnSpPr>
+        <p:spPr>
+          <a:xfrm flipH="1" flipV="1">
+            <a:off x="8182945" y="2236851"/>
+            <a:ext cx="306198" cy="168"/>
+          </a:xfrm>
+          <a:prstGeom prst="straightConnector1">
+            <a:avLst/>
+          </a:prstGeom>
+          <a:ln>
+            <a:headEnd type="triangle"/>
+            <a:tailEnd type="none"/>
+          </a:ln>
+        </p:spPr>
+        <p:style>
+          <a:lnRef idx="1">
+            <a:schemeClr val="dk1"/>
+          </a:lnRef>
+          <a:fillRef idx="0">
+            <a:schemeClr val="dk1"/>
+          </a:fillRef>
+          <a:effectRef idx="0">
+            <a:schemeClr val="dk1"/>
+          </a:effectRef>
+          <a:fontRef idx="minor">
+            <a:schemeClr val="tx1"/>
+          </a:fontRef>
+        </p:style>
+      </p:cxnSp>
+      <p:cxnSp>
+        <p:nvCxnSpPr>
+          <p:cNvPr id="63" name="Verbinder: gewinkelt 62">
+            <a:extLst>
+              <a:ext uri="{FF2B5EF4-FFF2-40B4-BE49-F238E27FC236}">
+                <a16:creationId xmlns:a16="http://schemas.microsoft.com/office/drawing/2014/main" id="{873620CC-85B0-496B-A329-2424FE8FF6BD}"/>
+              </a:ext>
+            </a:extLst>
+          </p:cNvPr>
+          <p:cNvCxnSpPr>
+            <a:cxnSpLocks/>
+            <a:stCxn id="19" idx="0"/>
+            <a:endCxn id="20" idx="0"/>
+          </p:cNvCxnSpPr>
+          <p:nvPr/>
+        </p:nvCxnSpPr>
+        <p:spPr>
+          <a:xfrm>
+            <a:off x="8695518" y="2237019"/>
+            <a:ext cx="129080" cy="904929"/>
+          </a:xfrm>
+          <a:prstGeom prst="bentConnector2">
+            <a:avLst/>
+          </a:prstGeom>
+          <a:ln>
+            <a:headEnd type="none"/>
+            <a:tailEnd type="triangle"/>
+          </a:ln>
+        </p:spPr>
+        <p:style>
+          <a:lnRef idx="1">
+            <a:schemeClr val="dk1"/>
+          </a:lnRef>
+          <a:fillRef idx="0">
+            <a:schemeClr val="dk1"/>
+          </a:fillRef>
+          <a:effectRef idx="0">
+            <a:schemeClr val="dk1"/>
+          </a:effectRef>
+          <a:fontRef idx="minor">
+            <a:schemeClr val="tx1"/>
+          </a:fontRef>
+        </p:style>
+      </p:cxnSp>
+      <p:cxnSp>
+        <p:nvCxnSpPr>
+          <p:cNvPr id="69" name="Gerade Verbindung mit Pfeil 68">
+            <a:extLst>
+              <a:ext uri="{FF2B5EF4-FFF2-40B4-BE49-F238E27FC236}">
+                <a16:creationId xmlns:a16="http://schemas.microsoft.com/office/drawing/2014/main" id="{A044CBF0-63E5-4A63-8250-B4191654173E}"/>
+              </a:ext>
+            </a:extLst>
+          </p:cNvPr>
+          <p:cNvCxnSpPr>
+            <a:cxnSpLocks/>
+            <a:stCxn id="21" idx="3"/>
+            <a:endCxn id="20" idx="1"/>
+          </p:cNvCxnSpPr>
+          <p:nvPr/>
+        </p:nvCxnSpPr>
+        <p:spPr>
+          <a:xfrm>
+            <a:off x="7979420" y="3416000"/>
+            <a:ext cx="303907" cy="2824"/>
+          </a:xfrm>
+          <a:prstGeom prst="straightConnector1">
+            <a:avLst/>
+          </a:prstGeom>
+          <a:ln>
+            <a:headEnd type="triangle"/>
+            <a:tailEnd type="none"/>
+          </a:ln>
+        </p:spPr>
+        <p:style>
+          <a:lnRef idx="1">
+            <a:schemeClr val="dk1"/>
+          </a:lnRef>
+          <a:fillRef idx="0">
+            <a:schemeClr val="dk1"/>
+          </a:fillRef>
+          <a:effectRef idx="0">
+            <a:schemeClr val="dk1"/>
+          </a:effectRef>
+          <a:fontRef idx="minor">
+            <a:schemeClr val="tx1"/>
+          </a:fontRef>
+        </p:style>
+      </p:cxnSp>
+      <p:cxnSp>
+        <p:nvCxnSpPr>
+          <p:cNvPr id="72" name="Gerade Verbindung mit Pfeil 71">
+            <a:extLst>
+              <a:ext uri="{FF2B5EF4-FFF2-40B4-BE49-F238E27FC236}">
+                <a16:creationId xmlns:a16="http://schemas.microsoft.com/office/drawing/2014/main" id="{F1E8C14F-956D-4D64-8A52-8CFED26B04CA}"/>
+              </a:ext>
+            </a:extLst>
+          </p:cNvPr>
+          <p:cNvCxnSpPr>
+            <a:cxnSpLocks/>
+            <a:stCxn id="23" idx="3"/>
+            <a:endCxn id="21" idx="1"/>
+          </p:cNvCxnSpPr>
+          <p:nvPr/>
+        </p:nvCxnSpPr>
+        <p:spPr>
+          <a:xfrm>
+            <a:off x="6590969" y="3416000"/>
+            <a:ext cx="305910" cy="0"/>
+          </a:xfrm>
+          <a:prstGeom prst="straightConnector1">
+            <a:avLst/>
+          </a:prstGeom>
+          <a:ln>
+            <a:headEnd type="triangle"/>
+            <a:tailEnd type="none"/>
+          </a:ln>
+        </p:spPr>
+        <p:style>
+          <a:lnRef idx="1">
+            <a:schemeClr val="dk1"/>
+          </a:lnRef>
+          <a:fillRef idx="0">
+            <a:schemeClr val="dk1"/>
+          </a:fillRef>
+          <a:effectRef idx="0">
+            <a:schemeClr val="dk1"/>
+          </a:effectRef>
+          <a:fontRef idx="minor">
+            <a:schemeClr val="tx1"/>
+          </a:fontRef>
+        </p:style>
+      </p:cxnSp>
+      <p:cxnSp>
+        <p:nvCxnSpPr>
+          <p:cNvPr id="75" name="Gerade Verbindung mit Pfeil 74">
+            <a:extLst>
+              <a:ext uri="{FF2B5EF4-FFF2-40B4-BE49-F238E27FC236}">
+                <a16:creationId xmlns:a16="http://schemas.microsoft.com/office/drawing/2014/main" id="{E9A4E3D4-AB4C-4A4C-BBA0-86B4B07477FB}"/>
+              </a:ext>
+            </a:extLst>
+          </p:cNvPr>
+          <p:cNvCxnSpPr>
+            <a:cxnSpLocks/>
+            <a:stCxn id="24" idx="3"/>
+            <a:endCxn id="23" idx="1"/>
+          </p:cNvCxnSpPr>
+          <p:nvPr/>
+        </p:nvCxnSpPr>
+        <p:spPr>
+          <a:xfrm>
+            <a:off x="5201428" y="3409520"/>
+            <a:ext cx="307000" cy="6480"/>
+          </a:xfrm>
+          <a:prstGeom prst="straightConnector1">
+            <a:avLst/>
+          </a:prstGeom>
+          <a:ln>
+            <a:headEnd type="triangle"/>
+            <a:tailEnd type="none"/>
+          </a:ln>
+        </p:spPr>
+        <p:style>
+          <a:lnRef idx="1">
+            <a:schemeClr val="dk1"/>
+          </a:lnRef>
+          <a:fillRef idx="0">
+            <a:schemeClr val="dk1"/>
+          </a:fillRef>
+          <a:effectRef idx="0">
+            <a:schemeClr val="dk1"/>
+          </a:effectRef>
+          <a:fontRef idx="minor">
+            <a:schemeClr val="tx1"/>
+          </a:fontRef>
+        </p:style>
+      </p:cxnSp>
+      <p:cxnSp>
+        <p:nvCxnSpPr>
+          <p:cNvPr id="78" name="Gerade Verbindung mit Pfeil 77">
+            <a:extLst>
+              <a:ext uri="{FF2B5EF4-FFF2-40B4-BE49-F238E27FC236}">
+                <a16:creationId xmlns:a16="http://schemas.microsoft.com/office/drawing/2014/main" id="{90603F98-5719-4B30-ACEA-D3B1BB5CC3F5}"/>
+              </a:ext>
+            </a:extLst>
+          </p:cNvPr>
+          <p:cNvCxnSpPr>
+            <a:cxnSpLocks/>
+            <a:stCxn id="25" idx="3"/>
+            <a:endCxn id="24" idx="1"/>
+          </p:cNvCxnSpPr>
+          <p:nvPr/>
+        </p:nvCxnSpPr>
+        <p:spPr>
+          <a:xfrm>
+            <a:off x="3668203" y="3406863"/>
+            <a:ext cx="307000" cy="2657"/>
+          </a:xfrm>
+          <a:prstGeom prst="straightConnector1">
+            <a:avLst/>
+          </a:prstGeom>
+          <a:ln>
+            <a:headEnd type="triangle"/>
+            <a:tailEnd type="none"/>
+          </a:ln>
+        </p:spPr>
+        <p:style>
+          <a:lnRef idx="1">
+            <a:schemeClr val="dk1"/>
+          </a:lnRef>
+          <a:fillRef idx="0">
+            <a:schemeClr val="dk1"/>
+          </a:fillRef>
+          <a:effectRef idx="0">
+            <a:schemeClr val="dk1"/>
+          </a:effectRef>
+          <a:fontRef idx="minor">
+            <a:schemeClr val="tx1"/>
+          </a:fontRef>
+        </p:style>
+      </p:cxnSp>
+      <p:cxnSp>
+        <p:nvCxnSpPr>
+          <p:cNvPr id="86" name="Gerade Verbindung mit Pfeil 85">
+            <a:extLst>
+              <a:ext uri="{FF2B5EF4-FFF2-40B4-BE49-F238E27FC236}">
+                <a16:creationId xmlns:a16="http://schemas.microsoft.com/office/drawing/2014/main" id="{00A956E6-32E6-4CE9-AB10-70B2480A22E7}"/>
+              </a:ext>
+            </a:extLst>
+          </p:cNvPr>
+          <p:cNvCxnSpPr>
+            <a:cxnSpLocks/>
+            <a:stCxn id="26" idx="0"/>
+            <a:endCxn id="25" idx="1"/>
+          </p:cNvCxnSpPr>
+          <p:nvPr/>
+        </p:nvCxnSpPr>
+        <p:spPr>
+          <a:xfrm flipV="1">
+            <a:off x="1972752" y="3406863"/>
+            <a:ext cx="647701" cy="9138"/>
+          </a:xfrm>
+          <a:prstGeom prst="straightConnector1">
+            <a:avLst/>
+          </a:prstGeom>
+          <a:ln>
+            <a:headEnd type="triangle"/>
+            <a:tailEnd type="none"/>
+          </a:ln>
+        </p:spPr>
+        <p:style>
+          <a:lnRef idx="1">
+            <a:schemeClr val="dk1"/>
+          </a:lnRef>
+          <a:fillRef idx="0">
+            <a:schemeClr val="dk1"/>
+          </a:fillRef>
+          <a:effectRef idx="0">
+            <a:schemeClr val="dk1"/>
+          </a:effectRef>
+          <a:fontRef idx="minor">
+            <a:schemeClr val="tx1"/>
+          </a:fontRef>
+        </p:style>
+      </p:cxnSp>
+      <p:cxnSp>
+        <p:nvCxnSpPr>
+          <p:cNvPr id="90" name="Verbinder: gewinkelt 89">
+            <a:extLst>
+              <a:ext uri="{FF2B5EF4-FFF2-40B4-BE49-F238E27FC236}">
+                <a16:creationId xmlns:a16="http://schemas.microsoft.com/office/drawing/2014/main" id="{8B62AB71-EEE0-4AAF-A36A-3E161558C797}"/>
+              </a:ext>
+            </a:extLst>
+          </p:cNvPr>
+          <p:cNvCxnSpPr>
+            <a:cxnSpLocks/>
+            <a:stCxn id="26" idx="1"/>
+            <a:endCxn id="14" idx="3"/>
+          </p:cNvCxnSpPr>
+          <p:nvPr/>
+        </p:nvCxnSpPr>
+        <p:spPr>
+          <a:xfrm rot="5400000" flipH="1" flipV="1">
+            <a:off x="2860621" y="1376820"/>
+            <a:ext cx="914775" cy="2896889"/>
+          </a:xfrm>
+          <a:prstGeom prst="bentConnector3">
+            <a:avLst>
+              <a:gd name="adj1" fmla="val 40108"/>
+            </a:avLst>
+          </a:prstGeom>
+          <a:ln>
+            <a:headEnd type="none"/>
+            <a:tailEnd type="triangle"/>
+          </a:ln>
+        </p:spPr>
+        <p:style>
+          <a:lnRef idx="1">
+            <a:schemeClr val="dk1"/>
+          </a:lnRef>
+          <a:fillRef idx="0">
+            <a:schemeClr val="dk1"/>
+          </a:fillRef>
+          <a:effectRef idx="0">
+            <a:schemeClr val="dk1"/>
+          </a:effectRef>
+          <a:fontRef idx="minor">
+            <a:schemeClr val="tx1"/>
+          </a:fontRef>
+        </p:style>
+      </p:cxnSp>
+      <p:cxnSp>
+        <p:nvCxnSpPr>
+          <p:cNvPr id="94" name="Gerade Verbindung mit Pfeil 93">
+            <a:extLst>
+              <a:ext uri="{FF2B5EF4-FFF2-40B4-BE49-F238E27FC236}">
+                <a16:creationId xmlns:a16="http://schemas.microsoft.com/office/drawing/2014/main" id="{BA13C2BE-0C49-49A4-9AA5-E3B4AD23EDB4}"/>
+              </a:ext>
+            </a:extLst>
+          </p:cNvPr>
+          <p:cNvCxnSpPr>
+            <a:cxnSpLocks/>
+            <a:stCxn id="99" idx="0"/>
+            <a:endCxn id="26" idx="3"/>
+          </p:cNvCxnSpPr>
+          <p:nvPr/>
+        </p:nvCxnSpPr>
+        <p:spPr>
+          <a:xfrm flipH="1" flipV="1">
+            <a:off x="1869564" y="3549351"/>
+            <a:ext cx="7435" cy="481372"/>
+          </a:xfrm>
+          <a:prstGeom prst="straightConnector1">
+            <a:avLst/>
+          </a:prstGeom>
+          <a:ln>
+            <a:headEnd type="triangle"/>
+            <a:tailEnd type="none"/>
+          </a:ln>
+        </p:spPr>
+        <p:style>
+          <a:lnRef idx="1">
+            <a:schemeClr val="dk1"/>
+          </a:lnRef>
+          <a:fillRef idx="0">
+            <a:schemeClr val="dk1"/>
+          </a:fillRef>
+          <a:effectRef idx="0">
+            <a:schemeClr val="dk1"/>
+          </a:effectRef>
+          <a:fontRef idx="minor">
+            <a:schemeClr val="tx1"/>
+          </a:fontRef>
+        </p:style>
+      </p:cxnSp>
+      <p:sp>
+        <p:nvSpPr>
+          <p:cNvPr id="97" name="Kreis: nicht ausgefüllt 96">
+            <a:extLst>
+              <a:ext uri="{FF2B5EF4-FFF2-40B4-BE49-F238E27FC236}">
+                <a16:creationId xmlns:a16="http://schemas.microsoft.com/office/drawing/2014/main" id="{1B02DDA3-5B76-4AF5-B080-74DFB04F3B76}"/>
+              </a:ext>
+            </a:extLst>
+          </p:cNvPr>
+          <p:cNvSpPr/>
+          <p:nvPr/>
+        </p:nvSpPr>
+        <p:spPr>
+          <a:xfrm>
+            <a:off x="2100459" y="1309425"/>
+            <a:ext cx="360000" cy="360000"/>
+          </a:xfrm>
+          <a:prstGeom prst="donut">
+            <a:avLst>
+              <a:gd name="adj" fmla="val 1272"/>
+            </a:avLst>
+          </a:prstGeom>
+        </p:spPr>
+        <p:style>
+          <a:lnRef idx="2">
+            <a:schemeClr val="dk1">
+              <a:shade val="50000"/>
+            </a:schemeClr>
+          </a:lnRef>
+          <a:fillRef idx="1">
+            <a:schemeClr val="dk1"/>
+          </a:fillRef>
+          <a:effectRef idx="0">
+            <a:schemeClr val="dk1"/>
+          </a:effectRef>
+          <a:fontRef idx="minor">
+            <a:schemeClr val="lt1"/>
+          </a:fontRef>
+        </p:style>
+        <p:txBody>
+          <a:bodyPr rtlCol="0" anchor="ctr"/>
+          <a:lstStyle/>
+          <a:p>
+            <a:pPr algn="ctr"/>
+            <a:endParaRPr lang="en-US">
+              <a:solidFill>
+                <a:schemeClr val="tx1"/>
+              </a:solidFill>
+            </a:endParaRPr>
+          </a:p>
+        </p:txBody>
+      </p:sp>
+      <p:sp>
+        <p:nvSpPr>
+          <p:cNvPr id="98" name="Ellipse 97">
+            <a:extLst>
+              <a:ext uri="{FF2B5EF4-FFF2-40B4-BE49-F238E27FC236}">
+                <a16:creationId xmlns:a16="http://schemas.microsoft.com/office/drawing/2014/main" id="{29D2445A-147F-4F39-9A97-40E83CC43B7E}"/>
+              </a:ext>
+            </a:extLst>
+          </p:cNvPr>
+          <p:cNvSpPr/>
+          <p:nvPr/>
+        </p:nvSpPr>
+        <p:spPr>
+          <a:xfrm>
+            <a:off x="2150222" y="1354425"/>
+            <a:ext cx="270000" cy="270000"/>
+          </a:xfrm>
+          <a:prstGeom prst="ellipse">
+            <a:avLst/>
+          </a:prstGeom>
+        </p:spPr>
+        <p:style>
+          <a:lnRef idx="2">
+            <a:schemeClr val="dk1">
+              <a:shade val="50000"/>
+            </a:schemeClr>
+          </a:lnRef>
+          <a:fillRef idx="1">
+            <a:schemeClr val="dk1"/>
+          </a:fillRef>
+          <a:effectRef idx="0">
+            <a:schemeClr val="dk1"/>
+          </a:effectRef>
+          <a:fontRef idx="minor">
+            <a:schemeClr val="lt1"/>
+          </a:fontRef>
+        </p:style>
+        <p:txBody>
+          <a:bodyPr rtlCol="0" anchor="ctr"/>
+          <a:lstStyle/>
+          <a:p>
+            <a:pPr algn="ctr"/>
+            <a:endParaRPr lang="en-US"/>
+          </a:p>
+        </p:txBody>
+      </p:sp>
+      <p:sp>
+        <p:nvSpPr>
+          <p:cNvPr id="99" name="Ellipse 98">
+            <a:extLst>
+              <a:ext uri="{FF2B5EF4-FFF2-40B4-BE49-F238E27FC236}">
+                <a16:creationId xmlns:a16="http://schemas.microsoft.com/office/drawing/2014/main" id="{9B27013C-A8CD-40C8-AA66-AD4A90D76156}"/>
+              </a:ext>
+            </a:extLst>
+          </p:cNvPr>
+          <p:cNvSpPr/>
+          <p:nvPr/>
+        </p:nvSpPr>
+        <p:spPr>
+          <a:xfrm>
+            <a:off x="1696999" y="4030723"/>
+            <a:ext cx="360000" cy="360000"/>
+          </a:xfrm>
+          <a:prstGeom prst="ellipse">
+            <a:avLst/>
+          </a:prstGeom>
+        </p:spPr>
+        <p:style>
+          <a:lnRef idx="2">
+            <a:schemeClr val="dk1">
+              <a:shade val="50000"/>
+            </a:schemeClr>
+          </a:lnRef>
+          <a:fillRef idx="1">
+            <a:schemeClr val="dk1"/>
+          </a:fillRef>
+          <a:effectRef idx="0">
+            <a:schemeClr val="dk1"/>
+          </a:effectRef>
+          <a:fontRef idx="minor">
+            <a:schemeClr val="lt1"/>
+          </a:fontRef>
+        </p:style>
+        <p:txBody>
+          <a:bodyPr rtlCol="0" anchor="ctr"/>
+          <a:lstStyle/>
+          <a:p>
+            <a:pPr algn="ctr"/>
+            <a:endParaRPr lang="en-US"/>
+          </a:p>
+        </p:txBody>
+      </p:sp>
+      <p:cxnSp>
+        <p:nvCxnSpPr>
+          <p:cNvPr id="102" name="Gerade Verbindung mit Pfeil 101">
+            <a:extLst>
+              <a:ext uri="{FF2B5EF4-FFF2-40B4-BE49-F238E27FC236}">
+                <a16:creationId xmlns:a16="http://schemas.microsoft.com/office/drawing/2014/main" id="{D8B4F2AC-5652-46F3-BD71-8A003764B3DB}"/>
+              </a:ext>
+            </a:extLst>
+          </p:cNvPr>
+          <p:cNvCxnSpPr>
+            <a:cxnSpLocks/>
+            <a:stCxn id="4" idx="0"/>
+            <a:endCxn id="97" idx="4"/>
+          </p:cNvCxnSpPr>
+          <p:nvPr/>
+        </p:nvCxnSpPr>
+        <p:spPr>
+          <a:xfrm flipH="1" flipV="1">
+            <a:off x="2280459" y="1669425"/>
+            <a:ext cx="4764" cy="156467"/>
+          </a:xfrm>
+          <a:prstGeom prst="straightConnector1">
+            <a:avLst/>
+          </a:prstGeom>
+          <a:ln>
+            <a:headEnd type="triangle"/>
+            <a:tailEnd type="none"/>
+          </a:ln>
+        </p:spPr>
+        <p:style>
+          <a:lnRef idx="1">
+            <a:schemeClr val="dk1"/>
+          </a:lnRef>
+          <a:fillRef idx="0">
+            <a:schemeClr val="dk1"/>
+          </a:fillRef>
+          <a:effectRef idx="0">
+            <a:schemeClr val="dk1"/>
+          </a:effectRef>
+          <a:fontRef idx="minor">
+            <a:schemeClr val="tx1"/>
+          </a:fontRef>
+        </p:style>
+      </p:cxnSp>
+    </p:spTree>
+    <p:extLst>
+      <p:ext uri="{BB962C8B-B14F-4D97-AF65-F5344CB8AC3E}">
+        <p14:creationId xmlns:p14="http://schemas.microsoft.com/office/powerpoint/2010/main" val="1240219700"/>
+      </p:ext>
+    </p:extLst>
+  </p:cSld>
+  <p:clrMapOvr>
+    <a:masterClrMapping/>
+  </p:clrMapOvr>
+</p:sld>
+</file>
+
 <file path=ppt/theme/theme1.xml><?xml version="1.0" encoding="utf-8"?>
 <a:theme xmlns:a="http://schemas.openxmlformats.org/drawingml/2006/main" name="Office">
   <a:themeElements>

--- a/02_Thesis/PARRHI_Thesis/Figures/FigureMaker.pptx
+++ b/02_Thesis/PARRHI_Thesis/Figures/FigureMaker.pptx
@@ -12,6 +12,8 @@
     <p:sldId id="256" r:id="rId6"/>
     <p:sldId id="262" r:id="rId7"/>
     <p:sldId id="263" r:id="rId8"/>
+    <p:sldId id="264" r:id="rId9"/>
+    <p:sldId id="265" r:id="rId10"/>
   </p:sldIdLst>
   <p:sldSz cx="12192000" cy="6858000"/>
   <p:notesSz cx="6858000" cy="9144000"/>
@@ -279,7 +281,7 @@
           <a:p>
             <a:fld id="{7CBA829E-0E5E-45A4-B6EB-8046F7F33EA6}" type="datetimeFigureOut">
               <a:rPr lang="en-GB" smtClean="0"/>
-              <a:t>11/06/2019</a:t>
+              <a:t>27/06/2019</a:t>
             </a:fld>
             <a:endParaRPr lang="en-GB"/>
           </a:p>
@@ -479,7 +481,7 @@
           <a:p>
             <a:fld id="{7CBA829E-0E5E-45A4-B6EB-8046F7F33EA6}" type="datetimeFigureOut">
               <a:rPr lang="en-GB" smtClean="0"/>
-              <a:t>11/06/2019</a:t>
+              <a:t>27/06/2019</a:t>
             </a:fld>
             <a:endParaRPr lang="en-GB"/>
           </a:p>
@@ -689,7 +691,7 @@
           <a:p>
             <a:fld id="{7CBA829E-0E5E-45A4-B6EB-8046F7F33EA6}" type="datetimeFigureOut">
               <a:rPr lang="en-GB" smtClean="0"/>
-              <a:t>11/06/2019</a:t>
+              <a:t>27/06/2019</a:t>
             </a:fld>
             <a:endParaRPr lang="en-GB"/>
           </a:p>
@@ -889,7 +891,7 @@
           <a:p>
             <a:fld id="{7CBA829E-0E5E-45A4-B6EB-8046F7F33EA6}" type="datetimeFigureOut">
               <a:rPr lang="en-GB" smtClean="0"/>
-              <a:t>11/06/2019</a:t>
+              <a:t>27/06/2019</a:t>
             </a:fld>
             <a:endParaRPr lang="en-GB"/>
           </a:p>
@@ -1165,7 +1167,7 @@
           <a:p>
             <a:fld id="{7CBA829E-0E5E-45A4-B6EB-8046F7F33EA6}" type="datetimeFigureOut">
               <a:rPr lang="en-GB" smtClean="0"/>
-              <a:t>11/06/2019</a:t>
+              <a:t>27/06/2019</a:t>
             </a:fld>
             <a:endParaRPr lang="en-GB"/>
           </a:p>
@@ -1433,7 +1435,7 @@
           <a:p>
             <a:fld id="{7CBA829E-0E5E-45A4-B6EB-8046F7F33EA6}" type="datetimeFigureOut">
               <a:rPr lang="en-GB" smtClean="0"/>
-              <a:t>11/06/2019</a:t>
+              <a:t>27/06/2019</a:t>
             </a:fld>
             <a:endParaRPr lang="en-GB"/>
           </a:p>
@@ -1848,7 +1850,7 @@
           <a:p>
             <a:fld id="{7CBA829E-0E5E-45A4-B6EB-8046F7F33EA6}" type="datetimeFigureOut">
               <a:rPr lang="en-GB" smtClean="0"/>
-              <a:t>11/06/2019</a:t>
+              <a:t>27/06/2019</a:t>
             </a:fld>
             <a:endParaRPr lang="en-GB"/>
           </a:p>
@@ -1990,7 +1992,7 @@
           <a:p>
             <a:fld id="{7CBA829E-0E5E-45A4-B6EB-8046F7F33EA6}" type="datetimeFigureOut">
               <a:rPr lang="en-GB" smtClean="0"/>
-              <a:t>11/06/2019</a:t>
+              <a:t>27/06/2019</a:t>
             </a:fld>
             <a:endParaRPr lang="en-GB"/>
           </a:p>
@@ -2103,7 +2105,7 @@
           <a:p>
             <a:fld id="{7CBA829E-0E5E-45A4-B6EB-8046F7F33EA6}" type="datetimeFigureOut">
               <a:rPr lang="en-GB" smtClean="0"/>
-              <a:t>11/06/2019</a:t>
+              <a:t>27/06/2019</a:t>
             </a:fld>
             <a:endParaRPr lang="en-GB"/>
           </a:p>
@@ -2416,7 +2418,7 @@
           <a:p>
             <a:fld id="{7CBA829E-0E5E-45A4-B6EB-8046F7F33EA6}" type="datetimeFigureOut">
               <a:rPr lang="en-GB" smtClean="0"/>
-              <a:t>11/06/2019</a:t>
+              <a:t>27/06/2019</a:t>
             </a:fld>
             <a:endParaRPr lang="en-GB"/>
           </a:p>
@@ -2705,7 +2707,7 @@
           <a:p>
             <a:fld id="{7CBA829E-0E5E-45A4-B6EB-8046F7F33EA6}" type="datetimeFigureOut">
               <a:rPr lang="en-GB" smtClean="0"/>
-              <a:t>11/06/2019</a:t>
+              <a:t>27/06/2019</a:t>
             </a:fld>
             <a:endParaRPr lang="en-GB"/>
           </a:p>
@@ -2948,7 +2950,7 @@
           <a:p>
             <a:fld id="{7CBA829E-0E5E-45A4-B6EB-8046F7F33EA6}" type="datetimeFigureOut">
               <a:rPr lang="en-GB" smtClean="0"/>
-              <a:t>11/06/2019</a:t>
+              <a:t>27/06/2019</a:t>
             </a:fld>
             <a:endParaRPr lang="en-GB"/>
           </a:p>
@@ -14776,6 +14778,3837 @@
 </p:sld>
 </file>
 
+<file path=ppt/slides/slide8.xml><?xml version="1.0" encoding="utf-8"?>
+<p:sld xmlns:a="http://schemas.openxmlformats.org/drawingml/2006/main" xmlns:r="http://schemas.openxmlformats.org/officeDocument/2006/relationships" xmlns:p="http://schemas.openxmlformats.org/presentationml/2006/main">
+  <p:cSld>
+    <p:spTree>
+      <p:nvGrpSpPr>
+        <p:cNvPr id="1" name=""/>
+        <p:cNvGrpSpPr/>
+        <p:nvPr/>
+      </p:nvGrpSpPr>
+      <p:grpSpPr>
+        <a:xfrm>
+          <a:off x="0" y="0"/>
+          <a:ext cx="0" cy="0"/>
+          <a:chOff x="0" y="0"/>
+          <a:chExt cx="0" cy="0"/>
+        </a:xfrm>
+      </p:grpSpPr>
+      <p:cxnSp>
+        <p:nvCxnSpPr>
+          <p:cNvPr id="4" name="Gerade Verbindung mit Pfeil 3">
+            <a:extLst>
+              <a:ext uri="{FF2B5EF4-FFF2-40B4-BE49-F238E27FC236}">
+                <a16:creationId xmlns:a16="http://schemas.microsoft.com/office/drawing/2014/main" id="{1BB80870-5B29-4626-8B08-5078550CDE2C}"/>
+              </a:ext>
+            </a:extLst>
+          </p:cNvPr>
+          <p:cNvCxnSpPr>
+            <a:cxnSpLocks/>
+            <a:stCxn id="10" idx="0"/>
+            <a:endCxn id="6" idx="2"/>
+          </p:cNvCxnSpPr>
+          <p:nvPr/>
+        </p:nvCxnSpPr>
+        <p:spPr>
+          <a:xfrm flipH="1" flipV="1">
+            <a:off x="3212976" y="1475166"/>
+            <a:ext cx="50" cy="437377"/>
+          </a:xfrm>
+          <a:prstGeom prst="straightConnector1">
+            <a:avLst/>
+          </a:prstGeom>
+          <a:ln>
+            <a:headEnd type="triangle"/>
+            <a:tailEnd type="none"/>
+          </a:ln>
+        </p:spPr>
+        <p:style>
+          <a:lnRef idx="1">
+            <a:schemeClr val="dk1"/>
+          </a:lnRef>
+          <a:fillRef idx="0">
+            <a:schemeClr val="dk1"/>
+          </a:fillRef>
+          <a:effectRef idx="0">
+            <a:schemeClr val="dk1"/>
+          </a:effectRef>
+          <a:fontRef idx="minor">
+            <a:schemeClr val="tx1"/>
+          </a:fontRef>
+        </p:style>
+      </p:cxnSp>
+      <p:grpSp>
+        <p:nvGrpSpPr>
+          <p:cNvPr id="5" name="Gruppieren 4">
+            <a:extLst>
+              <a:ext uri="{FF2B5EF4-FFF2-40B4-BE49-F238E27FC236}">
+                <a16:creationId xmlns:a16="http://schemas.microsoft.com/office/drawing/2014/main" id="{1932BF2B-88D1-4D33-8BEE-435B9BF77E1A}"/>
+              </a:ext>
+            </a:extLst>
+          </p:cNvPr>
+          <p:cNvGrpSpPr/>
+          <p:nvPr/>
+        </p:nvGrpSpPr>
+        <p:grpSpPr>
+          <a:xfrm>
+            <a:off x="2599863" y="961707"/>
+            <a:ext cx="1226225" cy="513459"/>
+            <a:chOff x="1656541" y="1949335"/>
+            <a:chExt cx="1226225" cy="513459"/>
+          </a:xfrm>
+        </p:grpSpPr>
+        <p:sp>
+          <p:nvSpPr>
+            <p:cNvPr id="6" name="Rechteck: abgerundete Ecken 5">
+              <a:extLst>
+                <a:ext uri="{FF2B5EF4-FFF2-40B4-BE49-F238E27FC236}">
+                  <a16:creationId xmlns:a16="http://schemas.microsoft.com/office/drawing/2014/main" id="{949B5299-A8AE-455E-8458-D48688713C03}"/>
+                </a:ext>
+              </a:extLst>
+            </p:cNvPr>
+            <p:cNvSpPr/>
+            <p:nvPr/>
+          </p:nvSpPr>
+          <p:spPr>
+            <a:xfrm>
+              <a:off x="1656541" y="1949335"/>
+              <a:ext cx="1226225" cy="513459"/>
+            </a:xfrm>
+            <a:prstGeom prst="roundRect">
+              <a:avLst>
+                <a:gd name="adj" fmla="val 10738"/>
+              </a:avLst>
+            </a:prstGeom>
+            <a:solidFill>
+              <a:schemeClr val="bg1">
+                <a:lumMod val="95000"/>
+              </a:schemeClr>
+            </a:solidFill>
+            <a:ln>
+              <a:solidFill>
+                <a:schemeClr val="accent1">
+                  <a:lumMod val="50000"/>
+                </a:schemeClr>
+              </a:solidFill>
+            </a:ln>
+          </p:spPr>
+          <p:style>
+            <a:lnRef idx="2">
+              <a:schemeClr val="accent6"/>
+            </a:lnRef>
+            <a:fillRef idx="1">
+              <a:schemeClr val="lt1"/>
+            </a:fillRef>
+            <a:effectRef idx="0">
+              <a:schemeClr val="accent6"/>
+            </a:effectRef>
+            <a:fontRef idx="minor">
+              <a:schemeClr val="dk1"/>
+            </a:fontRef>
+          </p:style>
+          <p:txBody>
+            <a:bodyPr rtlCol="0" anchor="t"/>
+            <a:lstStyle/>
+            <a:p>
+              <a:pPr algn="ctr"/>
+              <a:r>
+                <a:rPr lang="en-GB" sz="1200" dirty="0"/>
+                <a:t>Command User to Start Position</a:t>
+              </a:r>
+            </a:p>
+          </p:txBody>
+        </p:sp>
+        <p:sp>
+          <p:nvSpPr>
+            <p:cNvPr id="7" name="Textfeld 6">
+              <a:extLst>
+                <a:ext uri="{FF2B5EF4-FFF2-40B4-BE49-F238E27FC236}">
+                  <a16:creationId xmlns:a16="http://schemas.microsoft.com/office/drawing/2014/main" id="{5CD0F21D-0513-4026-93F0-351AE3783F9A}"/>
+                </a:ext>
+              </a:extLst>
+            </p:cNvPr>
+            <p:cNvSpPr txBox="1"/>
+            <p:nvPr/>
+          </p:nvSpPr>
+          <p:spPr>
+            <a:xfrm>
+              <a:off x="1656541" y="2201184"/>
+              <a:ext cx="1226225" cy="261610"/>
+            </a:xfrm>
+            <a:prstGeom prst="rect">
+              <a:avLst/>
+            </a:prstGeom>
+            <a:noFill/>
+          </p:spPr>
+          <p:txBody>
+            <a:bodyPr wrap="square" rtlCol="0">
+              <a:spAutoFit/>
+            </a:bodyPr>
+            <a:lstStyle/>
+            <a:p>
+              <a:endParaRPr lang="en-US" sz="1100" dirty="0"/>
+            </a:p>
+          </p:txBody>
+        </p:sp>
+      </p:grpSp>
+      <p:sp>
+        <p:nvSpPr>
+          <p:cNvPr id="8" name="Flussdiagramm: Verzweigung 7">
+            <a:extLst>
+              <a:ext uri="{FF2B5EF4-FFF2-40B4-BE49-F238E27FC236}">
+                <a16:creationId xmlns:a16="http://schemas.microsoft.com/office/drawing/2014/main" id="{C26B0AA6-944C-4BA3-A663-F3C24BE2F932}"/>
+              </a:ext>
+            </a:extLst>
+          </p:cNvPr>
+          <p:cNvSpPr/>
+          <p:nvPr/>
+        </p:nvSpPr>
+        <p:spPr>
+          <a:xfrm rot="5400000">
+            <a:off x="3079674" y="2947338"/>
+            <a:ext cx="266700" cy="206375"/>
+          </a:xfrm>
+          <a:prstGeom prst="flowChartDecision">
+            <a:avLst/>
+          </a:prstGeom>
+          <a:solidFill>
+            <a:schemeClr val="bg1">
+              <a:lumMod val="85000"/>
+            </a:schemeClr>
+          </a:solidFill>
+        </p:spPr>
+        <p:style>
+          <a:lnRef idx="2">
+            <a:schemeClr val="dk1">
+              <a:shade val="50000"/>
+            </a:schemeClr>
+          </a:lnRef>
+          <a:fillRef idx="1">
+            <a:schemeClr val="dk1"/>
+          </a:fillRef>
+          <a:effectRef idx="0">
+            <a:schemeClr val="dk1"/>
+          </a:effectRef>
+          <a:fontRef idx="minor">
+            <a:schemeClr val="lt1"/>
+          </a:fontRef>
+        </p:style>
+        <p:txBody>
+          <a:bodyPr rtlCol="0" anchor="ctr"/>
+          <a:lstStyle/>
+          <a:p>
+            <a:pPr algn="ctr"/>
+            <a:endParaRPr lang="en-US"/>
+          </a:p>
+        </p:txBody>
+      </p:sp>
+      <p:sp>
+        <p:nvSpPr>
+          <p:cNvPr id="10" name="Rechteck: abgerundete Ecken 9">
+            <a:extLst>
+              <a:ext uri="{FF2B5EF4-FFF2-40B4-BE49-F238E27FC236}">
+                <a16:creationId xmlns:a16="http://schemas.microsoft.com/office/drawing/2014/main" id="{A6F43E6C-4CC7-48DD-BE1D-F4004F982255}"/>
+              </a:ext>
+            </a:extLst>
+          </p:cNvPr>
+          <p:cNvSpPr/>
+          <p:nvPr/>
+        </p:nvSpPr>
+        <p:spPr>
+          <a:xfrm>
+            <a:off x="2599913" y="1912543"/>
+            <a:ext cx="1226225" cy="652845"/>
+          </a:xfrm>
+          <a:prstGeom prst="roundRect">
+            <a:avLst>
+              <a:gd name="adj" fmla="val 10738"/>
+            </a:avLst>
+          </a:prstGeom>
+          <a:solidFill>
+            <a:schemeClr val="bg1">
+              <a:lumMod val="95000"/>
+            </a:schemeClr>
+          </a:solidFill>
+          <a:ln>
+            <a:solidFill>
+              <a:schemeClr val="accent1">
+                <a:lumMod val="50000"/>
+              </a:schemeClr>
+            </a:solidFill>
+          </a:ln>
+        </p:spPr>
+        <p:style>
+          <a:lnRef idx="2">
+            <a:schemeClr val="accent6"/>
+          </a:lnRef>
+          <a:fillRef idx="1">
+            <a:schemeClr val="lt1"/>
+          </a:fillRef>
+          <a:effectRef idx="0">
+            <a:schemeClr val="accent6"/>
+          </a:effectRef>
+          <a:fontRef idx="minor">
+            <a:schemeClr val="dk1"/>
+          </a:fontRef>
+        </p:style>
+        <p:txBody>
+          <a:bodyPr rtlCol="0" anchor="t"/>
+          <a:lstStyle/>
+          <a:p>
+            <a:pPr algn="ctr"/>
+            <a:r>
+              <a:rPr lang="en-GB" sz="1200" dirty="0"/>
+              <a:t>Command: Robot Tip to Target Point</a:t>
+            </a:r>
+          </a:p>
+        </p:txBody>
+      </p:sp>
+      <p:cxnSp>
+        <p:nvCxnSpPr>
+          <p:cNvPr id="11" name="Gerade Verbindung mit Pfeil 10">
+            <a:extLst>
+              <a:ext uri="{FF2B5EF4-FFF2-40B4-BE49-F238E27FC236}">
+                <a16:creationId xmlns:a16="http://schemas.microsoft.com/office/drawing/2014/main" id="{A7A520C7-4110-4EB5-9A44-90F15988FA79}"/>
+              </a:ext>
+            </a:extLst>
+          </p:cNvPr>
+          <p:cNvCxnSpPr>
+            <a:cxnSpLocks/>
+            <a:stCxn id="8" idx="1"/>
+            <a:endCxn id="10" idx="2"/>
+          </p:cNvCxnSpPr>
+          <p:nvPr/>
+        </p:nvCxnSpPr>
+        <p:spPr>
+          <a:xfrm flipV="1">
+            <a:off x="3213024" y="2565388"/>
+            <a:ext cx="2" cy="351788"/>
+          </a:xfrm>
+          <a:prstGeom prst="straightConnector1">
+            <a:avLst/>
+          </a:prstGeom>
+          <a:ln>
+            <a:headEnd type="triangle"/>
+            <a:tailEnd type="none"/>
+          </a:ln>
+        </p:spPr>
+        <p:style>
+          <a:lnRef idx="1">
+            <a:schemeClr val="dk1"/>
+          </a:lnRef>
+          <a:fillRef idx="0">
+            <a:schemeClr val="dk1"/>
+          </a:fillRef>
+          <a:effectRef idx="0">
+            <a:schemeClr val="dk1"/>
+          </a:effectRef>
+          <a:fontRef idx="minor">
+            <a:schemeClr val="tx1"/>
+          </a:fontRef>
+        </p:style>
+      </p:cxnSp>
+      <p:sp>
+        <p:nvSpPr>
+          <p:cNvPr id="13" name="Kreis: nicht ausgefüllt 12">
+            <a:extLst>
+              <a:ext uri="{FF2B5EF4-FFF2-40B4-BE49-F238E27FC236}">
+                <a16:creationId xmlns:a16="http://schemas.microsoft.com/office/drawing/2014/main" id="{75BF01B9-0322-4733-8DDC-5F6D91C375A2}"/>
+              </a:ext>
+            </a:extLst>
+          </p:cNvPr>
+          <p:cNvSpPr/>
+          <p:nvPr/>
+        </p:nvSpPr>
+        <p:spPr>
+          <a:xfrm>
+            <a:off x="3033026" y="445814"/>
+            <a:ext cx="360000" cy="360000"/>
+          </a:xfrm>
+          <a:prstGeom prst="donut">
+            <a:avLst>
+              <a:gd name="adj" fmla="val 1272"/>
+            </a:avLst>
+          </a:prstGeom>
+        </p:spPr>
+        <p:style>
+          <a:lnRef idx="2">
+            <a:schemeClr val="dk1">
+              <a:shade val="50000"/>
+            </a:schemeClr>
+          </a:lnRef>
+          <a:fillRef idx="1">
+            <a:schemeClr val="dk1"/>
+          </a:fillRef>
+          <a:effectRef idx="0">
+            <a:schemeClr val="dk1"/>
+          </a:effectRef>
+          <a:fontRef idx="minor">
+            <a:schemeClr val="lt1"/>
+          </a:fontRef>
+        </p:style>
+        <p:txBody>
+          <a:bodyPr rtlCol="0" anchor="ctr"/>
+          <a:lstStyle/>
+          <a:p>
+            <a:pPr algn="ctr"/>
+            <a:endParaRPr lang="en-US">
+              <a:solidFill>
+                <a:schemeClr val="tx1"/>
+              </a:solidFill>
+            </a:endParaRPr>
+          </a:p>
+        </p:txBody>
+      </p:sp>
+      <p:sp>
+        <p:nvSpPr>
+          <p:cNvPr id="14" name="Ellipse 13">
+            <a:extLst>
+              <a:ext uri="{FF2B5EF4-FFF2-40B4-BE49-F238E27FC236}">
+                <a16:creationId xmlns:a16="http://schemas.microsoft.com/office/drawing/2014/main" id="{E9866C92-475F-46B9-9A36-D95D99AB8476}"/>
+              </a:ext>
+            </a:extLst>
+          </p:cNvPr>
+          <p:cNvSpPr/>
+          <p:nvPr/>
+        </p:nvSpPr>
+        <p:spPr>
+          <a:xfrm>
+            <a:off x="3077976" y="490814"/>
+            <a:ext cx="270000" cy="270000"/>
+          </a:xfrm>
+          <a:prstGeom prst="ellipse">
+            <a:avLst/>
+          </a:prstGeom>
+        </p:spPr>
+        <p:style>
+          <a:lnRef idx="2">
+            <a:schemeClr val="dk1">
+              <a:shade val="50000"/>
+            </a:schemeClr>
+          </a:lnRef>
+          <a:fillRef idx="1">
+            <a:schemeClr val="dk1"/>
+          </a:fillRef>
+          <a:effectRef idx="0">
+            <a:schemeClr val="dk1"/>
+          </a:effectRef>
+          <a:fontRef idx="minor">
+            <a:schemeClr val="lt1"/>
+          </a:fontRef>
+        </p:style>
+        <p:txBody>
+          <a:bodyPr rtlCol="0" anchor="ctr"/>
+          <a:lstStyle/>
+          <a:p>
+            <a:pPr algn="ctr"/>
+            <a:endParaRPr lang="en-US"/>
+          </a:p>
+        </p:txBody>
+      </p:sp>
+      <p:cxnSp>
+        <p:nvCxnSpPr>
+          <p:cNvPr id="15" name="Gerade Verbindung mit Pfeil 14">
+            <a:extLst>
+              <a:ext uri="{FF2B5EF4-FFF2-40B4-BE49-F238E27FC236}">
+                <a16:creationId xmlns:a16="http://schemas.microsoft.com/office/drawing/2014/main" id="{86750A82-6387-4632-998F-548E1DC42984}"/>
+              </a:ext>
+            </a:extLst>
+          </p:cNvPr>
+          <p:cNvCxnSpPr>
+            <a:cxnSpLocks/>
+            <a:stCxn id="6" idx="0"/>
+            <a:endCxn id="13" idx="4"/>
+          </p:cNvCxnSpPr>
+          <p:nvPr/>
+        </p:nvCxnSpPr>
+        <p:spPr>
+          <a:xfrm flipV="1">
+            <a:off x="3212976" y="805814"/>
+            <a:ext cx="50" cy="155893"/>
+          </a:xfrm>
+          <a:prstGeom prst="straightConnector1">
+            <a:avLst/>
+          </a:prstGeom>
+          <a:ln>
+            <a:headEnd type="triangle"/>
+            <a:tailEnd type="none"/>
+          </a:ln>
+        </p:spPr>
+        <p:style>
+          <a:lnRef idx="1">
+            <a:schemeClr val="dk1"/>
+          </a:lnRef>
+          <a:fillRef idx="0">
+            <a:schemeClr val="dk1"/>
+          </a:fillRef>
+          <a:effectRef idx="0">
+            <a:schemeClr val="dk1"/>
+          </a:effectRef>
+          <a:fontRef idx="minor">
+            <a:schemeClr val="tx1"/>
+          </a:fontRef>
+        </p:style>
+      </p:cxnSp>
+      <p:sp>
+        <p:nvSpPr>
+          <p:cNvPr id="30" name="Rechteck: abgerundete Ecken 29">
+            <a:extLst>
+              <a:ext uri="{FF2B5EF4-FFF2-40B4-BE49-F238E27FC236}">
+                <a16:creationId xmlns:a16="http://schemas.microsoft.com/office/drawing/2014/main" id="{D922BFDE-9A51-4E9C-BD56-6B15471CF271}"/>
+              </a:ext>
+            </a:extLst>
+          </p:cNvPr>
+          <p:cNvSpPr/>
+          <p:nvPr/>
+        </p:nvSpPr>
+        <p:spPr>
+          <a:xfrm>
+            <a:off x="4003597" y="3357490"/>
+            <a:ext cx="1226225" cy="652845"/>
+          </a:xfrm>
+          <a:prstGeom prst="roundRect">
+            <a:avLst>
+              <a:gd name="adj" fmla="val 10738"/>
+            </a:avLst>
+          </a:prstGeom>
+          <a:solidFill>
+            <a:schemeClr val="bg1">
+              <a:lumMod val="95000"/>
+            </a:schemeClr>
+          </a:solidFill>
+          <a:ln>
+            <a:solidFill>
+              <a:schemeClr val="accent1">
+                <a:lumMod val="50000"/>
+              </a:schemeClr>
+            </a:solidFill>
+          </a:ln>
+        </p:spPr>
+        <p:style>
+          <a:lnRef idx="2">
+            <a:schemeClr val="accent6"/>
+          </a:lnRef>
+          <a:fillRef idx="1">
+            <a:schemeClr val="lt1"/>
+          </a:fillRef>
+          <a:effectRef idx="0">
+            <a:schemeClr val="accent6"/>
+          </a:effectRef>
+          <a:fontRef idx="minor">
+            <a:schemeClr val="dk1"/>
+          </a:fontRef>
+        </p:style>
+        <p:txBody>
+          <a:bodyPr rtlCol="0" anchor="t"/>
+          <a:lstStyle/>
+          <a:p>
+            <a:pPr algn="ctr"/>
+            <a:r>
+              <a:rPr lang="en-GB" sz="1200" dirty="0"/>
+              <a:t>Fail Msg, Command User to Finish Pos</a:t>
+            </a:r>
+          </a:p>
+        </p:txBody>
+      </p:sp>
+      <p:sp>
+        <p:nvSpPr>
+          <p:cNvPr id="31" name="Rechteck: abgerundete Ecken 30">
+            <a:extLst>
+              <a:ext uri="{FF2B5EF4-FFF2-40B4-BE49-F238E27FC236}">
+                <a16:creationId xmlns:a16="http://schemas.microsoft.com/office/drawing/2014/main" id="{02EFC5AF-BE39-48B6-A0E1-95BAD76EA5F1}"/>
+              </a:ext>
+            </a:extLst>
+          </p:cNvPr>
+          <p:cNvSpPr/>
+          <p:nvPr/>
+        </p:nvSpPr>
+        <p:spPr>
+          <a:xfrm>
+            <a:off x="1260397" y="3357489"/>
+            <a:ext cx="1226225" cy="652845"/>
+          </a:xfrm>
+          <a:prstGeom prst="roundRect">
+            <a:avLst>
+              <a:gd name="adj" fmla="val 10738"/>
+            </a:avLst>
+          </a:prstGeom>
+          <a:solidFill>
+            <a:schemeClr val="bg1">
+              <a:lumMod val="95000"/>
+            </a:schemeClr>
+          </a:solidFill>
+          <a:ln>
+            <a:solidFill>
+              <a:schemeClr val="accent1">
+                <a:lumMod val="50000"/>
+              </a:schemeClr>
+            </a:solidFill>
+          </a:ln>
+        </p:spPr>
+        <p:style>
+          <a:lnRef idx="2">
+            <a:schemeClr val="accent6"/>
+          </a:lnRef>
+          <a:fillRef idx="1">
+            <a:schemeClr val="lt1"/>
+          </a:fillRef>
+          <a:effectRef idx="0">
+            <a:schemeClr val="accent6"/>
+          </a:effectRef>
+          <a:fontRef idx="minor">
+            <a:schemeClr val="dk1"/>
+          </a:fontRef>
+        </p:style>
+        <p:txBody>
+          <a:bodyPr rtlCol="0" anchor="t"/>
+          <a:lstStyle/>
+          <a:p>
+            <a:pPr algn="ctr"/>
+            <a:r>
+              <a:rPr lang="en-GB" sz="1200" dirty="0"/>
+              <a:t>Success Msg, Command User to Finish Pos</a:t>
+            </a:r>
+          </a:p>
+        </p:txBody>
+      </p:sp>
+      <p:sp>
+        <p:nvSpPr>
+          <p:cNvPr id="32" name="Rechteck: abgerundete Ecken 31">
+            <a:extLst>
+              <a:ext uri="{FF2B5EF4-FFF2-40B4-BE49-F238E27FC236}">
+                <a16:creationId xmlns:a16="http://schemas.microsoft.com/office/drawing/2014/main" id="{5D629923-64F3-4896-83C9-850A7C711CD9}"/>
+              </a:ext>
+            </a:extLst>
+          </p:cNvPr>
+          <p:cNvSpPr/>
+          <p:nvPr/>
+        </p:nvSpPr>
+        <p:spPr>
+          <a:xfrm>
+            <a:off x="2599910" y="4891222"/>
+            <a:ext cx="1226225" cy="522103"/>
+          </a:xfrm>
+          <a:prstGeom prst="roundRect">
+            <a:avLst>
+              <a:gd name="adj" fmla="val 10738"/>
+            </a:avLst>
+          </a:prstGeom>
+          <a:solidFill>
+            <a:schemeClr val="bg1">
+              <a:lumMod val="95000"/>
+            </a:schemeClr>
+          </a:solidFill>
+          <a:ln>
+            <a:solidFill>
+              <a:schemeClr val="accent1">
+                <a:lumMod val="50000"/>
+              </a:schemeClr>
+            </a:solidFill>
+          </a:ln>
+        </p:spPr>
+        <p:style>
+          <a:lnRef idx="2">
+            <a:schemeClr val="accent6"/>
+          </a:lnRef>
+          <a:fillRef idx="1">
+            <a:schemeClr val="lt1"/>
+          </a:fillRef>
+          <a:effectRef idx="0">
+            <a:schemeClr val="accent6"/>
+          </a:effectRef>
+          <a:fontRef idx="minor">
+            <a:schemeClr val="dk1"/>
+          </a:fontRef>
+        </p:style>
+        <p:txBody>
+          <a:bodyPr rtlCol="0" anchor="t"/>
+          <a:lstStyle/>
+          <a:p>
+            <a:pPr algn="ctr"/>
+            <a:r>
+              <a:rPr lang="en-GB" sz="1200" dirty="0"/>
+              <a:t>Success Message</a:t>
+            </a:r>
+          </a:p>
+        </p:txBody>
+      </p:sp>
+      <p:sp>
+        <p:nvSpPr>
+          <p:cNvPr id="33" name="Flussdiagramm: Verzweigung 32">
+            <a:extLst>
+              <a:ext uri="{FF2B5EF4-FFF2-40B4-BE49-F238E27FC236}">
+                <a16:creationId xmlns:a16="http://schemas.microsoft.com/office/drawing/2014/main" id="{6F5762B1-8F08-43FE-8B6F-F0CD2E0E1D25}"/>
+              </a:ext>
+            </a:extLst>
+          </p:cNvPr>
+          <p:cNvSpPr/>
+          <p:nvPr/>
+        </p:nvSpPr>
+        <p:spPr>
+          <a:xfrm rot="5400000">
+            <a:off x="3079673" y="4302897"/>
+            <a:ext cx="266700" cy="206375"/>
+          </a:xfrm>
+          <a:prstGeom prst="flowChartDecision">
+            <a:avLst/>
+          </a:prstGeom>
+          <a:solidFill>
+            <a:schemeClr val="bg1">
+              <a:lumMod val="85000"/>
+            </a:schemeClr>
+          </a:solidFill>
+        </p:spPr>
+        <p:style>
+          <a:lnRef idx="2">
+            <a:schemeClr val="dk1">
+              <a:shade val="50000"/>
+            </a:schemeClr>
+          </a:lnRef>
+          <a:fillRef idx="1">
+            <a:schemeClr val="dk1"/>
+          </a:fillRef>
+          <a:effectRef idx="0">
+            <a:schemeClr val="dk1"/>
+          </a:effectRef>
+          <a:fontRef idx="minor">
+            <a:schemeClr val="lt1"/>
+          </a:fontRef>
+        </p:style>
+        <p:txBody>
+          <a:bodyPr rtlCol="0" anchor="ctr"/>
+          <a:lstStyle/>
+          <a:p>
+            <a:pPr algn="ctr"/>
+            <a:endParaRPr lang="en-US"/>
+          </a:p>
+        </p:txBody>
+      </p:sp>
+      <p:cxnSp>
+        <p:nvCxnSpPr>
+          <p:cNvPr id="34" name="Gerade Verbindung mit Pfeil 33">
+            <a:extLst>
+              <a:ext uri="{FF2B5EF4-FFF2-40B4-BE49-F238E27FC236}">
+                <a16:creationId xmlns:a16="http://schemas.microsoft.com/office/drawing/2014/main" id="{079EF369-BCF9-4792-8D7C-D9AB706F5A92}"/>
+              </a:ext>
+            </a:extLst>
+          </p:cNvPr>
+          <p:cNvCxnSpPr>
+            <a:cxnSpLocks/>
+            <a:stCxn id="32" idx="0"/>
+            <a:endCxn id="33" idx="3"/>
+          </p:cNvCxnSpPr>
+          <p:nvPr/>
+        </p:nvCxnSpPr>
+        <p:spPr>
+          <a:xfrm flipV="1">
+            <a:off x="3213023" y="4539435"/>
+            <a:ext cx="0" cy="351787"/>
+          </a:xfrm>
+          <a:prstGeom prst="straightConnector1">
+            <a:avLst/>
+          </a:prstGeom>
+          <a:ln>
+            <a:headEnd type="triangle"/>
+            <a:tailEnd type="none"/>
+          </a:ln>
+        </p:spPr>
+        <p:style>
+          <a:lnRef idx="1">
+            <a:schemeClr val="dk1"/>
+          </a:lnRef>
+          <a:fillRef idx="0">
+            <a:schemeClr val="dk1"/>
+          </a:fillRef>
+          <a:effectRef idx="0">
+            <a:schemeClr val="dk1"/>
+          </a:effectRef>
+          <a:fontRef idx="minor">
+            <a:schemeClr val="tx1"/>
+          </a:fontRef>
+        </p:style>
+      </p:cxnSp>
+      <p:cxnSp>
+        <p:nvCxnSpPr>
+          <p:cNvPr id="38" name="Verbinder: gewinkelt 37">
+            <a:extLst>
+              <a:ext uri="{FF2B5EF4-FFF2-40B4-BE49-F238E27FC236}">
+                <a16:creationId xmlns:a16="http://schemas.microsoft.com/office/drawing/2014/main" id="{9C76E3A7-82CC-4E29-A8D8-69AA073DF20F}"/>
+              </a:ext>
+            </a:extLst>
+          </p:cNvPr>
+          <p:cNvCxnSpPr>
+            <a:cxnSpLocks/>
+            <a:stCxn id="8" idx="0"/>
+            <a:endCxn id="30" idx="0"/>
+          </p:cNvCxnSpPr>
+          <p:nvPr/>
+        </p:nvCxnSpPr>
+        <p:spPr>
+          <a:xfrm>
+            <a:off x="3316212" y="3050526"/>
+            <a:ext cx="1300498" cy="306964"/>
+          </a:xfrm>
+          <a:prstGeom prst="bentConnector2">
+            <a:avLst/>
+          </a:prstGeom>
+          <a:ln>
+            <a:solidFill>
+              <a:schemeClr val="tx1"/>
+            </a:solidFill>
+            <a:tailEnd type="triangle"/>
+          </a:ln>
+        </p:spPr>
+        <p:style>
+          <a:lnRef idx="1">
+            <a:schemeClr val="accent1"/>
+          </a:lnRef>
+          <a:fillRef idx="0">
+            <a:schemeClr val="accent1"/>
+          </a:fillRef>
+          <a:effectRef idx="0">
+            <a:schemeClr val="accent1"/>
+          </a:effectRef>
+          <a:fontRef idx="minor">
+            <a:schemeClr val="tx1"/>
+          </a:fontRef>
+        </p:style>
+      </p:cxnSp>
+      <p:cxnSp>
+        <p:nvCxnSpPr>
+          <p:cNvPr id="41" name="Verbinder: gewinkelt 40">
+            <a:extLst>
+              <a:ext uri="{FF2B5EF4-FFF2-40B4-BE49-F238E27FC236}">
+                <a16:creationId xmlns:a16="http://schemas.microsoft.com/office/drawing/2014/main" id="{C91A9CF9-5376-4608-968A-D4A216781B44}"/>
+              </a:ext>
+            </a:extLst>
+          </p:cNvPr>
+          <p:cNvCxnSpPr>
+            <a:stCxn id="8" idx="2"/>
+            <a:endCxn id="31" idx="0"/>
+          </p:cNvCxnSpPr>
+          <p:nvPr/>
+        </p:nvCxnSpPr>
+        <p:spPr>
+          <a:xfrm rot="10800000" flipV="1">
+            <a:off x="1873511" y="3050525"/>
+            <a:ext cx="1236327" cy="306963"/>
+          </a:xfrm>
+          <a:prstGeom prst="bentConnector2">
+            <a:avLst/>
+          </a:prstGeom>
+          <a:ln>
+            <a:solidFill>
+              <a:schemeClr val="tx1"/>
+            </a:solidFill>
+            <a:tailEnd type="triangle"/>
+          </a:ln>
+        </p:spPr>
+        <p:style>
+          <a:lnRef idx="1">
+            <a:schemeClr val="accent1"/>
+          </a:lnRef>
+          <a:fillRef idx="0">
+            <a:schemeClr val="accent1"/>
+          </a:fillRef>
+          <a:effectRef idx="0">
+            <a:schemeClr val="accent1"/>
+          </a:effectRef>
+          <a:fontRef idx="minor">
+            <a:schemeClr val="tx1"/>
+          </a:fontRef>
+        </p:style>
+      </p:cxnSp>
+      <p:cxnSp>
+        <p:nvCxnSpPr>
+          <p:cNvPr id="43" name="Verbinder: gewinkelt 42">
+            <a:extLst>
+              <a:ext uri="{FF2B5EF4-FFF2-40B4-BE49-F238E27FC236}">
+                <a16:creationId xmlns:a16="http://schemas.microsoft.com/office/drawing/2014/main" id="{05FC3420-B936-4299-8179-C2CB06736C9F}"/>
+              </a:ext>
+            </a:extLst>
+          </p:cNvPr>
+          <p:cNvCxnSpPr>
+            <a:stCxn id="31" idx="2"/>
+            <a:endCxn id="33" idx="2"/>
+          </p:cNvCxnSpPr>
+          <p:nvPr/>
+        </p:nvCxnSpPr>
+        <p:spPr>
+          <a:xfrm rot="16200000" flipH="1">
+            <a:off x="2293798" y="3590046"/>
+            <a:ext cx="395751" cy="1236326"/>
+          </a:xfrm>
+          <a:prstGeom prst="bentConnector2">
+            <a:avLst/>
+          </a:prstGeom>
+          <a:ln>
+            <a:solidFill>
+              <a:schemeClr val="tx1"/>
+            </a:solidFill>
+            <a:tailEnd type="triangle"/>
+          </a:ln>
+        </p:spPr>
+        <p:style>
+          <a:lnRef idx="1">
+            <a:schemeClr val="accent1"/>
+          </a:lnRef>
+          <a:fillRef idx="0">
+            <a:schemeClr val="accent1"/>
+          </a:fillRef>
+          <a:effectRef idx="0">
+            <a:schemeClr val="accent1"/>
+          </a:effectRef>
+          <a:fontRef idx="minor">
+            <a:schemeClr val="tx1"/>
+          </a:fontRef>
+        </p:style>
+      </p:cxnSp>
+      <p:cxnSp>
+        <p:nvCxnSpPr>
+          <p:cNvPr id="45" name="Verbinder: gewinkelt 44">
+            <a:extLst>
+              <a:ext uri="{FF2B5EF4-FFF2-40B4-BE49-F238E27FC236}">
+                <a16:creationId xmlns:a16="http://schemas.microsoft.com/office/drawing/2014/main" id="{53726422-8F8E-448F-92BA-CEA75B99AC27}"/>
+              </a:ext>
+            </a:extLst>
+          </p:cNvPr>
+          <p:cNvCxnSpPr>
+            <a:stCxn id="30" idx="2"/>
+            <a:endCxn id="33" idx="0"/>
+          </p:cNvCxnSpPr>
+          <p:nvPr/>
+        </p:nvCxnSpPr>
+        <p:spPr>
+          <a:xfrm rot="5400000">
+            <a:off x="3768586" y="3557961"/>
+            <a:ext cx="395750" cy="1300499"/>
+          </a:xfrm>
+          <a:prstGeom prst="bentConnector2">
+            <a:avLst/>
+          </a:prstGeom>
+          <a:ln>
+            <a:solidFill>
+              <a:schemeClr val="tx1"/>
+            </a:solidFill>
+            <a:tailEnd type="triangle"/>
+          </a:ln>
+        </p:spPr>
+        <p:style>
+          <a:lnRef idx="1">
+            <a:schemeClr val="accent1"/>
+          </a:lnRef>
+          <a:fillRef idx="0">
+            <a:schemeClr val="accent1"/>
+          </a:fillRef>
+          <a:effectRef idx="0">
+            <a:schemeClr val="accent1"/>
+          </a:effectRef>
+          <a:fontRef idx="minor">
+            <a:schemeClr val="tx1"/>
+          </a:fontRef>
+        </p:style>
+      </p:cxnSp>
+      <p:sp>
+        <p:nvSpPr>
+          <p:cNvPr id="46" name="Textfeld 45">
+            <a:extLst>
+              <a:ext uri="{FF2B5EF4-FFF2-40B4-BE49-F238E27FC236}">
+                <a16:creationId xmlns:a16="http://schemas.microsoft.com/office/drawing/2014/main" id="{717876B2-5F7B-4E42-B1F2-AFB53D3EF0C4}"/>
+              </a:ext>
+            </a:extLst>
+          </p:cNvPr>
+          <p:cNvSpPr txBox="1"/>
+          <p:nvPr/>
+        </p:nvSpPr>
+        <p:spPr>
+          <a:xfrm>
+            <a:off x="3238804" y="1560286"/>
+            <a:ext cx="1529586" cy="276999"/>
+          </a:xfrm>
+          <a:prstGeom prst="rect">
+            <a:avLst/>
+          </a:prstGeom>
+          <a:noFill/>
+        </p:spPr>
+        <p:txBody>
+          <a:bodyPr wrap="none" rtlCol="0">
+            <a:spAutoFit/>
+          </a:bodyPr>
+          <a:lstStyle/>
+          <a:p>
+            <a:r>
+              <a:rPr lang="en-US" sz="1200" dirty="0"/>
+              <a:t>[UserPos == StartPos]</a:t>
+            </a:r>
+          </a:p>
+        </p:txBody>
+      </p:sp>
+      <p:sp>
+        <p:nvSpPr>
+          <p:cNvPr id="47" name="Textfeld 46">
+            <a:extLst>
+              <a:ext uri="{FF2B5EF4-FFF2-40B4-BE49-F238E27FC236}">
+                <a16:creationId xmlns:a16="http://schemas.microsoft.com/office/drawing/2014/main" id="{F5E7CFD3-C963-4609-8848-9DA7EB057BBC}"/>
+              </a:ext>
+            </a:extLst>
+          </p:cNvPr>
+          <p:cNvSpPr txBox="1"/>
+          <p:nvPr/>
+        </p:nvSpPr>
+        <p:spPr>
+          <a:xfrm>
+            <a:off x="3489930" y="2766098"/>
+            <a:ext cx="1189749" cy="276999"/>
+          </a:xfrm>
+          <a:prstGeom prst="rect">
+            <a:avLst/>
+          </a:prstGeom>
+          <a:noFill/>
+        </p:spPr>
+        <p:txBody>
+          <a:bodyPr wrap="none" rtlCol="0">
+            <a:spAutoFit/>
+          </a:bodyPr>
+          <a:lstStyle/>
+          <a:p>
+            <a:r>
+              <a:rPr lang="en-US" sz="1200" dirty="0"/>
+              <a:t>[60 Sec. passed]</a:t>
+            </a:r>
+          </a:p>
+        </p:txBody>
+      </p:sp>
+      <p:sp>
+        <p:nvSpPr>
+          <p:cNvPr id="48" name="Textfeld 47">
+            <a:extLst>
+              <a:ext uri="{FF2B5EF4-FFF2-40B4-BE49-F238E27FC236}">
+                <a16:creationId xmlns:a16="http://schemas.microsoft.com/office/drawing/2014/main" id="{A95A3427-8327-4F99-84A0-8FB529C394B2}"/>
+              </a:ext>
+            </a:extLst>
+          </p:cNvPr>
+          <p:cNvSpPr txBox="1"/>
+          <p:nvPr/>
+        </p:nvSpPr>
+        <p:spPr>
+          <a:xfrm>
+            <a:off x="1490970" y="2773525"/>
+            <a:ext cx="1448986" cy="276999"/>
+          </a:xfrm>
+          <a:prstGeom prst="rect">
+            <a:avLst/>
+          </a:prstGeom>
+          <a:noFill/>
+        </p:spPr>
+        <p:txBody>
+          <a:bodyPr wrap="none" rtlCol="0">
+            <a:spAutoFit/>
+          </a:bodyPr>
+          <a:lstStyle/>
+          <a:p>
+            <a:r>
+              <a:rPr lang="en-US" sz="1200" dirty="0"/>
+              <a:t>[RobTip == TarPoint]</a:t>
+            </a:r>
+          </a:p>
+        </p:txBody>
+      </p:sp>
+      <p:sp>
+        <p:nvSpPr>
+          <p:cNvPr id="49" name="Textfeld 48">
+            <a:extLst>
+              <a:ext uri="{FF2B5EF4-FFF2-40B4-BE49-F238E27FC236}">
+                <a16:creationId xmlns:a16="http://schemas.microsoft.com/office/drawing/2014/main" id="{E2303DDD-419A-403D-A015-932DFBD0AF61}"/>
+              </a:ext>
+            </a:extLst>
+          </p:cNvPr>
+          <p:cNvSpPr txBox="1"/>
+          <p:nvPr/>
+        </p:nvSpPr>
+        <p:spPr>
+          <a:xfrm>
+            <a:off x="3238804" y="4524680"/>
+            <a:ext cx="1640449" cy="276999"/>
+          </a:xfrm>
+          <a:prstGeom prst="rect">
+            <a:avLst/>
+          </a:prstGeom>
+          <a:noFill/>
+        </p:spPr>
+        <p:txBody>
+          <a:bodyPr wrap="none" rtlCol="0">
+            <a:spAutoFit/>
+          </a:bodyPr>
+          <a:lstStyle/>
+          <a:p>
+            <a:r>
+              <a:rPr lang="en-US" sz="1200" dirty="0"/>
+              <a:t>[UserPos == FinishPos]</a:t>
+            </a:r>
+          </a:p>
+        </p:txBody>
+      </p:sp>
+      <p:cxnSp>
+        <p:nvCxnSpPr>
+          <p:cNvPr id="51" name="Verbinder: gewinkelt 50">
+            <a:extLst>
+              <a:ext uri="{FF2B5EF4-FFF2-40B4-BE49-F238E27FC236}">
+                <a16:creationId xmlns:a16="http://schemas.microsoft.com/office/drawing/2014/main" id="{0764ED7C-0A42-468F-801E-D740EF9FCF7E}"/>
+              </a:ext>
+            </a:extLst>
+          </p:cNvPr>
+          <p:cNvCxnSpPr>
+            <a:cxnSpLocks/>
+          </p:cNvCxnSpPr>
+          <p:nvPr/>
+        </p:nvCxnSpPr>
+        <p:spPr>
+          <a:xfrm rot="10800000">
+            <a:off x="2681207" y="3117888"/>
+            <a:ext cx="1322391" cy="684618"/>
+          </a:xfrm>
+          <a:prstGeom prst="bentConnector3">
+            <a:avLst>
+              <a:gd name="adj1" fmla="val 99914"/>
+            </a:avLst>
+          </a:prstGeom>
+          <a:ln w="9525" cap="flat" cmpd="sng" algn="ctr">
+            <a:solidFill>
+              <a:schemeClr val="dk1"/>
+            </a:solidFill>
+            <a:prstDash val="dash"/>
+            <a:round/>
+            <a:headEnd type="none" w="med" len="med"/>
+            <a:tailEnd type="triangle" w="med" len="med"/>
+          </a:ln>
+        </p:spPr>
+        <p:style>
+          <a:lnRef idx="0">
+            <a:scrgbClr r="0" g="0" b="0"/>
+          </a:lnRef>
+          <a:fillRef idx="0">
+            <a:scrgbClr r="0" g="0" b="0"/>
+          </a:fillRef>
+          <a:effectRef idx="0">
+            <a:scrgbClr r="0" g="0" b="0"/>
+          </a:effectRef>
+          <a:fontRef idx="minor">
+            <a:schemeClr val="tx1"/>
+          </a:fontRef>
+        </p:style>
+      </p:cxnSp>
+      <p:cxnSp>
+        <p:nvCxnSpPr>
+          <p:cNvPr id="56" name="Verbinder: gewinkelt 55">
+            <a:extLst>
+              <a:ext uri="{FF2B5EF4-FFF2-40B4-BE49-F238E27FC236}">
+                <a16:creationId xmlns:a16="http://schemas.microsoft.com/office/drawing/2014/main" id="{649566CE-5277-4162-AFAA-5ADC9887FA3B}"/>
+              </a:ext>
+            </a:extLst>
+          </p:cNvPr>
+          <p:cNvCxnSpPr>
+            <a:cxnSpLocks/>
+            <a:stCxn id="31" idx="3"/>
+          </p:cNvCxnSpPr>
+          <p:nvPr/>
+        </p:nvCxnSpPr>
+        <p:spPr>
+          <a:xfrm flipV="1">
+            <a:off x="2486622" y="3097647"/>
+            <a:ext cx="1236330" cy="586265"/>
+          </a:xfrm>
+          <a:prstGeom prst="bentConnector3">
+            <a:avLst>
+              <a:gd name="adj1" fmla="val 99961"/>
+            </a:avLst>
+          </a:prstGeom>
+          <a:ln w="9525" cap="flat" cmpd="sng" algn="ctr">
+            <a:solidFill>
+              <a:schemeClr val="dk1"/>
+            </a:solidFill>
+            <a:prstDash val="dash"/>
+            <a:round/>
+            <a:headEnd type="none" w="med" len="med"/>
+            <a:tailEnd type="triangle" w="med" len="med"/>
+          </a:ln>
+        </p:spPr>
+        <p:style>
+          <a:lnRef idx="0">
+            <a:scrgbClr r="0" g="0" b="0"/>
+          </a:lnRef>
+          <a:fillRef idx="0">
+            <a:scrgbClr r="0" g="0" b="0"/>
+          </a:fillRef>
+          <a:effectRef idx="0">
+            <a:scrgbClr r="0" g="0" b="0"/>
+          </a:effectRef>
+          <a:fontRef idx="minor">
+            <a:schemeClr val="tx1"/>
+          </a:fontRef>
+        </p:style>
+      </p:cxnSp>
+      <p:sp>
+        <p:nvSpPr>
+          <p:cNvPr id="65" name="Textfeld 64">
+            <a:extLst>
+              <a:ext uri="{FF2B5EF4-FFF2-40B4-BE49-F238E27FC236}">
+                <a16:creationId xmlns:a16="http://schemas.microsoft.com/office/drawing/2014/main" id="{D7878F20-2381-4832-B278-7A9A20E604BF}"/>
+              </a:ext>
+            </a:extLst>
+          </p:cNvPr>
+          <p:cNvSpPr txBox="1"/>
+          <p:nvPr/>
+        </p:nvSpPr>
+        <p:spPr>
+          <a:xfrm>
+            <a:off x="2901307" y="3447665"/>
+            <a:ext cx="588623" cy="261610"/>
+          </a:xfrm>
+          <a:prstGeom prst="rect">
+            <a:avLst/>
+          </a:prstGeom>
+          <a:noFill/>
+        </p:spPr>
+        <p:txBody>
+          <a:bodyPr wrap="none" rtlCol="0">
+            <a:spAutoFit/>
+          </a:bodyPr>
+          <a:lstStyle/>
+          <a:p>
+            <a:r>
+              <a:rPr lang="en-US" sz="1100" dirty="0"/>
+              <a:t>disable</a:t>
+            </a:r>
+          </a:p>
+        </p:txBody>
+      </p:sp>
+      <p:sp>
+        <p:nvSpPr>
+          <p:cNvPr id="66" name="Ellipse 65">
+            <a:extLst>
+              <a:ext uri="{FF2B5EF4-FFF2-40B4-BE49-F238E27FC236}">
+                <a16:creationId xmlns:a16="http://schemas.microsoft.com/office/drawing/2014/main" id="{5DC56D55-CF9D-4CD4-BE0D-C5E9D7F238B5}"/>
+              </a:ext>
+            </a:extLst>
+          </p:cNvPr>
+          <p:cNvSpPr/>
+          <p:nvPr/>
+        </p:nvSpPr>
+        <p:spPr>
+          <a:xfrm>
+            <a:off x="3033786" y="5692186"/>
+            <a:ext cx="360000" cy="360000"/>
+          </a:xfrm>
+          <a:prstGeom prst="ellipse">
+            <a:avLst/>
+          </a:prstGeom>
+        </p:spPr>
+        <p:style>
+          <a:lnRef idx="2">
+            <a:schemeClr val="dk1">
+              <a:shade val="50000"/>
+            </a:schemeClr>
+          </a:lnRef>
+          <a:fillRef idx="1">
+            <a:schemeClr val="dk1"/>
+          </a:fillRef>
+          <a:effectRef idx="0">
+            <a:schemeClr val="dk1"/>
+          </a:effectRef>
+          <a:fontRef idx="minor">
+            <a:schemeClr val="lt1"/>
+          </a:fontRef>
+        </p:style>
+        <p:txBody>
+          <a:bodyPr rtlCol="0" anchor="ctr"/>
+          <a:lstStyle/>
+          <a:p>
+            <a:pPr algn="ctr"/>
+            <a:endParaRPr lang="en-US"/>
+          </a:p>
+        </p:txBody>
+      </p:sp>
+      <p:cxnSp>
+        <p:nvCxnSpPr>
+          <p:cNvPr id="67" name="Gerade Verbindung mit Pfeil 66">
+            <a:extLst>
+              <a:ext uri="{FF2B5EF4-FFF2-40B4-BE49-F238E27FC236}">
+                <a16:creationId xmlns:a16="http://schemas.microsoft.com/office/drawing/2014/main" id="{AF013116-873A-466A-A280-A6533B69C221}"/>
+              </a:ext>
+            </a:extLst>
+          </p:cNvPr>
+          <p:cNvCxnSpPr>
+            <a:cxnSpLocks/>
+            <a:stCxn id="66" idx="0"/>
+            <a:endCxn id="32" idx="2"/>
+          </p:cNvCxnSpPr>
+          <p:nvPr/>
+        </p:nvCxnSpPr>
+        <p:spPr>
+          <a:xfrm flipH="1" flipV="1">
+            <a:off x="3213023" y="5413325"/>
+            <a:ext cx="763" cy="278861"/>
+          </a:xfrm>
+          <a:prstGeom prst="straightConnector1">
+            <a:avLst/>
+          </a:prstGeom>
+          <a:ln>
+            <a:headEnd type="triangle"/>
+            <a:tailEnd type="none"/>
+          </a:ln>
+        </p:spPr>
+        <p:style>
+          <a:lnRef idx="1">
+            <a:schemeClr val="dk1"/>
+          </a:lnRef>
+          <a:fillRef idx="0">
+            <a:schemeClr val="dk1"/>
+          </a:fillRef>
+          <a:effectRef idx="0">
+            <a:schemeClr val="dk1"/>
+          </a:effectRef>
+          <a:fontRef idx="minor">
+            <a:schemeClr val="tx1"/>
+          </a:fontRef>
+        </p:style>
+      </p:cxnSp>
+    </p:spTree>
+    <p:extLst>
+      <p:ext uri="{BB962C8B-B14F-4D97-AF65-F5344CB8AC3E}">
+        <p14:creationId xmlns:p14="http://schemas.microsoft.com/office/powerpoint/2010/main" val="1648473612"/>
+      </p:ext>
+    </p:extLst>
+  </p:cSld>
+  <p:clrMapOvr>
+    <a:masterClrMapping/>
+  </p:clrMapOvr>
+</p:sld>
+</file>
+
+<file path=ppt/slides/slide9.xml><?xml version="1.0" encoding="utf-8"?>
+<p:sld xmlns:a="http://schemas.openxmlformats.org/drawingml/2006/main" xmlns:r="http://schemas.openxmlformats.org/officeDocument/2006/relationships" xmlns:p="http://schemas.openxmlformats.org/presentationml/2006/main">
+  <p:cSld>
+    <p:spTree>
+      <p:nvGrpSpPr>
+        <p:cNvPr id="1" name=""/>
+        <p:cNvGrpSpPr/>
+        <p:nvPr/>
+      </p:nvGrpSpPr>
+      <p:grpSpPr>
+        <a:xfrm>
+          <a:off x="0" y="0"/>
+          <a:ext cx="0" cy="0"/>
+          <a:chOff x="0" y="0"/>
+          <a:chExt cx="0" cy="0"/>
+        </a:xfrm>
+      </p:grpSpPr>
+      <p:sp>
+        <p:nvSpPr>
+          <p:cNvPr id="4" name="Rechteck: abgerundete Ecken 3">
+            <a:extLst>
+              <a:ext uri="{FF2B5EF4-FFF2-40B4-BE49-F238E27FC236}">
+                <a16:creationId xmlns:a16="http://schemas.microsoft.com/office/drawing/2014/main" id="{F6B701D4-1B4D-4741-A69C-E4BF8187B28A}"/>
+              </a:ext>
+            </a:extLst>
+          </p:cNvPr>
+          <p:cNvSpPr/>
+          <p:nvPr/>
+        </p:nvSpPr>
+        <p:spPr>
+          <a:xfrm>
+            <a:off x="3035548" y="917122"/>
+            <a:ext cx="3781421" cy="3430672"/>
+          </a:xfrm>
+          <a:prstGeom prst="roundRect">
+            <a:avLst>
+              <a:gd name="adj" fmla="val 2329"/>
+            </a:avLst>
+          </a:prstGeom>
+          <a:solidFill>
+            <a:schemeClr val="bg1">
+              <a:lumMod val="95000"/>
+            </a:schemeClr>
+          </a:solidFill>
+          <a:ln>
+            <a:solidFill>
+              <a:schemeClr val="accent1">
+                <a:lumMod val="50000"/>
+              </a:schemeClr>
+            </a:solidFill>
+          </a:ln>
+        </p:spPr>
+        <p:style>
+          <a:lnRef idx="2">
+            <a:schemeClr val="accent6"/>
+          </a:lnRef>
+          <a:fillRef idx="1">
+            <a:schemeClr val="lt1"/>
+          </a:fillRef>
+          <a:effectRef idx="0">
+            <a:schemeClr val="accent6"/>
+          </a:effectRef>
+          <a:fontRef idx="minor">
+            <a:schemeClr val="dk1"/>
+          </a:fontRef>
+        </p:style>
+        <p:txBody>
+          <a:bodyPr rtlCol="0" anchor="ctr"/>
+          <a:lstStyle/>
+          <a:p>
+            <a:pPr algn="ctr"/>
+            <a:endParaRPr lang="en-GB" dirty="0"/>
+          </a:p>
+        </p:txBody>
+      </p:sp>
+      <p:sp>
+        <p:nvSpPr>
+          <p:cNvPr id="5" name="Textfeld 4">
+            <a:extLst>
+              <a:ext uri="{FF2B5EF4-FFF2-40B4-BE49-F238E27FC236}">
+                <a16:creationId xmlns:a16="http://schemas.microsoft.com/office/drawing/2014/main" id="{AF49B92A-6D86-4C42-933A-26EFA7D5DEE7}"/>
+              </a:ext>
+            </a:extLst>
+          </p:cNvPr>
+          <p:cNvSpPr txBox="1"/>
+          <p:nvPr/>
+        </p:nvSpPr>
+        <p:spPr>
+          <a:xfrm>
+            <a:off x="3035548" y="921999"/>
+            <a:ext cx="1092200" cy="369332"/>
+          </a:xfrm>
+          <a:prstGeom prst="rect">
+            <a:avLst/>
+          </a:prstGeom>
+          <a:noFill/>
+        </p:spPr>
+        <p:txBody>
+          <a:bodyPr wrap="square" rtlCol="0">
+            <a:spAutoFit/>
+          </a:bodyPr>
+          <a:lstStyle/>
+          <a:p>
+            <a:r>
+              <a:rPr lang="de-DE"/>
+              <a:t>PARRHI</a:t>
+            </a:r>
+            <a:endParaRPr lang="en-GB"/>
+          </a:p>
+        </p:txBody>
+      </p:sp>
+      <p:sp>
+        <p:nvSpPr>
+          <p:cNvPr id="6" name="Rechteck: abgerundete Ecken 5">
+            <a:extLst>
+              <a:ext uri="{FF2B5EF4-FFF2-40B4-BE49-F238E27FC236}">
+                <a16:creationId xmlns:a16="http://schemas.microsoft.com/office/drawing/2014/main" id="{2405DD24-B42F-4063-B12B-534D58AD8C69}"/>
+              </a:ext>
+            </a:extLst>
+          </p:cNvPr>
+          <p:cNvSpPr/>
+          <p:nvPr/>
+        </p:nvSpPr>
+        <p:spPr>
+          <a:xfrm>
+            <a:off x="8361332" y="5258216"/>
+            <a:ext cx="3500069" cy="774700"/>
+          </a:xfrm>
+          <a:prstGeom prst="roundRect">
+            <a:avLst>
+              <a:gd name="adj" fmla="val 2329"/>
+            </a:avLst>
+          </a:prstGeom>
+          <a:ln>
+            <a:solidFill>
+              <a:schemeClr val="accent1">
+                <a:lumMod val="50000"/>
+              </a:schemeClr>
+            </a:solidFill>
+          </a:ln>
+        </p:spPr>
+        <p:style>
+          <a:lnRef idx="2">
+            <a:schemeClr val="accent6"/>
+          </a:lnRef>
+          <a:fillRef idx="1">
+            <a:schemeClr val="lt1"/>
+          </a:fillRef>
+          <a:effectRef idx="0">
+            <a:schemeClr val="accent6"/>
+          </a:effectRef>
+          <a:fontRef idx="minor">
+            <a:schemeClr val="dk1"/>
+          </a:fontRef>
+        </p:style>
+        <p:txBody>
+          <a:bodyPr rtlCol="0" anchor="ctr"/>
+          <a:lstStyle/>
+          <a:p>
+            <a:pPr algn="ctr"/>
+            <a:r>
+              <a:rPr lang="de-DE" dirty="0"/>
+              <a:t>AR - World</a:t>
+            </a:r>
+            <a:endParaRPr lang="en-GB" dirty="0"/>
+          </a:p>
+        </p:txBody>
+      </p:sp>
+      <p:sp>
+        <p:nvSpPr>
+          <p:cNvPr id="7" name="Rechteck: abgerundete Ecken 6">
+            <a:extLst>
+              <a:ext uri="{FF2B5EF4-FFF2-40B4-BE49-F238E27FC236}">
+                <a16:creationId xmlns:a16="http://schemas.microsoft.com/office/drawing/2014/main" id="{EFCF12A0-88B6-46D0-B514-B636FE6F0E18}"/>
+              </a:ext>
+            </a:extLst>
+          </p:cNvPr>
+          <p:cNvSpPr/>
+          <p:nvPr/>
+        </p:nvSpPr>
+        <p:spPr>
+          <a:xfrm>
+            <a:off x="8361332" y="2123574"/>
+            <a:ext cx="3500069" cy="2769458"/>
+          </a:xfrm>
+          <a:prstGeom prst="roundRect">
+            <a:avLst>
+              <a:gd name="adj" fmla="val 2329"/>
+            </a:avLst>
+          </a:prstGeom>
+          <a:ln>
+            <a:solidFill>
+              <a:schemeClr val="accent1">
+                <a:lumMod val="50000"/>
+              </a:schemeClr>
+            </a:solidFill>
+          </a:ln>
+        </p:spPr>
+        <p:style>
+          <a:lnRef idx="2">
+            <a:schemeClr val="accent6"/>
+          </a:lnRef>
+          <a:fillRef idx="1">
+            <a:schemeClr val="lt1"/>
+          </a:fillRef>
+          <a:effectRef idx="0">
+            <a:schemeClr val="accent6"/>
+          </a:effectRef>
+          <a:fontRef idx="minor">
+            <a:schemeClr val="dk1"/>
+          </a:fontRef>
+        </p:style>
+        <p:txBody>
+          <a:bodyPr rtlCol="0" anchor="t"/>
+          <a:lstStyle/>
+          <a:p>
+            <a:r>
+              <a:rPr lang="de-DE" dirty="0"/>
+              <a:t>Real World</a:t>
+            </a:r>
+            <a:endParaRPr lang="en-GB" dirty="0"/>
+          </a:p>
+        </p:txBody>
+      </p:sp>
+      <p:sp>
+        <p:nvSpPr>
+          <p:cNvPr id="8" name="Rechteck: abgerundete Ecken 7">
+            <a:extLst>
+              <a:ext uri="{FF2B5EF4-FFF2-40B4-BE49-F238E27FC236}">
+                <a16:creationId xmlns:a16="http://schemas.microsoft.com/office/drawing/2014/main" id="{0BAB4AEA-F67F-4DC7-A436-5BA0663E95BD}"/>
+              </a:ext>
+            </a:extLst>
+          </p:cNvPr>
+          <p:cNvSpPr/>
+          <p:nvPr/>
+        </p:nvSpPr>
+        <p:spPr>
+          <a:xfrm>
+            <a:off x="3558981" y="1563499"/>
+            <a:ext cx="1794125" cy="560513"/>
+          </a:xfrm>
+          <a:prstGeom prst="roundRect">
+            <a:avLst>
+              <a:gd name="adj" fmla="val 2329"/>
+            </a:avLst>
+          </a:prstGeom>
+          <a:ln>
+            <a:solidFill>
+              <a:schemeClr val="accent1">
+                <a:lumMod val="50000"/>
+              </a:schemeClr>
+            </a:solidFill>
+          </a:ln>
+        </p:spPr>
+        <p:style>
+          <a:lnRef idx="2">
+            <a:schemeClr val="accent6"/>
+          </a:lnRef>
+          <a:fillRef idx="1">
+            <a:schemeClr val="lt1"/>
+          </a:fillRef>
+          <a:effectRef idx="0">
+            <a:schemeClr val="accent6"/>
+          </a:effectRef>
+          <a:fontRef idx="minor">
+            <a:schemeClr val="dk1"/>
+          </a:fontRef>
+        </p:style>
+        <p:txBody>
+          <a:bodyPr rtlCol="0" anchor="ctr"/>
+          <a:lstStyle/>
+          <a:p>
+            <a:pPr algn="ctr"/>
+            <a:r>
+              <a:rPr lang="de-DE" dirty="0"/>
+              <a:t>Real </a:t>
+            </a:r>
+            <a:r>
+              <a:rPr lang="en-GB" dirty="0"/>
+              <a:t>World</a:t>
+            </a:r>
+            <a:r>
+              <a:rPr lang="de-DE" dirty="0"/>
+              <a:t> Model</a:t>
+            </a:r>
+            <a:endParaRPr lang="en-GB" dirty="0"/>
+          </a:p>
+        </p:txBody>
+      </p:sp>
+      <p:cxnSp>
+        <p:nvCxnSpPr>
+          <p:cNvPr id="9" name="Gerade Verbindung mit Pfeil 8">
+            <a:extLst>
+              <a:ext uri="{FF2B5EF4-FFF2-40B4-BE49-F238E27FC236}">
+                <a16:creationId xmlns:a16="http://schemas.microsoft.com/office/drawing/2014/main" id="{B1E54AF9-691A-4437-81EF-369064905B41}"/>
+              </a:ext>
+            </a:extLst>
+          </p:cNvPr>
+          <p:cNvCxnSpPr>
+            <a:cxnSpLocks/>
+            <a:stCxn id="8" idx="2"/>
+            <a:endCxn id="10" idx="0"/>
+          </p:cNvCxnSpPr>
+          <p:nvPr/>
+        </p:nvCxnSpPr>
+        <p:spPr>
+          <a:xfrm flipH="1">
+            <a:off x="4456043" y="2124012"/>
+            <a:ext cx="1" cy="360013"/>
+          </a:xfrm>
+          <a:prstGeom prst="straightConnector1">
+            <a:avLst/>
+          </a:prstGeom>
+          <a:ln>
+            <a:solidFill>
+              <a:schemeClr val="tx1"/>
+            </a:solidFill>
+            <a:tailEnd type="triangle"/>
+          </a:ln>
+        </p:spPr>
+        <p:style>
+          <a:lnRef idx="1">
+            <a:schemeClr val="accent1"/>
+          </a:lnRef>
+          <a:fillRef idx="0">
+            <a:schemeClr val="accent1"/>
+          </a:fillRef>
+          <a:effectRef idx="0">
+            <a:schemeClr val="accent1"/>
+          </a:effectRef>
+          <a:fontRef idx="minor">
+            <a:schemeClr val="tx1"/>
+          </a:fontRef>
+        </p:style>
+      </p:cxnSp>
+      <p:sp>
+        <p:nvSpPr>
+          <p:cNvPr id="10" name="Rechteck: abgerundete Ecken 9">
+            <a:extLst>
+              <a:ext uri="{FF2B5EF4-FFF2-40B4-BE49-F238E27FC236}">
+                <a16:creationId xmlns:a16="http://schemas.microsoft.com/office/drawing/2014/main" id="{BD272389-BC2D-4B67-87A1-53A20EE78E32}"/>
+              </a:ext>
+            </a:extLst>
+          </p:cNvPr>
+          <p:cNvSpPr/>
+          <p:nvPr/>
+        </p:nvSpPr>
+        <p:spPr>
+          <a:xfrm>
+            <a:off x="3558980" y="2484025"/>
+            <a:ext cx="1794125" cy="560513"/>
+          </a:xfrm>
+          <a:prstGeom prst="roundRect">
+            <a:avLst>
+              <a:gd name="adj" fmla="val 2329"/>
+            </a:avLst>
+          </a:prstGeom>
+          <a:ln>
+            <a:solidFill>
+              <a:schemeClr val="accent1">
+                <a:lumMod val="50000"/>
+              </a:schemeClr>
+            </a:solidFill>
+          </a:ln>
+        </p:spPr>
+        <p:style>
+          <a:lnRef idx="2">
+            <a:schemeClr val="accent6"/>
+          </a:lnRef>
+          <a:fillRef idx="1">
+            <a:schemeClr val="lt1"/>
+          </a:fillRef>
+          <a:effectRef idx="0">
+            <a:schemeClr val="accent6"/>
+          </a:effectRef>
+          <a:fontRef idx="minor">
+            <a:schemeClr val="dk1"/>
+          </a:fontRef>
+        </p:style>
+        <p:txBody>
+          <a:bodyPr rtlCol="0" anchor="ctr"/>
+          <a:lstStyle/>
+          <a:p>
+            <a:pPr algn="ctr"/>
+            <a:r>
+              <a:rPr lang="en-US" dirty="0"/>
+              <a:t>Parametrised Program</a:t>
+            </a:r>
+          </a:p>
+        </p:txBody>
+      </p:sp>
+      <p:sp>
+        <p:nvSpPr>
+          <p:cNvPr id="11" name="Rechteck: abgerundete Ecken 10">
+            <a:extLst>
+              <a:ext uri="{FF2B5EF4-FFF2-40B4-BE49-F238E27FC236}">
+                <a16:creationId xmlns:a16="http://schemas.microsoft.com/office/drawing/2014/main" id="{3DCD6E7A-B5D2-405F-BA83-825CBE5DB981}"/>
+              </a:ext>
+            </a:extLst>
+          </p:cNvPr>
+          <p:cNvSpPr/>
+          <p:nvPr/>
+        </p:nvSpPr>
+        <p:spPr>
+          <a:xfrm>
+            <a:off x="5976359" y="1600529"/>
+            <a:ext cx="1681219" cy="486452"/>
+          </a:xfrm>
+          <a:prstGeom prst="roundRect">
+            <a:avLst>
+              <a:gd name="adj" fmla="val 2329"/>
+            </a:avLst>
+          </a:prstGeom>
+          <a:ln>
+            <a:solidFill>
+              <a:schemeClr val="accent1">
+                <a:lumMod val="50000"/>
+              </a:schemeClr>
+            </a:solidFill>
+          </a:ln>
+        </p:spPr>
+        <p:style>
+          <a:lnRef idx="2">
+            <a:schemeClr val="accent6"/>
+          </a:lnRef>
+          <a:fillRef idx="1">
+            <a:schemeClr val="lt1"/>
+          </a:fillRef>
+          <a:effectRef idx="0">
+            <a:schemeClr val="accent6"/>
+          </a:effectRef>
+          <a:fontRef idx="minor">
+            <a:schemeClr val="dk1"/>
+          </a:fontRef>
+        </p:style>
+        <p:txBody>
+          <a:bodyPr rtlCol="0" anchor="ctr"/>
+          <a:lstStyle/>
+          <a:p>
+            <a:pPr algn="ctr"/>
+            <a:r>
+              <a:rPr lang="de-DE" dirty="0"/>
+              <a:t>Input Module</a:t>
+            </a:r>
+            <a:endParaRPr lang="en-GB" dirty="0"/>
+          </a:p>
+        </p:txBody>
+      </p:sp>
+      <p:cxnSp>
+        <p:nvCxnSpPr>
+          <p:cNvPr id="12" name="Gerade Verbindung mit Pfeil 11">
+            <a:extLst>
+              <a:ext uri="{FF2B5EF4-FFF2-40B4-BE49-F238E27FC236}">
+                <a16:creationId xmlns:a16="http://schemas.microsoft.com/office/drawing/2014/main" id="{180C3BA1-AE18-4450-8033-8153091CE421}"/>
+              </a:ext>
+            </a:extLst>
+          </p:cNvPr>
+          <p:cNvCxnSpPr>
+            <a:cxnSpLocks/>
+            <a:stCxn id="11" idx="1"/>
+            <a:endCxn id="8" idx="3"/>
+          </p:cNvCxnSpPr>
+          <p:nvPr/>
+        </p:nvCxnSpPr>
+        <p:spPr>
+          <a:xfrm flipH="1">
+            <a:off x="5353106" y="1843755"/>
+            <a:ext cx="623253" cy="1"/>
+          </a:xfrm>
+          <a:prstGeom prst="straightConnector1">
+            <a:avLst/>
+          </a:prstGeom>
+          <a:ln>
+            <a:solidFill>
+              <a:schemeClr val="tx1"/>
+            </a:solidFill>
+            <a:tailEnd type="triangle"/>
+          </a:ln>
+        </p:spPr>
+        <p:style>
+          <a:lnRef idx="1">
+            <a:schemeClr val="accent1"/>
+          </a:lnRef>
+          <a:fillRef idx="0">
+            <a:schemeClr val="accent1"/>
+          </a:fillRef>
+          <a:effectRef idx="0">
+            <a:schemeClr val="accent1"/>
+          </a:effectRef>
+          <a:fontRef idx="minor">
+            <a:schemeClr val="tx1"/>
+          </a:fontRef>
+        </p:style>
+      </p:cxnSp>
+      <p:sp>
+        <p:nvSpPr>
+          <p:cNvPr id="13" name="Rechteck: abgerundete Ecken 12">
+            <a:extLst>
+              <a:ext uri="{FF2B5EF4-FFF2-40B4-BE49-F238E27FC236}">
+                <a16:creationId xmlns:a16="http://schemas.microsoft.com/office/drawing/2014/main" id="{604D0802-A719-4290-9CC4-EF0CDE629D11}"/>
+              </a:ext>
+            </a:extLst>
+          </p:cNvPr>
+          <p:cNvSpPr/>
+          <p:nvPr/>
+        </p:nvSpPr>
+        <p:spPr>
+          <a:xfrm>
+            <a:off x="3558981" y="3404552"/>
+            <a:ext cx="1794125" cy="560513"/>
+          </a:xfrm>
+          <a:prstGeom prst="roundRect">
+            <a:avLst>
+              <a:gd name="adj" fmla="val 2329"/>
+            </a:avLst>
+          </a:prstGeom>
+          <a:ln>
+            <a:solidFill>
+              <a:schemeClr val="accent1">
+                <a:lumMod val="50000"/>
+              </a:schemeClr>
+            </a:solidFill>
+          </a:ln>
+        </p:spPr>
+        <p:style>
+          <a:lnRef idx="2">
+            <a:schemeClr val="accent6"/>
+          </a:lnRef>
+          <a:fillRef idx="1">
+            <a:schemeClr val="lt1"/>
+          </a:fillRef>
+          <a:effectRef idx="0">
+            <a:schemeClr val="accent6"/>
+          </a:effectRef>
+          <a:fontRef idx="minor">
+            <a:schemeClr val="dk1"/>
+          </a:fontRef>
+        </p:style>
+        <p:txBody>
+          <a:bodyPr rtlCol="0" anchor="ctr"/>
+          <a:lstStyle/>
+          <a:p>
+            <a:pPr algn="ctr"/>
+            <a:r>
+              <a:rPr lang="de-DE" dirty="0"/>
+              <a:t>Core Routine</a:t>
+            </a:r>
+            <a:endParaRPr lang="en-GB" dirty="0"/>
+          </a:p>
+        </p:txBody>
+      </p:sp>
+      <p:cxnSp>
+        <p:nvCxnSpPr>
+          <p:cNvPr id="14" name="Gerade Verbindung mit Pfeil 13">
+            <a:extLst>
+              <a:ext uri="{FF2B5EF4-FFF2-40B4-BE49-F238E27FC236}">
+                <a16:creationId xmlns:a16="http://schemas.microsoft.com/office/drawing/2014/main" id="{BF9404FC-93B0-4157-968C-171E28631BC0}"/>
+              </a:ext>
+            </a:extLst>
+          </p:cNvPr>
+          <p:cNvCxnSpPr>
+            <a:cxnSpLocks/>
+            <a:stCxn id="10" idx="2"/>
+            <a:endCxn id="13" idx="0"/>
+          </p:cNvCxnSpPr>
+          <p:nvPr/>
+        </p:nvCxnSpPr>
+        <p:spPr>
+          <a:xfrm>
+            <a:off x="4456043" y="3044538"/>
+            <a:ext cx="1" cy="360014"/>
+          </a:xfrm>
+          <a:prstGeom prst="straightConnector1">
+            <a:avLst/>
+          </a:prstGeom>
+          <a:ln>
+            <a:solidFill>
+              <a:schemeClr val="tx1"/>
+            </a:solidFill>
+            <a:tailEnd type="triangle"/>
+          </a:ln>
+        </p:spPr>
+        <p:style>
+          <a:lnRef idx="1">
+            <a:schemeClr val="accent1"/>
+          </a:lnRef>
+          <a:fillRef idx="0">
+            <a:schemeClr val="accent1"/>
+          </a:fillRef>
+          <a:effectRef idx="0">
+            <a:schemeClr val="accent1"/>
+          </a:effectRef>
+          <a:fontRef idx="minor">
+            <a:schemeClr val="tx1"/>
+          </a:fontRef>
+        </p:style>
+      </p:cxnSp>
+      <p:sp>
+        <p:nvSpPr>
+          <p:cNvPr id="15" name="Rechteck: abgerundete Ecken 14">
+            <a:extLst>
+              <a:ext uri="{FF2B5EF4-FFF2-40B4-BE49-F238E27FC236}">
+                <a16:creationId xmlns:a16="http://schemas.microsoft.com/office/drawing/2014/main" id="{A17B9F83-BF3E-42F5-A2D0-B94295ED8B57}"/>
+              </a:ext>
+            </a:extLst>
+          </p:cNvPr>
+          <p:cNvSpPr/>
+          <p:nvPr/>
+        </p:nvSpPr>
+        <p:spPr>
+          <a:xfrm>
+            <a:off x="5976359" y="3440245"/>
+            <a:ext cx="1681219" cy="486452"/>
+          </a:xfrm>
+          <a:prstGeom prst="roundRect">
+            <a:avLst>
+              <a:gd name="adj" fmla="val 2329"/>
+            </a:avLst>
+          </a:prstGeom>
+          <a:ln>
+            <a:solidFill>
+              <a:schemeClr val="accent1">
+                <a:lumMod val="50000"/>
+              </a:schemeClr>
+            </a:solidFill>
+          </a:ln>
+        </p:spPr>
+        <p:style>
+          <a:lnRef idx="2">
+            <a:schemeClr val="accent6"/>
+          </a:lnRef>
+          <a:fillRef idx="1">
+            <a:schemeClr val="lt1"/>
+          </a:fillRef>
+          <a:effectRef idx="0">
+            <a:schemeClr val="accent6"/>
+          </a:effectRef>
+          <a:fontRef idx="minor">
+            <a:schemeClr val="dk1"/>
+          </a:fontRef>
+        </p:style>
+        <p:txBody>
+          <a:bodyPr rtlCol="0" anchor="ctr"/>
+          <a:lstStyle/>
+          <a:p>
+            <a:pPr algn="ctr"/>
+            <a:r>
+              <a:rPr lang="de-DE" dirty="0"/>
+              <a:t>Output Module</a:t>
+            </a:r>
+            <a:endParaRPr lang="en-GB" dirty="0"/>
+          </a:p>
+        </p:txBody>
+      </p:sp>
+      <p:cxnSp>
+        <p:nvCxnSpPr>
+          <p:cNvPr id="16" name="Gerade Verbindung mit Pfeil 15">
+            <a:extLst>
+              <a:ext uri="{FF2B5EF4-FFF2-40B4-BE49-F238E27FC236}">
+                <a16:creationId xmlns:a16="http://schemas.microsoft.com/office/drawing/2014/main" id="{554559C4-CA67-4CAE-8FD9-7A8FE01BA4D7}"/>
+              </a:ext>
+            </a:extLst>
+          </p:cNvPr>
+          <p:cNvCxnSpPr>
+            <a:cxnSpLocks/>
+            <a:stCxn id="13" idx="3"/>
+            <a:endCxn id="15" idx="1"/>
+          </p:cNvCxnSpPr>
+          <p:nvPr/>
+        </p:nvCxnSpPr>
+        <p:spPr>
+          <a:xfrm flipV="1">
+            <a:off x="5353106" y="3683471"/>
+            <a:ext cx="623253" cy="1338"/>
+          </a:xfrm>
+          <a:prstGeom prst="straightConnector1">
+            <a:avLst/>
+          </a:prstGeom>
+          <a:ln>
+            <a:solidFill>
+              <a:schemeClr val="tx1"/>
+            </a:solidFill>
+            <a:tailEnd type="triangle"/>
+          </a:ln>
+        </p:spPr>
+        <p:style>
+          <a:lnRef idx="1">
+            <a:schemeClr val="accent1"/>
+          </a:lnRef>
+          <a:fillRef idx="0">
+            <a:schemeClr val="accent1"/>
+          </a:fillRef>
+          <a:effectRef idx="0">
+            <a:schemeClr val="accent1"/>
+          </a:effectRef>
+          <a:fontRef idx="minor">
+            <a:schemeClr val="tx1"/>
+          </a:fontRef>
+        </p:style>
+      </p:cxnSp>
+      <p:sp>
+        <p:nvSpPr>
+          <p:cNvPr id="17" name="Rechteck 16">
+            <a:extLst>
+              <a:ext uri="{FF2B5EF4-FFF2-40B4-BE49-F238E27FC236}">
+                <a16:creationId xmlns:a16="http://schemas.microsoft.com/office/drawing/2014/main" id="{886C3453-4AE4-4C37-BCB1-783BD3302BD0}"/>
+              </a:ext>
+            </a:extLst>
+          </p:cNvPr>
+          <p:cNvSpPr/>
+          <p:nvPr/>
+        </p:nvSpPr>
+        <p:spPr>
+          <a:xfrm>
+            <a:off x="3043115" y="3384288"/>
+            <a:ext cx="264102" cy="245166"/>
+          </a:xfrm>
+          <a:prstGeom prst="rect">
+            <a:avLst/>
+          </a:prstGeom>
+          <a:solidFill>
+            <a:schemeClr val="bg1">
+              <a:lumMod val="95000"/>
+            </a:schemeClr>
+          </a:solidFill>
+          <a:ln>
+            <a:noFill/>
+          </a:ln>
+        </p:spPr>
+        <p:style>
+          <a:lnRef idx="2">
+            <a:schemeClr val="accent6"/>
+          </a:lnRef>
+          <a:fillRef idx="1">
+            <a:schemeClr val="lt1"/>
+          </a:fillRef>
+          <a:effectRef idx="0">
+            <a:schemeClr val="accent6"/>
+          </a:effectRef>
+          <a:fontRef idx="minor">
+            <a:schemeClr val="dk1"/>
+          </a:fontRef>
+        </p:style>
+        <p:txBody>
+          <a:bodyPr rtlCol="0" anchor="ctr"/>
+          <a:lstStyle/>
+          <a:p>
+            <a:pPr algn="ctr"/>
+            <a:endParaRPr lang="en-GB"/>
+          </a:p>
+        </p:txBody>
+      </p:sp>
+      <p:sp>
+        <p:nvSpPr>
+          <p:cNvPr id="18" name="Ellipse 17">
+            <a:extLst>
+              <a:ext uri="{FF2B5EF4-FFF2-40B4-BE49-F238E27FC236}">
+                <a16:creationId xmlns:a16="http://schemas.microsoft.com/office/drawing/2014/main" id="{91715291-16BB-4DFB-BCB7-9A418E542C4F}"/>
+              </a:ext>
+            </a:extLst>
+          </p:cNvPr>
+          <p:cNvSpPr/>
+          <p:nvPr/>
+        </p:nvSpPr>
+        <p:spPr>
+          <a:xfrm>
+            <a:off x="3380568" y="1394593"/>
+            <a:ext cx="348008" cy="342604"/>
+          </a:xfrm>
+          <a:prstGeom prst="ellipse">
+            <a:avLst/>
+          </a:prstGeom>
+          <a:ln>
+            <a:solidFill>
+              <a:schemeClr val="tx1"/>
+            </a:solidFill>
+          </a:ln>
+        </p:spPr>
+        <p:style>
+          <a:lnRef idx="2">
+            <a:schemeClr val="accent6"/>
+          </a:lnRef>
+          <a:fillRef idx="1">
+            <a:schemeClr val="lt1"/>
+          </a:fillRef>
+          <a:effectRef idx="0">
+            <a:schemeClr val="accent6"/>
+          </a:effectRef>
+          <a:fontRef idx="minor">
+            <a:schemeClr val="dk1"/>
+          </a:fontRef>
+        </p:style>
+        <p:txBody>
+          <a:bodyPr rtlCol="0" anchor="ctr"/>
+          <a:lstStyle/>
+          <a:p>
+            <a:pPr algn="ctr"/>
+            <a:r>
+              <a:rPr lang="de-DE" dirty="0"/>
+              <a:t>1</a:t>
+            </a:r>
+            <a:endParaRPr lang="en-GB" dirty="0"/>
+          </a:p>
+        </p:txBody>
+      </p:sp>
+      <p:sp>
+        <p:nvSpPr>
+          <p:cNvPr id="19" name="Ellipse 18">
+            <a:extLst>
+              <a:ext uri="{FF2B5EF4-FFF2-40B4-BE49-F238E27FC236}">
+                <a16:creationId xmlns:a16="http://schemas.microsoft.com/office/drawing/2014/main" id="{93AF96F6-3D9C-484E-BA9C-D58AAFA04264}"/>
+              </a:ext>
+            </a:extLst>
+          </p:cNvPr>
+          <p:cNvSpPr/>
+          <p:nvPr/>
+        </p:nvSpPr>
+        <p:spPr>
+          <a:xfrm>
+            <a:off x="3374359" y="2592725"/>
+            <a:ext cx="348008" cy="342604"/>
+          </a:xfrm>
+          <a:prstGeom prst="ellipse">
+            <a:avLst/>
+          </a:prstGeom>
+          <a:ln>
+            <a:solidFill>
+              <a:schemeClr val="tx1"/>
+            </a:solidFill>
+          </a:ln>
+        </p:spPr>
+        <p:style>
+          <a:lnRef idx="2">
+            <a:schemeClr val="accent6"/>
+          </a:lnRef>
+          <a:fillRef idx="1">
+            <a:schemeClr val="lt1"/>
+          </a:fillRef>
+          <a:effectRef idx="0">
+            <a:schemeClr val="accent6"/>
+          </a:effectRef>
+          <a:fontRef idx="minor">
+            <a:schemeClr val="dk1"/>
+          </a:fontRef>
+        </p:style>
+        <p:txBody>
+          <a:bodyPr rtlCol="0" anchor="ctr"/>
+          <a:lstStyle/>
+          <a:p>
+            <a:pPr algn="ctr"/>
+            <a:r>
+              <a:rPr lang="de-DE" dirty="0"/>
+              <a:t>2</a:t>
+            </a:r>
+            <a:endParaRPr lang="en-GB" dirty="0"/>
+          </a:p>
+        </p:txBody>
+      </p:sp>
+      <p:sp>
+        <p:nvSpPr>
+          <p:cNvPr id="20" name="Ellipse 19">
+            <a:extLst>
+              <a:ext uri="{FF2B5EF4-FFF2-40B4-BE49-F238E27FC236}">
+                <a16:creationId xmlns:a16="http://schemas.microsoft.com/office/drawing/2014/main" id="{4FF71B1C-3DE3-4F65-93BB-DB216CF69B7E}"/>
+              </a:ext>
+            </a:extLst>
+          </p:cNvPr>
+          <p:cNvSpPr/>
+          <p:nvPr/>
+        </p:nvSpPr>
+        <p:spPr>
+          <a:xfrm>
+            <a:off x="3379259" y="3789556"/>
+            <a:ext cx="348008" cy="342604"/>
+          </a:xfrm>
+          <a:prstGeom prst="ellipse">
+            <a:avLst/>
+          </a:prstGeom>
+          <a:ln>
+            <a:solidFill>
+              <a:schemeClr val="tx1"/>
+            </a:solidFill>
+          </a:ln>
+        </p:spPr>
+        <p:style>
+          <a:lnRef idx="2">
+            <a:schemeClr val="accent6"/>
+          </a:lnRef>
+          <a:fillRef idx="1">
+            <a:schemeClr val="lt1"/>
+          </a:fillRef>
+          <a:effectRef idx="0">
+            <a:schemeClr val="accent6"/>
+          </a:effectRef>
+          <a:fontRef idx="minor">
+            <a:schemeClr val="dk1"/>
+          </a:fontRef>
+        </p:style>
+        <p:txBody>
+          <a:bodyPr rtlCol="0" anchor="ctr"/>
+          <a:lstStyle/>
+          <a:p>
+            <a:pPr algn="ctr"/>
+            <a:r>
+              <a:rPr lang="de-DE" dirty="0"/>
+              <a:t>3</a:t>
+            </a:r>
+            <a:endParaRPr lang="en-GB" dirty="0"/>
+          </a:p>
+        </p:txBody>
+      </p:sp>
+      <p:sp>
+        <p:nvSpPr>
+          <p:cNvPr id="21" name="Ellipse 20">
+            <a:extLst>
+              <a:ext uri="{FF2B5EF4-FFF2-40B4-BE49-F238E27FC236}">
+                <a16:creationId xmlns:a16="http://schemas.microsoft.com/office/drawing/2014/main" id="{5F26707D-E47F-4037-845E-34E25205654A}"/>
+              </a:ext>
+            </a:extLst>
+          </p:cNvPr>
+          <p:cNvSpPr/>
+          <p:nvPr/>
+        </p:nvSpPr>
+        <p:spPr>
+          <a:xfrm>
+            <a:off x="5802355" y="1435620"/>
+            <a:ext cx="348008" cy="342604"/>
+          </a:xfrm>
+          <a:prstGeom prst="ellipse">
+            <a:avLst/>
+          </a:prstGeom>
+          <a:ln>
+            <a:solidFill>
+              <a:schemeClr val="tx1"/>
+            </a:solidFill>
+          </a:ln>
+        </p:spPr>
+        <p:style>
+          <a:lnRef idx="2">
+            <a:schemeClr val="accent6"/>
+          </a:lnRef>
+          <a:fillRef idx="1">
+            <a:schemeClr val="lt1"/>
+          </a:fillRef>
+          <a:effectRef idx="0">
+            <a:schemeClr val="accent6"/>
+          </a:effectRef>
+          <a:fontRef idx="minor">
+            <a:schemeClr val="dk1"/>
+          </a:fontRef>
+        </p:style>
+        <p:txBody>
+          <a:bodyPr rtlCol="0" anchor="ctr"/>
+          <a:lstStyle/>
+          <a:p>
+            <a:pPr algn="ctr"/>
+            <a:r>
+              <a:rPr lang="de-DE" dirty="0"/>
+              <a:t>0</a:t>
+            </a:r>
+            <a:endParaRPr lang="en-GB" dirty="0"/>
+          </a:p>
+        </p:txBody>
+      </p:sp>
+      <p:sp>
+        <p:nvSpPr>
+          <p:cNvPr id="22" name="Ellipse 21">
+            <a:extLst>
+              <a:ext uri="{FF2B5EF4-FFF2-40B4-BE49-F238E27FC236}">
+                <a16:creationId xmlns:a16="http://schemas.microsoft.com/office/drawing/2014/main" id="{7CE596EA-EBB9-4043-B885-774438920A54}"/>
+              </a:ext>
+            </a:extLst>
+          </p:cNvPr>
+          <p:cNvSpPr/>
+          <p:nvPr/>
+        </p:nvSpPr>
+        <p:spPr>
+          <a:xfrm>
+            <a:off x="5802355" y="3755394"/>
+            <a:ext cx="348008" cy="342604"/>
+          </a:xfrm>
+          <a:prstGeom prst="ellipse">
+            <a:avLst/>
+          </a:prstGeom>
+          <a:ln>
+            <a:solidFill>
+              <a:schemeClr val="tx1"/>
+            </a:solidFill>
+          </a:ln>
+        </p:spPr>
+        <p:style>
+          <a:lnRef idx="2">
+            <a:schemeClr val="accent6"/>
+          </a:lnRef>
+          <a:fillRef idx="1">
+            <a:schemeClr val="lt1"/>
+          </a:fillRef>
+          <a:effectRef idx="0">
+            <a:schemeClr val="accent6"/>
+          </a:effectRef>
+          <a:fontRef idx="minor">
+            <a:schemeClr val="dk1"/>
+          </a:fontRef>
+        </p:style>
+        <p:txBody>
+          <a:bodyPr rtlCol="0" anchor="ctr"/>
+          <a:lstStyle/>
+          <a:p>
+            <a:pPr algn="ctr"/>
+            <a:r>
+              <a:rPr lang="de-DE" dirty="0"/>
+              <a:t>4</a:t>
+            </a:r>
+            <a:endParaRPr lang="en-GB" dirty="0"/>
+          </a:p>
+        </p:txBody>
+      </p:sp>
+      <p:cxnSp>
+        <p:nvCxnSpPr>
+          <p:cNvPr id="24" name="Verbinder: gewinkelt 23">
+            <a:extLst>
+              <a:ext uri="{FF2B5EF4-FFF2-40B4-BE49-F238E27FC236}">
+                <a16:creationId xmlns:a16="http://schemas.microsoft.com/office/drawing/2014/main" id="{F71C2BF3-7086-45AF-9678-7EFB49235463}"/>
+              </a:ext>
+            </a:extLst>
+          </p:cNvPr>
+          <p:cNvCxnSpPr>
+            <a:cxnSpLocks/>
+            <a:stCxn id="15" idx="3"/>
+            <a:endCxn id="6" idx="1"/>
+          </p:cNvCxnSpPr>
+          <p:nvPr/>
+        </p:nvCxnSpPr>
+        <p:spPr>
+          <a:xfrm>
+            <a:off x="7657578" y="3683471"/>
+            <a:ext cx="703754" cy="1962095"/>
+          </a:xfrm>
+          <a:prstGeom prst="bentConnector3">
+            <a:avLst/>
+          </a:prstGeom>
+          <a:ln>
+            <a:solidFill>
+              <a:schemeClr val="tx1"/>
+            </a:solidFill>
+            <a:tailEnd type="triangle"/>
+          </a:ln>
+        </p:spPr>
+        <p:style>
+          <a:lnRef idx="1">
+            <a:schemeClr val="accent1"/>
+          </a:lnRef>
+          <a:fillRef idx="0">
+            <a:schemeClr val="accent1"/>
+          </a:fillRef>
+          <a:effectRef idx="0">
+            <a:schemeClr val="accent1"/>
+          </a:effectRef>
+          <a:fontRef idx="minor">
+            <a:schemeClr val="tx1"/>
+          </a:fontRef>
+        </p:style>
+      </p:cxnSp>
+      <p:cxnSp>
+        <p:nvCxnSpPr>
+          <p:cNvPr id="25" name="Verbinder: gewinkelt 24">
+            <a:extLst>
+              <a:ext uri="{FF2B5EF4-FFF2-40B4-BE49-F238E27FC236}">
+                <a16:creationId xmlns:a16="http://schemas.microsoft.com/office/drawing/2014/main" id="{FF2DE44A-4B60-48B6-BE56-8CAF420EC4CA}"/>
+              </a:ext>
+            </a:extLst>
+          </p:cNvPr>
+          <p:cNvCxnSpPr>
+            <a:cxnSpLocks/>
+            <a:stCxn id="15" idx="3"/>
+            <a:endCxn id="65" idx="0"/>
+          </p:cNvCxnSpPr>
+          <p:nvPr/>
+        </p:nvCxnSpPr>
+        <p:spPr>
+          <a:xfrm>
+            <a:off x="7657578" y="3683471"/>
+            <a:ext cx="3285252" cy="237371"/>
+          </a:xfrm>
+          <a:prstGeom prst="bentConnector2">
+            <a:avLst/>
+          </a:prstGeom>
+          <a:ln>
+            <a:solidFill>
+              <a:schemeClr val="tx1"/>
+            </a:solidFill>
+            <a:tailEnd type="triangle"/>
+          </a:ln>
+        </p:spPr>
+        <p:style>
+          <a:lnRef idx="1">
+            <a:schemeClr val="accent1"/>
+          </a:lnRef>
+          <a:fillRef idx="0">
+            <a:schemeClr val="accent1"/>
+          </a:fillRef>
+          <a:effectRef idx="0">
+            <a:schemeClr val="accent1"/>
+          </a:effectRef>
+          <a:fontRef idx="minor">
+            <a:schemeClr val="tx1"/>
+          </a:fontRef>
+        </p:style>
+      </p:cxnSp>
+      <p:grpSp>
+        <p:nvGrpSpPr>
+          <p:cNvPr id="26" name="Gruppieren 25">
+            <a:extLst>
+              <a:ext uri="{FF2B5EF4-FFF2-40B4-BE49-F238E27FC236}">
+                <a16:creationId xmlns:a16="http://schemas.microsoft.com/office/drawing/2014/main" id="{B6116DFA-0AB7-4109-B200-C9704CC0FAE6}"/>
+              </a:ext>
+            </a:extLst>
+          </p:cNvPr>
+          <p:cNvGrpSpPr/>
+          <p:nvPr/>
+        </p:nvGrpSpPr>
+        <p:grpSpPr>
+          <a:xfrm>
+            <a:off x="8641927" y="2680391"/>
+            <a:ext cx="878781" cy="778854"/>
+            <a:chOff x="6310397" y="2595700"/>
+            <a:chExt cx="1369466" cy="778854"/>
+          </a:xfrm>
+        </p:grpSpPr>
+        <p:sp>
+          <p:nvSpPr>
+            <p:cNvPr id="27" name="Rechteck: abgerundete Ecken 26">
+              <a:extLst>
+                <a:ext uri="{FF2B5EF4-FFF2-40B4-BE49-F238E27FC236}">
+                  <a16:creationId xmlns:a16="http://schemas.microsoft.com/office/drawing/2014/main" id="{4774B4B0-E77F-4F01-830E-0BC42201A6C5}"/>
+                </a:ext>
+              </a:extLst>
+            </p:cNvPr>
+            <p:cNvSpPr/>
+            <p:nvPr/>
+          </p:nvSpPr>
+          <p:spPr>
+            <a:xfrm>
+              <a:off x="6310397" y="2595700"/>
+              <a:ext cx="1369466" cy="778854"/>
+            </a:xfrm>
+            <a:prstGeom prst="roundRect">
+              <a:avLst>
+                <a:gd name="adj" fmla="val 2329"/>
+              </a:avLst>
+            </a:prstGeom>
+            <a:ln>
+              <a:solidFill>
+                <a:schemeClr val="accent1">
+                  <a:lumMod val="50000"/>
+                </a:schemeClr>
+              </a:solidFill>
+            </a:ln>
+          </p:spPr>
+          <p:style>
+            <a:lnRef idx="2">
+              <a:schemeClr val="accent6"/>
+            </a:lnRef>
+            <a:fillRef idx="1">
+              <a:schemeClr val="lt1"/>
+            </a:fillRef>
+            <a:effectRef idx="0">
+              <a:schemeClr val="accent6"/>
+            </a:effectRef>
+            <a:fontRef idx="minor">
+              <a:schemeClr val="dk1"/>
+            </a:fontRef>
+          </p:style>
+          <p:txBody>
+            <a:bodyPr rtlCol="0" anchor="t"/>
+            <a:lstStyle/>
+            <a:p>
+              <a:pPr algn="ctr"/>
+              <a:r>
+                <a:rPr lang="de-DE" sz="1400" dirty="0"/>
+                <a:t>Target 1</a:t>
+              </a:r>
+              <a:endParaRPr lang="en-GB" dirty="0"/>
+            </a:p>
+          </p:txBody>
+        </p:sp>
+        <p:pic>
+          <p:nvPicPr>
+            <p:cNvPr id="28" name="Grafik 27" descr="Roboter">
+              <a:extLst>
+                <a:ext uri="{FF2B5EF4-FFF2-40B4-BE49-F238E27FC236}">
+                  <a16:creationId xmlns:a16="http://schemas.microsoft.com/office/drawing/2014/main" id="{8F3F0612-3BA6-4875-B183-AF4FD8F1FC0D}"/>
+                </a:ext>
+              </a:extLst>
+            </p:cNvPr>
+            <p:cNvPicPr>
+              <a:picLocks noChangeAspect="1"/>
+            </p:cNvPicPr>
+            <p:nvPr/>
+          </p:nvPicPr>
+          <p:blipFill>
+            <a:blip r:embed="rId2">
+              <a:extLst>
+                <a:ext uri="{28A0092B-C50C-407E-A947-70E740481C1C}">
+                  <a14:useLocalDpi xmlns:a14="http://schemas.microsoft.com/office/drawing/2010/main" val="0"/>
+                </a:ext>
+                <a:ext uri="{96DAC541-7B7A-43D3-8B79-37D633B846F1}">
+                  <asvg:svgBlip xmlns:asvg="http://schemas.microsoft.com/office/drawing/2016/SVG/main" r:embed="rId3"/>
+                </a:ext>
+              </a:extLst>
+            </a:blip>
+            <a:stretch>
+              <a:fillRect/>
+            </a:stretch>
+          </p:blipFill>
+          <p:spPr>
+            <a:xfrm>
+              <a:off x="6641579" y="2856752"/>
+              <a:ext cx="707101" cy="481080"/>
+            </a:xfrm>
+            <a:prstGeom prst="rect">
+              <a:avLst/>
+            </a:prstGeom>
+          </p:spPr>
+        </p:pic>
+      </p:grpSp>
+      <p:cxnSp>
+        <p:nvCxnSpPr>
+          <p:cNvPr id="30" name="Gerader Verbinder 29">
+            <a:extLst>
+              <a:ext uri="{FF2B5EF4-FFF2-40B4-BE49-F238E27FC236}">
+                <a16:creationId xmlns:a16="http://schemas.microsoft.com/office/drawing/2014/main" id="{CEA3615C-C820-40A1-B685-839565F34216}"/>
+              </a:ext>
+            </a:extLst>
+          </p:cNvPr>
+          <p:cNvCxnSpPr>
+            <a:cxnSpLocks/>
+          </p:cNvCxnSpPr>
+          <p:nvPr/>
+        </p:nvCxnSpPr>
+        <p:spPr>
+          <a:xfrm flipH="1" flipV="1">
+            <a:off x="9081317" y="2509089"/>
+            <a:ext cx="1" cy="161860"/>
+          </a:xfrm>
+          <a:prstGeom prst="line">
+            <a:avLst/>
+          </a:prstGeom>
+          <a:ln>
+            <a:solidFill>
+              <a:schemeClr val="tx1"/>
+            </a:solidFill>
+          </a:ln>
+        </p:spPr>
+        <p:style>
+          <a:lnRef idx="1">
+            <a:schemeClr val="accent1"/>
+          </a:lnRef>
+          <a:fillRef idx="0">
+            <a:schemeClr val="accent1"/>
+          </a:fillRef>
+          <a:effectRef idx="0">
+            <a:schemeClr val="accent1"/>
+          </a:effectRef>
+          <a:fontRef idx="minor">
+            <a:schemeClr val="tx1"/>
+          </a:fontRef>
+        </p:style>
+      </p:cxnSp>
+      <p:sp>
+        <p:nvSpPr>
+          <p:cNvPr id="35" name="Ellipse 34">
+            <a:extLst>
+              <a:ext uri="{FF2B5EF4-FFF2-40B4-BE49-F238E27FC236}">
+                <a16:creationId xmlns:a16="http://schemas.microsoft.com/office/drawing/2014/main" id="{56D09617-2833-4ADC-9060-71691BBE2A33}"/>
+              </a:ext>
+            </a:extLst>
+          </p:cNvPr>
+          <p:cNvSpPr/>
+          <p:nvPr/>
+        </p:nvSpPr>
+        <p:spPr>
+          <a:xfrm>
+            <a:off x="8187328" y="5861614"/>
+            <a:ext cx="348008" cy="342604"/>
+          </a:xfrm>
+          <a:prstGeom prst="ellipse">
+            <a:avLst/>
+          </a:prstGeom>
+          <a:ln>
+            <a:solidFill>
+              <a:schemeClr val="tx1"/>
+            </a:solidFill>
+          </a:ln>
+        </p:spPr>
+        <p:style>
+          <a:lnRef idx="2">
+            <a:schemeClr val="accent6"/>
+          </a:lnRef>
+          <a:fillRef idx="1">
+            <a:schemeClr val="lt1"/>
+          </a:fillRef>
+          <a:effectRef idx="0">
+            <a:schemeClr val="accent6"/>
+          </a:effectRef>
+          <a:fontRef idx="minor">
+            <a:schemeClr val="dk1"/>
+          </a:fontRef>
+        </p:style>
+        <p:txBody>
+          <a:bodyPr rtlCol="0" anchor="ctr"/>
+          <a:lstStyle/>
+          <a:p>
+            <a:pPr algn="ctr"/>
+            <a:r>
+              <a:rPr lang="de-DE" dirty="0"/>
+              <a:t>5</a:t>
+            </a:r>
+            <a:endParaRPr lang="en-GB" dirty="0"/>
+          </a:p>
+        </p:txBody>
+      </p:sp>
+      <p:grpSp>
+        <p:nvGrpSpPr>
+          <p:cNvPr id="39" name="Gruppieren 38">
+            <a:extLst>
+              <a:ext uri="{FF2B5EF4-FFF2-40B4-BE49-F238E27FC236}">
+                <a16:creationId xmlns:a16="http://schemas.microsoft.com/office/drawing/2014/main" id="{486EDBA2-B194-4C6A-8B6A-09758D822888}"/>
+              </a:ext>
+            </a:extLst>
+          </p:cNvPr>
+          <p:cNvGrpSpPr/>
+          <p:nvPr/>
+        </p:nvGrpSpPr>
+        <p:grpSpPr>
+          <a:xfrm>
+            <a:off x="102597" y="2100983"/>
+            <a:ext cx="1359349" cy="1123562"/>
+            <a:chOff x="102597" y="2100983"/>
+            <a:chExt cx="1359349" cy="1123562"/>
+          </a:xfrm>
+        </p:grpSpPr>
+        <p:sp>
+          <p:nvSpPr>
+            <p:cNvPr id="40" name="Rechteck: abgerundete Ecken 39">
+              <a:extLst>
+                <a:ext uri="{FF2B5EF4-FFF2-40B4-BE49-F238E27FC236}">
+                  <a16:creationId xmlns:a16="http://schemas.microsoft.com/office/drawing/2014/main" id="{A9553E5D-3541-4722-8089-20BABD3EC2A4}"/>
+                </a:ext>
+              </a:extLst>
+            </p:cNvPr>
+            <p:cNvSpPr/>
+            <p:nvPr/>
+          </p:nvSpPr>
+          <p:spPr>
+            <a:xfrm>
+              <a:off x="277238" y="2100983"/>
+              <a:ext cx="1184708" cy="969272"/>
+            </a:xfrm>
+            <a:prstGeom prst="roundRect">
+              <a:avLst>
+                <a:gd name="adj" fmla="val 2329"/>
+              </a:avLst>
+            </a:prstGeom>
+            <a:ln>
+              <a:solidFill>
+                <a:schemeClr val="accent1">
+                  <a:lumMod val="50000"/>
+                </a:schemeClr>
+              </a:solidFill>
+            </a:ln>
+          </p:spPr>
+          <p:style>
+            <a:lnRef idx="2">
+              <a:schemeClr val="accent6"/>
+            </a:lnRef>
+            <a:fillRef idx="1">
+              <a:schemeClr val="lt1"/>
+            </a:fillRef>
+            <a:effectRef idx="0">
+              <a:schemeClr val="accent6"/>
+            </a:effectRef>
+            <a:fontRef idx="minor">
+              <a:schemeClr val="dk1"/>
+            </a:fontRef>
+          </p:style>
+          <p:txBody>
+            <a:bodyPr rtlCol="0" anchor="t"/>
+            <a:lstStyle/>
+            <a:p>
+              <a:r>
+                <a:rPr lang="de-DE" dirty="0"/>
+                <a:t>Developer</a:t>
+              </a:r>
+              <a:endParaRPr lang="en-GB" dirty="0"/>
+            </a:p>
+          </p:txBody>
+        </p:sp>
+        <p:pic>
+          <p:nvPicPr>
+            <p:cNvPr id="41" name="Grafik 40" descr="Lachendes Gesicht ohne Füllung">
+              <a:extLst>
+                <a:ext uri="{FF2B5EF4-FFF2-40B4-BE49-F238E27FC236}">
+                  <a16:creationId xmlns:a16="http://schemas.microsoft.com/office/drawing/2014/main" id="{69AA2013-03AE-48C6-B6D6-B31D978951C6}"/>
+                </a:ext>
+              </a:extLst>
+            </p:cNvPr>
+            <p:cNvPicPr>
+              <a:picLocks noChangeAspect="1"/>
+            </p:cNvPicPr>
+            <p:nvPr/>
+          </p:nvPicPr>
+          <p:blipFill>
+            <a:blip r:embed="rId4">
+              <a:extLst>
+                <a:ext uri="{28A0092B-C50C-407E-A947-70E740481C1C}">
+                  <a14:useLocalDpi xmlns:a14="http://schemas.microsoft.com/office/drawing/2010/main" val="0"/>
+                </a:ext>
+                <a:ext uri="{96DAC541-7B7A-43D3-8B79-37D633B846F1}">
+                  <asvg:svgBlip xmlns:asvg="http://schemas.microsoft.com/office/drawing/2016/SVG/main" r:embed="rId5"/>
+                </a:ext>
+              </a:extLst>
+            </a:blip>
+            <a:stretch>
+              <a:fillRect/>
+            </a:stretch>
+          </p:blipFill>
+          <p:spPr>
+            <a:xfrm>
+              <a:off x="559207" y="2422205"/>
+              <a:ext cx="598890" cy="598890"/>
+            </a:xfrm>
+            <a:prstGeom prst="rect">
+              <a:avLst/>
+            </a:prstGeom>
+          </p:spPr>
+        </p:pic>
+        <p:sp>
+          <p:nvSpPr>
+            <p:cNvPr id="42" name="Ellipse 41">
+              <a:extLst>
+                <a:ext uri="{FF2B5EF4-FFF2-40B4-BE49-F238E27FC236}">
+                  <a16:creationId xmlns:a16="http://schemas.microsoft.com/office/drawing/2014/main" id="{4DBEE308-E5C6-411B-9C2C-71C66B70544A}"/>
+                </a:ext>
+              </a:extLst>
+            </p:cNvPr>
+            <p:cNvSpPr/>
+            <p:nvPr/>
+          </p:nvSpPr>
+          <p:spPr>
+            <a:xfrm>
+              <a:off x="102597" y="2881941"/>
+              <a:ext cx="348008" cy="342604"/>
+            </a:xfrm>
+            <a:prstGeom prst="ellipse">
+              <a:avLst/>
+            </a:prstGeom>
+            <a:ln>
+              <a:solidFill>
+                <a:schemeClr val="tx1"/>
+              </a:solidFill>
+            </a:ln>
+          </p:spPr>
+          <p:style>
+            <a:lnRef idx="2">
+              <a:schemeClr val="accent6"/>
+            </a:lnRef>
+            <a:fillRef idx="1">
+              <a:schemeClr val="lt1"/>
+            </a:fillRef>
+            <a:effectRef idx="0">
+              <a:schemeClr val="accent6"/>
+            </a:effectRef>
+            <a:fontRef idx="minor">
+              <a:schemeClr val="dk1"/>
+            </a:fontRef>
+          </p:style>
+          <p:txBody>
+            <a:bodyPr rtlCol="0" anchor="ctr"/>
+            <a:lstStyle/>
+            <a:p>
+              <a:pPr algn="ctr"/>
+              <a:r>
+                <a:rPr lang="de-DE" dirty="0"/>
+                <a:t>8</a:t>
+              </a:r>
+              <a:endParaRPr lang="en-GB" dirty="0"/>
+            </a:p>
+          </p:txBody>
+        </p:sp>
+      </p:grpSp>
+      <p:sp>
+        <p:nvSpPr>
+          <p:cNvPr id="43" name="Rechteck: abgerundete Ecken 42">
+            <a:extLst>
+              <a:ext uri="{FF2B5EF4-FFF2-40B4-BE49-F238E27FC236}">
+                <a16:creationId xmlns:a16="http://schemas.microsoft.com/office/drawing/2014/main" id="{04927E64-B13C-4E70-83BA-4112D6BCE82C}"/>
+              </a:ext>
+            </a:extLst>
+          </p:cNvPr>
+          <p:cNvSpPr/>
+          <p:nvPr/>
+        </p:nvSpPr>
+        <p:spPr>
+          <a:xfrm>
+            <a:off x="1881653" y="2592725"/>
+            <a:ext cx="1261688" cy="342604"/>
+          </a:xfrm>
+          <a:prstGeom prst="roundRect">
+            <a:avLst>
+              <a:gd name="adj" fmla="val 2329"/>
+            </a:avLst>
+          </a:prstGeom>
+          <a:ln>
+            <a:solidFill>
+              <a:schemeClr val="accent1">
+                <a:lumMod val="50000"/>
+              </a:schemeClr>
+            </a:solidFill>
+          </a:ln>
+        </p:spPr>
+        <p:style>
+          <a:lnRef idx="2">
+            <a:schemeClr val="accent6"/>
+          </a:lnRef>
+          <a:fillRef idx="1">
+            <a:schemeClr val="lt1"/>
+          </a:fillRef>
+          <a:effectRef idx="0">
+            <a:schemeClr val="accent6"/>
+          </a:effectRef>
+          <a:fontRef idx="minor">
+            <a:schemeClr val="dk1"/>
+          </a:fontRef>
+        </p:style>
+        <p:txBody>
+          <a:bodyPr rtlCol="0" anchor="ctr"/>
+          <a:lstStyle/>
+          <a:p>
+            <a:pPr algn="ctr"/>
+            <a:r>
+              <a:rPr lang="de-DE" dirty="0"/>
+              <a:t>Validation</a:t>
+            </a:r>
+            <a:endParaRPr lang="en-GB" dirty="0"/>
+          </a:p>
+        </p:txBody>
+      </p:sp>
+      <p:cxnSp>
+        <p:nvCxnSpPr>
+          <p:cNvPr id="44" name="Gerade Verbindung mit Pfeil 43">
+            <a:extLst>
+              <a:ext uri="{FF2B5EF4-FFF2-40B4-BE49-F238E27FC236}">
+                <a16:creationId xmlns:a16="http://schemas.microsoft.com/office/drawing/2014/main" id="{0D0A60A5-C373-4762-899E-282B8C5D6BE1}"/>
+              </a:ext>
+            </a:extLst>
+          </p:cNvPr>
+          <p:cNvCxnSpPr>
+            <a:cxnSpLocks/>
+            <a:stCxn id="43" idx="3"/>
+          </p:cNvCxnSpPr>
+          <p:nvPr/>
+        </p:nvCxnSpPr>
+        <p:spPr>
+          <a:xfrm flipV="1">
+            <a:off x="3143341" y="2763346"/>
+            <a:ext cx="225008" cy="681"/>
+          </a:xfrm>
+          <a:prstGeom prst="straightConnector1">
+            <a:avLst/>
+          </a:prstGeom>
+          <a:ln>
+            <a:solidFill>
+              <a:schemeClr val="tx1"/>
+            </a:solidFill>
+            <a:tailEnd type="triangle"/>
+          </a:ln>
+        </p:spPr>
+        <p:style>
+          <a:lnRef idx="1">
+            <a:schemeClr val="accent1"/>
+          </a:lnRef>
+          <a:fillRef idx="0">
+            <a:schemeClr val="accent1"/>
+          </a:fillRef>
+          <a:effectRef idx="0">
+            <a:schemeClr val="accent1"/>
+          </a:effectRef>
+          <a:fontRef idx="minor">
+            <a:schemeClr val="tx1"/>
+          </a:fontRef>
+        </p:style>
+      </p:cxnSp>
+      <p:cxnSp>
+        <p:nvCxnSpPr>
+          <p:cNvPr id="45" name="Gerade Verbindung mit Pfeil 44">
+            <a:extLst>
+              <a:ext uri="{FF2B5EF4-FFF2-40B4-BE49-F238E27FC236}">
+                <a16:creationId xmlns:a16="http://schemas.microsoft.com/office/drawing/2014/main" id="{7F2E3561-F0B7-4E42-921E-BF418979B985}"/>
+              </a:ext>
+            </a:extLst>
+          </p:cNvPr>
+          <p:cNvCxnSpPr>
+            <a:cxnSpLocks/>
+            <a:endCxn id="43" idx="1"/>
+          </p:cNvCxnSpPr>
+          <p:nvPr/>
+        </p:nvCxnSpPr>
+        <p:spPr>
+          <a:xfrm>
+            <a:off x="1467956" y="2764027"/>
+            <a:ext cx="413697" cy="0"/>
+          </a:xfrm>
+          <a:prstGeom prst="straightConnector1">
+            <a:avLst/>
+          </a:prstGeom>
+          <a:ln>
+            <a:solidFill>
+              <a:schemeClr val="tx1"/>
+            </a:solidFill>
+            <a:tailEnd type="triangle"/>
+          </a:ln>
+        </p:spPr>
+        <p:style>
+          <a:lnRef idx="1">
+            <a:schemeClr val="accent1"/>
+          </a:lnRef>
+          <a:fillRef idx="0">
+            <a:schemeClr val="accent1"/>
+          </a:fillRef>
+          <a:effectRef idx="0">
+            <a:schemeClr val="accent1"/>
+          </a:effectRef>
+          <a:fontRef idx="minor">
+            <a:schemeClr val="tx1"/>
+          </a:fontRef>
+        </p:style>
+      </p:cxnSp>
+      <p:cxnSp>
+        <p:nvCxnSpPr>
+          <p:cNvPr id="46" name="Verbinder: gewinkelt 45">
+            <a:extLst>
+              <a:ext uri="{FF2B5EF4-FFF2-40B4-BE49-F238E27FC236}">
+                <a16:creationId xmlns:a16="http://schemas.microsoft.com/office/drawing/2014/main" id="{9E515C4C-6038-498B-9E33-90B12A7C517C}"/>
+              </a:ext>
+            </a:extLst>
+          </p:cNvPr>
+          <p:cNvCxnSpPr>
+            <a:cxnSpLocks/>
+            <a:stCxn id="43" idx="0"/>
+          </p:cNvCxnSpPr>
+          <p:nvPr/>
+        </p:nvCxnSpPr>
+        <p:spPr>
+          <a:xfrm rot="16200000" flipV="1">
+            <a:off x="1889309" y="1969537"/>
+            <a:ext cx="190149" cy="1056228"/>
+          </a:xfrm>
+          <a:prstGeom prst="bentConnector2">
+            <a:avLst/>
+          </a:prstGeom>
+          <a:ln>
+            <a:solidFill>
+              <a:schemeClr val="tx1"/>
+            </a:solidFill>
+            <a:tailEnd type="triangle"/>
+          </a:ln>
+        </p:spPr>
+        <p:style>
+          <a:lnRef idx="1">
+            <a:schemeClr val="accent1"/>
+          </a:lnRef>
+          <a:fillRef idx="0">
+            <a:schemeClr val="accent1"/>
+          </a:fillRef>
+          <a:effectRef idx="0">
+            <a:schemeClr val="accent1"/>
+          </a:effectRef>
+          <a:fontRef idx="minor">
+            <a:schemeClr val="tx1"/>
+          </a:fontRef>
+        </p:style>
+      </p:cxnSp>
+      <p:sp>
+        <p:nvSpPr>
+          <p:cNvPr id="51" name="Rechteck: abgerundete Ecken 50">
+            <a:extLst>
+              <a:ext uri="{FF2B5EF4-FFF2-40B4-BE49-F238E27FC236}">
+                <a16:creationId xmlns:a16="http://schemas.microsoft.com/office/drawing/2014/main" id="{676A6066-5685-49E5-B9EF-2B8A5E38A29A}"/>
+              </a:ext>
+            </a:extLst>
+          </p:cNvPr>
+          <p:cNvSpPr/>
+          <p:nvPr/>
+        </p:nvSpPr>
+        <p:spPr>
+          <a:xfrm>
+            <a:off x="9572003" y="2680391"/>
+            <a:ext cx="878781" cy="778854"/>
+          </a:xfrm>
+          <a:prstGeom prst="roundRect">
+            <a:avLst>
+              <a:gd name="adj" fmla="val 2329"/>
+            </a:avLst>
+          </a:prstGeom>
+          <a:ln>
+            <a:solidFill>
+              <a:schemeClr val="accent1">
+                <a:lumMod val="50000"/>
+              </a:schemeClr>
+            </a:solidFill>
+          </a:ln>
+        </p:spPr>
+        <p:style>
+          <a:lnRef idx="2">
+            <a:schemeClr val="accent6"/>
+          </a:lnRef>
+          <a:fillRef idx="1">
+            <a:schemeClr val="lt1"/>
+          </a:fillRef>
+          <a:effectRef idx="0">
+            <a:schemeClr val="accent6"/>
+          </a:effectRef>
+          <a:fontRef idx="minor">
+            <a:schemeClr val="dk1"/>
+          </a:fontRef>
+        </p:style>
+        <p:txBody>
+          <a:bodyPr rtlCol="0" anchor="t"/>
+          <a:lstStyle/>
+          <a:p>
+            <a:pPr algn="ctr"/>
+            <a:r>
+              <a:rPr lang="de-DE" sz="1400" dirty="0"/>
+              <a:t>Target 2</a:t>
+            </a:r>
+            <a:endParaRPr lang="en-GB" dirty="0"/>
+          </a:p>
+        </p:txBody>
+      </p:sp>
+      <p:pic>
+        <p:nvPicPr>
+          <p:cNvPr id="56" name="Grafik 55" descr="Soziales Netzwerk">
+            <a:extLst>
+              <a:ext uri="{FF2B5EF4-FFF2-40B4-BE49-F238E27FC236}">
+                <a16:creationId xmlns:a16="http://schemas.microsoft.com/office/drawing/2014/main" id="{63BC8AAC-6639-4B95-9EF7-D181FEA5899F}"/>
+              </a:ext>
+            </a:extLst>
+          </p:cNvPr>
+          <p:cNvPicPr>
+            <a:picLocks noChangeAspect="1"/>
+          </p:cNvPicPr>
+          <p:nvPr/>
+        </p:nvPicPr>
+        <p:blipFill>
+          <a:blip r:embed="rId6">
+            <a:extLst>
+              <a:ext uri="{28A0092B-C50C-407E-A947-70E740481C1C}">
+                <a14:useLocalDpi xmlns:a14="http://schemas.microsoft.com/office/drawing/2010/main" val="0"/>
+              </a:ext>
+              <a:ext uri="{96DAC541-7B7A-43D3-8B79-37D633B846F1}">
+                <asvg:svgBlip xmlns:asvg="http://schemas.microsoft.com/office/drawing/2016/SVG/main" r:embed="rId7"/>
+              </a:ext>
+            </a:extLst>
+          </a:blip>
+          <a:stretch>
+            <a:fillRect/>
+          </a:stretch>
+        </p:blipFill>
+        <p:spPr>
+          <a:xfrm>
+            <a:off x="9757309" y="2912521"/>
+            <a:ext cx="501735" cy="501735"/>
+          </a:xfrm>
+          <a:prstGeom prst="rect">
+            <a:avLst/>
+          </a:prstGeom>
+        </p:spPr>
+      </p:pic>
+      <p:sp>
+        <p:nvSpPr>
+          <p:cNvPr id="62" name="Rechteck: abgerundete Ecken 61">
+            <a:extLst>
+              <a:ext uri="{FF2B5EF4-FFF2-40B4-BE49-F238E27FC236}">
+                <a16:creationId xmlns:a16="http://schemas.microsoft.com/office/drawing/2014/main" id="{851F65A9-1192-485B-8898-44DB2794B818}"/>
+              </a:ext>
+            </a:extLst>
+          </p:cNvPr>
+          <p:cNvSpPr/>
+          <p:nvPr/>
+        </p:nvSpPr>
+        <p:spPr>
+          <a:xfrm>
+            <a:off x="10503439" y="2680391"/>
+            <a:ext cx="878781" cy="778854"/>
+          </a:xfrm>
+          <a:prstGeom prst="roundRect">
+            <a:avLst>
+              <a:gd name="adj" fmla="val 2329"/>
+            </a:avLst>
+          </a:prstGeom>
+          <a:ln>
+            <a:solidFill>
+              <a:schemeClr val="accent1">
+                <a:lumMod val="50000"/>
+              </a:schemeClr>
+            </a:solidFill>
+          </a:ln>
+        </p:spPr>
+        <p:style>
+          <a:lnRef idx="2">
+            <a:schemeClr val="accent6"/>
+          </a:lnRef>
+          <a:fillRef idx="1">
+            <a:schemeClr val="lt1"/>
+          </a:fillRef>
+          <a:effectRef idx="0">
+            <a:schemeClr val="accent6"/>
+          </a:effectRef>
+          <a:fontRef idx="minor">
+            <a:schemeClr val="dk1"/>
+          </a:fontRef>
+        </p:style>
+        <p:txBody>
+          <a:bodyPr rtlCol="0" anchor="t"/>
+          <a:lstStyle/>
+          <a:p>
+            <a:pPr algn="ctr"/>
+            <a:r>
+              <a:rPr lang="de-DE" sz="1400" dirty="0"/>
+              <a:t>Target 3</a:t>
+            </a:r>
+            <a:endParaRPr lang="en-GB" dirty="0"/>
+          </a:p>
+        </p:txBody>
+      </p:sp>
+      <p:pic>
+        <p:nvPicPr>
+          <p:cNvPr id="54" name="Grafik 53" descr="Zahnräder">
+            <a:extLst>
+              <a:ext uri="{FF2B5EF4-FFF2-40B4-BE49-F238E27FC236}">
+                <a16:creationId xmlns:a16="http://schemas.microsoft.com/office/drawing/2014/main" id="{07C2B25F-5AE4-478E-940B-D1967F7E3592}"/>
+              </a:ext>
+            </a:extLst>
+          </p:cNvPr>
+          <p:cNvPicPr>
+            <a:picLocks noChangeAspect="1"/>
+          </p:cNvPicPr>
+          <p:nvPr/>
+        </p:nvPicPr>
+        <p:blipFill>
+          <a:blip r:embed="rId8">
+            <a:extLst>
+              <a:ext uri="{28A0092B-C50C-407E-A947-70E740481C1C}">
+                <a14:useLocalDpi xmlns:a14="http://schemas.microsoft.com/office/drawing/2010/main" val="0"/>
+              </a:ext>
+              <a:ext uri="{96DAC541-7B7A-43D3-8B79-37D633B846F1}">
+                <asvg:svgBlip xmlns:asvg="http://schemas.microsoft.com/office/drawing/2016/SVG/main" r:embed="rId9"/>
+              </a:ext>
+            </a:extLst>
+          </a:blip>
+          <a:stretch>
+            <a:fillRect/>
+          </a:stretch>
+        </p:blipFill>
+        <p:spPr>
+          <a:xfrm>
+            <a:off x="10673643" y="2933361"/>
+            <a:ext cx="480895" cy="480895"/>
+          </a:xfrm>
+          <a:prstGeom prst="rect">
+            <a:avLst/>
+          </a:prstGeom>
+        </p:spPr>
+      </p:pic>
+      <p:sp>
+        <p:nvSpPr>
+          <p:cNvPr id="65" name="Rechteck: abgerundete Ecken 64">
+            <a:extLst>
+              <a:ext uri="{FF2B5EF4-FFF2-40B4-BE49-F238E27FC236}">
+                <a16:creationId xmlns:a16="http://schemas.microsoft.com/office/drawing/2014/main" id="{82A09F1D-374A-4DD9-96C5-46D5B03C1E85}"/>
+              </a:ext>
+            </a:extLst>
+          </p:cNvPr>
+          <p:cNvSpPr/>
+          <p:nvPr/>
+        </p:nvSpPr>
+        <p:spPr>
+          <a:xfrm>
+            <a:off x="10503439" y="3920842"/>
+            <a:ext cx="878781" cy="778854"/>
+          </a:xfrm>
+          <a:prstGeom prst="roundRect">
+            <a:avLst>
+              <a:gd name="adj" fmla="val 2329"/>
+            </a:avLst>
+          </a:prstGeom>
+          <a:ln>
+            <a:solidFill>
+              <a:schemeClr val="accent1">
+                <a:lumMod val="50000"/>
+              </a:schemeClr>
+            </a:solidFill>
+          </a:ln>
+        </p:spPr>
+        <p:style>
+          <a:lnRef idx="2">
+            <a:schemeClr val="accent6"/>
+          </a:lnRef>
+          <a:fillRef idx="1">
+            <a:schemeClr val="lt1"/>
+          </a:fillRef>
+          <a:effectRef idx="0">
+            <a:schemeClr val="accent6"/>
+          </a:effectRef>
+          <a:fontRef idx="minor">
+            <a:schemeClr val="dk1"/>
+          </a:fontRef>
+        </p:style>
+        <p:txBody>
+          <a:bodyPr rtlCol="0" anchor="t"/>
+          <a:lstStyle/>
+          <a:p>
+            <a:pPr algn="ctr"/>
+            <a:r>
+              <a:rPr lang="de-DE" sz="1400" dirty="0"/>
+              <a:t>Target n</a:t>
+            </a:r>
+            <a:endParaRPr lang="en-GB" dirty="0"/>
+          </a:p>
+        </p:txBody>
+      </p:sp>
+      <p:pic>
+        <p:nvPicPr>
+          <p:cNvPr id="66" name="Grafik 65" descr="Zahnräder">
+            <a:extLst>
+              <a:ext uri="{FF2B5EF4-FFF2-40B4-BE49-F238E27FC236}">
+                <a16:creationId xmlns:a16="http://schemas.microsoft.com/office/drawing/2014/main" id="{461BD4DD-D55C-4026-9135-D5559D9B8076}"/>
+              </a:ext>
+            </a:extLst>
+          </p:cNvPr>
+          <p:cNvPicPr>
+            <a:picLocks noChangeAspect="1"/>
+          </p:cNvPicPr>
+          <p:nvPr/>
+        </p:nvPicPr>
+        <p:blipFill>
+          <a:blip r:embed="rId8">
+            <a:extLst>
+              <a:ext uri="{28A0092B-C50C-407E-A947-70E740481C1C}">
+                <a14:useLocalDpi xmlns:a14="http://schemas.microsoft.com/office/drawing/2010/main" val="0"/>
+              </a:ext>
+              <a:ext uri="{96DAC541-7B7A-43D3-8B79-37D633B846F1}">
+                <asvg:svgBlip xmlns:asvg="http://schemas.microsoft.com/office/drawing/2016/SVG/main" r:embed="rId9"/>
+              </a:ext>
+            </a:extLst>
+          </a:blip>
+          <a:stretch>
+            <a:fillRect/>
+          </a:stretch>
+        </p:blipFill>
+        <p:spPr>
+          <a:xfrm>
+            <a:off x="10690713" y="4143219"/>
+            <a:ext cx="480895" cy="480895"/>
+          </a:xfrm>
+          <a:prstGeom prst="rect">
+            <a:avLst/>
+          </a:prstGeom>
+        </p:spPr>
+      </p:pic>
+      <p:sp>
+        <p:nvSpPr>
+          <p:cNvPr id="67" name="Ellipse 66">
+            <a:extLst>
+              <a:ext uri="{FF2B5EF4-FFF2-40B4-BE49-F238E27FC236}">
+                <a16:creationId xmlns:a16="http://schemas.microsoft.com/office/drawing/2014/main" id="{922CEFAC-0EAF-4350-9DA3-0BE3481824DF}"/>
+              </a:ext>
+            </a:extLst>
+          </p:cNvPr>
+          <p:cNvSpPr/>
+          <p:nvPr/>
+        </p:nvSpPr>
+        <p:spPr>
+          <a:xfrm>
+            <a:off x="9166714" y="4250126"/>
+            <a:ext cx="93989" cy="90442"/>
+          </a:xfrm>
+          <a:prstGeom prst="ellipse">
+            <a:avLst/>
+          </a:prstGeom>
+        </p:spPr>
+        <p:style>
+          <a:lnRef idx="2">
+            <a:schemeClr val="dk1">
+              <a:shade val="50000"/>
+            </a:schemeClr>
+          </a:lnRef>
+          <a:fillRef idx="1">
+            <a:schemeClr val="dk1"/>
+          </a:fillRef>
+          <a:effectRef idx="0">
+            <a:schemeClr val="dk1"/>
+          </a:effectRef>
+          <a:fontRef idx="minor">
+            <a:schemeClr val="lt1"/>
+          </a:fontRef>
+        </p:style>
+        <p:txBody>
+          <a:bodyPr rtlCol="0" anchor="ctr"/>
+          <a:lstStyle/>
+          <a:p>
+            <a:pPr algn="ctr"/>
+            <a:endParaRPr lang="en-US"/>
+          </a:p>
+        </p:txBody>
+      </p:sp>
+      <p:sp>
+        <p:nvSpPr>
+          <p:cNvPr id="68" name="Ellipse 67">
+            <a:extLst>
+              <a:ext uri="{FF2B5EF4-FFF2-40B4-BE49-F238E27FC236}">
+                <a16:creationId xmlns:a16="http://schemas.microsoft.com/office/drawing/2014/main" id="{9340A1B2-6EA1-41F9-AE57-2B3F12007131}"/>
+              </a:ext>
+            </a:extLst>
+          </p:cNvPr>
+          <p:cNvSpPr/>
+          <p:nvPr/>
+        </p:nvSpPr>
+        <p:spPr>
+          <a:xfrm>
+            <a:off x="9394554" y="4257352"/>
+            <a:ext cx="93989" cy="90442"/>
+          </a:xfrm>
+          <a:prstGeom prst="ellipse">
+            <a:avLst/>
+          </a:prstGeom>
+        </p:spPr>
+        <p:style>
+          <a:lnRef idx="2">
+            <a:schemeClr val="dk1">
+              <a:shade val="50000"/>
+            </a:schemeClr>
+          </a:lnRef>
+          <a:fillRef idx="1">
+            <a:schemeClr val="dk1"/>
+          </a:fillRef>
+          <a:effectRef idx="0">
+            <a:schemeClr val="dk1"/>
+          </a:effectRef>
+          <a:fontRef idx="minor">
+            <a:schemeClr val="lt1"/>
+          </a:fontRef>
+        </p:style>
+        <p:txBody>
+          <a:bodyPr rtlCol="0" anchor="ctr"/>
+          <a:lstStyle/>
+          <a:p>
+            <a:pPr algn="ctr"/>
+            <a:endParaRPr lang="en-US"/>
+          </a:p>
+        </p:txBody>
+      </p:sp>
+      <p:sp>
+        <p:nvSpPr>
+          <p:cNvPr id="69" name="Ellipse 68">
+            <a:extLst>
+              <a:ext uri="{FF2B5EF4-FFF2-40B4-BE49-F238E27FC236}">
+                <a16:creationId xmlns:a16="http://schemas.microsoft.com/office/drawing/2014/main" id="{E2C454C0-5D85-4D51-A908-E7E91FBD4C5E}"/>
+              </a:ext>
+            </a:extLst>
+          </p:cNvPr>
+          <p:cNvSpPr/>
+          <p:nvPr/>
+        </p:nvSpPr>
+        <p:spPr>
+          <a:xfrm>
+            <a:off x="9626085" y="4250126"/>
+            <a:ext cx="93989" cy="90442"/>
+          </a:xfrm>
+          <a:prstGeom prst="ellipse">
+            <a:avLst/>
+          </a:prstGeom>
+        </p:spPr>
+        <p:style>
+          <a:lnRef idx="2">
+            <a:schemeClr val="dk1">
+              <a:shade val="50000"/>
+            </a:schemeClr>
+          </a:lnRef>
+          <a:fillRef idx="1">
+            <a:schemeClr val="dk1"/>
+          </a:fillRef>
+          <a:effectRef idx="0">
+            <a:schemeClr val="dk1"/>
+          </a:effectRef>
+          <a:fontRef idx="minor">
+            <a:schemeClr val="lt1"/>
+          </a:fontRef>
+        </p:style>
+        <p:txBody>
+          <a:bodyPr rtlCol="0" anchor="ctr"/>
+          <a:lstStyle/>
+          <a:p>
+            <a:pPr algn="ctr"/>
+            <a:endParaRPr lang="en-US"/>
+          </a:p>
+        </p:txBody>
+      </p:sp>
+      <p:sp>
+        <p:nvSpPr>
+          <p:cNvPr id="70" name="Ellipse 69">
+            <a:extLst>
+              <a:ext uri="{FF2B5EF4-FFF2-40B4-BE49-F238E27FC236}">
+                <a16:creationId xmlns:a16="http://schemas.microsoft.com/office/drawing/2014/main" id="{9F0AC10B-2871-4B2E-AF40-19D3AD3CEBA7}"/>
+              </a:ext>
+            </a:extLst>
+          </p:cNvPr>
+          <p:cNvSpPr/>
+          <p:nvPr/>
+        </p:nvSpPr>
+        <p:spPr>
+          <a:xfrm>
+            <a:off x="9854487" y="4257352"/>
+            <a:ext cx="93989" cy="90442"/>
+          </a:xfrm>
+          <a:prstGeom prst="ellipse">
+            <a:avLst/>
+          </a:prstGeom>
+        </p:spPr>
+        <p:style>
+          <a:lnRef idx="2">
+            <a:schemeClr val="dk1">
+              <a:shade val="50000"/>
+            </a:schemeClr>
+          </a:lnRef>
+          <a:fillRef idx="1">
+            <a:schemeClr val="dk1"/>
+          </a:fillRef>
+          <a:effectRef idx="0">
+            <a:schemeClr val="dk1"/>
+          </a:effectRef>
+          <a:fontRef idx="minor">
+            <a:schemeClr val="lt1"/>
+          </a:fontRef>
+        </p:style>
+        <p:txBody>
+          <a:bodyPr rtlCol="0" anchor="ctr"/>
+          <a:lstStyle/>
+          <a:p>
+            <a:pPr algn="ctr"/>
+            <a:endParaRPr lang="en-US"/>
+          </a:p>
+        </p:txBody>
+      </p:sp>
+      <p:cxnSp>
+        <p:nvCxnSpPr>
+          <p:cNvPr id="74" name="Gerader Verbinder 73">
+            <a:extLst>
+              <a:ext uri="{FF2B5EF4-FFF2-40B4-BE49-F238E27FC236}">
+                <a16:creationId xmlns:a16="http://schemas.microsoft.com/office/drawing/2014/main" id="{471BC57F-B7E6-454D-A5B0-5F8AD54851CC}"/>
+              </a:ext>
+            </a:extLst>
+          </p:cNvPr>
+          <p:cNvCxnSpPr>
+            <a:cxnSpLocks/>
+            <a:stCxn id="51" idx="0"/>
+          </p:cNvCxnSpPr>
+          <p:nvPr/>
+        </p:nvCxnSpPr>
+        <p:spPr>
+          <a:xfrm flipH="1" flipV="1">
+            <a:off x="10008946" y="2504361"/>
+            <a:ext cx="2448" cy="176030"/>
+          </a:xfrm>
+          <a:prstGeom prst="line">
+            <a:avLst/>
+          </a:prstGeom>
+          <a:ln>
+            <a:solidFill>
+              <a:schemeClr val="tx1"/>
+            </a:solidFill>
+          </a:ln>
+        </p:spPr>
+        <p:style>
+          <a:lnRef idx="1">
+            <a:schemeClr val="accent1"/>
+          </a:lnRef>
+          <a:fillRef idx="0">
+            <a:schemeClr val="accent1"/>
+          </a:fillRef>
+          <a:effectRef idx="0">
+            <a:schemeClr val="accent1"/>
+          </a:effectRef>
+          <a:fontRef idx="minor">
+            <a:schemeClr val="tx1"/>
+          </a:fontRef>
+        </p:style>
+      </p:cxnSp>
+      <p:cxnSp>
+        <p:nvCxnSpPr>
+          <p:cNvPr id="75" name="Gerader Verbinder 74">
+            <a:extLst>
+              <a:ext uri="{FF2B5EF4-FFF2-40B4-BE49-F238E27FC236}">
+                <a16:creationId xmlns:a16="http://schemas.microsoft.com/office/drawing/2014/main" id="{40A74069-7143-4EE1-BAE5-695400524B15}"/>
+              </a:ext>
+            </a:extLst>
+          </p:cNvPr>
+          <p:cNvCxnSpPr>
+            <a:cxnSpLocks/>
+            <a:stCxn id="62" idx="0"/>
+          </p:cNvCxnSpPr>
+          <p:nvPr/>
+        </p:nvCxnSpPr>
+        <p:spPr>
+          <a:xfrm flipV="1">
+            <a:off x="10942830" y="2509089"/>
+            <a:ext cx="0" cy="171302"/>
+          </a:xfrm>
+          <a:prstGeom prst="line">
+            <a:avLst/>
+          </a:prstGeom>
+          <a:ln>
+            <a:solidFill>
+              <a:schemeClr val="tx1"/>
+            </a:solidFill>
+          </a:ln>
+        </p:spPr>
+        <p:style>
+          <a:lnRef idx="1">
+            <a:schemeClr val="accent1"/>
+          </a:lnRef>
+          <a:fillRef idx="0">
+            <a:schemeClr val="accent1"/>
+          </a:fillRef>
+          <a:effectRef idx="0">
+            <a:schemeClr val="accent1"/>
+          </a:effectRef>
+          <a:fontRef idx="minor">
+            <a:schemeClr val="tx1"/>
+          </a:fontRef>
+        </p:style>
+      </p:cxnSp>
+      <p:cxnSp>
+        <p:nvCxnSpPr>
+          <p:cNvPr id="76" name="Gerader Verbinder 75">
+            <a:extLst>
+              <a:ext uri="{FF2B5EF4-FFF2-40B4-BE49-F238E27FC236}">
+                <a16:creationId xmlns:a16="http://schemas.microsoft.com/office/drawing/2014/main" id="{6656423B-222F-4FEB-B082-560D4ADBE8AB}"/>
+              </a:ext>
+            </a:extLst>
+          </p:cNvPr>
+          <p:cNvCxnSpPr>
+            <a:cxnSpLocks/>
+          </p:cNvCxnSpPr>
+          <p:nvPr/>
+        </p:nvCxnSpPr>
+        <p:spPr>
+          <a:xfrm flipH="1">
+            <a:off x="9077512" y="2509089"/>
+            <a:ext cx="1865317" cy="0"/>
+          </a:xfrm>
+          <a:prstGeom prst="line">
+            <a:avLst/>
+          </a:prstGeom>
+          <a:ln>
+            <a:solidFill>
+              <a:schemeClr val="tx1"/>
+            </a:solidFill>
+          </a:ln>
+        </p:spPr>
+        <p:style>
+          <a:lnRef idx="1">
+            <a:schemeClr val="accent1"/>
+          </a:lnRef>
+          <a:fillRef idx="0">
+            <a:schemeClr val="accent1"/>
+          </a:fillRef>
+          <a:effectRef idx="0">
+            <a:schemeClr val="accent1"/>
+          </a:effectRef>
+          <a:fontRef idx="minor">
+            <a:schemeClr val="tx1"/>
+          </a:fontRef>
+        </p:style>
+      </p:cxnSp>
+      <p:cxnSp>
+        <p:nvCxnSpPr>
+          <p:cNvPr id="79" name="Gerader Verbinder 78">
+            <a:extLst>
+              <a:ext uri="{FF2B5EF4-FFF2-40B4-BE49-F238E27FC236}">
+                <a16:creationId xmlns:a16="http://schemas.microsoft.com/office/drawing/2014/main" id="{23C9FA06-3311-43A3-91F1-B7C9FAFAE99D}"/>
+              </a:ext>
+            </a:extLst>
+          </p:cNvPr>
+          <p:cNvCxnSpPr>
+            <a:cxnSpLocks/>
+          </p:cNvCxnSpPr>
+          <p:nvPr/>
+        </p:nvCxnSpPr>
+        <p:spPr>
+          <a:xfrm>
+            <a:off x="10004545" y="1837898"/>
+            <a:ext cx="3632" cy="675920"/>
+          </a:xfrm>
+          <a:prstGeom prst="line">
+            <a:avLst/>
+          </a:prstGeom>
+          <a:ln>
+            <a:solidFill>
+              <a:schemeClr val="tx1"/>
+            </a:solidFill>
+          </a:ln>
+        </p:spPr>
+        <p:style>
+          <a:lnRef idx="1">
+            <a:schemeClr val="accent1"/>
+          </a:lnRef>
+          <a:fillRef idx="0">
+            <a:schemeClr val="accent1"/>
+          </a:fillRef>
+          <a:effectRef idx="0">
+            <a:schemeClr val="accent1"/>
+          </a:effectRef>
+          <a:fontRef idx="minor">
+            <a:schemeClr val="tx1"/>
+          </a:fontRef>
+        </p:style>
+      </p:cxnSp>
+      <p:cxnSp>
+        <p:nvCxnSpPr>
+          <p:cNvPr id="94" name="Verbinder: gewinkelt 93">
+            <a:extLst>
+              <a:ext uri="{FF2B5EF4-FFF2-40B4-BE49-F238E27FC236}">
+                <a16:creationId xmlns:a16="http://schemas.microsoft.com/office/drawing/2014/main" id="{09081ED7-F8C8-4266-B35F-8059B2158E20}"/>
+              </a:ext>
+            </a:extLst>
+          </p:cNvPr>
+          <p:cNvCxnSpPr>
+            <a:cxnSpLocks/>
+            <a:endCxn id="11" idx="3"/>
+          </p:cNvCxnSpPr>
+          <p:nvPr/>
+        </p:nvCxnSpPr>
+        <p:spPr>
+          <a:xfrm rot="10800000" flipV="1">
+            <a:off x="7657579" y="1843753"/>
+            <a:ext cx="2347047" cy="1"/>
+          </a:xfrm>
+          <a:prstGeom prst="bentConnector3">
+            <a:avLst>
+              <a:gd name="adj1" fmla="val 50000"/>
+            </a:avLst>
+          </a:prstGeom>
+          <a:ln>
+            <a:solidFill>
+              <a:schemeClr val="tx1"/>
+            </a:solidFill>
+            <a:tailEnd type="triangle"/>
+          </a:ln>
+        </p:spPr>
+        <p:style>
+          <a:lnRef idx="1">
+            <a:schemeClr val="accent1"/>
+          </a:lnRef>
+          <a:fillRef idx="0">
+            <a:schemeClr val="accent1"/>
+          </a:fillRef>
+          <a:effectRef idx="0">
+            <a:schemeClr val="accent1"/>
+          </a:effectRef>
+          <a:fontRef idx="minor">
+            <a:schemeClr val="tx1"/>
+          </a:fontRef>
+        </p:style>
+      </p:cxnSp>
+      <p:cxnSp>
+        <p:nvCxnSpPr>
+          <p:cNvPr id="102" name="Gerade Verbindung mit Pfeil 101">
+            <a:extLst>
+              <a:ext uri="{FF2B5EF4-FFF2-40B4-BE49-F238E27FC236}">
+                <a16:creationId xmlns:a16="http://schemas.microsoft.com/office/drawing/2014/main" id="{5CF1BDCF-A81F-474C-AE3A-BF44AA21859E}"/>
+              </a:ext>
+            </a:extLst>
+          </p:cNvPr>
+          <p:cNvCxnSpPr>
+            <a:cxnSpLocks/>
+            <a:endCxn id="27" idx="2"/>
+          </p:cNvCxnSpPr>
+          <p:nvPr/>
+        </p:nvCxnSpPr>
+        <p:spPr>
+          <a:xfrm flipV="1">
+            <a:off x="9081318" y="3459245"/>
+            <a:ext cx="0" cy="224226"/>
+          </a:xfrm>
+          <a:prstGeom prst="straightConnector1">
+            <a:avLst/>
+          </a:prstGeom>
+          <a:ln>
+            <a:solidFill>
+              <a:schemeClr val="tx1"/>
+            </a:solidFill>
+            <a:tailEnd type="triangle"/>
+          </a:ln>
+        </p:spPr>
+        <p:style>
+          <a:lnRef idx="1">
+            <a:schemeClr val="accent1"/>
+          </a:lnRef>
+          <a:fillRef idx="0">
+            <a:schemeClr val="accent1"/>
+          </a:fillRef>
+          <a:effectRef idx="0">
+            <a:schemeClr val="accent1"/>
+          </a:effectRef>
+          <a:fontRef idx="minor">
+            <a:schemeClr val="tx1"/>
+          </a:fontRef>
+        </p:style>
+      </p:cxnSp>
+      <p:cxnSp>
+        <p:nvCxnSpPr>
+          <p:cNvPr id="108" name="Gerade Verbindung mit Pfeil 107">
+            <a:extLst>
+              <a:ext uri="{FF2B5EF4-FFF2-40B4-BE49-F238E27FC236}">
+                <a16:creationId xmlns:a16="http://schemas.microsoft.com/office/drawing/2014/main" id="{13B1EF21-C3B0-44EF-82EF-C91332B042EF}"/>
+              </a:ext>
+            </a:extLst>
+          </p:cNvPr>
+          <p:cNvCxnSpPr>
+            <a:cxnSpLocks/>
+          </p:cNvCxnSpPr>
+          <p:nvPr/>
+        </p:nvCxnSpPr>
+        <p:spPr>
+          <a:xfrm flipV="1">
+            <a:off x="10004545" y="3459245"/>
+            <a:ext cx="0" cy="224226"/>
+          </a:xfrm>
+          <a:prstGeom prst="straightConnector1">
+            <a:avLst/>
+          </a:prstGeom>
+          <a:ln>
+            <a:solidFill>
+              <a:schemeClr val="tx1"/>
+            </a:solidFill>
+            <a:tailEnd type="triangle"/>
+          </a:ln>
+        </p:spPr>
+        <p:style>
+          <a:lnRef idx="1">
+            <a:schemeClr val="accent1"/>
+          </a:lnRef>
+          <a:fillRef idx="0">
+            <a:schemeClr val="accent1"/>
+          </a:fillRef>
+          <a:effectRef idx="0">
+            <a:schemeClr val="accent1"/>
+          </a:effectRef>
+          <a:fontRef idx="minor">
+            <a:schemeClr val="tx1"/>
+          </a:fontRef>
+        </p:style>
+      </p:cxnSp>
+      <p:cxnSp>
+        <p:nvCxnSpPr>
+          <p:cNvPr id="109" name="Gerade Verbindung mit Pfeil 108">
+            <a:extLst>
+              <a:ext uri="{FF2B5EF4-FFF2-40B4-BE49-F238E27FC236}">
+                <a16:creationId xmlns:a16="http://schemas.microsoft.com/office/drawing/2014/main" id="{7A54F91E-1EE6-40F8-9088-4A50CB2496D8}"/>
+              </a:ext>
+            </a:extLst>
+          </p:cNvPr>
+          <p:cNvCxnSpPr>
+            <a:cxnSpLocks/>
+          </p:cNvCxnSpPr>
+          <p:nvPr/>
+        </p:nvCxnSpPr>
+        <p:spPr>
+          <a:xfrm flipV="1">
+            <a:off x="10943884" y="3459245"/>
+            <a:ext cx="0" cy="224226"/>
+          </a:xfrm>
+          <a:prstGeom prst="straightConnector1">
+            <a:avLst/>
+          </a:prstGeom>
+          <a:ln>
+            <a:solidFill>
+              <a:schemeClr val="tx1"/>
+            </a:solidFill>
+            <a:tailEnd type="triangle"/>
+          </a:ln>
+        </p:spPr>
+        <p:style>
+          <a:lnRef idx="1">
+            <a:schemeClr val="accent1"/>
+          </a:lnRef>
+          <a:fillRef idx="0">
+            <a:schemeClr val="accent1"/>
+          </a:fillRef>
+          <a:effectRef idx="0">
+            <a:schemeClr val="accent1"/>
+          </a:effectRef>
+          <a:fontRef idx="minor">
+            <a:schemeClr val="tx1"/>
+          </a:fontRef>
+        </p:style>
+      </p:cxnSp>
+    </p:spTree>
+    <p:extLst>
+      <p:ext uri="{BB962C8B-B14F-4D97-AF65-F5344CB8AC3E}">
+        <p14:creationId xmlns:p14="http://schemas.microsoft.com/office/powerpoint/2010/main" val="2922873529"/>
+      </p:ext>
+    </p:extLst>
+  </p:cSld>
+  <p:clrMapOvr>
+    <a:masterClrMapping/>
+  </p:clrMapOvr>
+</p:sld>
+</file>
+
 <file path=ppt/theme/theme1.xml><?xml version="1.0" encoding="utf-8"?>
 <a:theme xmlns:a="http://schemas.openxmlformats.org/drawingml/2006/main" name="Office">
   <a:themeElements>
